--- a/files/openEHR_diagrams_sources.pptx
+++ b/files/openEHR_diagrams_sources.pptx
@@ -317,7 +317,7 @@
             <a:fld id="{C17C92CA-27BA-48D5-B9B9-4E9A3862C39B}" type="datetimeFigureOut">
               <a:rPr lang="en-US" smtClean="0"/>
               <a:pPr/>
-              <a:t>12/1/2014</a:t>
+              <a:t>12/5/2014</a:t>
             </a:fld>
             <a:endParaRPr lang="en-US"/>
           </a:p>
@@ -484,7 +484,7 @@
             <a:fld id="{C17C92CA-27BA-48D5-B9B9-4E9A3862C39B}" type="datetimeFigureOut">
               <a:rPr lang="en-US" smtClean="0"/>
               <a:pPr/>
-              <a:t>12/1/2014</a:t>
+              <a:t>12/5/2014</a:t>
             </a:fld>
             <a:endParaRPr lang="en-US"/>
           </a:p>
@@ -661,7 +661,7 @@
             <a:fld id="{C17C92CA-27BA-48D5-B9B9-4E9A3862C39B}" type="datetimeFigureOut">
               <a:rPr lang="en-US" smtClean="0"/>
               <a:pPr/>
-              <a:t>12/1/2014</a:t>
+              <a:t>12/5/2014</a:t>
             </a:fld>
             <a:endParaRPr lang="en-US"/>
           </a:p>
@@ -828,7 +828,7 @@
             <a:fld id="{C17C92CA-27BA-48D5-B9B9-4E9A3862C39B}" type="datetimeFigureOut">
               <a:rPr lang="en-US" smtClean="0"/>
               <a:pPr/>
-              <a:t>12/1/2014</a:t>
+              <a:t>12/5/2014</a:t>
             </a:fld>
             <a:endParaRPr lang="en-US"/>
           </a:p>
@@ -1071,7 +1071,7 @@
             <a:fld id="{C17C92CA-27BA-48D5-B9B9-4E9A3862C39B}" type="datetimeFigureOut">
               <a:rPr lang="en-US" smtClean="0"/>
               <a:pPr/>
-              <a:t>12/1/2014</a:t>
+              <a:t>12/5/2014</a:t>
             </a:fld>
             <a:endParaRPr lang="en-US"/>
           </a:p>
@@ -1356,7 +1356,7 @@
             <a:fld id="{C17C92CA-27BA-48D5-B9B9-4E9A3862C39B}" type="datetimeFigureOut">
               <a:rPr lang="en-US" smtClean="0"/>
               <a:pPr/>
-              <a:t>12/1/2014</a:t>
+              <a:t>12/5/2014</a:t>
             </a:fld>
             <a:endParaRPr lang="en-US"/>
           </a:p>
@@ -1775,7 +1775,7 @@
             <a:fld id="{C17C92CA-27BA-48D5-B9B9-4E9A3862C39B}" type="datetimeFigureOut">
               <a:rPr lang="en-US" smtClean="0"/>
               <a:pPr/>
-              <a:t>12/1/2014</a:t>
+              <a:t>12/5/2014</a:t>
             </a:fld>
             <a:endParaRPr lang="en-US"/>
           </a:p>
@@ -1890,7 +1890,7 @@
             <a:fld id="{C17C92CA-27BA-48D5-B9B9-4E9A3862C39B}" type="datetimeFigureOut">
               <a:rPr lang="en-US" smtClean="0"/>
               <a:pPr/>
-              <a:t>12/1/2014</a:t>
+              <a:t>12/5/2014</a:t>
             </a:fld>
             <a:endParaRPr lang="en-US"/>
           </a:p>
@@ -1982,7 +1982,7 @@
             <a:fld id="{C17C92CA-27BA-48D5-B9B9-4E9A3862C39B}" type="datetimeFigureOut">
               <a:rPr lang="en-US" smtClean="0"/>
               <a:pPr/>
-              <a:t>12/1/2014</a:t>
+              <a:t>12/5/2014</a:t>
             </a:fld>
             <a:endParaRPr lang="en-US"/>
           </a:p>
@@ -2256,7 +2256,7 @@
             <a:fld id="{C17C92CA-27BA-48D5-B9B9-4E9A3862C39B}" type="datetimeFigureOut">
               <a:rPr lang="en-US" smtClean="0"/>
               <a:pPr/>
-              <a:t>12/1/2014</a:t>
+              <a:t>12/5/2014</a:t>
             </a:fld>
             <a:endParaRPr lang="en-US"/>
           </a:p>
@@ -2506,7 +2506,7 @@
             <a:fld id="{C17C92CA-27BA-48D5-B9B9-4E9A3862C39B}" type="datetimeFigureOut">
               <a:rPr lang="en-US" smtClean="0"/>
               <a:pPr/>
-              <a:t>12/1/2014</a:t>
+              <a:t>12/5/2014</a:t>
             </a:fld>
             <a:endParaRPr lang="en-US"/>
           </a:p>
@@ -2716,7 +2716,7 @@
             <a:fld id="{C17C92CA-27BA-48D5-B9B9-4E9A3862C39B}" type="datetimeFigureOut">
               <a:rPr lang="en-US" smtClean="0"/>
               <a:pPr/>
-              <a:t>12/1/2014</a:t>
+              <a:t>12/5/2014</a:t>
             </a:fld>
             <a:endParaRPr lang="en-US"/>
           </a:p>
@@ -24147,20 +24147,20 @@
               <a:t>Qualified </a:t>
             </a:r>
             <a:r>
-              <a:rPr lang="en-US" b="1" dirty="0" err="1" smtClean="0">
-                <a:solidFill>
-                  <a:srgbClr val="00335F"/>
-                </a:solidFill>
-              </a:rPr>
-              <a:t>Memebers</a:t>
-            </a:r>
-            <a:r>
               <a:rPr lang="en-US" b="1" dirty="0" smtClean="0">
                 <a:solidFill>
                   <a:srgbClr val="00335F"/>
                 </a:solidFill>
               </a:rPr>
-              <a:t> (QM)</a:t>
+              <a:t>Members </a:t>
+            </a:r>
+            <a:r>
+              <a:rPr lang="en-US" b="1" dirty="0" smtClean="0">
+                <a:solidFill>
+                  <a:srgbClr val="00335F"/>
+                </a:solidFill>
+              </a:rPr>
+              <a:t>(QM)</a:t>
             </a:r>
           </a:p>
         </p:txBody>
@@ -25410,6 +25410,13 @@
   <p:clrMapOvr>
     <a:masterClrMapping/>
   </p:clrMapOvr>
+  <p:timing>
+    <p:tnLst>
+      <p:par>
+        <p:cTn id="1" dur="indefinite" restart="never" nodeType="tmRoot"/>
+      </p:par>
+    </p:tnLst>
+  </p:timing>
 </p:sld>
 </file>
 
@@ -26684,16 +26691,14 @@
         </p:nvSpPr>
         <p:spPr>
           <a:xfrm>
-            <a:off x="2941897" y="1844824"/>
+            <a:off x="3157921" y="1401474"/>
             <a:ext cx="1800200" cy="792088"/>
           </a:xfrm>
           <a:prstGeom prst="roundRect">
             <a:avLst/>
           </a:prstGeom>
           <a:solidFill>
-            <a:schemeClr val="bg1">
-              <a:lumMod val="85000"/>
-            </a:schemeClr>
+            <a:srgbClr val="EDC87A"/>
           </a:solidFill>
           <a:ln>
             <a:noFill/>
@@ -26768,17 +26773,19 @@
         </p:nvSpPr>
         <p:spPr>
           <a:xfrm>
-            <a:off x="3926730" y="5189526"/>
+            <a:off x="4142754" y="4746176"/>
             <a:ext cx="2016224" cy="468052"/>
           </a:xfrm>
           <a:prstGeom prst="roundRect">
             <a:avLst/>
           </a:prstGeom>
           <a:solidFill>
-            <a:srgbClr val="EDC87A"/>
+            <a:srgbClr val="BADDEE"/>
           </a:solidFill>
           <a:ln>
-            <a:noFill/>
+            <a:solidFill>
+              <a:srgbClr val="BADDEE"/>
+            </a:solidFill>
           </a:ln>
           <a:effectLst>
             <a:outerShdw blurRad="44450" dist="27940" dir="5400000" algn="ctr">
@@ -26821,18 +26828,13 @@
           <a:p>
             <a:pPr algn="ctr"/>
             <a:r>
-              <a:rPr lang="en-US" dirty="0" smtClean="0">
+              <a:rPr lang="en-US" sz="1600" b="1" dirty="0" smtClean="0">
                 <a:solidFill>
                   <a:srgbClr val="00335F"/>
                 </a:solidFill>
               </a:rPr>
               <a:t>Reference Model</a:t>
             </a:r>
-            <a:endParaRPr lang="en-US" dirty="0" smtClean="0">
-              <a:solidFill>
-                <a:srgbClr val="00335F"/>
-              </a:solidFill>
-            </a:endParaRPr>
           </a:p>
         </p:txBody>
       </p:sp>
@@ -26875,8 +26877,8 @@
         </p:nvSpPr>
         <p:spPr>
           <a:xfrm>
-            <a:off x="5220072" y="1644551"/>
-            <a:ext cx="3275856" cy="1192634"/>
+            <a:off x="5348926" y="1155391"/>
+            <a:ext cx="3528392" cy="1477328"/>
           </a:xfrm>
           <a:prstGeom prst="rect">
             <a:avLst/>
@@ -26898,7 +26900,15 @@
             </a:pPr>
             <a:r>
               <a:rPr lang="en-US" sz="1600" dirty="0" smtClean="0"/>
-              <a:t> Up to 3 elected co-chairs (2y)</a:t>
+              <a:t> </a:t>
+            </a:r>
+            <a:r>
+              <a:rPr lang="en-US" sz="1600" dirty="0" smtClean="0"/>
+              <a:t>2 elected </a:t>
+            </a:r>
+            <a:r>
+              <a:rPr lang="en-US" sz="1600" dirty="0" smtClean="0"/>
+              <a:t>co-chairs (2y)</a:t>
             </a:r>
           </a:p>
           <a:p>
@@ -26911,15 +26921,11 @@
             </a:pPr>
             <a:r>
               <a:rPr lang="en-US" sz="1600" dirty="0" smtClean="0"/>
-              <a:t> 1 member from each CMG </a:t>
+              <a:t> </a:t>
             </a:r>
             <a:r>
               <a:rPr lang="en-US" sz="1600" dirty="0" smtClean="0"/>
-              <a:t>(</a:t>
-            </a:r>
-            <a:r>
-              <a:rPr lang="en-US" sz="1600" dirty="0" smtClean="0"/>
-              <a:t>2y)</a:t>
+              <a:t>Each Component has a maintainer</a:t>
             </a:r>
           </a:p>
           <a:p>
@@ -26932,12 +26938,9 @@
             </a:pPr>
             <a:r>
               <a:rPr lang="en-US" sz="1600" dirty="0" smtClean="0"/>
-              <a:t> Size: min </a:t>
-            </a:r>
-            <a:r>
-              <a:rPr lang="en-US" sz="1600" dirty="0" smtClean="0"/>
-              <a:t>5 members</a:t>
-            </a:r>
+              <a:t> Unlimited number of reviewers</a:t>
+            </a:r>
+            <a:endParaRPr lang="en-US" sz="1600" dirty="0" smtClean="0"/>
           </a:p>
           <a:p>
             <a:pPr>
@@ -26948,16 +26951,37 @@
               <a:buChar char="•"/>
             </a:pPr>
             <a:r>
+              <a:rPr lang="en-US" sz="1600" dirty="0"/>
+              <a:t> </a:t>
+            </a:r>
+            <a:r>
+              <a:rPr lang="en-US" sz="1600" dirty="0" smtClean="0"/>
+              <a:t>Minimum </a:t>
+            </a:r>
+            <a:r>
+              <a:rPr lang="en-US" sz="1600" dirty="0" smtClean="0"/>
+              <a:t>5 members</a:t>
+            </a:r>
+          </a:p>
+          <a:p>
+            <a:pPr>
+              <a:spcAft>
+                <a:spcPts val="300"/>
+              </a:spcAft>
+              <a:buFont typeface="Arial" pitchFamily="34" charset="0"/>
+              <a:buChar char="•"/>
+            </a:pPr>
+            <a:r>
               <a:rPr lang="en-US" sz="1600" dirty="0" smtClean="0"/>
               <a:t> Entry </a:t>
             </a:r>
             <a:r>
               <a:rPr lang="en-US" sz="1600" dirty="0"/>
-              <a:t>by Program </a:t>
+              <a:t>by </a:t>
             </a:r>
             <a:r>
               <a:rPr lang="en-US" sz="1600" dirty="0" smtClean="0"/>
-              <a:t>vote</a:t>
+              <a:t>Committee vote</a:t>
             </a:r>
             <a:endParaRPr lang="en-US" sz="1600" dirty="0"/>
           </a:p>
@@ -26971,17 +26995,19 @@
         </p:nvSpPr>
         <p:spPr>
           <a:xfrm>
-            <a:off x="3923928" y="4631464"/>
+            <a:off x="4139952" y="4188114"/>
             <a:ext cx="2016224" cy="468052"/>
           </a:xfrm>
           <a:prstGeom prst="roundRect">
             <a:avLst/>
           </a:prstGeom>
           <a:solidFill>
-            <a:srgbClr val="EDC87A"/>
+            <a:srgbClr val="BADDEE"/>
           </a:solidFill>
           <a:ln>
-            <a:noFill/>
+            <a:solidFill>
+              <a:srgbClr val="BADDEE"/>
+            </a:solidFill>
           </a:ln>
           <a:effectLst>
             <a:outerShdw blurRad="44450" dist="27940" dir="5400000" algn="ctr">
@@ -27024,18 +27050,13 @@
           <a:p>
             <a:pPr algn="ctr"/>
             <a:r>
-              <a:rPr lang="en-US" dirty="0" smtClean="0">
+              <a:rPr lang="en-US" sz="1600" b="1" dirty="0" smtClean="0">
                 <a:solidFill>
                   <a:srgbClr val="00335F"/>
                 </a:solidFill>
               </a:rPr>
               <a:t>Archetype Model</a:t>
             </a:r>
-            <a:endParaRPr lang="en-US" dirty="0" smtClean="0">
-              <a:solidFill>
-                <a:srgbClr val="00335F"/>
-              </a:solidFill>
-            </a:endParaRPr>
           </a:p>
         </p:txBody>
       </p:sp>
@@ -27047,17 +27068,19 @@
         </p:nvSpPr>
         <p:spPr>
           <a:xfrm>
-            <a:off x="3926730" y="4070371"/>
+            <a:off x="4142754" y="3627021"/>
             <a:ext cx="2016224" cy="468052"/>
           </a:xfrm>
           <a:prstGeom prst="roundRect">
             <a:avLst/>
           </a:prstGeom>
           <a:solidFill>
-            <a:srgbClr val="EDC87A"/>
+            <a:srgbClr val="BADDEE"/>
           </a:solidFill>
           <a:ln>
-            <a:noFill/>
+            <a:solidFill>
+              <a:srgbClr val="BADDEE"/>
+            </a:solidFill>
           </a:ln>
           <a:effectLst>
             <a:outerShdw blurRad="44450" dist="27940" dir="5400000" algn="ctr">
@@ -27100,18 +27123,13 @@
           <a:p>
             <a:pPr algn="ctr"/>
             <a:r>
-              <a:rPr lang="en-US" dirty="0" smtClean="0">
+              <a:rPr lang="en-US" sz="1600" b="1" dirty="0" smtClean="0">
                 <a:solidFill>
                   <a:srgbClr val="00335F"/>
                 </a:solidFill>
               </a:rPr>
               <a:t>Service Model</a:t>
             </a:r>
-            <a:endParaRPr lang="en-US" dirty="0" smtClean="0">
-              <a:solidFill>
-                <a:srgbClr val="00335F"/>
-              </a:solidFill>
-            </a:endParaRPr>
           </a:p>
         </p:txBody>
       </p:sp>
@@ -27123,17 +27141,19 @@
         </p:nvSpPr>
         <p:spPr>
           <a:xfrm>
-            <a:off x="1835696" y="5189526"/>
+            <a:off x="2051720" y="4746176"/>
             <a:ext cx="2016224" cy="468052"/>
           </a:xfrm>
           <a:prstGeom prst="roundRect">
             <a:avLst/>
           </a:prstGeom>
           <a:solidFill>
-            <a:srgbClr val="F7E8C1"/>
+            <a:srgbClr val="BADDEE"/>
           </a:solidFill>
           <a:ln>
-            <a:noFill/>
+            <a:solidFill>
+              <a:srgbClr val="BADDEE"/>
+            </a:solidFill>
           </a:ln>
           <a:effectLst>
             <a:outerShdw blurRad="44450" dist="27940" dir="5400000" algn="ctr">
@@ -27176,18 +27196,13 @@
           <a:p>
             <a:pPr algn="ctr"/>
             <a:r>
-              <a:rPr lang="en-US" dirty="0" smtClean="0">
+              <a:rPr lang="en-US" sz="1600" b="1" dirty="0" smtClean="0">
                 <a:solidFill>
                   <a:srgbClr val="00335F"/>
                 </a:solidFill>
               </a:rPr>
               <a:t>Terminology</a:t>
             </a:r>
-            <a:endParaRPr lang="en-US" dirty="0" smtClean="0">
-              <a:solidFill>
-                <a:srgbClr val="00335F"/>
-              </a:solidFill>
-            </a:endParaRPr>
           </a:p>
         </p:txBody>
       </p:sp>
@@ -27199,17 +27214,19 @@
         </p:nvSpPr>
         <p:spPr>
           <a:xfrm>
-            <a:off x="1835696" y="4631464"/>
+            <a:off x="2051720" y="4188114"/>
             <a:ext cx="2016224" cy="468052"/>
           </a:xfrm>
           <a:prstGeom prst="roundRect">
             <a:avLst/>
           </a:prstGeom>
           <a:solidFill>
-            <a:srgbClr val="F7E8C1"/>
+            <a:srgbClr val="BADDEE"/>
           </a:solidFill>
           <a:ln>
-            <a:noFill/>
+            <a:solidFill>
+              <a:srgbClr val="BADDEE"/>
+            </a:solidFill>
           </a:ln>
           <a:effectLst>
             <a:outerShdw blurRad="44450" dist="27940" dir="5400000" algn="ctr">
@@ -27252,18 +27269,13 @@
           <a:p>
             <a:pPr algn="ctr"/>
             <a:r>
-              <a:rPr lang="en-US" dirty="0" smtClean="0">
+              <a:rPr lang="en-US" sz="1600" b="1" dirty="0" smtClean="0">
                 <a:solidFill>
                   <a:srgbClr val="00335F"/>
                 </a:solidFill>
               </a:rPr>
               <a:t>Querying</a:t>
             </a:r>
-            <a:endParaRPr lang="en-US" dirty="0" smtClean="0">
-              <a:solidFill>
-                <a:srgbClr val="00335F"/>
-              </a:solidFill>
-            </a:endParaRPr>
           </a:p>
         </p:txBody>
       </p:sp>
@@ -27275,20 +27287,19 @@
         </p:nvSpPr>
         <p:spPr>
           <a:xfrm>
-            <a:off x="3923928" y="3512310"/>
+            <a:off x="4139952" y="3068960"/>
             <a:ext cx="2016224" cy="468052"/>
           </a:xfrm>
           <a:prstGeom prst="roundRect">
             <a:avLst/>
           </a:prstGeom>
           <a:solidFill>
-            <a:schemeClr val="accent5">
-              <a:lumMod val="20000"/>
-              <a:lumOff val="80000"/>
-            </a:schemeClr>
+            <a:srgbClr val="BADDEE"/>
           </a:solidFill>
           <a:ln>
-            <a:noFill/>
+            <a:solidFill>
+              <a:srgbClr val="BADDEE"/>
+            </a:solidFill>
           </a:ln>
           <a:effectLst>
             <a:outerShdw blurRad="44450" dist="27940" dir="5400000" algn="ctr">
@@ -27331,18 +27342,13 @@
           <a:p>
             <a:pPr algn="ctr"/>
             <a:r>
-              <a:rPr lang="en-US" dirty="0" smtClean="0">
+              <a:rPr lang="en-US" sz="1600" b="1" dirty="0" smtClean="0">
                 <a:solidFill>
                   <a:srgbClr val="00335F"/>
                 </a:solidFill>
               </a:rPr>
               <a:t>Implementation Technologies</a:t>
             </a:r>
-            <a:endParaRPr lang="en-US" dirty="0" smtClean="0">
-              <a:solidFill>
-                <a:srgbClr val="00335F"/>
-              </a:solidFill>
-            </a:endParaRPr>
           </a:p>
         </p:txBody>
       </p:sp>
@@ -27354,20 +27360,19 @@
         </p:nvSpPr>
         <p:spPr>
           <a:xfrm>
-            <a:off x="1835696" y="3512310"/>
+            <a:off x="2051720" y="3068960"/>
             <a:ext cx="2016224" cy="468052"/>
           </a:xfrm>
           <a:prstGeom prst="roundRect">
             <a:avLst/>
           </a:prstGeom>
           <a:solidFill>
-            <a:schemeClr val="accent3">
-              <a:lumMod val="60000"/>
-              <a:lumOff val="40000"/>
-            </a:schemeClr>
+            <a:srgbClr val="BADDEE"/>
           </a:solidFill>
           <a:ln>
-            <a:noFill/>
+            <a:solidFill>
+              <a:srgbClr val="BADDEE"/>
+            </a:solidFill>
           </a:ln>
           <a:effectLst>
             <a:outerShdw blurRad="44450" dist="27940" dir="5400000" algn="ctr">
@@ -27410,18 +27415,13 @@
           <a:p>
             <a:pPr algn="ctr"/>
             <a:r>
-              <a:rPr lang="en-US" dirty="0" smtClean="0">
+              <a:rPr lang="en-US" sz="1600" b="1" dirty="0" smtClean="0">
                 <a:solidFill>
                   <a:srgbClr val="00335F"/>
                 </a:solidFill>
               </a:rPr>
               <a:t>Conformance</a:t>
             </a:r>
-            <a:endParaRPr lang="en-US" dirty="0" smtClean="0">
-              <a:solidFill>
-                <a:srgbClr val="00335F"/>
-              </a:solidFill>
-            </a:endParaRPr>
           </a:p>
         </p:txBody>
       </p:sp>
@@ -27433,20 +27433,19 @@
         </p:nvSpPr>
         <p:spPr>
           <a:xfrm>
-            <a:off x="1825773" y="4071887"/>
+            <a:off x="2041797" y="3628537"/>
             <a:ext cx="2016224" cy="468052"/>
           </a:xfrm>
           <a:prstGeom prst="roundRect">
             <a:avLst/>
           </a:prstGeom>
           <a:solidFill>
-            <a:schemeClr val="accent6">
-              <a:lumMod val="40000"/>
-              <a:lumOff val="60000"/>
-            </a:schemeClr>
+            <a:srgbClr val="BADDEE"/>
           </a:solidFill>
           <a:ln>
-            <a:noFill/>
+            <a:solidFill>
+              <a:srgbClr val="BADDEE"/>
+            </a:solidFill>
           </a:ln>
           <a:effectLst>
             <a:outerShdw blurRad="44450" dist="27940" dir="5400000" algn="ctr">
@@ -27489,18 +27488,13 @@
           <a:p>
             <a:pPr algn="ctr"/>
             <a:r>
-              <a:rPr lang="en-US" dirty="0" smtClean="0">
+              <a:rPr lang="en-US" sz="1600" b="1" dirty="0" smtClean="0">
                 <a:solidFill>
                   <a:srgbClr val="00335F"/>
                 </a:solidFill>
               </a:rPr>
               <a:t>Clinical Decision Support</a:t>
             </a:r>
-            <a:endParaRPr lang="en-US" dirty="0" smtClean="0">
-              <a:solidFill>
-                <a:srgbClr val="00335F"/>
-              </a:solidFill>
-            </a:endParaRPr>
           </a:p>
         </p:txBody>
       </p:sp>
@@ -27515,7 +27509,7 @@
         </p:nvCxnSpPr>
         <p:spPr>
           <a:xfrm rot="16200000" flipH="1">
-            <a:off x="3949319" y="2529589"/>
+            <a:off x="4165343" y="2086239"/>
             <a:ext cx="875398" cy="1090043"/>
           </a:xfrm>
           <a:prstGeom prst="bentConnector3">
@@ -27557,7 +27551,7 @@
         </p:nvCxnSpPr>
         <p:spPr>
           <a:xfrm rot="5400000">
-            <a:off x="2905204" y="2575517"/>
+            <a:off x="3121228" y="2132167"/>
             <a:ext cx="875398" cy="998189"/>
           </a:xfrm>
           <a:prstGeom prst="bentConnector3">
@@ -27588,6 +27582,4254 @@
           </a:fontRef>
         </p:style>
       </p:cxnSp>
+      <p:sp>
+        <p:nvSpPr>
+          <p:cNvPr id="5" name="TextBox 4"/>
+          <p:cNvSpPr txBox="1"/>
+          <p:nvPr/>
+        </p:nvSpPr>
+        <p:spPr>
+          <a:xfrm>
+            <a:off x="2784261" y="5359475"/>
+            <a:ext cx="2719271" cy="369332"/>
+          </a:xfrm>
+          <a:prstGeom prst="rect">
+            <a:avLst/>
+          </a:prstGeom>
+          <a:noFill/>
+        </p:spPr>
+        <p:txBody>
+          <a:bodyPr wrap="none" rtlCol="0">
+            <a:spAutoFit/>
+          </a:bodyPr>
+          <a:lstStyle/>
+          <a:p>
+            <a:r>
+              <a:rPr lang="en-GB" dirty="0" smtClean="0"/>
+              <a:t>Specifications Components</a:t>
+            </a:r>
+            <a:endParaRPr lang="en-GB" dirty="0"/>
+          </a:p>
+        </p:txBody>
+      </p:sp>
+      <p:grpSp>
+        <p:nvGrpSpPr>
+          <p:cNvPr id="10" name="Group 9"/>
+          <p:cNvGrpSpPr/>
+          <p:nvPr/>
+        </p:nvGrpSpPr>
+        <p:grpSpPr>
+          <a:xfrm>
+            <a:off x="2771800" y="1369443"/>
+            <a:ext cx="216024" cy="382265"/>
+            <a:chOff x="2771800" y="1369443"/>
+            <a:chExt cx="216024" cy="382265"/>
+          </a:xfrm>
+          <a:solidFill>
+            <a:srgbClr val="EDC87A"/>
+          </a:solidFill>
+        </p:grpSpPr>
+        <p:sp>
+          <p:nvSpPr>
+            <p:cNvPr id="2" name="Oval 1"/>
+            <p:cNvSpPr/>
+            <p:nvPr/>
+          </p:nvSpPr>
+          <p:spPr>
+            <a:xfrm>
+              <a:off x="2807804" y="1369443"/>
+              <a:ext cx="144016" cy="144016"/>
+            </a:xfrm>
+            <a:prstGeom prst="ellipse">
+              <a:avLst/>
+            </a:prstGeom>
+            <a:grpFill/>
+            <a:ln>
+              <a:solidFill>
+                <a:srgbClr val="0070C0"/>
+              </a:solidFill>
+            </a:ln>
+          </p:spPr>
+          <p:style>
+            <a:lnRef idx="2">
+              <a:schemeClr val="accent1">
+                <a:shade val="50000"/>
+              </a:schemeClr>
+            </a:lnRef>
+            <a:fillRef idx="1">
+              <a:schemeClr val="accent1"/>
+            </a:fillRef>
+            <a:effectRef idx="0">
+              <a:schemeClr val="accent1"/>
+            </a:effectRef>
+            <a:fontRef idx="minor">
+              <a:schemeClr val="lt1"/>
+            </a:fontRef>
+          </p:style>
+          <p:txBody>
+            <a:bodyPr rtlCol="0" anchor="ctr"/>
+            <a:lstStyle/>
+            <a:p>
+              <a:pPr algn="ctr"/>
+              <a:endParaRPr lang="en-GB"/>
+            </a:p>
+          </p:txBody>
+        </p:sp>
+        <p:sp>
+          <p:nvSpPr>
+            <p:cNvPr id="16" name="Oval 15"/>
+            <p:cNvSpPr/>
+            <p:nvPr/>
+          </p:nvSpPr>
+          <p:spPr>
+            <a:xfrm>
+              <a:off x="2771800" y="1535684"/>
+              <a:ext cx="216024" cy="144016"/>
+            </a:xfrm>
+            <a:prstGeom prst="ellipse">
+              <a:avLst/>
+            </a:prstGeom>
+            <a:grpFill/>
+            <a:ln>
+              <a:solidFill>
+                <a:srgbClr val="0070C0"/>
+              </a:solidFill>
+            </a:ln>
+          </p:spPr>
+          <p:style>
+            <a:lnRef idx="2">
+              <a:schemeClr val="accent1">
+                <a:shade val="50000"/>
+              </a:schemeClr>
+            </a:lnRef>
+            <a:fillRef idx="1">
+              <a:schemeClr val="accent1"/>
+            </a:fillRef>
+            <a:effectRef idx="0">
+              <a:schemeClr val="accent1"/>
+            </a:effectRef>
+            <a:fontRef idx="minor">
+              <a:schemeClr val="lt1"/>
+            </a:fontRef>
+          </p:style>
+          <p:txBody>
+            <a:bodyPr rtlCol="0" anchor="ctr"/>
+            <a:lstStyle/>
+            <a:p>
+              <a:pPr algn="ctr"/>
+              <a:endParaRPr lang="en-GB"/>
+            </a:p>
+          </p:txBody>
+        </p:sp>
+        <p:sp>
+          <p:nvSpPr>
+            <p:cNvPr id="3" name="Rectangle 2"/>
+            <p:cNvSpPr/>
+            <p:nvPr/>
+          </p:nvSpPr>
+          <p:spPr>
+            <a:xfrm>
+              <a:off x="2771800" y="1607692"/>
+              <a:ext cx="216024" cy="144016"/>
+            </a:xfrm>
+            <a:prstGeom prst="rect">
+              <a:avLst/>
+            </a:prstGeom>
+            <a:grpFill/>
+            <a:ln>
+              <a:solidFill>
+                <a:srgbClr val="0070C0"/>
+              </a:solidFill>
+            </a:ln>
+          </p:spPr>
+          <p:style>
+            <a:lnRef idx="2">
+              <a:schemeClr val="accent1">
+                <a:shade val="50000"/>
+              </a:schemeClr>
+            </a:lnRef>
+            <a:fillRef idx="1">
+              <a:schemeClr val="accent1"/>
+            </a:fillRef>
+            <a:effectRef idx="0">
+              <a:schemeClr val="accent1"/>
+            </a:effectRef>
+            <a:fontRef idx="minor">
+              <a:schemeClr val="lt1"/>
+            </a:fontRef>
+          </p:style>
+          <p:txBody>
+            <a:bodyPr rtlCol="0" anchor="ctr"/>
+            <a:lstStyle/>
+            <a:p>
+              <a:pPr algn="ctr"/>
+              <a:endParaRPr lang="en-GB"/>
+            </a:p>
+          </p:txBody>
+        </p:sp>
+        <p:sp>
+          <p:nvSpPr>
+            <p:cNvPr id="6" name="Rectangle 5"/>
+            <p:cNvSpPr/>
+            <p:nvPr/>
+          </p:nvSpPr>
+          <p:spPr>
+            <a:xfrm>
+              <a:off x="2788948" y="1591577"/>
+              <a:ext cx="183641" cy="45719"/>
+            </a:xfrm>
+            <a:prstGeom prst="rect">
+              <a:avLst/>
+            </a:prstGeom>
+            <a:grpFill/>
+            <a:ln>
+              <a:noFill/>
+            </a:ln>
+          </p:spPr>
+          <p:style>
+            <a:lnRef idx="2">
+              <a:schemeClr val="accent1">
+                <a:shade val="50000"/>
+              </a:schemeClr>
+            </a:lnRef>
+            <a:fillRef idx="1">
+              <a:schemeClr val="accent1"/>
+            </a:fillRef>
+            <a:effectRef idx="0">
+              <a:schemeClr val="accent1"/>
+            </a:effectRef>
+            <a:fontRef idx="minor">
+              <a:schemeClr val="lt1"/>
+            </a:fontRef>
+          </p:style>
+          <p:txBody>
+            <a:bodyPr rtlCol="0" anchor="ctr"/>
+            <a:lstStyle/>
+            <a:p>
+              <a:pPr algn="ctr"/>
+              <a:endParaRPr lang="en-GB"/>
+            </a:p>
+          </p:txBody>
+        </p:sp>
+      </p:grpSp>
+      <p:grpSp>
+        <p:nvGrpSpPr>
+          <p:cNvPr id="247" name="Group 246"/>
+          <p:cNvGrpSpPr/>
+          <p:nvPr/>
+        </p:nvGrpSpPr>
+        <p:grpSpPr>
+          <a:xfrm>
+            <a:off x="2768105" y="1841718"/>
+            <a:ext cx="216024" cy="382265"/>
+            <a:chOff x="2771800" y="1369443"/>
+            <a:chExt cx="216024" cy="382265"/>
+          </a:xfrm>
+          <a:solidFill>
+            <a:srgbClr val="EDC87A"/>
+          </a:solidFill>
+        </p:grpSpPr>
+        <p:sp>
+          <p:nvSpPr>
+            <p:cNvPr id="248" name="Oval 247"/>
+            <p:cNvSpPr/>
+            <p:nvPr/>
+          </p:nvSpPr>
+          <p:spPr>
+            <a:xfrm>
+              <a:off x="2807804" y="1369443"/>
+              <a:ext cx="144016" cy="144016"/>
+            </a:xfrm>
+            <a:prstGeom prst="ellipse">
+              <a:avLst/>
+            </a:prstGeom>
+            <a:grpFill/>
+            <a:ln>
+              <a:solidFill>
+                <a:srgbClr val="0070C0"/>
+              </a:solidFill>
+            </a:ln>
+          </p:spPr>
+          <p:style>
+            <a:lnRef idx="2">
+              <a:schemeClr val="accent1">
+                <a:shade val="50000"/>
+              </a:schemeClr>
+            </a:lnRef>
+            <a:fillRef idx="1">
+              <a:schemeClr val="accent1"/>
+            </a:fillRef>
+            <a:effectRef idx="0">
+              <a:schemeClr val="accent1"/>
+            </a:effectRef>
+            <a:fontRef idx="minor">
+              <a:schemeClr val="lt1"/>
+            </a:fontRef>
+          </p:style>
+          <p:txBody>
+            <a:bodyPr rtlCol="0" anchor="ctr"/>
+            <a:lstStyle/>
+            <a:p>
+              <a:pPr algn="ctr"/>
+              <a:endParaRPr lang="en-GB"/>
+            </a:p>
+          </p:txBody>
+        </p:sp>
+        <p:sp>
+          <p:nvSpPr>
+            <p:cNvPr id="249" name="Oval 248"/>
+            <p:cNvSpPr/>
+            <p:nvPr/>
+          </p:nvSpPr>
+          <p:spPr>
+            <a:xfrm>
+              <a:off x="2771800" y="1535684"/>
+              <a:ext cx="216024" cy="144016"/>
+            </a:xfrm>
+            <a:prstGeom prst="ellipse">
+              <a:avLst/>
+            </a:prstGeom>
+            <a:grpFill/>
+            <a:ln>
+              <a:solidFill>
+                <a:srgbClr val="0070C0"/>
+              </a:solidFill>
+            </a:ln>
+          </p:spPr>
+          <p:style>
+            <a:lnRef idx="2">
+              <a:schemeClr val="accent1">
+                <a:shade val="50000"/>
+              </a:schemeClr>
+            </a:lnRef>
+            <a:fillRef idx="1">
+              <a:schemeClr val="accent1"/>
+            </a:fillRef>
+            <a:effectRef idx="0">
+              <a:schemeClr val="accent1"/>
+            </a:effectRef>
+            <a:fontRef idx="minor">
+              <a:schemeClr val="lt1"/>
+            </a:fontRef>
+          </p:style>
+          <p:txBody>
+            <a:bodyPr rtlCol="0" anchor="ctr"/>
+            <a:lstStyle/>
+            <a:p>
+              <a:pPr algn="ctr"/>
+              <a:endParaRPr lang="en-GB"/>
+            </a:p>
+          </p:txBody>
+        </p:sp>
+        <p:sp>
+          <p:nvSpPr>
+            <p:cNvPr id="250" name="Rectangle 249"/>
+            <p:cNvSpPr/>
+            <p:nvPr/>
+          </p:nvSpPr>
+          <p:spPr>
+            <a:xfrm>
+              <a:off x="2771800" y="1607692"/>
+              <a:ext cx="216024" cy="144016"/>
+            </a:xfrm>
+            <a:prstGeom prst="rect">
+              <a:avLst/>
+            </a:prstGeom>
+            <a:grpFill/>
+            <a:ln>
+              <a:solidFill>
+                <a:srgbClr val="0070C0"/>
+              </a:solidFill>
+            </a:ln>
+          </p:spPr>
+          <p:style>
+            <a:lnRef idx="2">
+              <a:schemeClr val="accent1">
+                <a:shade val="50000"/>
+              </a:schemeClr>
+            </a:lnRef>
+            <a:fillRef idx="1">
+              <a:schemeClr val="accent1"/>
+            </a:fillRef>
+            <a:effectRef idx="0">
+              <a:schemeClr val="accent1"/>
+            </a:effectRef>
+            <a:fontRef idx="minor">
+              <a:schemeClr val="lt1"/>
+            </a:fontRef>
+          </p:style>
+          <p:txBody>
+            <a:bodyPr rtlCol="0" anchor="ctr"/>
+            <a:lstStyle/>
+            <a:p>
+              <a:pPr algn="ctr"/>
+              <a:endParaRPr lang="en-GB"/>
+            </a:p>
+          </p:txBody>
+        </p:sp>
+        <p:sp>
+          <p:nvSpPr>
+            <p:cNvPr id="251" name="Rectangle 250"/>
+            <p:cNvSpPr/>
+            <p:nvPr/>
+          </p:nvSpPr>
+          <p:spPr>
+            <a:xfrm>
+              <a:off x="2788948" y="1591577"/>
+              <a:ext cx="183641" cy="45719"/>
+            </a:xfrm>
+            <a:prstGeom prst="rect">
+              <a:avLst/>
+            </a:prstGeom>
+            <a:grpFill/>
+            <a:ln>
+              <a:noFill/>
+            </a:ln>
+          </p:spPr>
+          <p:style>
+            <a:lnRef idx="2">
+              <a:schemeClr val="accent1">
+                <a:shade val="50000"/>
+              </a:schemeClr>
+            </a:lnRef>
+            <a:fillRef idx="1">
+              <a:schemeClr val="accent1"/>
+            </a:fillRef>
+            <a:effectRef idx="0">
+              <a:schemeClr val="accent1"/>
+            </a:effectRef>
+            <a:fontRef idx="minor">
+              <a:schemeClr val="lt1"/>
+            </a:fontRef>
+          </p:style>
+          <p:txBody>
+            <a:bodyPr rtlCol="0" anchor="ctr"/>
+            <a:lstStyle/>
+            <a:p>
+              <a:pPr algn="ctr"/>
+              <a:endParaRPr lang="en-GB"/>
+            </a:p>
+          </p:txBody>
+        </p:sp>
+      </p:grpSp>
+      <p:grpSp>
+        <p:nvGrpSpPr>
+          <p:cNvPr id="252" name="Group 251"/>
+          <p:cNvGrpSpPr/>
+          <p:nvPr/>
+        </p:nvGrpSpPr>
+        <p:grpSpPr>
+          <a:xfrm>
+            <a:off x="6300192" y="3111853"/>
+            <a:ext cx="216024" cy="382265"/>
+            <a:chOff x="2771800" y="1369443"/>
+            <a:chExt cx="216024" cy="382265"/>
+          </a:xfrm>
+          <a:solidFill>
+            <a:srgbClr val="94C9E4"/>
+          </a:solidFill>
+        </p:grpSpPr>
+        <p:sp>
+          <p:nvSpPr>
+            <p:cNvPr id="253" name="Oval 252"/>
+            <p:cNvSpPr/>
+            <p:nvPr/>
+          </p:nvSpPr>
+          <p:spPr>
+            <a:xfrm>
+              <a:off x="2807804" y="1369443"/>
+              <a:ext cx="144016" cy="144016"/>
+            </a:xfrm>
+            <a:prstGeom prst="ellipse">
+              <a:avLst/>
+            </a:prstGeom>
+            <a:grpFill/>
+            <a:ln>
+              <a:solidFill>
+                <a:srgbClr val="0070C0"/>
+              </a:solidFill>
+            </a:ln>
+          </p:spPr>
+          <p:style>
+            <a:lnRef idx="2">
+              <a:schemeClr val="accent1">
+                <a:shade val="50000"/>
+              </a:schemeClr>
+            </a:lnRef>
+            <a:fillRef idx="1">
+              <a:schemeClr val="accent1"/>
+            </a:fillRef>
+            <a:effectRef idx="0">
+              <a:schemeClr val="accent1"/>
+            </a:effectRef>
+            <a:fontRef idx="minor">
+              <a:schemeClr val="lt1"/>
+            </a:fontRef>
+          </p:style>
+          <p:txBody>
+            <a:bodyPr rtlCol="0" anchor="ctr"/>
+            <a:lstStyle/>
+            <a:p>
+              <a:pPr algn="ctr"/>
+              <a:endParaRPr lang="en-GB"/>
+            </a:p>
+          </p:txBody>
+        </p:sp>
+        <p:sp>
+          <p:nvSpPr>
+            <p:cNvPr id="254" name="Oval 253"/>
+            <p:cNvSpPr/>
+            <p:nvPr/>
+          </p:nvSpPr>
+          <p:spPr>
+            <a:xfrm>
+              <a:off x="2771800" y="1535684"/>
+              <a:ext cx="216024" cy="144016"/>
+            </a:xfrm>
+            <a:prstGeom prst="ellipse">
+              <a:avLst/>
+            </a:prstGeom>
+            <a:grpFill/>
+            <a:ln>
+              <a:solidFill>
+                <a:srgbClr val="0070C0"/>
+              </a:solidFill>
+            </a:ln>
+          </p:spPr>
+          <p:style>
+            <a:lnRef idx="2">
+              <a:schemeClr val="accent1">
+                <a:shade val="50000"/>
+              </a:schemeClr>
+            </a:lnRef>
+            <a:fillRef idx="1">
+              <a:schemeClr val="accent1"/>
+            </a:fillRef>
+            <a:effectRef idx="0">
+              <a:schemeClr val="accent1"/>
+            </a:effectRef>
+            <a:fontRef idx="minor">
+              <a:schemeClr val="lt1"/>
+            </a:fontRef>
+          </p:style>
+          <p:txBody>
+            <a:bodyPr rtlCol="0" anchor="ctr"/>
+            <a:lstStyle/>
+            <a:p>
+              <a:pPr algn="ctr"/>
+              <a:endParaRPr lang="en-GB"/>
+            </a:p>
+          </p:txBody>
+        </p:sp>
+        <p:sp>
+          <p:nvSpPr>
+            <p:cNvPr id="255" name="Rectangle 254"/>
+            <p:cNvSpPr/>
+            <p:nvPr/>
+          </p:nvSpPr>
+          <p:spPr>
+            <a:xfrm>
+              <a:off x="2771800" y="1607692"/>
+              <a:ext cx="216024" cy="144016"/>
+            </a:xfrm>
+            <a:prstGeom prst="rect">
+              <a:avLst/>
+            </a:prstGeom>
+            <a:grpFill/>
+            <a:ln>
+              <a:solidFill>
+                <a:srgbClr val="0070C0"/>
+              </a:solidFill>
+            </a:ln>
+          </p:spPr>
+          <p:style>
+            <a:lnRef idx="2">
+              <a:schemeClr val="accent1">
+                <a:shade val="50000"/>
+              </a:schemeClr>
+            </a:lnRef>
+            <a:fillRef idx="1">
+              <a:schemeClr val="accent1"/>
+            </a:fillRef>
+            <a:effectRef idx="0">
+              <a:schemeClr val="accent1"/>
+            </a:effectRef>
+            <a:fontRef idx="minor">
+              <a:schemeClr val="lt1"/>
+            </a:fontRef>
+          </p:style>
+          <p:txBody>
+            <a:bodyPr rtlCol="0" anchor="ctr"/>
+            <a:lstStyle/>
+            <a:p>
+              <a:pPr algn="ctr"/>
+              <a:endParaRPr lang="en-GB"/>
+            </a:p>
+          </p:txBody>
+        </p:sp>
+        <p:sp>
+          <p:nvSpPr>
+            <p:cNvPr id="256" name="Rectangle 255"/>
+            <p:cNvSpPr/>
+            <p:nvPr/>
+          </p:nvSpPr>
+          <p:spPr>
+            <a:xfrm>
+              <a:off x="2788948" y="1591577"/>
+              <a:ext cx="183641" cy="45719"/>
+            </a:xfrm>
+            <a:prstGeom prst="rect">
+              <a:avLst/>
+            </a:prstGeom>
+            <a:grpFill/>
+            <a:ln>
+              <a:noFill/>
+            </a:ln>
+          </p:spPr>
+          <p:style>
+            <a:lnRef idx="2">
+              <a:schemeClr val="accent1">
+                <a:shade val="50000"/>
+              </a:schemeClr>
+            </a:lnRef>
+            <a:fillRef idx="1">
+              <a:schemeClr val="accent1"/>
+            </a:fillRef>
+            <a:effectRef idx="0">
+              <a:schemeClr val="accent1"/>
+            </a:effectRef>
+            <a:fontRef idx="minor">
+              <a:schemeClr val="lt1"/>
+            </a:fontRef>
+          </p:style>
+          <p:txBody>
+            <a:bodyPr rtlCol="0" anchor="ctr"/>
+            <a:lstStyle/>
+            <a:p>
+              <a:pPr algn="ctr"/>
+              <a:endParaRPr lang="en-GB"/>
+            </a:p>
+          </p:txBody>
+        </p:sp>
+      </p:grpSp>
+      <p:grpSp>
+        <p:nvGrpSpPr>
+          <p:cNvPr id="257" name="Group 256"/>
+          <p:cNvGrpSpPr/>
+          <p:nvPr/>
+        </p:nvGrpSpPr>
+        <p:grpSpPr>
+          <a:xfrm>
+            <a:off x="6300192" y="3627021"/>
+            <a:ext cx="216024" cy="382265"/>
+            <a:chOff x="2771800" y="1369443"/>
+            <a:chExt cx="216024" cy="382265"/>
+          </a:xfrm>
+          <a:solidFill>
+            <a:srgbClr val="94C9E4"/>
+          </a:solidFill>
+        </p:grpSpPr>
+        <p:sp>
+          <p:nvSpPr>
+            <p:cNvPr id="258" name="Oval 257"/>
+            <p:cNvSpPr/>
+            <p:nvPr/>
+          </p:nvSpPr>
+          <p:spPr>
+            <a:xfrm>
+              <a:off x="2807804" y="1369443"/>
+              <a:ext cx="144016" cy="144016"/>
+            </a:xfrm>
+            <a:prstGeom prst="ellipse">
+              <a:avLst/>
+            </a:prstGeom>
+            <a:grpFill/>
+            <a:ln>
+              <a:solidFill>
+                <a:srgbClr val="0070C0"/>
+              </a:solidFill>
+            </a:ln>
+          </p:spPr>
+          <p:style>
+            <a:lnRef idx="2">
+              <a:schemeClr val="accent1">
+                <a:shade val="50000"/>
+              </a:schemeClr>
+            </a:lnRef>
+            <a:fillRef idx="1">
+              <a:schemeClr val="accent1"/>
+            </a:fillRef>
+            <a:effectRef idx="0">
+              <a:schemeClr val="accent1"/>
+            </a:effectRef>
+            <a:fontRef idx="minor">
+              <a:schemeClr val="lt1"/>
+            </a:fontRef>
+          </p:style>
+          <p:txBody>
+            <a:bodyPr rtlCol="0" anchor="ctr"/>
+            <a:lstStyle/>
+            <a:p>
+              <a:pPr algn="ctr"/>
+              <a:endParaRPr lang="en-GB"/>
+            </a:p>
+          </p:txBody>
+        </p:sp>
+        <p:sp>
+          <p:nvSpPr>
+            <p:cNvPr id="259" name="Oval 258"/>
+            <p:cNvSpPr/>
+            <p:nvPr/>
+          </p:nvSpPr>
+          <p:spPr>
+            <a:xfrm>
+              <a:off x="2771800" y="1535684"/>
+              <a:ext cx="216024" cy="144016"/>
+            </a:xfrm>
+            <a:prstGeom prst="ellipse">
+              <a:avLst/>
+            </a:prstGeom>
+            <a:grpFill/>
+            <a:ln>
+              <a:solidFill>
+                <a:srgbClr val="0070C0"/>
+              </a:solidFill>
+            </a:ln>
+          </p:spPr>
+          <p:style>
+            <a:lnRef idx="2">
+              <a:schemeClr val="accent1">
+                <a:shade val="50000"/>
+              </a:schemeClr>
+            </a:lnRef>
+            <a:fillRef idx="1">
+              <a:schemeClr val="accent1"/>
+            </a:fillRef>
+            <a:effectRef idx="0">
+              <a:schemeClr val="accent1"/>
+            </a:effectRef>
+            <a:fontRef idx="minor">
+              <a:schemeClr val="lt1"/>
+            </a:fontRef>
+          </p:style>
+          <p:txBody>
+            <a:bodyPr rtlCol="0" anchor="ctr"/>
+            <a:lstStyle/>
+            <a:p>
+              <a:pPr algn="ctr"/>
+              <a:endParaRPr lang="en-GB"/>
+            </a:p>
+          </p:txBody>
+        </p:sp>
+        <p:sp>
+          <p:nvSpPr>
+            <p:cNvPr id="260" name="Rectangle 259"/>
+            <p:cNvSpPr/>
+            <p:nvPr/>
+          </p:nvSpPr>
+          <p:spPr>
+            <a:xfrm>
+              <a:off x="2771800" y="1607692"/>
+              <a:ext cx="216024" cy="144016"/>
+            </a:xfrm>
+            <a:prstGeom prst="rect">
+              <a:avLst/>
+            </a:prstGeom>
+            <a:grpFill/>
+            <a:ln>
+              <a:solidFill>
+                <a:srgbClr val="0070C0"/>
+              </a:solidFill>
+            </a:ln>
+          </p:spPr>
+          <p:style>
+            <a:lnRef idx="2">
+              <a:schemeClr val="accent1">
+                <a:shade val="50000"/>
+              </a:schemeClr>
+            </a:lnRef>
+            <a:fillRef idx="1">
+              <a:schemeClr val="accent1"/>
+            </a:fillRef>
+            <a:effectRef idx="0">
+              <a:schemeClr val="accent1"/>
+            </a:effectRef>
+            <a:fontRef idx="minor">
+              <a:schemeClr val="lt1"/>
+            </a:fontRef>
+          </p:style>
+          <p:txBody>
+            <a:bodyPr rtlCol="0" anchor="ctr"/>
+            <a:lstStyle/>
+            <a:p>
+              <a:pPr algn="ctr"/>
+              <a:endParaRPr lang="en-GB"/>
+            </a:p>
+          </p:txBody>
+        </p:sp>
+        <p:sp>
+          <p:nvSpPr>
+            <p:cNvPr id="261" name="Rectangle 260"/>
+            <p:cNvSpPr/>
+            <p:nvPr/>
+          </p:nvSpPr>
+          <p:spPr>
+            <a:xfrm>
+              <a:off x="2788948" y="1591577"/>
+              <a:ext cx="183641" cy="45719"/>
+            </a:xfrm>
+            <a:prstGeom prst="rect">
+              <a:avLst/>
+            </a:prstGeom>
+            <a:grpFill/>
+            <a:ln>
+              <a:noFill/>
+            </a:ln>
+          </p:spPr>
+          <p:style>
+            <a:lnRef idx="2">
+              <a:schemeClr val="accent1">
+                <a:shade val="50000"/>
+              </a:schemeClr>
+            </a:lnRef>
+            <a:fillRef idx="1">
+              <a:schemeClr val="accent1"/>
+            </a:fillRef>
+            <a:effectRef idx="0">
+              <a:schemeClr val="accent1"/>
+            </a:effectRef>
+            <a:fontRef idx="minor">
+              <a:schemeClr val="lt1"/>
+            </a:fontRef>
+          </p:style>
+          <p:txBody>
+            <a:bodyPr rtlCol="0" anchor="ctr"/>
+            <a:lstStyle/>
+            <a:p>
+              <a:pPr algn="ctr"/>
+              <a:endParaRPr lang="en-GB"/>
+            </a:p>
+          </p:txBody>
+        </p:sp>
+      </p:grpSp>
+      <p:grpSp>
+        <p:nvGrpSpPr>
+          <p:cNvPr id="262" name="Group 261"/>
+          <p:cNvGrpSpPr/>
+          <p:nvPr/>
+        </p:nvGrpSpPr>
+        <p:grpSpPr>
+          <a:xfrm>
+            <a:off x="6300192" y="4216012"/>
+            <a:ext cx="216024" cy="382265"/>
+            <a:chOff x="2771800" y="1369443"/>
+            <a:chExt cx="216024" cy="382265"/>
+          </a:xfrm>
+          <a:solidFill>
+            <a:srgbClr val="94C9E4"/>
+          </a:solidFill>
+        </p:grpSpPr>
+        <p:sp>
+          <p:nvSpPr>
+            <p:cNvPr id="263" name="Oval 262"/>
+            <p:cNvSpPr/>
+            <p:nvPr/>
+          </p:nvSpPr>
+          <p:spPr>
+            <a:xfrm>
+              <a:off x="2807804" y="1369443"/>
+              <a:ext cx="144016" cy="144016"/>
+            </a:xfrm>
+            <a:prstGeom prst="ellipse">
+              <a:avLst/>
+            </a:prstGeom>
+            <a:grpFill/>
+            <a:ln>
+              <a:solidFill>
+                <a:srgbClr val="0070C0"/>
+              </a:solidFill>
+            </a:ln>
+          </p:spPr>
+          <p:style>
+            <a:lnRef idx="2">
+              <a:schemeClr val="accent1">
+                <a:shade val="50000"/>
+              </a:schemeClr>
+            </a:lnRef>
+            <a:fillRef idx="1">
+              <a:schemeClr val="accent1"/>
+            </a:fillRef>
+            <a:effectRef idx="0">
+              <a:schemeClr val="accent1"/>
+            </a:effectRef>
+            <a:fontRef idx="minor">
+              <a:schemeClr val="lt1"/>
+            </a:fontRef>
+          </p:style>
+          <p:txBody>
+            <a:bodyPr rtlCol="0" anchor="ctr"/>
+            <a:lstStyle/>
+            <a:p>
+              <a:pPr algn="ctr"/>
+              <a:endParaRPr lang="en-GB"/>
+            </a:p>
+          </p:txBody>
+        </p:sp>
+        <p:sp>
+          <p:nvSpPr>
+            <p:cNvPr id="264" name="Oval 263"/>
+            <p:cNvSpPr/>
+            <p:nvPr/>
+          </p:nvSpPr>
+          <p:spPr>
+            <a:xfrm>
+              <a:off x="2771800" y="1535684"/>
+              <a:ext cx="216024" cy="144016"/>
+            </a:xfrm>
+            <a:prstGeom prst="ellipse">
+              <a:avLst/>
+            </a:prstGeom>
+            <a:grpFill/>
+            <a:ln>
+              <a:solidFill>
+                <a:srgbClr val="0070C0"/>
+              </a:solidFill>
+            </a:ln>
+          </p:spPr>
+          <p:style>
+            <a:lnRef idx="2">
+              <a:schemeClr val="accent1">
+                <a:shade val="50000"/>
+              </a:schemeClr>
+            </a:lnRef>
+            <a:fillRef idx="1">
+              <a:schemeClr val="accent1"/>
+            </a:fillRef>
+            <a:effectRef idx="0">
+              <a:schemeClr val="accent1"/>
+            </a:effectRef>
+            <a:fontRef idx="minor">
+              <a:schemeClr val="lt1"/>
+            </a:fontRef>
+          </p:style>
+          <p:txBody>
+            <a:bodyPr rtlCol="0" anchor="ctr"/>
+            <a:lstStyle/>
+            <a:p>
+              <a:pPr algn="ctr"/>
+              <a:endParaRPr lang="en-GB"/>
+            </a:p>
+          </p:txBody>
+        </p:sp>
+        <p:sp>
+          <p:nvSpPr>
+            <p:cNvPr id="265" name="Rectangle 264"/>
+            <p:cNvSpPr/>
+            <p:nvPr/>
+          </p:nvSpPr>
+          <p:spPr>
+            <a:xfrm>
+              <a:off x="2771800" y="1607692"/>
+              <a:ext cx="216024" cy="144016"/>
+            </a:xfrm>
+            <a:prstGeom prst="rect">
+              <a:avLst/>
+            </a:prstGeom>
+            <a:grpFill/>
+            <a:ln>
+              <a:solidFill>
+                <a:srgbClr val="0070C0"/>
+              </a:solidFill>
+            </a:ln>
+          </p:spPr>
+          <p:style>
+            <a:lnRef idx="2">
+              <a:schemeClr val="accent1">
+                <a:shade val="50000"/>
+              </a:schemeClr>
+            </a:lnRef>
+            <a:fillRef idx="1">
+              <a:schemeClr val="accent1"/>
+            </a:fillRef>
+            <a:effectRef idx="0">
+              <a:schemeClr val="accent1"/>
+            </a:effectRef>
+            <a:fontRef idx="minor">
+              <a:schemeClr val="lt1"/>
+            </a:fontRef>
+          </p:style>
+          <p:txBody>
+            <a:bodyPr rtlCol="0" anchor="ctr"/>
+            <a:lstStyle/>
+            <a:p>
+              <a:pPr algn="ctr"/>
+              <a:endParaRPr lang="en-GB"/>
+            </a:p>
+          </p:txBody>
+        </p:sp>
+        <p:sp>
+          <p:nvSpPr>
+            <p:cNvPr id="266" name="Rectangle 265"/>
+            <p:cNvSpPr/>
+            <p:nvPr/>
+          </p:nvSpPr>
+          <p:spPr>
+            <a:xfrm>
+              <a:off x="2788948" y="1591577"/>
+              <a:ext cx="183641" cy="45719"/>
+            </a:xfrm>
+            <a:prstGeom prst="rect">
+              <a:avLst/>
+            </a:prstGeom>
+            <a:grpFill/>
+            <a:ln>
+              <a:noFill/>
+            </a:ln>
+          </p:spPr>
+          <p:style>
+            <a:lnRef idx="2">
+              <a:schemeClr val="accent1">
+                <a:shade val="50000"/>
+              </a:schemeClr>
+            </a:lnRef>
+            <a:fillRef idx="1">
+              <a:schemeClr val="accent1"/>
+            </a:fillRef>
+            <a:effectRef idx="0">
+              <a:schemeClr val="accent1"/>
+            </a:effectRef>
+            <a:fontRef idx="minor">
+              <a:schemeClr val="lt1"/>
+            </a:fontRef>
+          </p:style>
+          <p:txBody>
+            <a:bodyPr rtlCol="0" anchor="ctr"/>
+            <a:lstStyle/>
+            <a:p>
+              <a:pPr algn="ctr"/>
+              <a:endParaRPr lang="en-GB"/>
+            </a:p>
+          </p:txBody>
+        </p:sp>
+      </p:grpSp>
+      <p:grpSp>
+        <p:nvGrpSpPr>
+          <p:cNvPr id="267" name="Group 266"/>
+          <p:cNvGrpSpPr/>
+          <p:nvPr/>
+        </p:nvGrpSpPr>
+        <p:grpSpPr>
+          <a:xfrm>
+            <a:off x="6300192" y="4731180"/>
+            <a:ext cx="216024" cy="382265"/>
+            <a:chOff x="2771800" y="1369443"/>
+            <a:chExt cx="216024" cy="382265"/>
+          </a:xfrm>
+          <a:solidFill>
+            <a:srgbClr val="94C9E4"/>
+          </a:solidFill>
+        </p:grpSpPr>
+        <p:sp>
+          <p:nvSpPr>
+            <p:cNvPr id="268" name="Oval 267"/>
+            <p:cNvSpPr/>
+            <p:nvPr/>
+          </p:nvSpPr>
+          <p:spPr>
+            <a:xfrm>
+              <a:off x="2807804" y="1369443"/>
+              <a:ext cx="144016" cy="144016"/>
+            </a:xfrm>
+            <a:prstGeom prst="ellipse">
+              <a:avLst/>
+            </a:prstGeom>
+            <a:grpFill/>
+            <a:ln>
+              <a:solidFill>
+                <a:srgbClr val="0070C0"/>
+              </a:solidFill>
+            </a:ln>
+          </p:spPr>
+          <p:style>
+            <a:lnRef idx="2">
+              <a:schemeClr val="accent1">
+                <a:shade val="50000"/>
+              </a:schemeClr>
+            </a:lnRef>
+            <a:fillRef idx="1">
+              <a:schemeClr val="accent1"/>
+            </a:fillRef>
+            <a:effectRef idx="0">
+              <a:schemeClr val="accent1"/>
+            </a:effectRef>
+            <a:fontRef idx="minor">
+              <a:schemeClr val="lt1"/>
+            </a:fontRef>
+          </p:style>
+          <p:txBody>
+            <a:bodyPr rtlCol="0" anchor="ctr"/>
+            <a:lstStyle/>
+            <a:p>
+              <a:pPr algn="ctr"/>
+              <a:endParaRPr lang="en-GB"/>
+            </a:p>
+          </p:txBody>
+        </p:sp>
+        <p:sp>
+          <p:nvSpPr>
+            <p:cNvPr id="269" name="Oval 268"/>
+            <p:cNvSpPr/>
+            <p:nvPr/>
+          </p:nvSpPr>
+          <p:spPr>
+            <a:xfrm>
+              <a:off x="2771800" y="1535684"/>
+              <a:ext cx="216024" cy="144016"/>
+            </a:xfrm>
+            <a:prstGeom prst="ellipse">
+              <a:avLst/>
+            </a:prstGeom>
+            <a:grpFill/>
+            <a:ln>
+              <a:solidFill>
+                <a:srgbClr val="0070C0"/>
+              </a:solidFill>
+            </a:ln>
+          </p:spPr>
+          <p:style>
+            <a:lnRef idx="2">
+              <a:schemeClr val="accent1">
+                <a:shade val="50000"/>
+              </a:schemeClr>
+            </a:lnRef>
+            <a:fillRef idx="1">
+              <a:schemeClr val="accent1"/>
+            </a:fillRef>
+            <a:effectRef idx="0">
+              <a:schemeClr val="accent1"/>
+            </a:effectRef>
+            <a:fontRef idx="minor">
+              <a:schemeClr val="lt1"/>
+            </a:fontRef>
+          </p:style>
+          <p:txBody>
+            <a:bodyPr rtlCol="0" anchor="ctr"/>
+            <a:lstStyle/>
+            <a:p>
+              <a:pPr algn="ctr"/>
+              <a:endParaRPr lang="en-GB"/>
+            </a:p>
+          </p:txBody>
+        </p:sp>
+        <p:sp>
+          <p:nvSpPr>
+            <p:cNvPr id="270" name="Rectangle 269"/>
+            <p:cNvSpPr/>
+            <p:nvPr/>
+          </p:nvSpPr>
+          <p:spPr>
+            <a:xfrm>
+              <a:off x="2771800" y="1607692"/>
+              <a:ext cx="216024" cy="144016"/>
+            </a:xfrm>
+            <a:prstGeom prst="rect">
+              <a:avLst/>
+            </a:prstGeom>
+            <a:grpFill/>
+            <a:ln>
+              <a:solidFill>
+                <a:srgbClr val="0070C0"/>
+              </a:solidFill>
+            </a:ln>
+          </p:spPr>
+          <p:style>
+            <a:lnRef idx="2">
+              <a:schemeClr val="accent1">
+                <a:shade val="50000"/>
+              </a:schemeClr>
+            </a:lnRef>
+            <a:fillRef idx="1">
+              <a:schemeClr val="accent1"/>
+            </a:fillRef>
+            <a:effectRef idx="0">
+              <a:schemeClr val="accent1"/>
+            </a:effectRef>
+            <a:fontRef idx="minor">
+              <a:schemeClr val="lt1"/>
+            </a:fontRef>
+          </p:style>
+          <p:txBody>
+            <a:bodyPr rtlCol="0" anchor="ctr"/>
+            <a:lstStyle/>
+            <a:p>
+              <a:pPr algn="ctr"/>
+              <a:endParaRPr lang="en-GB"/>
+            </a:p>
+          </p:txBody>
+        </p:sp>
+        <p:sp>
+          <p:nvSpPr>
+            <p:cNvPr id="271" name="Rectangle 270"/>
+            <p:cNvSpPr/>
+            <p:nvPr/>
+          </p:nvSpPr>
+          <p:spPr>
+            <a:xfrm>
+              <a:off x="2788948" y="1591577"/>
+              <a:ext cx="183641" cy="45719"/>
+            </a:xfrm>
+            <a:prstGeom prst="rect">
+              <a:avLst/>
+            </a:prstGeom>
+            <a:grpFill/>
+            <a:ln>
+              <a:noFill/>
+            </a:ln>
+          </p:spPr>
+          <p:style>
+            <a:lnRef idx="2">
+              <a:schemeClr val="accent1">
+                <a:shade val="50000"/>
+              </a:schemeClr>
+            </a:lnRef>
+            <a:fillRef idx="1">
+              <a:schemeClr val="accent1"/>
+            </a:fillRef>
+            <a:effectRef idx="0">
+              <a:schemeClr val="accent1"/>
+            </a:effectRef>
+            <a:fontRef idx="minor">
+              <a:schemeClr val="lt1"/>
+            </a:fontRef>
+          </p:style>
+          <p:txBody>
+            <a:bodyPr rtlCol="0" anchor="ctr"/>
+            <a:lstStyle/>
+            <a:p>
+              <a:pPr algn="ctr"/>
+              <a:endParaRPr lang="en-GB"/>
+            </a:p>
+          </p:txBody>
+        </p:sp>
+      </p:grpSp>
+      <p:grpSp>
+        <p:nvGrpSpPr>
+          <p:cNvPr id="272" name="Group 271"/>
+          <p:cNvGrpSpPr/>
+          <p:nvPr/>
+        </p:nvGrpSpPr>
+        <p:grpSpPr>
+          <a:xfrm>
+            <a:off x="1680262" y="3142779"/>
+            <a:ext cx="216024" cy="382265"/>
+            <a:chOff x="2771800" y="1369443"/>
+            <a:chExt cx="216024" cy="382265"/>
+          </a:xfrm>
+          <a:solidFill>
+            <a:srgbClr val="94C9E4"/>
+          </a:solidFill>
+        </p:grpSpPr>
+        <p:sp>
+          <p:nvSpPr>
+            <p:cNvPr id="273" name="Oval 272"/>
+            <p:cNvSpPr/>
+            <p:nvPr/>
+          </p:nvSpPr>
+          <p:spPr>
+            <a:xfrm>
+              <a:off x="2807804" y="1369443"/>
+              <a:ext cx="144016" cy="144016"/>
+            </a:xfrm>
+            <a:prstGeom prst="ellipse">
+              <a:avLst/>
+            </a:prstGeom>
+            <a:grpFill/>
+            <a:ln>
+              <a:solidFill>
+                <a:srgbClr val="0070C0"/>
+              </a:solidFill>
+            </a:ln>
+          </p:spPr>
+          <p:style>
+            <a:lnRef idx="2">
+              <a:schemeClr val="accent1">
+                <a:shade val="50000"/>
+              </a:schemeClr>
+            </a:lnRef>
+            <a:fillRef idx="1">
+              <a:schemeClr val="accent1"/>
+            </a:fillRef>
+            <a:effectRef idx="0">
+              <a:schemeClr val="accent1"/>
+            </a:effectRef>
+            <a:fontRef idx="minor">
+              <a:schemeClr val="lt1"/>
+            </a:fontRef>
+          </p:style>
+          <p:txBody>
+            <a:bodyPr rtlCol="0" anchor="ctr"/>
+            <a:lstStyle/>
+            <a:p>
+              <a:pPr algn="ctr"/>
+              <a:endParaRPr lang="en-GB"/>
+            </a:p>
+          </p:txBody>
+        </p:sp>
+        <p:sp>
+          <p:nvSpPr>
+            <p:cNvPr id="274" name="Oval 273"/>
+            <p:cNvSpPr/>
+            <p:nvPr/>
+          </p:nvSpPr>
+          <p:spPr>
+            <a:xfrm>
+              <a:off x="2771800" y="1535684"/>
+              <a:ext cx="216024" cy="144016"/>
+            </a:xfrm>
+            <a:prstGeom prst="ellipse">
+              <a:avLst/>
+            </a:prstGeom>
+            <a:grpFill/>
+            <a:ln>
+              <a:solidFill>
+                <a:srgbClr val="0070C0"/>
+              </a:solidFill>
+            </a:ln>
+          </p:spPr>
+          <p:style>
+            <a:lnRef idx="2">
+              <a:schemeClr val="accent1">
+                <a:shade val="50000"/>
+              </a:schemeClr>
+            </a:lnRef>
+            <a:fillRef idx="1">
+              <a:schemeClr val="accent1"/>
+            </a:fillRef>
+            <a:effectRef idx="0">
+              <a:schemeClr val="accent1"/>
+            </a:effectRef>
+            <a:fontRef idx="minor">
+              <a:schemeClr val="lt1"/>
+            </a:fontRef>
+          </p:style>
+          <p:txBody>
+            <a:bodyPr rtlCol="0" anchor="ctr"/>
+            <a:lstStyle/>
+            <a:p>
+              <a:pPr algn="ctr"/>
+              <a:endParaRPr lang="en-GB"/>
+            </a:p>
+          </p:txBody>
+        </p:sp>
+        <p:sp>
+          <p:nvSpPr>
+            <p:cNvPr id="275" name="Rectangle 274"/>
+            <p:cNvSpPr/>
+            <p:nvPr/>
+          </p:nvSpPr>
+          <p:spPr>
+            <a:xfrm>
+              <a:off x="2771800" y="1607692"/>
+              <a:ext cx="216024" cy="144016"/>
+            </a:xfrm>
+            <a:prstGeom prst="rect">
+              <a:avLst/>
+            </a:prstGeom>
+            <a:grpFill/>
+            <a:ln>
+              <a:solidFill>
+                <a:srgbClr val="0070C0"/>
+              </a:solidFill>
+            </a:ln>
+          </p:spPr>
+          <p:style>
+            <a:lnRef idx="2">
+              <a:schemeClr val="accent1">
+                <a:shade val="50000"/>
+              </a:schemeClr>
+            </a:lnRef>
+            <a:fillRef idx="1">
+              <a:schemeClr val="accent1"/>
+            </a:fillRef>
+            <a:effectRef idx="0">
+              <a:schemeClr val="accent1"/>
+            </a:effectRef>
+            <a:fontRef idx="minor">
+              <a:schemeClr val="lt1"/>
+            </a:fontRef>
+          </p:style>
+          <p:txBody>
+            <a:bodyPr rtlCol="0" anchor="ctr"/>
+            <a:lstStyle/>
+            <a:p>
+              <a:pPr algn="ctr"/>
+              <a:endParaRPr lang="en-GB"/>
+            </a:p>
+          </p:txBody>
+        </p:sp>
+        <p:sp>
+          <p:nvSpPr>
+            <p:cNvPr id="276" name="Rectangle 275"/>
+            <p:cNvSpPr/>
+            <p:nvPr/>
+          </p:nvSpPr>
+          <p:spPr>
+            <a:xfrm>
+              <a:off x="2788948" y="1591577"/>
+              <a:ext cx="183641" cy="45719"/>
+            </a:xfrm>
+            <a:prstGeom prst="rect">
+              <a:avLst/>
+            </a:prstGeom>
+            <a:grpFill/>
+            <a:ln>
+              <a:noFill/>
+            </a:ln>
+          </p:spPr>
+          <p:style>
+            <a:lnRef idx="2">
+              <a:schemeClr val="accent1">
+                <a:shade val="50000"/>
+              </a:schemeClr>
+            </a:lnRef>
+            <a:fillRef idx="1">
+              <a:schemeClr val="accent1"/>
+            </a:fillRef>
+            <a:effectRef idx="0">
+              <a:schemeClr val="accent1"/>
+            </a:effectRef>
+            <a:fontRef idx="minor">
+              <a:schemeClr val="lt1"/>
+            </a:fontRef>
+          </p:style>
+          <p:txBody>
+            <a:bodyPr rtlCol="0" anchor="ctr"/>
+            <a:lstStyle/>
+            <a:p>
+              <a:pPr algn="ctr"/>
+              <a:endParaRPr lang="en-GB"/>
+            </a:p>
+          </p:txBody>
+        </p:sp>
+      </p:grpSp>
+      <p:grpSp>
+        <p:nvGrpSpPr>
+          <p:cNvPr id="277" name="Group 276"/>
+          <p:cNvGrpSpPr/>
+          <p:nvPr/>
+        </p:nvGrpSpPr>
+        <p:grpSpPr>
+          <a:xfrm>
+            <a:off x="1680262" y="3657947"/>
+            <a:ext cx="216024" cy="382265"/>
+            <a:chOff x="2771800" y="1369443"/>
+            <a:chExt cx="216024" cy="382265"/>
+          </a:xfrm>
+          <a:solidFill>
+            <a:srgbClr val="94C9E4"/>
+          </a:solidFill>
+        </p:grpSpPr>
+        <p:sp>
+          <p:nvSpPr>
+            <p:cNvPr id="278" name="Oval 277"/>
+            <p:cNvSpPr/>
+            <p:nvPr/>
+          </p:nvSpPr>
+          <p:spPr>
+            <a:xfrm>
+              <a:off x="2807804" y="1369443"/>
+              <a:ext cx="144016" cy="144016"/>
+            </a:xfrm>
+            <a:prstGeom prst="ellipse">
+              <a:avLst/>
+            </a:prstGeom>
+            <a:grpFill/>
+            <a:ln>
+              <a:solidFill>
+                <a:srgbClr val="0070C0"/>
+              </a:solidFill>
+            </a:ln>
+          </p:spPr>
+          <p:style>
+            <a:lnRef idx="2">
+              <a:schemeClr val="accent1">
+                <a:shade val="50000"/>
+              </a:schemeClr>
+            </a:lnRef>
+            <a:fillRef idx="1">
+              <a:schemeClr val="accent1"/>
+            </a:fillRef>
+            <a:effectRef idx="0">
+              <a:schemeClr val="accent1"/>
+            </a:effectRef>
+            <a:fontRef idx="minor">
+              <a:schemeClr val="lt1"/>
+            </a:fontRef>
+          </p:style>
+          <p:txBody>
+            <a:bodyPr rtlCol="0" anchor="ctr"/>
+            <a:lstStyle/>
+            <a:p>
+              <a:pPr algn="ctr"/>
+              <a:endParaRPr lang="en-GB"/>
+            </a:p>
+          </p:txBody>
+        </p:sp>
+        <p:sp>
+          <p:nvSpPr>
+            <p:cNvPr id="279" name="Oval 278"/>
+            <p:cNvSpPr/>
+            <p:nvPr/>
+          </p:nvSpPr>
+          <p:spPr>
+            <a:xfrm>
+              <a:off x="2771800" y="1535684"/>
+              <a:ext cx="216024" cy="144016"/>
+            </a:xfrm>
+            <a:prstGeom prst="ellipse">
+              <a:avLst/>
+            </a:prstGeom>
+            <a:grpFill/>
+            <a:ln>
+              <a:solidFill>
+                <a:srgbClr val="0070C0"/>
+              </a:solidFill>
+            </a:ln>
+          </p:spPr>
+          <p:style>
+            <a:lnRef idx="2">
+              <a:schemeClr val="accent1">
+                <a:shade val="50000"/>
+              </a:schemeClr>
+            </a:lnRef>
+            <a:fillRef idx="1">
+              <a:schemeClr val="accent1"/>
+            </a:fillRef>
+            <a:effectRef idx="0">
+              <a:schemeClr val="accent1"/>
+            </a:effectRef>
+            <a:fontRef idx="minor">
+              <a:schemeClr val="lt1"/>
+            </a:fontRef>
+          </p:style>
+          <p:txBody>
+            <a:bodyPr rtlCol="0" anchor="ctr"/>
+            <a:lstStyle/>
+            <a:p>
+              <a:pPr algn="ctr"/>
+              <a:endParaRPr lang="en-GB"/>
+            </a:p>
+          </p:txBody>
+        </p:sp>
+        <p:sp>
+          <p:nvSpPr>
+            <p:cNvPr id="280" name="Rectangle 279"/>
+            <p:cNvSpPr/>
+            <p:nvPr/>
+          </p:nvSpPr>
+          <p:spPr>
+            <a:xfrm>
+              <a:off x="2771800" y="1607692"/>
+              <a:ext cx="216024" cy="144016"/>
+            </a:xfrm>
+            <a:prstGeom prst="rect">
+              <a:avLst/>
+            </a:prstGeom>
+            <a:grpFill/>
+            <a:ln>
+              <a:solidFill>
+                <a:srgbClr val="0070C0"/>
+              </a:solidFill>
+            </a:ln>
+          </p:spPr>
+          <p:style>
+            <a:lnRef idx="2">
+              <a:schemeClr val="accent1">
+                <a:shade val="50000"/>
+              </a:schemeClr>
+            </a:lnRef>
+            <a:fillRef idx="1">
+              <a:schemeClr val="accent1"/>
+            </a:fillRef>
+            <a:effectRef idx="0">
+              <a:schemeClr val="accent1"/>
+            </a:effectRef>
+            <a:fontRef idx="minor">
+              <a:schemeClr val="lt1"/>
+            </a:fontRef>
+          </p:style>
+          <p:txBody>
+            <a:bodyPr rtlCol="0" anchor="ctr"/>
+            <a:lstStyle/>
+            <a:p>
+              <a:pPr algn="ctr"/>
+              <a:endParaRPr lang="en-GB"/>
+            </a:p>
+          </p:txBody>
+        </p:sp>
+        <p:sp>
+          <p:nvSpPr>
+            <p:cNvPr id="281" name="Rectangle 280"/>
+            <p:cNvSpPr/>
+            <p:nvPr/>
+          </p:nvSpPr>
+          <p:spPr>
+            <a:xfrm>
+              <a:off x="2788948" y="1591577"/>
+              <a:ext cx="183641" cy="45719"/>
+            </a:xfrm>
+            <a:prstGeom prst="rect">
+              <a:avLst/>
+            </a:prstGeom>
+            <a:grpFill/>
+            <a:ln>
+              <a:noFill/>
+            </a:ln>
+          </p:spPr>
+          <p:style>
+            <a:lnRef idx="2">
+              <a:schemeClr val="accent1">
+                <a:shade val="50000"/>
+              </a:schemeClr>
+            </a:lnRef>
+            <a:fillRef idx="1">
+              <a:schemeClr val="accent1"/>
+            </a:fillRef>
+            <a:effectRef idx="0">
+              <a:schemeClr val="accent1"/>
+            </a:effectRef>
+            <a:fontRef idx="minor">
+              <a:schemeClr val="lt1"/>
+            </a:fontRef>
+          </p:style>
+          <p:txBody>
+            <a:bodyPr rtlCol="0" anchor="ctr"/>
+            <a:lstStyle/>
+            <a:p>
+              <a:pPr algn="ctr"/>
+              <a:endParaRPr lang="en-GB"/>
+            </a:p>
+          </p:txBody>
+        </p:sp>
+      </p:grpSp>
+      <p:grpSp>
+        <p:nvGrpSpPr>
+          <p:cNvPr id="282" name="Group 281"/>
+          <p:cNvGrpSpPr/>
+          <p:nvPr/>
+        </p:nvGrpSpPr>
+        <p:grpSpPr>
+          <a:xfrm>
+            <a:off x="1680262" y="4246938"/>
+            <a:ext cx="216024" cy="382265"/>
+            <a:chOff x="2771800" y="1369443"/>
+            <a:chExt cx="216024" cy="382265"/>
+          </a:xfrm>
+          <a:solidFill>
+            <a:srgbClr val="94C9E4"/>
+          </a:solidFill>
+        </p:grpSpPr>
+        <p:sp>
+          <p:nvSpPr>
+            <p:cNvPr id="283" name="Oval 282"/>
+            <p:cNvSpPr/>
+            <p:nvPr/>
+          </p:nvSpPr>
+          <p:spPr>
+            <a:xfrm>
+              <a:off x="2807804" y="1369443"/>
+              <a:ext cx="144016" cy="144016"/>
+            </a:xfrm>
+            <a:prstGeom prst="ellipse">
+              <a:avLst/>
+            </a:prstGeom>
+            <a:grpFill/>
+            <a:ln>
+              <a:solidFill>
+                <a:srgbClr val="0070C0"/>
+              </a:solidFill>
+            </a:ln>
+          </p:spPr>
+          <p:style>
+            <a:lnRef idx="2">
+              <a:schemeClr val="accent1">
+                <a:shade val="50000"/>
+              </a:schemeClr>
+            </a:lnRef>
+            <a:fillRef idx="1">
+              <a:schemeClr val="accent1"/>
+            </a:fillRef>
+            <a:effectRef idx="0">
+              <a:schemeClr val="accent1"/>
+            </a:effectRef>
+            <a:fontRef idx="minor">
+              <a:schemeClr val="lt1"/>
+            </a:fontRef>
+          </p:style>
+          <p:txBody>
+            <a:bodyPr rtlCol="0" anchor="ctr"/>
+            <a:lstStyle/>
+            <a:p>
+              <a:pPr algn="ctr"/>
+              <a:endParaRPr lang="en-GB"/>
+            </a:p>
+          </p:txBody>
+        </p:sp>
+        <p:sp>
+          <p:nvSpPr>
+            <p:cNvPr id="284" name="Oval 283"/>
+            <p:cNvSpPr/>
+            <p:nvPr/>
+          </p:nvSpPr>
+          <p:spPr>
+            <a:xfrm>
+              <a:off x="2771800" y="1535684"/>
+              <a:ext cx="216024" cy="144016"/>
+            </a:xfrm>
+            <a:prstGeom prst="ellipse">
+              <a:avLst/>
+            </a:prstGeom>
+            <a:grpFill/>
+            <a:ln>
+              <a:solidFill>
+                <a:srgbClr val="0070C0"/>
+              </a:solidFill>
+            </a:ln>
+          </p:spPr>
+          <p:style>
+            <a:lnRef idx="2">
+              <a:schemeClr val="accent1">
+                <a:shade val="50000"/>
+              </a:schemeClr>
+            </a:lnRef>
+            <a:fillRef idx="1">
+              <a:schemeClr val="accent1"/>
+            </a:fillRef>
+            <a:effectRef idx="0">
+              <a:schemeClr val="accent1"/>
+            </a:effectRef>
+            <a:fontRef idx="minor">
+              <a:schemeClr val="lt1"/>
+            </a:fontRef>
+          </p:style>
+          <p:txBody>
+            <a:bodyPr rtlCol="0" anchor="ctr"/>
+            <a:lstStyle/>
+            <a:p>
+              <a:pPr algn="ctr"/>
+              <a:endParaRPr lang="en-GB"/>
+            </a:p>
+          </p:txBody>
+        </p:sp>
+        <p:sp>
+          <p:nvSpPr>
+            <p:cNvPr id="285" name="Rectangle 284"/>
+            <p:cNvSpPr/>
+            <p:nvPr/>
+          </p:nvSpPr>
+          <p:spPr>
+            <a:xfrm>
+              <a:off x="2771800" y="1607692"/>
+              <a:ext cx="216024" cy="144016"/>
+            </a:xfrm>
+            <a:prstGeom prst="rect">
+              <a:avLst/>
+            </a:prstGeom>
+            <a:grpFill/>
+            <a:ln>
+              <a:solidFill>
+                <a:srgbClr val="0070C0"/>
+              </a:solidFill>
+            </a:ln>
+          </p:spPr>
+          <p:style>
+            <a:lnRef idx="2">
+              <a:schemeClr val="accent1">
+                <a:shade val="50000"/>
+              </a:schemeClr>
+            </a:lnRef>
+            <a:fillRef idx="1">
+              <a:schemeClr val="accent1"/>
+            </a:fillRef>
+            <a:effectRef idx="0">
+              <a:schemeClr val="accent1"/>
+            </a:effectRef>
+            <a:fontRef idx="minor">
+              <a:schemeClr val="lt1"/>
+            </a:fontRef>
+          </p:style>
+          <p:txBody>
+            <a:bodyPr rtlCol="0" anchor="ctr"/>
+            <a:lstStyle/>
+            <a:p>
+              <a:pPr algn="ctr"/>
+              <a:endParaRPr lang="en-GB"/>
+            </a:p>
+          </p:txBody>
+        </p:sp>
+        <p:sp>
+          <p:nvSpPr>
+            <p:cNvPr id="286" name="Rectangle 285"/>
+            <p:cNvSpPr/>
+            <p:nvPr/>
+          </p:nvSpPr>
+          <p:spPr>
+            <a:xfrm>
+              <a:off x="2788948" y="1591577"/>
+              <a:ext cx="183641" cy="45719"/>
+            </a:xfrm>
+            <a:prstGeom prst="rect">
+              <a:avLst/>
+            </a:prstGeom>
+            <a:grpFill/>
+            <a:ln>
+              <a:noFill/>
+            </a:ln>
+          </p:spPr>
+          <p:style>
+            <a:lnRef idx="2">
+              <a:schemeClr val="accent1">
+                <a:shade val="50000"/>
+              </a:schemeClr>
+            </a:lnRef>
+            <a:fillRef idx="1">
+              <a:schemeClr val="accent1"/>
+            </a:fillRef>
+            <a:effectRef idx="0">
+              <a:schemeClr val="accent1"/>
+            </a:effectRef>
+            <a:fontRef idx="minor">
+              <a:schemeClr val="lt1"/>
+            </a:fontRef>
+          </p:style>
+          <p:txBody>
+            <a:bodyPr rtlCol="0" anchor="ctr"/>
+            <a:lstStyle/>
+            <a:p>
+              <a:pPr algn="ctr"/>
+              <a:endParaRPr lang="en-GB"/>
+            </a:p>
+          </p:txBody>
+        </p:sp>
+      </p:grpSp>
+      <p:grpSp>
+        <p:nvGrpSpPr>
+          <p:cNvPr id="287" name="Group 286"/>
+          <p:cNvGrpSpPr/>
+          <p:nvPr/>
+        </p:nvGrpSpPr>
+        <p:grpSpPr>
+          <a:xfrm>
+            <a:off x="1680262" y="4762106"/>
+            <a:ext cx="216024" cy="382265"/>
+            <a:chOff x="2771800" y="1369443"/>
+            <a:chExt cx="216024" cy="382265"/>
+          </a:xfrm>
+          <a:solidFill>
+            <a:srgbClr val="94C9E4"/>
+          </a:solidFill>
+        </p:grpSpPr>
+        <p:sp>
+          <p:nvSpPr>
+            <p:cNvPr id="288" name="Oval 287"/>
+            <p:cNvSpPr/>
+            <p:nvPr/>
+          </p:nvSpPr>
+          <p:spPr>
+            <a:xfrm>
+              <a:off x="2807804" y="1369443"/>
+              <a:ext cx="144016" cy="144016"/>
+            </a:xfrm>
+            <a:prstGeom prst="ellipse">
+              <a:avLst/>
+            </a:prstGeom>
+            <a:grpFill/>
+            <a:ln>
+              <a:solidFill>
+                <a:srgbClr val="0070C0"/>
+              </a:solidFill>
+            </a:ln>
+          </p:spPr>
+          <p:style>
+            <a:lnRef idx="2">
+              <a:schemeClr val="accent1">
+                <a:shade val="50000"/>
+              </a:schemeClr>
+            </a:lnRef>
+            <a:fillRef idx="1">
+              <a:schemeClr val="accent1"/>
+            </a:fillRef>
+            <a:effectRef idx="0">
+              <a:schemeClr val="accent1"/>
+            </a:effectRef>
+            <a:fontRef idx="minor">
+              <a:schemeClr val="lt1"/>
+            </a:fontRef>
+          </p:style>
+          <p:txBody>
+            <a:bodyPr rtlCol="0" anchor="ctr"/>
+            <a:lstStyle/>
+            <a:p>
+              <a:pPr algn="ctr"/>
+              <a:endParaRPr lang="en-GB"/>
+            </a:p>
+          </p:txBody>
+        </p:sp>
+        <p:sp>
+          <p:nvSpPr>
+            <p:cNvPr id="289" name="Oval 288"/>
+            <p:cNvSpPr/>
+            <p:nvPr/>
+          </p:nvSpPr>
+          <p:spPr>
+            <a:xfrm>
+              <a:off x="2771800" y="1535684"/>
+              <a:ext cx="216024" cy="144016"/>
+            </a:xfrm>
+            <a:prstGeom prst="ellipse">
+              <a:avLst/>
+            </a:prstGeom>
+            <a:grpFill/>
+            <a:ln>
+              <a:solidFill>
+                <a:srgbClr val="0070C0"/>
+              </a:solidFill>
+            </a:ln>
+          </p:spPr>
+          <p:style>
+            <a:lnRef idx="2">
+              <a:schemeClr val="accent1">
+                <a:shade val="50000"/>
+              </a:schemeClr>
+            </a:lnRef>
+            <a:fillRef idx="1">
+              <a:schemeClr val="accent1"/>
+            </a:fillRef>
+            <a:effectRef idx="0">
+              <a:schemeClr val="accent1"/>
+            </a:effectRef>
+            <a:fontRef idx="minor">
+              <a:schemeClr val="lt1"/>
+            </a:fontRef>
+          </p:style>
+          <p:txBody>
+            <a:bodyPr rtlCol="0" anchor="ctr"/>
+            <a:lstStyle/>
+            <a:p>
+              <a:pPr algn="ctr"/>
+              <a:endParaRPr lang="en-GB"/>
+            </a:p>
+          </p:txBody>
+        </p:sp>
+        <p:sp>
+          <p:nvSpPr>
+            <p:cNvPr id="290" name="Rectangle 289"/>
+            <p:cNvSpPr/>
+            <p:nvPr/>
+          </p:nvSpPr>
+          <p:spPr>
+            <a:xfrm>
+              <a:off x="2771800" y="1607692"/>
+              <a:ext cx="216024" cy="144016"/>
+            </a:xfrm>
+            <a:prstGeom prst="rect">
+              <a:avLst/>
+            </a:prstGeom>
+            <a:grpFill/>
+            <a:ln>
+              <a:solidFill>
+                <a:srgbClr val="0070C0"/>
+              </a:solidFill>
+            </a:ln>
+          </p:spPr>
+          <p:style>
+            <a:lnRef idx="2">
+              <a:schemeClr val="accent1">
+                <a:shade val="50000"/>
+              </a:schemeClr>
+            </a:lnRef>
+            <a:fillRef idx="1">
+              <a:schemeClr val="accent1"/>
+            </a:fillRef>
+            <a:effectRef idx="0">
+              <a:schemeClr val="accent1"/>
+            </a:effectRef>
+            <a:fontRef idx="minor">
+              <a:schemeClr val="lt1"/>
+            </a:fontRef>
+          </p:style>
+          <p:txBody>
+            <a:bodyPr rtlCol="0" anchor="ctr"/>
+            <a:lstStyle/>
+            <a:p>
+              <a:pPr algn="ctr"/>
+              <a:endParaRPr lang="en-GB"/>
+            </a:p>
+          </p:txBody>
+        </p:sp>
+        <p:sp>
+          <p:nvSpPr>
+            <p:cNvPr id="291" name="Rectangle 290"/>
+            <p:cNvSpPr/>
+            <p:nvPr/>
+          </p:nvSpPr>
+          <p:spPr>
+            <a:xfrm>
+              <a:off x="2788948" y="1591577"/>
+              <a:ext cx="183641" cy="45719"/>
+            </a:xfrm>
+            <a:prstGeom prst="rect">
+              <a:avLst/>
+            </a:prstGeom>
+            <a:grpFill/>
+            <a:ln>
+              <a:noFill/>
+            </a:ln>
+          </p:spPr>
+          <p:style>
+            <a:lnRef idx="2">
+              <a:schemeClr val="accent1">
+                <a:shade val="50000"/>
+              </a:schemeClr>
+            </a:lnRef>
+            <a:fillRef idx="1">
+              <a:schemeClr val="accent1"/>
+            </a:fillRef>
+            <a:effectRef idx="0">
+              <a:schemeClr val="accent1"/>
+            </a:effectRef>
+            <a:fontRef idx="minor">
+              <a:schemeClr val="lt1"/>
+            </a:fontRef>
+          </p:style>
+          <p:txBody>
+            <a:bodyPr rtlCol="0" anchor="ctr"/>
+            <a:lstStyle/>
+            <a:p>
+              <a:pPr algn="ctr"/>
+              <a:endParaRPr lang="en-GB"/>
+            </a:p>
+          </p:txBody>
+        </p:sp>
+      </p:grpSp>
+      <p:grpSp>
+        <p:nvGrpSpPr>
+          <p:cNvPr id="292" name="Group 291"/>
+          <p:cNvGrpSpPr/>
+          <p:nvPr/>
+        </p:nvGrpSpPr>
+        <p:grpSpPr>
+          <a:xfrm>
+            <a:off x="2480486" y="1373175"/>
+            <a:ext cx="216024" cy="382265"/>
+            <a:chOff x="2771800" y="1369443"/>
+            <a:chExt cx="216024" cy="382265"/>
+          </a:xfrm>
+          <a:solidFill>
+            <a:schemeClr val="bg1">
+              <a:lumMod val="85000"/>
+            </a:schemeClr>
+          </a:solidFill>
+        </p:grpSpPr>
+        <p:sp>
+          <p:nvSpPr>
+            <p:cNvPr id="293" name="Oval 292"/>
+            <p:cNvSpPr/>
+            <p:nvPr/>
+          </p:nvSpPr>
+          <p:spPr>
+            <a:xfrm>
+              <a:off x="2807804" y="1369443"/>
+              <a:ext cx="144016" cy="144016"/>
+            </a:xfrm>
+            <a:prstGeom prst="ellipse">
+              <a:avLst/>
+            </a:prstGeom>
+            <a:grpFill/>
+            <a:ln>
+              <a:solidFill>
+                <a:srgbClr val="0070C0"/>
+              </a:solidFill>
+            </a:ln>
+          </p:spPr>
+          <p:style>
+            <a:lnRef idx="2">
+              <a:schemeClr val="accent1">
+                <a:shade val="50000"/>
+              </a:schemeClr>
+            </a:lnRef>
+            <a:fillRef idx="1">
+              <a:schemeClr val="accent1"/>
+            </a:fillRef>
+            <a:effectRef idx="0">
+              <a:schemeClr val="accent1"/>
+            </a:effectRef>
+            <a:fontRef idx="minor">
+              <a:schemeClr val="lt1"/>
+            </a:fontRef>
+          </p:style>
+          <p:txBody>
+            <a:bodyPr rtlCol="0" anchor="ctr"/>
+            <a:lstStyle/>
+            <a:p>
+              <a:pPr algn="ctr"/>
+              <a:endParaRPr lang="en-GB"/>
+            </a:p>
+          </p:txBody>
+        </p:sp>
+        <p:sp>
+          <p:nvSpPr>
+            <p:cNvPr id="294" name="Oval 293"/>
+            <p:cNvSpPr/>
+            <p:nvPr/>
+          </p:nvSpPr>
+          <p:spPr>
+            <a:xfrm>
+              <a:off x="2771800" y="1535684"/>
+              <a:ext cx="216024" cy="144016"/>
+            </a:xfrm>
+            <a:prstGeom prst="ellipse">
+              <a:avLst/>
+            </a:prstGeom>
+            <a:grpFill/>
+            <a:ln>
+              <a:solidFill>
+                <a:srgbClr val="0070C0"/>
+              </a:solidFill>
+            </a:ln>
+          </p:spPr>
+          <p:style>
+            <a:lnRef idx="2">
+              <a:schemeClr val="accent1">
+                <a:shade val="50000"/>
+              </a:schemeClr>
+            </a:lnRef>
+            <a:fillRef idx="1">
+              <a:schemeClr val="accent1"/>
+            </a:fillRef>
+            <a:effectRef idx="0">
+              <a:schemeClr val="accent1"/>
+            </a:effectRef>
+            <a:fontRef idx="minor">
+              <a:schemeClr val="lt1"/>
+            </a:fontRef>
+          </p:style>
+          <p:txBody>
+            <a:bodyPr rtlCol="0" anchor="ctr"/>
+            <a:lstStyle/>
+            <a:p>
+              <a:pPr algn="ctr"/>
+              <a:endParaRPr lang="en-GB"/>
+            </a:p>
+          </p:txBody>
+        </p:sp>
+        <p:sp>
+          <p:nvSpPr>
+            <p:cNvPr id="295" name="Rectangle 294"/>
+            <p:cNvSpPr/>
+            <p:nvPr/>
+          </p:nvSpPr>
+          <p:spPr>
+            <a:xfrm>
+              <a:off x="2771800" y="1607692"/>
+              <a:ext cx="216024" cy="144016"/>
+            </a:xfrm>
+            <a:prstGeom prst="rect">
+              <a:avLst/>
+            </a:prstGeom>
+            <a:grpFill/>
+            <a:ln>
+              <a:solidFill>
+                <a:srgbClr val="0070C0"/>
+              </a:solidFill>
+            </a:ln>
+          </p:spPr>
+          <p:style>
+            <a:lnRef idx="2">
+              <a:schemeClr val="accent1">
+                <a:shade val="50000"/>
+              </a:schemeClr>
+            </a:lnRef>
+            <a:fillRef idx="1">
+              <a:schemeClr val="accent1"/>
+            </a:fillRef>
+            <a:effectRef idx="0">
+              <a:schemeClr val="accent1"/>
+            </a:effectRef>
+            <a:fontRef idx="minor">
+              <a:schemeClr val="lt1"/>
+            </a:fontRef>
+          </p:style>
+          <p:txBody>
+            <a:bodyPr rtlCol="0" anchor="ctr"/>
+            <a:lstStyle/>
+            <a:p>
+              <a:pPr algn="ctr"/>
+              <a:endParaRPr lang="en-GB"/>
+            </a:p>
+          </p:txBody>
+        </p:sp>
+        <p:sp>
+          <p:nvSpPr>
+            <p:cNvPr id="296" name="Rectangle 295"/>
+            <p:cNvSpPr/>
+            <p:nvPr/>
+          </p:nvSpPr>
+          <p:spPr>
+            <a:xfrm>
+              <a:off x="2788948" y="1591577"/>
+              <a:ext cx="183641" cy="45719"/>
+            </a:xfrm>
+            <a:prstGeom prst="rect">
+              <a:avLst/>
+            </a:prstGeom>
+            <a:grpFill/>
+            <a:ln>
+              <a:noFill/>
+            </a:ln>
+          </p:spPr>
+          <p:style>
+            <a:lnRef idx="2">
+              <a:schemeClr val="accent1">
+                <a:shade val="50000"/>
+              </a:schemeClr>
+            </a:lnRef>
+            <a:fillRef idx="1">
+              <a:schemeClr val="accent1"/>
+            </a:fillRef>
+            <a:effectRef idx="0">
+              <a:schemeClr val="accent1"/>
+            </a:effectRef>
+            <a:fontRef idx="minor">
+              <a:schemeClr val="lt1"/>
+            </a:fontRef>
+          </p:style>
+          <p:txBody>
+            <a:bodyPr rtlCol="0" anchor="ctr"/>
+            <a:lstStyle/>
+            <a:p>
+              <a:pPr algn="ctr"/>
+              <a:endParaRPr lang="en-GB"/>
+            </a:p>
+          </p:txBody>
+        </p:sp>
+      </p:grpSp>
+      <p:grpSp>
+        <p:nvGrpSpPr>
+          <p:cNvPr id="297" name="Group 296"/>
+          <p:cNvGrpSpPr/>
+          <p:nvPr/>
+        </p:nvGrpSpPr>
+        <p:grpSpPr>
+          <a:xfrm>
+            <a:off x="2476791" y="1845450"/>
+            <a:ext cx="216024" cy="382265"/>
+            <a:chOff x="2771800" y="1369443"/>
+            <a:chExt cx="216024" cy="382265"/>
+          </a:xfrm>
+          <a:solidFill>
+            <a:schemeClr val="bg1">
+              <a:lumMod val="85000"/>
+            </a:schemeClr>
+          </a:solidFill>
+        </p:grpSpPr>
+        <p:sp>
+          <p:nvSpPr>
+            <p:cNvPr id="298" name="Oval 297"/>
+            <p:cNvSpPr/>
+            <p:nvPr/>
+          </p:nvSpPr>
+          <p:spPr>
+            <a:xfrm>
+              <a:off x="2807804" y="1369443"/>
+              <a:ext cx="144016" cy="144016"/>
+            </a:xfrm>
+            <a:prstGeom prst="ellipse">
+              <a:avLst/>
+            </a:prstGeom>
+            <a:grpFill/>
+            <a:ln>
+              <a:solidFill>
+                <a:srgbClr val="0070C0"/>
+              </a:solidFill>
+            </a:ln>
+          </p:spPr>
+          <p:style>
+            <a:lnRef idx="2">
+              <a:schemeClr val="accent1">
+                <a:shade val="50000"/>
+              </a:schemeClr>
+            </a:lnRef>
+            <a:fillRef idx="1">
+              <a:schemeClr val="accent1"/>
+            </a:fillRef>
+            <a:effectRef idx="0">
+              <a:schemeClr val="accent1"/>
+            </a:effectRef>
+            <a:fontRef idx="minor">
+              <a:schemeClr val="lt1"/>
+            </a:fontRef>
+          </p:style>
+          <p:txBody>
+            <a:bodyPr rtlCol="0" anchor="ctr"/>
+            <a:lstStyle/>
+            <a:p>
+              <a:pPr algn="ctr"/>
+              <a:endParaRPr lang="en-GB"/>
+            </a:p>
+          </p:txBody>
+        </p:sp>
+        <p:sp>
+          <p:nvSpPr>
+            <p:cNvPr id="299" name="Oval 298"/>
+            <p:cNvSpPr/>
+            <p:nvPr/>
+          </p:nvSpPr>
+          <p:spPr>
+            <a:xfrm>
+              <a:off x="2771800" y="1535684"/>
+              <a:ext cx="216024" cy="144016"/>
+            </a:xfrm>
+            <a:prstGeom prst="ellipse">
+              <a:avLst/>
+            </a:prstGeom>
+            <a:grpFill/>
+            <a:ln>
+              <a:solidFill>
+                <a:srgbClr val="0070C0"/>
+              </a:solidFill>
+            </a:ln>
+          </p:spPr>
+          <p:style>
+            <a:lnRef idx="2">
+              <a:schemeClr val="accent1">
+                <a:shade val="50000"/>
+              </a:schemeClr>
+            </a:lnRef>
+            <a:fillRef idx="1">
+              <a:schemeClr val="accent1"/>
+            </a:fillRef>
+            <a:effectRef idx="0">
+              <a:schemeClr val="accent1"/>
+            </a:effectRef>
+            <a:fontRef idx="minor">
+              <a:schemeClr val="lt1"/>
+            </a:fontRef>
+          </p:style>
+          <p:txBody>
+            <a:bodyPr rtlCol="0" anchor="ctr"/>
+            <a:lstStyle/>
+            <a:p>
+              <a:pPr algn="ctr"/>
+              <a:endParaRPr lang="en-GB"/>
+            </a:p>
+          </p:txBody>
+        </p:sp>
+        <p:sp>
+          <p:nvSpPr>
+            <p:cNvPr id="300" name="Rectangle 299"/>
+            <p:cNvSpPr/>
+            <p:nvPr/>
+          </p:nvSpPr>
+          <p:spPr>
+            <a:xfrm>
+              <a:off x="2771800" y="1607692"/>
+              <a:ext cx="216024" cy="144016"/>
+            </a:xfrm>
+            <a:prstGeom prst="rect">
+              <a:avLst/>
+            </a:prstGeom>
+            <a:grpFill/>
+            <a:ln>
+              <a:solidFill>
+                <a:srgbClr val="0070C0"/>
+              </a:solidFill>
+            </a:ln>
+          </p:spPr>
+          <p:style>
+            <a:lnRef idx="2">
+              <a:schemeClr val="accent1">
+                <a:shade val="50000"/>
+              </a:schemeClr>
+            </a:lnRef>
+            <a:fillRef idx="1">
+              <a:schemeClr val="accent1"/>
+            </a:fillRef>
+            <a:effectRef idx="0">
+              <a:schemeClr val="accent1"/>
+            </a:effectRef>
+            <a:fontRef idx="minor">
+              <a:schemeClr val="lt1"/>
+            </a:fontRef>
+          </p:style>
+          <p:txBody>
+            <a:bodyPr rtlCol="0" anchor="ctr"/>
+            <a:lstStyle/>
+            <a:p>
+              <a:pPr algn="ctr"/>
+              <a:endParaRPr lang="en-GB"/>
+            </a:p>
+          </p:txBody>
+        </p:sp>
+        <p:sp>
+          <p:nvSpPr>
+            <p:cNvPr id="301" name="Rectangle 300"/>
+            <p:cNvSpPr/>
+            <p:nvPr/>
+          </p:nvSpPr>
+          <p:spPr>
+            <a:xfrm>
+              <a:off x="2788948" y="1591577"/>
+              <a:ext cx="183641" cy="45719"/>
+            </a:xfrm>
+            <a:prstGeom prst="rect">
+              <a:avLst/>
+            </a:prstGeom>
+            <a:grpFill/>
+            <a:ln>
+              <a:noFill/>
+            </a:ln>
+          </p:spPr>
+          <p:style>
+            <a:lnRef idx="2">
+              <a:schemeClr val="accent1">
+                <a:shade val="50000"/>
+              </a:schemeClr>
+            </a:lnRef>
+            <a:fillRef idx="1">
+              <a:schemeClr val="accent1"/>
+            </a:fillRef>
+            <a:effectRef idx="0">
+              <a:schemeClr val="accent1"/>
+            </a:effectRef>
+            <a:fontRef idx="minor">
+              <a:schemeClr val="lt1"/>
+            </a:fontRef>
+          </p:style>
+          <p:txBody>
+            <a:bodyPr rtlCol="0" anchor="ctr"/>
+            <a:lstStyle/>
+            <a:p>
+              <a:pPr algn="ctr"/>
+              <a:endParaRPr lang="en-GB"/>
+            </a:p>
+          </p:txBody>
+        </p:sp>
+      </p:grpSp>
+      <p:grpSp>
+        <p:nvGrpSpPr>
+          <p:cNvPr id="302" name="Group 301"/>
+          <p:cNvGrpSpPr/>
+          <p:nvPr/>
+        </p:nvGrpSpPr>
+        <p:grpSpPr>
+          <a:xfrm>
+            <a:off x="2205907" y="1378076"/>
+            <a:ext cx="216024" cy="382265"/>
+            <a:chOff x="2771800" y="1369443"/>
+            <a:chExt cx="216024" cy="382265"/>
+          </a:xfrm>
+          <a:solidFill>
+            <a:schemeClr val="bg1">
+              <a:lumMod val="85000"/>
+            </a:schemeClr>
+          </a:solidFill>
+        </p:grpSpPr>
+        <p:sp>
+          <p:nvSpPr>
+            <p:cNvPr id="303" name="Oval 302"/>
+            <p:cNvSpPr/>
+            <p:nvPr/>
+          </p:nvSpPr>
+          <p:spPr>
+            <a:xfrm>
+              <a:off x="2807804" y="1369443"/>
+              <a:ext cx="144016" cy="144016"/>
+            </a:xfrm>
+            <a:prstGeom prst="ellipse">
+              <a:avLst/>
+            </a:prstGeom>
+            <a:grpFill/>
+            <a:ln>
+              <a:solidFill>
+                <a:srgbClr val="0070C0"/>
+              </a:solidFill>
+            </a:ln>
+          </p:spPr>
+          <p:style>
+            <a:lnRef idx="2">
+              <a:schemeClr val="accent1">
+                <a:shade val="50000"/>
+              </a:schemeClr>
+            </a:lnRef>
+            <a:fillRef idx="1">
+              <a:schemeClr val="accent1"/>
+            </a:fillRef>
+            <a:effectRef idx="0">
+              <a:schemeClr val="accent1"/>
+            </a:effectRef>
+            <a:fontRef idx="minor">
+              <a:schemeClr val="lt1"/>
+            </a:fontRef>
+          </p:style>
+          <p:txBody>
+            <a:bodyPr rtlCol="0" anchor="ctr"/>
+            <a:lstStyle/>
+            <a:p>
+              <a:pPr algn="ctr"/>
+              <a:endParaRPr lang="en-GB"/>
+            </a:p>
+          </p:txBody>
+        </p:sp>
+        <p:sp>
+          <p:nvSpPr>
+            <p:cNvPr id="304" name="Oval 303"/>
+            <p:cNvSpPr/>
+            <p:nvPr/>
+          </p:nvSpPr>
+          <p:spPr>
+            <a:xfrm>
+              <a:off x="2771800" y="1535684"/>
+              <a:ext cx="216024" cy="144016"/>
+            </a:xfrm>
+            <a:prstGeom prst="ellipse">
+              <a:avLst/>
+            </a:prstGeom>
+            <a:grpFill/>
+            <a:ln>
+              <a:solidFill>
+                <a:srgbClr val="0070C0"/>
+              </a:solidFill>
+            </a:ln>
+          </p:spPr>
+          <p:style>
+            <a:lnRef idx="2">
+              <a:schemeClr val="accent1">
+                <a:shade val="50000"/>
+              </a:schemeClr>
+            </a:lnRef>
+            <a:fillRef idx="1">
+              <a:schemeClr val="accent1"/>
+            </a:fillRef>
+            <a:effectRef idx="0">
+              <a:schemeClr val="accent1"/>
+            </a:effectRef>
+            <a:fontRef idx="minor">
+              <a:schemeClr val="lt1"/>
+            </a:fontRef>
+          </p:style>
+          <p:txBody>
+            <a:bodyPr rtlCol="0" anchor="ctr"/>
+            <a:lstStyle/>
+            <a:p>
+              <a:pPr algn="ctr"/>
+              <a:endParaRPr lang="en-GB"/>
+            </a:p>
+          </p:txBody>
+        </p:sp>
+        <p:sp>
+          <p:nvSpPr>
+            <p:cNvPr id="305" name="Rectangle 304"/>
+            <p:cNvSpPr/>
+            <p:nvPr/>
+          </p:nvSpPr>
+          <p:spPr>
+            <a:xfrm>
+              <a:off x="2771800" y="1607692"/>
+              <a:ext cx="216024" cy="144016"/>
+            </a:xfrm>
+            <a:prstGeom prst="rect">
+              <a:avLst/>
+            </a:prstGeom>
+            <a:grpFill/>
+            <a:ln>
+              <a:solidFill>
+                <a:srgbClr val="0070C0"/>
+              </a:solidFill>
+            </a:ln>
+          </p:spPr>
+          <p:style>
+            <a:lnRef idx="2">
+              <a:schemeClr val="accent1">
+                <a:shade val="50000"/>
+              </a:schemeClr>
+            </a:lnRef>
+            <a:fillRef idx="1">
+              <a:schemeClr val="accent1"/>
+            </a:fillRef>
+            <a:effectRef idx="0">
+              <a:schemeClr val="accent1"/>
+            </a:effectRef>
+            <a:fontRef idx="minor">
+              <a:schemeClr val="lt1"/>
+            </a:fontRef>
+          </p:style>
+          <p:txBody>
+            <a:bodyPr rtlCol="0" anchor="ctr"/>
+            <a:lstStyle/>
+            <a:p>
+              <a:pPr algn="ctr"/>
+              <a:endParaRPr lang="en-GB"/>
+            </a:p>
+          </p:txBody>
+        </p:sp>
+        <p:sp>
+          <p:nvSpPr>
+            <p:cNvPr id="306" name="Rectangle 305"/>
+            <p:cNvSpPr/>
+            <p:nvPr/>
+          </p:nvSpPr>
+          <p:spPr>
+            <a:xfrm>
+              <a:off x="2788948" y="1591577"/>
+              <a:ext cx="183641" cy="45719"/>
+            </a:xfrm>
+            <a:prstGeom prst="rect">
+              <a:avLst/>
+            </a:prstGeom>
+            <a:grpFill/>
+            <a:ln>
+              <a:noFill/>
+            </a:ln>
+          </p:spPr>
+          <p:style>
+            <a:lnRef idx="2">
+              <a:schemeClr val="accent1">
+                <a:shade val="50000"/>
+              </a:schemeClr>
+            </a:lnRef>
+            <a:fillRef idx="1">
+              <a:schemeClr val="accent1"/>
+            </a:fillRef>
+            <a:effectRef idx="0">
+              <a:schemeClr val="accent1"/>
+            </a:effectRef>
+            <a:fontRef idx="minor">
+              <a:schemeClr val="lt1"/>
+            </a:fontRef>
+          </p:style>
+          <p:txBody>
+            <a:bodyPr rtlCol="0" anchor="ctr"/>
+            <a:lstStyle/>
+            <a:p>
+              <a:pPr algn="ctr"/>
+              <a:endParaRPr lang="en-GB"/>
+            </a:p>
+          </p:txBody>
+        </p:sp>
+      </p:grpSp>
+      <p:grpSp>
+        <p:nvGrpSpPr>
+          <p:cNvPr id="307" name="Group 306"/>
+          <p:cNvGrpSpPr/>
+          <p:nvPr/>
+        </p:nvGrpSpPr>
+        <p:grpSpPr>
+          <a:xfrm>
+            <a:off x="2202212" y="1850351"/>
+            <a:ext cx="216024" cy="382265"/>
+            <a:chOff x="2771800" y="1369443"/>
+            <a:chExt cx="216024" cy="382265"/>
+          </a:xfrm>
+          <a:solidFill>
+            <a:schemeClr val="bg1">
+              <a:lumMod val="85000"/>
+            </a:schemeClr>
+          </a:solidFill>
+        </p:grpSpPr>
+        <p:sp>
+          <p:nvSpPr>
+            <p:cNvPr id="308" name="Oval 307"/>
+            <p:cNvSpPr/>
+            <p:nvPr/>
+          </p:nvSpPr>
+          <p:spPr>
+            <a:xfrm>
+              <a:off x="2807804" y="1369443"/>
+              <a:ext cx="144016" cy="144016"/>
+            </a:xfrm>
+            <a:prstGeom prst="ellipse">
+              <a:avLst/>
+            </a:prstGeom>
+            <a:grpFill/>
+            <a:ln>
+              <a:solidFill>
+                <a:srgbClr val="0070C0"/>
+              </a:solidFill>
+            </a:ln>
+          </p:spPr>
+          <p:style>
+            <a:lnRef idx="2">
+              <a:schemeClr val="accent1">
+                <a:shade val="50000"/>
+              </a:schemeClr>
+            </a:lnRef>
+            <a:fillRef idx="1">
+              <a:schemeClr val="accent1"/>
+            </a:fillRef>
+            <a:effectRef idx="0">
+              <a:schemeClr val="accent1"/>
+            </a:effectRef>
+            <a:fontRef idx="minor">
+              <a:schemeClr val="lt1"/>
+            </a:fontRef>
+          </p:style>
+          <p:txBody>
+            <a:bodyPr rtlCol="0" anchor="ctr"/>
+            <a:lstStyle/>
+            <a:p>
+              <a:pPr algn="ctr"/>
+              <a:endParaRPr lang="en-GB"/>
+            </a:p>
+          </p:txBody>
+        </p:sp>
+        <p:sp>
+          <p:nvSpPr>
+            <p:cNvPr id="309" name="Oval 308"/>
+            <p:cNvSpPr/>
+            <p:nvPr/>
+          </p:nvSpPr>
+          <p:spPr>
+            <a:xfrm>
+              <a:off x="2771800" y="1535684"/>
+              <a:ext cx="216024" cy="144016"/>
+            </a:xfrm>
+            <a:prstGeom prst="ellipse">
+              <a:avLst/>
+            </a:prstGeom>
+            <a:grpFill/>
+            <a:ln>
+              <a:solidFill>
+                <a:srgbClr val="0070C0"/>
+              </a:solidFill>
+            </a:ln>
+          </p:spPr>
+          <p:style>
+            <a:lnRef idx="2">
+              <a:schemeClr val="accent1">
+                <a:shade val="50000"/>
+              </a:schemeClr>
+            </a:lnRef>
+            <a:fillRef idx="1">
+              <a:schemeClr val="accent1"/>
+            </a:fillRef>
+            <a:effectRef idx="0">
+              <a:schemeClr val="accent1"/>
+            </a:effectRef>
+            <a:fontRef idx="minor">
+              <a:schemeClr val="lt1"/>
+            </a:fontRef>
+          </p:style>
+          <p:txBody>
+            <a:bodyPr rtlCol="0" anchor="ctr"/>
+            <a:lstStyle/>
+            <a:p>
+              <a:pPr algn="ctr"/>
+              <a:endParaRPr lang="en-GB"/>
+            </a:p>
+          </p:txBody>
+        </p:sp>
+        <p:sp>
+          <p:nvSpPr>
+            <p:cNvPr id="310" name="Rectangle 309"/>
+            <p:cNvSpPr/>
+            <p:nvPr/>
+          </p:nvSpPr>
+          <p:spPr>
+            <a:xfrm>
+              <a:off x="2771800" y="1607692"/>
+              <a:ext cx="216024" cy="144016"/>
+            </a:xfrm>
+            <a:prstGeom prst="rect">
+              <a:avLst/>
+            </a:prstGeom>
+            <a:grpFill/>
+            <a:ln>
+              <a:solidFill>
+                <a:srgbClr val="0070C0"/>
+              </a:solidFill>
+            </a:ln>
+          </p:spPr>
+          <p:style>
+            <a:lnRef idx="2">
+              <a:schemeClr val="accent1">
+                <a:shade val="50000"/>
+              </a:schemeClr>
+            </a:lnRef>
+            <a:fillRef idx="1">
+              <a:schemeClr val="accent1"/>
+            </a:fillRef>
+            <a:effectRef idx="0">
+              <a:schemeClr val="accent1"/>
+            </a:effectRef>
+            <a:fontRef idx="minor">
+              <a:schemeClr val="lt1"/>
+            </a:fontRef>
+          </p:style>
+          <p:txBody>
+            <a:bodyPr rtlCol="0" anchor="ctr"/>
+            <a:lstStyle/>
+            <a:p>
+              <a:pPr algn="ctr"/>
+              <a:endParaRPr lang="en-GB"/>
+            </a:p>
+          </p:txBody>
+        </p:sp>
+        <p:sp>
+          <p:nvSpPr>
+            <p:cNvPr id="311" name="Rectangle 310"/>
+            <p:cNvSpPr/>
+            <p:nvPr/>
+          </p:nvSpPr>
+          <p:spPr>
+            <a:xfrm>
+              <a:off x="2788948" y="1591577"/>
+              <a:ext cx="183641" cy="45719"/>
+            </a:xfrm>
+            <a:prstGeom prst="rect">
+              <a:avLst/>
+            </a:prstGeom>
+            <a:grpFill/>
+            <a:ln>
+              <a:noFill/>
+            </a:ln>
+          </p:spPr>
+          <p:style>
+            <a:lnRef idx="2">
+              <a:schemeClr val="accent1">
+                <a:shade val="50000"/>
+              </a:schemeClr>
+            </a:lnRef>
+            <a:fillRef idx="1">
+              <a:schemeClr val="accent1"/>
+            </a:fillRef>
+            <a:effectRef idx="0">
+              <a:schemeClr val="accent1"/>
+            </a:effectRef>
+            <a:fontRef idx="minor">
+              <a:schemeClr val="lt1"/>
+            </a:fontRef>
+          </p:style>
+          <p:txBody>
+            <a:bodyPr rtlCol="0" anchor="ctr"/>
+            <a:lstStyle/>
+            <a:p>
+              <a:pPr algn="ctr"/>
+              <a:endParaRPr lang="en-GB"/>
+            </a:p>
+          </p:txBody>
+        </p:sp>
+      </p:grpSp>
+      <p:grpSp>
+        <p:nvGrpSpPr>
+          <p:cNvPr id="312" name="Group 311"/>
+          <p:cNvGrpSpPr/>
+          <p:nvPr/>
+        </p:nvGrpSpPr>
+        <p:grpSpPr>
+          <a:xfrm>
+            <a:off x="1920989" y="1369443"/>
+            <a:ext cx="216024" cy="382265"/>
+            <a:chOff x="2771800" y="1369443"/>
+            <a:chExt cx="216024" cy="382265"/>
+          </a:xfrm>
+          <a:solidFill>
+            <a:schemeClr val="bg1">
+              <a:lumMod val="85000"/>
+            </a:schemeClr>
+          </a:solidFill>
+        </p:grpSpPr>
+        <p:sp>
+          <p:nvSpPr>
+            <p:cNvPr id="313" name="Oval 312"/>
+            <p:cNvSpPr/>
+            <p:nvPr/>
+          </p:nvSpPr>
+          <p:spPr>
+            <a:xfrm>
+              <a:off x="2807804" y="1369443"/>
+              <a:ext cx="144016" cy="144016"/>
+            </a:xfrm>
+            <a:prstGeom prst="ellipse">
+              <a:avLst/>
+            </a:prstGeom>
+            <a:grpFill/>
+            <a:ln>
+              <a:solidFill>
+                <a:srgbClr val="0070C0"/>
+              </a:solidFill>
+            </a:ln>
+          </p:spPr>
+          <p:style>
+            <a:lnRef idx="2">
+              <a:schemeClr val="accent1">
+                <a:shade val="50000"/>
+              </a:schemeClr>
+            </a:lnRef>
+            <a:fillRef idx="1">
+              <a:schemeClr val="accent1"/>
+            </a:fillRef>
+            <a:effectRef idx="0">
+              <a:schemeClr val="accent1"/>
+            </a:effectRef>
+            <a:fontRef idx="minor">
+              <a:schemeClr val="lt1"/>
+            </a:fontRef>
+          </p:style>
+          <p:txBody>
+            <a:bodyPr rtlCol="0" anchor="ctr"/>
+            <a:lstStyle/>
+            <a:p>
+              <a:pPr algn="ctr"/>
+              <a:endParaRPr lang="en-GB"/>
+            </a:p>
+          </p:txBody>
+        </p:sp>
+        <p:sp>
+          <p:nvSpPr>
+            <p:cNvPr id="314" name="Oval 313"/>
+            <p:cNvSpPr/>
+            <p:nvPr/>
+          </p:nvSpPr>
+          <p:spPr>
+            <a:xfrm>
+              <a:off x="2771800" y="1535684"/>
+              <a:ext cx="216024" cy="144016"/>
+            </a:xfrm>
+            <a:prstGeom prst="ellipse">
+              <a:avLst/>
+            </a:prstGeom>
+            <a:grpFill/>
+            <a:ln>
+              <a:solidFill>
+                <a:srgbClr val="0070C0"/>
+              </a:solidFill>
+            </a:ln>
+          </p:spPr>
+          <p:style>
+            <a:lnRef idx="2">
+              <a:schemeClr val="accent1">
+                <a:shade val="50000"/>
+              </a:schemeClr>
+            </a:lnRef>
+            <a:fillRef idx="1">
+              <a:schemeClr val="accent1"/>
+            </a:fillRef>
+            <a:effectRef idx="0">
+              <a:schemeClr val="accent1"/>
+            </a:effectRef>
+            <a:fontRef idx="minor">
+              <a:schemeClr val="lt1"/>
+            </a:fontRef>
+          </p:style>
+          <p:txBody>
+            <a:bodyPr rtlCol="0" anchor="ctr"/>
+            <a:lstStyle/>
+            <a:p>
+              <a:pPr algn="ctr"/>
+              <a:endParaRPr lang="en-GB"/>
+            </a:p>
+          </p:txBody>
+        </p:sp>
+        <p:sp>
+          <p:nvSpPr>
+            <p:cNvPr id="315" name="Rectangle 314"/>
+            <p:cNvSpPr/>
+            <p:nvPr/>
+          </p:nvSpPr>
+          <p:spPr>
+            <a:xfrm>
+              <a:off x="2771800" y="1607692"/>
+              <a:ext cx="216024" cy="144016"/>
+            </a:xfrm>
+            <a:prstGeom prst="rect">
+              <a:avLst/>
+            </a:prstGeom>
+            <a:grpFill/>
+            <a:ln>
+              <a:solidFill>
+                <a:srgbClr val="0070C0"/>
+              </a:solidFill>
+            </a:ln>
+          </p:spPr>
+          <p:style>
+            <a:lnRef idx="2">
+              <a:schemeClr val="accent1">
+                <a:shade val="50000"/>
+              </a:schemeClr>
+            </a:lnRef>
+            <a:fillRef idx="1">
+              <a:schemeClr val="accent1"/>
+            </a:fillRef>
+            <a:effectRef idx="0">
+              <a:schemeClr val="accent1"/>
+            </a:effectRef>
+            <a:fontRef idx="minor">
+              <a:schemeClr val="lt1"/>
+            </a:fontRef>
+          </p:style>
+          <p:txBody>
+            <a:bodyPr rtlCol="0" anchor="ctr"/>
+            <a:lstStyle/>
+            <a:p>
+              <a:pPr algn="ctr"/>
+              <a:endParaRPr lang="en-GB"/>
+            </a:p>
+          </p:txBody>
+        </p:sp>
+        <p:sp>
+          <p:nvSpPr>
+            <p:cNvPr id="316" name="Rectangle 315"/>
+            <p:cNvSpPr/>
+            <p:nvPr/>
+          </p:nvSpPr>
+          <p:spPr>
+            <a:xfrm>
+              <a:off x="2788948" y="1591577"/>
+              <a:ext cx="183641" cy="45719"/>
+            </a:xfrm>
+            <a:prstGeom prst="rect">
+              <a:avLst/>
+            </a:prstGeom>
+            <a:grpFill/>
+            <a:ln>
+              <a:noFill/>
+            </a:ln>
+          </p:spPr>
+          <p:style>
+            <a:lnRef idx="2">
+              <a:schemeClr val="accent1">
+                <a:shade val="50000"/>
+              </a:schemeClr>
+            </a:lnRef>
+            <a:fillRef idx="1">
+              <a:schemeClr val="accent1"/>
+            </a:fillRef>
+            <a:effectRef idx="0">
+              <a:schemeClr val="accent1"/>
+            </a:effectRef>
+            <a:fontRef idx="minor">
+              <a:schemeClr val="lt1"/>
+            </a:fontRef>
+          </p:style>
+          <p:txBody>
+            <a:bodyPr rtlCol="0" anchor="ctr"/>
+            <a:lstStyle/>
+            <a:p>
+              <a:pPr algn="ctr"/>
+              <a:endParaRPr lang="en-GB"/>
+            </a:p>
+          </p:txBody>
+        </p:sp>
+      </p:grpSp>
+      <p:grpSp>
+        <p:nvGrpSpPr>
+          <p:cNvPr id="317" name="Group 316"/>
+          <p:cNvGrpSpPr/>
+          <p:nvPr/>
+        </p:nvGrpSpPr>
+        <p:grpSpPr>
+          <a:xfrm>
+            <a:off x="1917294" y="1841718"/>
+            <a:ext cx="216024" cy="382265"/>
+            <a:chOff x="2771800" y="1369443"/>
+            <a:chExt cx="216024" cy="382265"/>
+          </a:xfrm>
+          <a:solidFill>
+            <a:schemeClr val="bg1">
+              <a:lumMod val="85000"/>
+            </a:schemeClr>
+          </a:solidFill>
+        </p:grpSpPr>
+        <p:sp>
+          <p:nvSpPr>
+            <p:cNvPr id="318" name="Oval 317"/>
+            <p:cNvSpPr/>
+            <p:nvPr/>
+          </p:nvSpPr>
+          <p:spPr>
+            <a:xfrm>
+              <a:off x="2807804" y="1369443"/>
+              <a:ext cx="144016" cy="144016"/>
+            </a:xfrm>
+            <a:prstGeom prst="ellipse">
+              <a:avLst/>
+            </a:prstGeom>
+            <a:grpFill/>
+            <a:ln>
+              <a:solidFill>
+                <a:srgbClr val="0070C0"/>
+              </a:solidFill>
+            </a:ln>
+          </p:spPr>
+          <p:style>
+            <a:lnRef idx="2">
+              <a:schemeClr val="accent1">
+                <a:shade val="50000"/>
+              </a:schemeClr>
+            </a:lnRef>
+            <a:fillRef idx="1">
+              <a:schemeClr val="accent1"/>
+            </a:fillRef>
+            <a:effectRef idx="0">
+              <a:schemeClr val="accent1"/>
+            </a:effectRef>
+            <a:fontRef idx="minor">
+              <a:schemeClr val="lt1"/>
+            </a:fontRef>
+          </p:style>
+          <p:txBody>
+            <a:bodyPr rtlCol="0" anchor="ctr"/>
+            <a:lstStyle/>
+            <a:p>
+              <a:pPr algn="ctr"/>
+              <a:endParaRPr lang="en-GB"/>
+            </a:p>
+          </p:txBody>
+        </p:sp>
+        <p:sp>
+          <p:nvSpPr>
+            <p:cNvPr id="319" name="Oval 318"/>
+            <p:cNvSpPr/>
+            <p:nvPr/>
+          </p:nvSpPr>
+          <p:spPr>
+            <a:xfrm>
+              <a:off x="2771800" y="1535684"/>
+              <a:ext cx="216024" cy="144016"/>
+            </a:xfrm>
+            <a:prstGeom prst="ellipse">
+              <a:avLst/>
+            </a:prstGeom>
+            <a:grpFill/>
+            <a:ln>
+              <a:solidFill>
+                <a:srgbClr val="0070C0"/>
+              </a:solidFill>
+            </a:ln>
+          </p:spPr>
+          <p:style>
+            <a:lnRef idx="2">
+              <a:schemeClr val="accent1">
+                <a:shade val="50000"/>
+              </a:schemeClr>
+            </a:lnRef>
+            <a:fillRef idx="1">
+              <a:schemeClr val="accent1"/>
+            </a:fillRef>
+            <a:effectRef idx="0">
+              <a:schemeClr val="accent1"/>
+            </a:effectRef>
+            <a:fontRef idx="minor">
+              <a:schemeClr val="lt1"/>
+            </a:fontRef>
+          </p:style>
+          <p:txBody>
+            <a:bodyPr rtlCol="0" anchor="ctr"/>
+            <a:lstStyle/>
+            <a:p>
+              <a:pPr algn="ctr"/>
+              <a:endParaRPr lang="en-GB"/>
+            </a:p>
+          </p:txBody>
+        </p:sp>
+        <p:sp>
+          <p:nvSpPr>
+            <p:cNvPr id="320" name="Rectangle 319"/>
+            <p:cNvSpPr/>
+            <p:nvPr/>
+          </p:nvSpPr>
+          <p:spPr>
+            <a:xfrm>
+              <a:off x="2771800" y="1607692"/>
+              <a:ext cx="216024" cy="144016"/>
+            </a:xfrm>
+            <a:prstGeom prst="rect">
+              <a:avLst/>
+            </a:prstGeom>
+            <a:grpFill/>
+            <a:ln>
+              <a:solidFill>
+                <a:srgbClr val="0070C0"/>
+              </a:solidFill>
+            </a:ln>
+          </p:spPr>
+          <p:style>
+            <a:lnRef idx="2">
+              <a:schemeClr val="accent1">
+                <a:shade val="50000"/>
+              </a:schemeClr>
+            </a:lnRef>
+            <a:fillRef idx="1">
+              <a:schemeClr val="accent1"/>
+            </a:fillRef>
+            <a:effectRef idx="0">
+              <a:schemeClr val="accent1"/>
+            </a:effectRef>
+            <a:fontRef idx="minor">
+              <a:schemeClr val="lt1"/>
+            </a:fontRef>
+          </p:style>
+          <p:txBody>
+            <a:bodyPr rtlCol="0" anchor="ctr"/>
+            <a:lstStyle/>
+            <a:p>
+              <a:pPr algn="ctr"/>
+              <a:endParaRPr lang="en-GB"/>
+            </a:p>
+          </p:txBody>
+        </p:sp>
+        <p:sp>
+          <p:nvSpPr>
+            <p:cNvPr id="321" name="Rectangle 320"/>
+            <p:cNvSpPr/>
+            <p:nvPr/>
+          </p:nvSpPr>
+          <p:spPr>
+            <a:xfrm>
+              <a:off x="2788948" y="1591577"/>
+              <a:ext cx="183641" cy="45719"/>
+            </a:xfrm>
+            <a:prstGeom prst="rect">
+              <a:avLst/>
+            </a:prstGeom>
+            <a:grpFill/>
+            <a:ln>
+              <a:noFill/>
+            </a:ln>
+          </p:spPr>
+          <p:style>
+            <a:lnRef idx="2">
+              <a:schemeClr val="accent1">
+                <a:shade val="50000"/>
+              </a:schemeClr>
+            </a:lnRef>
+            <a:fillRef idx="1">
+              <a:schemeClr val="accent1"/>
+            </a:fillRef>
+            <a:effectRef idx="0">
+              <a:schemeClr val="accent1"/>
+            </a:effectRef>
+            <a:fontRef idx="minor">
+              <a:schemeClr val="lt1"/>
+            </a:fontRef>
+          </p:style>
+          <p:txBody>
+            <a:bodyPr rtlCol="0" anchor="ctr"/>
+            <a:lstStyle/>
+            <a:p>
+              <a:pPr algn="ctr"/>
+              <a:endParaRPr lang="en-GB"/>
+            </a:p>
+          </p:txBody>
+        </p:sp>
+      </p:grpSp>
+      <p:grpSp>
+        <p:nvGrpSpPr>
+          <p:cNvPr id="322" name="Group 321"/>
+          <p:cNvGrpSpPr/>
+          <p:nvPr/>
+        </p:nvGrpSpPr>
+        <p:grpSpPr>
+          <a:xfrm>
+            <a:off x="1635341" y="1373313"/>
+            <a:ext cx="216024" cy="382265"/>
+            <a:chOff x="2771800" y="1369443"/>
+            <a:chExt cx="216024" cy="382265"/>
+          </a:xfrm>
+          <a:solidFill>
+            <a:schemeClr val="bg1">
+              <a:lumMod val="85000"/>
+            </a:schemeClr>
+          </a:solidFill>
+        </p:grpSpPr>
+        <p:sp>
+          <p:nvSpPr>
+            <p:cNvPr id="323" name="Oval 322"/>
+            <p:cNvSpPr/>
+            <p:nvPr/>
+          </p:nvSpPr>
+          <p:spPr>
+            <a:xfrm>
+              <a:off x="2807804" y="1369443"/>
+              <a:ext cx="144016" cy="144016"/>
+            </a:xfrm>
+            <a:prstGeom prst="ellipse">
+              <a:avLst/>
+            </a:prstGeom>
+            <a:grpFill/>
+            <a:ln>
+              <a:solidFill>
+                <a:srgbClr val="0070C0"/>
+              </a:solidFill>
+            </a:ln>
+          </p:spPr>
+          <p:style>
+            <a:lnRef idx="2">
+              <a:schemeClr val="accent1">
+                <a:shade val="50000"/>
+              </a:schemeClr>
+            </a:lnRef>
+            <a:fillRef idx="1">
+              <a:schemeClr val="accent1"/>
+            </a:fillRef>
+            <a:effectRef idx="0">
+              <a:schemeClr val="accent1"/>
+            </a:effectRef>
+            <a:fontRef idx="minor">
+              <a:schemeClr val="lt1"/>
+            </a:fontRef>
+          </p:style>
+          <p:txBody>
+            <a:bodyPr rtlCol="0" anchor="ctr"/>
+            <a:lstStyle/>
+            <a:p>
+              <a:pPr algn="ctr"/>
+              <a:endParaRPr lang="en-GB"/>
+            </a:p>
+          </p:txBody>
+        </p:sp>
+        <p:sp>
+          <p:nvSpPr>
+            <p:cNvPr id="324" name="Oval 323"/>
+            <p:cNvSpPr/>
+            <p:nvPr/>
+          </p:nvSpPr>
+          <p:spPr>
+            <a:xfrm>
+              <a:off x="2771800" y="1535684"/>
+              <a:ext cx="216024" cy="144016"/>
+            </a:xfrm>
+            <a:prstGeom prst="ellipse">
+              <a:avLst/>
+            </a:prstGeom>
+            <a:grpFill/>
+            <a:ln>
+              <a:solidFill>
+                <a:srgbClr val="0070C0"/>
+              </a:solidFill>
+            </a:ln>
+          </p:spPr>
+          <p:style>
+            <a:lnRef idx="2">
+              <a:schemeClr val="accent1">
+                <a:shade val="50000"/>
+              </a:schemeClr>
+            </a:lnRef>
+            <a:fillRef idx="1">
+              <a:schemeClr val="accent1"/>
+            </a:fillRef>
+            <a:effectRef idx="0">
+              <a:schemeClr val="accent1"/>
+            </a:effectRef>
+            <a:fontRef idx="minor">
+              <a:schemeClr val="lt1"/>
+            </a:fontRef>
+          </p:style>
+          <p:txBody>
+            <a:bodyPr rtlCol="0" anchor="ctr"/>
+            <a:lstStyle/>
+            <a:p>
+              <a:pPr algn="ctr"/>
+              <a:endParaRPr lang="en-GB"/>
+            </a:p>
+          </p:txBody>
+        </p:sp>
+        <p:sp>
+          <p:nvSpPr>
+            <p:cNvPr id="325" name="Rectangle 324"/>
+            <p:cNvSpPr/>
+            <p:nvPr/>
+          </p:nvSpPr>
+          <p:spPr>
+            <a:xfrm>
+              <a:off x="2771800" y="1607692"/>
+              <a:ext cx="216024" cy="144016"/>
+            </a:xfrm>
+            <a:prstGeom prst="rect">
+              <a:avLst/>
+            </a:prstGeom>
+            <a:grpFill/>
+            <a:ln>
+              <a:solidFill>
+                <a:srgbClr val="0070C0"/>
+              </a:solidFill>
+            </a:ln>
+          </p:spPr>
+          <p:style>
+            <a:lnRef idx="2">
+              <a:schemeClr val="accent1">
+                <a:shade val="50000"/>
+              </a:schemeClr>
+            </a:lnRef>
+            <a:fillRef idx="1">
+              <a:schemeClr val="accent1"/>
+            </a:fillRef>
+            <a:effectRef idx="0">
+              <a:schemeClr val="accent1"/>
+            </a:effectRef>
+            <a:fontRef idx="minor">
+              <a:schemeClr val="lt1"/>
+            </a:fontRef>
+          </p:style>
+          <p:txBody>
+            <a:bodyPr rtlCol="0" anchor="ctr"/>
+            <a:lstStyle/>
+            <a:p>
+              <a:pPr algn="ctr"/>
+              <a:endParaRPr lang="en-GB"/>
+            </a:p>
+          </p:txBody>
+        </p:sp>
+        <p:sp>
+          <p:nvSpPr>
+            <p:cNvPr id="326" name="Rectangle 325"/>
+            <p:cNvSpPr/>
+            <p:nvPr/>
+          </p:nvSpPr>
+          <p:spPr>
+            <a:xfrm>
+              <a:off x="2788948" y="1591577"/>
+              <a:ext cx="183641" cy="45719"/>
+            </a:xfrm>
+            <a:prstGeom prst="rect">
+              <a:avLst/>
+            </a:prstGeom>
+            <a:grpFill/>
+            <a:ln>
+              <a:noFill/>
+            </a:ln>
+          </p:spPr>
+          <p:style>
+            <a:lnRef idx="2">
+              <a:schemeClr val="accent1">
+                <a:shade val="50000"/>
+              </a:schemeClr>
+            </a:lnRef>
+            <a:fillRef idx="1">
+              <a:schemeClr val="accent1"/>
+            </a:fillRef>
+            <a:effectRef idx="0">
+              <a:schemeClr val="accent1"/>
+            </a:effectRef>
+            <a:fontRef idx="minor">
+              <a:schemeClr val="lt1"/>
+            </a:fontRef>
+          </p:style>
+          <p:txBody>
+            <a:bodyPr rtlCol="0" anchor="ctr"/>
+            <a:lstStyle/>
+            <a:p>
+              <a:pPr algn="ctr"/>
+              <a:endParaRPr lang="en-GB"/>
+            </a:p>
+          </p:txBody>
+        </p:sp>
+      </p:grpSp>
+      <p:grpSp>
+        <p:nvGrpSpPr>
+          <p:cNvPr id="327" name="Group 326"/>
+          <p:cNvGrpSpPr/>
+          <p:nvPr/>
+        </p:nvGrpSpPr>
+        <p:grpSpPr>
+          <a:xfrm>
+            <a:off x="1631646" y="1845588"/>
+            <a:ext cx="216024" cy="382265"/>
+            <a:chOff x="2771800" y="1369443"/>
+            <a:chExt cx="216024" cy="382265"/>
+          </a:xfrm>
+          <a:solidFill>
+            <a:schemeClr val="bg1">
+              <a:lumMod val="85000"/>
+            </a:schemeClr>
+          </a:solidFill>
+        </p:grpSpPr>
+        <p:sp>
+          <p:nvSpPr>
+            <p:cNvPr id="328" name="Oval 327"/>
+            <p:cNvSpPr/>
+            <p:nvPr/>
+          </p:nvSpPr>
+          <p:spPr>
+            <a:xfrm>
+              <a:off x="2807804" y="1369443"/>
+              <a:ext cx="144016" cy="144016"/>
+            </a:xfrm>
+            <a:prstGeom prst="ellipse">
+              <a:avLst/>
+            </a:prstGeom>
+            <a:grpFill/>
+            <a:ln>
+              <a:solidFill>
+                <a:srgbClr val="0070C0"/>
+              </a:solidFill>
+            </a:ln>
+          </p:spPr>
+          <p:style>
+            <a:lnRef idx="2">
+              <a:schemeClr val="accent1">
+                <a:shade val="50000"/>
+              </a:schemeClr>
+            </a:lnRef>
+            <a:fillRef idx="1">
+              <a:schemeClr val="accent1"/>
+            </a:fillRef>
+            <a:effectRef idx="0">
+              <a:schemeClr val="accent1"/>
+            </a:effectRef>
+            <a:fontRef idx="minor">
+              <a:schemeClr val="lt1"/>
+            </a:fontRef>
+          </p:style>
+          <p:txBody>
+            <a:bodyPr rtlCol="0" anchor="ctr"/>
+            <a:lstStyle/>
+            <a:p>
+              <a:pPr algn="ctr"/>
+              <a:endParaRPr lang="en-GB"/>
+            </a:p>
+          </p:txBody>
+        </p:sp>
+        <p:sp>
+          <p:nvSpPr>
+            <p:cNvPr id="329" name="Oval 328"/>
+            <p:cNvSpPr/>
+            <p:nvPr/>
+          </p:nvSpPr>
+          <p:spPr>
+            <a:xfrm>
+              <a:off x="2771800" y="1535684"/>
+              <a:ext cx="216024" cy="144016"/>
+            </a:xfrm>
+            <a:prstGeom prst="ellipse">
+              <a:avLst/>
+            </a:prstGeom>
+            <a:grpFill/>
+            <a:ln>
+              <a:solidFill>
+                <a:srgbClr val="0070C0"/>
+              </a:solidFill>
+            </a:ln>
+          </p:spPr>
+          <p:style>
+            <a:lnRef idx="2">
+              <a:schemeClr val="accent1">
+                <a:shade val="50000"/>
+              </a:schemeClr>
+            </a:lnRef>
+            <a:fillRef idx="1">
+              <a:schemeClr val="accent1"/>
+            </a:fillRef>
+            <a:effectRef idx="0">
+              <a:schemeClr val="accent1"/>
+            </a:effectRef>
+            <a:fontRef idx="minor">
+              <a:schemeClr val="lt1"/>
+            </a:fontRef>
+          </p:style>
+          <p:txBody>
+            <a:bodyPr rtlCol="0" anchor="ctr"/>
+            <a:lstStyle/>
+            <a:p>
+              <a:pPr algn="ctr"/>
+              <a:endParaRPr lang="en-GB"/>
+            </a:p>
+          </p:txBody>
+        </p:sp>
+        <p:sp>
+          <p:nvSpPr>
+            <p:cNvPr id="330" name="Rectangle 329"/>
+            <p:cNvSpPr/>
+            <p:nvPr/>
+          </p:nvSpPr>
+          <p:spPr>
+            <a:xfrm>
+              <a:off x="2771800" y="1607692"/>
+              <a:ext cx="216024" cy="144016"/>
+            </a:xfrm>
+            <a:prstGeom prst="rect">
+              <a:avLst/>
+            </a:prstGeom>
+            <a:grpFill/>
+            <a:ln>
+              <a:solidFill>
+                <a:srgbClr val="0070C0"/>
+              </a:solidFill>
+            </a:ln>
+          </p:spPr>
+          <p:style>
+            <a:lnRef idx="2">
+              <a:schemeClr val="accent1">
+                <a:shade val="50000"/>
+              </a:schemeClr>
+            </a:lnRef>
+            <a:fillRef idx="1">
+              <a:schemeClr val="accent1"/>
+            </a:fillRef>
+            <a:effectRef idx="0">
+              <a:schemeClr val="accent1"/>
+            </a:effectRef>
+            <a:fontRef idx="minor">
+              <a:schemeClr val="lt1"/>
+            </a:fontRef>
+          </p:style>
+          <p:txBody>
+            <a:bodyPr rtlCol="0" anchor="ctr"/>
+            <a:lstStyle/>
+            <a:p>
+              <a:pPr algn="ctr"/>
+              <a:endParaRPr lang="en-GB"/>
+            </a:p>
+          </p:txBody>
+        </p:sp>
+        <p:sp>
+          <p:nvSpPr>
+            <p:cNvPr id="331" name="Rectangle 330"/>
+            <p:cNvSpPr/>
+            <p:nvPr/>
+          </p:nvSpPr>
+          <p:spPr>
+            <a:xfrm>
+              <a:off x="2788948" y="1591577"/>
+              <a:ext cx="183641" cy="45719"/>
+            </a:xfrm>
+            <a:prstGeom prst="rect">
+              <a:avLst/>
+            </a:prstGeom>
+            <a:grpFill/>
+            <a:ln>
+              <a:noFill/>
+            </a:ln>
+          </p:spPr>
+          <p:style>
+            <a:lnRef idx="2">
+              <a:schemeClr val="accent1">
+                <a:shade val="50000"/>
+              </a:schemeClr>
+            </a:lnRef>
+            <a:fillRef idx="1">
+              <a:schemeClr val="accent1"/>
+            </a:fillRef>
+            <a:effectRef idx="0">
+              <a:schemeClr val="accent1"/>
+            </a:effectRef>
+            <a:fontRef idx="minor">
+              <a:schemeClr val="lt1"/>
+            </a:fontRef>
+          </p:style>
+          <p:txBody>
+            <a:bodyPr rtlCol="0" anchor="ctr"/>
+            <a:lstStyle/>
+            <a:p>
+              <a:pPr algn="ctr"/>
+              <a:endParaRPr lang="en-GB"/>
+            </a:p>
+          </p:txBody>
+        </p:sp>
+      </p:grpSp>
+      <p:grpSp>
+        <p:nvGrpSpPr>
+          <p:cNvPr id="332" name="Group 331"/>
+          <p:cNvGrpSpPr/>
+          <p:nvPr/>
+        </p:nvGrpSpPr>
+        <p:grpSpPr>
+          <a:xfrm>
+            <a:off x="7538529" y="1196752"/>
+            <a:ext cx="138283" cy="244699"/>
+            <a:chOff x="2771800" y="1369443"/>
+            <a:chExt cx="216024" cy="382265"/>
+          </a:xfrm>
+          <a:solidFill>
+            <a:srgbClr val="EDC87A"/>
+          </a:solidFill>
+        </p:grpSpPr>
+        <p:sp>
+          <p:nvSpPr>
+            <p:cNvPr id="333" name="Oval 332"/>
+            <p:cNvSpPr/>
+            <p:nvPr/>
+          </p:nvSpPr>
+          <p:spPr>
+            <a:xfrm>
+              <a:off x="2807804" y="1369443"/>
+              <a:ext cx="144016" cy="144016"/>
+            </a:xfrm>
+            <a:prstGeom prst="ellipse">
+              <a:avLst/>
+            </a:prstGeom>
+            <a:grpFill/>
+            <a:ln>
+              <a:solidFill>
+                <a:srgbClr val="0070C0"/>
+              </a:solidFill>
+            </a:ln>
+          </p:spPr>
+          <p:style>
+            <a:lnRef idx="2">
+              <a:schemeClr val="accent1">
+                <a:shade val="50000"/>
+              </a:schemeClr>
+            </a:lnRef>
+            <a:fillRef idx="1">
+              <a:schemeClr val="accent1"/>
+            </a:fillRef>
+            <a:effectRef idx="0">
+              <a:schemeClr val="accent1"/>
+            </a:effectRef>
+            <a:fontRef idx="minor">
+              <a:schemeClr val="lt1"/>
+            </a:fontRef>
+          </p:style>
+          <p:txBody>
+            <a:bodyPr rtlCol="0" anchor="ctr"/>
+            <a:lstStyle/>
+            <a:p>
+              <a:pPr algn="ctr"/>
+              <a:endParaRPr lang="en-GB"/>
+            </a:p>
+          </p:txBody>
+        </p:sp>
+        <p:sp>
+          <p:nvSpPr>
+            <p:cNvPr id="334" name="Oval 333"/>
+            <p:cNvSpPr/>
+            <p:nvPr/>
+          </p:nvSpPr>
+          <p:spPr>
+            <a:xfrm>
+              <a:off x="2771800" y="1535684"/>
+              <a:ext cx="216024" cy="144016"/>
+            </a:xfrm>
+            <a:prstGeom prst="ellipse">
+              <a:avLst/>
+            </a:prstGeom>
+            <a:grpFill/>
+            <a:ln>
+              <a:solidFill>
+                <a:srgbClr val="0070C0"/>
+              </a:solidFill>
+            </a:ln>
+          </p:spPr>
+          <p:style>
+            <a:lnRef idx="2">
+              <a:schemeClr val="accent1">
+                <a:shade val="50000"/>
+              </a:schemeClr>
+            </a:lnRef>
+            <a:fillRef idx="1">
+              <a:schemeClr val="accent1"/>
+            </a:fillRef>
+            <a:effectRef idx="0">
+              <a:schemeClr val="accent1"/>
+            </a:effectRef>
+            <a:fontRef idx="minor">
+              <a:schemeClr val="lt1"/>
+            </a:fontRef>
+          </p:style>
+          <p:txBody>
+            <a:bodyPr rtlCol="0" anchor="ctr"/>
+            <a:lstStyle/>
+            <a:p>
+              <a:pPr algn="ctr"/>
+              <a:endParaRPr lang="en-GB"/>
+            </a:p>
+          </p:txBody>
+        </p:sp>
+        <p:sp>
+          <p:nvSpPr>
+            <p:cNvPr id="335" name="Rectangle 334"/>
+            <p:cNvSpPr/>
+            <p:nvPr/>
+          </p:nvSpPr>
+          <p:spPr>
+            <a:xfrm>
+              <a:off x="2771800" y="1607692"/>
+              <a:ext cx="216024" cy="144016"/>
+            </a:xfrm>
+            <a:prstGeom prst="rect">
+              <a:avLst/>
+            </a:prstGeom>
+            <a:grpFill/>
+            <a:ln>
+              <a:solidFill>
+                <a:srgbClr val="0070C0"/>
+              </a:solidFill>
+            </a:ln>
+          </p:spPr>
+          <p:style>
+            <a:lnRef idx="2">
+              <a:schemeClr val="accent1">
+                <a:shade val="50000"/>
+              </a:schemeClr>
+            </a:lnRef>
+            <a:fillRef idx="1">
+              <a:schemeClr val="accent1"/>
+            </a:fillRef>
+            <a:effectRef idx="0">
+              <a:schemeClr val="accent1"/>
+            </a:effectRef>
+            <a:fontRef idx="minor">
+              <a:schemeClr val="lt1"/>
+            </a:fontRef>
+          </p:style>
+          <p:txBody>
+            <a:bodyPr rtlCol="0" anchor="ctr"/>
+            <a:lstStyle/>
+            <a:p>
+              <a:pPr algn="ctr"/>
+              <a:endParaRPr lang="en-GB"/>
+            </a:p>
+          </p:txBody>
+        </p:sp>
+        <p:sp>
+          <p:nvSpPr>
+            <p:cNvPr id="336" name="Rectangle 335"/>
+            <p:cNvSpPr/>
+            <p:nvPr/>
+          </p:nvSpPr>
+          <p:spPr>
+            <a:xfrm>
+              <a:off x="2788948" y="1591577"/>
+              <a:ext cx="183641" cy="45719"/>
+            </a:xfrm>
+            <a:prstGeom prst="rect">
+              <a:avLst/>
+            </a:prstGeom>
+            <a:grpFill/>
+            <a:ln>
+              <a:noFill/>
+            </a:ln>
+          </p:spPr>
+          <p:style>
+            <a:lnRef idx="2">
+              <a:schemeClr val="accent1">
+                <a:shade val="50000"/>
+              </a:schemeClr>
+            </a:lnRef>
+            <a:fillRef idx="1">
+              <a:schemeClr val="accent1"/>
+            </a:fillRef>
+            <a:effectRef idx="0">
+              <a:schemeClr val="accent1"/>
+            </a:effectRef>
+            <a:fontRef idx="minor">
+              <a:schemeClr val="lt1"/>
+            </a:fontRef>
+          </p:style>
+          <p:txBody>
+            <a:bodyPr rtlCol="0" anchor="ctr"/>
+            <a:lstStyle/>
+            <a:p>
+              <a:pPr algn="ctr"/>
+              <a:endParaRPr lang="en-GB"/>
+            </a:p>
+          </p:txBody>
+        </p:sp>
+      </p:grpSp>
+      <p:grpSp>
+        <p:nvGrpSpPr>
+          <p:cNvPr id="337" name="Group 336"/>
+          <p:cNvGrpSpPr/>
+          <p:nvPr/>
+        </p:nvGrpSpPr>
+        <p:grpSpPr>
+          <a:xfrm>
+            <a:off x="8406542" y="1441451"/>
+            <a:ext cx="125898" cy="272533"/>
+            <a:chOff x="2771800" y="1369443"/>
+            <a:chExt cx="216024" cy="382265"/>
+          </a:xfrm>
+          <a:solidFill>
+            <a:srgbClr val="94C9E4"/>
+          </a:solidFill>
+        </p:grpSpPr>
+        <p:sp>
+          <p:nvSpPr>
+            <p:cNvPr id="338" name="Oval 337"/>
+            <p:cNvSpPr/>
+            <p:nvPr/>
+          </p:nvSpPr>
+          <p:spPr>
+            <a:xfrm>
+              <a:off x="2807804" y="1369443"/>
+              <a:ext cx="144016" cy="144016"/>
+            </a:xfrm>
+            <a:prstGeom prst="ellipse">
+              <a:avLst/>
+            </a:prstGeom>
+            <a:grpFill/>
+            <a:ln>
+              <a:solidFill>
+                <a:srgbClr val="0070C0"/>
+              </a:solidFill>
+            </a:ln>
+          </p:spPr>
+          <p:style>
+            <a:lnRef idx="2">
+              <a:schemeClr val="accent1">
+                <a:shade val="50000"/>
+              </a:schemeClr>
+            </a:lnRef>
+            <a:fillRef idx="1">
+              <a:schemeClr val="accent1"/>
+            </a:fillRef>
+            <a:effectRef idx="0">
+              <a:schemeClr val="accent1"/>
+            </a:effectRef>
+            <a:fontRef idx="minor">
+              <a:schemeClr val="lt1"/>
+            </a:fontRef>
+          </p:style>
+          <p:txBody>
+            <a:bodyPr rtlCol="0" anchor="ctr"/>
+            <a:lstStyle/>
+            <a:p>
+              <a:pPr algn="ctr"/>
+              <a:endParaRPr lang="en-GB"/>
+            </a:p>
+          </p:txBody>
+        </p:sp>
+        <p:sp>
+          <p:nvSpPr>
+            <p:cNvPr id="339" name="Oval 338"/>
+            <p:cNvSpPr/>
+            <p:nvPr/>
+          </p:nvSpPr>
+          <p:spPr>
+            <a:xfrm>
+              <a:off x="2771800" y="1535684"/>
+              <a:ext cx="216024" cy="144016"/>
+            </a:xfrm>
+            <a:prstGeom prst="ellipse">
+              <a:avLst/>
+            </a:prstGeom>
+            <a:grpFill/>
+            <a:ln>
+              <a:solidFill>
+                <a:srgbClr val="0070C0"/>
+              </a:solidFill>
+            </a:ln>
+          </p:spPr>
+          <p:style>
+            <a:lnRef idx="2">
+              <a:schemeClr val="accent1">
+                <a:shade val="50000"/>
+              </a:schemeClr>
+            </a:lnRef>
+            <a:fillRef idx="1">
+              <a:schemeClr val="accent1"/>
+            </a:fillRef>
+            <a:effectRef idx="0">
+              <a:schemeClr val="accent1"/>
+            </a:effectRef>
+            <a:fontRef idx="minor">
+              <a:schemeClr val="lt1"/>
+            </a:fontRef>
+          </p:style>
+          <p:txBody>
+            <a:bodyPr rtlCol="0" anchor="ctr"/>
+            <a:lstStyle/>
+            <a:p>
+              <a:pPr algn="ctr"/>
+              <a:endParaRPr lang="en-GB"/>
+            </a:p>
+          </p:txBody>
+        </p:sp>
+        <p:sp>
+          <p:nvSpPr>
+            <p:cNvPr id="340" name="Rectangle 339"/>
+            <p:cNvSpPr/>
+            <p:nvPr/>
+          </p:nvSpPr>
+          <p:spPr>
+            <a:xfrm>
+              <a:off x="2771800" y="1607692"/>
+              <a:ext cx="216024" cy="144016"/>
+            </a:xfrm>
+            <a:prstGeom prst="rect">
+              <a:avLst/>
+            </a:prstGeom>
+            <a:grpFill/>
+            <a:ln>
+              <a:solidFill>
+                <a:srgbClr val="0070C0"/>
+              </a:solidFill>
+            </a:ln>
+          </p:spPr>
+          <p:style>
+            <a:lnRef idx="2">
+              <a:schemeClr val="accent1">
+                <a:shade val="50000"/>
+              </a:schemeClr>
+            </a:lnRef>
+            <a:fillRef idx="1">
+              <a:schemeClr val="accent1"/>
+            </a:fillRef>
+            <a:effectRef idx="0">
+              <a:schemeClr val="accent1"/>
+            </a:effectRef>
+            <a:fontRef idx="minor">
+              <a:schemeClr val="lt1"/>
+            </a:fontRef>
+          </p:style>
+          <p:txBody>
+            <a:bodyPr rtlCol="0" anchor="ctr"/>
+            <a:lstStyle/>
+            <a:p>
+              <a:pPr algn="ctr"/>
+              <a:endParaRPr lang="en-GB"/>
+            </a:p>
+          </p:txBody>
+        </p:sp>
+        <p:sp>
+          <p:nvSpPr>
+            <p:cNvPr id="341" name="Rectangle 340"/>
+            <p:cNvSpPr/>
+            <p:nvPr/>
+          </p:nvSpPr>
+          <p:spPr>
+            <a:xfrm>
+              <a:off x="2788948" y="1591577"/>
+              <a:ext cx="183641" cy="45719"/>
+            </a:xfrm>
+            <a:prstGeom prst="rect">
+              <a:avLst/>
+            </a:prstGeom>
+            <a:grpFill/>
+            <a:ln>
+              <a:noFill/>
+            </a:ln>
+          </p:spPr>
+          <p:style>
+            <a:lnRef idx="2">
+              <a:schemeClr val="accent1">
+                <a:shade val="50000"/>
+              </a:schemeClr>
+            </a:lnRef>
+            <a:fillRef idx="1">
+              <a:schemeClr val="accent1"/>
+            </a:fillRef>
+            <a:effectRef idx="0">
+              <a:schemeClr val="accent1"/>
+            </a:effectRef>
+            <a:fontRef idx="minor">
+              <a:schemeClr val="lt1"/>
+            </a:fontRef>
+          </p:style>
+          <p:txBody>
+            <a:bodyPr rtlCol="0" anchor="ctr"/>
+            <a:lstStyle/>
+            <a:p>
+              <a:pPr algn="ctr"/>
+              <a:endParaRPr lang="en-GB"/>
+            </a:p>
+          </p:txBody>
+        </p:sp>
+      </p:grpSp>
+      <p:grpSp>
+        <p:nvGrpSpPr>
+          <p:cNvPr id="347" name="Group 346"/>
+          <p:cNvGrpSpPr/>
+          <p:nvPr/>
+        </p:nvGrpSpPr>
+        <p:grpSpPr>
+          <a:xfrm>
+            <a:off x="8200512" y="1739585"/>
+            <a:ext cx="125898" cy="272533"/>
+            <a:chOff x="2771800" y="1369443"/>
+            <a:chExt cx="216024" cy="382265"/>
+          </a:xfrm>
+          <a:solidFill>
+            <a:schemeClr val="bg1">
+              <a:lumMod val="85000"/>
+            </a:schemeClr>
+          </a:solidFill>
+        </p:grpSpPr>
+        <p:sp>
+          <p:nvSpPr>
+            <p:cNvPr id="348" name="Oval 347"/>
+            <p:cNvSpPr/>
+            <p:nvPr/>
+          </p:nvSpPr>
+          <p:spPr>
+            <a:xfrm>
+              <a:off x="2807804" y="1369443"/>
+              <a:ext cx="144016" cy="144016"/>
+            </a:xfrm>
+            <a:prstGeom prst="ellipse">
+              <a:avLst/>
+            </a:prstGeom>
+            <a:grpFill/>
+            <a:ln>
+              <a:solidFill>
+                <a:srgbClr val="0070C0"/>
+              </a:solidFill>
+            </a:ln>
+          </p:spPr>
+          <p:style>
+            <a:lnRef idx="2">
+              <a:schemeClr val="accent1">
+                <a:shade val="50000"/>
+              </a:schemeClr>
+            </a:lnRef>
+            <a:fillRef idx="1">
+              <a:schemeClr val="accent1"/>
+            </a:fillRef>
+            <a:effectRef idx="0">
+              <a:schemeClr val="accent1"/>
+            </a:effectRef>
+            <a:fontRef idx="minor">
+              <a:schemeClr val="lt1"/>
+            </a:fontRef>
+          </p:style>
+          <p:txBody>
+            <a:bodyPr rtlCol="0" anchor="ctr"/>
+            <a:lstStyle/>
+            <a:p>
+              <a:pPr algn="ctr"/>
+              <a:endParaRPr lang="en-GB"/>
+            </a:p>
+          </p:txBody>
+        </p:sp>
+        <p:sp>
+          <p:nvSpPr>
+            <p:cNvPr id="349" name="Oval 348"/>
+            <p:cNvSpPr/>
+            <p:nvPr/>
+          </p:nvSpPr>
+          <p:spPr>
+            <a:xfrm>
+              <a:off x="2771800" y="1535684"/>
+              <a:ext cx="216024" cy="144016"/>
+            </a:xfrm>
+            <a:prstGeom prst="ellipse">
+              <a:avLst/>
+            </a:prstGeom>
+            <a:grpFill/>
+            <a:ln>
+              <a:solidFill>
+                <a:srgbClr val="0070C0"/>
+              </a:solidFill>
+            </a:ln>
+          </p:spPr>
+          <p:style>
+            <a:lnRef idx="2">
+              <a:schemeClr val="accent1">
+                <a:shade val="50000"/>
+              </a:schemeClr>
+            </a:lnRef>
+            <a:fillRef idx="1">
+              <a:schemeClr val="accent1"/>
+            </a:fillRef>
+            <a:effectRef idx="0">
+              <a:schemeClr val="accent1"/>
+            </a:effectRef>
+            <a:fontRef idx="minor">
+              <a:schemeClr val="lt1"/>
+            </a:fontRef>
+          </p:style>
+          <p:txBody>
+            <a:bodyPr rtlCol="0" anchor="ctr"/>
+            <a:lstStyle/>
+            <a:p>
+              <a:pPr algn="ctr"/>
+              <a:endParaRPr lang="en-GB"/>
+            </a:p>
+          </p:txBody>
+        </p:sp>
+        <p:sp>
+          <p:nvSpPr>
+            <p:cNvPr id="350" name="Rectangle 349"/>
+            <p:cNvSpPr/>
+            <p:nvPr/>
+          </p:nvSpPr>
+          <p:spPr>
+            <a:xfrm>
+              <a:off x="2771800" y="1607692"/>
+              <a:ext cx="216024" cy="144016"/>
+            </a:xfrm>
+            <a:prstGeom prst="rect">
+              <a:avLst/>
+            </a:prstGeom>
+            <a:grpFill/>
+            <a:ln>
+              <a:solidFill>
+                <a:srgbClr val="0070C0"/>
+              </a:solidFill>
+            </a:ln>
+          </p:spPr>
+          <p:style>
+            <a:lnRef idx="2">
+              <a:schemeClr val="accent1">
+                <a:shade val="50000"/>
+              </a:schemeClr>
+            </a:lnRef>
+            <a:fillRef idx="1">
+              <a:schemeClr val="accent1"/>
+            </a:fillRef>
+            <a:effectRef idx="0">
+              <a:schemeClr val="accent1"/>
+            </a:effectRef>
+            <a:fontRef idx="minor">
+              <a:schemeClr val="lt1"/>
+            </a:fontRef>
+          </p:style>
+          <p:txBody>
+            <a:bodyPr rtlCol="0" anchor="ctr"/>
+            <a:lstStyle/>
+            <a:p>
+              <a:pPr algn="ctr"/>
+              <a:endParaRPr lang="en-GB"/>
+            </a:p>
+          </p:txBody>
+        </p:sp>
+        <p:sp>
+          <p:nvSpPr>
+            <p:cNvPr id="351" name="Rectangle 350"/>
+            <p:cNvSpPr/>
+            <p:nvPr/>
+          </p:nvSpPr>
+          <p:spPr>
+            <a:xfrm>
+              <a:off x="2788948" y="1591577"/>
+              <a:ext cx="183641" cy="45719"/>
+            </a:xfrm>
+            <a:prstGeom prst="rect">
+              <a:avLst/>
+            </a:prstGeom>
+            <a:grpFill/>
+            <a:ln>
+              <a:noFill/>
+            </a:ln>
+          </p:spPr>
+          <p:style>
+            <a:lnRef idx="2">
+              <a:schemeClr val="accent1">
+                <a:shade val="50000"/>
+              </a:schemeClr>
+            </a:lnRef>
+            <a:fillRef idx="1">
+              <a:schemeClr val="accent1"/>
+            </a:fillRef>
+            <a:effectRef idx="0">
+              <a:schemeClr val="accent1"/>
+            </a:effectRef>
+            <a:fontRef idx="minor">
+              <a:schemeClr val="lt1"/>
+            </a:fontRef>
+          </p:style>
+          <p:txBody>
+            <a:bodyPr rtlCol="0" anchor="ctr"/>
+            <a:lstStyle/>
+            <a:p>
+              <a:pPr algn="ctr"/>
+              <a:endParaRPr lang="en-GB"/>
+            </a:p>
+          </p:txBody>
+        </p:sp>
+      </p:grpSp>
     </p:spTree>
     <p:extLst>
       <p:ext uri="{BB962C8B-B14F-4D97-AF65-F5344CB8AC3E}">

--- a/files/openEHR_diagrams_sources.pptx
+++ b/files/openEHR_diagrams_sources.pptx
@@ -317,7 +317,7 @@
             <a:fld id="{C17C92CA-27BA-48D5-B9B9-4E9A3862C39B}" type="datetimeFigureOut">
               <a:rPr lang="en-US" smtClean="0"/>
               <a:pPr/>
-              <a:t>12/5/2014</a:t>
+              <a:t>12/6/2014</a:t>
             </a:fld>
             <a:endParaRPr lang="en-US"/>
           </a:p>
@@ -484,7 +484,7 @@
             <a:fld id="{C17C92CA-27BA-48D5-B9B9-4E9A3862C39B}" type="datetimeFigureOut">
               <a:rPr lang="en-US" smtClean="0"/>
               <a:pPr/>
-              <a:t>12/5/2014</a:t>
+              <a:t>12/6/2014</a:t>
             </a:fld>
             <a:endParaRPr lang="en-US"/>
           </a:p>
@@ -661,7 +661,7 @@
             <a:fld id="{C17C92CA-27BA-48D5-B9B9-4E9A3862C39B}" type="datetimeFigureOut">
               <a:rPr lang="en-US" smtClean="0"/>
               <a:pPr/>
-              <a:t>12/5/2014</a:t>
+              <a:t>12/6/2014</a:t>
             </a:fld>
             <a:endParaRPr lang="en-US"/>
           </a:p>
@@ -828,7 +828,7 @@
             <a:fld id="{C17C92CA-27BA-48D5-B9B9-4E9A3862C39B}" type="datetimeFigureOut">
               <a:rPr lang="en-US" smtClean="0"/>
               <a:pPr/>
-              <a:t>12/5/2014</a:t>
+              <a:t>12/6/2014</a:t>
             </a:fld>
             <a:endParaRPr lang="en-US"/>
           </a:p>
@@ -1071,7 +1071,7 @@
             <a:fld id="{C17C92CA-27BA-48D5-B9B9-4E9A3862C39B}" type="datetimeFigureOut">
               <a:rPr lang="en-US" smtClean="0"/>
               <a:pPr/>
-              <a:t>12/5/2014</a:t>
+              <a:t>12/6/2014</a:t>
             </a:fld>
             <a:endParaRPr lang="en-US"/>
           </a:p>
@@ -1356,7 +1356,7 @@
             <a:fld id="{C17C92CA-27BA-48D5-B9B9-4E9A3862C39B}" type="datetimeFigureOut">
               <a:rPr lang="en-US" smtClean="0"/>
               <a:pPr/>
-              <a:t>12/5/2014</a:t>
+              <a:t>12/6/2014</a:t>
             </a:fld>
             <a:endParaRPr lang="en-US"/>
           </a:p>
@@ -1775,7 +1775,7 @@
             <a:fld id="{C17C92CA-27BA-48D5-B9B9-4E9A3862C39B}" type="datetimeFigureOut">
               <a:rPr lang="en-US" smtClean="0"/>
               <a:pPr/>
-              <a:t>12/5/2014</a:t>
+              <a:t>12/6/2014</a:t>
             </a:fld>
             <a:endParaRPr lang="en-US"/>
           </a:p>
@@ -1890,7 +1890,7 @@
             <a:fld id="{C17C92CA-27BA-48D5-B9B9-4E9A3862C39B}" type="datetimeFigureOut">
               <a:rPr lang="en-US" smtClean="0"/>
               <a:pPr/>
-              <a:t>12/5/2014</a:t>
+              <a:t>12/6/2014</a:t>
             </a:fld>
             <a:endParaRPr lang="en-US"/>
           </a:p>
@@ -1982,7 +1982,7 @@
             <a:fld id="{C17C92CA-27BA-48D5-B9B9-4E9A3862C39B}" type="datetimeFigureOut">
               <a:rPr lang="en-US" smtClean="0"/>
               <a:pPr/>
-              <a:t>12/5/2014</a:t>
+              <a:t>12/6/2014</a:t>
             </a:fld>
             <a:endParaRPr lang="en-US"/>
           </a:p>
@@ -2256,7 +2256,7 @@
             <a:fld id="{C17C92CA-27BA-48D5-B9B9-4E9A3862C39B}" type="datetimeFigureOut">
               <a:rPr lang="en-US" smtClean="0"/>
               <a:pPr/>
-              <a:t>12/5/2014</a:t>
+              <a:t>12/6/2014</a:t>
             </a:fld>
             <a:endParaRPr lang="en-US"/>
           </a:p>
@@ -2506,7 +2506,7 @@
             <a:fld id="{C17C92CA-27BA-48D5-B9B9-4E9A3862C39B}" type="datetimeFigureOut">
               <a:rPr lang="en-US" smtClean="0"/>
               <a:pPr/>
-              <a:t>12/5/2014</a:t>
+              <a:t>12/6/2014</a:t>
             </a:fld>
             <a:endParaRPr lang="en-US"/>
           </a:p>
@@ -2716,7 +2716,7 @@
             <a:fld id="{C17C92CA-27BA-48D5-B9B9-4E9A3862C39B}" type="datetimeFigureOut">
               <a:rPr lang="en-US" smtClean="0"/>
               <a:pPr/>
-              <a:t>12/5/2014</a:t>
+              <a:t>12/6/2014</a:t>
             </a:fld>
             <a:endParaRPr lang="en-US"/>
           </a:p>
@@ -24144,23 +24144,7 @@
                   <a:srgbClr val="00335F"/>
                 </a:solidFill>
               </a:rPr>
-              <a:t>Qualified </a:t>
-            </a:r>
-            <a:r>
-              <a:rPr lang="en-US" b="1" dirty="0" smtClean="0">
-                <a:solidFill>
-                  <a:srgbClr val="00335F"/>
-                </a:solidFill>
-              </a:rPr>
-              <a:t>Members </a:t>
-            </a:r>
-            <a:r>
-              <a:rPr lang="en-US" b="1" dirty="0" smtClean="0">
-                <a:solidFill>
-                  <a:srgbClr val="00335F"/>
-                </a:solidFill>
-              </a:rPr>
-              <a:t>(QM)</a:t>
+              <a:t>Qualified Members (QM)</a:t>
             </a:r>
           </a:p>
         </p:txBody>
@@ -26691,8 +26675,8 @@
         </p:nvSpPr>
         <p:spPr>
           <a:xfrm>
-            <a:off x="3157921" y="1401474"/>
-            <a:ext cx="1800200" cy="792088"/>
+            <a:off x="2123729" y="908597"/>
+            <a:ext cx="2735106" cy="876762"/>
           </a:xfrm>
           <a:prstGeom prst="roundRect">
             <a:avLst/>
@@ -26749,7 +26733,7 @@
                   <a:srgbClr val="00335F"/>
                 </a:solidFill>
               </a:rPr>
-              <a:t>Editorial</a:t>
+              <a:t>Specifications Editorial</a:t>
             </a:r>
           </a:p>
           <a:p>
@@ -26760,7 +26744,7 @@
                   <a:srgbClr val="00335F"/>
                 </a:solidFill>
               </a:rPr>
-              <a:t>Committee</a:t>
+              <a:t>Committee (SEC)</a:t>
             </a:r>
           </a:p>
         </p:txBody>
@@ -26773,7 +26757,7 @@
         </p:nvSpPr>
         <p:spPr>
           <a:xfrm>
-            <a:off x="4142754" y="4746176"/>
+            <a:off x="2843808" y="5857294"/>
             <a:ext cx="2016224" cy="468052"/>
           </a:xfrm>
           <a:prstGeom prst="roundRect">
@@ -26877,8 +26861,8 @@
         </p:nvSpPr>
         <p:spPr>
           <a:xfrm>
-            <a:off x="5348926" y="1155391"/>
-            <a:ext cx="3528392" cy="1477328"/>
+            <a:off x="5950261" y="987750"/>
+            <a:ext cx="2507882" cy="1762021"/>
           </a:xfrm>
           <a:prstGeom prst="rect">
             <a:avLst/>
@@ -26895,20 +26879,10 @@
               <a:spcAft>
                 <a:spcPts val="300"/>
               </a:spcAft>
-              <a:buFont typeface="Arial" pitchFamily="34" charset="0"/>
-              <a:buChar char="•"/>
             </a:pPr>
             <a:r>
               <a:rPr lang="en-US" sz="1600" dirty="0" smtClean="0"/>
-              <a:t> </a:t>
-            </a:r>
-            <a:r>
-              <a:rPr lang="en-US" sz="1600" dirty="0" smtClean="0"/>
-              <a:t>2 elected </a:t>
-            </a:r>
-            <a:r>
-              <a:rPr lang="en-US" sz="1600" dirty="0" smtClean="0"/>
-              <a:t>co-chairs (2y)</a:t>
+              <a:t>= Elected co-chair</a:t>
             </a:r>
           </a:p>
           <a:p>
@@ -26916,16 +26890,10 @@
               <a:spcAft>
                 <a:spcPts val="300"/>
               </a:spcAft>
-              <a:buFont typeface="Arial" pitchFamily="34" charset="0"/>
-              <a:buChar char="•"/>
             </a:pPr>
             <a:r>
               <a:rPr lang="en-US" sz="1600" dirty="0" smtClean="0"/>
-              <a:t> </a:t>
-            </a:r>
-            <a:r>
-              <a:rPr lang="en-US" sz="1600" dirty="0" smtClean="0"/>
-              <a:t>Each Component has a maintainer</a:t>
+              <a:t>= Component maintainer</a:t>
             </a:r>
           </a:p>
           <a:p>
@@ -26933,34 +26901,25 @@
               <a:spcAft>
                 <a:spcPts val="300"/>
               </a:spcAft>
-              <a:buFont typeface="Arial" pitchFamily="34" charset="0"/>
-              <a:buChar char="•"/>
             </a:pPr>
             <a:r>
               <a:rPr lang="en-US" sz="1600" dirty="0" smtClean="0"/>
-              <a:t> Unlimited number of reviewers</a:t>
-            </a:r>
-            <a:endParaRPr lang="en-US" sz="1600" dirty="0" smtClean="0"/>
+              <a:t>= Other </a:t>
+            </a:r>
+            <a:r>
+              <a:rPr lang="en-US" sz="1600" dirty="0" smtClean="0"/>
+              <a:t>member</a:t>
+            </a:r>
           </a:p>
           <a:p>
             <a:pPr>
               <a:spcAft>
                 <a:spcPts val="300"/>
               </a:spcAft>
-              <a:buFont typeface="Arial" pitchFamily="34" charset="0"/>
-              <a:buChar char="•"/>
             </a:pPr>
             <a:r>
-              <a:rPr lang="en-US" sz="1600" dirty="0"/>
-              <a:t> </a:t>
-            </a:r>
-            <a:r>
               <a:rPr lang="en-US" sz="1600" dirty="0" smtClean="0"/>
-              <a:t>Minimum </a:t>
-            </a:r>
-            <a:r>
-              <a:rPr lang="en-US" sz="1600" dirty="0" smtClean="0"/>
-              <a:t>5 members</a:t>
+              <a:t>= Change Tracker</a:t>
             </a:r>
           </a:p>
           <a:p>
@@ -26968,22 +26927,23 @@
               <a:spcAft>
                 <a:spcPts val="300"/>
               </a:spcAft>
-              <a:buFont typeface="Arial" pitchFamily="34" charset="0"/>
-              <a:buChar char="•"/>
             </a:pPr>
             <a:r>
               <a:rPr lang="en-US" sz="1600" dirty="0" smtClean="0"/>
-              <a:t> Entry </a:t>
-            </a:r>
-            <a:r>
-              <a:rPr lang="en-US" sz="1600" dirty="0"/>
-              <a:t>by </a:t>
-            </a:r>
+              <a:t>= Problem Tracker</a:t>
+            </a:r>
+          </a:p>
+          <a:p>
+            <a:pPr>
+              <a:spcAft>
+                <a:spcPts val="300"/>
+              </a:spcAft>
+            </a:pPr>
             <a:r>
               <a:rPr lang="en-US" sz="1600" dirty="0" smtClean="0"/>
-              <a:t>Committee vote</a:t>
-            </a:r>
-            <a:endParaRPr lang="en-US" sz="1600" dirty="0"/>
+              <a:t>= Specifications Component</a:t>
+            </a:r>
+            <a:endParaRPr lang="en-US" sz="1600" dirty="0" smtClean="0"/>
           </a:p>
         </p:txBody>
       </p:sp>
@@ -26995,7 +26955,7 @@
         </p:nvSpPr>
         <p:spPr>
           <a:xfrm>
-            <a:off x="4139952" y="4188114"/>
+            <a:off x="2843808" y="5299232"/>
             <a:ext cx="2016224" cy="468052"/>
           </a:xfrm>
           <a:prstGeom prst="roundRect">
@@ -27068,7 +27028,7 @@
         </p:nvSpPr>
         <p:spPr>
           <a:xfrm>
-            <a:off x="4142754" y="3627021"/>
+            <a:off x="2843808" y="4738139"/>
             <a:ext cx="2016224" cy="468052"/>
           </a:xfrm>
           <a:prstGeom prst="roundRect">
@@ -27141,7 +27101,7 @@
         </p:nvSpPr>
         <p:spPr>
           <a:xfrm>
-            <a:off x="2051720" y="4746176"/>
+            <a:off x="2843808" y="3605554"/>
             <a:ext cx="2016224" cy="468052"/>
           </a:xfrm>
           <a:prstGeom prst="roundRect">
@@ -27214,7 +27174,7 @@
         </p:nvSpPr>
         <p:spPr>
           <a:xfrm>
-            <a:off x="2051720" y="4188114"/>
+            <a:off x="2843808" y="3047492"/>
             <a:ext cx="2016224" cy="468052"/>
           </a:xfrm>
           <a:prstGeom prst="roundRect">
@@ -27287,7 +27247,7 @@
         </p:nvSpPr>
         <p:spPr>
           <a:xfrm>
-            <a:off x="4139952" y="3068960"/>
+            <a:off x="2843808" y="4180078"/>
             <a:ext cx="2016224" cy="468052"/>
           </a:xfrm>
           <a:prstGeom prst="roundRect">
@@ -27360,7 +27320,7 @@
         </p:nvSpPr>
         <p:spPr>
           <a:xfrm>
-            <a:off x="2051720" y="3068960"/>
+            <a:off x="2843808" y="1928338"/>
             <a:ext cx="2016224" cy="468052"/>
           </a:xfrm>
           <a:prstGeom prst="roundRect">
@@ -27433,7 +27393,7 @@
         </p:nvSpPr>
         <p:spPr>
           <a:xfrm>
-            <a:off x="2041797" y="3628537"/>
+            <a:off x="2843808" y="2487915"/>
             <a:ext cx="2016224" cy="468052"/>
           </a:xfrm>
           <a:prstGeom prst="roundRect">
@@ -27498,120 +27458,6 @@
           </a:p>
         </p:txBody>
       </p:sp>
-      <p:cxnSp>
-        <p:nvCxnSpPr>
-          <p:cNvPr id="45" name="Elbow Connector 44"/>
-          <p:cNvCxnSpPr>
-            <a:stCxn id="8" idx="2"/>
-            <a:endCxn id="36" idx="0"/>
-          </p:cNvCxnSpPr>
-          <p:nvPr/>
-        </p:nvCxnSpPr>
-        <p:spPr>
-          <a:xfrm rot="16200000" flipH="1">
-            <a:off x="4165343" y="2086239"/>
-            <a:ext cx="875398" cy="1090043"/>
-          </a:xfrm>
-          <a:prstGeom prst="bentConnector3">
-            <a:avLst>
-              <a:gd name="adj1" fmla="val 50000"/>
-            </a:avLst>
-          </a:prstGeom>
-          <a:ln>
-            <a:solidFill>
-              <a:schemeClr val="bg1">
-                <a:lumMod val="65000"/>
-              </a:schemeClr>
-            </a:solidFill>
-          </a:ln>
-        </p:spPr>
-        <p:style>
-          <a:lnRef idx="1">
-            <a:schemeClr val="accent1"/>
-          </a:lnRef>
-          <a:fillRef idx="0">
-            <a:schemeClr val="accent1"/>
-          </a:fillRef>
-          <a:effectRef idx="0">
-            <a:schemeClr val="accent1"/>
-          </a:effectRef>
-          <a:fontRef idx="minor">
-            <a:schemeClr val="tx1"/>
-          </a:fontRef>
-        </p:style>
-      </p:cxnSp>
-      <p:cxnSp>
-        <p:nvCxnSpPr>
-          <p:cNvPr id="47" name="Elbow Connector 46"/>
-          <p:cNvCxnSpPr>
-            <a:stCxn id="8" idx="2"/>
-            <a:endCxn id="37" idx="0"/>
-          </p:cNvCxnSpPr>
-          <p:nvPr/>
-        </p:nvCxnSpPr>
-        <p:spPr>
-          <a:xfrm rot="5400000">
-            <a:off x="3121228" y="2132167"/>
-            <a:ext cx="875398" cy="998189"/>
-          </a:xfrm>
-          <a:prstGeom prst="bentConnector3">
-            <a:avLst>
-              <a:gd name="adj1" fmla="val 50000"/>
-            </a:avLst>
-          </a:prstGeom>
-          <a:ln>
-            <a:solidFill>
-              <a:schemeClr val="bg1">
-                <a:lumMod val="65000"/>
-              </a:schemeClr>
-            </a:solidFill>
-          </a:ln>
-        </p:spPr>
-        <p:style>
-          <a:lnRef idx="1">
-            <a:schemeClr val="accent1"/>
-          </a:lnRef>
-          <a:fillRef idx="0">
-            <a:schemeClr val="accent1"/>
-          </a:fillRef>
-          <a:effectRef idx="0">
-            <a:schemeClr val="accent1"/>
-          </a:effectRef>
-          <a:fontRef idx="minor">
-            <a:schemeClr val="tx1"/>
-          </a:fontRef>
-        </p:style>
-      </p:cxnSp>
-      <p:sp>
-        <p:nvSpPr>
-          <p:cNvPr id="5" name="TextBox 4"/>
-          <p:cNvSpPr txBox="1"/>
-          <p:nvPr/>
-        </p:nvSpPr>
-        <p:spPr>
-          <a:xfrm>
-            <a:off x="2784261" y="5359475"/>
-            <a:ext cx="2719271" cy="369332"/>
-          </a:xfrm>
-          <a:prstGeom prst="rect">
-            <a:avLst/>
-          </a:prstGeom>
-          <a:noFill/>
-        </p:spPr>
-        <p:txBody>
-          <a:bodyPr wrap="none" rtlCol="0">
-            <a:spAutoFit/>
-          </a:bodyPr>
-          <a:lstStyle/>
-          <a:p>
-            <a:r>
-              <a:rPr lang="en-GB" dirty="0" smtClean="0"/>
-              <a:t>Specifications Components</a:t>
-            </a:r>
-            <a:endParaRPr lang="en-GB" dirty="0"/>
-          </a:p>
-        </p:txBody>
-      </p:sp>
       <p:grpSp>
         <p:nvGrpSpPr>
           <p:cNvPr id="10" name="Group 9"/>
@@ -27620,7 +27466,7 @@
         </p:nvGrpSpPr>
         <p:grpSpPr>
           <a:xfrm>
-            <a:off x="2771800" y="1369443"/>
+            <a:off x="1751714" y="921127"/>
             <a:ext cx="216024" cy="382265"/>
             <a:chOff x="2771800" y="1369443"/>
             <a:chExt cx="216024" cy="382265"/>
@@ -27820,7 +27666,7 @@
         </p:nvGrpSpPr>
         <p:grpSpPr>
           <a:xfrm>
-            <a:off x="2768105" y="1841718"/>
+            <a:off x="1748019" y="1393402"/>
             <a:ext cx="216024" cy="382265"/>
             <a:chOff x="2771800" y="1369443"/>
             <a:chExt cx="216024" cy="382265"/>
@@ -28020,7 +27866,7 @@
         </p:nvGrpSpPr>
         <p:grpSpPr>
           <a:xfrm>
-            <a:off x="6300192" y="3111853"/>
+            <a:off x="1765071" y="4230885"/>
             <a:ext cx="216024" cy="382265"/>
             <a:chOff x="2771800" y="1369443"/>
             <a:chExt cx="216024" cy="382265"/>
@@ -28220,7 +28066,7 @@
         </p:nvGrpSpPr>
         <p:grpSpPr>
           <a:xfrm>
-            <a:off x="6300192" y="3627021"/>
+            <a:off x="1765071" y="4746053"/>
             <a:ext cx="216024" cy="382265"/>
             <a:chOff x="2771800" y="1369443"/>
             <a:chExt cx="216024" cy="382265"/>
@@ -28420,7 +28266,7 @@
         </p:nvGrpSpPr>
         <p:grpSpPr>
           <a:xfrm>
-            <a:off x="6300192" y="4216012"/>
+            <a:off x="1765071" y="5335044"/>
             <a:ext cx="216024" cy="382265"/>
             <a:chOff x="2771800" y="1369443"/>
             <a:chExt cx="216024" cy="382265"/>
@@ -28620,7 +28466,7 @@
         </p:nvGrpSpPr>
         <p:grpSpPr>
           <a:xfrm>
-            <a:off x="6300192" y="4731180"/>
+            <a:off x="1765071" y="5850212"/>
             <a:ext cx="216024" cy="382265"/>
             <a:chOff x="2771800" y="1369443"/>
             <a:chExt cx="216024" cy="382265"/>
@@ -28820,7 +28666,7 @@
         </p:nvGrpSpPr>
         <p:grpSpPr>
           <a:xfrm>
-            <a:off x="1680262" y="3142779"/>
+            <a:off x="1771308" y="2002157"/>
             <a:ext cx="216024" cy="382265"/>
             <a:chOff x="2771800" y="1369443"/>
             <a:chExt cx="216024" cy="382265"/>
@@ -29020,7 +28866,7 @@
         </p:nvGrpSpPr>
         <p:grpSpPr>
           <a:xfrm>
-            <a:off x="1680262" y="3657947"/>
+            <a:off x="1771308" y="2517325"/>
             <a:ext cx="216024" cy="382265"/>
             <a:chOff x="2771800" y="1369443"/>
             <a:chExt cx="216024" cy="382265"/>
@@ -29220,7 +29066,7 @@
         </p:nvGrpSpPr>
         <p:grpSpPr>
           <a:xfrm>
-            <a:off x="1680262" y="4246938"/>
+            <a:off x="1771308" y="3106316"/>
             <a:ext cx="216024" cy="382265"/>
             <a:chOff x="2771800" y="1369443"/>
             <a:chExt cx="216024" cy="382265"/>
@@ -29420,7 +29266,7 @@
         </p:nvGrpSpPr>
         <p:grpSpPr>
           <a:xfrm>
-            <a:off x="1680262" y="4762106"/>
+            <a:off x="1771308" y="3621484"/>
             <a:ext cx="216024" cy="382265"/>
             <a:chOff x="2771800" y="1369443"/>
             <a:chExt cx="216024" cy="382265"/>
@@ -29620,7 +29466,7 @@
         </p:nvGrpSpPr>
         <p:grpSpPr>
           <a:xfrm>
-            <a:off x="2480486" y="1373175"/>
+            <a:off x="1460400" y="924859"/>
             <a:ext cx="216024" cy="382265"/>
             <a:chOff x="2771800" y="1369443"/>
             <a:chExt cx="216024" cy="382265"/>
@@ -29822,7 +29668,7 @@
         </p:nvGrpSpPr>
         <p:grpSpPr>
           <a:xfrm>
-            <a:off x="2476791" y="1845450"/>
+            <a:off x="1456705" y="1397134"/>
             <a:ext cx="216024" cy="382265"/>
             <a:chOff x="2771800" y="1369443"/>
             <a:chExt cx="216024" cy="382265"/>
@@ -30024,7 +29870,7 @@
         </p:nvGrpSpPr>
         <p:grpSpPr>
           <a:xfrm>
-            <a:off x="2205907" y="1378076"/>
+            <a:off x="1185821" y="929760"/>
             <a:ext cx="216024" cy="382265"/>
             <a:chOff x="2771800" y="1369443"/>
             <a:chExt cx="216024" cy="382265"/>
@@ -30226,7 +30072,7 @@
         </p:nvGrpSpPr>
         <p:grpSpPr>
           <a:xfrm>
-            <a:off x="2202212" y="1850351"/>
+            <a:off x="1182126" y="1402035"/>
             <a:ext cx="216024" cy="382265"/>
             <a:chOff x="2771800" y="1369443"/>
             <a:chExt cx="216024" cy="382265"/>
@@ -30428,7 +30274,7 @@
         </p:nvGrpSpPr>
         <p:grpSpPr>
           <a:xfrm>
-            <a:off x="1920989" y="1369443"/>
+            <a:off x="900903" y="921127"/>
             <a:ext cx="216024" cy="382265"/>
             <a:chOff x="2771800" y="1369443"/>
             <a:chExt cx="216024" cy="382265"/>
@@ -30630,7 +30476,7 @@
         </p:nvGrpSpPr>
         <p:grpSpPr>
           <a:xfrm>
-            <a:off x="1917294" y="1841718"/>
+            <a:off x="897208" y="1393402"/>
             <a:ext cx="216024" cy="382265"/>
             <a:chOff x="2771800" y="1369443"/>
             <a:chExt cx="216024" cy="382265"/>
@@ -30832,14 +30678,15 @@
         </p:nvGrpSpPr>
         <p:grpSpPr>
           <a:xfrm>
-            <a:off x="1635341" y="1373313"/>
+            <a:off x="615255" y="924997"/>
             <a:ext cx="216024" cy="382265"/>
             <a:chOff x="2771800" y="1369443"/>
             <a:chExt cx="216024" cy="382265"/>
           </a:xfrm>
           <a:solidFill>
-            <a:schemeClr val="bg1">
-              <a:lumMod val="85000"/>
+            <a:schemeClr val="accent3">
+              <a:lumMod val="40000"/>
+              <a:lumOff val="60000"/>
             </a:schemeClr>
           </a:solidFill>
         </p:grpSpPr>
@@ -31034,14 +30881,15 @@
         </p:nvGrpSpPr>
         <p:grpSpPr>
           <a:xfrm>
-            <a:off x="1631646" y="1845588"/>
+            <a:off x="611560" y="1397272"/>
             <a:ext cx="216024" cy="382265"/>
             <a:chOff x="2771800" y="1369443"/>
             <a:chExt cx="216024" cy="382265"/>
           </a:xfrm>
           <a:solidFill>
-            <a:schemeClr val="bg1">
-              <a:lumMod val="85000"/>
+            <a:schemeClr val="accent3">
+              <a:lumMod val="40000"/>
+              <a:lumOff val="60000"/>
             </a:schemeClr>
           </a:solidFill>
         </p:grpSpPr>
@@ -31230,606 +31078,1387 @@
       </p:grpSp>
       <p:grpSp>
         <p:nvGrpSpPr>
-          <p:cNvPr id="332" name="Group 331"/>
+          <p:cNvPr id="24" name="Group 23"/>
           <p:cNvGrpSpPr/>
           <p:nvPr/>
         </p:nvGrpSpPr>
         <p:grpSpPr>
           <a:xfrm>
-            <a:off x="7538529" y="1196752"/>
-            <a:ext cx="138283" cy="244699"/>
-            <a:chOff x="2771800" y="1369443"/>
-            <a:chExt cx="216024" cy="382265"/>
-          </a:xfrm>
-          <a:solidFill>
-            <a:srgbClr val="EDC87A"/>
-          </a:solidFill>
+            <a:off x="5810470" y="1012965"/>
+            <a:ext cx="138283" cy="827504"/>
+            <a:chOff x="7294414" y="1077704"/>
+            <a:chExt cx="138283" cy="827504"/>
+          </a:xfrm>
         </p:grpSpPr>
-        <p:sp>
-          <p:nvSpPr>
-            <p:cNvPr id="333" name="Oval 332"/>
-            <p:cNvSpPr/>
+        <p:grpSp>
+          <p:nvGrpSpPr>
+            <p:cNvPr id="332" name="Group 331"/>
+            <p:cNvGrpSpPr/>
             <p:nvPr/>
-          </p:nvSpPr>
-          <p:spPr>
+          </p:nvGrpSpPr>
+          <p:grpSpPr>
             <a:xfrm>
-              <a:off x="2807804" y="1369443"/>
-              <a:ext cx="144016" cy="144016"/>
+              <a:off x="7294414" y="1077704"/>
+              <a:ext cx="138283" cy="244699"/>
+              <a:chOff x="2771800" y="1369443"/>
+              <a:chExt cx="216024" cy="382265"/>
             </a:xfrm>
-            <a:prstGeom prst="ellipse">
-              <a:avLst/>
-            </a:prstGeom>
-            <a:grpFill/>
-            <a:ln>
-              <a:solidFill>
-                <a:srgbClr val="0070C0"/>
-              </a:solidFill>
-            </a:ln>
-          </p:spPr>
-          <p:style>
-            <a:lnRef idx="2">
-              <a:schemeClr val="accent1">
-                <a:shade val="50000"/>
-              </a:schemeClr>
-            </a:lnRef>
-            <a:fillRef idx="1">
-              <a:schemeClr val="accent1"/>
-            </a:fillRef>
-            <a:effectRef idx="0">
-              <a:schemeClr val="accent1"/>
-            </a:effectRef>
-            <a:fontRef idx="minor">
-              <a:schemeClr val="lt1"/>
-            </a:fontRef>
-          </p:style>
-          <p:txBody>
-            <a:bodyPr rtlCol="0" anchor="ctr"/>
-            <a:lstStyle/>
-            <a:p>
-              <a:pPr algn="ctr"/>
-              <a:endParaRPr lang="en-GB"/>
-            </a:p>
-          </p:txBody>
-        </p:sp>
-        <p:sp>
-          <p:nvSpPr>
-            <p:cNvPr id="334" name="Oval 333"/>
-            <p:cNvSpPr/>
+            <a:solidFill>
+              <a:srgbClr val="EDC87A"/>
+            </a:solidFill>
+          </p:grpSpPr>
+          <p:sp>
+            <p:nvSpPr>
+              <p:cNvPr id="333" name="Oval 332"/>
+              <p:cNvSpPr/>
+              <p:nvPr/>
+            </p:nvSpPr>
+            <p:spPr>
+              <a:xfrm>
+                <a:off x="2807804" y="1369443"/>
+                <a:ext cx="144016" cy="144016"/>
+              </a:xfrm>
+              <a:prstGeom prst="ellipse">
+                <a:avLst/>
+              </a:prstGeom>
+              <a:grpFill/>
+              <a:ln>
+                <a:solidFill>
+                  <a:srgbClr val="0070C0"/>
+                </a:solidFill>
+              </a:ln>
+            </p:spPr>
+            <p:style>
+              <a:lnRef idx="2">
+                <a:schemeClr val="accent1">
+                  <a:shade val="50000"/>
+                </a:schemeClr>
+              </a:lnRef>
+              <a:fillRef idx="1">
+                <a:schemeClr val="accent1"/>
+              </a:fillRef>
+              <a:effectRef idx="0">
+                <a:schemeClr val="accent1"/>
+              </a:effectRef>
+              <a:fontRef idx="minor">
+                <a:schemeClr val="lt1"/>
+              </a:fontRef>
+            </p:style>
+            <p:txBody>
+              <a:bodyPr rtlCol="0" anchor="ctr"/>
+              <a:lstStyle/>
+              <a:p>
+                <a:pPr algn="ctr"/>
+                <a:endParaRPr lang="en-GB"/>
+              </a:p>
+            </p:txBody>
+          </p:sp>
+          <p:sp>
+            <p:nvSpPr>
+              <p:cNvPr id="334" name="Oval 333"/>
+              <p:cNvSpPr/>
+              <p:nvPr/>
+            </p:nvSpPr>
+            <p:spPr>
+              <a:xfrm>
+                <a:off x="2771800" y="1535684"/>
+                <a:ext cx="216024" cy="144016"/>
+              </a:xfrm>
+              <a:prstGeom prst="ellipse">
+                <a:avLst/>
+              </a:prstGeom>
+              <a:grpFill/>
+              <a:ln>
+                <a:solidFill>
+                  <a:srgbClr val="0070C0"/>
+                </a:solidFill>
+              </a:ln>
+            </p:spPr>
+            <p:style>
+              <a:lnRef idx="2">
+                <a:schemeClr val="accent1">
+                  <a:shade val="50000"/>
+                </a:schemeClr>
+              </a:lnRef>
+              <a:fillRef idx="1">
+                <a:schemeClr val="accent1"/>
+              </a:fillRef>
+              <a:effectRef idx="0">
+                <a:schemeClr val="accent1"/>
+              </a:effectRef>
+              <a:fontRef idx="minor">
+                <a:schemeClr val="lt1"/>
+              </a:fontRef>
+            </p:style>
+            <p:txBody>
+              <a:bodyPr rtlCol="0" anchor="ctr"/>
+              <a:lstStyle/>
+              <a:p>
+                <a:pPr algn="ctr"/>
+                <a:endParaRPr lang="en-GB"/>
+              </a:p>
+            </p:txBody>
+          </p:sp>
+          <p:sp>
+            <p:nvSpPr>
+              <p:cNvPr id="335" name="Rectangle 334"/>
+              <p:cNvSpPr/>
+              <p:nvPr/>
+            </p:nvSpPr>
+            <p:spPr>
+              <a:xfrm>
+                <a:off x="2771800" y="1607692"/>
+                <a:ext cx="216024" cy="144016"/>
+              </a:xfrm>
+              <a:prstGeom prst="rect">
+                <a:avLst/>
+              </a:prstGeom>
+              <a:grpFill/>
+              <a:ln>
+                <a:solidFill>
+                  <a:srgbClr val="0070C0"/>
+                </a:solidFill>
+              </a:ln>
+            </p:spPr>
+            <p:style>
+              <a:lnRef idx="2">
+                <a:schemeClr val="accent1">
+                  <a:shade val="50000"/>
+                </a:schemeClr>
+              </a:lnRef>
+              <a:fillRef idx="1">
+                <a:schemeClr val="accent1"/>
+              </a:fillRef>
+              <a:effectRef idx="0">
+                <a:schemeClr val="accent1"/>
+              </a:effectRef>
+              <a:fontRef idx="minor">
+                <a:schemeClr val="lt1"/>
+              </a:fontRef>
+            </p:style>
+            <p:txBody>
+              <a:bodyPr rtlCol="0" anchor="ctr"/>
+              <a:lstStyle/>
+              <a:p>
+                <a:pPr algn="ctr"/>
+                <a:endParaRPr lang="en-GB"/>
+              </a:p>
+            </p:txBody>
+          </p:sp>
+          <p:sp>
+            <p:nvSpPr>
+              <p:cNvPr id="336" name="Rectangle 335"/>
+              <p:cNvSpPr/>
+              <p:nvPr/>
+            </p:nvSpPr>
+            <p:spPr>
+              <a:xfrm>
+                <a:off x="2788948" y="1591577"/>
+                <a:ext cx="183641" cy="45719"/>
+              </a:xfrm>
+              <a:prstGeom prst="rect">
+                <a:avLst/>
+              </a:prstGeom>
+              <a:grpFill/>
+              <a:ln>
+                <a:noFill/>
+              </a:ln>
+            </p:spPr>
+            <p:style>
+              <a:lnRef idx="2">
+                <a:schemeClr val="accent1">
+                  <a:shade val="50000"/>
+                </a:schemeClr>
+              </a:lnRef>
+              <a:fillRef idx="1">
+                <a:schemeClr val="accent1"/>
+              </a:fillRef>
+              <a:effectRef idx="0">
+                <a:schemeClr val="accent1"/>
+              </a:effectRef>
+              <a:fontRef idx="minor">
+                <a:schemeClr val="lt1"/>
+              </a:fontRef>
+            </p:style>
+            <p:txBody>
+              <a:bodyPr rtlCol="0" anchor="ctr"/>
+              <a:lstStyle/>
+              <a:p>
+                <a:pPr algn="ctr"/>
+                <a:endParaRPr lang="en-GB"/>
+              </a:p>
+            </p:txBody>
+          </p:sp>
+        </p:grpSp>
+        <p:grpSp>
+          <p:nvGrpSpPr>
+            <p:cNvPr id="337" name="Group 336"/>
+            <p:cNvGrpSpPr/>
             <p:nvPr/>
-          </p:nvSpPr>
-          <p:spPr>
+          </p:nvGrpSpPr>
+          <p:grpSpPr>
             <a:xfrm>
-              <a:off x="2771800" y="1535684"/>
-              <a:ext cx="216024" cy="144016"/>
+              <a:off x="7300606" y="1361316"/>
+              <a:ext cx="125898" cy="272533"/>
+              <a:chOff x="2771800" y="1369443"/>
+              <a:chExt cx="216024" cy="382265"/>
             </a:xfrm>
-            <a:prstGeom prst="ellipse">
-              <a:avLst/>
-            </a:prstGeom>
-            <a:grpFill/>
-            <a:ln>
-              <a:solidFill>
-                <a:srgbClr val="0070C0"/>
-              </a:solidFill>
-            </a:ln>
-          </p:spPr>
-          <p:style>
-            <a:lnRef idx="2">
-              <a:schemeClr val="accent1">
-                <a:shade val="50000"/>
-              </a:schemeClr>
-            </a:lnRef>
-            <a:fillRef idx="1">
-              <a:schemeClr val="accent1"/>
-            </a:fillRef>
-            <a:effectRef idx="0">
-              <a:schemeClr val="accent1"/>
-            </a:effectRef>
-            <a:fontRef idx="minor">
-              <a:schemeClr val="lt1"/>
-            </a:fontRef>
-          </p:style>
-          <p:txBody>
-            <a:bodyPr rtlCol="0" anchor="ctr"/>
-            <a:lstStyle/>
-            <a:p>
-              <a:pPr algn="ctr"/>
-              <a:endParaRPr lang="en-GB"/>
-            </a:p>
-          </p:txBody>
-        </p:sp>
-        <p:sp>
-          <p:nvSpPr>
-            <p:cNvPr id="335" name="Rectangle 334"/>
-            <p:cNvSpPr/>
+            <a:solidFill>
+              <a:srgbClr val="94C9E4"/>
+            </a:solidFill>
+          </p:grpSpPr>
+          <p:sp>
+            <p:nvSpPr>
+              <p:cNvPr id="338" name="Oval 337"/>
+              <p:cNvSpPr/>
+              <p:nvPr/>
+            </p:nvSpPr>
+            <p:spPr>
+              <a:xfrm>
+                <a:off x="2807804" y="1369443"/>
+                <a:ext cx="144016" cy="144016"/>
+              </a:xfrm>
+              <a:prstGeom prst="ellipse">
+                <a:avLst/>
+              </a:prstGeom>
+              <a:grpFill/>
+              <a:ln>
+                <a:solidFill>
+                  <a:srgbClr val="0070C0"/>
+                </a:solidFill>
+              </a:ln>
+            </p:spPr>
+            <p:style>
+              <a:lnRef idx="2">
+                <a:schemeClr val="accent1">
+                  <a:shade val="50000"/>
+                </a:schemeClr>
+              </a:lnRef>
+              <a:fillRef idx="1">
+                <a:schemeClr val="accent1"/>
+              </a:fillRef>
+              <a:effectRef idx="0">
+                <a:schemeClr val="accent1"/>
+              </a:effectRef>
+              <a:fontRef idx="minor">
+                <a:schemeClr val="lt1"/>
+              </a:fontRef>
+            </p:style>
+            <p:txBody>
+              <a:bodyPr rtlCol="0" anchor="ctr"/>
+              <a:lstStyle/>
+              <a:p>
+                <a:pPr algn="ctr"/>
+                <a:endParaRPr lang="en-GB"/>
+              </a:p>
+            </p:txBody>
+          </p:sp>
+          <p:sp>
+            <p:nvSpPr>
+              <p:cNvPr id="339" name="Oval 338"/>
+              <p:cNvSpPr/>
+              <p:nvPr/>
+            </p:nvSpPr>
+            <p:spPr>
+              <a:xfrm>
+                <a:off x="2771800" y="1535684"/>
+                <a:ext cx="216024" cy="144016"/>
+              </a:xfrm>
+              <a:prstGeom prst="ellipse">
+                <a:avLst/>
+              </a:prstGeom>
+              <a:grpFill/>
+              <a:ln>
+                <a:solidFill>
+                  <a:srgbClr val="0070C0"/>
+                </a:solidFill>
+              </a:ln>
+            </p:spPr>
+            <p:style>
+              <a:lnRef idx="2">
+                <a:schemeClr val="accent1">
+                  <a:shade val="50000"/>
+                </a:schemeClr>
+              </a:lnRef>
+              <a:fillRef idx="1">
+                <a:schemeClr val="accent1"/>
+              </a:fillRef>
+              <a:effectRef idx="0">
+                <a:schemeClr val="accent1"/>
+              </a:effectRef>
+              <a:fontRef idx="minor">
+                <a:schemeClr val="lt1"/>
+              </a:fontRef>
+            </p:style>
+            <p:txBody>
+              <a:bodyPr rtlCol="0" anchor="ctr"/>
+              <a:lstStyle/>
+              <a:p>
+                <a:pPr algn="ctr"/>
+                <a:endParaRPr lang="en-GB"/>
+              </a:p>
+            </p:txBody>
+          </p:sp>
+          <p:sp>
+            <p:nvSpPr>
+              <p:cNvPr id="340" name="Rectangle 339"/>
+              <p:cNvSpPr/>
+              <p:nvPr/>
+            </p:nvSpPr>
+            <p:spPr>
+              <a:xfrm>
+                <a:off x="2771800" y="1607692"/>
+                <a:ext cx="216024" cy="144016"/>
+              </a:xfrm>
+              <a:prstGeom prst="rect">
+                <a:avLst/>
+              </a:prstGeom>
+              <a:grpFill/>
+              <a:ln>
+                <a:solidFill>
+                  <a:srgbClr val="0070C0"/>
+                </a:solidFill>
+              </a:ln>
+            </p:spPr>
+            <p:style>
+              <a:lnRef idx="2">
+                <a:schemeClr val="accent1">
+                  <a:shade val="50000"/>
+                </a:schemeClr>
+              </a:lnRef>
+              <a:fillRef idx="1">
+                <a:schemeClr val="accent1"/>
+              </a:fillRef>
+              <a:effectRef idx="0">
+                <a:schemeClr val="accent1"/>
+              </a:effectRef>
+              <a:fontRef idx="minor">
+                <a:schemeClr val="lt1"/>
+              </a:fontRef>
+            </p:style>
+            <p:txBody>
+              <a:bodyPr rtlCol="0" anchor="ctr"/>
+              <a:lstStyle/>
+              <a:p>
+                <a:pPr algn="ctr"/>
+                <a:endParaRPr lang="en-GB"/>
+              </a:p>
+            </p:txBody>
+          </p:sp>
+          <p:sp>
+            <p:nvSpPr>
+              <p:cNvPr id="341" name="Rectangle 340"/>
+              <p:cNvSpPr/>
+              <p:nvPr/>
+            </p:nvSpPr>
+            <p:spPr>
+              <a:xfrm>
+                <a:off x="2788948" y="1591577"/>
+                <a:ext cx="183641" cy="45719"/>
+              </a:xfrm>
+              <a:prstGeom prst="rect">
+                <a:avLst/>
+              </a:prstGeom>
+              <a:grpFill/>
+              <a:ln>
+                <a:noFill/>
+              </a:ln>
+            </p:spPr>
+            <p:style>
+              <a:lnRef idx="2">
+                <a:schemeClr val="accent1">
+                  <a:shade val="50000"/>
+                </a:schemeClr>
+              </a:lnRef>
+              <a:fillRef idx="1">
+                <a:schemeClr val="accent1"/>
+              </a:fillRef>
+              <a:effectRef idx="0">
+                <a:schemeClr val="accent1"/>
+              </a:effectRef>
+              <a:fontRef idx="minor">
+                <a:schemeClr val="lt1"/>
+              </a:fontRef>
+            </p:style>
+            <p:txBody>
+              <a:bodyPr rtlCol="0" anchor="ctr"/>
+              <a:lstStyle/>
+              <a:p>
+                <a:pPr algn="ctr"/>
+                <a:endParaRPr lang="en-GB"/>
+              </a:p>
+            </p:txBody>
+          </p:sp>
+        </p:grpSp>
+        <p:grpSp>
+          <p:nvGrpSpPr>
+            <p:cNvPr id="127" name="Group 126"/>
+            <p:cNvGrpSpPr/>
             <p:nvPr/>
-          </p:nvSpPr>
-          <p:spPr>
+          </p:nvGrpSpPr>
+          <p:grpSpPr>
             <a:xfrm>
-              <a:off x="2771800" y="1607692"/>
-              <a:ext cx="216024" cy="144016"/>
+              <a:off x="7294414" y="1660509"/>
+              <a:ext cx="138283" cy="244699"/>
+              <a:chOff x="2771800" y="1369443"/>
+              <a:chExt cx="216024" cy="382265"/>
             </a:xfrm>
-            <a:prstGeom prst="rect">
-              <a:avLst/>
-            </a:prstGeom>
-            <a:grpFill/>
-            <a:ln>
-              <a:solidFill>
-                <a:srgbClr val="0070C0"/>
-              </a:solidFill>
-            </a:ln>
-          </p:spPr>
-          <p:style>
-            <a:lnRef idx="2">
-              <a:schemeClr val="accent1">
-                <a:shade val="50000"/>
-              </a:schemeClr>
-            </a:lnRef>
-            <a:fillRef idx="1">
-              <a:schemeClr val="accent1"/>
-            </a:fillRef>
-            <a:effectRef idx="0">
-              <a:schemeClr val="accent1"/>
-            </a:effectRef>
-            <a:fontRef idx="minor">
-              <a:schemeClr val="lt1"/>
-            </a:fontRef>
-          </p:style>
-          <p:txBody>
-            <a:bodyPr rtlCol="0" anchor="ctr"/>
-            <a:lstStyle/>
-            <a:p>
-              <a:pPr algn="ctr"/>
-              <a:endParaRPr lang="en-GB"/>
-            </a:p>
-          </p:txBody>
-        </p:sp>
-        <p:sp>
-          <p:nvSpPr>
-            <p:cNvPr id="336" name="Rectangle 335"/>
-            <p:cNvSpPr/>
-            <p:nvPr/>
-          </p:nvSpPr>
-          <p:spPr>
-            <a:xfrm>
-              <a:off x="2788948" y="1591577"/>
-              <a:ext cx="183641" cy="45719"/>
-            </a:xfrm>
-            <a:prstGeom prst="rect">
-              <a:avLst/>
-            </a:prstGeom>
-            <a:grpFill/>
-            <a:ln>
-              <a:noFill/>
-            </a:ln>
-          </p:spPr>
-          <p:style>
-            <a:lnRef idx="2">
-              <a:schemeClr val="accent1">
-                <a:shade val="50000"/>
-              </a:schemeClr>
-            </a:lnRef>
-            <a:fillRef idx="1">
-              <a:schemeClr val="accent1"/>
-            </a:fillRef>
-            <a:effectRef idx="0">
-              <a:schemeClr val="accent1"/>
-            </a:effectRef>
-            <a:fontRef idx="minor">
-              <a:schemeClr val="lt1"/>
-            </a:fontRef>
-          </p:style>
-          <p:txBody>
-            <a:bodyPr rtlCol="0" anchor="ctr"/>
-            <a:lstStyle/>
-            <a:p>
-              <a:pPr algn="ctr"/>
-              <a:endParaRPr lang="en-GB"/>
-            </a:p>
-          </p:txBody>
-        </p:sp>
+            <a:solidFill>
+              <a:schemeClr val="bg1">
+                <a:lumMod val="85000"/>
+              </a:schemeClr>
+            </a:solidFill>
+          </p:grpSpPr>
+          <p:sp>
+            <p:nvSpPr>
+              <p:cNvPr id="128" name="Oval 127"/>
+              <p:cNvSpPr/>
+              <p:nvPr/>
+            </p:nvSpPr>
+            <p:spPr>
+              <a:xfrm>
+                <a:off x="2807804" y="1369443"/>
+                <a:ext cx="144016" cy="144016"/>
+              </a:xfrm>
+              <a:prstGeom prst="ellipse">
+                <a:avLst/>
+              </a:prstGeom>
+              <a:grpFill/>
+              <a:ln>
+                <a:solidFill>
+                  <a:srgbClr val="0070C0"/>
+                </a:solidFill>
+              </a:ln>
+            </p:spPr>
+            <p:style>
+              <a:lnRef idx="2">
+                <a:schemeClr val="accent1">
+                  <a:shade val="50000"/>
+                </a:schemeClr>
+              </a:lnRef>
+              <a:fillRef idx="1">
+                <a:schemeClr val="accent1"/>
+              </a:fillRef>
+              <a:effectRef idx="0">
+                <a:schemeClr val="accent1"/>
+              </a:effectRef>
+              <a:fontRef idx="minor">
+                <a:schemeClr val="lt1"/>
+              </a:fontRef>
+            </p:style>
+            <p:txBody>
+              <a:bodyPr rtlCol="0" anchor="ctr"/>
+              <a:lstStyle/>
+              <a:p>
+                <a:pPr algn="ctr"/>
+                <a:endParaRPr lang="en-GB"/>
+              </a:p>
+            </p:txBody>
+          </p:sp>
+          <p:sp>
+            <p:nvSpPr>
+              <p:cNvPr id="129" name="Oval 128"/>
+              <p:cNvSpPr/>
+              <p:nvPr/>
+            </p:nvSpPr>
+            <p:spPr>
+              <a:xfrm>
+                <a:off x="2771800" y="1535684"/>
+                <a:ext cx="216024" cy="144016"/>
+              </a:xfrm>
+              <a:prstGeom prst="ellipse">
+                <a:avLst/>
+              </a:prstGeom>
+              <a:grpFill/>
+              <a:ln>
+                <a:solidFill>
+                  <a:srgbClr val="0070C0"/>
+                </a:solidFill>
+              </a:ln>
+            </p:spPr>
+            <p:style>
+              <a:lnRef idx="2">
+                <a:schemeClr val="accent1">
+                  <a:shade val="50000"/>
+                </a:schemeClr>
+              </a:lnRef>
+              <a:fillRef idx="1">
+                <a:schemeClr val="accent1"/>
+              </a:fillRef>
+              <a:effectRef idx="0">
+                <a:schemeClr val="accent1"/>
+              </a:effectRef>
+              <a:fontRef idx="minor">
+                <a:schemeClr val="lt1"/>
+              </a:fontRef>
+            </p:style>
+            <p:txBody>
+              <a:bodyPr rtlCol="0" anchor="ctr"/>
+              <a:lstStyle/>
+              <a:p>
+                <a:pPr algn="ctr"/>
+                <a:endParaRPr lang="en-GB"/>
+              </a:p>
+            </p:txBody>
+          </p:sp>
+          <p:sp>
+            <p:nvSpPr>
+              <p:cNvPr id="130" name="Rectangle 129"/>
+              <p:cNvSpPr/>
+              <p:nvPr/>
+            </p:nvSpPr>
+            <p:spPr>
+              <a:xfrm>
+                <a:off x="2771800" y="1607692"/>
+                <a:ext cx="216024" cy="144016"/>
+              </a:xfrm>
+              <a:prstGeom prst="rect">
+                <a:avLst/>
+              </a:prstGeom>
+              <a:grpFill/>
+              <a:ln>
+                <a:solidFill>
+                  <a:srgbClr val="0070C0"/>
+                </a:solidFill>
+              </a:ln>
+            </p:spPr>
+            <p:style>
+              <a:lnRef idx="2">
+                <a:schemeClr val="accent1">
+                  <a:shade val="50000"/>
+                </a:schemeClr>
+              </a:lnRef>
+              <a:fillRef idx="1">
+                <a:schemeClr val="accent1"/>
+              </a:fillRef>
+              <a:effectRef idx="0">
+                <a:schemeClr val="accent1"/>
+              </a:effectRef>
+              <a:fontRef idx="minor">
+                <a:schemeClr val="lt1"/>
+              </a:fontRef>
+            </p:style>
+            <p:txBody>
+              <a:bodyPr rtlCol="0" anchor="ctr"/>
+              <a:lstStyle/>
+              <a:p>
+                <a:pPr algn="ctr"/>
+                <a:endParaRPr lang="en-GB"/>
+              </a:p>
+            </p:txBody>
+          </p:sp>
+          <p:sp>
+            <p:nvSpPr>
+              <p:cNvPr id="131" name="Rectangle 130"/>
+              <p:cNvSpPr/>
+              <p:nvPr/>
+            </p:nvSpPr>
+            <p:spPr>
+              <a:xfrm>
+                <a:off x="2788948" y="1591577"/>
+                <a:ext cx="183641" cy="45719"/>
+              </a:xfrm>
+              <a:prstGeom prst="rect">
+                <a:avLst/>
+              </a:prstGeom>
+              <a:grpFill/>
+              <a:ln>
+                <a:noFill/>
+              </a:ln>
+            </p:spPr>
+            <p:style>
+              <a:lnRef idx="2">
+                <a:schemeClr val="accent1">
+                  <a:shade val="50000"/>
+                </a:schemeClr>
+              </a:lnRef>
+              <a:fillRef idx="1">
+                <a:schemeClr val="accent1"/>
+              </a:fillRef>
+              <a:effectRef idx="0">
+                <a:schemeClr val="accent1"/>
+              </a:effectRef>
+              <a:fontRef idx="minor">
+                <a:schemeClr val="lt1"/>
+              </a:fontRef>
+            </p:style>
+            <p:txBody>
+              <a:bodyPr rtlCol="0" anchor="ctr"/>
+              <a:lstStyle/>
+              <a:p>
+                <a:pPr algn="ctr"/>
+                <a:endParaRPr lang="en-GB"/>
+              </a:p>
+            </p:txBody>
+          </p:sp>
+        </p:grpSp>
       </p:grpSp>
-      <p:grpSp>
-        <p:nvGrpSpPr>
-          <p:cNvPr id="337" name="Group 336"/>
-          <p:cNvGrpSpPr/>
-          <p:nvPr/>
-        </p:nvGrpSpPr>
-        <p:grpSpPr>
-          <a:xfrm>
-            <a:off x="8406542" y="1441451"/>
-            <a:ext cx="125898" cy="272533"/>
-            <a:chOff x="2771800" y="1369443"/>
-            <a:chExt cx="216024" cy="382265"/>
-          </a:xfrm>
+      <p:sp>
+        <p:nvSpPr>
+          <p:cNvPr id="4" name="Can 3"/>
+          <p:cNvSpPr/>
+          <p:nvPr/>
+        </p:nvSpPr>
+        <p:spPr>
+          <a:xfrm>
+            <a:off x="2133946" y="1927702"/>
+            <a:ext cx="562822" cy="468052"/>
+          </a:xfrm>
+          <a:prstGeom prst="can">
+            <a:avLst/>
+          </a:prstGeom>
           <a:solidFill>
             <a:srgbClr val="94C9E4"/>
           </a:solidFill>
-        </p:grpSpPr>
-        <p:sp>
-          <p:nvSpPr>
-            <p:cNvPr id="338" name="Oval 337"/>
-            <p:cNvSpPr/>
-            <p:nvPr/>
-          </p:nvSpPr>
-          <p:spPr>
-            <a:xfrm>
-              <a:off x="2807804" y="1369443"/>
-              <a:ext cx="144016" cy="144016"/>
-            </a:xfrm>
-            <a:prstGeom prst="ellipse">
-              <a:avLst/>
-            </a:prstGeom>
-            <a:grpFill/>
-            <a:ln>
+          <a:ln>
+            <a:solidFill>
+              <a:srgbClr val="94C9E4"/>
+            </a:solidFill>
+          </a:ln>
+        </p:spPr>
+        <p:style>
+          <a:lnRef idx="2">
+            <a:schemeClr val="accent1">
+              <a:shade val="50000"/>
+            </a:schemeClr>
+          </a:lnRef>
+          <a:fillRef idx="1">
+            <a:schemeClr val="accent1"/>
+          </a:fillRef>
+          <a:effectRef idx="0">
+            <a:schemeClr val="accent1"/>
+          </a:effectRef>
+          <a:fontRef idx="minor">
+            <a:schemeClr val="lt1"/>
+          </a:fontRef>
+        </p:style>
+        <p:txBody>
+          <a:bodyPr rtlCol="0" anchor="ctr"/>
+          <a:lstStyle/>
+          <a:p>
+            <a:pPr algn="ctr"/>
+            <a:r>
+              <a:rPr lang="en-GB" dirty="0" smtClean="0">
+                <a:solidFill>
+                  <a:srgbClr val="002060"/>
+                </a:solidFill>
+              </a:rPr>
+              <a:t>CT</a:t>
+            </a:r>
+            <a:endParaRPr lang="en-GB" dirty="0">
               <a:solidFill>
-                <a:srgbClr val="0070C0"/>
+                <a:srgbClr val="002060"/>
               </a:solidFill>
-            </a:ln>
-          </p:spPr>
-          <p:style>
-            <a:lnRef idx="2">
-              <a:schemeClr val="accent1">
-                <a:shade val="50000"/>
-              </a:schemeClr>
-            </a:lnRef>
-            <a:fillRef idx="1">
-              <a:schemeClr val="accent1"/>
-            </a:fillRef>
-            <a:effectRef idx="0">
-              <a:schemeClr val="accent1"/>
-            </a:effectRef>
-            <a:fontRef idx="minor">
-              <a:schemeClr val="lt1"/>
-            </a:fontRef>
-          </p:style>
-          <p:txBody>
-            <a:bodyPr rtlCol="0" anchor="ctr"/>
-            <a:lstStyle/>
-            <a:p>
-              <a:pPr algn="ctr"/>
-              <a:endParaRPr lang="en-GB"/>
-            </a:p>
-          </p:txBody>
-        </p:sp>
-        <p:sp>
-          <p:nvSpPr>
-            <p:cNvPr id="339" name="Oval 338"/>
-            <p:cNvSpPr/>
-            <p:nvPr/>
-          </p:nvSpPr>
-          <p:spPr>
-            <a:xfrm>
-              <a:off x="2771800" y="1535684"/>
-              <a:ext cx="216024" cy="144016"/>
-            </a:xfrm>
-            <a:prstGeom prst="ellipse">
-              <a:avLst/>
-            </a:prstGeom>
-            <a:grpFill/>
-            <a:ln>
+            </a:endParaRPr>
+          </a:p>
+        </p:txBody>
+      </p:sp>
+      <p:sp>
+        <p:nvSpPr>
+          <p:cNvPr id="125" name="Can 124"/>
+          <p:cNvSpPr/>
+          <p:nvPr/>
+        </p:nvSpPr>
+        <p:spPr>
+          <a:xfrm>
+            <a:off x="2133946" y="2487915"/>
+            <a:ext cx="562822" cy="468052"/>
+          </a:xfrm>
+          <a:prstGeom prst="can">
+            <a:avLst/>
+          </a:prstGeom>
+          <a:solidFill>
+            <a:srgbClr val="94C9E4"/>
+          </a:solidFill>
+          <a:ln>
+            <a:solidFill>
+              <a:srgbClr val="94C9E4"/>
+            </a:solidFill>
+          </a:ln>
+        </p:spPr>
+        <p:style>
+          <a:lnRef idx="2">
+            <a:schemeClr val="accent1">
+              <a:shade val="50000"/>
+            </a:schemeClr>
+          </a:lnRef>
+          <a:fillRef idx="1">
+            <a:schemeClr val="accent1"/>
+          </a:fillRef>
+          <a:effectRef idx="0">
+            <a:schemeClr val="accent1"/>
+          </a:effectRef>
+          <a:fontRef idx="minor">
+            <a:schemeClr val="lt1"/>
+          </a:fontRef>
+        </p:style>
+        <p:txBody>
+          <a:bodyPr rtlCol="0" anchor="ctr"/>
+          <a:lstStyle/>
+          <a:p>
+            <a:pPr algn="ctr"/>
+            <a:r>
+              <a:rPr lang="en-GB" dirty="0" smtClean="0">
+                <a:solidFill>
+                  <a:srgbClr val="002060"/>
+                </a:solidFill>
+              </a:rPr>
+              <a:t>CT</a:t>
+            </a:r>
+            <a:endParaRPr lang="en-GB" dirty="0">
               <a:solidFill>
-                <a:srgbClr val="0070C0"/>
+                <a:srgbClr val="002060"/>
               </a:solidFill>
-            </a:ln>
-          </p:spPr>
-          <p:style>
-            <a:lnRef idx="2">
-              <a:schemeClr val="accent1">
-                <a:shade val="50000"/>
-              </a:schemeClr>
-            </a:lnRef>
-            <a:fillRef idx="1">
-              <a:schemeClr val="accent1"/>
-            </a:fillRef>
-            <a:effectRef idx="0">
-              <a:schemeClr val="accent1"/>
-            </a:effectRef>
-            <a:fontRef idx="minor">
-              <a:schemeClr val="lt1"/>
-            </a:fontRef>
-          </p:style>
-          <p:txBody>
-            <a:bodyPr rtlCol="0" anchor="ctr"/>
-            <a:lstStyle/>
-            <a:p>
-              <a:pPr algn="ctr"/>
-              <a:endParaRPr lang="en-GB"/>
-            </a:p>
-          </p:txBody>
-        </p:sp>
-        <p:sp>
-          <p:nvSpPr>
-            <p:cNvPr id="340" name="Rectangle 339"/>
-            <p:cNvSpPr/>
-            <p:nvPr/>
-          </p:nvSpPr>
-          <p:spPr>
-            <a:xfrm>
-              <a:off x="2771800" y="1607692"/>
-              <a:ext cx="216024" cy="144016"/>
-            </a:xfrm>
-            <a:prstGeom prst="rect">
-              <a:avLst/>
-            </a:prstGeom>
-            <a:grpFill/>
-            <a:ln>
+            </a:endParaRPr>
+          </a:p>
+        </p:txBody>
+      </p:sp>
+      <p:sp>
+        <p:nvSpPr>
+          <p:cNvPr id="126" name="Can 125"/>
+          <p:cNvSpPr/>
+          <p:nvPr/>
+        </p:nvSpPr>
+        <p:spPr>
+          <a:xfrm>
+            <a:off x="2133946" y="3048128"/>
+            <a:ext cx="562822" cy="468052"/>
+          </a:xfrm>
+          <a:prstGeom prst="can">
+            <a:avLst/>
+          </a:prstGeom>
+          <a:solidFill>
+            <a:srgbClr val="94C9E4"/>
+          </a:solidFill>
+          <a:ln>
+            <a:solidFill>
+              <a:srgbClr val="94C9E4"/>
+            </a:solidFill>
+          </a:ln>
+        </p:spPr>
+        <p:style>
+          <a:lnRef idx="2">
+            <a:schemeClr val="accent1">
+              <a:shade val="50000"/>
+            </a:schemeClr>
+          </a:lnRef>
+          <a:fillRef idx="1">
+            <a:schemeClr val="accent1"/>
+          </a:fillRef>
+          <a:effectRef idx="0">
+            <a:schemeClr val="accent1"/>
+          </a:effectRef>
+          <a:fontRef idx="minor">
+            <a:schemeClr val="lt1"/>
+          </a:fontRef>
+        </p:style>
+        <p:txBody>
+          <a:bodyPr rtlCol="0" anchor="ctr"/>
+          <a:lstStyle/>
+          <a:p>
+            <a:pPr algn="ctr"/>
+            <a:r>
+              <a:rPr lang="en-GB" dirty="0" smtClean="0">
+                <a:solidFill>
+                  <a:srgbClr val="002060"/>
+                </a:solidFill>
+              </a:rPr>
+              <a:t>CT</a:t>
+            </a:r>
+            <a:endParaRPr lang="en-GB" dirty="0">
               <a:solidFill>
-                <a:srgbClr val="0070C0"/>
+                <a:srgbClr val="002060"/>
               </a:solidFill>
-            </a:ln>
-          </p:spPr>
-          <p:style>
-            <a:lnRef idx="2">
-              <a:schemeClr val="accent1">
-                <a:shade val="50000"/>
-              </a:schemeClr>
-            </a:lnRef>
-            <a:fillRef idx="1">
-              <a:schemeClr val="accent1"/>
-            </a:fillRef>
-            <a:effectRef idx="0">
-              <a:schemeClr val="accent1"/>
-            </a:effectRef>
-            <a:fontRef idx="minor">
-              <a:schemeClr val="lt1"/>
-            </a:fontRef>
-          </p:style>
-          <p:txBody>
-            <a:bodyPr rtlCol="0" anchor="ctr"/>
-            <a:lstStyle/>
-            <a:p>
-              <a:pPr algn="ctr"/>
-              <a:endParaRPr lang="en-GB"/>
-            </a:p>
-          </p:txBody>
-        </p:sp>
-        <p:sp>
-          <p:nvSpPr>
-            <p:cNvPr id="341" name="Rectangle 340"/>
-            <p:cNvSpPr/>
-            <p:nvPr/>
-          </p:nvSpPr>
-          <p:spPr>
-            <a:xfrm>
-              <a:off x="2788948" y="1591577"/>
-              <a:ext cx="183641" cy="45719"/>
-            </a:xfrm>
-            <a:prstGeom prst="rect">
-              <a:avLst/>
-            </a:prstGeom>
-            <a:grpFill/>
-            <a:ln>
-              <a:noFill/>
-            </a:ln>
-          </p:spPr>
-          <p:style>
-            <a:lnRef idx="2">
-              <a:schemeClr val="accent1">
-                <a:shade val="50000"/>
-              </a:schemeClr>
-            </a:lnRef>
-            <a:fillRef idx="1">
-              <a:schemeClr val="accent1"/>
-            </a:fillRef>
-            <a:effectRef idx="0">
-              <a:schemeClr val="accent1"/>
-            </a:effectRef>
-            <a:fontRef idx="minor">
-              <a:schemeClr val="lt1"/>
-            </a:fontRef>
-          </p:style>
-          <p:txBody>
-            <a:bodyPr rtlCol="0" anchor="ctr"/>
-            <a:lstStyle/>
-            <a:p>
-              <a:pPr algn="ctr"/>
-              <a:endParaRPr lang="en-GB"/>
-            </a:p>
-          </p:txBody>
-        </p:sp>
-      </p:grpSp>
-      <p:grpSp>
-        <p:nvGrpSpPr>
-          <p:cNvPr id="347" name="Group 346"/>
-          <p:cNvGrpSpPr/>
-          <p:nvPr/>
-        </p:nvGrpSpPr>
-        <p:grpSpPr>
-          <a:xfrm>
-            <a:off x="8200512" y="1739585"/>
-            <a:ext cx="125898" cy="272533"/>
-            <a:chOff x="2771800" y="1369443"/>
-            <a:chExt cx="216024" cy="382265"/>
-          </a:xfrm>
+            </a:endParaRPr>
+          </a:p>
+        </p:txBody>
+      </p:sp>
+      <p:sp>
+        <p:nvSpPr>
+          <p:cNvPr id="132" name="Can 131"/>
+          <p:cNvSpPr/>
+          <p:nvPr/>
+        </p:nvSpPr>
+        <p:spPr>
+          <a:xfrm>
+            <a:off x="2133946" y="3608341"/>
+            <a:ext cx="562822" cy="468052"/>
+          </a:xfrm>
+          <a:prstGeom prst="can">
+            <a:avLst/>
+          </a:prstGeom>
           <a:solidFill>
-            <a:schemeClr val="bg1">
-              <a:lumMod val="85000"/>
+            <a:srgbClr val="94C9E4"/>
+          </a:solidFill>
+          <a:ln>
+            <a:solidFill>
+              <a:srgbClr val="94C9E4"/>
+            </a:solidFill>
+          </a:ln>
+        </p:spPr>
+        <p:style>
+          <a:lnRef idx="2">
+            <a:schemeClr val="accent1">
+              <a:shade val="50000"/>
+            </a:schemeClr>
+          </a:lnRef>
+          <a:fillRef idx="1">
+            <a:schemeClr val="accent1"/>
+          </a:fillRef>
+          <a:effectRef idx="0">
+            <a:schemeClr val="accent1"/>
+          </a:effectRef>
+          <a:fontRef idx="minor">
+            <a:schemeClr val="lt1"/>
+          </a:fontRef>
+        </p:style>
+        <p:txBody>
+          <a:bodyPr rtlCol="0" anchor="ctr"/>
+          <a:lstStyle/>
+          <a:p>
+            <a:pPr algn="ctr"/>
+            <a:r>
+              <a:rPr lang="en-GB" dirty="0" smtClean="0">
+                <a:solidFill>
+                  <a:srgbClr val="002060"/>
+                </a:solidFill>
+              </a:rPr>
+              <a:t>CT</a:t>
+            </a:r>
+            <a:endParaRPr lang="en-GB" dirty="0">
+              <a:solidFill>
+                <a:srgbClr val="002060"/>
+              </a:solidFill>
+            </a:endParaRPr>
+          </a:p>
+        </p:txBody>
+      </p:sp>
+      <p:sp>
+        <p:nvSpPr>
+          <p:cNvPr id="133" name="Can 132"/>
+          <p:cNvSpPr/>
+          <p:nvPr/>
+        </p:nvSpPr>
+        <p:spPr>
+          <a:xfrm>
+            <a:off x="2133946" y="4168554"/>
+            <a:ext cx="562822" cy="468052"/>
+          </a:xfrm>
+          <a:prstGeom prst="can">
+            <a:avLst/>
+          </a:prstGeom>
+          <a:solidFill>
+            <a:srgbClr val="94C9E4"/>
+          </a:solidFill>
+          <a:ln>
+            <a:solidFill>
+              <a:srgbClr val="94C9E4"/>
+            </a:solidFill>
+          </a:ln>
+        </p:spPr>
+        <p:style>
+          <a:lnRef idx="2">
+            <a:schemeClr val="accent1">
+              <a:shade val="50000"/>
+            </a:schemeClr>
+          </a:lnRef>
+          <a:fillRef idx="1">
+            <a:schemeClr val="accent1"/>
+          </a:fillRef>
+          <a:effectRef idx="0">
+            <a:schemeClr val="accent1"/>
+          </a:effectRef>
+          <a:fontRef idx="minor">
+            <a:schemeClr val="lt1"/>
+          </a:fontRef>
+        </p:style>
+        <p:txBody>
+          <a:bodyPr rtlCol="0" anchor="ctr"/>
+          <a:lstStyle/>
+          <a:p>
+            <a:pPr algn="ctr"/>
+            <a:r>
+              <a:rPr lang="en-GB" dirty="0" smtClean="0">
+                <a:solidFill>
+                  <a:srgbClr val="002060"/>
+                </a:solidFill>
+              </a:rPr>
+              <a:t>CT</a:t>
+            </a:r>
+            <a:endParaRPr lang="en-GB" dirty="0">
+              <a:solidFill>
+                <a:srgbClr val="002060"/>
+              </a:solidFill>
+            </a:endParaRPr>
+          </a:p>
+        </p:txBody>
+      </p:sp>
+      <p:sp>
+        <p:nvSpPr>
+          <p:cNvPr id="134" name="Can 133"/>
+          <p:cNvSpPr/>
+          <p:nvPr/>
+        </p:nvSpPr>
+        <p:spPr>
+          <a:xfrm>
+            <a:off x="2133946" y="4728767"/>
+            <a:ext cx="562822" cy="468052"/>
+          </a:xfrm>
+          <a:prstGeom prst="can">
+            <a:avLst/>
+          </a:prstGeom>
+          <a:solidFill>
+            <a:srgbClr val="94C9E4"/>
+          </a:solidFill>
+          <a:ln>
+            <a:solidFill>
+              <a:srgbClr val="94C9E4"/>
+            </a:solidFill>
+          </a:ln>
+        </p:spPr>
+        <p:style>
+          <a:lnRef idx="2">
+            <a:schemeClr val="accent1">
+              <a:shade val="50000"/>
+            </a:schemeClr>
+          </a:lnRef>
+          <a:fillRef idx="1">
+            <a:schemeClr val="accent1"/>
+          </a:fillRef>
+          <a:effectRef idx="0">
+            <a:schemeClr val="accent1"/>
+          </a:effectRef>
+          <a:fontRef idx="minor">
+            <a:schemeClr val="lt1"/>
+          </a:fontRef>
+        </p:style>
+        <p:txBody>
+          <a:bodyPr rtlCol="0" anchor="ctr"/>
+          <a:lstStyle/>
+          <a:p>
+            <a:pPr algn="ctr"/>
+            <a:r>
+              <a:rPr lang="en-GB" dirty="0" smtClean="0">
+                <a:solidFill>
+                  <a:srgbClr val="002060"/>
+                </a:solidFill>
+              </a:rPr>
+              <a:t>CT</a:t>
+            </a:r>
+            <a:endParaRPr lang="en-GB" dirty="0">
+              <a:solidFill>
+                <a:srgbClr val="002060"/>
+              </a:solidFill>
+            </a:endParaRPr>
+          </a:p>
+        </p:txBody>
+      </p:sp>
+      <p:sp>
+        <p:nvSpPr>
+          <p:cNvPr id="135" name="Can 134"/>
+          <p:cNvSpPr/>
+          <p:nvPr/>
+        </p:nvSpPr>
+        <p:spPr>
+          <a:xfrm>
+            <a:off x="2133946" y="5288980"/>
+            <a:ext cx="562822" cy="468052"/>
+          </a:xfrm>
+          <a:prstGeom prst="can">
+            <a:avLst/>
+          </a:prstGeom>
+          <a:solidFill>
+            <a:srgbClr val="94C9E4"/>
+          </a:solidFill>
+          <a:ln>
+            <a:solidFill>
+              <a:srgbClr val="94C9E4"/>
+            </a:solidFill>
+          </a:ln>
+        </p:spPr>
+        <p:style>
+          <a:lnRef idx="2">
+            <a:schemeClr val="accent1">
+              <a:shade val="50000"/>
+            </a:schemeClr>
+          </a:lnRef>
+          <a:fillRef idx="1">
+            <a:schemeClr val="accent1"/>
+          </a:fillRef>
+          <a:effectRef idx="0">
+            <a:schemeClr val="accent1"/>
+          </a:effectRef>
+          <a:fontRef idx="minor">
+            <a:schemeClr val="lt1"/>
+          </a:fontRef>
+        </p:style>
+        <p:txBody>
+          <a:bodyPr rtlCol="0" anchor="ctr"/>
+          <a:lstStyle/>
+          <a:p>
+            <a:pPr algn="ctr"/>
+            <a:r>
+              <a:rPr lang="en-GB" dirty="0" smtClean="0">
+                <a:solidFill>
+                  <a:srgbClr val="002060"/>
+                </a:solidFill>
+              </a:rPr>
+              <a:t>CT</a:t>
+            </a:r>
+            <a:endParaRPr lang="en-GB" dirty="0">
+              <a:solidFill>
+                <a:srgbClr val="002060"/>
+              </a:solidFill>
+            </a:endParaRPr>
+          </a:p>
+        </p:txBody>
+      </p:sp>
+      <p:sp>
+        <p:nvSpPr>
+          <p:cNvPr id="136" name="Can 135"/>
+          <p:cNvSpPr/>
+          <p:nvPr/>
+        </p:nvSpPr>
+        <p:spPr>
+          <a:xfrm>
+            <a:off x="2133946" y="5849190"/>
+            <a:ext cx="562822" cy="468052"/>
+          </a:xfrm>
+          <a:prstGeom prst="can">
+            <a:avLst/>
+          </a:prstGeom>
+          <a:solidFill>
+            <a:srgbClr val="94C9E4"/>
+          </a:solidFill>
+          <a:ln>
+            <a:solidFill>
+              <a:srgbClr val="94C9E4"/>
+            </a:solidFill>
+          </a:ln>
+        </p:spPr>
+        <p:style>
+          <a:lnRef idx="2">
+            <a:schemeClr val="accent1">
+              <a:shade val="50000"/>
+            </a:schemeClr>
+          </a:lnRef>
+          <a:fillRef idx="1">
+            <a:schemeClr val="accent1"/>
+          </a:fillRef>
+          <a:effectRef idx="0">
+            <a:schemeClr val="accent1"/>
+          </a:effectRef>
+          <a:fontRef idx="minor">
+            <a:schemeClr val="lt1"/>
+          </a:fontRef>
+        </p:style>
+        <p:txBody>
+          <a:bodyPr rtlCol="0" anchor="ctr"/>
+          <a:lstStyle/>
+          <a:p>
+            <a:pPr algn="ctr"/>
+            <a:r>
+              <a:rPr lang="en-GB" dirty="0" smtClean="0">
+                <a:solidFill>
+                  <a:srgbClr val="002060"/>
+                </a:solidFill>
+              </a:rPr>
+              <a:t>CT</a:t>
+            </a:r>
+            <a:endParaRPr lang="en-GB" dirty="0">
+              <a:solidFill>
+                <a:srgbClr val="002060"/>
+              </a:solidFill>
+            </a:endParaRPr>
+          </a:p>
+        </p:txBody>
+      </p:sp>
+      <p:sp>
+        <p:nvSpPr>
+          <p:cNvPr id="137" name="Can 136"/>
+          <p:cNvSpPr/>
+          <p:nvPr/>
+        </p:nvSpPr>
+        <p:spPr>
+          <a:xfrm>
+            <a:off x="5047366" y="3877054"/>
+            <a:ext cx="562822" cy="468052"/>
+          </a:xfrm>
+          <a:prstGeom prst="can">
+            <a:avLst/>
+          </a:prstGeom>
+          <a:solidFill>
+            <a:schemeClr val="accent2">
+              <a:lumMod val="40000"/>
+              <a:lumOff val="60000"/>
             </a:schemeClr>
           </a:solidFill>
-        </p:grpSpPr>
-        <p:sp>
-          <p:nvSpPr>
-            <p:cNvPr id="348" name="Oval 347"/>
-            <p:cNvSpPr/>
-            <p:nvPr/>
-          </p:nvSpPr>
-          <p:spPr>
-            <a:xfrm>
-              <a:off x="2807804" y="1369443"/>
-              <a:ext cx="144016" cy="144016"/>
-            </a:xfrm>
-            <a:prstGeom prst="ellipse">
-              <a:avLst/>
-            </a:prstGeom>
-            <a:grpFill/>
-            <a:ln>
+          <a:ln>
+            <a:solidFill>
+              <a:schemeClr val="accent2">
+                <a:lumMod val="40000"/>
+                <a:lumOff val="60000"/>
+              </a:schemeClr>
+            </a:solidFill>
+          </a:ln>
+        </p:spPr>
+        <p:style>
+          <a:lnRef idx="2">
+            <a:schemeClr val="accent1">
+              <a:shade val="50000"/>
+            </a:schemeClr>
+          </a:lnRef>
+          <a:fillRef idx="1">
+            <a:schemeClr val="accent1"/>
+          </a:fillRef>
+          <a:effectRef idx="0">
+            <a:schemeClr val="accent1"/>
+          </a:effectRef>
+          <a:fontRef idx="minor">
+            <a:schemeClr val="lt1"/>
+          </a:fontRef>
+        </p:style>
+        <p:txBody>
+          <a:bodyPr rtlCol="0" anchor="ctr"/>
+          <a:lstStyle/>
+          <a:p>
+            <a:pPr algn="ctr"/>
+            <a:r>
+              <a:rPr lang="en-GB" dirty="0">
+                <a:solidFill>
+                  <a:srgbClr val="002060"/>
+                </a:solidFill>
+              </a:rPr>
+              <a:t>P</a:t>
+            </a:r>
+            <a:r>
+              <a:rPr lang="en-GB" dirty="0" smtClean="0">
+                <a:solidFill>
+                  <a:srgbClr val="002060"/>
+                </a:solidFill>
+              </a:rPr>
+              <a:t>T</a:t>
+            </a:r>
+            <a:endParaRPr lang="en-GB" dirty="0">
               <a:solidFill>
-                <a:srgbClr val="0070C0"/>
+                <a:srgbClr val="002060"/>
               </a:solidFill>
-            </a:ln>
-          </p:spPr>
-          <p:style>
-            <a:lnRef idx="2">
-              <a:schemeClr val="accent1">
-                <a:shade val="50000"/>
-              </a:schemeClr>
-            </a:lnRef>
-            <a:fillRef idx="1">
-              <a:schemeClr val="accent1"/>
-            </a:fillRef>
-            <a:effectRef idx="0">
-              <a:schemeClr val="accent1"/>
-            </a:effectRef>
-            <a:fontRef idx="minor">
-              <a:schemeClr val="lt1"/>
-            </a:fontRef>
-          </p:style>
-          <p:txBody>
-            <a:bodyPr rtlCol="0" anchor="ctr"/>
-            <a:lstStyle/>
-            <a:p>
-              <a:pPr algn="ctr"/>
-              <a:endParaRPr lang="en-GB"/>
-            </a:p>
-          </p:txBody>
-        </p:sp>
-        <p:sp>
-          <p:nvSpPr>
-            <p:cNvPr id="349" name="Oval 348"/>
-            <p:cNvSpPr/>
-            <p:nvPr/>
-          </p:nvSpPr>
-          <p:spPr>
-            <a:xfrm>
-              <a:off x="2771800" y="1535684"/>
-              <a:ext cx="216024" cy="144016"/>
-            </a:xfrm>
-            <a:prstGeom prst="ellipse">
-              <a:avLst/>
-            </a:prstGeom>
-            <a:grpFill/>
-            <a:ln>
+            </a:endParaRPr>
+          </a:p>
+        </p:txBody>
+      </p:sp>
+      <p:sp>
+        <p:nvSpPr>
+          <p:cNvPr id="138" name="Can 137"/>
+          <p:cNvSpPr/>
+          <p:nvPr/>
+        </p:nvSpPr>
+        <p:spPr>
+          <a:xfrm>
+            <a:off x="5765491" y="1881663"/>
+            <a:ext cx="243385" cy="224088"/>
+          </a:xfrm>
+          <a:prstGeom prst="can">
+            <a:avLst/>
+          </a:prstGeom>
+          <a:solidFill>
+            <a:srgbClr val="94C9E4"/>
+          </a:solidFill>
+          <a:ln>
+            <a:solidFill>
+              <a:srgbClr val="94C9E4"/>
+            </a:solidFill>
+          </a:ln>
+        </p:spPr>
+        <p:style>
+          <a:lnRef idx="2">
+            <a:schemeClr val="accent1">
+              <a:shade val="50000"/>
+            </a:schemeClr>
+          </a:lnRef>
+          <a:fillRef idx="1">
+            <a:schemeClr val="accent1"/>
+          </a:fillRef>
+          <a:effectRef idx="0">
+            <a:schemeClr val="accent1"/>
+          </a:effectRef>
+          <a:fontRef idx="minor">
+            <a:schemeClr val="lt1"/>
+          </a:fontRef>
+        </p:style>
+        <p:txBody>
+          <a:bodyPr lIns="0" tIns="0" rIns="0" bIns="0" rtlCol="0" anchor="ctr"/>
+          <a:lstStyle/>
+          <a:p>
+            <a:pPr algn="ctr"/>
+            <a:r>
+              <a:rPr lang="en-GB" sz="1200" dirty="0" smtClean="0">
+                <a:solidFill>
+                  <a:srgbClr val="002060"/>
+                </a:solidFill>
+              </a:rPr>
+              <a:t>CT</a:t>
+            </a:r>
+            <a:endParaRPr lang="en-GB" sz="1200" dirty="0">
               <a:solidFill>
-                <a:srgbClr val="0070C0"/>
+                <a:srgbClr val="002060"/>
               </a:solidFill>
-            </a:ln>
-          </p:spPr>
-          <p:style>
-            <a:lnRef idx="2">
-              <a:schemeClr val="accent1">
-                <a:shade val="50000"/>
-              </a:schemeClr>
-            </a:lnRef>
-            <a:fillRef idx="1">
-              <a:schemeClr val="accent1"/>
-            </a:fillRef>
-            <a:effectRef idx="0">
-              <a:schemeClr val="accent1"/>
-            </a:effectRef>
-            <a:fontRef idx="minor">
-              <a:schemeClr val="lt1"/>
-            </a:fontRef>
-          </p:style>
-          <p:txBody>
-            <a:bodyPr rtlCol="0" anchor="ctr"/>
-            <a:lstStyle/>
-            <a:p>
-              <a:pPr algn="ctr"/>
-              <a:endParaRPr lang="en-GB"/>
-            </a:p>
-          </p:txBody>
-        </p:sp>
-        <p:sp>
-          <p:nvSpPr>
-            <p:cNvPr id="350" name="Rectangle 349"/>
-            <p:cNvSpPr/>
-            <p:nvPr/>
-          </p:nvSpPr>
-          <p:spPr>
-            <a:xfrm>
-              <a:off x="2771800" y="1607692"/>
-              <a:ext cx="216024" cy="144016"/>
-            </a:xfrm>
-            <a:prstGeom prst="rect">
-              <a:avLst/>
-            </a:prstGeom>
-            <a:grpFill/>
-            <a:ln>
+            </a:endParaRPr>
+          </a:p>
+        </p:txBody>
+      </p:sp>
+      <p:sp>
+        <p:nvSpPr>
+          <p:cNvPr id="139" name="Can 138"/>
+          <p:cNvSpPr/>
+          <p:nvPr/>
+        </p:nvSpPr>
+        <p:spPr>
+          <a:xfrm>
+            <a:off x="5763442" y="2163016"/>
+            <a:ext cx="243385" cy="224088"/>
+          </a:xfrm>
+          <a:prstGeom prst="can">
+            <a:avLst/>
+          </a:prstGeom>
+          <a:solidFill>
+            <a:schemeClr val="accent2">
+              <a:lumMod val="40000"/>
+              <a:lumOff val="60000"/>
+            </a:schemeClr>
+          </a:solidFill>
+          <a:ln>
+            <a:solidFill>
+              <a:schemeClr val="accent2">
+                <a:lumMod val="40000"/>
+                <a:lumOff val="60000"/>
+              </a:schemeClr>
+            </a:solidFill>
+          </a:ln>
+        </p:spPr>
+        <p:style>
+          <a:lnRef idx="2">
+            <a:schemeClr val="accent1">
+              <a:shade val="50000"/>
+            </a:schemeClr>
+          </a:lnRef>
+          <a:fillRef idx="1">
+            <a:schemeClr val="accent1"/>
+          </a:fillRef>
+          <a:effectRef idx="0">
+            <a:schemeClr val="accent1"/>
+          </a:effectRef>
+          <a:fontRef idx="minor">
+            <a:schemeClr val="lt1"/>
+          </a:fontRef>
+        </p:style>
+        <p:txBody>
+          <a:bodyPr lIns="0" tIns="0" rIns="0" bIns="0" rtlCol="0" anchor="ctr"/>
+          <a:lstStyle/>
+          <a:p>
+            <a:pPr algn="ctr"/>
+            <a:r>
+              <a:rPr lang="en-GB" sz="1200" dirty="0">
+                <a:solidFill>
+                  <a:srgbClr val="002060"/>
+                </a:solidFill>
+              </a:rPr>
+              <a:t>P</a:t>
+            </a:r>
+            <a:r>
+              <a:rPr lang="en-GB" sz="1200" dirty="0" smtClean="0">
+                <a:solidFill>
+                  <a:srgbClr val="002060"/>
+                </a:solidFill>
+              </a:rPr>
+              <a:t>T</a:t>
+            </a:r>
+            <a:endParaRPr lang="en-GB" sz="1200" dirty="0">
               <a:solidFill>
-                <a:srgbClr val="0070C0"/>
+                <a:srgbClr val="002060"/>
               </a:solidFill>
-            </a:ln>
-          </p:spPr>
-          <p:style>
-            <a:lnRef idx="2">
-              <a:schemeClr val="accent1">
-                <a:shade val="50000"/>
-              </a:schemeClr>
-            </a:lnRef>
-            <a:fillRef idx="1">
-              <a:schemeClr val="accent1"/>
-            </a:fillRef>
-            <a:effectRef idx="0">
-              <a:schemeClr val="accent1"/>
-            </a:effectRef>
-            <a:fontRef idx="minor">
-              <a:schemeClr val="lt1"/>
-            </a:fontRef>
-          </p:style>
-          <p:txBody>
-            <a:bodyPr rtlCol="0" anchor="ctr"/>
-            <a:lstStyle/>
-            <a:p>
-              <a:pPr algn="ctr"/>
-              <a:endParaRPr lang="en-GB"/>
-            </a:p>
-          </p:txBody>
-        </p:sp>
-        <p:sp>
-          <p:nvSpPr>
-            <p:cNvPr id="351" name="Rectangle 350"/>
-            <p:cNvSpPr/>
-            <p:nvPr/>
-          </p:nvSpPr>
-          <p:spPr>
-            <a:xfrm>
-              <a:off x="2788948" y="1591577"/>
-              <a:ext cx="183641" cy="45719"/>
-            </a:xfrm>
-            <a:prstGeom prst="rect">
-              <a:avLst/>
-            </a:prstGeom>
-            <a:grpFill/>
-            <a:ln>
-              <a:noFill/>
-            </a:ln>
-          </p:spPr>
-          <p:style>
-            <a:lnRef idx="2">
-              <a:schemeClr val="accent1">
-                <a:shade val="50000"/>
-              </a:schemeClr>
-            </a:lnRef>
-            <a:fillRef idx="1">
-              <a:schemeClr val="accent1"/>
-            </a:fillRef>
-            <a:effectRef idx="0">
-              <a:schemeClr val="accent1"/>
-            </a:effectRef>
-            <a:fontRef idx="minor">
-              <a:schemeClr val="lt1"/>
-            </a:fontRef>
-          </p:style>
-          <p:txBody>
-            <a:bodyPr rtlCol="0" anchor="ctr"/>
-            <a:lstStyle/>
-            <a:p>
-              <a:pPr algn="ctr"/>
-              <a:endParaRPr lang="en-GB"/>
-            </a:p>
-          </p:txBody>
-        </p:sp>
-      </p:grpSp>
+            </a:endParaRPr>
+          </a:p>
+        </p:txBody>
+      </p:sp>
+      <p:sp>
+        <p:nvSpPr>
+          <p:cNvPr id="140" name="Rounded Rectangle 139"/>
+          <p:cNvSpPr/>
+          <p:nvPr/>
+        </p:nvSpPr>
+        <p:spPr>
+          <a:xfrm>
+            <a:off x="5604855" y="2492080"/>
+            <a:ext cx="410431" cy="144017"/>
+          </a:xfrm>
+          <a:prstGeom prst="roundRect">
+            <a:avLst/>
+          </a:prstGeom>
+          <a:solidFill>
+            <a:srgbClr val="BADDEE"/>
+          </a:solidFill>
+          <a:ln>
+            <a:solidFill>
+              <a:srgbClr val="BADDEE"/>
+            </a:solidFill>
+          </a:ln>
+          <a:effectLst>
+            <a:outerShdw blurRad="44450" dist="27940" dir="5400000" algn="ctr">
+              <a:srgbClr val="000000">
+                <a:alpha val="32000"/>
+              </a:srgbClr>
+            </a:outerShdw>
+          </a:effectLst>
+          <a:scene3d>
+            <a:camera prst="orthographicFront">
+              <a:rot lat="0" lon="0" rev="0"/>
+            </a:camera>
+            <a:lightRig rig="balanced" dir="t">
+              <a:rot lat="0" lon="0" rev="8700000"/>
+            </a:lightRig>
+          </a:scene3d>
+          <a:sp3d>
+            <a:bevelT w="190500" h="38100"/>
+          </a:sp3d>
+        </p:spPr>
+        <p:style>
+          <a:lnRef idx="2">
+            <a:schemeClr val="accent1">
+              <a:shade val="50000"/>
+            </a:schemeClr>
+          </a:lnRef>
+          <a:fillRef idx="1">
+            <a:schemeClr val="accent1"/>
+          </a:fillRef>
+          <a:effectRef idx="0">
+            <a:schemeClr val="accent1"/>
+          </a:effectRef>
+          <a:fontRef idx="minor">
+            <a:schemeClr val="lt1"/>
+          </a:fontRef>
+        </p:style>
+        <p:txBody>
+          <a:bodyPr lIns="0" tIns="0" rIns="0" bIns="0" rtlCol="0" anchor="ctr"/>
+          <a:lstStyle/>
+          <a:p>
+            <a:pPr algn="ctr"/>
+            <a:r>
+              <a:rPr lang="en-US" sz="1050" b="1" dirty="0" err="1" smtClean="0">
+                <a:solidFill>
+                  <a:srgbClr val="00335F"/>
+                </a:solidFill>
+              </a:rPr>
+              <a:t>aaa</a:t>
+            </a:r>
+            <a:endParaRPr lang="en-US" sz="1050" b="1" dirty="0" smtClean="0">
+              <a:solidFill>
+                <a:srgbClr val="00335F"/>
+              </a:solidFill>
+            </a:endParaRPr>
+          </a:p>
+        </p:txBody>
+      </p:sp>
     </p:spTree>
     <p:extLst>
       <p:ext uri="{BB962C8B-B14F-4D97-AF65-F5344CB8AC3E}">

--- a/files/openEHR_diagrams_sources.pptx
+++ b/files/openEHR_diagrams_sources.pptx
@@ -317,7 +317,7 @@
             <a:fld id="{C17C92CA-27BA-48D5-B9B9-4E9A3862C39B}" type="datetimeFigureOut">
               <a:rPr lang="en-US" smtClean="0"/>
               <a:pPr/>
-              <a:t>12/6/2014</a:t>
+              <a:t>12/12/2014</a:t>
             </a:fld>
             <a:endParaRPr lang="en-US"/>
           </a:p>
@@ -484,7 +484,7 @@
             <a:fld id="{C17C92CA-27BA-48D5-B9B9-4E9A3862C39B}" type="datetimeFigureOut">
               <a:rPr lang="en-US" smtClean="0"/>
               <a:pPr/>
-              <a:t>12/6/2014</a:t>
+              <a:t>12/12/2014</a:t>
             </a:fld>
             <a:endParaRPr lang="en-US"/>
           </a:p>
@@ -661,7 +661,7 @@
             <a:fld id="{C17C92CA-27BA-48D5-B9B9-4E9A3862C39B}" type="datetimeFigureOut">
               <a:rPr lang="en-US" smtClean="0"/>
               <a:pPr/>
-              <a:t>12/6/2014</a:t>
+              <a:t>12/12/2014</a:t>
             </a:fld>
             <a:endParaRPr lang="en-US"/>
           </a:p>
@@ -828,7 +828,7 @@
             <a:fld id="{C17C92CA-27BA-48D5-B9B9-4E9A3862C39B}" type="datetimeFigureOut">
               <a:rPr lang="en-US" smtClean="0"/>
               <a:pPr/>
-              <a:t>12/6/2014</a:t>
+              <a:t>12/12/2014</a:t>
             </a:fld>
             <a:endParaRPr lang="en-US"/>
           </a:p>
@@ -1071,7 +1071,7 @@
             <a:fld id="{C17C92CA-27BA-48D5-B9B9-4E9A3862C39B}" type="datetimeFigureOut">
               <a:rPr lang="en-US" smtClean="0"/>
               <a:pPr/>
-              <a:t>12/6/2014</a:t>
+              <a:t>12/12/2014</a:t>
             </a:fld>
             <a:endParaRPr lang="en-US"/>
           </a:p>
@@ -1356,7 +1356,7 @@
             <a:fld id="{C17C92CA-27BA-48D5-B9B9-4E9A3862C39B}" type="datetimeFigureOut">
               <a:rPr lang="en-US" smtClean="0"/>
               <a:pPr/>
-              <a:t>12/6/2014</a:t>
+              <a:t>12/12/2014</a:t>
             </a:fld>
             <a:endParaRPr lang="en-US"/>
           </a:p>
@@ -1775,7 +1775,7 @@
             <a:fld id="{C17C92CA-27BA-48D5-B9B9-4E9A3862C39B}" type="datetimeFigureOut">
               <a:rPr lang="en-US" smtClean="0"/>
               <a:pPr/>
-              <a:t>12/6/2014</a:t>
+              <a:t>12/12/2014</a:t>
             </a:fld>
             <a:endParaRPr lang="en-US"/>
           </a:p>
@@ -1890,7 +1890,7 @@
             <a:fld id="{C17C92CA-27BA-48D5-B9B9-4E9A3862C39B}" type="datetimeFigureOut">
               <a:rPr lang="en-US" smtClean="0"/>
               <a:pPr/>
-              <a:t>12/6/2014</a:t>
+              <a:t>12/12/2014</a:t>
             </a:fld>
             <a:endParaRPr lang="en-US"/>
           </a:p>
@@ -1982,7 +1982,7 @@
             <a:fld id="{C17C92CA-27BA-48D5-B9B9-4E9A3862C39B}" type="datetimeFigureOut">
               <a:rPr lang="en-US" smtClean="0"/>
               <a:pPr/>
-              <a:t>12/6/2014</a:t>
+              <a:t>12/12/2014</a:t>
             </a:fld>
             <a:endParaRPr lang="en-US"/>
           </a:p>
@@ -2256,7 +2256,7 @@
             <a:fld id="{C17C92CA-27BA-48D5-B9B9-4E9A3862C39B}" type="datetimeFigureOut">
               <a:rPr lang="en-US" smtClean="0"/>
               <a:pPr/>
-              <a:t>12/6/2014</a:t>
+              <a:t>12/12/2014</a:t>
             </a:fld>
             <a:endParaRPr lang="en-US"/>
           </a:p>
@@ -2506,7 +2506,7 @@
             <a:fld id="{C17C92CA-27BA-48D5-B9B9-4E9A3862C39B}" type="datetimeFigureOut">
               <a:rPr lang="en-US" smtClean="0"/>
               <a:pPr/>
-              <a:t>12/6/2014</a:t>
+              <a:t>12/12/2014</a:t>
             </a:fld>
             <a:endParaRPr lang="en-US"/>
           </a:p>
@@ -2716,7 +2716,7 @@
             <a:fld id="{C17C92CA-27BA-48D5-B9B9-4E9A3862C39B}" type="datetimeFigureOut">
               <a:rPr lang="en-US" smtClean="0"/>
               <a:pPr/>
-              <a:t>12/6/2014</a:t>
+              <a:t>12/12/2014</a:t>
             </a:fld>
             <a:endParaRPr lang="en-US"/>
           </a:p>
@@ -26675,8 +26675,8 @@
         </p:nvSpPr>
         <p:spPr>
           <a:xfrm>
-            <a:off x="2123729" y="908597"/>
-            <a:ext cx="2735106" cy="876762"/>
+            <a:off x="417052" y="1182076"/>
+            <a:ext cx="1985008" cy="4590083"/>
           </a:xfrm>
           <a:prstGeom prst="roundRect">
             <a:avLst/>
@@ -26723,7 +26723,7 @@
           </a:fontRef>
         </p:style>
         <p:txBody>
-          <a:bodyPr rtlCol="0" anchor="ctr"/>
+          <a:bodyPr rtlCol="0" anchor="t" anchorCtr="0"/>
           <a:lstStyle/>
           <a:p>
             <a:pPr algn="ctr"/>
@@ -26744,7 +26744,38 @@
                   <a:srgbClr val="00335F"/>
                 </a:solidFill>
               </a:rPr>
-              <a:t>Committee (SEC)</a:t>
+              <a:t>Committee </a:t>
+            </a:r>
+            <a:r>
+              <a:rPr lang="en-US" b="1" dirty="0" smtClean="0">
+                <a:solidFill>
+                  <a:srgbClr val="00335F"/>
+                </a:solidFill>
+              </a:rPr>
+              <a:t/>
+            </a:r>
+            <a:br>
+              <a:rPr lang="en-US" b="1" dirty="0" smtClean="0">
+                <a:solidFill>
+                  <a:srgbClr val="00335F"/>
+                </a:solidFill>
+              </a:rPr>
+            </a:br>
+            <a:r>
+              <a:rPr lang="en-US" b="1" dirty="0" smtClean="0">
+                <a:solidFill>
+                  <a:srgbClr val="00335F"/>
+                </a:solidFill>
+              </a:rPr>
+              <a:t>(</a:t>
+            </a:r>
+            <a:r>
+              <a:rPr lang="en-US" b="1" dirty="0" smtClean="0">
+                <a:solidFill>
+                  <a:srgbClr val="00335F"/>
+                </a:solidFill>
+              </a:rPr>
+              <a:t>SEC)</a:t>
             </a:r>
           </a:p>
         </p:txBody>
@@ -26757,7 +26788,7 @@
         </p:nvSpPr>
         <p:spPr>
           <a:xfrm>
-            <a:off x="2843808" y="5857294"/>
+            <a:off x="3200182" y="5214282"/>
             <a:ext cx="2016224" cy="468052"/>
           </a:xfrm>
           <a:prstGeom prst="roundRect">
@@ -26847,7 +26878,11 @@
             <a:pPr algn="ctr"/>
             <a:r>
               <a:rPr lang="en-US" sz="2400" dirty="0" smtClean="0"/>
-              <a:t>Specification Program</a:t>
+              <a:t>Specification </a:t>
+            </a:r>
+            <a:r>
+              <a:rPr lang="en-US" sz="2400" dirty="0" smtClean="0"/>
+              <a:t>Program</a:t>
             </a:r>
             <a:endParaRPr lang="en-US" sz="2400" dirty="0"/>
           </a:p>
@@ -26861,7 +26896,7 @@
         </p:nvSpPr>
         <p:spPr>
           <a:xfrm>
-            <a:off x="5950261" y="987750"/>
+            <a:off x="6325462" y="4909698"/>
             <a:ext cx="2507882" cy="1762021"/>
           </a:xfrm>
           <a:prstGeom prst="rect">
@@ -26904,11 +26939,7 @@
             </a:pPr>
             <a:r>
               <a:rPr lang="en-US" sz="1600" dirty="0" smtClean="0"/>
-              <a:t>= Other </a:t>
-            </a:r>
-            <a:r>
-              <a:rPr lang="en-US" sz="1600" dirty="0" smtClean="0"/>
-              <a:t>member</a:t>
+              <a:t>= Other member</a:t>
             </a:r>
           </a:p>
           <a:p>
@@ -26943,7 +26974,6 @@
               <a:rPr lang="en-US" sz="1600" dirty="0" smtClean="0"/>
               <a:t>= Specifications Component</a:t>
             </a:r>
-            <a:endParaRPr lang="en-US" sz="1600" dirty="0" smtClean="0"/>
           </a:p>
         </p:txBody>
       </p:sp>
@@ -26955,7 +26985,7 @@
         </p:nvSpPr>
         <p:spPr>
           <a:xfrm>
-            <a:off x="2843808" y="5299232"/>
+            <a:off x="3200182" y="4656220"/>
             <a:ext cx="2016224" cy="468052"/>
           </a:xfrm>
           <a:prstGeom prst="roundRect">
@@ -27028,7 +27058,7 @@
         </p:nvSpPr>
         <p:spPr>
           <a:xfrm>
-            <a:off x="2843808" y="4738139"/>
+            <a:off x="3200182" y="4095127"/>
             <a:ext cx="2016224" cy="468052"/>
           </a:xfrm>
           <a:prstGeom prst="roundRect">
@@ -27101,7 +27131,7 @@
         </p:nvSpPr>
         <p:spPr>
           <a:xfrm>
-            <a:off x="2843808" y="3605554"/>
+            <a:off x="3200182" y="2962542"/>
             <a:ext cx="2016224" cy="468052"/>
           </a:xfrm>
           <a:prstGeom prst="roundRect">
@@ -27174,7 +27204,7 @@
         </p:nvSpPr>
         <p:spPr>
           <a:xfrm>
-            <a:off x="2843808" y="3047492"/>
+            <a:off x="3200182" y="2404480"/>
             <a:ext cx="2016224" cy="468052"/>
           </a:xfrm>
           <a:prstGeom prst="roundRect">
@@ -27247,7 +27277,7 @@
         </p:nvSpPr>
         <p:spPr>
           <a:xfrm>
-            <a:off x="2843808" y="4180078"/>
+            <a:off x="3200182" y="3537066"/>
             <a:ext cx="2016224" cy="468052"/>
           </a:xfrm>
           <a:prstGeom prst="roundRect">
@@ -27320,7 +27350,7 @@
         </p:nvSpPr>
         <p:spPr>
           <a:xfrm>
-            <a:off x="2843808" y="1928338"/>
+            <a:off x="3200182" y="1285326"/>
             <a:ext cx="2016224" cy="468052"/>
           </a:xfrm>
           <a:prstGeom prst="roundRect">
@@ -27393,7 +27423,7 @@
         </p:nvSpPr>
         <p:spPr>
           <a:xfrm>
-            <a:off x="2843808" y="2487915"/>
+            <a:off x="3200182" y="1844903"/>
             <a:ext cx="2016224" cy="468052"/>
           </a:xfrm>
           <a:prstGeom prst="roundRect">
@@ -27466,13 +27496,13 @@
         </p:nvGrpSpPr>
         <p:grpSpPr>
           <a:xfrm>
-            <a:off x="1751714" y="921127"/>
+            <a:off x="771409" y="3579140"/>
             <a:ext cx="216024" cy="382265"/>
             <a:chOff x="2771800" y="1369443"/>
             <a:chExt cx="216024" cy="382265"/>
           </a:xfrm>
           <a:solidFill>
-            <a:srgbClr val="EDC87A"/>
+            <a:srgbClr val="FFFF00"/>
           </a:solidFill>
         </p:grpSpPr>
         <p:sp>
@@ -27666,13 +27696,13 @@
         </p:nvGrpSpPr>
         <p:grpSpPr>
           <a:xfrm>
-            <a:off x="1748019" y="1393402"/>
+            <a:off x="783797" y="3037763"/>
             <a:ext cx="216024" cy="382265"/>
             <a:chOff x="2771800" y="1369443"/>
             <a:chExt cx="216024" cy="382265"/>
           </a:xfrm>
           <a:solidFill>
-            <a:srgbClr val="EDC87A"/>
+            <a:srgbClr val="FFFF00"/>
           </a:solidFill>
         </p:grpSpPr>
         <p:sp>
@@ -27866,13 +27896,13 @@
         </p:nvGrpSpPr>
         <p:grpSpPr>
           <a:xfrm>
-            <a:off x="1765071" y="4230885"/>
+            <a:off x="2121445" y="3587873"/>
             <a:ext cx="216024" cy="382265"/>
             <a:chOff x="2771800" y="1369443"/>
             <a:chExt cx="216024" cy="382265"/>
           </a:xfrm>
           <a:solidFill>
-            <a:srgbClr val="94C9E4"/>
+            <a:srgbClr val="00B0F0"/>
           </a:solidFill>
         </p:grpSpPr>
         <p:sp>
@@ -28066,13 +28096,13 @@
         </p:nvGrpSpPr>
         <p:grpSpPr>
           <a:xfrm>
-            <a:off x="1765071" y="4746053"/>
+            <a:off x="2121445" y="4103041"/>
             <a:ext cx="216024" cy="382265"/>
             <a:chOff x="2771800" y="1369443"/>
             <a:chExt cx="216024" cy="382265"/>
           </a:xfrm>
           <a:solidFill>
-            <a:srgbClr val="94C9E4"/>
+            <a:srgbClr val="00B0F0"/>
           </a:solidFill>
         </p:grpSpPr>
         <p:sp>
@@ -28266,13 +28296,13 @@
         </p:nvGrpSpPr>
         <p:grpSpPr>
           <a:xfrm>
-            <a:off x="1765071" y="5335044"/>
+            <a:off x="2121445" y="4692032"/>
             <a:ext cx="216024" cy="382265"/>
             <a:chOff x="2771800" y="1369443"/>
             <a:chExt cx="216024" cy="382265"/>
           </a:xfrm>
           <a:solidFill>
-            <a:srgbClr val="94C9E4"/>
+            <a:srgbClr val="00B0F0"/>
           </a:solidFill>
         </p:grpSpPr>
         <p:sp>
@@ -28466,13 +28496,13 @@
         </p:nvGrpSpPr>
         <p:grpSpPr>
           <a:xfrm>
-            <a:off x="1765071" y="5850212"/>
+            <a:off x="2121445" y="5207200"/>
             <a:ext cx="216024" cy="382265"/>
             <a:chOff x="2771800" y="1369443"/>
             <a:chExt cx="216024" cy="382265"/>
           </a:xfrm>
           <a:solidFill>
-            <a:srgbClr val="94C9E4"/>
+            <a:srgbClr val="00B0F0"/>
           </a:solidFill>
         </p:grpSpPr>
         <p:sp>
@@ -28666,13 +28696,13 @@
         </p:nvGrpSpPr>
         <p:grpSpPr>
           <a:xfrm>
-            <a:off x="1771308" y="2002157"/>
+            <a:off x="2127682" y="1359145"/>
             <a:ext cx="216024" cy="382265"/>
             <a:chOff x="2771800" y="1369443"/>
             <a:chExt cx="216024" cy="382265"/>
           </a:xfrm>
           <a:solidFill>
-            <a:srgbClr val="94C9E4"/>
+            <a:srgbClr val="00B0F0"/>
           </a:solidFill>
         </p:grpSpPr>
         <p:sp>
@@ -28866,13 +28896,13 @@
         </p:nvGrpSpPr>
         <p:grpSpPr>
           <a:xfrm>
-            <a:off x="1771308" y="2517325"/>
+            <a:off x="2127682" y="1874313"/>
             <a:ext cx="216024" cy="382265"/>
             <a:chOff x="2771800" y="1369443"/>
             <a:chExt cx="216024" cy="382265"/>
           </a:xfrm>
           <a:solidFill>
-            <a:srgbClr val="94C9E4"/>
+            <a:srgbClr val="00B0F0"/>
           </a:solidFill>
         </p:grpSpPr>
         <p:sp>
@@ -29066,13 +29096,13 @@
         </p:nvGrpSpPr>
         <p:grpSpPr>
           <a:xfrm>
-            <a:off x="1771308" y="3106316"/>
+            <a:off x="2127682" y="2463304"/>
             <a:ext cx="216024" cy="382265"/>
             <a:chOff x="2771800" y="1369443"/>
             <a:chExt cx="216024" cy="382265"/>
           </a:xfrm>
           <a:solidFill>
-            <a:srgbClr val="94C9E4"/>
+            <a:srgbClr val="00B0F0"/>
           </a:solidFill>
         </p:grpSpPr>
         <p:sp>
@@ -29266,13 +29296,13 @@
         </p:nvGrpSpPr>
         <p:grpSpPr>
           <a:xfrm>
-            <a:off x="1771308" y="3621484"/>
+            <a:off x="2127682" y="2978472"/>
             <a:ext cx="216024" cy="382265"/>
             <a:chOff x="2771800" y="1369443"/>
             <a:chExt cx="216024" cy="382265"/>
           </a:xfrm>
           <a:solidFill>
-            <a:srgbClr val="94C9E4"/>
+            <a:srgbClr val="00B0F0"/>
           </a:solidFill>
         </p:grpSpPr>
         <p:sp>
@@ -29466,15 +29496,13 @@
         </p:nvGrpSpPr>
         <p:grpSpPr>
           <a:xfrm>
-            <a:off x="1460400" y="924859"/>
+            <a:off x="1554157" y="3351213"/>
             <a:ext cx="216024" cy="382265"/>
             <a:chOff x="2771800" y="1369443"/>
             <a:chExt cx="216024" cy="382265"/>
           </a:xfrm>
           <a:solidFill>
-            <a:schemeClr val="bg1">
-              <a:lumMod val="85000"/>
-            </a:schemeClr>
+            <a:srgbClr val="94C9E4"/>
           </a:solidFill>
         </p:grpSpPr>
         <p:sp>
@@ -29668,15 +29696,13 @@
         </p:nvGrpSpPr>
         <p:grpSpPr>
           <a:xfrm>
-            <a:off x="1456705" y="1397134"/>
+            <a:off x="1550462" y="3823488"/>
             <a:ext cx="216024" cy="382265"/>
             <a:chOff x="2771800" y="1369443"/>
             <a:chExt cx="216024" cy="382265"/>
           </a:xfrm>
           <a:solidFill>
-            <a:schemeClr val="bg1">
-              <a:lumMod val="85000"/>
-            </a:schemeClr>
+            <a:srgbClr val="94C9E4"/>
           </a:solidFill>
         </p:grpSpPr>
         <p:sp>
@@ -29870,15 +29896,13 @@
         </p:nvGrpSpPr>
         <p:grpSpPr>
           <a:xfrm>
-            <a:off x="1185821" y="929760"/>
+            <a:off x="1279578" y="3356114"/>
             <a:ext cx="216024" cy="382265"/>
             <a:chOff x="2771800" y="1369443"/>
             <a:chExt cx="216024" cy="382265"/>
           </a:xfrm>
           <a:solidFill>
-            <a:schemeClr val="bg1">
-              <a:lumMod val="85000"/>
-            </a:schemeClr>
+            <a:srgbClr val="94C9E4"/>
           </a:solidFill>
         </p:grpSpPr>
         <p:sp>
@@ -30072,15 +30096,13 @@
         </p:nvGrpSpPr>
         <p:grpSpPr>
           <a:xfrm>
-            <a:off x="1182126" y="1402035"/>
+            <a:off x="1275883" y="3828389"/>
             <a:ext cx="216024" cy="382265"/>
             <a:chOff x="2771800" y="1369443"/>
             <a:chExt cx="216024" cy="382265"/>
           </a:xfrm>
           <a:solidFill>
-            <a:schemeClr val="bg1">
-              <a:lumMod val="85000"/>
-            </a:schemeClr>
+            <a:srgbClr val="94C9E4"/>
           </a:solidFill>
         </p:grpSpPr>
         <p:sp>
@@ -30274,15 +30296,13 @@
         </p:nvGrpSpPr>
         <p:grpSpPr>
           <a:xfrm>
-            <a:off x="900903" y="921127"/>
+            <a:off x="1583341" y="4414887"/>
             <a:ext cx="216024" cy="382265"/>
             <a:chOff x="2771800" y="1369443"/>
             <a:chExt cx="216024" cy="382265"/>
           </a:xfrm>
           <a:solidFill>
-            <a:schemeClr val="bg1">
-              <a:lumMod val="85000"/>
-            </a:schemeClr>
+            <a:srgbClr val="94C9E4"/>
           </a:solidFill>
         </p:grpSpPr>
         <p:sp>
@@ -30476,15 +30496,13 @@
         </p:nvGrpSpPr>
         <p:grpSpPr>
           <a:xfrm>
-            <a:off x="897208" y="1393402"/>
+            <a:off x="1287995" y="4404277"/>
             <a:ext cx="216024" cy="382265"/>
             <a:chOff x="2771800" y="1369443"/>
             <a:chExt cx="216024" cy="382265"/>
           </a:xfrm>
           <a:solidFill>
-            <a:schemeClr val="bg1">
-              <a:lumMod val="85000"/>
-            </a:schemeClr>
+            <a:srgbClr val="94C9E4"/>
           </a:solidFill>
         </p:grpSpPr>
         <p:sp>
@@ -30672,27 +30690,24 @@
       </p:grpSp>
       <p:grpSp>
         <p:nvGrpSpPr>
-          <p:cNvPr id="322" name="Group 321"/>
+          <p:cNvPr id="332" name="Group 331"/>
           <p:cNvGrpSpPr/>
           <p:nvPr/>
         </p:nvGrpSpPr>
         <p:grpSpPr>
           <a:xfrm>
-            <a:off x="615255" y="924997"/>
-            <a:ext cx="216024" cy="382265"/>
+            <a:off x="6185671" y="4934913"/>
+            <a:ext cx="138283" cy="244699"/>
             <a:chOff x="2771800" y="1369443"/>
             <a:chExt cx="216024" cy="382265"/>
           </a:xfrm>
           <a:solidFill>
-            <a:schemeClr val="accent3">
-              <a:lumMod val="40000"/>
-              <a:lumOff val="60000"/>
-            </a:schemeClr>
+            <a:srgbClr val="FFFF00"/>
           </a:solidFill>
         </p:grpSpPr>
         <p:sp>
           <p:nvSpPr>
-            <p:cNvPr id="323" name="Oval 322"/>
+            <p:cNvPr id="333" name="Oval 332"/>
             <p:cNvSpPr/>
             <p:nvPr/>
           </p:nvSpPr>
@@ -30738,7 +30753,7 @@
         </p:sp>
         <p:sp>
           <p:nvSpPr>
-            <p:cNvPr id="324" name="Oval 323"/>
+            <p:cNvPr id="334" name="Oval 333"/>
             <p:cNvSpPr/>
             <p:nvPr/>
           </p:nvSpPr>
@@ -30784,7 +30799,7 @@
         </p:sp>
         <p:sp>
           <p:nvSpPr>
-            <p:cNvPr id="325" name="Rectangle 324"/>
+            <p:cNvPr id="335" name="Rectangle 334"/>
             <p:cNvSpPr/>
             <p:nvPr/>
           </p:nvSpPr>
@@ -30830,7 +30845,7 @@
         </p:sp>
         <p:sp>
           <p:nvSpPr>
-            <p:cNvPr id="326" name="Rectangle 325"/>
+            <p:cNvPr id="336" name="Rectangle 335"/>
             <p:cNvSpPr/>
             <p:nvPr/>
           </p:nvSpPr>
@@ -30875,27 +30890,24 @@
       </p:grpSp>
       <p:grpSp>
         <p:nvGrpSpPr>
-          <p:cNvPr id="327" name="Group 326"/>
+          <p:cNvPr id="337" name="Group 336"/>
           <p:cNvGrpSpPr/>
           <p:nvPr/>
         </p:nvGrpSpPr>
         <p:grpSpPr>
           <a:xfrm>
-            <a:off x="611560" y="1397272"/>
-            <a:ext cx="216024" cy="382265"/>
+            <a:off x="6191863" y="5218525"/>
+            <a:ext cx="125898" cy="272533"/>
             <a:chOff x="2771800" y="1369443"/>
             <a:chExt cx="216024" cy="382265"/>
           </a:xfrm>
           <a:solidFill>
-            <a:schemeClr val="accent3">
-              <a:lumMod val="40000"/>
-              <a:lumOff val="60000"/>
-            </a:schemeClr>
+            <a:srgbClr val="00B0F0"/>
           </a:solidFill>
         </p:grpSpPr>
         <p:sp>
           <p:nvSpPr>
-            <p:cNvPr id="328" name="Oval 327"/>
+            <p:cNvPr id="338" name="Oval 337"/>
             <p:cNvSpPr/>
             <p:nvPr/>
           </p:nvSpPr>
@@ -30941,7 +30953,7 @@
         </p:sp>
         <p:sp>
           <p:nvSpPr>
-            <p:cNvPr id="329" name="Oval 328"/>
+            <p:cNvPr id="339" name="Oval 338"/>
             <p:cNvSpPr/>
             <p:nvPr/>
           </p:nvSpPr>
@@ -30987,7 +30999,7 @@
         </p:sp>
         <p:sp>
           <p:nvSpPr>
-            <p:cNvPr id="330" name="Rectangle 329"/>
+            <p:cNvPr id="340" name="Rectangle 339"/>
             <p:cNvSpPr/>
             <p:nvPr/>
           </p:nvSpPr>
@@ -31033,7 +31045,7 @@
         </p:sp>
         <p:sp>
           <p:nvSpPr>
-            <p:cNvPr id="331" name="Rectangle 330"/>
+            <p:cNvPr id="341" name="Rectangle 340"/>
             <p:cNvSpPr/>
             <p:nvPr/>
           </p:nvSpPr>
@@ -31078,620 +31090,203 @@
       </p:grpSp>
       <p:grpSp>
         <p:nvGrpSpPr>
-          <p:cNvPr id="24" name="Group 23"/>
+          <p:cNvPr id="127" name="Group 126"/>
           <p:cNvGrpSpPr/>
           <p:nvPr/>
         </p:nvGrpSpPr>
         <p:grpSpPr>
           <a:xfrm>
-            <a:off x="5810470" y="1012965"/>
-            <a:ext cx="138283" cy="827504"/>
-            <a:chOff x="7294414" y="1077704"/>
-            <a:chExt cx="138283" cy="827504"/>
-          </a:xfrm>
+            <a:off x="6185671" y="5517718"/>
+            <a:ext cx="138283" cy="244699"/>
+            <a:chOff x="2771800" y="1369443"/>
+            <a:chExt cx="216024" cy="382265"/>
+          </a:xfrm>
+          <a:solidFill>
+            <a:srgbClr val="94C9E4"/>
+          </a:solidFill>
         </p:grpSpPr>
-        <p:grpSp>
-          <p:nvGrpSpPr>
-            <p:cNvPr id="332" name="Group 331"/>
-            <p:cNvGrpSpPr/>
+        <p:sp>
+          <p:nvSpPr>
+            <p:cNvPr id="128" name="Oval 127"/>
+            <p:cNvSpPr/>
             <p:nvPr/>
-          </p:nvGrpSpPr>
-          <p:grpSpPr>
+          </p:nvSpPr>
+          <p:spPr>
             <a:xfrm>
-              <a:off x="7294414" y="1077704"/>
-              <a:ext cx="138283" cy="244699"/>
-              <a:chOff x="2771800" y="1369443"/>
-              <a:chExt cx="216024" cy="382265"/>
+              <a:off x="2807804" y="1369443"/>
+              <a:ext cx="144016" cy="144016"/>
             </a:xfrm>
-            <a:solidFill>
-              <a:srgbClr val="EDC87A"/>
-            </a:solidFill>
-          </p:grpSpPr>
-          <p:sp>
-            <p:nvSpPr>
-              <p:cNvPr id="333" name="Oval 332"/>
-              <p:cNvSpPr/>
-              <p:nvPr/>
-            </p:nvSpPr>
-            <p:spPr>
-              <a:xfrm>
-                <a:off x="2807804" y="1369443"/>
-                <a:ext cx="144016" cy="144016"/>
-              </a:xfrm>
-              <a:prstGeom prst="ellipse">
-                <a:avLst/>
-              </a:prstGeom>
-              <a:grpFill/>
-              <a:ln>
-                <a:solidFill>
-                  <a:srgbClr val="0070C0"/>
-                </a:solidFill>
-              </a:ln>
-            </p:spPr>
-            <p:style>
-              <a:lnRef idx="2">
-                <a:schemeClr val="accent1">
-                  <a:shade val="50000"/>
-                </a:schemeClr>
-              </a:lnRef>
-              <a:fillRef idx="1">
-                <a:schemeClr val="accent1"/>
-              </a:fillRef>
-              <a:effectRef idx="0">
-                <a:schemeClr val="accent1"/>
-              </a:effectRef>
-              <a:fontRef idx="minor">
-                <a:schemeClr val="lt1"/>
-              </a:fontRef>
-            </p:style>
-            <p:txBody>
-              <a:bodyPr rtlCol="0" anchor="ctr"/>
-              <a:lstStyle/>
-              <a:p>
-                <a:pPr algn="ctr"/>
-                <a:endParaRPr lang="en-GB"/>
-              </a:p>
-            </p:txBody>
-          </p:sp>
-          <p:sp>
-            <p:nvSpPr>
-              <p:cNvPr id="334" name="Oval 333"/>
-              <p:cNvSpPr/>
-              <p:nvPr/>
-            </p:nvSpPr>
-            <p:spPr>
-              <a:xfrm>
-                <a:off x="2771800" y="1535684"/>
-                <a:ext cx="216024" cy="144016"/>
-              </a:xfrm>
-              <a:prstGeom prst="ellipse">
-                <a:avLst/>
-              </a:prstGeom>
-              <a:grpFill/>
-              <a:ln>
-                <a:solidFill>
-                  <a:srgbClr val="0070C0"/>
-                </a:solidFill>
-              </a:ln>
-            </p:spPr>
-            <p:style>
-              <a:lnRef idx="2">
-                <a:schemeClr val="accent1">
-                  <a:shade val="50000"/>
-                </a:schemeClr>
-              </a:lnRef>
-              <a:fillRef idx="1">
-                <a:schemeClr val="accent1"/>
-              </a:fillRef>
-              <a:effectRef idx="0">
-                <a:schemeClr val="accent1"/>
-              </a:effectRef>
-              <a:fontRef idx="minor">
-                <a:schemeClr val="lt1"/>
-              </a:fontRef>
-            </p:style>
-            <p:txBody>
-              <a:bodyPr rtlCol="0" anchor="ctr"/>
-              <a:lstStyle/>
-              <a:p>
-                <a:pPr algn="ctr"/>
-                <a:endParaRPr lang="en-GB"/>
-              </a:p>
-            </p:txBody>
-          </p:sp>
-          <p:sp>
-            <p:nvSpPr>
-              <p:cNvPr id="335" name="Rectangle 334"/>
-              <p:cNvSpPr/>
-              <p:nvPr/>
-            </p:nvSpPr>
-            <p:spPr>
-              <a:xfrm>
-                <a:off x="2771800" y="1607692"/>
-                <a:ext cx="216024" cy="144016"/>
-              </a:xfrm>
-              <a:prstGeom prst="rect">
-                <a:avLst/>
-              </a:prstGeom>
-              <a:grpFill/>
-              <a:ln>
-                <a:solidFill>
-                  <a:srgbClr val="0070C0"/>
-                </a:solidFill>
-              </a:ln>
-            </p:spPr>
-            <p:style>
-              <a:lnRef idx="2">
-                <a:schemeClr val="accent1">
-                  <a:shade val="50000"/>
-                </a:schemeClr>
-              </a:lnRef>
-              <a:fillRef idx="1">
-                <a:schemeClr val="accent1"/>
-              </a:fillRef>
-              <a:effectRef idx="0">
-                <a:schemeClr val="accent1"/>
-              </a:effectRef>
-              <a:fontRef idx="minor">
-                <a:schemeClr val="lt1"/>
-              </a:fontRef>
-            </p:style>
-            <p:txBody>
-              <a:bodyPr rtlCol="0" anchor="ctr"/>
-              <a:lstStyle/>
-              <a:p>
-                <a:pPr algn="ctr"/>
-                <a:endParaRPr lang="en-GB"/>
-              </a:p>
-            </p:txBody>
-          </p:sp>
-          <p:sp>
-            <p:nvSpPr>
-              <p:cNvPr id="336" name="Rectangle 335"/>
-              <p:cNvSpPr/>
-              <p:nvPr/>
-            </p:nvSpPr>
-            <p:spPr>
-              <a:xfrm>
-                <a:off x="2788948" y="1591577"/>
-                <a:ext cx="183641" cy="45719"/>
-              </a:xfrm>
-              <a:prstGeom prst="rect">
-                <a:avLst/>
-              </a:prstGeom>
-              <a:grpFill/>
-              <a:ln>
-                <a:noFill/>
-              </a:ln>
-            </p:spPr>
-            <p:style>
-              <a:lnRef idx="2">
-                <a:schemeClr val="accent1">
-                  <a:shade val="50000"/>
-                </a:schemeClr>
-              </a:lnRef>
-              <a:fillRef idx="1">
-                <a:schemeClr val="accent1"/>
-              </a:fillRef>
-              <a:effectRef idx="0">
-                <a:schemeClr val="accent1"/>
-              </a:effectRef>
-              <a:fontRef idx="minor">
-                <a:schemeClr val="lt1"/>
-              </a:fontRef>
-            </p:style>
-            <p:txBody>
-              <a:bodyPr rtlCol="0" anchor="ctr"/>
-              <a:lstStyle/>
-              <a:p>
-                <a:pPr algn="ctr"/>
-                <a:endParaRPr lang="en-GB"/>
-              </a:p>
-            </p:txBody>
-          </p:sp>
-        </p:grpSp>
-        <p:grpSp>
-          <p:nvGrpSpPr>
-            <p:cNvPr id="337" name="Group 336"/>
-            <p:cNvGrpSpPr/>
+            <a:prstGeom prst="ellipse">
+              <a:avLst/>
+            </a:prstGeom>
+            <a:grpFill/>
+            <a:ln>
+              <a:solidFill>
+                <a:srgbClr val="0070C0"/>
+              </a:solidFill>
+            </a:ln>
+          </p:spPr>
+          <p:style>
+            <a:lnRef idx="2">
+              <a:schemeClr val="accent1">
+                <a:shade val="50000"/>
+              </a:schemeClr>
+            </a:lnRef>
+            <a:fillRef idx="1">
+              <a:schemeClr val="accent1"/>
+            </a:fillRef>
+            <a:effectRef idx="0">
+              <a:schemeClr val="accent1"/>
+            </a:effectRef>
+            <a:fontRef idx="minor">
+              <a:schemeClr val="lt1"/>
+            </a:fontRef>
+          </p:style>
+          <p:txBody>
+            <a:bodyPr rtlCol="0" anchor="ctr"/>
+            <a:lstStyle/>
+            <a:p>
+              <a:pPr algn="ctr"/>
+              <a:endParaRPr lang="en-GB"/>
+            </a:p>
+          </p:txBody>
+        </p:sp>
+        <p:sp>
+          <p:nvSpPr>
+            <p:cNvPr id="129" name="Oval 128"/>
+            <p:cNvSpPr/>
             <p:nvPr/>
-          </p:nvGrpSpPr>
-          <p:grpSpPr>
+          </p:nvSpPr>
+          <p:spPr>
             <a:xfrm>
-              <a:off x="7300606" y="1361316"/>
-              <a:ext cx="125898" cy="272533"/>
-              <a:chOff x="2771800" y="1369443"/>
-              <a:chExt cx="216024" cy="382265"/>
+              <a:off x="2771800" y="1535684"/>
+              <a:ext cx="216024" cy="144016"/>
             </a:xfrm>
-            <a:solidFill>
-              <a:srgbClr val="94C9E4"/>
-            </a:solidFill>
-          </p:grpSpPr>
-          <p:sp>
-            <p:nvSpPr>
-              <p:cNvPr id="338" name="Oval 337"/>
-              <p:cNvSpPr/>
-              <p:nvPr/>
-            </p:nvSpPr>
-            <p:spPr>
-              <a:xfrm>
-                <a:off x="2807804" y="1369443"/>
-                <a:ext cx="144016" cy="144016"/>
-              </a:xfrm>
-              <a:prstGeom prst="ellipse">
-                <a:avLst/>
-              </a:prstGeom>
-              <a:grpFill/>
-              <a:ln>
-                <a:solidFill>
-                  <a:srgbClr val="0070C0"/>
-                </a:solidFill>
-              </a:ln>
-            </p:spPr>
-            <p:style>
-              <a:lnRef idx="2">
-                <a:schemeClr val="accent1">
-                  <a:shade val="50000"/>
-                </a:schemeClr>
-              </a:lnRef>
-              <a:fillRef idx="1">
-                <a:schemeClr val="accent1"/>
-              </a:fillRef>
-              <a:effectRef idx="0">
-                <a:schemeClr val="accent1"/>
-              </a:effectRef>
-              <a:fontRef idx="minor">
-                <a:schemeClr val="lt1"/>
-              </a:fontRef>
-            </p:style>
-            <p:txBody>
-              <a:bodyPr rtlCol="0" anchor="ctr"/>
-              <a:lstStyle/>
-              <a:p>
-                <a:pPr algn="ctr"/>
-                <a:endParaRPr lang="en-GB"/>
-              </a:p>
-            </p:txBody>
-          </p:sp>
-          <p:sp>
-            <p:nvSpPr>
-              <p:cNvPr id="339" name="Oval 338"/>
-              <p:cNvSpPr/>
-              <p:nvPr/>
-            </p:nvSpPr>
-            <p:spPr>
-              <a:xfrm>
-                <a:off x="2771800" y="1535684"/>
-                <a:ext cx="216024" cy="144016"/>
-              </a:xfrm>
-              <a:prstGeom prst="ellipse">
-                <a:avLst/>
-              </a:prstGeom>
-              <a:grpFill/>
-              <a:ln>
-                <a:solidFill>
-                  <a:srgbClr val="0070C0"/>
-                </a:solidFill>
-              </a:ln>
-            </p:spPr>
-            <p:style>
-              <a:lnRef idx="2">
-                <a:schemeClr val="accent1">
-                  <a:shade val="50000"/>
-                </a:schemeClr>
-              </a:lnRef>
-              <a:fillRef idx="1">
-                <a:schemeClr val="accent1"/>
-              </a:fillRef>
-              <a:effectRef idx="0">
-                <a:schemeClr val="accent1"/>
-              </a:effectRef>
-              <a:fontRef idx="minor">
-                <a:schemeClr val="lt1"/>
-              </a:fontRef>
-            </p:style>
-            <p:txBody>
-              <a:bodyPr rtlCol="0" anchor="ctr"/>
-              <a:lstStyle/>
-              <a:p>
-                <a:pPr algn="ctr"/>
-                <a:endParaRPr lang="en-GB"/>
-              </a:p>
-            </p:txBody>
-          </p:sp>
-          <p:sp>
-            <p:nvSpPr>
-              <p:cNvPr id="340" name="Rectangle 339"/>
-              <p:cNvSpPr/>
-              <p:nvPr/>
-            </p:nvSpPr>
-            <p:spPr>
-              <a:xfrm>
-                <a:off x="2771800" y="1607692"/>
-                <a:ext cx="216024" cy="144016"/>
-              </a:xfrm>
-              <a:prstGeom prst="rect">
-                <a:avLst/>
-              </a:prstGeom>
-              <a:grpFill/>
-              <a:ln>
-                <a:solidFill>
-                  <a:srgbClr val="0070C0"/>
-                </a:solidFill>
-              </a:ln>
-            </p:spPr>
-            <p:style>
-              <a:lnRef idx="2">
-                <a:schemeClr val="accent1">
-                  <a:shade val="50000"/>
-                </a:schemeClr>
-              </a:lnRef>
-              <a:fillRef idx="1">
-                <a:schemeClr val="accent1"/>
-              </a:fillRef>
-              <a:effectRef idx="0">
-                <a:schemeClr val="accent1"/>
-              </a:effectRef>
-              <a:fontRef idx="minor">
-                <a:schemeClr val="lt1"/>
-              </a:fontRef>
-            </p:style>
-            <p:txBody>
-              <a:bodyPr rtlCol="0" anchor="ctr"/>
-              <a:lstStyle/>
-              <a:p>
-                <a:pPr algn="ctr"/>
-                <a:endParaRPr lang="en-GB"/>
-              </a:p>
-            </p:txBody>
-          </p:sp>
-          <p:sp>
-            <p:nvSpPr>
-              <p:cNvPr id="341" name="Rectangle 340"/>
-              <p:cNvSpPr/>
-              <p:nvPr/>
-            </p:nvSpPr>
-            <p:spPr>
-              <a:xfrm>
-                <a:off x="2788948" y="1591577"/>
-                <a:ext cx="183641" cy="45719"/>
-              </a:xfrm>
-              <a:prstGeom prst="rect">
-                <a:avLst/>
-              </a:prstGeom>
-              <a:grpFill/>
-              <a:ln>
-                <a:noFill/>
-              </a:ln>
-            </p:spPr>
-            <p:style>
-              <a:lnRef idx="2">
-                <a:schemeClr val="accent1">
-                  <a:shade val="50000"/>
-                </a:schemeClr>
-              </a:lnRef>
-              <a:fillRef idx="1">
-                <a:schemeClr val="accent1"/>
-              </a:fillRef>
-              <a:effectRef idx="0">
-                <a:schemeClr val="accent1"/>
-              </a:effectRef>
-              <a:fontRef idx="minor">
-                <a:schemeClr val="lt1"/>
-              </a:fontRef>
-            </p:style>
-            <p:txBody>
-              <a:bodyPr rtlCol="0" anchor="ctr"/>
-              <a:lstStyle/>
-              <a:p>
-                <a:pPr algn="ctr"/>
-                <a:endParaRPr lang="en-GB"/>
-              </a:p>
-            </p:txBody>
-          </p:sp>
-        </p:grpSp>
-        <p:grpSp>
-          <p:nvGrpSpPr>
-            <p:cNvPr id="127" name="Group 126"/>
-            <p:cNvGrpSpPr/>
+            <a:prstGeom prst="ellipse">
+              <a:avLst/>
+            </a:prstGeom>
+            <a:grpFill/>
+            <a:ln>
+              <a:solidFill>
+                <a:srgbClr val="0070C0"/>
+              </a:solidFill>
+            </a:ln>
+          </p:spPr>
+          <p:style>
+            <a:lnRef idx="2">
+              <a:schemeClr val="accent1">
+                <a:shade val="50000"/>
+              </a:schemeClr>
+            </a:lnRef>
+            <a:fillRef idx="1">
+              <a:schemeClr val="accent1"/>
+            </a:fillRef>
+            <a:effectRef idx="0">
+              <a:schemeClr val="accent1"/>
+            </a:effectRef>
+            <a:fontRef idx="minor">
+              <a:schemeClr val="lt1"/>
+            </a:fontRef>
+          </p:style>
+          <p:txBody>
+            <a:bodyPr rtlCol="0" anchor="ctr"/>
+            <a:lstStyle/>
+            <a:p>
+              <a:pPr algn="ctr"/>
+              <a:endParaRPr lang="en-GB"/>
+            </a:p>
+          </p:txBody>
+        </p:sp>
+        <p:sp>
+          <p:nvSpPr>
+            <p:cNvPr id="130" name="Rectangle 129"/>
+            <p:cNvSpPr/>
             <p:nvPr/>
-          </p:nvGrpSpPr>
-          <p:grpSpPr>
+          </p:nvSpPr>
+          <p:spPr>
             <a:xfrm>
-              <a:off x="7294414" y="1660509"/>
-              <a:ext cx="138283" cy="244699"/>
-              <a:chOff x="2771800" y="1369443"/>
-              <a:chExt cx="216024" cy="382265"/>
+              <a:off x="2771800" y="1607692"/>
+              <a:ext cx="216024" cy="144016"/>
             </a:xfrm>
-            <a:solidFill>
-              <a:schemeClr val="bg1">
-                <a:lumMod val="85000"/>
-              </a:schemeClr>
-            </a:solidFill>
-          </p:grpSpPr>
-          <p:sp>
-            <p:nvSpPr>
-              <p:cNvPr id="128" name="Oval 127"/>
-              <p:cNvSpPr/>
-              <p:nvPr/>
-            </p:nvSpPr>
-            <p:spPr>
-              <a:xfrm>
-                <a:off x="2807804" y="1369443"/>
-                <a:ext cx="144016" cy="144016"/>
-              </a:xfrm>
-              <a:prstGeom prst="ellipse">
-                <a:avLst/>
-              </a:prstGeom>
-              <a:grpFill/>
-              <a:ln>
-                <a:solidFill>
-                  <a:srgbClr val="0070C0"/>
-                </a:solidFill>
-              </a:ln>
-            </p:spPr>
-            <p:style>
-              <a:lnRef idx="2">
-                <a:schemeClr val="accent1">
-                  <a:shade val="50000"/>
-                </a:schemeClr>
-              </a:lnRef>
-              <a:fillRef idx="1">
-                <a:schemeClr val="accent1"/>
-              </a:fillRef>
-              <a:effectRef idx="0">
-                <a:schemeClr val="accent1"/>
-              </a:effectRef>
-              <a:fontRef idx="minor">
-                <a:schemeClr val="lt1"/>
-              </a:fontRef>
-            </p:style>
-            <p:txBody>
-              <a:bodyPr rtlCol="0" anchor="ctr"/>
-              <a:lstStyle/>
-              <a:p>
-                <a:pPr algn="ctr"/>
-                <a:endParaRPr lang="en-GB"/>
-              </a:p>
-            </p:txBody>
-          </p:sp>
-          <p:sp>
-            <p:nvSpPr>
-              <p:cNvPr id="129" name="Oval 128"/>
-              <p:cNvSpPr/>
-              <p:nvPr/>
-            </p:nvSpPr>
-            <p:spPr>
-              <a:xfrm>
-                <a:off x="2771800" y="1535684"/>
-                <a:ext cx="216024" cy="144016"/>
-              </a:xfrm>
-              <a:prstGeom prst="ellipse">
-                <a:avLst/>
-              </a:prstGeom>
-              <a:grpFill/>
-              <a:ln>
-                <a:solidFill>
-                  <a:srgbClr val="0070C0"/>
-                </a:solidFill>
-              </a:ln>
-            </p:spPr>
-            <p:style>
-              <a:lnRef idx="2">
-                <a:schemeClr val="accent1">
-                  <a:shade val="50000"/>
-                </a:schemeClr>
-              </a:lnRef>
-              <a:fillRef idx="1">
-                <a:schemeClr val="accent1"/>
-              </a:fillRef>
-              <a:effectRef idx="0">
-                <a:schemeClr val="accent1"/>
-              </a:effectRef>
-              <a:fontRef idx="minor">
-                <a:schemeClr val="lt1"/>
-              </a:fontRef>
-            </p:style>
-            <p:txBody>
-              <a:bodyPr rtlCol="0" anchor="ctr"/>
-              <a:lstStyle/>
-              <a:p>
-                <a:pPr algn="ctr"/>
-                <a:endParaRPr lang="en-GB"/>
-              </a:p>
-            </p:txBody>
-          </p:sp>
-          <p:sp>
-            <p:nvSpPr>
-              <p:cNvPr id="130" name="Rectangle 129"/>
-              <p:cNvSpPr/>
-              <p:nvPr/>
-            </p:nvSpPr>
-            <p:spPr>
-              <a:xfrm>
-                <a:off x="2771800" y="1607692"/>
-                <a:ext cx="216024" cy="144016"/>
-              </a:xfrm>
-              <a:prstGeom prst="rect">
-                <a:avLst/>
-              </a:prstGeom>
-              <a:grpFill/>
-              <a:ln>
-                <a:solidFill>
-                  <a:srgbClr val="0070C0"/>
-                </a:solidFill>
-              </a:ln>
-            </p:spPr>
-            <p:style>
-              <a:lnRef idx="2">
-                <a:schemeClr val="accent1">
-                  <a:shade val="50000"/>
-                </a:schemeClr>
-              </a:lnRef>
-              <a:fillRef idx="1">
-                <a:schemeClr val="accent1"/>
-              </a:fillRef>
-              <a:effectRef idx="0">
-                <a:schemeClr val="accent1"/>
-              </a:effectRef>
-              <a:fontRef idx="minor">
-                <a:schemeClr val="lt1"/>
-              </a:fontRef>
-            </p:style>
-            <p:txBody>
-              <a:bodyPr rtlCol="0" anchor="ctr"/>
-              <a:lstStyle/>
-              <a:p>
-                <a:pPr algn="ctr"/>
-                <a:endParaRPr lang="en-GB"/>
-              </a:p>
-            </p:txBody>
-          </p:sp>
-          <p:sp>
-            <p:nvSpPr>
-              <p:cNvPr id="131" name="Rectangle 130"/>
-              <p:cNvSpPr/>
-              <p:nvPr/>
-            </p:nvSpPr>
-            <p:spPr>
-              <a:xfrm>
-                <a:off x="2788948" y="1591577"/>
-                <a:ext cx="183641" cy="45719"/>
-              </a:xfrm>
-              <a:prstGeom prst="rect">
-                <a:avLst/>
-              </a:prstGeom>
-              <a:grpFill/>
-              <a:ln>
-                <a:noFill/>
-              </a:ln>
-            </p:spPr>
-            <p:style>
-              <a:lnRef idx="2">
-                <a:schemeClr val="accent1">
-                  <a:shade val="50000"/>
-                </a:schemeClr>
-              </a:lnRef>
-              <a:fillRef idx="1">
-                <a:schemeClr val="accent1"/>
-              </a:fillRef>
-              <a:effectRef idx="0">
-                <a:schemeClr val="accent1"/>
-              </a:effectRef>
-              <a:fontRef idx="minor">
-                <a:schemeClr val="lt1"/>
-              </a:fontRef>
-            </p:style>
-            <p:txBody>
-              <a:bodyPr rtlCol="0" anchor="ctr"/>
-              <a:lstStyle/>
-              <a:p>
-                <a:pPr algn="ctr"/>
-                <a:endParaRPr lang="en-GB"/>
-              </a:p>
-            </p:txBody>
-          </p:sp>
-        </p:grpSp>
+            <a:prstGeom prst="rect">
+              <a:avLst/>
+            </a:prstGeom>
+            <a:grpFill/>
+            <a:ln>
+              <a:solidFill>
+                <a:srgbClr val="0070C0"/>
+              </a:solidFill>
+            </a:ln>
+          </p:spPr>
+          <p:style>
+            <a:lnRef idx="2">
+              <a:schemeClr val="accent1">
+                <a:shade val="50000"/>
+              </a:schemeClr>
+            </a:lnRef>
+            <a:fillRef idx="1">
+              <a:schemeClr val="accent1"/>
+            </a:fillRef>
+            <a:effectRef idx="0">
+              <a:schemeClr val="accent1"/>
+            </a:effectRef>
+            <a:fontRef idx="minor">
+              <a:schemeClr val="lt1"/>
+            </a:fontRef>
+          </p:style>
+          <p:txBody>
+            <a:bodyPr rtlCol="0" anchor="ctr"/>
+            <a:lstStyle/>
+            <a:p>
+              <a:pPr algn="ctr"/>
+              <a:endParaRPr lang="en-GB"/>
+            </a:p>
+          </p:txBody>
+        </p:sp>
+        <p:sp>
+          <p:nvSpPr>
+            <p:cNvPr id="131" name="Rectangle 130"/>
+            <p:cNvSpPr/>
+            <p:nvPr/>
+          </p:nvSpPr>
+          <p:spPr>
+            <a:xfrm>
+              <a:off x="2788948" y="1591577"/>
+              <a:ext cx="183641" cy="45719"/>
+            </a:xfrm>
+            <a:prstGeom prst="rect">
+              <a:avLst/>
+            </a:prstGeom>
+            <a:grpFill/>
+            <a:ln>
+              <a:noFill/>
+            </a:ln>
+          </p:spPr>
+          <p:style>
+            <a:lnRef idx="2">
+              <a:schemeClr val="accent1">
+                <a:shade val="50000"/>
+              </a:schemeClr>
+            </a:lnRef>
+            <a:fillRef idx="1">
+              <a:schemeClr val="accent1"/>
+            </a:fillRef>
+            <a:effectRef idx="0">
+              <a:schemeClr val="accent1"/>
+            </a:effectRef>
+            <a:fontRef idx="minor">
+              <a:schemeClr val="lt1"/>
+            </a:fontRef>
+          </p:style>
+          <p:txBody>
+            <a:bodyPr rtlCol="0" anchor="ctr"/>
+            <a:lstStyle/>
+            <a:p>
+              <a:pPr algn="ctr"/>
+              <a:endParaRPr lang="en-GB"/>
+            </a:p>
+          </p:txBody>
+        </p:sp>
       </p:grpSp>
       <p:sp>
         <p:nvSpPr>
@@ -31701,7 +31296,7 @@
         </p:nvSpPr>
         <p:spPr>
           <a:xfrm>
-            <a:off x="2133946" y="1927702"/>
+            <a:off x="2490320" y="1284690"/>
             <a:ext cx="562822" cy="468052"/>
           </a:xfrm>
           <a:prstGeom prst="can">
@@ -31761,7 +31356,7 @@
         </p:nvSpPr>
         <p:spPr>
           <a:xfrm>
-            <a:off x="2133946" y="2487915"/>
+            <a:off x="2490320" y="1844903"/>
             <a:ext cx="562822" cy="468052"/>
           </a:xfrm>
           <a:prstGeom prst="can">
@@ -31821,7 +31416,7 @@
         </p:nvSpPr>
         <p:spPr>
           <a:xfrm>
-            <a:off x="2133946" y="3048128"/>
+            <a:off x="2490320" y="2405116"/>
             <a:ext cx="562822" cy="468052"/>
           </a:xfrm>
           <a:prstGeom prst="can">
@@ -31881,7 +31476,7 @@
         </p:nvSpPr>
         <p:spPr>
           <a:xfrm>
-            <a:off x="2133946" y="3608341"/>
+            <a:off x="2490320" y="2965329"/>
             <a:ext cx="562822" cy="468052"/>
           </a:xfrm>
           <a:prstGeom prst="can">
@@ -31941,7 +31536,7 @@
         </p:nvSpPr>
         <p:spPr>
           <a:xfrm>
-            <a:off x="2133946" y="4168554"/>
+            <a:off x="2490320" y="3525542"/>
             <a:ext cx="562822" cy="468052"/>
           </a:xfrm>
           <a:prstGeom prst="can">
@@ -32001,7 +31596,7 @@
         </p:nvSpPr>
         <p:spPr>
           <a:xfrm>
-            <a:off x="2133946" y="4728767"/>
+            <a:off x="2490320" y="4085755"/>
             <a:ext cx="562822" cy="468052"/>
           </a:xfrm>
           <a:prstGeom prst="can">
@@ -32061,7 +31656,7 @@
         </p:nvSpPr>
         <p:spPr>
           <a:xfrm>
-            <a:off x="2133946" y="5288980"/>
+            <a:off x="2490320" y="4645968"/>
             <a:ext cx="562822" cy="468052"/>
           </a:xfrm>
           <a:prstGeom prst="can">
@@ -32121,7 +31716,7 @@
         </p:nvSpPr>
         <p:spPr>
           <a:xfrm>
-            <a:off x="2133946" y="5849190"/>
+            <a:off x="2490320" y="5206178"/>
             <a:ext cx="562822" cy="468052"/>
           </a:xfrm>
           <a:prstGeom prst="can">
@@ -32181,7 +31776,7 @@
         </p:nvSpPr>
         <p:spPr>
           <a:xfrm>
-            <a:off x="5047366" y="3877054"/>
+            <a:off x="5403740" y="3234042"/>
             <a:ext cx="562822" cy="468052"/>
           </a:xfrm>
           <a:prstGeom prst="can">
@@ -32255,7 +31850,7 @@
         </p:nvSpPr>
         <p:spPr>
           <a:xfrm>
-            <a:off x="5765491" y="1881663"/>
+            <a:off x="6140692" y="5803611"/>
             <a:ext cx="243385" cy="224088"/>
           </a:xfrm>
           <a:prstGeom prst="can">
@@ -32315,7 +31910,7 @@
         </p:nvSpPr>
         <p:spPr>
           <a:xfrm>
-            <a:off x="5763442" y="2163016"/>
+            <a:off x="6138643" y="6084964"/>
             <a:ext cx="243385" cy="224088"/>
           </a:xfrm>
           <a:prstGeom prst="can">
@@ -32389,7 +31984,7 @@
         </p:nvSpPr>
         <p:spPr>
           <a:xfrm>
-            <a:off x="5604855" y="2492080"/>
+            <a:off x="5980056" y="6414028"/>
             <a:ext cx="410431" cy="144017"/>
           </a:xfrm>
           <a:prstGeom prst="roundRect">
@@ -32459,6 +32054,406 @@
           </a:p>
         </p:txBody>
       </p:sp>
+      <p:grpSp>
+        <p:nvGrpSpPr>
+          <p:cNvPr id="141" name="Group 140"/>
+          <p:cNvGrpSpPr/>
+          <p:nvPr/>
+        </p:nvGrpSpPr>
+        <p:grpSpPr>
+          <a:xfrm>
+            <a:off x="1579032" y="2727506"/>
+            <a:ext cx="216024" cy="382265"/>
+            <a:chOff x="2771800" y="1369443"/>
+            <a:chExt cx="216024" cy="382265"/>
+          </a:xfrm>
+          <a:solidFill>
+            <a:srgbClr val="94C9E4"/>
+          </a:solidFill>
+        </p:grpSpPr>
+        <p:sp>
+          <p:nvSpPr>
+            <p:cNvPr id="142" name="Oval 141"/>
+            <p:cNvSpPr/>
+            <p:nvPr/>
+          </p:nvSpPr>
+          <p:spPr>
+            <a:xfrm>
+              <a:off x="2807804" y="1369443"/>
+              <a:ext cx="144016" cy="144016"/>
+            </a:xfrm>
+            <a:prstGeom prst="ellipse">
+              <a:avLst/>
+            </a:prstGeom>
+            <a:grpFill/>
+            <a:ln>
+              <a:solidFill>
+                <a:srgbClr val="0070C0"/>
+              </a:solidFill>
+            </a:ln>
+          </p:spPr>
+          <p:style>
+            <a:lnRef idx="2">
+              <a:schemeClr val="accent1">
+                <a:shade val="50000"/>
+              </a:schemeClr>
+            </a:lnRef>
+            <a:fillRef idx="1">
+              <a:schemeClr val="accent1"/>
+            </a:fillRef>
+            <a:effectRef idx="0">
+              <a:schemeClr val="accent1"/>
+            </a:effectRef>
+            <a:fontRef idx="minor">
+              <a:schemeClr val="lt1"/>
+            </a:fontRef>
+          </p:style>
+          <p:txBody>
+            <a:bodyPr rtlCol="0" anchor="ctr"/>
+            <a:lstStyle/>
+            <a:p>
+              <a:pPr algn="ctr"/>
+              <a:endParaRPr lang="en-GB"/>
+            </a:p>
+          </p:txBody>
+        </p:sp>
+        <p:sp>
+          <p:nvSpPr>
+            <p:cNvPr id="143" name="Oval 142"/>
+            <p:cNvSpPr/>
+            <p:nvPr/>
+          </p:nvSpPr>
+          <p:spPr>
+            <a:xfrm>
+              <a:off x="2771800" y="1535684"/>
+              <a:ext cx="216024" cy="144016"/>
+            </a:xfrm>
+            <a:prstGeom prst="ellipse">
+              <a:avLst/>
+            </a:prstGeom>
+            <a:grpFill/>
+            <a:ln>
+              <a:solidFill>
+                <a:srgbClr val="0070C0"/>
+              </a:solidFill>
+            </a:ln>
+          </p:spPr>
+          <p:style>
+            <a:lnRef idx="2">
+              <a:schemeClr val="accent1">
+                <a:shade val="50000"/>
+              </a:schemeClr>
+            </a:lnRef>
+            <a:fillRef idx="1">
+              <a:schemeClr val="accent1"/>
+            </a:fillRef>
+            <a:effectRef idx="0">
+              <a:schemeClr val="accent1"/>
+            </a:effectRef>
+            <a:fontRef idx="minor">
+              <a:schemeClr val="lt1"/>
+            </a:fontRef>
+          </p:style>
+          <p:txBody>
+            <a:bodyPr rtlCol="0" anchor="ctr"/>
+            <a:lstStyle/>
+            <a:p>
+              <a:pPr algn="ctr"/>
+              <a:endParaRPr lang="en-GB"/>
+            </a:p>
+          </p:txBody>
+        </p:sp>
+        <p:sp>
+          <p:nvSpPr>
+            <p:cNvPr id="144" name="Rectangle 143"/>
+            <p:cNvSpPr/>
+            <p:nvPr/>
+          </p:nvSpPr>
+          <p:spPr>
+            <a:xfrm>
+              <a:off x="2771800" y="1607692"/>
+              <a:ext cx="216024" cy="144016"/>
+            </a:xfrm>
+            <a:prstGeom prst="rect">
+              <a:avLst/>
+            </a:prstGeom>
+            <a:grpFill/>
+            <a:ln>
+              <a:solidFill>
+                <a:srgbClr val="0070C0"/>
+              </a:solidFill>
+            </a:ln>
+          </p:spPr>
+          <p:style>
+            <a:lnRef idx="2">
+              <a:schemeClr val="accent1">
+                <a:shade val="50000"/>
+              </a:schemeClr>
+            </a:lnRef>
+            <a:fillRef idx="1">
+              <a:schemeClr val="accent1"/>
+            </a:fillRef>
+            <a:effectRef idx="0">
+              <a:schemeClr val="accent1"/>
+            </a:effectRef>
+            <a:fontRef idx="minor">
+              <a:schemeClr val="lt1"/>
+            </a:fontRef>
+          </p:style>
+          <p:txBody>
+            <a:bodyPr rtlCol="0" anchor="ctr"/>
+            <a:lstStyle/>
+            <a:p>
+              <a:pPr algn="ctr"/>
+              <a:endParaRPr lang="en-GB"/>
+            </a:p>
+          </p:txBody>
+        </p:sp>
+        <p:sp>
+          <p:nvSpPr>
+            <p:cNvPr id="145" name="Rectangle 144"/>
+            <p:cNvSpPr/>
+            <p:nvPr/>
+          </p:nvSpPr>
+          <p:spPr>
+            <a:xfrm>
+              <a:off x="2788948" y="1591577"/>
+              <a:ext cx="183641" cy="45719"/>
+            </a:xfrm>
+            <a:prstGeom prst="rect">
+              <a:avLst/>
+            </a:prstGeom>
+            <a:grpFill/>
+            <a:ln>
+              <a:noFill/>
+            </a:ln>
+          </p:spPr>
+          <p:style>
+            <a:lnRef idx="2">
+              <a:schemeClr val="accent1">
+                <a:shade val="50000"/>
+              </a:schemeClr>
+            </a:lnRef>
+            <a:fillRef idx="1">
+              <a:schemeClr val="accent1"/>
+            </a:fillRef>
+            <a:effectRef idx="0">
+              <a:schemeClr val="accent1"/>
+            </a:effectRef>
+            <a:fontRef idx="minor">
+              <a:schemeClr val="lt1"/>
+            </a:fontRef>
+          </p:style>
+          <p:txBody>
+            <a:bodyPr rtlCol="0" anchor="ctr"/>
+            <a:lstStyle/>
+            <a:p>
+              <a:pPr algn="ctr"/>
+              <a:endParaRPr lang="en-GB"/>
+            </a:p>
+          </p:txBody>
+        </p:sp>
+      </p:grpSp>
+      <p:grpSp>
+        <p:nvGrpSpPr>
+          <p:cNvPr id="146" name="Group 145"/>
+          <p:cNvGrpSpPr/>
+          <p:nvPr/>
+        </p:nvGrpSpPr>
+        <p:grpSpPr>
+          <a:xfrm>
+            <a:off x="1283686" y="2716896"/>
+            <a:ext cx="216024" cy="382265"/>
+            <a:chOff x="2771800" y="1369443"/>
+            <a:chExt cx="216024" cy="382265"/>
+          </a:xfrm>
+          <a:solidFill>
+            <a:srgbClr val="94C9E4"/>
+          </a:solidFill>
+        </p:grpSpPr>
+        <p:sp>
+          <p:nvSpPr>
+            <p:cNvPr id="147" name="Oval 146"/>
+            <p:cNvSpPr/>
+            <p:nvPr/>
+          </p:nvSpPr>
+          <p:spPr>
+            <a:xfrm>
+              <a:off x="2807804" y="1369443"/>
+              <a:ext cx="144016" cy="144016"/>
+            </a:xfrm>
+            <a:prstGeom prst="ellipse">
+              <a:avLst/>
+            </a:prstGeom>
+            <a:grpFill/>
+            <a:ln>
+              <a:solidFill>
+                <a:srgbClr val="0070C0"/>
+              </a:solidFill>
+            </a:ln>
+          </p:spPr>
+          <p:style>
+            <a:lnRef idx="2">
+              <a:schemeClr val="accent1">
+                <a:shade val="50000"/>
+              </a:schemeClr>
+            </a:lnRef>
+            <a:fillRef idx="1">
+              <a:schemeClr val="accent1"/>
+            </a:fillRef>
+            <a:effectRef idx="0">
+              <a:schemeClr val="accent1"/>
+            </a:effectRef>
+            <a:fontRef idx="minor">
+              <a:schemeClr val="lt1"/>
+            </a:fontRef>
+          </p:style>
+          <p:txBody>
+            <a:bodyPr rtlCol="0" anchor="ctr"/>
+            <a:lstStyle/>
+            <a:p>
+              <a:pPr algn="ctr"/>
+              <a:endParaRPr lang="en-GB"/>
+            </a:p>
+          </p:txBody>
+        </p:sp>
+        <p:sp>
+          <p:nvSpPr>
+            <p:cNvPr id="148" name="Oval 147"/>
+            <p:cNvSpPr/>
+            <p:nvPr/>
+          </p:nvSpPr>
+          <p:spPr>
+            <a:xfrm>
+              <a:off x="2771800" y="1535684"/>
+              <a:ext cx="216024" cy="144016"/>
+            </a:xfrm>
+            <a:prstGeom prst="ellipse">
+              <a:avLst/>
+            </a:prstGeom>
+            <a:grpFill/>
+            <a:ln>
+              <a:solidFill>
+                <a:srgbClr val="0070C0"/>
+              </a:solidFill>
+            </a:ln>
+          </p:spPr>
+          <p:style>
+            <a:lnRef idx="2">
+              <a:schemeClr val="accent1">
+                <a:shade val="50000"/>
+              </a:schemeClr>
+            </a:lnRef>
+            <a:fillRef idx="1">
+              <a:schemeClr val="accent1"/>
+            </a:fillRef>
+            <a:effectRef idx="0">
+              <a:schemeClr val="accent1"/>
+            </a:effectRef>
+            <a:fontRef idx="minor">
+              <a:schemeClr val="lt1"/>
+            </a:fontRef>
+          </p:style>
+          <p:txBody>
+            <a:bodyPr rtlCol="0" anchor="ctr"/>
+            <a:lstStyle/>
+            <a:p>
+              <a:pPr algn="ctr"/>
+              <a:endParaRPr lang="en-GB"/>
+            </a:p>
+          </p:txBody>
+        </p:sp>
+        <p:sp>
+          <p:nvSpPr>
+            <p:cNvPr id="149" name="Rectangle 148"/>
+            <p:cNvSpPr/>
+            <p:nvPr/>
+          </p:nvSpPr>
+          <p:spPr>
+            <a:xfrm>
+              <a:off x="2771800" y="1607692"/>
+              <a:ext cx="216024" cy="144016"/>
+            </a:xfrm>
+            <a:prstGeom prst="rect">
+              <a:avLst/>
+            </a:prstGeom>
+            <a:grpFill/>
+            <a:ln>
+              <a:solidFill>
+                <a:srgbClr val="0070C0"/>
+              </a:solidFill>
+            </a:ln>
+          </p:spPr>
+          <p:style>
+            <a:lnRef idx="2">
+              <a:schemeClr val="accent1">
+                <a:shade val="50000"/>
+              </a:schemeClr>
+            </a:lnRef>
+            <a:fillRef idx="1">
+              <a:schemeClr val="accent1"/>
+            </a:fillRef>
+            <a:effectRef idx="0">
+              <a:schemeClr val="accent1"/>
+            </a:effectRef>
+            <a:fontRef idx="minor">
+              <a:schemeClr val="lt1"/>
+            </a:fontRef>
+          </p:style>
+          <p:txBody>
+            <a:bodyPr rtlCol="0" anchor="ctr"/>
+            <a:lstStyle/>
+            <a:p>
+              <a:pPr algn="ctr"/>
+              <a:endParaRPr lang="en-GB"/>
+            </a:p>
+          </p:txBody>
+        </p:sp>
+        <p:sp>
+          <p:nvSpPr>
+            <p:cNvPr id="150" name="Rectangle 149"/>
+            <p:cNvSpPr/>
+            <p:nvPr/>
+          </p:nvSpPr>
+          <p:spPr>
+            <a:xfrm>
+              <a:off x="2788948" y="1591577"/>
+              <a:ext cx="183641" cy="45719"/>
+            </a:xfrm>
+            <a:prstGeom prst="rect">
+              <a:avLst/>
+            </a:prstGeom>
+            <a:grpFill/>
+            <a:ln>
+              <a:noFill/>
+            </a:ln>
+          </p:spPr>
+          <p:style>
+            <a:lnRef idx="2">
+              <a:schemeClr val="accent1">
+                <a:shade val="50000"/>
+              </a:schemeClr>
+            </a:lnRef>
+            <a:fillRef idx="1">
+              <a:schemeClr val="accent1"/>
+            </a:fillRef>
+            <a:effectRef idx="0">
+              <a:schemeClr val="accent1"/>
+            </a:effectRef>
+            <a:fontRef idx="minor">
+              <a:schemeClr val="lt1"/>
+            </a:fontRef>
+          </p:style>
+          <p:txBody>
+            <a:bodyPr rtlCol="0" anchor="ctr"/>
+            <a:lstStyle/>
+            <a:p>
+              <a:pPr algn="ctr"/>
+              <a:endParaRPr lang="en-GB"/>
+            </a:p>
+          </p:txBody>
+        </p:sp>
+      </p:grpSp>
     </p:spTree>
     <p:extLst>
       <p:ext uri="{BB962C8B-B14F-4D97-AF65-F5344CB8AC3E}">

--- a/files/openEHR_diagrams_sources.pptx
+++ b/files/openEHR_diagrams_sources.pptx
@@ -26675,8 +26675,8 @@
         </p:nvSpPr>
         <p:spPr>
           <a:xfrm>
-            <a:off x="417052" y="1182076"/>
-            <a:ext cx="1985008" cy="4590083"/>
+            <a:off x="377936" y="935009"/>
+            <a:ext cx="2754446" cy="5472608"/>
           </a:xfrm>
           <a:prstGeom prst="roundRect">
             <a:avLst/>
@@ -26752,22 +26752,7 @@
                   <a:srgbClr val="00335F"/>
                 </a:solidFill>
               </a:rPr>
-              <a:t/>
-            </a:r>
-            <a:br>
-              <a:rPr lang="en-US" b="1" dirty="0" smtClean="0">
-                <a:solidFill>
-                  <a:srgbClr val="00335F"/>
-                </a:solidFill>
-              </a:rPr>
-            </a:br>
-            <a:r>
-              <a:rPr lang="en-US" b="1" dirty="0" smtClean="0">
-                <a:solidFill>
-                  <a:srgbClr val="00335F"/>
-                </a:solidFill>
-              </a:rPr>
-              <a:t>(</a:t>
+              <a:t> (</a:t>
             </a:r>
             <a:r>
               <a:rPr lang="en-US" b="1" dirty="0" smtClean="0">
@@ -26788,7 +26773,7 @@
         </p:nvSpPr>
         <p:spPr>
           <a:xfrm>
-            <a:off x="3200182" y="5214282"/>
+            <a:off x="3278672" y="5672619"/>
             <a:ext cx="2016224" cy="468052"/>
           </a:xfrm>
           <a:prstGeom prst="roundRect">
@@ -26878,11 +26863,7 @@
             <a:pPr algn="ctr"/>
             <a:r>
               <a:rPr lang="en-US" sz="2400" dirty="0" smtClean="0"/>
-              <a:t>Specification </a:t>
-            </a:r>
-            <a:r>
-              <a:rPr lang="en-US" sz="2400" dirty="0" smtClean="0"/>
-              <a:t>Program</a:t>
+              <a:t>Specification Program</a:t>
             </a:r>
             <a:endParaRPr lang="en-US" sz="2400" dirty="0"/>
           </a:p>
@@ -26897,7 +26878,7 @@
         <p:spPr>
           <a:xfrm>
             <a:off x="6325462" y="4909698"/>
-            <a:ext cx="2507882" cy="1762021"/>
+            <a:ext cx="2639026" cy="1762021"/>
           </a:xfrm>
           <a:prstGeom prst="rect">
             <a:avLst/>
@@ -26917,7 +26898,15 @@
             </a:pPr>
             <a:r>
               <a:rPr lang="en-US" sz="1600" dirty="0" smtClean="0"/>
-              <a:t>= Elected co-chair</a:t>
+              <a:t>= </a:t>
+            </a:r>
+            <a:r>
+              <a:rPr lang="en-US" sz="1600" dirty="0" smtClean="0"/>
+              <a:t>SEC elected </a:t>
+            </a:r>
+            <a:r>
+              <a:rPr lang="en-US" sz="1600" dirty="0" smtClean="0"/>
+              <a:t>co-chair</a:t>
             </a:r>
           </a:p>
           <a:p>
@@ -26928,8 +26917,13 @@
             </a:pPr>
             <a:r>
               <a:rPr lang="en-US" sz="1600" dirty="0" smtClean="0"/>
-              <a:t>= Component maintainer</a:t>
-            </a:r>
+              <a:t>= </a:t>
+            </a:r>
+            <a:r>
+              <a:rPr lang="en-US" sz="1600" dirty="0"/>
+              <a:t>SEC member</a:t>
+            </a:r>
+            <a:endParaRPr lang="en-US" sz="1600" dirty="0" smtClean="0"/>
           </a:p>
           <a:p>
             <a:pPr>
@@ -26939,8 +26933,13 @@
             </a:pPr>
             <a:r>
               <a:rPr lang="en-US" sz="1600" dirty="0" smtClean="0"/>
-              <a:t>= Other member</a:t>
-            </a:r>
+              <a:t>= </a:t>
+            </a:r>
+            <a:r>
+              <a:rPr lang="en-US" sz="1600" dirty="0" smtClean="0"/>
+              <a:t>SEC Component Maintainer</a:t>
+            </a:r>
+            <a:endParaRPr lang="en-US" sz="1600" dirty="0" smtClean="0"/>
           </a:p>
           <a:p>
             <a:pPr>
@@ -26985,7 +26984,7 @@
         </p:nvSpPr>
         <p:spPr>
           <a:xfrm>
-            <a:off x="3200182" y="4656220"/>
+            <a:off x="3278672" y="5114557"/>
             <a:ext cx="2016224" cy="468052"/>
           </a:xfrm>
           <a:prstGeom prst="roundRect">
@@ -27058,7 +27057,7 @@
         </p:nvSpPr>
         <p:spPr>
           <a:xfrm>
-            <a:off x="3200182" y="4095127"/>
+            <a:off x="3278672" y="4553464"/>
             <a:ext cx="2016224" cy="468052"/>
           </a:xfrm>
           <a:prstGeom prst="roundRect">
@@ -27131,7 +27130,7 @@
         </p:nvSpPr>
         <p:spPr>
           <a:xfrm>
-            <a:off x="3200182" y="2962542"/>
+            <a:off x="3278672" y="3420879"/>
             <a:ext cx="2016224" cy="468052"/>
           </a:xfrm>
           <a:prstGeom prst="roundRect">
@@ -27204,7 +27203,7 @@
         </p:nvSpPr>
         <p:spPr>
           <a:xfrm>
-            <a:off x="3200182" y="2404480"/>
+            <a:off x="3278672" y="2862817"/>
             <a:ext cx="2016224" cy="468052"/>
           </a:xfrm>
           <a:prstGeom prst="roundRect">
@@ -27277,7 +27276,7 @@
         </p:nvSpPr>
         <p:spPr>
           <a:xfrm>
-            <a:off x="3200182" y="3537066"/>
+            <a:off x="3278672" y="3995403"/>
             <a:ext cx="2016224" cy="468052"/>
           </a:xfrm>
           <a:prstGeom prst="roundRect">
@@ -27350,7 +27349,7 @@
         </p:nvSpPr>
         <p:spPr>
           <a:xfrm>
-            <a:off x="3200182" y="1285326"/>
+            <a:off x="3278672" y="1743663"/>
             <a:ext cx="2016224" cy="468052"/>
           </a:xfrm>
           <a:prstGeom prst="roundRect">
@@ -27423,7 +27422,7 @@
         </p:nvSpPr>
         <p:spPr>
           <a:xfrm>
-            <a:off x="3200182" y="1844903"/>
+            <a:off x="3278672" y="2303240"/>
             <a:ext cx="2016224" cy="468052"/>
           </a:xfrm>
           <a:prstGeom prst="roundRect">
@@ -27496,7 +27495,7 @@
         </p:nvGrpSpPr>
         <p:grpSpPr>
           <a:xfrm>
-            <a:off x="771409" y="3579140"/>
+            <a:off x="732293" y="3649088"/>
             <a:ext cx="216024" cy="382265"/>
             <a:chOff x="2771800" y="1369443"/>
             <a:chExt cx="216024" cy="382265"/>
@@ -27696,7 +27695,7 @@
         </p:nvGrpSpPr>
         <p:grpSpPr>
           <a:xfrm>
-            <a:off x="783797" y="3037763"/>
+            <a:off x="744681" y="3107711"/>
             <a:ext cx="216024" cy="382265"/>
             <a:chOff x="2771800" y="1369443"/>
             <a:chExt cx="216024" cy="382265"/>
@@ -27896,7 +27895,7 @@
         </p:nvGrpSpPr>
         <p:grpSpPr>
           <a:xfrm>
-            <a:off x="2121445" y="3587873"/>
+            <a:off x="2082329" y="4046210"/>
             <a:ext cx="216024" cy="382265"/>
             <a:chOff x="2771800" y="1369443"/>
             <a:chExt cx="216024" cy="382265"/>
@@ -28096,7 +28095,7 @@
         </p:nvGrpSpPr>
         <p:grpSpPr>
           <a:xfrm>
-            <a:off x="2121445" y="4103041"/>
+            <a:off x="2082329" y="4561378"/>
             <a:ext cx="216024" cy="382265"/>
             <a:chOff x="2771800" y="1369443"/>
             <a:chExt cx="216024" cy="382265"/>
@@ -28296,7 +28295,7 @@
         </p:nvGrpSpPr>
         <p:grpSpPr>
           <a:xfrm>
-            <a:off x="2121445" y="4692032"/>
+            <a:off x="2082329" y="5150369"/>
             <a:ext cx="216024" cy="382265"/>
             <a:chOff x="2771800" y="1369443"/>
             <a:chExt cx="216024" cy="382265"/>
@@ -28496,7 +28495,7 @@
         </p:nvGrpSpPr>
         <p:grpSpPr>
           <a:xfrm>
-            <a:off x="2121445" y="5207200"/>
+            <a:off x="2082329" y="5665537"/>
             <a:ext cx="216024" cy="382265"/>
             <a:chOff x="2771800" y="1369443"/>
             <a:chExt cx="216024" cy="382265"/>
@@ -28696,7 +28695,7 @@
         </p:nvGrpSpPr>
         <p:grpSpPr>
           <a:xfrm>
-            <a:off x="2127682" y="1359145"/>
+            <a:off x="2088566" y="1817482"/>
             <a:ext cx="216024" cy="382265"/>
             <a:chOff x="2771800" y="1369443"/>
             <a:chExt cx="216024" cy="382265"/>
@@ -28896,7 +28895,7 @@
         </p:nvGrpSpPr>
         <p:grpSpPr>
           <a:xfrm>
-            <a:off x="2127682" y="1874313"/>
+            <a:off x="2088566" y="2332650"/>
             <a:ext cx="216024" cy="382265"/>
             <a:chOff x="2771800" y="1369443"/>
             <a:chExt cx="216024" cy="382265"/>
@@ -29096,7 +29095,7 @@
         </p:nvGrpSpPr>
         <p:grpSpPr>
           <a:xfrm>
-            <a:off x="2127682" y="2463304"/>
+            <a:off x="2088566" y="2921641"/>
             <a:ext cx="216024" cy="382265"/>
             <a:chOff x="2771800" y="1369443"/>
             <a:chExt cx="216024" cy="382265"/>
@@ -29296,7 +29295,7 @@
         </p:nvGrpSpPr>
         <p:grpSpPr>
           <a:xfrm>
-            <a:off x="2127682" y="2978472"/>
+            <a:off x="2088566" y="3436809"/>
             <a:ext cx="216024" cy="382265"/>
             <a:chOff x="2771800" y="1369443"/>
             <a:chExt cx="216024" cy="382265"/>
@@ -29496,7 +29495,7 @@
         </p:nvGrpSpPr>
         <p:grpSpPr>
           <a:xfrm>
-            <a:off x="1554157" y="3351213"/>
+            <a:off x="1515041" y="3233486"/>
             <a:ext cx="216024" cy="382265"/>
             <a:chOff x="2771800" y="1369443"/>
             <a:chExt cx="216024" cy="382265"/>
@@ -29696,7 +29695,7 @@
         </p:nvGrpSpPr>
         <p:grpSpPr>
           <a:xfrm>
-            <a:off x="1550462" y="3823488"/>
+            <a:off x="1511346" y="3705761"/>
             <a:ext cx="216024" cy="382265"/>
             <a:chOff x="2771800" y="1369443"/>
             <a:chExt cx="216024" cy="382265"/>
@@ -29896,7 +29895,7 @@
         </p:nvGrpSpPr>
         <p:grpSpPr>
           <a:xfrm>
-            <a:off x="1279578" y="3356114"/>
+            <a:off x="1240462" y="3238387"/>
             <a:ext cx="216024" cy="382265"/>
             <a:chOff x="2771800" y="1369443"/>
             <a:chExt cx="216024" cy="382265"/>
@@ -30096,7 +30095,7 @@
         </p:nvGrpSpPr>
         <p:grpSpPr>
           <a:xfrm>
-            <a:off x="1275883" y="3828389"/>
+            <a:off x="1236767" y="3710662"/>
             <a:ext cx="216024" cy="382265"/>
             <a:chOff x="2771800" y="1369443"/>
             <a:chExt cx="216024" cy="382265"/>
@@ -30296,7 +30295,7 @@
         </p:nvGrpSpPr>
         <p:grpSpPr>
           <a:xfrm>
-            <a:off x="1583341" y="4414887"/>
+            <a:off x="1544225" y="4297160"/>
             <a:ext cx="216024" cy="382265"/>
             <a:chOff x="2771800" y="1369443"/>
             <a:chExt cx="216024" cy="382265"/>
@@ -30496,7 +30495,7 @@
         </p:nvGrpSpPr>
         <p:grpSpPr>
           <a:xfrm>
-            <a:off x="1287995" y="4404277"/>
+            <a:off x="1248879" y="4286550"/>
             <a:ext cx="216024" cy="382265"/>
             <a:chOff x="2771800" y="1369443"/>
             <a:chExt cx="216024" cy="382265"/>
@@ -30896,7 +30895,7 @@
         </p:nvGrpSpPr>
         <p:grpSpPr>
           <a:xfrm>
-            <a:off x="6191863" y="5218525"/>
+            <a:off x="6214563" y="5508487"/>
             <a:ext cx="125898" cy="272533"/>
             <a:chOff x="2771800" y="1369443"/>
             <a:chExt cx="216024" cy="382265"/>
@@ -31096,7 +31095,7 @@
         </p:nvGrpSpPr>
         <p:grpSpPr>
           <a:xfrm>
-            <a:off x="6185671" y="5517718"/>
+            <a:off x="6202178" y="5234305"/>
             <a:ext cx="138283" cy="244699"/>
             <a:chOff x="2771800" y="1369443"/>
             <a:chExt cx="216024" cy="382265"/>
@@ -31296,7 +31295,7 @@
         </p:nvSpPr>
         <p:spPr>
           <a:xfrm>
-            <a:off x="2490320" y="1284690"/>
+            <a:off x="2451204" y="1743027"/>
             <a:ext cx="562822" cy="468052"/>
           </a:xfrm>
           <a:prstGeom prst="can">
@@ -31356,7 +31355,7 @@
         </p:nvSpPr>
         <p:spPr>
           <a:xfrm>
-            <a:off x="2490320" y="1844903"/>
+            <a:off x="2451204" y="2303240"/>
             <a:ext cx="562822" cy="468052"/>
           </a:xfrm>
           <a:prstGeom prst="can">
@@ -31416,7 +31415,7 @@
         </p:nvSpPr>
         <p:spPr>
           <a:xfrm>
-            <a:off x="2490320" y="2405116"/>
+            <a:off x="2451204" y="2863453"/>
             <a:ext cx="562822" cy="468052"/>
           </a:xfrm>
           <a:prstGeom prst="can">
@@ -31476,7 +31475,7 @@
         </p:nvSpPr>
         <p:spPr>
           <a:xfrm>
-            <a:off x="2490320" y="2965329"/>
+            <a:off x="2451204" y="3423666"/>
             <a:ext cx="562822" cy="468052"/>
           </a:xfrm>
           <a:prstGeom prst="can">
@@ -31536,7 +31535,7 @@
         </p:nvSpPr>
         <p:spPr>
           <a:xfrm>
-            <a:off x="2490320" y="3525542"/>
+            <a:off x="2451204" y="3983879"/>
             <a:ext cx="562822" cy="468052"/>
           </a:xfrm>
           <a:prstGeom prst="can">
@@ -31596,7 +31595,7 @@
         </p:nvSpPr>
         <p:spPr>
           <a:xfrm>
-            <a:off x="2490320" y="4085755"/>
+            <a:off x="2451204" y="4544092"/>
             <a:ext cx="562822" cy="468052"/>
           </a:xfrm>
           <a:prstGeom prst="can">
@@ -31656,7 +31655,7 @@
         </p:nvSpPr>
         <p:spPr>
           <a:xfrm>
-            <a:off x="2490320" y="4645968"/>
+            <a:off x="2451204" y="5104305"/>
             <a:ext cx="562822" cy="468052"/>
           </a:xfrm>
           <a:prstGeom prst="can">
@@ -31716,7 +31715,7 @@
         </p:nvSpPr>
         <p:spPr>
           <a:xfrm>
-            <a:off x="2490320" y="5206178"/>
+            <a:off x="2451204" y="5664515"/>
             <a:ext cx="562822" cy="468052"/>
           </a:xfrm>
           <a:prstGeom prst="can">
@@ -31776,7 +31775,7 @@
         </p:nvSpPr>
         <p:spPr>
           <a:xfrm>
-            <a:off x="5403740" y="3234042"/>
+            <a:off x="5482230" y="3692379"/>
             <a:ext cx="562822" cy="468052"/>
           </a:xfrm>
           <a:prstGeom prst="can">
@@ -32062,7 +32061,7 @@
         </p:nvGrpSpPr>
         <p:grpSpPr>
           <a:xfrm>
-            <a:off x="1579032" y="2727506"/>
+            <a:off x="1539916" y="2609779"/>
             <a:ext cx="216024" cy="382265"/>
             <a:chOff x="2771800" y="1369443"/>
             <a:chExt cx="216024" cy="382265"/>
@@ -32262,7 +32261,7 @@
         </p:nvGrpSpPr>
         <p:grpSpPr>
           <a:xfrm>
-            <a:off x="1283686" y="2716896"/>
+            <a:off x="1244570" y="2599169"/>
             <a:ext cx="216024" cy="382265"/>
             <a:chOff x="2771800" y="1369443"/>
             <a:chExt cx="216024" cy="382265"/>

--- a/files/openEHR_diagrams_sources.pptx
+++ b/files/openEHR_diagrams_sources.pptx
@@ -120,7 +120,7 @@
   </p:defaultTextStyle>
   <p:extLst>
     <p:ext uri="{EFAFB233-063F-42B5-8137-9DF3F51BA10A}">
-      <p15:sldGuideLst xmlns:p15="http://schemas.microsoft.com/office/powerpoint/2012/main" xmlns="">
+      <p15:sldGuideLst xmlns="" xmlns:p15="http://schemas.microsoft.com/office/powerpoint/2012/main">
         <p15:guide id="1" orient="horz" pos="2160">
           <p15:clr>
             <a:srgbClr val="A4A3A4"/>
@@ -319,7 +319,7 @@
             <a:fld id="{C17C92CA-27BA-48D5-B9B9-4E9A3862C39B}" type="datetimeFigureOut">
               <a:rPr lang="en-US" smtClean="0"/>
               <a:pPr/>
-              <a:t>4/20/2016</a:t>
+              <a:t>6/9/2016</a:t>
             </a:fld>
             <a:endParaRPr lang="en-US"/>
           </a:p>
@@ -486,7 +486,7 @@
             <a:fld id="{C17C92CA-27BA-48D5-B9B9-4E9A3862C39B}" type="datetimeFigureOut">
               <a:rPr lang="en-US" smtClean="0"/>
               <a:pPr/>
-              <a:t>4/20/2016</a:t>
+              <a:t>6/9/2016</a:t>
             </a:fld>
             <a:endParaRPr lang="en-US"/>
           </a:p>
@@ -663,7 +663,7 @@
             <a:fld id="{C17C92CA-27BA-48D5-B9B9-4E9A3862C39B}" type="datetimeFigureOut">
               <a:rPr lang="en-US" smtClean="0"/>
               <a:pPr/>
-              <a:t>4/20/2016</a:t>
+              <a:t>6/9/2016</a:t>
             </a:fld>
             <a:endParaRPr lang="en-US"/>
           </a:p>
@@ -830,7 +830,7 @@
             <a:fld id="{C17C92CA-27BA-48D5-B9B9-4E9A3862C39B}" type="datetimeFigureOut">
               <a:rPr lang="en-US" smtClean="0"/>
               <a:pPr/>
-              <a:t>4/20/2016</a:t>
+              <a:t>6/9/2016</a:t>
             </a:fld>
             <a:endParaRPr lang="en-US"/>
           </a:p>
@@ -1073,7 +1073,7 @@
             <a:fld id="{C17C92CA-27BA-48D5-B9B9-4E9A3862C39B}" type="datetimeFigureOut">
               <a:rPr lang="en-US" smtClean="0"/>
               <a:pPr/>
-              <a:t>4/20/2016</a:t>
+              <a:t>6/9/2016</a:t>
             </a:fld>
             <a:endParaRPr lang="en-US"/>
           </a:p>
@@ -1358,7 +1358,7 @@
             <a:fld id="{C17C92CA-27BA-48D5-B9B9-4E9A3862C39B}" type="datetimeFigureOut">
               <a:rPr lang="en-US" smtClean="0"/>
               <a:pPr/>
-              <a:t>4/20/2016</a:t>
+              <a:t>6/9/2016</a:t>
             </a:fld>
             <a:endParaRPr lang="en-US"/>
           </a:p>
@@ -1777,7 +1777,7 @@
             <a:fld id="{C17C92CA-27BA-48D5-B9B9-4E9A3862C39B}" type="datetimeFigureOut">
               <a:rPr lang="en-US" smtClean="0"/>
               <a:pPr/>
-              <a:t>4/20/2016</a:t>
+              <a:t>6/9/2016</a:t>
             </a:fld>
             <a:endParaRPr lang="en-US"/>
           </a:p>
@@ -1892,7 +1892,7 @@
             <a:fld id="{C17C92CA-27BA-48D5-B9B9-4E9A3862C39B}" type="datetimeFigureOut">
               <a:rPr lang="en-US" smtClean="0"/>
               <a:pPr/>
-              <a:t>4/20/2016</a:t>
+              <a:t>6/9/2016</a:t>
             </a:fld>
             <a:endParaRPr lang="en-US"/>
           </a:p>
@@ -1984,7 +1984,7 @@
             <a:fld id="{C17C92CA-27BA-48D5-B9B9-4E9A3862C39B}" type="datetimeFigureOut">
               <a:rPr lang="en-US" smtClean="0"/>
               <a:pPr/>
-              <a:t>4/20/2016</a:t>
+              <a:t>6/9/2016</a:t>
             </a:fld>
             <a:endParaRPr lang="en-US"/>
           </a:p>
@@ -2258,7 +2258,7 @@
             <a:fld id="{C17C92CA-27BA-48D5-B9B9-4E9A3862C39B}" type="datetimeFigureOut">
               <a:rPr lang="en-US" smtClean="0"/>
               <a:pPr/>
-              <a:t>4/20/2016</a:t>
+              <a:t>6/9/2016</a:t>
             </a:fld>
             <a:endParaRPr lang="en-US"/>
           </a:p>
@@ -2508,7 +2508,7 @@
             <a:fld id="{C17C92CA-27BA-48D5-B9B9-4E9A3862C39B}" type="datetimeFigureOut">
               <a:rPr lang="en-US" smtClean="0"/>
               <a:pPr/>
-              <a:t>4/20/2016</a:t>
+              <a:t>6/9/2016</a:t>
             </a:fld>
             <a:endParaRPr lang="en-US"/>
           </a:p>
@@ -2718,7 +2718,7 @@
             <a:fld id="{C17C92CA-27BA-48D5-B9B9-4E9A3862C39B}" type="datetimeFigureOut">
               <a:rPr lang="en-US" smtClean="0"/>
               <a:pPr/>
-              <a:t>4/20/2016</a:t>
+              <a:t>6/9/2016</a:t>
             </a:fld>
             <a:endParaRPr lang="en-US"/>
           </a:p>
@@ -3097,14 +3097,14 @@
         </p:nvSpPr>
         <p:spPr>
           <a:xfrm>
-            <a:off x="3563888" y="764704"/>
-            <a:ext cx="2088232" cy="1080120"/>
+            <a:off x="3347864" y="476672"/>
+            <a:ext cx="2520280" cy="1224136"/>
           </a:xfrm>
           <a:prstGeom prst="roundRect">
             <a:avLst/>
           </a:prstGeom>
           <a:solidFill>
-            <a:srgbClr val="EDC87A"/>
+            <a:srgbClr val="FDF8F1"/>
           </a:solidFill>
           <a:ln>
             <a:noFill/>
@@ -3116,17 +3116,6 @@
               </a:srgbClr>
             </a:outerShdw>
           </a:effectLst>
-          <a:scene3d>
-            <a:camera prst="orthographicFront">
-              <a:rot lat="0" lon="0" rev="0"/>
-            </a:camera>
-            <a:lightRig rig="balanced" dir="t">
-              <a:rot lat="0" lon="0" rev="8700000"/>
-            </a:lightRig>
-          </a:scene3d>
-          <a:sp3d>
-            <a:bevelT w="190500" h="38100"/>
-          </a:sp3d>
         </p:spPr>
         <p:style>
           <a:lnRef idx="2">
@@ -3150,32 +3139,18 @@
           <a:p>
             <a:pPr algn="ctr"/>
             <a:r>
-              <a:rPr lang="en-US" b="1" dirty="0" err="1" smtClean="0">
+              <a:rPr lang="en-US" sz="2400" b="1" dirty="0" smtClean="0">
                 <a:solidFill>
-                  <a:srgbClr val="00335F"/>
+                  <a:srgbClr val="DE7D47"/>
                 </a:solidFill>
               </a:rPr>
-              <a:t>openEHR</a:t>
+              <a:t>Board of Governors</a:t>
             </a:r>
-            <a:r>
-              <a:rPr lang="en-US" b="1" dirty="0" smtClean="0">
-                <a:solidFill>
-                  <a:srgbClr val="00335F"/>
-                </a:solidFill>
-              </a:rPr>
-              <a:t> Foundation</a:t>
-            </a:r>
-          </a:p>
-          <a:p>
-            <a:pPr algn="ctr"/>
-            <a:r>
-              <a:rPr lang="en-US" b="1" dirty="0" smtClean="0">
-                <a:solidFill>
-                  <a:srgbClr val="00335F"/>
-                </a:solidFill>
-              </a:rPr>
-              <a:t>Board</a:t>
-            </a:r>
+            <a:endParaRPr lang="en-US" sz="2400" b="1" dirty="0" smtClean="0">
+              <a:solidFill>
+                <a:srgbClr val="DE7D47"/>
+              </a:solidFill>
+            </a:endParaRPr>
           </a:p>
         </p:txBody>
       </p:sp>
@@ -3187,14 +3162,17 @@
         </p:nvSpPr>
         <p:spPr>
           <a:xfrm>
-            <a:off x="1043608" y="5013176"/>
-            <a:ext cx="1656184" cy="864096"/>
+            <a:off x="251520" y="5013176"/>
+            <a:ext cx="2016224" cy="1008112"/>
           </a:xfrm>
           <a:prstGeom prst="rect">
             <a:avLst/>
           </a:prstGeom>
           <a:solidFill>
-            <a:srgbClr val="BADDEE"/>
+            <a:schemeClr val="accent5">
+              <a:lumMod val="20000"/>
+              <a:lumOff val="80000"/>
+            </a:schemeClr>
           </a:solidFill>
           <a:ln>
             <a:noFill/>
@@ -3206,17 +3184,6 @@
               </a:srgbClr>
             </a:outerShdw>
           </a:effectLst>
-          <a:scene3d>
-            <a:camera prst="orthographicFront">
-              <a:rot lat="0" lon="0" rev="0"/>
-            </a:camera>
-            <a:lightRig rig="balanced" dir="t">
-              <a:rot lat="0" lon="0" rev="8700000"/>
-            </a:lightRig>
-          </a:scene3d>
-          <a:sp3d>
-            <a:bevelT w="190500" h="38100"/>
-          </a:sp3d>
         </p:spPr>
         <p:style>
           <a:lnRef idx="2">
@@ -3240,9 +3207,9 @@
           <a:p>
             <a:pPr algn="ctr"/>
             <a:r>
-              <a:rPr lang="en-US" i="1" dirty="0" smtClean="0">
+              <a:rPr lang="en-US" sz="2200" b="1" dirty="0" smtClean="0">
                 <a:solidFill>
-                  <a:srgbClr val="00335F"/>
+                  <a:srgbClr val="28597A"/>
                 </a:solidFill>
               </a:rPr>
               <a:t>Specification</a:t>
@@ -3251,16 +3218,16 @@
           <a:p>
             <a:pPr algn="ctr"/>
             <a:r>
-              <a:rPr lang="en-US" i="1" dirty="0" smtClean="0">
+              <a:rPr lang="en-US" sz="2200" b="1" dirty="0" smtClean="0">
                 <a:solidFill>
-                  <a:srgbClr val="00335F"/>
+                  <a:srgbClr val="28597A"/>
                 </a:solidFill>
               </a:rPr>
               <a:t>Program</a:t>
             </a:r>
-            <a:endParaRPr lang="en-US" i="1" dirty="0">
+            <a:endParaRPr lang="en-US" sz="2200" b="1" dirty="0">
               <a:solidFill>
-                <a:srgbClr val="00335F"/>
+                <a:srgbClr val="28597A"/>
               </a:solidFill>
             </a:endParaRPr>
           </a:p>
@@ -3274,14 +3241,17 @@
         </p:nvSpPr>
         <p:spPr>
           <a:xfrm>
-            <a:off x="2843808" y="5013176"/>
-            <a:ext cx="1656184" cy="864096"/>
+            <a:off x="2483768" y="5013176"/>
+            <a:ext cx="2016224" cy="1008112"/>
           </a:xfrm>
           <a:prstGeom prst="rect">
             <a:avLst/>
           </a:prstGeom>
           <a:solidFill>
-            <a:srgbClr val="BADDEE"/>
+            <a:schemeClr val="accent5">
+              <a:lumMod val="20000"/>
+              <a:lumOff val="80000"/>
+            </a:schemeClr>
           </a:solidFill>
           <a:ln>
             <a:noFill/>
@@ -3293,17 +3263,6 @@
               </a:srgbClr>
             </a:outerShdw>
           </a:effectLst>
-          <a:scene3d>
-            <a:camera prst="orthographicFront">
-              <a:rot lat="0" lon="0" rev="0"/>
-            </a:camera>
-            <a:lightRig rig="balanced" dir="t">
-              <a:rot lat="0" lon="0" rev="8700000"/>
-            </a:lightRig>
-          </a:scene3d>
-          <a:sp3d>
-            <a:bevelT w="190500" h="38100"/>
-          </a:sp3d>
         </p:spPr>
         <p:style>
           <a:lnRef idx="2">
@@ -3327,9 +3286,9 @@
           <a:p>
             <a:pPr algn="ctr"/>
             <a:r>
-              <a:rPr lang="en-US" i="1" dirty="0" smtClean="0">
+              <a:rPr lang="en-US" sz="2200" b="1" dirty="0" smtClean="0">
                 <a:solidFill>
-                  <a:srgbClr val="00335F"/>
+                  <a:srgbClr val="28597A"/>
                 </a:solidFill>
               </a:rPr>
               <a:t>Clinical Models</a:t>
@@ -3338,16 +3297,16 @@
           <a:p>
             <a:pPr algn="ctr"/>
             <a:r>
-              <a:rPr lang="en-US" i="1" dirty="0" smtClean="0">
+              <a:rPr lang="en-US" sz="2200" b="1" dirty="0" smtClean="0">
                 <a:solidFill>
-                  <a:srgbClr val="00335F"/>
+                  <a:srgbClr val="28597A"/>
                 </a:solidFill>
               </a:rPr>
               <a:t>Program</a:t>
             </a:r>
-            <a:endParaRPr lang="en-US" i="1" dirty="0">
+            <a:endParaRPr lang="en-US" sz="2200" b="1" dirty="0">
               <a:solidFill>
-                <a:srgbClr val="00335F"/>
+                <a:srgbClr val="28597A"/>
               </a:solidFill>
             </a:endParaRPr>
           </a:p>
@@ -3361,14 +3320,17 @@
         </p:nvSpPr>
         <p:spPr>
           <a:xfrm>
-            <a:off x="4644008" y="5013176"/>
-            <a:ext cx="1656184" cy="864096"/>
+            <a:off x="4716016" y="5013176"/>
+            <a:ext cx="2016224" cy="1008112"/>
           </a:xfrm>
           <a:prstGeom prst="rect">
             <a:avLst/>
           </a:prstGeom>
           <a:solidFill>
-            <a:srgbClr val="BADDEE"/>
+            <a:schemeClr val="accent5">
+              <a:lumMod val="20000"/>
+              <a:lumOff val="80000"/>
+            </a:schemeClr>
           </a:solidFill>
           <a:ln>
             <a:noFill/>
@@ -3380,17 +3342,6 @@
               </a:srgbClr>
             </a:outerShdw>
           </a:effectLst>
-          <a:scene3d>
-            <a:camera prst="orthographicFront">
-              <a:rot lat="0" lon="0" rev="0"/>
-            </a:camera>
-            <a:lightRig rig="balanced" dir="t">
-              <a:rot lat="0" lon="0" rev="8700000"/>
-            </a:lightRig>
-          </a:scene3d>
-          <a:sp3d>
-            <a:bevelT w="190500" h="38100"/>
-          </a:sp3d>
         </p:spPr>
         <p:style>
           <a:lnRef idx="2">
@@ -3414,9 +3365,9 @@
           <a:p>
             <a:pPr algn="ctr"/>
             <a:r>
-              <a:rPr lang="en-US" i="1" dirty="0" smtClean="0">
+              <a:rPr lang="en-US" sz="2200" b="1" dirty="0" smtClean="0">
                 <a:solidFill>
-                  <a:srgbClr val="00335F"/>
+                  <a:srgbClr val="28597A"/>
                 </a:solidFill>
               </a:rPr>
               <a:t>Software</a:t>
@@ -3425,16 +3376,16 @@
           <a:p>
             <a:pPr algn="ctr"/>
             <a:r>
-              <a:rPr lang="en-US" i="1" dirty="0" smtClean="0">
+              <a:rPr lang="en-US" sz="2200" b="1" dirty="0" smtClean="0">
                 <a:solidFill>
-                  <a:srgbClr val="00335F"/>
+                  <a:srgbClr val="28597A"/>
                 </a:solidFill>
               </a:rPr>
               <a:t>Program</a:t>
             </a:r>
-            <a:endParaRPr lang="en-US" i="1" dirty="0">
+            <a:endParaRPr lang="en-US" sz="2200" b="1" dirty="0">
               <a:solidFill>
-                <a:srgbClr val="00335F"/>
+                <a:srgbClr val="28597A"/>
               </a:solidFill>
             </a:endParaRPr>
           </a:p>
@@ -3448,14 +3399,17 @@
         </p:nvSpPr>
         <p:spPr>
           <a:xfrm>
-            <a:off x="6444208" y="5013176"/>
-            <a:ext cx="1656184" cy="864096"/>
+            <a:off x="6948264" y="5013176"/>
+            <a:ext cx="2016224" cy="1008112"/>
           </a:xfrm>
           <a:prstGeom prst="rect">
             <a:avLst/>
           </a:prstGeom>
           <a:solidFill>
-            <a:srgbClr val="BADDEE"/>
+            <a:schemeClr val="accent5">
+              <a:lumMod val="20000"/>
+              <a:lumOff val="80000"/>
+            </a:schemeClr>
           </a:solidFill>
           <a:ln>
             <a:noFill/>
@@ -3467,17 +3421,6 @@
               </a:srgbClr>
             </a:outerShdw>
           </a:effectLst>
-          <a:scene3d>
-            <a:camera prst="orthographicFront">
-              <a:rot lat="0" lon="0" rev="0"/>
-            </a:camera>
-            <a:lightRig rig="balanced" dir="t">
-              <a:rot lat="0" lon="0" rev="8700000"/>
-            </a:lightRig>
-          </a:scene3d>
-          <a:sp3d>
-            <a:bevelT w="190500" h="38100"/>
-          </a:sp3d>
         </p:spPr>
         <p:style>
           <a:lnRef idx="2">
@@ -3501,32 +3444,32 @@
           <a:p>
             <a:pPr algn="ctr"/>
             <a:r>
-              <a:rPr lang="en-US" i="1" dirty="0" err="1" smtClean="0">
+              <a:rPr lang="en-US" sz="2200" b="1" dirty="0" err="1" smtClean="0">
                 <a:solidFill>
-                  <a:srgbClr val="00335F"/>
+                  <a:srgbClr val="28597A"/>
                 </a:solidFill>
               </a:rPr>
               <a:t>Localisation</a:t>
             </a:r>
-            <a:endParaRPr lang="en-US" i="1" dirty="0" smtClean="0">
+            <a:endParaRPr lang="en-US" sz="2200" b="1" dirty="0" smtClean="0">
               <a:solidFill>
-                <a:srgbClr val="00335F"/>
+                <a:srgbClr val="28597A"/>
               </a:solidFill>
             </a:endParaRPr>
           </a:p>
           <a:p>
             <a:pPr algn="ctr"/>
             <a:r>
-              <a:rPr lang="en-US" i="1" dirty="0" smtClean="0">
+              <a:rPr lang="en-US" sz="2200" b="1" dirty="0" smtClean="0">
                 <a:solidFill>
-                  <a:srgbClr val="00335F"/>
+                  <a:srgbClr val="28597A"/>
                 </a:solidFill>
               </a:rPr>
               <a:t>Program</a:t>
             </a:r>
-            <a:endParaRPr lang="en-US" i="1" dirty="0">
+            <a:endParaRPr lang="en-US" sz="2200" b="1" dirty="0">
               <a:solidFill>
-                <a:srgbClr val="00335F"/>
+                <a:srgbClr val="28597A"/>
               </a:solidFill>
             </a:endParaRPr>
           </a:p>
@@ -3536,20 +3479,28 @@
         <p:nvCxnSpPr>
           <p:cNvPr id="42" name="Elbow Connector 41"/>
           <p:cNvCxnSpPr>
+            <a:stCxn id="15" idx="2"/>
             <a:endCxn id="13" idx="0"/>
           </p:cNvCxnSpPr>
           <p:nvPr/>
         </p:nvCxnSpPr>
         <p:spPr>
           <a:xfrm rot="5400000">
-            <a:off x="2699792" y="3104964"/>
-            <a:ext cx="1080120" cy="2736304"/>
+            <a:off x="2213738" y="2618910"/>
+            <a:ext cx="1440160" cy="3348372"/>
           </a:xfrm>
           <a:prstGeom prst="bentConnector3">
             <a:avLst>
-              <a:gd name="adj1" fmla="val 50000"/>
+              <a:gd name="adj1" fmla="val 65392"/>
             </a:avLst>
           </a:prstGeom>
+          <a:ln w="12700">
+            <a:solidFill>
+              <a:schemeClr val="bg1">
+                <a:lumMod val="75000"/>
+              </a:schemeClr>
+            </a:solidFill>
+          </a:ln>
         </p:spPr>
         <p:style>
           <a:lnRef idx="1">
@@ -3570,20 +3521,28 @@
         <p:nvCxnSpPr>
           <p:cNvPr id="45" name="Elbow Connector 44"/>
           <p:cNvCxnSpPr>
+            <a:stCxn id="15" idx="2"/>
             <a:endCxn id="30" idx="0"/>
           </p:cNvCxnSpPr>
           <p:nvPr/>
         </p:nvCxnSpPr>
         <p:spPr>
           <a:xfrm rot="5400000">
-            <a:off x="3599892" y="4005064"/>
-            <a:ext cx="1080120" cy="936104"/>
+            <a:off x="3329862" y="3735034"/>
+            <a:ext cx="1440160" cy="1116124"/>
           </a:xfrm>
           <a:prstGeom prst="bentConnector3">
             <a:avLst>
-              <a:gd name="adj1" fmla="val 50000"/>
+              <a:gd name="adj1" fmla="val 65392"/>
             </a:avLst>
           </a:prstGeom>
+          <a:ln w="12700">
+            <a:solidFill>
+              <a:schemeClr val="bg1">
+                <a:lumMod val="75000"/>
+              </a:schemeClr>
+            </a:solidFill>
+          </a:ln>
         </p:spPr>
         <p:style>
           <a:lnRef idx="1">
@@ -3604,20 +3563,28 @@
         <p:nvCxnSpPr>
           <p:cNvPr id="48" name="Elbow Connector 47"/>
           <p:cNvCxnSpPr>
+            <a:stCxn id="15" idx="2"/>
             <a:endCxn id="32" idx="0"/>
           </p:cNvCxnSpPr>
           <p:nvPr/>
         </p:nvCxnSpPr>
         <p:spPr>
           <a:xfrm rot="16200000" flipH="1">
-            <a:off x="5400092" y="3140968"/>
-            <a:ext cx="1080120" cy="2664296"/>
+            <a:off x="5562110" y="2618910"/>
+            <a:ext cx="1440160" cy="3348372"/>
           </a:xfrm>
           <a:prstGeom prst="bentConnector3">
             <a:avLst>
-              <a:gd name="adj1" fmla="val 50000"/>
+              <a:gd name="adj1" fmla="val 65392"/>
             </a:avLst>
           </a:prstGeom>
+          <a:ln w="12700">
+            <a:solidFill>
+              <a:schemeClr val="bg1">
+                <a:lumMod val="75000"/>
+              </a:schemeClr>
+            </a:solidFill>
+          </a:ln>
         </p:spPr>
         <p:style>
           <a:lnRef idx="1">
@@ -3638,53 +3605,28 @@
         <p:nvCxnSpPr>
           <p:cNvPr id="58" name="Elbow Connector 57"/>
           <p:cNvCxnSpPr>
+            <a:stCxn id="15" idx="2"/>
             <a:endCxn id="31" idx="0"/>
           </p:cNvCxnSpPr>
           <p:nvPr/>
         </p:nvCxnSpPr>
         <p:spPr>
           <a:xfrm rot="16200000" flipH="1">
-            <a:off x="4499992" y="4041068"/>
-            <a:ext cx="1080120" cy="864096"/>
+            <a:off x="4445986" y="3735034"/>
+            <a:ext cx="1440160" cy="1116124"/>
           </a:xfrm>
           <a:prstGeom prst="bentConnector3">
             <a:avLst>
-              <a:gd name="adj1" fmla="val 50000"/>
+              <a:gd name="adj1" fmla="val 65392"/>
             </a:avLst>
           </a:prstGeom>
-        </p:spPr>
-        <p:style>
-          <a:lnRef idx="1">
-            <a:schemeClr val="accent1"/>
-          </a:lnRef>
-          <a:fillRef idx="0">
-            <a:schemeClr val="accent1"/>
-          </a:fillRef>
-          <a:effectRef idx="0">
-            <a:schemeClr val="accent1"/>
-          </a:effectRef>
-          <a:fontRef idx="minor">
-            <a:schemeClr val="tx1"/>
-          </a:fontRef>
-        </p:style>
-      </p:cxnSp>
-      <p:cxnSp>
-        <p:nvCxnSpPr>
-          <p:cNvPr id="21" name="Straight Connector 20"/>
-          <p:cNvCxnSpPr>
-            <a:stCxn id="4" idx="2"/>
-            <a:endCxn id="15" idx="0"/>
-          </p:cNvCxnSpPr>
-          <p:nvPr/>
-        </p:nvCxnSpPr>
-        <p:spPr>
-          <a:xfrm>
-            <a:off x="4608004" y="1844824"/>
-            <a:ext cx="0" cy="1008112"/>
-          </a:xfrm>
-          <a:prstGeom prst="line">
-            <a:avLst/>
-          </a:prstGeom>
+          <a:ln w="12700">
+            <a:solidFill>
+              <a:schemeClr val="bg1">
+                <a:lumMod val="75000"/>
+              </a:schemeClr>
+            </a:solidFill>
+          </a:ln>
         </p:spPr>
         <p:style>
           <a:lnRef idx="1">
@@ -3703,20 +3645,20 @@
       </p:cxnSp>
       <p:sp>
         <p:nvSpPr>
-          <p:cNvPr id="14" name="Rounded Rectangle 13"/>
+          <p:cNvPr id="15" name="Rounded Rectangle 14"/>
           <p:cNvSpPr/>
           <p:nvPr/>
         </p:nvSpPr>
         <p:spPr>
           <a:xfrm>
-            <a:off x="6084168" y="2852936"/>
-            <a:ext cx="2088232" cy="1080120"/>
+            <a:off x="3347864" y="2312876"/>
+            <a:ext cx="2520280" cy="1260140"/>
           </a:xfrm>
           <a:prstGeom prst="roundRect">
             <a:avLst/>
           </a:prstGeom>
           <a:solidFill>
-            <a:srgbClr val="F7EFC1"/>
+            <a:srgbClr val="F8E7C4"/>
           </a:solidFill>
           <a:ln>
             <a:noFill/>
@@ -3728,17 +3670,6 @@
               </a:srgbClr>
             </a:outerShdw>
           </a:effectLst>
-          <a:scene3d>
-            <a:camera prst="orthographicFront">
-              <a:rot lat="0" lon="0" rev="0"/>
-            </a:camera>
-            <a:lightRig rig="balanced" dir="t">
-              <a:rot lat="0" lon="0" rev="8700000"/>
-            </a:lightRig>
-          </a:scene3d>
-          <a:sp3d>
-            <a:bevelT w="190500" h="38100"/>
-          </a:sp3d>
         </p:spPr>
         <p:style>
           <a:lnRef idx="2">
@@ -3762,51 +3693,90 @@
           <a:p>
             <a:pPr algn="ctr"/>
             <a:r>
-              <a:rPr lang="en-US" b="1" dirty="0" err="1" smtClean="0">
+              <a:rPr lang="en-US" sz="2400" b="1" dirty="0" smtClean="0">
                 <a:solidFill>
-                  <a:srgbClr val="00335F"/>
+                  <a:srgbClr val="DE7D47"/>
                 </a:solidFill>
               </a:rPr>
-              <a:t>openEHR</a:t>
+              <a:t>Management</a:t>
             </a:r>
+            <a:endParaRPr lang="en-US" sz="2400" b="1" dirty="0" smtClean="0">
+              <a:solidFill>
+                <a:srgbClr val="DE7D47"/>
+              </a:solidFill>
+            </a:endParaRPr>
+          </a:p>
+          <a:p>
+            <a:pPr algn="ctr"/>
             <a:r>
-              <a:rPr lang="en-US" b="1" dirty="0" smtClean="0">
+              <a:rPr lang="en-US" sz="2400" b="1" dirty="0" smtClean="0">
                 <a:solidFill>
-                  <a:srgbClr val="00335F"/>
+                  <a:srgbClr val="DE7D47"/>
                 </a:solidFill>
               </a:rPr>
-              <a:t> Foundation </a:t>
-            </a:r>
-          </a:p>
-          <a:p>
-            <a:pPr algn="ctr"/>
-            <a:r>
-              <a:rPr lang="en-US" b="1" dirty="0" smtClean="0">
-                <a:solidFill>
-                  <a:srgbClr val="00335F"/>
-                </a:solidFill>
-              </a:rPr>
-              <a:t>Office</a:t>
+              <a:t>Board</a:t>
             </a:r>
           </a:p>
         </p:txBody>
       </p:sp>
+      <p:cxnSp>
+        <p:nvCxnSpPr>
+          <p:cNvPr id="27" name="Elbow Connector 47"/>
+          <p:cNvCxnSpPr>
+            <a:stCxn id="4" idx="2"/>
+            <a:endCxn id="15" idx="0"/>
+          </p:cNvCxnSpPr>
+          <p:nvPr/>
+        </p:nvCxnSpPr>
+        <p:spPr>
+          <a:xfrm>
+            <a:off x="4608004" y="1700808"/>
+            <a:ext cx="0" cy="612068"/>
+          </a:xfrm>
+          <a:prstGeom prst="straightConnector1">
+            <a:avLst/>
+          </a:prstGeom>
+          <a:ln w="12700">
+            <a:solidFill>
+              <a:schemeClr val="bg1">
+                <a:lumMod val="75000"/>
+              </a:schemeClr>
+            </a:solidFill>
+          </a:ln>
+        </p:spPr>
+        <p:style>
+          <a:lnRef idx="1">
+            <a:schemeClr val="accent1"/>
+          </a:lnRef>
+          <a:fillRef idx="0">
+            <a:schemeClr val="accent1"/>
+          </a:fillRef>
+          <a:effectRef idx="0">
+            <a:schemeClr val="accent1"/>
+          </a:effectRef>
+          <a:fontRef idx="minor">
+            <a:schemeClr val="tx1"/>
+          </a:fontRef>
+        </p:style>
+      </p:cxnSp>
       <p:sp>
         <p:nvSpPr>
-          <p:cNvPr id="15" name="Rounded Rectangle 14"/>
+          <p:cNvPr id="35" name="Rectangle 12"/>
           <p:cNvSpPr/>
           <p:nvPr/>
         </p:nvSpPr>
         <p:spPr>
           <a:xfrm>
-            <a:off x="3563888" y="2852936"/>
-            <a:ext cx="2088232" cy="1080120"/>
-          </a:xfrm>
-          <a:prstGeom prst="roundRect">
+            <a:off x="467544" y="1844824"/>
+            <a:ext cx="1944216" cy="936104"/>
+          </a:xfrm>
+          <a:prstGeom prst="rect">
             <a:avLst/>
           </a:prstGeom>
           <a:solidFill>
-            <a:srgbClr val="EDC87A"/>
+            <a:schemeClr val="bg1">
+              <a:lumMod val="95000"/>
+            </a:schemeClr>
           </a:solidFill>
           <a:ln>
             <a:noFill/>
@@ -3818,17 +3788,6 @@
               </a:srgbClr>
             </a:outerShdw>
           </a:effectLst>
-          <a:scene3d>
-            <a:camera prst="orthographicFront">
-              <a:rot lat="0" lon="0" rev="0"/>
-            </a:camera>
-            <a:lightRig rig="balanced" dir="t">
-              <a:rot lat="0" lon="0" rev="8700000"/>
-            </a:lightRig>
-          </a:scene3d>
-          <a:sp3d>
-            <a:bevelT w="190500" h="38100"/>
-          </a:sp3d>
         </p:spPr>
         <p:style>
           <a:lnRef idx="2">
@@ -3852,54 +3811,168 @@
           <a:p>
             <a:pPr algn="ctr"/>
             <a:r>
-              <a:rPr lang="en-US" b="1" dirty="0" err="1" smtClean="0">
+              <a:rPr lang="en-US" sz="2200" b="1" dirty="0" smtClean="0">
                 <a:solidFill>
-                  <a:srgbClr val="00335F"/>
+                  <a:schemeClr val="tx1">
+                    <a:lumMod val="50000"/>
+                    <a:lumOff val="50000"/>
+                  </a:schemeClr>
                 </a:solidFill>
               </a:rPr>
-              <a:t>openEHR</a:t>
+              <a:t>Web Committee</a:t>
             </a:r>
+            <a:endParaRPr lang="en-US" sz="2200" b="1" dirty="0" smtClean="0">
+              <a:solidFill>
+                <a:schemeClr val="tx1">
+                  <a:lumMod val="50000"/>
+                  <a:lumOff val="50000"/>
+                </a:schemeClr>
+              </a:solidFill>
+            </a:endParaRPr>
+          </a:p>
+        </p:txBody>
+      </p:sp>
+      <p:sp>
+        <p:nvSpPr>
+          <p:cNvPr id="37" name="Rectangle 12"/>
+          <p:cNvSpPr/>
+          <p:nvPr/>
+        </p:nvSpPr>
+        <p:spPr>
+          <a:xfrm>
+            <a:off x="467544" y="3032957"/>
+            <a:ext cx="1944216" cy="972107"/>
+          </a:xfrm>
+          <a:prstGeom prst="rect">
+            <a:avLst/>
+          </a:prstGeom>
+          <a:solidFill>
+            <a:schemeClr val="bg1">
+              <a:lumMod val="95000"/>
+            </a:schemeClr>
+          </a:solidFill>
+          <a:ln>
+            <a:noFill/>
+          </a:ln>
+          <a:effectLst>
+            <a:outerShdw blurRad="44450" dist="27940" dir="5400000" algn="ctr">
+              <a:srgbClr val="000000">
+                <a:alpha val="32000"/>
+              </a:srgbClr>
+            </a:outerShdw>
+          </a:effectLst>
+        </p:spPr>
+        <p:style>
+          <a:lnRef idx="2">
+            <a:schemeClr val="accent1">
+              <a:shade val="50000"/>
+            </a:schemeClr>
+          </a:lnRef>
+          <a:fillRef idx="1">
+            <a:schemeClr val="accent1"/>
+          </a:fillRef>
+          <a:effectRef idx="0">
+            <a:schemeClr val="accent1"/>
+          </a:effectRef>
+          <a:fontRef idx="minor">
+            <a:schemeClr val="lt1"/>
+          </a:fontRef>
+        </p:style>
+        <p:txBody>
+          <a:bodyPr rtlCol="0" anchor="ctr"/>
+          <a:lstStyle/>
+          <a:p>
+            <a:pPr algn="ctr"/>
             <a:r>
-              <a:rPr lang="en-US" b="1" dirty="0" smtClean="0">
+              <a:rPr lang="en-US" sz="2200" b="1" dirty="0" smtClean="0">
                 <a:solidFill>
-                  <a:srgbClr val="00335F"/>
+                  <a:schemeClr val="tx1">
+                    <a:lumMod val="50000"/>
+                    <a:lumOff val="50000"/>
+                  </a:schemeClr>
                 </a:solidFill>
               </a:rPr>
-              <a:t> Management</a:t>
+              <a:t>Infrastructure Admin</a:t>
             </a:r>
-          </a:p>
-          <a:p>
-            <a:pPr algn="ctr"/>
-            <a:r>
-              <a:rPr lang="en-US" b="1" dirty="0" smtClean="0">
-                <a:solidFill>
-                  <a:srgbClr val="00335F"/>
-                </a:solidFill>
-              </a:rPr>
-              <a:t>Board</a:t>
-            </a:r>
+            <a:endParaRPr lang="en-US" sz="2200" b="1" dirty="0" smtClean="0">
+              <a:solidFill>
+                <a:schemeClr val="tx1">
+                  <a:lumMod val="50000"/>
+                  <a:lumOff val="50000"/>
+                </a:schemeClr>
+              </a:solidFill>
+            </a:endParaRPr>
           </a:p>
         </p:txBody>
       </p:sp>
       <p:cxnSp>
         <p:nvCxnSpPr>
-          <p:cNvPr id="16" name="Elbow Connector 15"/>
+          <p:cNvPr id="44" name="Elbow Connector 41"/>
           <p:cNvCxnSpPr>
-            <a:stCxn id="4" idx="2"/>
-            <a:endCxn id="14" idx="0"/>
+            <a:stCxn id="15" idx="1"/>
+            <a:endCxn id="37" idx="3"/>
           </p:cNvCxnSpPr>
           <p:nvPr/>
         </p:nvCxnSpPr>
         <p:spPr>
-          <a:xfrm rot="16200000" flipH="1">
-            <a:off x="5364088" y="1088740"/>
-            <a:ext cx="1008112" cy="2520280"/>
+          <a:xfrm rot="10800000" flipV="1">
+            <a:off x="2411760" y="2942945"/>
+            <a:ext cx="936104" cy="576065"/>
           </a:xfrm>
           <a:prstGeom prst="bentConnector3">
             <a:avLst>
               <a:gd name="adj1" fmla="val 50000"/>
             </a:avLst>
           </a:prstGeom>
+          <a:ln w="12700">
+            <a:solidFill>
+              <a:schemeClr val="bg1">
+                <a:lumMod val="75000"/>
+              </a:schemeClr>
+            </a:solidFill>
+          </a:ln>
+        </p:spPr>
+        <p:style>
+          <a:lnRef idx="1">
+            <a:schemeClr val="accent1"/>
+          </a:lnRef>
+          <a:fillRef idx="0">
+            <a:schemeClr val="accent1"/>
+          </a:fillRef>
+          <a:effectRef idx="0">
+            <a:schemeClr val="accent1"/>
+          </a:effectRef>
+          <a:fontRef idx="minor">
+            <a:schemeClr val="tx1"/>
+          </a:fontRef>
+        </p:style>
+      </p:cxnSp>
+      <p:cxnSp>
+        <p:nvCxnSpPr>
+          <p:cNvPr id="49" name="Elbow Connector 41"/>
+          <p:cNvCxnSpPr>
+            <a:stCxn id="15" idx="1"/>
+            <a:endCxn id="35" idx="3"/>
+          </p:cNvCxnSpPr>
+          <p:nvPr/>
+        </p:nvCxnSpPr>
+        <p:spPr>
+          <a:xfrm rot="10800000">
+            <a:off x="2411760" y="2312876"/>
+            <a:ext cx="936104" cy="630070"/>
+          </a:xfrm>
+          <a:prstGeom prst="bentConnector3">
+            <a:avLst>
+              <a:gd name="adj1" fmla="val 50000"/>
+            </a:avLst>
+          </a:prstGeom>
+          <a:ln w="12700">
+            <a:solidFill>
+              <a:schemeClr val="bg1">
+                <a:lumMod val="75000"/>
+              </a:schemeClr>
+            </a:solidFill>
+          </a:ln>
         </p:spPr>
         <p:style>
           <a:lnRef idx="1">
@@ -8807,15 +8880,7 @@
                   <a:srgbClr val="E13A0D"/>
                 </a:solidFill>
               </a:rPr>
-              <a:t>Model </a:t>
-            </a:r>
-            <a:r>
-              <a:rPr lang="en-GB" sz="2400" dirty="0" smtClean="0">
-                <a:solidFill>
-                  <a:srgbClr val="E13A0D"/>
-                </a:solidFill>
-              </a:rPr>
-              <a:t>Repository</a:t>
+              <a:t>Model Repository</a:t>
             </a:r>
             <a:endParaRPr lang="en-GB" sz="2000" dirty="0">
               <a:solidFill>
@@ -10809,15 +10874,7 @@
                   <a:srgbClr val="E13A0D"/>
                 </a:solidFill>
               </a:rPr>
-              <a:t>Model </a:t>
-            </a:r>
-            <a:r>
-              <a:rPr lang="en-GB" sz="2400" dirty="0" smtClean="0">
-                <a:solidFill>
-                  <a:srgbClr val="E13A0D"/>
-                </a:solidFill>
-              </a:rPr>
-              <a:t>Repository</a:t>
+              <a:t>Model Repository</a:t>
             </a:r>
             <a:endParaRPr lang="en-GB" sz="2000" dirty="0">
               <a:solidFill>
@@ -27816,15 +27873,7 @@
                   <a:srgbClr val="E13A0D"/>
                 </a:solidFill>
               </a:rPr>
-              <a:t>Model </a:t>
-            </a:r>
-            <a:r>
-              <a:rPr lang="en-GB" sz="2400" dirty="0" smtClean="0">
-                <a:solidFill>
-                  <a:srgbClr val="E13A0D"/>
-                </a:solidFill>
-              </a:rPr>
-              <a:t>Repository</a:t>
+              <a:t>Model Repository</a:t>
             </a:r>
             <a:endParaRPr lang="en-GB" sz="2000" dirty="0">
               <a:solidFill>
@@ -31288,804 +31337,31 @@
       </p:grpSpPr>
       <p:sp>
         <p:nvSpPr>
-          <p:cNvPr id="2" name="Pie 1"/>
+          <p:cNvPr id="11" name="Ovál 10"/>
           <p:cNvSpPr/>
           <p:nvPr/>
         </p:nvSpPr>
         <p:spPr>
-          <a:xfrm flipH="1">
-            <a:off x="1976939" y="957693"/>
-            <a:ext cx="5256584" cy="4248472"/>
-          </a:xfrm>
-          <a:prstGeom prst="pie">
-            <a:avLst>
-              <a:gd name="adj1" fmla="val 10648126"/>
-              <a:gd name="adj2" fmla="val 13292137"/>
-            </a:avLst>
+          <a:xfrm>
+            <a:off x="251520" y="144016"/>
+            <a:ext cx="8424936" cy="6453336"/>
+          </a:xfrm>
+          <a:prstGeom prst="ellipse">
+            <a:avLst/>
           </a:prstGeom>
           <a:solidFill>
-            <a:srgbClr val="EDC87A"/>
-          </a:solidFill>
-          <a:ln w="6350">
-            <a:noFill/>
-          </a:ln>
-          <a:effectLst/>
-          <a:scene3d>
-            <a:camera prst="orthographicFront">
-              <a:rot lat="0" lon="0" rev="0"/>
-            </a:camera>
-            <a:lightRig rig="contrasting" dir="t">
-              <a:rot lat="0" lon="0" rev="1500000"/>
-            </a:lightRig>
-          </a:scene3d>
-          <a:sp3d prstMaterial="metal">
-            <a:bevelT w="88900" h="88900"/>
-          </a:sp3d>
-        </p:spPr>
-        <p:style>
-          <a:lnRef idx="2">
-            <a:schemeClr val="accent1">
-              <a:shade val="50000"/>
-            </a:schemeClr>
-          </a:lnRef>
-          <a:fillRef idx="1">
-            <a:schemeClr val="accent1"/>
-          </a:fillRef>
-          <a:effectRef idx="0">
-            <a:schemeClr val="accent1"/>
-          </a:effectRef>
-          <a:fontRef idx="minor">
-            <a:schemeClr val="lt1"/>
-          </a:fontRef>
-        </p:style>
-        <p:txBody>
-          <a:bodyPr rtlCol="0" anchor="ctr"/>
-          <a:lstStyle/>
-          <a:p>
-            <a:pPr algn="ctr"/>
-            <a:endParaRPr lang="en-GB" dirty="0">
-              <a:solidFill>
-                <a:schemeClr val="tx1"/>
-              </a:solidFill>
-            </a:endParaRPr>
-          </a:p>
-        </p:txBody>
-      </p:sp>
-      <p:sp>
-        <p:nvSpPr>
-          <p:cNvPr id="3" name="Pie 2"/>
-          <p:cNvSpPr/>
-          <p:nvPr/>
-        </p:nvSpPr>
-        <p:spPr>
-          <a:xfrm>
-            <a:off x="2048947" y="957693"/>
-            <a:ext cx="5256584" cy="4248472"/>
-          </a:xfrm>
-          <a:prstGeom prst="pie">
-            <a:avLst>
-              <a:gd name="adj1" fmla="val 5375138"/>
-              <a:gd name="adj2" fmla="val 16200000"/>
-            </a:avLst>
-          </a:prstGeom>
-          <a:solidFill>
-            <a:srgbClr val="D7EFF5"/>
-          </a:solidFill>
-          <a:ln w="6350">
-            <a:noFill/>
-          </a:ln>
-          <a:effectLst/>
-          <a:scene3d>
-            <a:camera prst="orthographicFront">
-              <a:rot lat="0" lon="0" rev="0"/>
-            </a:camera>
-            <a:lightRig rig="contrasting" dir="t">
-              <a:rot lat="0" lon="0" rev="1500000"/>
-            </a:lightRig>
-          </a:scene3d>
-          <a:sp3d prstMaterial="metal">
-            <a:bevelT w="88900" h="88900"/>
-          </a:sp3d>
-        </p:spPr>
-        <p:style>
-          <a:lnRef idx="2">
-            <a:schemeClr val="accent1">
-              <a:shade val="50000"/>
-            </a:schemeClr>
-          </a:lnRef>
-          <a:fillRef idx="1">
-            <a:schemeClr val="accent1"/>
-          </a:fillRef>
-          <a:effectRef idx="0">
-            <a:schemeClr val="accent1"/>
-          </a:effectRef>
-          <a:fontRef idx="minor">
-            <a:schemeClr val="lt1"/>
-          </a:fontRef>
-        </p:style>
-        <p:txBody>
-          <a:bodyPr rtlCol="0" anchor="ctr"/>
-          <a:lstStyle/>
-          <a:p>
-            <a:pPr algn="ctr"/>
-            <a:endParaRPr lang="en-GB">
-              <a:solidFill>
-                <a:schemeClr val="tx1"/>
-              </a:solidFill>
-            </a:endParaRPr>
-          </a:p>
-        </p:txBody>
-      </p:sp>
-      <p:sp>
-        <p:nvSpPr>
-          <p:cNvPr id="4" name="Pie 3"/>
-          <p:cNvSpPr/>
-          <p:nvPr/>
-        </p:nvSpPr>
-        <p:spPr>
-          <a:xfrm>
-            <a:off x="2479165" y="1305403"/>
-            <a:ext cx="4396149" cy="3553052"/>
-          </a:xfrm>
-          <a:prstGeom prst="pie">
-            <a:avLst>
-              <a:gd name="adj1" fmla="val 5375138"/>
-              <a:gd name="adj2" fmla="val 16200000"/>
-            </a:avLst>
-          </a:prstGeom>
-          <a:solidFill>
-            <a:srgbClr val="BADDEE"/>
-          </a:solidFill>
-          <a:ln w="6350">
-            <a:noFill/>
-          </a:ln>
-          <a:effectLst/>
-          <a:scene3d>
-            <a:camera prst="orthographicFront">
-              <a:rot lat="0" lon="0" rev="0"/>
-            </a:camera>
-            <a:lightRig rig="contrasting" dir="t">
-              <a:rot lat="0" lon="0" rev="1500000"/>
-            </a:lightRig>
-          </a:scene3d>
-          <a:sp3d prstMaterial="metal">
-            <a:bevelT w="88900" h="88900"/>
-          </a:sp3d>
-        </p:spPr>
-        <p:style>
-          <a:lnRef idx="2">
-            <a:schemeClr val="accent1">
-              <a:shade val="50000"/>
-            </a:schemeClr>
-          </a:lnRef>
-          <a:fillRef idx="1">
-            <a:schemeClr val="accent1"/>
-          </a:fillRef>
-          <a:effectRef idx="0">
-            <a:schemeClr val="accent1"/>
-          </a:effectRef>
-          <a:fontRef idx="minor">
-            <a:schemeClr val="lt1"/>
-          </a:fontRef>
-        </p:style>
-        <p:txBody>
-          <a:bodyPr rtlCol="0" anchor="ctr"/>
-          <a:lstStyle/>
-          <a:p>
-            <a:pPr algn="ctr"/>
-            <a:endParaRPr lang="en-GB">
-              <a:solidFill>
-                <a:schemeClr val="tx1"/>
-              </a:solidFill>
-            </a:endParaRPr>
-          </a:p>
-        </p:txBody>
-      </p:sp>
-      <p:sp>
-        <p:nvSpPr>
-          <p:cNvPr id="5" name="Pie 4"/>
-          <p:cNvSpPr/>
-          <p:nvPr/>
-        </p:nvSpPr>
-        <p:spPr>
-          <a:xfrm>
-            <a:off x="2913043" y="1656072"/>
-            <a:ext cx="3528392" cy="2851714"/>
-          </a:xfrm>
-          <a:prstGeom prst="pie">
-            <a:avLst>
-              <a:gd name="adj1" fmla="val 5375138"/>
-              <a:gd name="adj2" fmla="val 16200000"/>
-            </a:avLst>
-          </a:prstGeom>
-          <a:solidFill>
-            <a:srgbClr val="94C9E4"/>
-          </a:solidFill>
-          <a:ln w="6350">
-            <a:noFill/>
-          </a:ln>
-          <a:effectLst/>
-          <a:scene3d>
-            <a:camera prst="orthographicFront">
-              <a:rot lat="0" lon="0" rev="0"/>
-            </a:camera>
-            <a:lightRig rig="contrasting" dir="t">
-              <a:rot lat="0" lon="0" rev="1500000"/>
-            </a:lightRig>
-          </a:scene3d>
-          <a:sp3d prstMaterial="metal">
-            <a:bevelT w="88900" h="88900"/>
-          </a:sp3d>
-        </p:spPr>
-        <p:style>
-          <a:lnRef idx="2">
-            <a:schemeClr val="accent1">
-              <a:shade val="50000"/>
-            </a:schemeClr>
-          </a:lnRef>
-          <a:fillRef idx="1">
-            <a:schemeClr val="accent1"/>
-          </a:fillRef>
-          <a:effectRef idx="0">
-            <a:schemeClr val="accent1"/>
-          </a:effectRef>
-          <a:fontRef idx="minor">
-            <a:schemeClr val="lt1"/>
-          </a:fontRef>
-        </p:style>
-        <p:txBody>
-          <a:bodyPr rtlCol="0" anchor="ctr"/>
-          <a:lstStyle/>
-          <a:p>
-            <a:pPr algn="ctr"/>
-            <a:endParaRPr lang="en-GB">
-              <a:solidFill>
-                <a:schemeClr val="tx1"/>
-              </a:solidFill>
-            </a:endParaRPr>
-          </a:p>
-        </p:txBody>
-      </p:sp>
-      <p:sp>
-        <p:nvSpPr>
-          <p:cNvPr id="6" name="TextBox 5"/>
-          <p:cNvSpPr txBox="1"/>
-          <p:nvPr/>
-        </p:nvSpPr>
-        <p:spPr>
-          <a:xfrm>
-            <a:off x="4774741" y="5360691"/>
-            <a:ext cx="3541675" cy="646331"/>
-          </a:xfrm>
-          <a:prstGeom prst="rect">
-            <a:avLst/>
-          </a:prstGeom>
-          <a:noFill/>
-        </p:spPr>
-        <p:txBody>
-          <a:bodyPr wrap="none" rtlCol="0">
-            <a:spAutoFit/>
-          </a:bodyPr>
-          <a:lstStyle/>
-          <a:p>
-            <a:r>
-              <a:rPr lang="en-GB" b="1" dirty="0" smtClean="0">
-                <a:solidFill>
-                  <a:srgbClr val="00335F"/>
-                </a:solidFill>
-              </a:rPr>
-              <a:t>Partners (Organisational Members)</a:t>
-            </a:r>
-          </a:p>
-          <a:p>
-            <a:r>
-              <a:rPr lang="en-GB" b="1" dirty="0" smtClean="0">
-                <a:solidFill>
-                  <a:srgbClr val="00335F"/>
-                </a:solidFill>
-              </a:rPr>
-              <a:t>(paying)</a:t>
-            </a:r>
-            <a:endParaRPr lang="en-GB" b="1" dirty="0">
-              <a:solidFill>
-                <a:srgbClr val="00335F"/>
-              </a:solidFill>
-            </a:endParaRPr>
-          </a:p>
-        </p:txBody>
-      </p:sp>
-      <p:sp>
-        <p:nvSpPr>
-          <p:cNvPr id="7" name="TextBox 6"/>
-          <p:cNvSpPr txBox="1"/>
-          <p:nvPr/>
-        </p:nvSpPr>
-        <p:spPr>
-          <a:xfrm>
-            <a:off x="2470711" y="5350181"/>
-            <a:ext cx="2097434" cy="646331"/>
-          </a:xfrm>
-          <a:prstGeom prst="rect">
-            <a:avLst/>
-          </a:prstGeom>
-          <a:noFill/>
-        </p:spPr>
-        <p:txBody>
-          <a:bodyPr wrap="none" rtlCol="0">
-            <a:spAutoFit/>
-          </a:bodyPr>
-          <a:lstStyle/>
-          <a:p>
-            <a:pPr algn="r"/>
-            <a:r>
-              <a:rPr lang="en-GB" b="1" dirty="0" smtClean="0">
-                <a:solidFill>
-                  <a:srgbClr val="00335F"/>
-                </a:solidFill>
-              </a:rPr>
-              <a:t>Individual Members</a:t>
-            </a:r>
-            <a:br>
-              <a:rPr lang="en-GB" b="1" dirty="0" smtClean="0">
-                <a:solidFill>
-                  <a:srgbClr val="00335F"/>
-                </a:solidFill>
-              </a:rPr>
-            </a:br>
-            <a:r>
-              <a:rPr lang="en-GB" b="1" dirty="0" smtClean="0">
-                <a:solidFill>
-                  <a:srgbClr val="00335F"/>
-                </a:solidFill>
-              </a:rPr>
-              <a:t>(free)</a:t>
-            </a:r>
-            <a:endParaRPr lang="en-GB" b="1" dirty="0">
-              <a:solidFill>
-                <a:srgbClr val="00335F"/>
-              </a:solidFill>
-            </a:endParaRPr>
-          </a:p>
-        </p:txBody>
-      </p:sp>
-      <p:sp>
-        <p:nvSpPr>
-          <p:cNvPr id="8" name="TextBox 7"/>
-          <p:cNvSpPr txBox="1"/>
-          <p:nvPr/>
-        </p:nvSpPr>
-        <p:spPr>
-          <a:xfrm rot="19959865">
-            <a:off x="2721070" y="1378916"/>
-            <a:ext cx="1137684" cy="369332"/>
-          </a:xfrm>
-          <a:prstGeom prst="rect">
-            <a:avLst/>
-          </a:prstGeom>
-          <a:noFill/>
-        </p:spPr>
-        <p:txBody>
-          <a:bodyPr wrap="none" rtlCol="0">
-            <a:spAutoFit/>
-          </a:bodyPr>
-          <a:lstStyle/>
-          <a:p>
-            <a:r>
-              <a:rPr lang="en-GB" dirty="0" smtClean="0">
-                <a:solidFill>
-                  <a:srgbClr val="00335F"/>
-                </a:solidFill>
-              </a:rPr>
-              <a:t>Members </a:t>
-            </a:r>
-            <a:endParaRPr lang="en-GB" dirty="0">
-              <a:solidFill>
-                <a:srgbClr val="00335F"/>
-              </a:solidFill>
-            </a:endParaRPr>
-          </a:p>
-        </p:txBody>
-      </p:sp>
-      <p:sp>
-        <p:nvSpPr>
-          <p:cNvPr id="9" name="TextBox 8"/>
-          <p:cNvSpPr txBox="1"/>
-          <p:nvPr/>
-        </p:nvSpPr>
-        <p:spPr>
-          <a:xfrm rot="19959865">
-            <a:off x="2292232" y="1744075"/>
-            <a:ext cx="2369880" cy="369332"/>
-          </a:xfrm>
-          <a:prstGeom prst="rect">
-            <a:avLst/>
-          </a:prstGeom>
-          <a:noFill/>
-        </p:spPr>
-        <p:txBody>
-          <a:bodyPr wrap="none" rtlCol="0">
-            <a:spAutoFit/>
-          </a:bodyPr>
-          <a:lstStyle/>
-          <a:p>
-            <a:r>
-              <a:rPr lang="en-GB" dirty="0" smtClean="0">
-                <a:solidFill>
-                  <a:srgbClr val="00335F"/>
-                </a:solidFill>
-              </a:rPr>
-              <a:t>Contributing Members </a:t>
-            </a:r>
-            <a:endParaRPr lang="en-GB" dirty="0">
-              <a:solidFill>
-                <a:srgbClr val="00335F"/>
-              </a:solidFill>
-            </a:endParaRPr>
-          </a:p>
-        </p:txBody>
-      </p:sp>
-      <p:sp>
-        <p:nvSpPr>
-          <p:cNvPr id="10" name="TextBox 9"/>
-          <p:cNvSpPr txBox="1"/>
-          <p:nvPr/>
-        </p:nvSpPr>
-        <p:spPr>
-          <a:xfrm rot="19959865">
-            <a:off x="2673366" y="2190857"/>
-            <a:ext cx="1992084" cy="369332"/>
-          </a:xfrm>
-          <a:prstGeom prst="rect">
-            <a:avLst/>
-          </a:prstGeom>
-          <a:noFill/>
-        </p:spPr>
-        <p:txBody>
-          <a:bodyPr wrap="none" rtlCol="0">
-            <a:spAutoFit/>
-          </a:bodyPr>
-          <a:lstStyle/>
-          <a:p>
-            <a:pPr algn="ctr"/>
-            <a:r>
-              <a:rPr lang="en-GB" dirty="0" smtClean="0">
-                <a:solidFill>
-                  <a:srgbClr val="00335F"/>
-                </a:solidFill>
-              </a:rPr>
-              <a:t>Qualified Members</a:t>
-            </a:r>
-            <a:endParaRPr lang="en-GB" dirty="0">
-              <a:solidFill>
-                <a:srgbClr val="00335F"/>
-              </a:solidFill>
-            </a:endParaRPr>
-          </a:p>
-        </p:txBody>
-      </p:sp>
-      <p:sp>
-        <p:nvSpPr>
-          <p:cNvPr id="14" name="TextBox 13"/>
-          <p:cNvSpPr txBox="1"/>
-          <p:nvPr/>
-        </p:nvSpPr>
-        <p:spPr>
-          <a:xfrm>
-            <a:off x="5868144" y="2276872"/>
-            <a:ext cx="1015278" cy="646331"/>
-          </a:xfrm>
-          <a:prstGeom prst="rect">
-            <a:avLst/>
-          </a:prstGeom>
-          <a:noFill/>
-          <a:effectLst/>
-        </p:spPr>
-        <p:txBody>
-          <a:bodyPr wrap="none" rtlCol="0">
-            <a:spAutoFit/>
-          </a:bodyPr>
-          <a:lstStyle/>
-          <a:p>
-            <a:r>
-              <a:rPr lang="en-GB" b="1" dirty="0" smtClean="0">
-                <a:solidFill>
-                  <a:srgbClr val="00335F"/>
-                </a:solidFill>
-              </a:rPr>
-              <a:t>National</a:t>
-            </a:r>
-          </a:p>
-          <a:p>
-            <a:r>
-              <a:rPr lang="en-GB" b="1" dirty="0" smtClean="0">
-                <a:solidFill>
-                  <a:srgbClr val="00335F"/>
-                </a:solidFill>
-              </a:rPr>
-              <a:t>Partners</a:t>
-            </a:r>
-            <a:endParaRPr lang="en-GB" b="1" dirty="0">
-              <a:solidFill>
-                <a:srgbClr val="00335F"/>
-              </a:solidFill>
-            </a:endParaRPr>
-          </a:p>
-        </p:txBody>
-      </p:sp>
-      <p:sp>
-        <p:nvSpPr>
-          <p:cNvPr id="15" name="Pie 14"/>
-          <p:cNvSpPr/>
-          <p:nvPr/>
-        </p:nvSpPr>
-        <p:spPr>
-          <a:xfrm flipH="1">
-            <a:off x="1976939" y="957693"/>
-            <a:ext cx="5256584" cy="4248472"/>
-          </a:xfrm>
-          <a:prstGeom prst="pie">
-            <a:avLst>
-              <a:gd name="adj1" fmla="val 8555628"/>
-              <a:gd name="adj2" fmla="val 10837736"/>
-            </a:avLst>
-          </a:prstGeom>
-          <a:solidFill>
-            <a:srgbClr val="EDC87A"/>
-          </a:solidFill>
-          <a:ln w="6350">
-            <a:noFill/>
-          </a:ln>
-          <a:effectLst/>
-          <a:scene3d>
-            <a:camera prst="orthographicFront">
-              <a:rot lat="0" lon="0" rev="0"/>
-            </a:camera>
-            <a:lightRig rig="contrasting" dir="t">
-              <a:rot lat="0" lon="0" rev="1500000"/>
-            </a:lightRig>
-          </a:scene3d>
-          <a:sp3d prstMaterial="metal">
-            <a:bevelT w="88900" h="88900"/>
-          </a:sp3d>
-        </p:spPr>
-        <p:style>
-          <a:lnRef idx="2">
-            <a:schemeClr val="accent1">
-              <a:shade val="50000"/>
-            </a:schemeClr>
-          </a:lnRef>
-          <a:fillRef idx="1">
-            <a:schemeClr val="accent1"/>
-          </a:fillRef>
-          <a:effectRef idx="0">
-            <a:schemeClr val="accent1"/>
-          </a:effectRef>
-          <a:fontRef idx="minor">
-            <a:schemeClr val="lt1"/>
-          </a:fontRef>
-        </p:style>
-        <p:txBody>
-          <a:bodyPr rtlCol="0" anchor="ctr"/>
-          <a:lstStyle/>
-          <a:p>
-            <a:pPr algn="ctr"/>
-            <a:endParaRPr lang="en-GB" dirty="0">
-              <a:solidFill>
-                <a:schemeClr val="tx1"/>
-              </a:solidFill>
-            </a:endParaRPr>
-          </a:p>
-        </p:txBody>
-      </p:sp>
-      <p:sp>
-        <p:nvSpPr>
-          <p:cNvPr id="16" name="TextBox 15"/>
-          <p:cNvSpPr txBox="1"/>
-          <p:nvPr/>
-        </p:nvSpPr>
-        <p:spPr>
-          <a:xfrm>
-            <a:off x="5668296" y="3261949"/>
-            <a:ext cx="1111459" cy="646331"/>
-          </a:xfrm>
-          <a:prstGeom prst="rect">
-            <a:avLst/>
-          </a:prstGeom>
-          <a:noFill/>
-          <a:ln>
-            <a:noFill/>
-          </a:ln>
-          <a:effectLst/>
-        </p:spPr>
-        <p:txBody>
-          <a:bodyPr wrap="none" rtlCol="0">
-            <a:spAutoFit/>
-          </a:bodyPr>
-          <a:lstStyle/>
-          <a:p>
-            <a:pPr algn="ctr"/>
-            <a:r>
-              <a:rPr lang="en-GB" b="1" dirty="0" smtClean="0">
-                <a:solidFill>
-                  <a:srgbClr val="00335F"/>
-                </a:solidFill>
-              </a:rPr>
-              <a:t>Academic</a:t>
-            </a:r>
-          </a:p>
-          <a:p>
-            <a:pPr algn="ctr"/>
-            <a:r>
-              <a:rPr lang="en-GB" b="1" dirty="0" smtClean="0">
-                <a:solidFill>
-                  <a:srgbClr val="00335F"/>
-                </a:solidFill>
-              </a:rPr>
-              <a:t>Partners</a:t>
-            </a:r>
-            <a:endParaRPr lang="en-GB" b="1" dirty="0">
-              <a:solidFill>
-                <a:srgbClr val="00335F"/>
-              </a:solidFill>
-            </a:endParaRPr>
-          </a:p>
-        </p:txBody>
-      </p:sp>
-      <p:sp>
-        <p:nvSpPr>
-          <p:cNvPr id="17" name="Pie 16"/>
-          <p:cNvSpPr/>
-          <p:nvPr/>
-        </p:nvSpPr>
-        <p:spPr>
-          <a:xfrm flipH="1">
-            <a:off x="1976939" y="957693"/>
-            <a:ext cx="5256584" cy="4248472"/>
-          </a:xfrm>
-          <a:prstGeom prst="pie">
-            <a:avLst>
-              <a:gd name="adj1" fmla="val 5439157"/>
-              <a:gd name="adj2" fmla="val 8611000"/>
-            </a:avLst>
-          </a:prstGeom>
-          <a:solidFill>
-            <a:srgbClr val="EDC87A"/>
-          </a:solidFill>
-          <a:ln w="6350">
-            <a:noFill/>
-          </a:ln>
-          <a:effectLst/>
-          <a:scene3d>
-            <a:camera prst="orthographicFront">
-              <a:rot lat="0" lon="0" rev="0"/>
-            </a:camera>
-            <a:lightRig rig="contrasting" dir="t">
-              <a:rot lat="0" lon="0" rev="1500000"/>
-            </a:lightRig>
-          </a:scene3d>
-          <a:sp3d prstMaterial="metal">
-            <a:bevelT w="88900" h="88900"/>
-          </a:sp3d>
-        </p:spPr>
-        <p:style>
-          <a:lnRef idx="2">
-            <a:schemeClr val="accent1">
-              <a:shade val="50000"/>
-            </a:schemeClr>
-          </a:lnRef>
-          <a:fillRef idx="1">
-            <a:schemeClr val="accent1"/>
-          </a:fillRef>
-          <a:effectRef idx="0">
-            <a:schemeClr val="accent1"/>
-          </a:effectRef>
-          <a:fontRef idx="minor">
-            <a:schemeClr val="lt1"/>
-          </a:fontRef>
-        </p:style>
-        <p:txBody>
-          <a:bodyPr rtlCol="0" anchor="ctr"/>
-          <a:lstStyle/>
-          <a:p>
-            <a:pPr algn="ctr"/>
-            <a:endParaRPr lang="en-GB" dirty="0">
-              <a:solidFill>
-                <a:schemeClr val="tx1"/>
-              </a:solidFill>
-            </a:endParaRPr>
-          </a:p>
-        </p:txBody>
-      </p:sp>
-      <p:sp>
-        <p:nvSpPr>
-          <p:cNvPr id="18" name="TextBox 17"/>
-          <p:cNvSpPr txBox="1"/>
-          <p:nvPr/>
-        </p:nvSpPr>
-        <p:spPr>
-          <a:xfrm>
-            <a:off x="4857259" y="4198053"/>
-            <a:ext cx="1016625" cy="646331"/>
-          </a:xfrm>
-          <a:prstGeom prst="rect">
-            <a:avLst/>
-          </a:prstGeom>
-          <a:noFill/>
-          <a:ln>
-            <a:noFill/>
-          </a:ln>
-          <a:effectLst/>
-        </p:spPr>
-        <p:txBody>
-          <a:bodyPr wrap="none" rtlCol="0">
-            <a:spAutoFit/>
-          </a:bodyPr>
-          <a:lstStyle/>
-          <a:p>
-            <a:r>
-              <a:rPr lang="en-GB" b="1" dirty="0" smtClean="0">
-                <a:solidFill>
-                  <a:srgbClr val="00335F"/>
-                </a:solidFill>
-              </a:rPr>
-              <a:t>Industry</a:t>
-            </a:r>
-          </a:p>
-          <a:p>
-            <a:r>
-              <a:rPr lang="en-GB" b="1" dirty="0" smtClean="0">
-                <a:solidFill>
-                  <a:srgbClr val="00335F"/>
-                </a:solidFill>
-              </a:rPr>
-              <a:t>Partners</a:t>
-            </a:r>
-            <a:endParaRPr lang="en-GB" b="1" dirty="0">
-              <a:solidFill>
-                <a:srgbClr val="00335F"/>
-              </a:solidFill>
-            </a:endParaRPr>
-          </a:p>
-        </p:txBody>
-      </p:sp>
-      <p:sp>
-        <p:nvSpPr>
-          <p:cNvPr id="21" name="Oval 20"/>
-          <p:cNvSpPr/>
-          <p:nvPr/>
-        </p:nvSpPr>
-        <p:spPr>
-          <a:xfrm>
-            <a:off x="470317" y="908720"/>
-            <a:ext cx="2229475" cy="625036"/>
-          </a:xfrm>
-          <a:prstGeom prst="ellipse">
-            <a:avLst/>
-          </a:prstGeom>
-          <a:solidFill>
-            <a:srgbClr val="F7EFBD"/>
+            <a:srgbClr val="FDFDFD"/>
           </a:solidFill>
           <a:ln>
             <a:noFill/>
           </a:ln>
           <a:effectLst>
-            <a:outerShdw blurRad="50800" dist="38100" dir="2700000" algn="tl" rotWithShape="0">
+            <a:outerShdw blurRad="50800" dist="38100" dir="5400000" algn="t" rotWithShape="0">
               <a:prstClr val="black">
                 <a:alpha val="40000"/>
               </a:prstClr>
             </a:outerShdw>
           </a:effectLst>
-          <a:scene3d>
-            <a:camera prst="orthographicFront">
-              <a:rot lat="0" lon="0" rev="0"/>
-            </a:camera>
-            <a:lightRig rig="glow" dir="t">
-              <a:rot lat="0" lon="0" rev="4800000"/>
-            </a:lightRig>
-          </a:scene3d>
-          <a:sp3d prstMaterial="matte">
-            <a:bevelT w="127000" h="63500"/>
-          </a:sp3d>
         </p:spPr>
         <p:style>
           <a:lnRef idx="2">
@@ -32108,285 +31384,39 @@
           <a:lstStyle/>
           <a:p>
             <a:pPr algn="ctr"/>
-            <a:r>
-              <a:rPr lang="en-GB" dirty="0" smtClean="0">
-                <a:solidFill>
-                  <a:schemeClr val="accent3">
-                    <a:lumMod val="50000"/>
-                  </a:schemeClr>
-                </a:solidFill>
-              </a:rPr>
-              <a:t>Representative</a:t>
-            </a:r>
-            <a:endParaRPr lang="en-GB" dirty="0">
-              <a:solidFill>
-                <a:schemeClr val="accent3">
-                  <a:lumMod val="50000"/>
-                </a:schemeClr>
-              </a:solidFill>
-            </a:endParaRPr>
+            <a:endParaRPr lang="en-GB"/>
           </a:p>
         </p:txBody>
       </p:sp>
       <p:sp>
         <p:nvSpPr>
-          <p:cNvPr id="22" name="Pie 21"/>
+          <p:cNvPr id="29" name="Ovál 28"/>
           <p:cNvSpPr/>
           <p:nvPr/>
         </p:nvSpPr>
         <p:spPr>
-          <a:xfrm flipH="1">
-            <a:off x="1976939" y="957693"/>
-            <a:ext cx="5256584" cy="4248472"/>
-          </a:xfrm>
-          <a:prstGeom prst="pie">
-            <a:avLst>
-              <a:gd name="adj1" fmla="val 12766606"/>
-              <a:gd name="adj2" fmla="val 16232863"/>
-            </a:avLst>
+          <a:xfrm>
+            <a:off x="1072411" y="714603"/>
+            <a:ext cx="6739949" cy="5162669"/>
+          </a:xfrm>
+          <a:prstGeom prst="ellipse">
+            <a:avLst/>
           </a:prstGeom>
           <a:solidFill>
-            <a:srgbClr val="EDC87A"/>
-          </a:solidFill>
-          <a:ln w="6350">
-            <a:noFill/>
-          </a:ln>
-          <a:effectLst/>
-          <a:scene3d>
-            <a:camera prst="orthographicFront">
-              <a:rot lat="0" lon="0" rev="0"/>
-            </a:camera>
-            <a:lightRig rig="contrasting" dir="t">
-              <a:rot lat="0" lon="0" rev="1500000"/>
-            </a:lightRig>
-          </a:scene3d>
-          <a:sp3d prstMaterial="metal">
-            <a:bevelT w="88900" h="88900"/>
-          </a:sp3d>
-        </p:spPr>
-        <p:style>
-          <a:lnRef idx="2">
-            <a:schemeClr val="accent1">
-              <a:shade val="50000"/>
-            </a:schemeClr>
-          </a:lnRef>
-          <a:fillRef idx="1">
-            <a:schemeClr val="accent1"/>
-          </a:fillRef>
-          <a:effectRef idx="0">
-            <a:schemeClr val="accent1"/>
-          </a:effectRef>
-          <a:fontRef idx="minor">
-            <a:schemeClr val="lt1"/>
-          </a:fontRef>
-        </p:style>
-        <p:txBody>
-          <a:bodyPr rtlCol="0" anchor="ctr"/>
-          <a:lstStyle/>
-          <a:p>
-            <a:pPr algn="ctr"/>
-            <a:endParaRPr lang="en-GB" dirty="0">
-              <a:solidFill>
-                <a:schemeClr val="tx1"/>
-              </a:solidFill>
-            </a:endParaRPr>
-          </a:p>
-        </p:txBody>
-      </p:sp>
-      <p:sp>
-        <p:nvSpPr>
-          <p:cNvPr id="23" name="TextBox 22"/>
-          <p:cNvSpPr txBox="1"/>
-          <p:nvPr/>
-        </p:nvSpPr>
-        <p:spPr>
-          <a:xfrm>
-            <a:off x="4722350" y="1389741"/>
-            <a:ext cx="1249061" cy="646331"/>
-          </a:xfrm>
-          <a:prstGeom prst="rect">
-            <a:avLst/>
-          </a:prstGeom>
-          <a:noFill/>
-        </p:spPr>
-        <p:txBody>
-          <a:bodyPr wrap="none" rtlCol="0">
-            <a:spAutoFit/>
-          </a:bodyPr>
-          <a:lstStyle/>
-          <a:p>
-            <a:pPr algn="ctr"/>
-            <a:r>
-              <a:rPr lang="en-GB" b="1" dirty="0" smtClean="0">
-                <a:solidFill>
-                  <a:srgbClr val="00335F"/>
-                </a:solidFill>
-              </a:rPr>
-              <a:t>Sponsoring</a:t>
-            </a:r>
-          </a:p>
-          <a:p>
-            <a:pPr algn="ctr"/>
-            <a:r>
-              <a:rPr lang="en-GB" b="1" dirty="0" smtClean="0">
-                <a:solidFill>
-                  <a:srgbClr val="00335F"/>
-                </a:solidFill>
-              </a:rPr>
-              <a:t>Partners</a:t>
-            </a:r>
-            <a:endParaRPr lang="en-GB" b="1" dirty="0">
-              <a:solidFill>
-                <a:srgbClr val="00335F"/>
-              </a:solidFill>
-            </a:endParaRPr>
-          </a:p>
-        </p:txBody>
-      </p:sp>
-      <p:sp>
-        <p:nvSpPr>
-          <p:cNvPr id="26" name="Oval 25"/>
-          <p:cNvSpPr/>
-          <p:nvPr/>
-        </p:nvSpPr>
-        <p:spPr>
-          <a:xfrm>
-            <a:off x="3491880" y="2996952"/>
-            <a:ext cx="2016224" cy="1224136"/>
-          </a:xfrm>
-          <a:prstGeom prst="ellipse">
-            <a:avLst/>
-          </a:prstGeom>
-          <a:solidFill>
-            <a:srgbClr val="4693C2"/>
+            <a:schemeClr val="bg1">
+              <a:lumMod val="95000"/>
+            </a:schemeClr>
           </a:solidFill>
           <a:ln>
             <a:noFill/>
           </a:ln>
-        </p:spPr>
-        <p:style>
-          <a:lnRef idx="0">
-            <a:schemeClr val="accent5"/>
-          </a:lnRef>
-          <a:fillRef idx="3">
-            <a:schemeClr val="accent5"/>
-          </a:fillRef>
-          <a:effectRef idx="3">
-            <a:schemeClr val="accent5"/>
-          </a:effectRef>
-          <a:fontRef idx="minor">
-            <a:schemeClr val="lt1"/>
-          </a:fontRef>
-        </p:style>
-        <p:txBody>
-          <a:bodyPr rtlCol="0" anchor="ctr"/>
-          <a:lstStyle/>
-          <a:p>
-            <a:pPr algn="ctr"/>
-            <a:endParaRPr lang="en-US" dirty="0" smtClean="0"/>
-          </a:p>
-          <a:p>
-            <a:pPr algn="ctr"/>
-            <a:endParaRPr lang="en-US" sz="1600" b="1" dirty="0" smtClean="0"/>
-          </a:p>
-          <a:p>
-            <a:pPr algn="ctr"/>
-            <a:r>
-              <a:rPr lang="en-US" sz="1600" b="1" dirty="0" smtClean="0"/>
-              <a:t>Management Board</a:t>
-            </a:r>
-            <a:endParaRPr lang="en-US" sz="1600" b="1" dirty="0"/>
-          </a:p>
-        </p:txBody>
-      </p:sp>
-      <p:sp>
-        <p:nvSpPr>
-          <p:cNvPr id="24" name="Oval 23"/>
-          <p:cNvSpPr/>
-          <p:nvPr/>
-        </p:nvSpPr>
-        <p:spPr>
-          <a:xfrm>
-            <a:off x="3707904" y="3019988"/>
-            <a:ext cx="1584176" cy="553028"/>
-          </a:xfrm>
-          <a:prstGeom prst="ellipse">
-            <a:avLst/>
-          </a:prstGeom>
-          <a:solidFill>
-            <a:schemeClr val="accent1">
-              <a:lumMod val="50000"/>
-            </a:schemeClr>
-          </a:solidFill>
-          <a:ln>
-            <a:noFill/>
-          </a:ln>
-        </p:spPr>
-        <p:style>
-          <a:lnRef idx="0">
-            <a:schemeClr val="accent1"/>
-          </a:lnRef>
-          <a:fillRef idx="3">
-            <a:schemeClr val="accent1"/>
-          </a:fillRef>
-          <a:effectRef idx="3">
-            <a:schemeClr val="accent1"/>
-          </a:effectRef>
-          <a:fontRef idx="minor">
-            <a:schemeClr val="lt1"/>
-          </a:fontRef>
-        </p:style>
-        <p:txBody>
-          <a:bodyPr rtlCol="0" anchor="ctr"/>
-          <a:lstStyle/>
-          <a:p>
-            <a:pPr algn="ctr"/>
-            <a:r>
-              <a:rPr lang="en-GB" sz="1400" b="1" dirty="0" smtClean="0"/>
-              <a:t>Foundation Board</a:t>
-            </a:r>
-            <a:endParaRPr lang="en-GB" sz="1400" b="1" dirty="0"/>
-          </a:p>
-        </p:txBody>
-      </p:sp>
-      <p:sp>
-        <p:nvSpPr>
-          <p:cNvPr id="25" name="Oval 24"/>
-          <p:cNvSpPr/>
-          <p:nvPr/>
-        </p:nvSpPr>
-        <p:spPr>
-          <a:xfrm>
-            <a:off x="38269" y="3812076"/>
-            <a:ext cx="2229475" cy="625036"/>
-          </a:xfrm>
-          <a:prstGeom prst="ellipse">
-            <a:avLst/>
-          </a:prstGeom>
-          <a:solidFill>
-            <a:srgbClr val="F7EFBD"/>
-          </a:solidFill>
-          <a:ln>
-            <a:noFill/>
-          </a:ln>
           <a:effectLst>
-            <a:outerShdw blurRad="50800" dist="38100" dir="2700000" algn="tl" rotWithShape="0">
+            <a:outerShdw blurRad="50800" dist="38100" dir="5400000" algn="t" rotWithShape="0">
               <a:prstClr val="black">
                 <a:alpha val="40000"/>
               </a:prstClr>
             </a:outerShdw>
           </a:effectLst>
-          <a:scene3d>
-            <a:camera prst="orthographicFront">
-              <a:rot lat="0" lon="0" rev="0"/>
-            </a:camera>
-            <a:lightRig rig="glow" dir="t">
-              <a:rot lat="0" lon="0" rev="4800000"/>
-            </a:lightRig>
-          </a:scene3d>
-          <a:sp3d prstMaterial="matte">
-            <a:bevelT w="127000" h="63500"/>
-          </a:sp3d>
         </p:spPr>
         <p:style>
           <a:lnRef idx="2">
@@ -32409,19 +31439,89 @@
           <a:lstStyle/>
           <a:p>
             <a:pPr algn="ctr"/>
+            <a:endParaRPr lang="en-GB"/>
+          </a:p>
+        </p:txBody>
+      </p:sp>
+      <p:sp>
+        <p:nvSpPr>
+          <p:cNvPr id="12" name="TextovéPole 11"/>
+          <p:cNvSpPr txBox="1"/>
+          <p:nvPr/>
+        </p:nvSpPr>
+        <p:spPr>
+          <a:xfrm>
+            <a:off x="3032829" y="5949280"/>
+            <a:ext cx="2835315" cy="461665"/>
+          </a:xfrm>
+          <a:prstGeom prst="rect">
+            <a:avLst/>
+          </a:prstGeom>
+          <a:noFill/>
+        </p:spPr>
+        <p:txBody>
+          <a:bodyPr wrap="square" rtlCol="0">
+            <a:spAutoFit/>
+          </a:bodyPr>
+          <a:lstStyle/>
+          <a:p>
+            <a:pPr algn="ctr"/>
             <a:r>
-              <a:rPr lang="en-GB" dirty="0" smtClean="0">
+              <a:rPr lang="en-GB" sz="2400" b="1" dirty="0" smtClean="0">
                 <a:solidFill>
-                  <a:schemeClr val="accent3">
+                  <a:schemeClr val="bg1">
+                    <a:lumMod val="65000"/>
+                  </a:schemeClr>
+                </a:solidFill>
+              </a:rPr>
+              <a:t>User Community</a:t>
+            </a:r>
+            <a:endParaRPr lang="en-GB" sz="2400" b="1" dirty="0">
+              <a:solidFill>
+                <a:schemeClr val="bg1">
+                  <a:lumMod val="65000"/>
+                </a:schemeClr>
+              </a:solidFill>
+            </a:endParaRPr>
+          </a:p>
+        </p:txBody>
+      </p:sp>
+      <p:sp>
+        <p:nvSpPr>
+          <p:cNvPr id="30" name="TextovéPole 29"/>
+          <p:cNvSpPr txBox="1"/>
+          <p:nvPr/>
+        </p:nvSpPr>
+        <p:spPr>
+          <a:xfrm>
+            <a:off x="3104837" y="5229200"/>
+            <a:ext cx="2835315" cy="461665"/>
+          </a:xfrm>
+          <a:prstGeom prst="rect">
+            <a:avLst/>
+          </a:prstGeom>
+          <a:noFill/>
+        </p:spPr>
+        <p:txBody>
+          <a:bodyPr wrap="square" rtlCol="0">
+            <a:spAutoFit/>
+          </a:bodyPr>
+          <a:lstStyle/>
+          <a:p>
+            <a:pPr algn="ctr"/>
+            <a:r>
+              <a:rPr lang="en-GB" sz="2400" b="1" dirty="0" smtClean="0">
+                <a:solidFill>
+                  <a:schemeClr val="bg1">
                     <a:lumMod val="50000"/>
                   </a:schemeClr>
                 </a:solidFill>
               </a:rPr>
-              <a:t>Representative</a:t>
+              <a:t>Informal Members</a:t>
             </a:r>
-            <a:endParaRPr lang="en-GB" dirty="0">
+            <a:endParaRPr lang="en-GB" sz="2400" b="1" dirty="0">
               <a:solidFill>
-                <a:schemeClr val="accent3">
+                <a:schemeClr val="bg1">
                   <a:lumMod val="50000"/>
                 </a:schemeClr>
               </a:solidFill>
@@ -32431,42 +31531,224 @@
       </p:sp>
       <p:sp>
         <p:nvSpPr>
-          <p:cNvPr id="27" name="Oval 26"/>
+          <p:cNvPr id="34" name="Ovál 30"/>
           <p:cNvSpPr/>
           <p:nvPr/>
         </p:nvSpPr>
         <p:spPr>
-          <a:xfrm>
-            <a:off x="395536" y="4532156"/>
-            <a:ext cx="2229475" cy="625036"/>
-          </a:xfrm>
-          <a:prstGeom prst="ellipse">
-            <a:avLst/>
-          </a:prstGeom>
+          <a:xfrm rot="10800000">
+            <a:off x="1907705" y="1268760"/>
+            <a:ext cx="2527481" cy="3872001"/>
+          </a:xfrm>
+          <a:custGeom>
+            <a:avLst/>
+            <a:gdLst>
+              <a:gd name="connsiteX0" fmla="*/ 0 w 4493299"/>
+              <a:gd name="connsiteY0" fmla="*/ 1792999 h 3585998"/>
+              <a:gd name="connsiteX1" fmla="*/ 2246650 w 4493299"/>
+              <a:gd name="connsiteY1" fmla="*/ 0 h 3585998"/>
+              <a:gd name="connsiteX2" fmla="*/ 4493300 w 4493299"/>
+              <a:gd name="connsiteY2" fmla="*/ 1792999 h 3585998"/>
+              <a:gd name="connsiteX3" fmla="*/ 2246650 w 4493299"/>
+              <a:gd name="connsiteY3" fmla="*/ 3585998 h 3585998"/>
+              <a:gd name="connsiteX4" fmla="*/ 0 w 4493299"/>
+              <a:gd name="connsiteY4" fmla="*/ 1792999 h 3585998"/>
+              <a:gd name="connsiteX0" fmla="*/ 0 w 4493300"/>
+              <a:gd name="connsiteY0" fmla="*/ 1792999 h 3585998"/>
+              <a:gd name="connsiteX1" fmla="*/ 2246650 w 4493300"/>
+              <a:gd name="connsiteY1" fmla="*/ 0 h 3585998"/>
+              <a:gd name="connsiteX2" fmla="*/ 4493300 w 4493300"/>
+              <a:gd name="connsiteY2" fmla="*/ 1792999 h 3585998"/>
+              <a:gd name="connsiteX3" fmla="*/ 2246650 w 4493300"/>
+              <a:gd name="connsiteY3" fmla="*/ 3585998 h 3585998"/>
+              <a:gd name="connsiteX4" fmla="*/ 0 w 4493300"/>
+              <a:gd name="connsiteY4" fmla="*/ 1792999 h 3585998"/>
+              <a:gd name="connsiteX0" fmla="*/ 0 w 4493300"/>
+              <a:gd name="connsiteY0" fmla="*/ 1792999 h 3585998"/>
+              <a:gd name="connsiteX1" fmla="*/ 2246650 w 4493300"/>
+              <a:gd name="connsiteY1" fmla="*/ 0 h 3585998"/>
+              <a:gd name="connsiteX2" fmla="*/ 4493300 w 4493300"/>
+              <a:gd name="connsiteY2" fmla="*/ 1792999 h 3585998"/>
+              <a:gd name="connsiteX3" fmla="*/ 2246650 w 4493300"/>
+              <a:gd name="connsiteY3" fmla="*/ 3585998 h 3585998"/>
+              <a:gd name="connsiteX4" fmla="*/ 0 w 4493300"/>
+              <a:gd name="connsiteY4" fmla="*/ 1792999 h 3585998"/>
+              <a:gd name="connsiteX0" fmla="*/ 0 w 4493300"/>
+              <a:gd name="connsiteY0" fmla="*/ 1792999 h 3585998"/>
+              <a:gd name="connsiteX1" fmla="*/ 2246650 w 4493300"/>
+              <a:gd name="connsiteY1" fmla="*/ 0 h 3585998"/>
+              <a:gd name="connsiteX2" fmla="*/ 4493300 w 4493300"/>
+              <a:gd name="connsiteY2" fmla="*/ 1792999 h 3585998"/>
+              <a:gd name="connsiteX3" fmla="*/ 2246650 w 4493300"/>
+              <a:gd name="connsiteY3" fmla="*/ 3585998 h 3585998"/>
+              <a:gd name="connsiteX4" fmla="*/ 0 w 4493300"/>
+              <a:gd name="connsiteY4" fmla="*/ 1792999 h 3585998"/>
+              <a:gd name="connsiteX0" fmla="*/ 0 w 4493300"/>
+              <a:gd name="connsiteY0" fmla="*/ 1792999 h 3585998"/>
+              <a:gd name="connsiteX1" fmla="*/ 2246650 w 4493300"/>
+              <a:gd name="connsiteY1" fmla="*/ 0 h 3585998"/>
+              <a:gd name="connsiteX2" fmla="*/ 4493300 w 4493300"/>
+              <a:gd name="connsiteY2" fmla="*/ 1792999 h 3585998"/>
+              <a:gd name="connsiteX3" fmla="*/ 2246650 w 4493300"/>
+              <a:gd name="connsiteY3" fmla="*/ 3585998 h 3585998"/>
+              <a:gd name="connsiteX4" fmla="*/ 91440 w 4493300"/>
+              <a:gd name="connsiteY4" fmla="*/ 1884439 h 3585998"/>
+              <a:gd name="connsiteX0" fmla="*/ 0 w 4493300"/>
+              <a:gd name="connsiteY0" fmla="*/ 1792999 h 3585998"/>
+              <a:gd name="connsiteX1" fmla="*/ 2246650 w 4493300"/>
+              <a:gd name="connsiteY1" fmla="*/ 0 h 3585998"/>
+              <a:gd name="connsiteX2" fmla="*/ 4493300 w 4493300"/>
+              <a:gd name="connsiteY2" fmla="*/ 1792999 h 3585998"/>
+              <a:gd name="connsiteX3" fmla="*/ 2246650 w 4493300"/>
+              <a:gd name="connsiteY3" fmla="*/ 3585998 h 3585998"/>
+              <a:gd name="connsiteX4" fmla="*/ 1892531 w 4493300"/>
+              <a:gd name="connsiteY4" fmla="*/ 2133820 h 3585998"/>
+              <a:gd name="connsiteX0" fmla="*/ 520617 w 2935735"/>
+              <a:gd name="connsiteY0" fmla="*/ 934601 h 3586582"/>
+              <a:gd name="connsiteX1" fmla="*/ 689085 w 2935735"/>
+              <a:gd name="connsiteY1" fmla="*/ 584 h 3586582"/>
+              <a:gd name="connsiteX2" fmla="*/ 2935735 w 2935735"/>
+              <a:gd name="connsiteY2" fmla="*/ 1793583 h 3586582"/>
+              <a:gd name="connsiteX3" fmla="*/ 689085 w 2935735"/>
+              <a:gd name="connsiteY3" fmla="*/ 3586582 h 3586582"/>
+              <a:gd name="connsiteX4" fmla="*/ 334966 w 2935735"/>
+              <a:gd name="connsiteY4" fmla="*/ 2134404 h 3586582"/>
+              <a:gd name="connsiteX0" fmla="*/ 700726 w 2935735"/>
+              <a:gd name="connsiteY0" fmla="*/ 1266526 h 3585998"/>
+              <a:gd name="connsiteX1" fmla="*/ 689085 w 2935735"/>
+              <a:gd name="connsiteY1" fmla="*/ 0 h 3585998"/>
+              <a:gd name="connsiteX2" fmla="*/ 2935735 w 2935735"/>
+              <a:gd name="connsiteY2" fmla="*/ 1792999 h 3585998"/>
+              <a:gd name="connsiteX3" fmla="*/ 689085 w 2935735"/>
+              <a:gd name="connsiteY3" fmla="*/ 3585998 h 3585998"/>
+              <a:gd name="connsiteX4" fmla="*/ 334966 w 2935735"/>
+              <a:gd name="connsiteY4" fmla="*/ 2133820 h 3585998"/>
+              <a:gd name="connsiteX0" fmla="*/ 700726 w 2935735"/>
+              <a:gd name="connsiteY0" fmla="*/ 1266526 h 3585998"/>
+              <a:gd name="connsiteX1" fmla="*/ 689085 w 2935735"/>
+              <a:gd name="connsiteY1" fmla="*/ 0 h 3585998"/>
+              <a:gd name="connsiteX2" fmla="*/ 2935735 w 2935735"/>
+              <a:gd name="connsiteY2" fmla="*/ 1792999 h 3585998"/>
+              <a:gd name="connsiteX3" fmla="*/ 689085 w 2935735"/>
+              <a:gd name="connsiteY3" fmla="*/ 3585998 h 3585998"/>
+              <a:gd name="connsiteX4" fmla="*/ 334966 w 2935735"/>
+              <a:gd name="connsiteY4" fmla="*/ 2133820 h 3585998"/>
+              <a:gd name="connsiteX0" fmla="*/ 610185 w 2845194"/>
+              <a:gd name="connsiteY0" fmla="*/ 1266526 h 3585998"/>
+              <a:gd name="connsiteX1" fmla="*/ 598544 w 2845194"/>
+              <a:gd name="connsiteY1" fmla="*/ 0 h 3585998"/>
+              <a:gd name="connsiteX2" fmla="*/ 2845194 w 2845194"/>
+              <a:gd name="connsiteY2" fmla="*/ 1792999 h 3585998"/>
+              <a:gd name="connsiteX3" fmla="*/ 598544 w 2845194"/>
+              <a:gd name="connsiteY3" fmla="*/ 3585998 h 3585998"/>
+              <a:gd name="connsiteX4" fmla="*/ 507662 w 2845194"/>
+              <a:gd name="connsiteY4" fmla="*/ 2286220 h 3585998"/>
+              <a:gd name="connsiteX0" fmla="*/ 573371 w 2808380"/>
+              <a:gd name="connsiteY0" fmla="*/ 1266526 h 3585998"/>
+              <a:gd name="connsiteX1" fmla="*/ 561730 w 2808380"/>
+              <a:gd name="connsiteY1" fmla="*/ 0 h 3585998"/>
+              <a:gd name="connsiteX2" fmla="*/ 2808380 w 2808380"/>
+              <a:gd name="connsiteY2" fmla="*/ 1792999 h 3585998"/>
+              <a:gd name="connsiteX3" fmla="*/ 561730 w 2808380"/>
+              <a:gd name="connsiteY3" fmla="*/ 3585998 h 3585998"/>
+              <a:gd name="connsiteX4" fmla="*/ 470848 w 2808380"/>
+              <a:gd name="connsiteY4" fmla="*/ 2286220 h 3585998"/>
+              <a:gd name="connsiteX0" fmla="*/ 573371 w 2808380"/>
+              <a:gd name="connsiteY0" fmla="*/ 1266526 h 3585998"/>
+              <a:gd name="connsiteX1" fmla="*/ 561730 w 2808380"/>
+              <a:gd name="connsiteY1" fmla="*/ 0 h 3585998"/>
+              <a:gd name="connsiteX2" fmla="*/ 2808380 w 2808380"/>
+              <a:gd name="connsiteY2" fmla="*/ 1792999 h 3585998"/>
+              <a:gd name="connsiteX3" fmla="*/ 561730 w 2808380"/>
+              <a:gd name="connsiteY3" fmla="*/ 3585998 h 3585998"/>
+              <a:gd name="connsiteX4" fmla="*/ 470848 w 2808380"/>
+              <a:gd name="connsiteY4" fmla="*/ 2286220 h 3585998"/>
+              <a:gd name="connsiteX0" fmla="*/ 51990 w 3132127"/>
+              <a:gd name="connsiteY0" fmla="*/ 1737581 h 3585998"/>
+              <a:gd name="connsiteX1" fmla="*/ 885477 w 3132127"/>
+              <a:gd name="connsiteY1" fmla="*/ 0 h 3585998"/>
+              <a:gd name="connsiteX2" fmla="*/ 3132127 w 3132127"/>
+              <a:gd name="connsiteY2" fmla="*/ 1792999 h 3585998"/>
+              <a:gd name="connsiteX3" fmla="*/ 885477 w 3132127"/>
+              <a:gd name="connsiteY3" fmla="*/ 3585998 h 3585998"/>
+              <a:gd name="connsiteX4" fmla="*/ 794595 w 3132127"/>
+              <a:gd name="connsiteY4" fmla="*/ 2286220 h 3585998"/>
+              <a:gd name="connsiteX0" fmla="*/ 356756 w 2868857"/>
+              <a:gd name="connsiteY0" fmla="*/ 684636 h 3585998"/>
+              <a:gd name="connsiteX1" fmla="*/ 622207 w 2868857"/>
+              <a:gd name="connsiteY1" fmla="*/ 0 h 3585998"/>
+              <a:gd name="connsiteX2" fmla="*/ 2868857 w 2868857"/>
+              <a:gd name="connsiteY2" fmla="*/ 1792999 h 3585998"/>
+              <a:gd name="connsiteX3" fmla="*/ 622207 w 2868857"/>
+              <a:gd name="connsiteY3" fmla="*/ 3585998 h 3585998"/>
+              <a:gd name="connsiteX4" fmla="*/ 531325 w 2868857"/>
+              <a:gd name="connsiteY4" fmla="*/ 2286220 h 3585998"/>
+              <a:gd name="connsiteX0" fmla="*/ 363306 w 2875407"/>
+              <a:gd name="connsiteY0" fmla="*/ 684636 h 3585998"/>
+              <a:gd name="connsiteX1" fmla="*/ 628757 w 2875407"/>
+              <a:gd name="connsiteY1" fmla="*/ 0 h 3585998"/>
+              <a:gd name="connsiteX2" fmla="*/ 2875407 w 2875407"/>
+              <a:gd name="connsiteY2" fmla="*/ 1792999 h 3585998"/>
+              <a:gd name="connsiteX3" fmla="*/ 628757 w 2875407"/>
+              <a:gd name="connsiteY3" fmla="*/ 3585998 h 3585998"/>
+              <a:gd name="connsiteX4" fmla="*/ 316202 w 2875407"/>
+              <a:gd name="connsiteY4" fmla="*/ 3186766 h 3585998"/>
+              <a:gd name="connsiteX0" fmla="*/ 628757 w 2875407"/>
+              <a:gd name="connsiteY0" fmla="*/ 0 h 3585998"/>
+              <a:gd name="connsiteX1" fmla="*/ 2875407 w 2875407"/>
+              <a:gd name="connsiteY1" fmla="*/ 1792999 h 3585998"/>
+              <a:gd name="connsiteX2" fmla="*/ 628757 w 2875407"/>
+              <a:gd name="connsiteY2" fmla="*/ 3585998 h 3585998"/>
+              <a:gd name="connsiteX3" fmla="*/ 316202 w 2875407"/>
+              <a:gd name="connsiteY3" fmla="*/ 3186766 h 3585998"/>
+              <a:gd name="connsiteX0" fmla="*/ 0 w 2246650"/>
+              <a:gd name="connsiteY0" fmla="*/ 0 h 3585998"/>
+              <a:gd name="connsiteX1" fmla="*/ 2246650 w 2246650"/>
+              <a:gd name="connsiteY1" fmla="*/ 1792999 h 3585998"/>
+              <a:gd name="connsiteX2" fmla="*/ 0 w 2246650"/>
+              <a:gd name="connsiteY2" fmla="*/ 3585998 h 3585998"/>
+            </a:gdLst>
+            <a:ahLst/>
+            <a:cxnLst>
+              <a:cxn ang="0">
+                <a:pos x="connsiteX0" y="connsiteY0"/>
+              </a:cxn>
+              <a:cxn ang="0">
+                <a:pos x="connsiteX1" y="connsiteY1"/>
+              </a:cxn>
+              <a:cxn ang="0">
+                <a:pos x="connsiteX2" y="connsiteY2"/>
+              </a:cxn>
+            </a:cxnLst>
+            <a:rect l="l" t="t" r="r" b="b"/>
+            <a:pathLst>
+              <a:path w="2246650" h="3585998">
+                <a:moveTo>
+                  <a:pt x="0" y="0"/>
+                </a:moveTo>
+                <a:cubicBezTo>
+                  <a:pt x="1240791" y="0"/>
+                  <a:pt x="2246650" y="802753"/>
+                  <a:pt x="2246650" y="1792999"/>
+                </a:cubicBezTo>
+                <a:cubicBezTo>
+                  <a:pt x="2246650" y="2783245"/>
+                  <a:pt x="1240791" y="3585998"/>
+                  <a:pt x="0" y="3585998"/>
+                </a:cubicBezTo>
+              </a:path>
+            </a:pathLst>
+          </a:custGeom>
           <a:solidFill>
-            <a:srgbClr val="F7EFBD"/>
+            <a:schemeClr val="accent5">
+              <a:lumMod val="20000"/>
+              <a:lumOff val="80000"/>
+            </a:schemeClr>
           </a:solidFill>
           <a:ln>
             <a:noFill/>
           </a:ln>
-          <a:effectLst>
-            <a:outerShdw blurRad="50800" dist="38100" dir="2700000" algn="tl" rotWithShape="0">
-              <a:prstClr val="black">
-                <a:alpha val="40000"/>
-              </a:prstClr>
-            </a:outerShdw>
-          </a:effectLst>
-          <a:scene3d>
-            <a:camera prst="orthographicFront">
-              <a:rot lat="0" lon="0" rev="0"/>
-            </a:camera>
-            <a:lightRig rig="glow" dir="t">
-              <a:rot lat="0" lon="0" rev="4800000"/>
-            </a:lightRig>
-          </a:scene3d>
-          <a:sp3d prstMaterial="matte">
-            <a:bevelT w="127000" h="63500"/>
-          </a:sp3d>
+          <a:effectLst/>
         </p:spPr>
         <p:style>
           <a:lnRef idx="2">
@@ -32489,64 +31771,227 @@
           <a:lstStyle/>
           <a:p>
             <a:pPr algn="ctr"/>
-            <a:r>
-              <a:rPr lang="en-GB" dirty="0" smtClean="0">
-                <a:solidFill>
-                  <a:schemeClr val="accent3">
-                    <a:lumMod val="50000"/>
-                  </a:schemeClr>
-                </a:solidFill>
-              </a:rPr>
-              <a:t>Representative</a:t>
-            </a:r>
-            <a:endParaRPr lang="en-GB" dirty="0">
-              <a:solidFill>
-                <a:schemeClr val="accent3">
-                  <a:lumMod val="50000"/>
-                </a:schemeClr>
-              </a:solidFill>
-            </a:endParaRPr>
+            <a:endParaRPr lang="en-GB"/>
           </a:p>
         </p:txBody>
       </p:sp>
       <p:sp>
         <p:nvSpPr>
-          <p:cNvPr id="28" name="Oval 27"/>
+          <p:cNvPr id="31" name="Ovál 30"/>
           <p:cNvSpPr/>
           <p:nvPr/>
         </p:nvSpPr>
         <p:spPr>
           <a:xfrm>
-            <a:off x="35496" y="1651836"/>
-            <a:ext cx="2229475" cy="625036"/>
-          </a:xfrm>
-          <a:prstGeom prst="ellipse">
-            <a:avLst/>
-          </a:prstGeom>
+            <a:off x="4427985" y="1285191"/>
+            <a:ext cx="2527481" cy="3872001"/>
+          </a:xfrm>
+          <a:custGeom>
+            <a:avLst/>
+            <a:gdLst>
+              <a:gd name="connsiteX0" fmla="*/ 0 w 4493299"/>
+              <a:gd name="connsiteY0" fmla="*/ 1792999 h 3585998"/>
+              <a:gd name="connsiteX1" fmla="*/ 2246650 w 4493299"/>
+              <a:gd name="connsiteY1" fmla="*/ 0 h 3585998"/>
+              <a:gd name="connsiteX2" fmla="*/ 4493300 w 4493299"/>
+              <a:gd name="connsiteY2" fmla="*/ 1792999 h 3585998"/>
+              <a:gd name="connsiteX3" fmla="*/ 2246650 w 4493299"/>
+              <a:gd name="connsiteY3" fmla="*/ 3585998 h 3585998"/>
+              <a:gd name="connsiteX4" fmla="*/ 0 w 4493299"/>
+              <a:gd name="connsiteY4" fmla="*/ 1792999 h 3585998"/>
+              <a:gd name="connsiteX0" fmla="*/ 0 w 4493300"/>
+              <a:gd name="connsiteY0" fmla="*/ 1792999 h 3585998"/>
+              <a:gd name="connsiteX1" fmla="*/ 2246650 w 4493300"/>
+              <a:gd name="connsiteY1" fmla="*/ 0 h 3585998"/>
+              <a:gd name="connsiteX2" fmla="*/ 4493300 w 4493300"/>
+              <a:gd name="connsiteY2" fmla="*/ 1792999 h 3585998"/>
+              <a:gd name="connsiteX3" fmla="*/ 2246650 w 4493300"/>
+              <a:gd name="connsiteY3" fmla="*/ 3585998 h 3585998"/>
+              <a:gd name="connsiteX4" fmla="*/ 0 w 4493300"/>
+              <a:gd name="connsiteY4" fmla="*/ 1792999 h 3585998"/>
+              <a:gd name="connsiteX0" fmla="*/ 0 w 4493300"/>
+              <a:gd name="connsiteY0" fmla="*/ 1792999 h 3585998"/>
+              <a:gd name="connsiteX1" fmla="*/ 2246650 w 4493300"/>
+              <a:gd name="connsiteY1" fmla="*/ 0 h 3585998"/>
+              <a:gd name="connsiteX2" fmla="*/ 4493300 w 4493300"/>
+              <a:gd name="connsiteY2" fmla="*/ 1792999 h 3585998"/>
+              <a:gd name="connsiteX3" fmla="*/ 2246650 w 4493300"/>
+              <a:gd name="connsiteY3" fmla="*/ 3585998 h 3585998"/>
+              <a:gd name="connsiteX4" fmla="*/ 0 w 4493300"/>
+              <a:gd name="connsiteY4" fmla="*/ 1792999 h 3585998"/>
+              <a:gd name="connsiteX0" fmla="*/ 0 w 4493300"/>
+              <a:gd name="connsiteY0" fmla="*/ 1792999 h 3585998"/>
+              <a:gd name="connsiteX1" fmla="*/ 2246650 w 4493300"/>
+              <a:gd name="connsiteY1" fmla="*/ 0 h 3585998"/>
+              <a:gd name="connsiteX2" fmla="*/ 4493300 w 4493300"/>
+              <a:gd name="connsiteY2" fmla="*/ 1792999 h 3585998"/>
+              <a:gd name="connsiteX3" fmla="*/ 2246650 w 4493300"/>
+              <a:gd name="connsiteY3" fmla="*/ 3585998 h 3585998"/>
+              <a:gd name="connsiteX4" fmla="*/ 0 w 4493300"/>
+              <a:gd name="connsiteY4" fmla="*/ 1792999 h 3585998"/>
+              <a:gd name="connsiteX0" fmla="*/ 0 w 4493300"/>
+              <a:gd name="connsiteY0" fmla="*/ 1792999 h 3585998"/>
+              <a:gd name="connsiteX1" fmla="*/ 2246650 w 4493300"/>
+              <a:gd name="connsiteY1" fmla="*/ 0 h 3585998"/>
+              <a:gd name="connsiteX2" fmla="*/ 4493300 w 4493300"/>
+              <a:gd name="connsiteY2" fmla="*/ 1792999 h 3585998"/>
+              <a:gd name="connsiteX3" fmla="*/ 2246650 w 4493300"/>
+              <a:gd name="connsiteY3" fmla="*/ 3585998 h 3585998"/>
+              <a:gd name="connsiteX4" fmla="*/ 91440 w 4493300"/>
+              <a:gd name="connsiteY4" fmla="*/ 1884439 h 3585998"/>
+              <a:gd name="connsiteX0" fmla="*/ 0 w 4493300"/>
+              <a:gd name="connsiteY0" fmla="*/ 1792999 h 3585998"/>
+              <a:gd name="connsiteX1" fmla="*/ 2246650 w 4493300"/>
+              <a:gd name="connsiteY1" fmla="*/ 0 h 3585998"/>
+              <a:gd name="connsiteX2" fmla="*/ 4493300 w 4493300"/>
+              <a:gd name="connsiteY2" fmla="*/ 1792999 h 3585998"/>
+              <a:gd name="connsiteX3" fmla="*/ 2246650 w 4493300"/>
+              <a:gd name="connsiteY3" fmla="*/ 3585998 h 3585998"/>
+              <a:gd name="connsiteX4" fmla="*/ 1892531 w 4493300"/>
+              <a:gd name="connsiteY4" fmla="*/ 2133820 h 3585998"/>
+              <a:gd name="connsiteX0" fmla="*/ 520617 w 2935735"/>
+              <a:gd name="connsiteY0" fmla="*/ 934601 h 3586582"/>
+              <a:gd name="connsiteX1" fmla="*/ 689085 w 2935735"/>
+              <a:gd name="connsiteY1" fmla="*/ 584 h 3586582"/>
+              <a:gd name="connsiteX2" fmla="*/ 2935735 w 2935735"/>
+              <a:gd name="connsiteY2" fmla="*/ 1793583 h 3586582"/>
+              <a:gd name="connsiteX3" fmla="*/ 689085 w 2935735"/>
+              <a:gd name="connsiteY3" fmla="*/ 3586582 h 3586582"/>
+              <a:gd name="connsiteX4" fmla="*/ 334966 w 2935735"/>
+              <a:gd name="connsiteY4" fmla="*/ 2134404 h 3586582"/>
+              <a:gd name="connsiteX0" fmla="*/ 700726 w 2935735"/>
+              <a:gd name="connsiteY0" fmla="*/ 1266526 h 3585998"/>
+              <a:gd name="connsiteX1" fmla="*/ 689085 w 2935735"/>
+              <a:gd name="connsiteY1" fmla="*/ 0 h 3585998"/>
+              <a:gd name="connsiteX2" fmla="*/ 2935735 w 2935735"/>
+              <a:gd name="connsiteY2" fmla="*/ 1792999 h 3585998"/>
+              <a:gd name="connsiteX3" fmla="*/ 689085 w 2935735"/>
+              <a:gd name="connsiteY3" fmla="*/ 3585998 h 3585998"/>
+              <a:gd name="connsiteX4" fmla="*/ 334966 w 2935735"/>
+              <a:gd name="connsiteY4" fmla="*/ 2133820 h 3585998"/>
+              <a:gd name="connsiteX0" fmla="*/ 700726 w 2935735"/>
+              <a:gd name="connsiteY0" fmla="*/ 1266526 h 3585998"/>
+              <a:gd name="connsiteX1" fmla="*/ 689085 w 2935735"/>
+              <a:gd name="connsiteY1" fmla="*/ 0 h 3585998"/>
+              <a:gd name="connsiteX2" fmla="*/ 2935735 w 2935735"/>
+              <a:gd name="connsiteY2" fmla="*/ 1792999 h 3585998"/>
+              <a:gd name="connsiteX3" fmla="*/ 689085 w 2935735"/>
+              <a:gd name="connsiteY3" fmla="*/ 3585998 h 3585998"/>
+              <a:gd name="connsiteX4" fmla="*/ 334966 w 2935735"/>
+              <a:gd name="connsiteY4" fmla="*/ 2133820 h 3585998"/>
+              <a:gd name="connsiteX0" fmla="*/ 610185 w 2845194"/>
+              <a:gd name="connsiteY0" fmla="*/ 1266526 h 3585998"/>
+              <a:gd name="connsiteX1" fmla="*/ 598544 w 2845194"/>
+              <a:gd name="connsiteY1" fmla="*/ 0 h 3585998"/>
+              <a:gd name="connsiteX2" fmla="*/ 2845194 w 2845194"/>
+              <a:gd name="connsiteY2" fmla="*/ 1792999 h 3585998"/>
+              <a:gd name="connsiteX3" fmla="*/ 598544 w 2845194"/>
+              <a:gd name="connsiteY3" fmla="*/ 3585998 h 3585998"/>
+              <a:gd name="connsiteX4" fmla="*/ 507662 w 2845194"/>
+              <a:gd name="connsiteY4" fmla="*/ 2286220 h 3585998"/>
+              <a:gd name="connsiteX0" fmla="*/ 573371 w 2808380"/>
+              <a:gd name="connsiteY0" fmla="*/ 1266526 h 3585998"/>
+              <a:gd name="connsiteX1" fmla="*/ 561730 w 2808380"/>
+              <a:gd name="connsiteY1" fmla="*/ 0 h 3585998"/>
+              <a:gd name="connsiteX2" fmla="*/ 2808380 w 2808380"/>
+              <a:gd name="connsiteY2" fmla="*/ 1792999 h 3585998"/>
+              <a:gd name="connsiteX3" fmla="*/ 561730 w 2808380"/>
+              <a:gd name="connsiteY3" fmla="*/ 3585998 h 3585998"/>
+              <a:gd name="connsiteX4" fmla="*/ 470848 w 2808380"/>
+              <a:gd name="connsiteY4" fmla="*/ 2286220 h 3585998"/>
+              <a:gd name="connsiteX0" fmla="*/ 573371 w 2808380"/>
+              <a:gd name="connsiteY0" fmla="*/ 1266526 h 3585998"/>
+              <a:gd name="connsiteX1" fmla="*/ 561730 w 2808380"/>
+              <a:gd name="connsiteY1" fmla="*/ 0 h 3585998"/>
+              <a:gd name="connsiteX2" fmla="*/ 2808380 w 2808380"/>
+              <a:gd name="connsiteY2" fmla="*/ 1792999 h 3585998"/>
+              <a:gd name="connsiteX3" fmla="*/ 561730 w 2808380"/>
+              <a:gd name="connsiteY3" fmla="*/ 3585998 h 3585998"/>
+              <a:gd name="connsiteX4" fmla="*/ 470848 w 2808380"/>
+              <a:gd name="connsiteY4" fmla="*/ 2286220 h 3585998"/>
+              <a:gd name="connsiteX0" fmla="*/ 51990 w 3132127"/>
+              <a:gd name="connsiteY0" fmla="*/ 1737581 h 3585998"/>
+              <a:gd name="connsiteX1" fmla="*/ 885477 w 3132127"/>
+              <a:gd name="connsiteY1" fmla="*/ 0 h 3585998"/>
+              <a:gd name="connsiteX2" fmla="*/ 3132127 w 3132127"/>
+              <a:gd name="connsiteY2" fmla="*/ 1792999 h 3585998"/>
+              <a:gd name="connsiteX3" fmla="*/ 885477 w 3132127"/>
+              <a:gd name="connsiteY3" fmla="*/ 3585998 h 3585998"/>
+              <a:gd name="connsiteX4" fmla="*/ 794595 w 3132127"/>
+              <a:gd name="connsiteY4" fmla="*/ 2286220 h 3585998"/>
+              <a:gd name="connsiteX0" fmla="*/ 356756 w 2868857"/>
+              <a:gd name="connsiteY0" fmla="*/ 684636 h 3585998"/>
+              <a:gd name="connsiteX1" fmla="*/ 622207 w 2868857"/>
+              <a:gd name="connsiteY1" fmla="*/ 0 h 3585998"/>
+              <a:gd name="connsiteX2" fmla="*/ 2868857 w 2868857"/>
+              <a:gd name="connsiteY2" fmla="*/ 1792999 h 3585998"/>
+              <a:gd name="connsiteX3" fmla="*/ 622207 w 2868857"/>
+              <a:gd name="connsiteY3" fmla="*/ 3585998 h 3585998"/>
+              <a:gd name="connsiteX4" fmla="*/ 531325 w 2868857"/>
+              <a:gd name="connsiteY4" fmla="*/ 2286220 h 3585998"/>
+              <a:gd name="connsiteX0" fmla="*/ 363306 w 2875407"/>
+              <a:gd name="connsiteY0" fmla="*/ 684636 h 3585998"/>
+              <a:gd name="connsiteX1" fmla="*/ 628757 w 2875407"/>
+              <a:gd name="connsiteY1" fmla="*/ 0 h 3585998"/>
+              <a:gd name="connsiteX2" fmla="*/ 2875407 w 2875407"/>
+              <a:gd name="connsiteY2" fmla="*/ 1792999 h 3585998"/>
+              <a:gd name="connsiteX3" fmla="*/ 628757 w 2875407"/>
+              <a:gd name="connsiteY3" fmla="*/ 3585998 h 3585998"/>
+              <a:gd name="connsiteX4" fmla="*/ 316202 w 2875407"/>
+              <a:gd name="connsiteY4" fmla="*/ 3186766 h 3585998"/>
+              <a:gd name="connsiteX0" fmla="*/ 628757 w 2875407"/>
+              <a:gd name="connsiteY0" fmla="*/ 0 h 3585998"/>
+              <a:gd name="connsiteX1" fmla="*/ 2875407 w 2875407"/>
+              <a:gd name="connsiteY1" fmla="*/ 1792999 h 3585998"/>
+              <a:gd name="connsiteX2" fmla="*/ 628757 w 2875407"/>
+              <a:gd name="connsiteY2" fmla="*/ 3585998 h 3585998"/>
+              <a:gd name="connsiteX3" fmla="*/ 316202 w 2875407"/>
+              <a:gd name="connsiteY3" fmla="*/ 3186766 h 3585998"/>
+              <a:gd name="connsiteX0" fmla="*/ 0 w 2246650"/>
+              <a:gd name="connsiteY0" fmla="*/ 0 h 3585998"/>
+              <a:gd name="connsiteX1" fmla="*/ 2246650 w 2246650"/>
+              <a:gd name="connsiteY1" fmla="*/ 1792999 h 3585998"/>
+              <a:gd name="connsiteX2" fmla="*/ 0 w 2246650"/>
+              <a:gd name="connsiteY2" fmla="*/ 3585998 h 3585998"/>
+            </a:gdLst>
+            <a:ahLst/>
+            <a:cxnLst>
+              <a:cxn ang="0">
+                <a:pos x="connsiteX0" y="connsiteY0"/>
+              </a:cxn>
+              <a:cxn ang="0">
+                <a:pos x="connsiteX1" y="connsiteY1"/>
+              </a:cxn>
+              <a:cxn ang="0">
+                <a:pos x="connsiteX2" y="connsiteY2"/>
+              </a:cxn>
+            </a:cxnLst>
+            <a:rect l="l" t="t" r="r" b="b"/>
+            <a:pathLst>
+              <a:path w="2246650" h="3585998">
+                <a:moveTo>
+                  <a:pt x="0" y="0"/>
+                </a:moveTo>
+                <a:cubicBezTo>
+                  <a:pt x="1240791" y="0"/>
+                  <a:pt x="2246650" y="802753"/>
+                  <a:pt x="2246650" y="1792999"/>
+                </a:cubicBezTo>
+                <a:cubicBezTo>
+                  <a:pt x="2246650" y="2783245"/>
+                  <a:pt x="1240791" y="3585998"/>
+                  <a:pt x="0" y="3585998"/>
+                </a:cubicBezTo>
+              </a:path>
+            </a:pathLst>
+          </a:custGeom>
           <a:solidFill>
-            <a:srgbClr val="F7EFBD"/>
+            <a:srgbClr val="FDF8F1"/>
           </a:solidFill>
           <a:ln>
             <a:noFill/>
           </a:ln>
-          <a:effectLst>
-            <a:outerShdw blurRad="50800" dist="38100" dir="2700000" algn="tl" rotWithShape="0">
-              <a:prstClr val="black">
-                <a:alpha val="40000"/>
-              </a:prstClr>
-            </a:outerShdw>
-          </a:effectLst>
-          <a:scene3d>
-            <a:camera prst="orthographicFront">
-              <a:rot lat="0" lon="0" rev="0"/>
-            </a:camera>
-            <a:lightRig rig="glow" dir="t">
-              <a:rot lat="0" lon="0" rev="4800000"/>
-            </a:lightRig>
-          </a:scene3d>
-          <a:sp3d prstMaterial="matte">
-            <a:bevelT w="127000" h="63500"/>
-          </a:sp3d>
+          <a:effectLst/>
         </p:spPr>
         <p:style>
           <a:lnRef idx="2">
@@ -32569,21 +32014,475 @@
           <a:lstStyle/>
           <a:p>
             <a:pPr algn="ctr"/>
+            <a:endParaRPr lang="en-GB"/>
+          </a:p>
+        </p:txBody>
+      </p:sp>
+      <p:sp>
+        <p:nvSpPr>
+          <p:cNvPr id="35" name="TextovéPole 34"/>
+          <p:cNvSpPr txBox="1"/>
+          <p:nvPr/>
+        </p:nvSpPr>
+        <p:spPr>
+          <a:xfrm>
+            <a:off x="2411760" y="2852936"/>
+            <a:ext cx="1760507" cy="830997"/>
+          </a:xfrm>
+          <a:prstGeom prst="rect">
+            <a:avLst/>
+          </a:prstGeom>
+          <a:noFill/>
+        </p:spPr>
+        <p:txBody>
+          <a:bodyPr wrap="square" rtlCol="0">
+            <a:spAutoFit/>
+          </a:bodyPr>
+          <a:lstStyle/>
+          <a:p>
+            <a:pPr algn="ctr"/>
             <a:r>
-              <a:rPr lang="en-GB" dirty="0" smtClean="0">
+              <a:rPr lang="en-GB" sz="2400" b="1" dirty="0" smtClean="0">
                 <a:solidFill>
-                  <a:schemeClr val="accent3">
-                    <a:lumMod val="50000"/>
-                  </a:schemeClr>
+                  <a:srgbClr val="28597A"/>
                 </a:solidFill>
               </a:rPr>
-              <a:t>Representative</a:t>
+              <a:t>Individual Members</a:t>
             </a:r>
-            <a:endParaRPr lang="en-GB" dirty="0">
+            <a:endParaRPr lang="en-GB" sz="2400" b="1" dirty="0">
               <a:solidFill>
-                <a:schemeClr val="accent3">
-                  <a:lumMod val="50000"/>
-                </a:schemeClr>
+                <a:srgbClr val="28597A"/>
+              </a:solidFill>
+            </a:endParaRPr>
+          </a:p>
+        </p:txBody>
+      </p:sp>
+      <p:sp>
+        <p:nvSpPr>
+          <p:cNvPr id="36" name="Ovál 30"/>
+          <p:cNvSpPr/>
+          <p:nvPr/>
+        </p:nvSpPr>
+        <p:spPr>
+          <a:xfrm>
+            <a:off x="4420802" y="1268760"/>
+            <a:ext cx="2534664" cy="2047104"/>
+          </a:xfrm>
+          <a:custGeom>
+            <a:avLst/>
+            <a:gdLst>
+              <a:gd name="connsiteX0" fmla="*/ 0 w 4493299"/>
+              <a:gd name="connsiteY0" fmla="*/ 1792999 h 3585998"/>
+              <a:gd name="connsiteX1" fmla="*/ 2246650 w 4493299"/>
+              <a:gd name="connsiteY1" fmla="*/ 0 h 3585998"/>
+              <a:gd name="connsiteX2" fmla="*/ 4493300 w 4493299"/>
+              <a:gd name="connsiteY2" fmla="*/ 1792999 h 3585998"/>
+              <a:gd name="connsiteX3" fmla="*/ 2246650 w 4493299"/>
+              <a:gd name="connsiteY3" fmla="*/ 3585998 h 3585998"/>
+              <a:gd name="connsiteX4" fmla="*/ 0 w 4493299"/>
+              <a:gd name="connsiteY4" fmla="*/ 1792999 h 3585998"/>
+              <a:gd name="connsiteX0" fmla="*/ 0 w 4493300"/>
+              <a:gd name="connsiteY0" fmla="*/ 1792999 h 3585998"/>
+              <a:gd name="connsiteX1" fmla="*/ 2246650 w 4493300"/>
+              <a:gd name="connsiteY1" fmla="*/ 0 h 3585998"/>
+              <a:gd name="connsiteX2" fmla="*/ 4493300 w 4493300"/>
+              <a:gd name="connsiteY2" fmla="*/ 1792999 h 3585998"/>
+              <a:gd name="connsiteX3" fmla="*/ 2246650 w 4493300"/>
+              <a:gd name="connsiteY3" fmla="*/ 3585998 h 3585998"/>
+              <a:gd name="connsiteX4" fmla="*/ 0 w 4493300"/>
+              <a:gd name="connsiteY4" fmla="*/ 1792999 h 3585998"/>
+              <a:gd name="connsiteX0" fmla="*/ 0 w 4493300"/>
+              <a:gd name="connsiteY0" fmla="*/ 1792999 h 3585998"/>
+              <a:gd name="connsiteX1" fmla="*/ 2246650 w 4493300"/>
+              <a:gd name="connsiteY1" fmla="*/ 0 h 3585998"/>
+              <a:gd name="connsiteX2" fmla="*/ 4493300 w 4493300"/>
+              <a:gd name="connsiteY2" fmla="*/ 1792999 h 3585998"/>
+              <a:gd name="connsiteX3" fmla="*/ 2246650 w 4493300"/>
+              <a:gd name="connsiteY3" fmla="*/ 3585998 h 3585998"/>
+              <a:gd name="connsiteX4" fmla="*/ 0 w 4493300"/>
+              <a:gd name="connsiteY4" fmla="*/ 1792999 h 3585998"/>
+              <a:gd name="connsiteX0" fmla="*/ 0 w 4493300"/>
+              <a:gd name="connsiteY0" fmla="*/ 1792999 h 3585998"/>
+              <a:gd name="connsiteX1" fmla="*/ 2246650 w 4493300"/>
+              <a:gd name="connsiteY1" fmla="*/ 0 h 3585998"/>
+              <a:gd name="connsiteX2" fmla="*/ 4493300 w 4493300"/>
+              <a:gd name="connsiteY2" fmla="*/ 1792999 h 3585998"/>
+              <a:gd name="connsiteX3" fmla="*/ 2246650 w 4493300"/>
+              <a:gd name="connsiteY3" fmla="*/ 3585998 h 3585998"/>
+              <a:gd name="connsiteX4" fmla="*/ 0 w 4493300"/>
+              <a:gd name="connsiteY4" fmla="*/ 1792999 h 3585998"/>
+              <a:gd name="connsiteX0" fmla="*/ 0 w 4493300"/>
+              <a:gd name="connsiteY0" fmla="*/ 1792999 h 3585998"/>
+              <a:gd name="connsiteX1" fmla="*/ 2246650 w 4493300"/>
+              <a:gd name="connsiteY1" fmla="*/ 0 h 3585998"/>
+              <a:gd name="connsiteX2" fmla="*/ 4493300 w 4493300"/>
+              <a:gd name="connsiteY2" fmla="*/ 1792999 h 3585998"/>
+              <a:gd name="connsiteX3" fmla="*/ 2246650 w 4493300"/>
+              <a:gd name="connsiteY3" fmla="*/ 3585998 h 3585998"/>
+              <a:gd name="connsiteX4" fmla="*/ 91440 w 4493300"/>
+              <a:gd name="connsiteY4" fmla="*/ 1884439 h 3585998"/>
+              <a:gd name="connsiteX0" fmla="*/ 0 w 4493300"/>
+              <a:gd name="connsiteY0" fmla="*/ 1792999 h 3585998"/>
+              <a:gd name="connsiteX1" fmla="*/ 2246650 w 4493300"/>
+              <a:gd name="connsiteY1" fmla="*/ 0 h 3585998"/>
+              <a:gd name="connsiteX2" fmla="*/ 4493300 w 4493300"/>
+              <a:gd name="connsiteY2" fmla="*/ 1792999 h 3585998"/>
+              <a:gd name="connsiteX3" fmla="*/ 2246650 w 4493300"/>
+              <a:gd name="connsiteY3" fmla="*/ 3585998 h 3585998"/>
+              <a:gd name="connsiteX4" fmla="*/ 1892531 w 4493300"/>
+              <a:gd name="connsiteY4" fmla="*/ 2133820 h 3585998"/>
+              <a:gd name="connsiteX0" fmla="*/ 520617 w 2935735"/>
+              <a:gd name="connsiteY0" fmla="*/ 934601 h 3586582"/>
+              <a:gd name="connsiteX1" fmla="*/ 689085 w 2935735"/>
+              <a:gd name="connsiteY1" fmla="*/ 584 h 3586582"/>
+              <a:gd name="connsiteX2" fmla="*/ 2935735 w 2935735"/>
+              <a:gd name="connsiteY2" fmla="*/ 1793583 h 3586582"/>
+              <a:gd name="connsiteX3" fmla="*/ 689085 w 2935735"/>
+              <a:gd name="connsiteY3" fmla="*/ 3586582 h 3586582"/>
+              <a:gd name="connsiteX4" fmla="*/ 334966 w 2935735"/>
+              <a:gd name="connsiteY4" fmla="*/ 2134404 h 3586582"/>
+              <a:gd name="connsiteX0" fmla="*/ 700726 w 2935735"/>
+              <a:gd name="connsiteY0" fmla="*/ 1266526 h 3585998"/>
+              <a:gd name="connsiteX1" fmla="*/ 689085 w 2935735"/>
+              <a:gd name="connsiteY1" fmla="*/ 0 h 3585998"/>
+              <a:gd name="connsiteX2" fmla="*/ 2935735 w 2935735"/>
+              <a:gd name="connsiteY2" fmla="*/ 1792999 h 3585998"/>
+              <a:gd name="connsiteX3" fmla="*/ 689085 w 2935735"/>
+              <a:gd name="connsiteY3" fmla="*/ 3585998 h 3585998"/>
+              <a:gd name="connsiteX4" fmla="*/ 334966 w 2935735"/>
+              <a:gd name="connsiteY4" fmla="*/ 2133820 h 3585998"/>
+              <a:gd name="connsiteX0" fmla="*/ 700726 w 2935735"/>
+              <a:gd name="connsiteY0" fmla="*/ 1266526 h 3585998"/>
+              <a:gd name="connsiteX1" fmla="*/ 689085 w 2935735"/>
+              <a:gd name="connsiteY1" fmla="*/ 0 h 3585998"/>
+              <a:gd name="connsiteX2" fmla="*/ 2935735 w 2935735"/>
+              <a:gd name="connsiteY2" fmla="*/ 1792999 h 3585998"/>
+              <a:gd name="connsiteX3" fmla="*/ 689085 w 2935735"/>
+              <a:gd name="connsiteY3" fmla="*/ 3585998 h 3585998"/>
+              <a:gd name="connsiteX4" fmla="*/ 334966 w 2935735"/>
+              <a:gd name="connsiteY4" fmla="*/ 2133820 h 3585998"/>
+              <a:gd name="connsiteX0" fmla="*/ 610185 w 2845194"/>
+              <a:gd name="connsiteY0" fmla="*/ 1266526 h 3585998"/>
+              <a:gd name="connsiteX1" fmla="*/ 598544 w 2845194"/>
+              <a:gd name="connsiteY1" fmla="*/ 0 h 3585998"/>
+              <a:gd name="connsiteX2" fmla="*/ 2845194 w 2845194"/>
+              <a:gd name="connsiteY2" fmla="*/ 1792999 h 3585998"/>
+              <a:gd name="connsiteX3" fmla="*/ 598544 w 2845194"/>
+              <a:gd name="connsiteY3" fmla="*/ 3585998 h 3585998"/>
+              <a:gd name="connsiteX4" fmla="*/ 507662 w 2845194"/>
+              <a:gd name="connsiteY4" fmla="*/ 2286220 h 3585998"/>
+              <a:gd name="connsiteX0" fmla="*/ 573371 w 2808380"/>
+              <a:gd name="connsiteY0" fmla="*/ 1266526 h 3585998"/>
+              <a:gd name="connsiteX1" fmla="*/ 561730 w 2808380"/>
+              <a:gd name="connsiteY1" fmla="*/ 0 h 3585998"/>
+              <a:gd name="connsiteX2" fmla="*/ 2808380 w 2808380"/>
+              <a:gd name="connsiteY2" fmla="*/ 1792999 h 3585998"/>
+              <a:gd name="connsiteX3" fmla="*/ 561730 w 2808380"/>
+              <a:gd name="connsiteY3" fmla="*/ 3585998 h 3585998"/>
+              <a:gd name="connsiteX4" fmla="*/ 470848 w 2808380"/>
+              <a:gd name="connsiteY4" fmla="*/ 2286220 h 3585998"/>
+              <a:gd name="connsiteX0" fmla="*/ 573371 w 2808380"/>
+              <a:gd name="connsiteY0" fmla="*/ 1266526 h 3585998"/>
+              <a:gd name="connsiteX1" fmla="*/ 561730 w 2808380"/>
+              <a:gd name="connsiteY1" fmla="*/ 0 h 3585998"/>
+              <a:gd name="connsiteX2" fmla="*/ 2808380 w 2808380"/>
+              <a:gd name="connsiteY2" fmla="*/ 1792999 h 3585998"/>
+              <a:gd name="connsiteX3" fmla="*/ 561730 w 2808380"/>
+              <a:gd name="connsiteY3" fmla="*/ 3585998 h 3585998"/>
+              <a:gd name="connsiteX4" fmla="*/ 470848 w 2808380"/>
+              <a:gd name="connsiteY4" fmla="*/ 2286220 h 3585998"/>
+              <a:gd name="connsiteX0" fmla="*/ 51990 w 3132127"/>
+              <a:gd name="connsiteY0" fmla="*/ 1737581 h 3585998"/>
+              <a:gd name="connsiteX1" fmla="*/ 885477 w 3132127"/>
+              <a:gd name="connsiteY1" fmla="*/ 0 h 3585998"/>
+              <a:gd name="connsiteX2" fmla="*/ 3132127 w 3132127"/>
+              <a:gd name="connsiteY2" fmla="*/ 1792999 h 3585998"/>
+              <a:gd name="connsiteX3" fmla="*/ 885477 w 3132127"/>
+              <a:gd name="connsiteY3" fmla="*/ 3585998 h 3585998"/>
+              <a:gd name="connsiteX4" fmla="*/ 794595 w 3132127"/>
+              <a:gd name="connsiteY4" fmla="*/ 2286220 h 3585998"/>
+              <a:gd name="connsiteX0" fmla="*/ 356756 w 2868857"/>
+              <a:gd name="connsiteY0" fmla="*/ 684636 h 3585998"/>
+              <a:gd name="connsiteX1" fmla="*/ 622207 w 2868857"/>
+              <a:gd name="connsiteY1" fmla="*/ 0 h 3585998"/>
+              <a:gd name="connsiteX2" fmla="*/ 2868857 w 2868857"/>
+              <a:gd name="connsiteY2" fmla="*/ 1792999 h 3585998"/>
+              <a:gd name="connsiteX3" fmla="*/ 622207 w 2868857"/>
+              <a:gd name="connsiteY3" fmla="*/ 3585998 h 3585998"/>
+              <a:gd name="connsiteX4" fmla="*/ 531325 w 2868857"/>
+              <a:gd name="connsiteY4" fmla="*/ 2286220 h 3585998"/>
+              <a:gd name="connsiteX0" fmla="*/ 363306 w 2875407"/>
+              <a:gd name="connsiteY0" fmla="*/ 684636 h 3585998"/>
+              <a:gd name="connsiteX1" fmla="*/ 628757 w 2875407"/>
+              <a:gd name="connsiteY1" fmla="*/ 0 h 3585998"/>
+              <a:gd name="connsiteX2" fmla="*/ 2875407 w 2875407"/>
+              <a:gd name="connsiteY2" fmla="*/ 1792999 h 3585998"/>
+              <a:gd name="connsiteX3" fmla="*/ 628757 w 2875407"/>
+              <a:gd name="connsiteY3" fmla="*/ 3585998 h 3585998"/>
+              <a:gd name="connsiteX4" fmla="*/ 316202 w 2875407"/>
+              <a:gd name="connsiteY4" fmla="*/ 3186766 h 3585998"/>
+              <a:gd name="connsiteX0" fmla="*/ 628757 w 2875407"/>
+              <a:gd name="connsiteY0" fmla="*/ 0 h 3585998"/>
+              <a:gd name="connsiteX1" fmla="*/ 2875407 w 2875407"/>
+              <a:gd name="connsiteY1" fmla="*/ 1792999 h 3585998"/>
+              <a:gd name="connsiteX2" fmla="*/ 628757 w 2875407"/>
+              <a:gd name="connsiteY2" fmla="*/ 3585998 h 3585998"/>
+              <a:gd name="connsiteX3" fmla="*/ 316202 w 2875407"/>
+              <a:gd name="connsiteY3" fmla="*/ 3186766 h 3585998"/>
+              <a:gd name="connsiteX0" fmla="*/ 0 w 2246650"/>
+              <a:gd name="connsiteY0" fmla="*/ 0 h 3585998"/>
+              <a:gd name="connsiteX1" fmla="*/ 2246650 w 2246650"/>
+              <a:gd name="connsiteY1" fmla="*/ 1792999 h 3585998"/>
+              <a:gd name="connsiteX2" fmla="*/ 0 w 2246650"/>
+              <a:gd name="connsiteY2" fmla="*/ 3585998 h 3585998"/>
+              <a:gd name="connsiteX0" fmla="*/ 0 w 2246650"/>
+              <a:gd name="connsiteY0" fmla="*/ 0 h 2265513"/>
+              <a:gd name="connsiteX1" fmla="*/ 2246650 w 2246650"/>
+              <a:gd name="connsiteY1" fmla="*/ 1792999 h 2265513"/>
+              <a:gd name="connsiteX2" fmla="*/ 27709 w 2246650"/>
+              <a:gd name="connsiteY2" fmla="*/ 1909598 h 2265513"/>
+              <a:gd name="connsiteX0" fmla="*/ 0 w 2246650"/>
+              <a:gd name="connsiteY0" fmla="*/ 0 h 1909598"/>
+              <a:gd name="connsiteX1" fmla="*/ 2246650 w 2246650"/>
+              <a:gd name="connsiteY1" fmla="*/ 1792999 h 1909598"/>
+              <a:gd name="connsiteX2" fmla="*/ 27709 w 2246650"/>
+              <a:gd name="connsiteY2" fmla="*/ 1909598 h 1909598"/>
+              <a:gd name="connsiteX0" fmla="*/ 0 w 2246650"/>
+              <a:gd name="connsiteY0" fmla="*/ 0 h 1854180"/>
+              <a:gd name="connsiteX1" fmla="*/ 2246650 w 2246650"/>
+              <a:gd name="connsiteY1" fmla="*/ 1792999 h 1854180"/>
+              <a:gd name="connsiteX2" fmla="*/ 27709 w 2246650"/>
+              <a:gd name="connsiteY2" fmla="*/ 1854180 h 1854180"/>
+              <a:gd name="connsiteX0" fmla="*/ 0 w 2246650"/>
+              <a:gd name="connsiteY0" fmla="*/ 0 h 1854180"/>
+              <a:gd name="connsiteX1" fmla="*/ 2246650 w 2246650"/>
+              <a:gd name="connsiteY1" fmla="*/ 1792999 h 1854180"/>
+              <a:gd name="connsiteX2" fmla="*/ 55418 w 2246650"/>
+              <a:gd name="connsiteY2" fmla="*/ 1820435 h 1854180"/>
+              <a:gd name="connsiteX3" fmla="*/ 27709 w 2246650"/>
+              <a:gd name="connsiteY3" fmla="*/ 1854180 h 1854180"/>
+              <a:gd name="connsiteX0" fmla="*/ 0 w 2246650"/>
+              <a:gd name="connsiteY0" fmla="*/ 0 h 1854180"/>
+              <a:gd name="connsiteX1" fmla="*/ 2246650 w 2246650"/>
+              <a:gd name="connsiteY1" fmla="*/ 1792999 h 1854180"/>
+              <a:gd name="connsiteX2" fmla="*/ 41563 w 2246650"/>
+              <a:gd name="connsiteY2" fmla="*/ 1806581 h 1854180"/>
+              <a:gd name="connsiteX3" fmla="*/ 27709 w 2246650"/>
+              <a:gd name="connsiteY3" fmla="*/ 1854180 h 1854180"/>
+              <a:gd name="connsiteX0" fmla="*/ 0 w 2246650"/>
+              <a:gd name="connsiteY0" fmla="*/ 0 h 1854180"/>
+              <a:gd name="connsiteX1" fmla="*/ 2246650 w 2246650"/>
+              <a:gd name="connsiteY1" fmla="*/ 1792999 h 1854180"/>
+              <a:gd name="connsiteX2" fmla="*/ 41563 w 2246650"/>
+              <a:gd name="connsiteY2" fmla="*/ 1806581 h 1854180"/>
+              <a:gd name="connsiteX3" fmla="*/ 27709 w 2246650"/>
+              <a:gd name="connsiteY3" fmla="*/ 1854180 h 1854180"/>
+              <a:gd name="connsiteX0" fmla="*/ 0 w 2274359"/>
+              <a:gd name="connsiteY0" fmla="*/ 0 h 1854180"/>
+              <a:gd name="connsiteX1" fmla="*/ 2274359 w 2274359"/>
+              <a:gd name="connsiteY1" fmla="*/ 1792999 h 1854180"/>
+              <a:gd name="connsiteX2" fmla="*/ 41563 w 2274359"/>
+              <a:gd name="connsiteY2" fmla="*/ 1806581 h 1854180"/>
+              <a:gd name="connsiteX3" fmla="*/ 27709 w 2274359"/>
+              <a:gd name="connsiteY3" fmla="*/ 1854180 h 1854180"/>
+              <a:gd name="connsiteX0" fmla="*/ 0 w 2246650"/>
+              <a:gd name="connsiteY0" fmla="*/ 0 h 1895744"/>
+              <a:gd name="connsiteX1" fmla="*/ 2246650 w 2246650"/>
+              <a:gd name="connsiteY1" fmla="*/ 1834563 h 1895744"/>
+              <a:gd name="connsiteX2" fmla="*/ 13854 w 2246650"/>
+              <a:gd name="connsiteY2" fmla="*/ 1848145 h 1895744"/>
+              <a:gd name="connsiteX3" fmla="*/ 0 w 2246650"/>
+              <a:gd name="connsiteY3" fmla="*/ 1895744 h 1895744"/>
+              <a:gd name="connsiteX0" fmla="*/ 0 w 2252601"/>
+              <a:gd name="connsiteY0" fmla="*/ 0 h 1895744"/>
+              <a:gd name="connsiteX1" fmla="*/ 2246650 w 2252601"/>
+              <a:gd name="connsiteY1" fmla="*/ 1834563 h 1895744"/>
+              <a:gd name="connsiteX2" fmla="*/ 13854 w 2252601"/>
+              <a:gd name="connsiteY2" fmla="*/ 1848145 h 1895744"/>
+              <a:gd name="connsiteX3" fmla="*/ 0 w 2252601"/>
+              <a:gd name="connsiteY3" fmla="*/ 1895744 h 1895744"/>
+              <a:gd name="connsiteX0" fmla="*/ 0 w 2253035"/>
+              <a:gd name="connsiteY0" fmla="*/ 4806 h 1900550"/>
+              <a:gd name="connsiteX1" fmla="*/ 2246650 w 2253035"/>
+              <a:gd name="connsiteY1" fmla="*/ 1839369 h 1900550"/>
+              <a:gd name="connsiteX2" fmla="*/ 13854 w 2253035"/>
+              <a:gd name="connsiteY2" fmla="*/ 1852951 h 1900550"/>
+              <a:gd name="connsiteX3" fmla="*/ 0 w 2253035"/>
+              <a:gd name="connsiteY3" fmla="*/ 1900550 h 1900550"/>
+              <a:gd name="connsiteX0" fmla="*/ 0 w 2253035"/>
+              <a:gd name="connsiteY0" fmla="*/ 152 h 1895896"/>
+              <a:gd name="connsiteX1" fmla="*/ 2246650 w 2253035"/>
+              <a:gd name="connsiteY1" fmla="*/ 1834715 h 1895896"/>
+              <a:gd name="connsiteX2" fmla="*/ 13854 w 2253035"/>
+              <a:gd name="connsiteY2" fmla="*/ 1848297 h 1895896"/>
+              <a:gd name="connsiteX3" fmla="*/ 0 w 2253035"/>
+              <a:gd name="connsiteY3" fmla="*/ 1895896 h 1895896"/>
+            </a:gdLst>
+            <a:ahLst/>
+            <a:cxnLst>
+              <a:cxn ang="0">
+                <a:pos x="connsiteX0" y="connsiteY0"/>
+              </a:cxn>
+              <a:cxn ang="0">
+                <a:pos x="connsiteX1" y="connsiteY1"/>
+              </a:cxn>
+              <a:cxn ang="0">
+                <a:pos x="connsiteX2" y="connsiteY2"/>
+              </a:cxn>
+              <a:cxn ang="0">
+                <a:pos x="connsiteX3" y="connsiteY3"/>
+              </a:cxn>
+            </a:cxnLst>
+            <a:rect l="l" t="t" r="r" b="b"/>
+            <a:pathLst>
+              <a:path w="2253035" h="1895896">
+                <a:moveTo>
+                  <a:pt x="0" y="152"/>
+                </a:moveTo>
+                <a:cubicBezTo>
+                  <a:pt x="1323918" y="-13702"/>
+                  <a:pt x="2343632" y="927596"/>
+                  <a:pt x="2246650" y="1834715"/>
+                </a:cubicBezTo>
+                <a:cubicBezTo>
+                  <a:pt x="1520858" y="1853097"/>
+                  <a:pt x="739646" y="1829915"/>
+                  <a:pt x="13854" y="1848297"/>
+                </a:cubicBezTo>
+                <a:lnTo>
+                  <a:pt x="0" y="1895896"/>
+                </a:lnTo>
+              </a:path>
+            </a:pathLst>
+          </a:custGeom>
+          <a:solidFill>
+            <a:srgbClr val="F8E7C4"/>
+          </a:solidFill>
+          <a:ln>
+            <a:noFill/>
+          </a:ln>
+          <a:effectLst/>
+        </p:spPr>
+        <p:style>
+          <a:lnRef idx="2">
+            <a:schemeClr val="accent1">
+              <a:shade val="50000"/>
+            </a:schemeClr>
+          </a:lnRef>
+          <a:fillRef idx="1">
+            <a:schemeClr val="accent1"/>
+          </a:fillRef>
+          <a:effectRef idx="0">
+            <a:schemeClr val="accent1"/>
+          </a:effectRef>
+          <a:fontRef idx="minor">
+            <a:schemeClr val="lt1"/>
+          </a:fontRef>
+        </p:style>
+        <p:txBody>
+          <a:bodyPr rtlCol="0" anchor="ctr"/>
+          <a:lstStyle/>
+          <a:p>
+            <a:pPr algn="ctr"/>
+            <a:endParaRPr lang="en-GB"/>
+          </a:p>
+        </p:txBody>
+      </p:sp>
+      <p:sp>
+        <p:nvSpPr>
+          <p:cNvPr id="38" name="TextovéPole 37"/>
+          <p:cNvSpPr txBox="1"/>
+          <p:nvPr/>
+        </p:nvSpPr>
+        <p:spPr>
+          <a:xfrm>
+            <a:off x="4599614" y="3645024"/>
+            <a:ext cx="1760507" cy="830997"/>
+          </a:xfrm>
+          <a:prstGeom prst="rect">
+            <a:avLst/>
+          </a:prstGeom>
+          <a:noFill/>
+        </p:spPr>
+        <p:txBody>
+          <a:bodyPr wrap="square" rtlCol="0">
+            <a:spAutoFit/>
+          </a:bodyPr>
+          <a:lstStyle/>
+          <a:p>
+            <a:pPr algn="ctr"/>
+            <a:r>
+              <a:rPr lang="en-GB" sz="2400" b="1" dirty="0" smtClean="0">
+                <a:solidFill>
+                  <a:srgbClr val="DE7D47"/>
+                </a:solidFill>
+              </a:rPr>
+              <a:t>Industry</a:t>
+            </a:r>
+          </a:p>
+          <a:p>
+            <a:pPr algn="ctr"/>
+            <a:r>
+              <a:rPr lang="en-GB" sz="2400" b="1" dirty="0" smtClean="0">
+                <a:solidFill>
+                  <a:srgbClr val="DE7D47"/>
+                </a:solidFill>
+              </a:rPr>
+              <a:t>Partners</a:t>
+            </a:r>
+            <a:endParaRPr lang="en-GB" sz="2400" b="1" dirty="0">
+              <a:solidFill>
+                <a:srgbClr val="DE7D47"/>
+              </a:solidFill>
+            </a:endParaRPr>
+          </a:p>
+        </p:txBody>
+      </p:sp>
+      <p:sp>
+        <p:nvSpPr>
+          <p:cNvPr id="39" name="TextovéPole 38"/>
+          <p:cNvSpPr txBox="1"/>
+          <p:nvPr/>
+        </p:nvSpPr>
+        <p:spPr>
+          <a:xfrm>
+            <a:off x="4599614" y="2132856"/>
+            <a:ext cx="1760507" cy="830997"/>
+          </a:xfrm>
+          <a:prstGeom prst="rect">
+            <a:avLst/>
+          </a:prstGeom>
+          <a:noFill/>
+        </p:spPr>
+        <p:txBody>
+          <a:bodyPr wrap="square" rtlCol="0">
+            <a:spAutoFit/>
+          </a:bodyPr>
+          <a:lstStyle/>
+          <a:p>
+            <a:pPr algn="ctr"/>
+            <a:r>
+              <a:rPr lang="en-GB" sz="2400" b="1" dirty="0" smtClean="0">
+                <a:solidFill>
+                  <a:srgbClr val="DE7D47"/>
+                </a:solidFill>
+              </a:rPr>
+              <a:t>Sponsoring</a:t>
+            </a:r>
+          </a:p>
+          <a:p>
+            <a:pPr algn="ctr"/>
+            <a:r>
+              <a:rPr lang="en-GB" sz="2400" b="1" dirty="0" smtClean="0">
+                <a:solidFill>
+                  <a:srgbClr val="DE7D47"/>
+                </a:solidFill>
+              </a:rPr>
+              <a:t>Partners</a:t>
+            </a:r>
+            <a:endParaRPr lang="en-GB" sz="2400" b="1" dirty="0">
+              <a:solidFill>
+                <a:srgbClr val="DE7D47"/>
               </a:solidFill>
             </a:endParaRPr>
           </a:p>

--- a/files/openEHR_diagrams_sources.pptx
+++ b/files/openEHR_diagrams_sources.pptx
@@ -120,7 +120,7 @@
   </p:defaultTextStyle>
   <p:extLst>
     <p:ext uri="{EFAFB233-063F-42B5-8137-9DF3F51BA10A}">
-      <p15:sldGuideLst xmlns="" xmlns:p15="http://schemas.microsoft.com/office/powerpoint/2012/main">
+      <p15:sldGuideLst xmlns:p15="http://schemas.microsoft.com/office/powerpoint/2012/main">
         <p15:guide id="1" orient="horz" pos="2160">
           <p15:clr>
             <a:srgbClr val="A4A3A4"/>
@@ -175,10 +175,9 @@
           <a:lstStyle/>
           <a:p>
             <a:r>
-              <a:rPr lang="en-US" smtClean="0"/>
+              <a:rPr lang="en-US"/>
               <a:t>Click to edit Master title style</a:t>
             </a:r>
-            <a:endParaRPr lang="en-US"/>
           </a:p>
         </p:txBody>
       </p:sp>
@@ -294,10 +293,9 @@
           </a:lstStyle>
           <a:p>
             <a:r>
-              <a:rPr lang="en-US" smtClean="0"/>
+              <a:rPr lang="en-US"/>
               <a:t>Click to edit Master subtitle style</a:t>
             </a:r>
-            <a:endParaRPr lang="en-US"/>
           </a:p>
         </p:txBody>
       </p:sp>
@@ -319,7 +317,7 @@
             <a:fld id="{C17C92CA-27BA-48D5-B9B9-4E9A3862C39B}" type="datetimeFigureOut">
               <a:rPr lang="en-US" smtClean="0"/>
               <a:pPr/>
-              <a:t>6/9/2016</a:t>
+              <a:t>8/8/2017</a:t>
             </a:fld>
             <a:endParaRPr lang="en-US"/>
           </a:p>
@@ -409,10 +407,9 @@
           <a:lstStyle/>
           <a:p>
             <a:r>
-              <a:rPr lang="en-US" smtClean="0"/>
+              <a:rPr lang="en-US"/>
               <a:t>Click to edit Master title style</a:t>
             </a:r>
-            <a:endParaRPr lang="en-US"/>
           </a:p>
         </p:txBody>
       </p:sp>
@@ -433,38 +430,37 @@
           <a:p>
             <a:pPr lvl="0"/>
             <a:r>
-              <a:rPr lang="en-US" smtClean="0"/>
+              <a:rPr lang="en-US"/>
               <a:t>Click to edit Master text styles</a:t>
             </a:r>
           </a:p>
           <a:p>
             <a:pPr lvl="1"/>
             <a:r>
-              <a:rPr lang="en-US" smtClean="0"/>
+              <a:rPr lang="en-US"/>
               <a:t>Second level</a:t>
             </a:r>
           </a:p>
           <a:p>
             <a:pPr lvl="2"/>
             <a:r>
-              <a:rPr lang="en-US" smtClean="0"/>
+              <a:rPr lang="en-US"/>
               <a:t>Third level</a:t>
             </a:r>
           </a:p>
           <a:p>
             <a:pPr lvl="3"/>
             <a:r>
-              <a:rPr lang="en-US" smtClean="0"/>
+              <a:rPr lang="en-US"/>
               <a:t>Fourth level</a:t>
             </a:r>
           </a:p>
           <a:p>
             <a:pPr lvl="4"/>
             <a:r>
-              <a:rPr lang="en-US" smtClean="0"/>
+              <a:rPr lang="en-US"/>
               <a:t>Fifth level</a:t>
             </a:r>
-            <a:endParaRPr lang="en-US"/>
           </a:p>
         </p:txBody>
       </p:sp>
@@ -486,7 +482,7 @@
             <a:fld id="{C17C92CA-27BA-48D5-B9B9-4E9A3862C39B}" type="datetimeFigureOut">
               <a:rPr lang="en-US" smtClean="0"/>
               <a:pPr/>
-              <a:t>6/9/2016</a:t>
+              <a:t>8/8/2017</a:t>
             </a:fld>
             <a:endParaRPr lang="en-US"/>
           </a:p>
@@ -581,10 +577,9 @@
           <a:lstStyle/>
           <a:p>
             <a:r>
-              <a:rPr lang="en-US" smtClean="0"/>
+              <a:rPr lang="en-US"/>
               <a:t>Click to edit Master title style</a:t>
             </a:r>
-            <a:endParaRPr lang="en-US"/>
           </a:p>
         </p:txBody>
       </p:sp>
@@ -610,38 +605,37 @@
           <a:p>
             <a:pPr lvl="0"/>
             <a:r>
-              <a:rPr lang="en-US" smtClean="0"/>
+              <a:rPr lang="en-US"/>
               <a:t>Click to edit Master text styles</a:t>
             </a:r>
           </a:p>
           <a:p>
             <a:pPr lvl="1"/>
             <a:r>
-              <a:rPr lang="en-US" smtClean="0"/>
+              <a:rPr lang="en-US"/>
               <a:t>Second level</a:t>
             </a:r>
           </a:p>
           <a:p>
             <a:pPr lvl="2"/>
             <a:r>
-              <a:rPr lang="en-US" smtClean="0"/>
+              <a:rPr lang="en-US"/>
               <a:t>Third level</a:t>
             </a:r>
           </a:p>
           <a:p>
             <a:pPr lvl="3"/>
             <a:r>
-              <a:rPr lang="en-US" smtClean="0"/>
+              <a:rPr lang="en-US"/>
               <a:t>Fourth level</a:t>
             </a:r>
           </a:p>
           <a:p>
             <a:pPr lvl="4"/>
             <a:r>
-              <a:rPr lang="en-US" smtClean="0"/>
+              <a:rPr lang="en-US"/>
               <a:t>Fifth level</a:t>
             </a:r>
-            <a:endParaRPr lang="en-US"/>
           </a:p>
         </p:txBody>
       </p:sp>
@@ -663,7 +657,7 @@
             <a:fld id="{C17C92CA-27BA-48D5-B9B9-4E9A3862C39B}" type="datetimeFigureOut">
               <a:rPr lang="en-US" smtClean="0"/>
               <a:pPr/>
-              <a:t>6/9/2016</a:t>
+              <a:t>8/8/2017</a:t>
             </a:fld>
             <a:endParaRPr lang="en-US"/>
           </a:p>
@@ -753,10 +747,9 @@
           <a:lstStyle/>
           <a:p>
             <a:r>
-              <a:rPr lang="en-US" smtClean="0"/>
+              <a:rPr lang="en-US"/>
               <a:t>Click to edit Master title style</a:t>
             </a:r>
-            <a:endParaRPr lang="en-US"/>
           </a:p>
         </p:txBody>
       </p:sp>
@@ -777,38 +770,37 @@
           <a:p>
             <a:pPr lvl="0"/>
             <a:r>
-              <a:rPr lang="en-US" smtClean="0"/>
+              <a:rPr lang="en-US"/>
               <a:t>Click to edit Master text styles</a:t>
             </a:r>
           </a:p>
           <a:p>
             <a:pPr lvl="1"/>
             <a:r>
-              <a:rPr lang="en-US" smtClean="0"/>
+              <a:rPr lang="en-US"/>
               <a:t>Second level</a:t>
             </a:r>
           </a:p>
           <a:p>
             <a:pPr lvl="2"/>
             <a:r>
-              <a:rPr lang="en-US" smtClean="0"/>
+              <a:rPr lang="en-US"/>
               <a:t>Third level</a:t>
             </a:r>
           </a:p>
           <a:p>
             <a:pPr lvl="3"/>
             <a:r>
-              <a:rPr lang="en-US" smtClean="0"/>
+              <a:rPr lang="en-US"/>
               <a:t>Fourth level</a:t>
             </a:r>
           </a:p>
           <a:p>
             <a:pPr lvl="4"/>
             <a:r>
-              <a:rPr lang="en-US" smtClean="0"/>
+              <a:rPr lang="en-US"/>
               <a:t>Fifth level</a:t>
             </a:r>
-            <a:endParaRPr lang="en-US"/>
           </a:p>
         </p:txBody>
       </p:sp>
@@ -830,7 +822,7 @@
             <a:fld id="{C17C92CA-27BA-48D5-B9B9-4E9A3862C39B}" type="datetimeFigureOut">
               <a:rPr lang="en-US" smtClean="0"/>
               <a:pPr/>
-              <a:t>6/9/2016</a:t>
+              <a:t>8/8/2017</a:t>
             </a:fld>
             <a:endParaRPr lang="en-US"/>
           </a:p>
@@ -929,10 +921,9 @@
           </a:lstStyle>
           <a:p>
             <a:r>
-              <a:rPr lang="en-US" smtClean="0"/>
+              <a:rPr lang="en-US"/>
               <a:t>Click to edit Master title style</a:t>
             </a:r>
-            <a:endParaRPr lang="en-US"/>
           </a:p>
         </p:txBody>
       </p:sp>
@@ -1049,7 +1040,7 @@
           <a:p>
             <a:pPr lvl="0"/>
             <a:r>
-              <a:rPr lang="en-US" smtClean="0"/>
+              <a:rPr lang="en-US"/>
               <a:t>Click to edit Master text styles</a:t>
             </a:r>
           </a:p>
@@ -1073,7 +1064,7 @@
             <a:fld id="{C17C92CA-27BA-48D5-B9B9-4E9A3862C39B}" type="datetimeFigureOut">
               <a:rPr lang="en-US" smtClean="0"/>
               <a:pPr/>
-              <a:t>6/9/2016</a:t>
+              <a:t>8/8/2017</a:t>
             </a:fld>
             <a:endParaRPr lang="en-US"/>
           </a:p>
@@ -1163,10 +1154,9 @@
           <a:lstStyle/>
           <a:p>
             <a:r>
-              <a:rPr lang="en-US" smtClean="0"/>
+              <a:rPr lang="en-US"/>
               <a:t>Click to edit Master title style</a:t>
             </a:r>
-            <a:endParaRPr lang="en-US"/>
           </a:p>
         </p:txBody>
       </p:sp>
@@ -1220,38 +1210,37 @@
           <a:p>
             <a:pPr lvl="0"/>
             <a:r>
-              <a:rPr lang="en-US" smtClean="0"/>
+              <a:rPr lang="en-US"/>
               <a:t>Click to edit Master text styles</a:t>
             </a:r>
           </a:p>
           <a:p>
             <a:pPr lvl="1"/>
             <a:r>
-              <a:rPr lang="en-US" smtClean="0"/>
+              <a:rPr lang="en-US"/>
               <a:t>Second level</a:t>
             </a:r>
           </a:p>
           <a:p>
             <a:pPr lvl="2"/>
             <a:r>
-              <a:rPr lang="en-US" smtClean="0"/>
+              <a:rPr lang="en-US"/>
               <a:t>Third level</a:t>
             </a:r>
           </a:p>
           <a:p>
             <a:pPr lvl="3"/>
             <a:r>
-              <a:rPr lang="en-US" smtClean="0"/>
+              <a:rPr lang="en-US"/>
               <a:t>Fourth level</a:t>
             </a:r>
           </a:p>
           <a:p>
             <a:pPr lvl="4"/>
             <a:r>
-              <a:rPr lang="en-US" smtClean="0"/>
+              <a:rPr lang="en-US"/>
               <a:t>Fifth level</a:t>
             </a:r>
-            <a:endParaRPr lang="en-US"/>
           </a:p>
         </p:txBody>
       </p:sp>
@@ -1305,38 +1294,37 @@
           <a:p>
             <a:pPr lvl="0"/>
             <a:r>
-              <a:rPr lang="en-US" smtClean="0"/>
+              <a:rPr lang="en-US"/>
               <a:t>Click to edit Master text styles</a:t>
             </a:r>
           </a:p>
           <a:p>
             <a:pPr lvl="1"/>
             <a:r>
-              <a:rPr lang="en-US" smtClean="0"/>
+              <a:rPr lang="en-US"/>
               <a:t>Second level</a:t>
             </a:r>
           </a:p>
           <a:p>
             <a:pPr lvl="2"/>
             <a:r>
-              <a:rPr lang="en-US" smtClean="0"/>
+              <a:rPr lang="en-US"/>
               <a:t>Third level</a:t>
             </a:r>
           </a:p>
           <a:p>
             <a:pPr lvl="3"/>
             <a:r>
-              <a:rPr lang="en-US" smtClean="0"/>
+              <a:rPr lang="en-US"/>
               <a:t>Fourth level</a:t>
             </a:r>
           </a:p>
           <a:p>
             <a:pPr lvl="4"/>
             <a:r>
-              <a:rPr lang="en-US" smtClean="0"/>
+              <a:rPr lang="en-US"/>
               <a:t>Fifth level</a:t>
             </a:r>
-            <a:endParaRPr lang="en-US"/>
           </a:p>
         </p:txBody>
       </p:sp>
@@ -1358,7 +1346,7 @@
             <a:fld id="{C17C92CA-27BA-48D5-B9B9-4E9A3862C39B}" type="datetimeFigureOut">
               <a:rPr lang="en-US" smtClean="0"/>
               <a:pPr/>
-              <a:t>6/9/2016</a:t>
+              <a:t>8/8/2017</a:t>
             </a:fld>
             <a:endParaRPr lang="en-US"/>
           </a:p>
@@ -1452,10 +1440,9 @@
           </a:lstStyle>
           <a:p>
             <a:r>
-              <a:rPr lang="en-US" smtClean="0"/>
+              <a:rPr lang="en-US"/>
               <a:t>Click to edit Master title style</a:t>
             </a:r>
-            <a:endParaRPr lang="en-US"/>
           </a:p>
         </p:txBody>
       </p:sp>
@@ -1518,7 +1505,7 @@
           <a:p>
             <a:pPr lvl="0"/>
             <a:r>
-              <a:rPr lang="en-US" smtClean="0"/>
+              <a:rPr lang="en-US"/>
               <a:t>Click to edit Master text styles</a:t>
             </a:r>
           </a:p>
@@ -1574,38 +1561,37 @@
           <a:p>
             <a:pPr lvl="0"/>
             <a:r>
-              <a:rPr lang="en-US" smtClean="0"/>
+              <a:rPr lang="en-US"/>
               <a:t>Click to edit Master text styles</a:t>
             </a:r>
           </a:p>
           <a:p>
             <a:pPr lvl="1"/>
             <a:r>
-              <a:rPr lang="en-US" smtClean="0"/>
+              <a:rPr lang="en-US"/>
               <a:t>Second level</a:t>
             </a:r>
           </a:p>
           <a:p>
             <a:pPr lvl="2"/>
             <a:r>
-              <a:rPr lang="en-US" smtClean="0"/>
+              <a:rPr lang="en-US"/>
               <a:t>Third level</a:t>
             </a:r>
           </a:p>
           <a:p>
             <a:pPr lvl="3"/>
             <a:r>
-              <a:rPr lang="en-US" smtClean="0"/>
+              <a:rPr lang="en-US"/>
               <a:t>Fourth level</a:t>
             </a:r>
           </a:p>
           <a:p>
             <a:pPr lvl="4"/>
             <a:r>
-              <a:rPr lang="en-US" smtClean="0"/>
+              <a:rPr lang="en-US"/>
               <a:t>Fifth level</a:t>
             </a:r>
-            <a:endParaRPr lang="en-US"/>
           </a:p>
         </p:txBody>
       </p:sp>
@@ -1668,7 +1654,7 @@
           <a:p>
             <a:pPr lvl="0"/>
             <a:r>
-              <a:rPr lang="en-US" smtClean="0"/>
+              <a:rPr lang="en-US"/>
               <a:t>Click to edit Master text styles</a:t>
             </a:r>
           </a:p>
@@ -1724,38 +1710,37 @@
           <a:p>
             <a:pPr lvl="0"/>
             <a:r>
-              <a:rPr lang="en-US" smtClean="0"/>
+              <a:rPr lang="en-US"/>
               <a:t>Click to edit Master text styles</a:t>
             </a:r>
           </a:p>
           <a:p>
             <a:pPr lvl="1"/>
             <a:r>
-              <a:rPr lang="en-US" smtClean="0"/>
+              <a:rPr lang="en-US"/>
               <a:t>Second level</a:t>
             </a:r>
           </a:p>
           <a:p>
             <a:pPr lvl="2"/>
             <a:r>
-              <a:rPr lang="en-US" smtClean="0"/>
+              <a:rPr lang="en-US"/>
               <a:t>Third level</a:t>
             </a:r>
           </a:p>
           <a:p>
             <a:pPr lvl="3"/>
             <a:r>
-              <a:rPr lang="en-US" smtClean="0"/>
+              <a:rPr lang="en-US"/>
               <a:t>Fourth level</a:t>
             </a:r>
           </a:p>
           <a:p>
             <a:pPr lvl="4"/>
             <a:r>
-              <a:rPr lang="en-US" smtClean="0"/>
+              <a:rPr lang="en-US"/>
               <a:t>Fifth level</a:t>
             </a:r>
-            <a:endParaRPr lang="en-US"/>
           </a:p>
         </p:txBody>
       </p:sp>
@@ -1777,7 +1762,7 @@
             <a:fld id="{C17C92CA-27BA-48D5-B9B9-4E9A3862C39B}" type="datetimeFigureOut">
               <a:rPr lang="en-US" smtClean="0"/>
               <a:pPr/>
-              <a:t>6/9/2016</a:t>
+              <a:t>8/8/2017</a:t>
             </a:fld>
             <a:endParaRPr lang="en-US"/>
           </a:p>
@@ -1867,10 +1852,9 @@
           <a:lstStyle/>
           <a:p>
             <a:r>
-              <a:rPr lang="en-US" smtClean="0"/>
+              <a:rPr lang="en-US"/>
               <a:t>Click to edit Master title style</a:t>
             </a:r>
-            <a:endParaRPr lang="en-US"/>
           </a:p>
         </p:txBody>
       </p:sp>
@@ -1892,7 +1876,7 @@
             <a:fld id="{C17C92CA-27BA-48D5-B9B9-4E9A3862C39B}" type="datetimeFigureOut">
               <a:rPr lang="en-US" smtClean="0"/>
               <a:pPr/>
-              <a:t>6/9/2016</a:t>
+              <a:t>8/8/2017</a:t>
             </a:fld>
             <a:endParaRPr lang="en-US"/>
           </a:p>
@@ -1984,7 +1968,7 @@
             <a:fld id="{C17C92CA-27BA-48D5-B9B9-4E9A3862C39B}" type="datetimeFigureOut">
               <a:rPr lang="en-US" smtClean="0"/>
               <a:pPr/>
-              <a:t>6/9/2016</a:t>
+              <a:t>8/8/2017</a:t>
             </a:fld>
             <a:endParaRPr lang="en-US"/>
           </a:p>
@@ -2083,10 +2067,9 @@
           </a:lstStyle>
           <a:p>
             <a:r>
-              <a:rPr lang="en-US" smtClean="0"/>
+              <a:rPr lang="en-US"/>
               <a:t>Click to edit Master title style</a:t>
             </a:r>
-            <a:endParaRPr lang="en-US"/>
           </a:p>
         </p:txBody>
       </p:sp>
@@ -2140,38 +2123,37 @@
           <a:p>
             <a:pPr lvl="0"/>
             <a:r>
-              <a:rPr lang="en-US" smtClean="0"/>
+              <a:rPr lang="en-US"/>
               <a:t>Click to edit Master text styles</a:t>
             </a:r>
           </a:p>
           <a:p>
             <a:pPr lvl="1"/>
             <a:r>
-              <a:rPr lang="en-US" smtClean="0"/>
+              <a:rPr lang="en-US"/>
               <a:t>Second level</a:t>
             </a:r>
           </a:p>
           <a:p>
             <a:pPr lvl="2"/>
             <a:r>
-              <a:rPr lang="en-US" smtClean="0"/>
+              <a:rPr lang="en-US"/>
               <a:t>Third level</a:t>
             </a:r>
           </a:p>
           <a:p>
             <a:pPr lvl="3"/>
             <a:r>
-              <a:rPr lang="en-US" smtClean="0"/>
+              <a:rPr lang="en-US"/>
               <a:t>Fourth level</a:t>
             </a:r>
           </a:p>
           <a:p>
             <a:pPr lvl="4"/>
             <a:r>
-              <a:rPr lang="en-US" smtClean="0"/>
+              <a:rPr lang="en-US"/>
               <a:t>Fifth level</a:t>
             </a:r>
-            <a:endParaRPr lang="en-US"/>
           </a:p>
         </p:txBody>
       </p:sp>
@@ -2234,7 +2216,7 @@
           <a:p>
             <a:pPr lvl="0"/>
             <a:r>
-              <a:rPr lang="en-US" smtClean="0"/>
+              <a:rPr lang="en-US"/>
               <a:t>Click to edit Master text styles</a:t>
             </a:r>
           </a:p>
@@ -2258,7 +2240,7 @@
             <a:fld id="{C17C92CA-27BA-48D5-B9B9-4E9A3862C39B}" type="datetimeFigureOut">
               <a:rPr lang="en-US" smtClean="0"/>
               <a:pPr/>
-              <a:t>6/9/2016</a:t>
+              <a:t>8/8/2017</a:t>
             </a:fld>
             <a:endParaRPr lang="en-US"/>
           </a:p>
@@ -2357,10 +2339,9 @@
           </a:lstStyle>
           <a:p>
             <a:r>
-              <a:rPr lang="en-US" smtClean="0"/>
+              <a:rPr lang="en-US"/>
               <a:t>Click to edit Master title style</a:t>
             </a:r>
-            <a:endParaRPr lang="en-US"/>
           </a:p>
         </p:txBody>
       </p:sp>
@@ -2484,7 +2465,7 @@
           <a:p>
             <a:pPr lvl="0"/>
             <a:r>
-              <a:rPr lang="en-US" smtClean="0"/>
+              <a:rPr lang="en-US"/>
               <a:t>Click to edit Master text styles</a:t>
             </a:r>
           </a:p>
@@ -2508,7 +2489,7 @@
             <a:fld id="{C17C92CA-27BA-48D5-B9B9-4E9A3862C39B}" type="datetimeFigureOut">
               <a:rPr lang="en-US" smtClean="0"/>
               <a:pPr/>
-              <a:t>6/9/2016</a:t>
+              <a:t>8/8/2017</a:t>
             </a:fld>
             <a:endParaRPr lang="en-US"/>
           </a:p>
@@ -2613,10 +2594,9 @@
           <a:lstStyle/>
           <a:p>
             <a:r>
-              <a:rPr lang="en-US" smtClean="0"/>
+              <a:rPr lang="en-US"/>
               <a:t>Click to edit Master title style</a:t>
             </a:r>
-            <a:endParaRPr lang="en-US"/>
           </a:p>
         </p:txBody>
       </p:sp>
@@ -2647,38 +2627,37 @@
           <a:p>
             <a:pPr lvl="0"/>
             <a:r>
-              <a:rPr lang="en-US" smtClean="0"/>
+              <a:rPr lang="en-US"/>
               <a:t>Click to edit Master text styles</a:t>
             </a:r>
           </a:p>
           <a:p>
             <a:pPr lvl="1"/>
             <a:r>
-              <a:rPr lang="en-US" smtClean="0"/>
+              <a:rPr lang="en-US"/>
               <a:t>Second level</a:t>
             </a:r>
           </a:p>
           <a:p>
             <a:pPr lvl="2"/>
             <a:r>
-              <a:rPr lang="en-US" smtClean="0"/>
+              <a:rPr lang="en-US"/>
               <a:t>Third level</a:t>
             </a:r>
           </a:p>
           <a:p>
             <a:pPr lvl="3"/>
             <a:r>
-              <a:rPr lang="en-US" smtClean="0"/>
+              <a:rPr lang="en-US"/>
               <a:t>Fourth level</a:t>
             </a:r>
           </a:p>
           <a:p>
             <a:pPr lvl="4"/>
             <a:r>
-              <a:rPr lang="en-US" smtClean="0"/>
+              <a:rPr lang="en-US"/>
               <a:t>Fifth level</a:t>
             </a:r>
-            <a:endParaRPr lang="en-US"/>
           </a:p>
         </p:txBody>
       </p:sp>
@@ -2718,7 +2697,7 @@
             <a:fld id="{C17C92CA-27BA-48D5-B9B9-4E9A3862C39B}" type="datetimeFigureOut">
               <a:rPr lang="en-US" smtClean="0"/>
               <a:pPr/>
-              <a:t>6/9/2016</a:t>
+              <a:t>8/8/2017</a:t>
             </a:fld>
             <a:endParaRPr lang="en-US"/>
           </a:p>
@@ -3139,18 +3118,13 @@
           <a:p>
             <a:pPr algn="ctr"/>
             <a:r>
-              <a:rPr lang="en-US" sz="2400" b="1" dirty="0" smtClean="0">
+              <a:rPr lang="en-US" sz="2400" b="1" dirty="0">
                 <a:solidFill>
                   <a:srgbClr val="DE7D47"/>
                 </a:solidFill>
               </a:rPr>
               <a:t>Board of Governors</a:t>
             </a:r>
-            <a:endParaRPr lang="en-US" sz="2400" b="1" dirty="0" smtClean="0">
-              <a:solidFill>
-                <a:srgbClr val="DE7D47"/>
-              </a:solidFill>
-            </a:endParaRPr>
           </a:p>
         </p:txBody>
       </p:sp>
@@ -3207,7 +3181,7 @@
           <a:p>
             <a:pPr algn="ctr"/>
             <a:r>
-              <a:rPr lang="en-US" sz="2200" b="1" dirty="0" smtClean="0">
+              <a:rPr lang="en-US" sz="2200" b="1" dirty="0">
                 <a:solidFill>
                   <a:srgbClr val="28597A"/>
                 </a:solidFill>
@@ -3218,18 +3192,13 @@
           <a:p>
             <a:pPr algn="ctr"/>
             <a:r>
-              <a:rPr lang="en-US" sz="2200" b="1" dirty="0" smtClean="0">
+              <a:rPr lang="en-US" sz="2200" b="1" dirty="0">
                 <a:solidFill>
                   <a:srgbClr val="28597A"/>
                 </a:solidFill>
               </a:rPr>
               <a:t>Program</a:t>
             </a:r>
-            <a:endParaRPr lang="en-US" sz="2200" b="1" dirty="0">
-              <a:solidFill>
-                <a:srgbClr val="28597A"/>
-              </a:solidFill>
-            </a:endParaRPr>
           </a:p>
         </p:txBody>
       </p:sp>
@@ -3286,7 +3255,7 @@
           <a:p>
             <a:pPr algn="ctr"/>
             <a:r>
-              <a:rPr lang="en-US" sz="2200" b="1" dirty="0" smtClean="0">
+              <a:rPr lang="en-US" sz="2200" b="1" dirty="0">
                 <a:solidFill>
                   <a:srgbClr val="28597A"/>
                 </a:solidFill>
@@ -3297,18 +3266,13 @@
           <a:p>
             <a:pPr algn="ctr"/>
             <a:r>
-              <a:rPr lang="en-US" sz="2200" b="1" dirty="0" smtClean="0">
+              <a:rPr lang="en-US" sz="2200" b="1" dirty="0">
                 <a:solidFill>
                   <a:srgbClr val="28597A"/>
                 </a:solidFill>
               </a:rPr>
               <a:t>Program</a:t>
             </a:r>
-            <a:endParaRPr lang="en-US" sz="2200" b="1" dirty="0">
-              <a:solidFill>
-                <a:srgbClr val="28597A"/>
-              </a:solidFill>
-            </a:endParaRPr>
           </a:p>
         </p:txBody>
       </p:sp>
@@ -3365,7 +3329,7 @@
           <a:p>
             <a:pPr algn="ctr"/>
             <a:r>
-              <a:rPr lang="en-US" sz="2200" b="1" dirty="0" smtClean="0">
+              <a:rPr lang="en-US" sz="2200" b="1" dirty="0">
                 <a:solidFill>
                   <a:srgbClr val="28597A"/>
                 </a:solidFill>
@@ -3376,18 +3340,13 @@
           <a:p>
             <a:pPr algn="ctr"/>
             <a:r>
-              <a:rPr lang="en-US" sz="2200" b="1" dirty="0" smtClean="0">
+              <a:rPr lang="en-US" sz="2200" b="1" dirty="0">
                 <a:solidFill>
                   <a:srgbClr val="28597A"/>
                 </a:solidFill>
               </a:rPr>
               <a:t>Program</a:t>
             </a:r>
-            <a:endParaRPr lang="en-US" sz="2200" b="1" dirty="0">
-              <a:solidFill>
-                <a:srgbClr val="28597A"/>
-              </a:solidFill>
-            </a:endParaRPr>
           </a:p>
         </p:txBody>
       </p:sp>
@@ -3444,14 +3403,14 @@
           <a:p>
             <a:pPr algn="ctr"/>
             <a:r>
-              <a:rPr lang="en-US" sz="2200" b="1" dirty="0" err="1" smtClean="0">
+              <a:rPr lang="en-US" sz="2200" b="1" dirty="0" err="1">
                 <a:solidFill>
                   <a:srgbClr val="28597A"/>
                 </a:solidFill>
               </a:rPr>
               <a:t>Localisation</a:t>
             </a:r>
-            <a:endParaRPr lang="en-US" sz="2200" b="1" dirty="0" smtClean="0">
+            <a:endParaRPr lang="en-US" sz="2200" b="1" dirty="0">
               <a:solidFill>
                 <a:srgbClr val="28597A"/>
               </a:solidFill>
@@ -3460,18 +3419,13 @@
           <a:p>
             <a:pPr algn="ctr"/>
             <a:r>
-              <a:rPr lang="en-US" sz="2200" b="1" dirty="0" smtClean="0">
+              <a:rPr lang="en-US" sz="2200" b="1" dirty="0">
                 <a:solidFill>
                   <a:srgbClr val="28597A"/>
                 </a:solidFill>
               </a:rPr>
               <a:t>Program</a:t>
             </a:r>
-            <a:endParaRPr lang="en-US" sz="2200" b="1" dirty="0">
-              <a:solidFill>
-                <a:srgbClr val="28597A"/>
-              </a:solidFill>
-            </a:endParaRPr>
           </a:p>
         </p:txBody>
       </p:sp>
@@ -3693,23 +3647,18 @@
           <a:p>
             <a:pPr algn="ctr"/>
             <a:r>
-              <a:rPr lang="en-US" sz="2400" b="1" dirty="0" smtClean="0">
+              <a:rPr lang="en-US" sz="2400" b="1" dirty="0">
                 <a:solidFill>
                   <a:srgbClr val="DE7D47"/>
                 </a:solidFill>
               </a:rPr>
               <a:t>Management</a:t>
             </a:r>
-            <a:endParaRPr lang="en-US" sz="2400" b="1" dirty="0" smtClean="0">
-              <a:solidFill>
-                <a:srgbClr val="DE7D47"/>
-              </a:solidFill>
-            </a:endParaRPr>
           </a:p>
           <a:p>
             <a:pPr algn="ctr"/>
             <a:r>
-              <a:rPr lang="en-US" sz="2400" b="1" dirty="0" smtClean="0">
+              <a:rPr lang="en-US" sz="2400" b="1" dirty="0">
                 <a:solidFill>
                   <a:srgbClr val="DE7D47"/>
                 </a:solidFill>
@@ -3811,7 +3760,7 @@
           <a:p>
             <a:pPr algn="ctr"/>
             <a:r>
-              <a:rPr lang="en-US" sz="2200" b="1" dirty="0" smtClean="0">
+              <a:rPr lang="en-US" sz="2200" b="1" dirty="0">
                 <a:solidFill>
                   <a:schemeClr val="tx1">
                     <a:lumMod val="50000"/>
@@ -3821,14 +3770,6 @@
               </a:rPr>
               <a:t>Web Committee</a:t>
             </a:r>
-            <a:endParaRPr lang="en-US" sz="2200" b="1" dirty="0" smtClean="0">
-              <a:solidFill>
-                <a:schemeClr val="tx1">
-                  <a:lumMod val="50000"/>
-                  <a:lumOff val="50000"/>
-                </a:schemeClr>
-              </a:solidFill>
-            </a:endParaRPr>
           </a:p>
         </p:txBody>
       </p:sp>
@@ -3884,7 +3825,7 @@
           <a:p>
             <a:pPr algn="ctr"/>
             <a:r>
-              <a:rPr lang="en-US" sz="2200" b="1" dirty="0" smtClean="0">
+              <a:rPr lang="en-US" sz="2200" b="1" dirty="0">
                 <a:solidFill>
                   <a:schemeClr val="tx1">
                     <a:lumMod val="50000"/>
@@ -3894,14 +3835,6 @@
               </a:rPr>
               <a:t>Infrastructure Admin</a:t>
             </a:r>
-            <a:endParaRPr lang="en-US" sz="2200" b="1" dirty="0" smtClean="0">
-              <a:solidFill>
-                <a:schemeClr val="tx1">
-                  <a:lumMod val="50000"/>
-                  <a:lumOff val="50000"/>
-                </a:schemeClr>
-              </a:solidFill>
-            </a:endParaRPr>
           </a:p>
         </p:txBody>
       </p:sp>
@@ -3994,13 +3927,6 @@
   <p:clrMapOvr>
     <a:masterClrMapping/>
   </p:clrMapOvr>
-  <p:timing>
-    <p:tnLst>
-      <p:par>
-        <p:cTn id="1" dur="indefinite" restart="never" nodeType="tmRoot"/>
-      </p:par>
-    </p:tnLst>
-  </p:timing>
 </p:sld>
 </file>
 
@@ -4098,7 +4024,7 @@
           <a:p>
             <a:pPr algn="r"/>
             <a:r>
-              <a:rPr lang="en-GB" sz="1600" b="0" dirty="0" smtClean="0">
+              <a:rPr lang="en-GB" sz="1600" b="0" dirty="0">
                 <a:solidFill>
                   <a:schemeClr val="bg1">
                     <a:lumMod val="50000"/>
@@ -4108,7 +4034,7 @@
               <a:t>Archetypes </a:t>
             </a:r>
             <a:br>
-              <a:rPr lang="en-GB" sz="1600" b="0" dirty="0" smtClean="0">
+              <a:rPr lang="en-GB" sz="1600" b="0" dirty="0">
                 <a:solidFill>
                   <a:schemeClr val="bg1">
                     <a:lumMod val="50000"/>
@@ -4117,7 +4043,7 @@
               </a:rPr>
             </a:br>
             <a:r>
-              <a:rPr lang="en-GB" sz="1600" b="0" dirty="0" smtClean="0">
+              <a:rPr lang="en-GB" sz="1600" b="0" dirty="0">
                 <a:solidFill>
                   <a:schemeClr val="bg1">
                     <a:lumMod val="50000"/>
@@ -4127,7 +4053,7 @@
               <a:t>Templates </a:t>
             </a:r>
             <a:br>
-              <a:rPr lang="en-GB" sz="1600" b="0" dirty="0" smtClean="0">
+              <a:rPr lang="en-GB" sz="1600" b="0" dirty="0">
                 <a:solidFill>
                   <a:schemeClr val="bg1">
                     <a:lumMod val="50000"/>
@@ -4136,7 +4062,7 @@
               </a:rPr>
             </a:br>
             <a:r>
-              <a:rPr lang="en-GB" sz="1600" b="0" dirty="0" smtClean="0">
+              <a:rPr lang="en-GB" sz="1600" b="0" dirty="0">
                 <a:solidFill>
                   <a:schemeClr val="bg1">
                     <a:lumMod val="50000"/>
@@ -4145,13 +4071,6 @@
               </a:rPr>
               <a:t>Ref-sets </a:t>
             </a:r>
-            <a:endParaRPr lang="en-GB" sz="1600" b="0" dirty="0">
-              <a:solidFill>
-                <a:schemeClr val="bg1">
-                  <a:lumMod val="50000"/>
-                </a:schemeClr>
-              </a:solidFill>
-            </a:endParaRPr>
           </a:p>
         </p:txBody>
       </p:sp>
@@ -4208,7 +4127,7 @@
           <a:p>
             <a:pPr algn="ctr"/>
             <a:r>
-              <a:rPr lang="en-GB" dirty="0" smtClean="0">
+              <a:rPr lang="en-GB" dirty="0">
                 <a:solidFill>
                   <a:schemeClr val="accent4">
                     <a:lumMod val="75000"/>
@@ -4218,7 +4137,7 @@
               <a:t>App development </a:t>
             </a:r>
             <a:br>
-              <a:rPr lang="en-GB" dirty="0" smtClean="0">
+              <a:rPr lang="en-GB" dirty="0">
                 <a:solidFill>
                   <a:schemeClr val="accent4">
                     <a:lumMod val="75000"/>
@@ -4227,7 +4146,7 @@
               </a:rPr>
             </a:br>
             <a:r>
-              <a:rPr lang="en-GB" dirty="0" smtClean="0">
+              <a:rPr lang="en-GB" dirty="0">
                 <a:solidFill>
                   <a:schemeClr val="accent4">
                     <a:lumMod val="75000"/>
@@ -4236,13 +4155,6 @@
               </a:rPr>
               <a:t>framework</a:t>
             </a:r>
-            <a:endParaRPr lang="en-GB" dirty="0">
-              <a:solidFill>
-                <a:schemeClr val="accent4">
-                  <a:lumMod val="75000"/>
-                </a:schemeClr>
-              </a:solidFill>
-            </a:endParaRPr>
           </a:p>
         </p:txBody>
       </p:sp>
@@ -4299,7 +4211,7 @@
           <a:p>
             <a:pPr algn="ctr"/>
             <a:r>
-              <a:rPr lang="en-GB" sz="1400" dirty="0" smtClean="0">
+              <a:rPr lang="en-GB" sz="1400" dirty="0">
                 <a:solidFill>
                   <a:schemeClr val="accent4">
                     <a:lumMod val="75000"/>
@@ -4308,13 +4220,6 @@
               </a:rPr>
               <a:t>App dev tool</a:t>
             </a:r>
-            <a:endParaRPr lang="en-GB" sz="1400" dirty="0">
-              <a:solidFill>
-                <a:schemeClr val="accent4">
-                  <a:lumMod val="75000"/>
-                </a:schemeClr>
-              </a:solidFill>
-            </a:endParaRPr>
           </a:p>
         </p:txBody>
       </p:sp>
@@ -4371,7 +4276,7 @@
           <a:p>
             <a:pPr algn="ctr"/>
             <a:r>
-              <a:rPr lang="en-GB" sz="1400" dirty="0" smtClean="0">
+              <a:rPr lang="en-GB" sz="1400" dirty="0">
                 <a:solidFill>
                   <a:schemeClr val="accent4">
                     <a:lumMod val="75000"/>
@@ -4380,13 +4285,6 @@
               </a:rPr>
               <a:t>App dev tool</a:t>
             </a:r>
-            <a:endParaRPr lang="en-GB" sz="1400" dirty="0">
-              <a:solidFill>
-                <a:schemeClr val="accent4">
-                  <a:lumMod val="75000"/>
-                </a:schemeClr>
-              </a:solidFill>
-            </a:endParaRPr>
           </a:p>
         </p:txBody>
       </p:sp>
@@ -4443,7 +4341,7 @@
           <a:p>
             <a:pPr algn="ctr"/>
             <a:r>
-              <a:rPr lang="en-GB" sz="1400" dirty="0" smtClean="0">
+              <a:rPr lang="en-GB" sz="1400" dirty="0">
                 <a:solidFill>
                   <a:schemeClr val="accent4">
                     <a:lumMod val="75000"/>
@@ -4452,13 +4350,6 @@
               </a:rPr>
               <a:t>App dev tool</a:t>
             </a:r>
-            <a:endParaRPr lang="en-GB" sz="1400" dirty="0">
-              <a:solidFill>
-                <a:schemeClr val="accent4">
-                  <a:lumMod val="75000"/>
-                </a:schemeClr>
-              </a:solidFill>
-            </a:endParaRPr>
           </a:p>
         </p:txBody>
       </p:sp>
@@ -4515,7 +4406,7 @@
           <a:p>
             <a:pPr algn="ctr"/>
             <a:r>
-              <a:rPr lang="en-GB" sz="1400" dirty="0" smtClean="0">
+              <a:rPr lang="en-GB" sz="1400" dirty="0">
                 <a:solidFill>
                   <a:schemeClr val="tx2">
                     <a:lumMod val="75000"/>
@@ -4524,13 +4415,6 @@
               </a:rPr>
               <a:t>health</a:t>
             </a:r>
-            <a:endParaRPr lang="en-GB" sz="1400" dirty="0">
-              <a:solidFill>
-                <a:schemeClr val="tx2">
-                  <a:lumMod val="75000"/>
-                </a:schemeClr>
-              </a:solidFill>
-            </a:endParaRPr>
           </a:p>
         </p:txBody>
       </p:sp>
@@ -4587,7 +4471,7 @@
           <a:p>
             <a:pPr algn="ctr"/>
             <a:r>
-              <a:rPr lang="en-GB" sz="1400" dirty="0" smtClean="0">
+              <a:rPr lang="en-GB" sz="1400" dirty="0">
                 <a:solidFill>
                   <a:schemeClr val="tx2">
                     <a:lumMod val="75000"/>
@@ -4596,13 +4480,6 @@
               </a:rPr>
               <a:t>data</a:t>
             </a:r>
-            <a:endParaRPr lang="en-GB" sz="1400" dirty="0">
-              <a:solidFill>
-                <a:schemeClr val="tx2">
-                  <a:lumMod val="75000"/>
-                </a:schemeClr>
-              </a:solidFill>
-            </a:endParaRPr>
           </a:p>
         </p:txBody>
       </p:sp>
@@ -4659,7 +4536,7 @@
           <a:p>
             <a:pPr algn="ctr"/>
             <a:r>
-              <a:rPr lang="en-GB" sz="1400" dirty="0" smtClean="0">
+              <a:rPr lang="en-GB" sz="1400" dirty="0">
                 <a:solidFill>
                   <a:schemeClr val="tx2">
                     <a:lumMod val="75000"/>
@@ -4668,13 +4545,6 @@
               </a:rPr>
               <a:t>services</a:t>
             </a:r>
-            <a:endParaRPr lang="en-GB" sz="1400" dirty="0">
-              <a:solidFill>
-                <a:schemeClr val="tx2">
-                  <a:lumMod val="75000"/>
-                </a:schemeClr>
-              </a:solidFill>
-            </a:endParaRPr>
           </a:p>
         </p:txBody>
       </p:sp>
@@ -4784,7 +4654,7 @@
           <a:p>
             <a:pPr algn="ctr"/>
             <a:r>
-              <a:rPr lang="en-GB" sz="1400" dirty="0" smtClean="0">
+              <a:rPr lang="en-GB" sz="1400" dirty="0">
                 <a:solidFill>
                   <a:schemeClr val="tx2">
                     <a:lumMod val="75000"/>
@@ -4793,13 +4663,6 @@
               </a:rPr>
               <a:t>health</a:t>
             </a:r>
-            <a:endParaRPr lang="en-GB" sz="1400" dirty="0">
-              <a:solidFill>
-                <a:schemeClr val="tx2">
-                  <a:lumMod val="75000"/>
-                </a:schemeClr>
-              </a:solidFill>
-            </a:endParaRPr>
           </a:p>
         </p:txBody>
       </p:sp>
@@ -4856,7 +4719,7 @@
           <a:p>
             <a:pPr algn="ctr"/>
             <a:r>
-              <a:rPr lang="en-GB" sz="1400" dirty="0" smtClean="0">
+              <a:rPr lang="en-GB" sz="1400" dirty="0">
                 <a:solidFill>
                   <a:schemeClr val="tx2">
                     <a:lumMod val="75000"/>
@@ -4865,13 +4728,6 @@
               </a:rPr>
               <a:t>care</a:t>
             </a:r>
-            <a:endParaRPr lang="en-GB" sz="1400" dirty="0">
-              <a:solidFill>
-                <a:schemeClr val="tx2">
-                  <a:lumMod val="75000"/>
-                </a:schemeClr>
-              </a:solidFill>
-            </a:endParaRPr>
           </a:p>
         </p:txBody>
       </p:sp>
@@ -4928,7 +4784,7 @@
           <a:p>
             <a:pPr algn="ctr"/>
             <a:r>
-              <a:rPr lang="en-GB" sz="1400" dirty="0" smtClean="0">
+              <a:rPr lang="en-GB" sz="1400" dirty="0">
                 <a:solidFill>
                   <a:schemeClr val="tx2">
                     <a:lumMod val="75000"/>
@@ -4937,13 +4793,6 @@
               </a:rPr>
               <a:t>services</a:t>
             </a:r>
-            <a:endParaRPr lang="en-GB" sz="1400" dirty="0">
-              <a:solidFill>
-                <a:schemeClr val="tx2">
-                  <a:lumMod val="75000"/>
-                </a:schemeClr>
-              </a:solidFill>
-            </a:endParaRPr>
           </a:p>
         </p:txBody>
       </p:sp>
@@ -5000,7 +4849,7 @@
           <a:p>
             <a:pPr algn="ctr"/>
             <a:r>
-              <a:rPr lang="en-GB" sz="1400" dirty="0" smtClean="0">
+              <a:rPr lang="en-GB" sz="1400" dirty="0">
                 <a:solidFill>
                   <a:schemeClr val="tx2">
                     <a:lumMod val="75000"/>
@@ -5009,13 +4858,6 @@
               </a:rPr>
               <a:t>&amp; mgt</a:t>
             </a:r>
-            <a:endParaRPr lang="en-GB" sz="1400" dirty="0">
-              <a:solidFill>
-                <a:schemeClr val="tx2">
-                  <a:lumMod val="75000"/>
-                </a:schemeClr>
-              </a:solidFill>
-            </a:endParaRPr>
           </a:p>
         </p:txBody>
       </p:sp>
@@ -5072,7 +4914,7 @@
           <a:p>
             <a:pPr algn="ctr"/>
             <a:r>
-              <a:rPr lang="en-GB" sz="1400" dirty="0" smtClean="0">
+              <a:rPr lang="en-GB" sz="1400" dirty="0">
                 <a:solidFill>
                   <a:schemeClr val="tx2">
                     <a:lumMod val="75000"/>
@@ -5081,13 +4923,6 @@
               </a:rPr>
               <a:t>app</a:t>
             </a:r>
-            <a:endParaRPr lang="en-GB" sz="1400" dirty="0">
-              <a:solidFill>
-                <a:schemeClr val="tx2">
-                  <a:lumMod val="75000"/>
-                </a:schemeClr>
-              </a:solidFill>
-            </a:endParaRPr>
           </a:p>
         </p:txBody>
       </p:sp>
@@ -5144,7 +4979,7 @@
           <a:p>
             <a:pPr algn="ctr"/>
             <a:r>
-              <a:rPr lang="en-GB" sz="1400" dirty="0" smtClean="0">
+              <a:rPr lang="en-GB" sz="1400" dirty="0">
                 <a:solidFill>
                   <a:schemeClr val="tx2">
                     <a:lumMod val="75000"/>
@@ -5153,13 +4988,6 @@
               </a:rPr>
               <a:t>app</a:t>
             </a:r>
-            <a:endParaRPr lang="en-GB" sz="1400" dirty="0">
-              <a:solidFill>
-                <a:schemeClr val="tx2">
-                  <a:lumMod val="75000"/>
-                </a:schemeClr>
-              </a:solidFill>
-            </a:endParaRPr>
           </a:p>
         </p:txBody>
       </p:sp>
@@ -5216,7 +5044,7 @@
           <a:p>
             <a:pPr algn="ctr"/>
             <a:r>
-              <a:rPr lang="en-GB" sz="1400" dirty="0" smtClean="0">
+              <a:rPr lang="en-GB" sz="1400" dirty="0">
                 <a:solidFill>
                   <a:schemeClr val="tx2">
                     <a:lumMod val="75000"/>
@@ -5225,13 +5053,6 @@
               </a:rPr>
               <a:t>app</a:t>
             </a:r>
-            <a:endParaRPr lang="en-GB" sz="1400" dirty="0">
-              <a:solidFill>
-                <a:schemeClr val="tx2">
-                  <a:lumMod val="75000"/>
-                </a:schemeClr>
-              </a:solidFill>
-            </a:endParaRPr>
           </a:p>
         </p:txBody>
       </p:sp>
@@ -5288,7 +5109,7 @@
           <a:p>
             <a:pPr algn="ctr"/>
             <a:r>
-              <a:rPr lang="en-GB" sz="1400" dirty="0" smtClean="0">
+              <a:rPr lang="en-GB" sz="1400" dirty="0">
                 <a:solidFill>
                   <a:schemeClr val="tx2">
                     <a:lumMod val="75000"/>
@@ -5297,13 +5118,6 @@
               </a:rPr>
               <a:t>app</a:t>
             </a:r>
-            <a:endParaRPr lang="en-GB" sz="1400" dirty="0">
-              <a:solidFill>
-                <a:schemeClr val="tx2">
-                  <a:lumMod val="75000"/>
-                </a:schemeClr>
-              </a:solidFill>
-            </a:endParaRPr>
           </a:p>
         </p:txBody>
       </p:sp>
@@ -5360,7 +5174,7 @@
           <a:p>
             <a:pPr algn="ctr"/>
             <a:r>
-              <a:rPr lang="en-GB" sz="1400" dirty="0" smtClean="0">
+              <a:rPr lang="en-GB" sz="1400" dirty="0">
                 <a:solidFill>
                   <a:schemeClr val="tx2">
                     <a:lumMod val="75000"/>
@@ -5369,13 +5183,6 @@
               </a:rPr>
               <a:t>app</a:t>
             </a:r>
-            <a:endParaRPr lang="en-GB" sz="1400" dirty="0">
-              <a:solidFill>
-                <a:schemeClr val="tx2">
-                  <a:lumMod val="75000"/>
-                </a:schemeClr>
-              </a:solidFill>
-            </a:endParaRPr>
           </a:p>
         </p:txBody>
       </p:sp>
@@ -5402,7 +5209,7 @@
           <a:lstStyle/>
           <a:p>
             <a:r>
-              <a:rPr lang="en-GB" sz="1600" b="0" dirty="0" smtClean="0">
+              <a:rPr lang="en-GB" sz="1600" b="0" dirty="0">
                 <a:solidFill>
                   <a:schemeClr val="bg1">
                     <a:lumMod val="50000"/>
@@ -5411,13 +5218,6 @@
               </a:rPr>
               <a:t>Deploy</a:t>
             </a:r>
-            <a:endParaRPr lang="en-GB" sz="1600" b="0" dirty="0">
-              <a:solidFill>
-                <a:schemeClr val="bg1">
-                  <a:lumMod val="50000"/>
-                </a:schemeClr>
-              </a:solidFill>
-            </a:endParaRPr>
           </a:p>
         </p:txBody>
       </p:sp>
@@ -5467,7 +5267,7 @@
           <a:p>
             <a:pPr algn="ctr"/>
             <a:r>
-              <a:rPr lang="en-GB" sz="2400" dirty="0" smtClean="0">
+              <a:rPr lang="en-GB" sz="2400" dirty="0">
                 <a:solidFill>
                   <a:schemeClr val="tx2">
                     <a:lumMod val="75000"/>
@@ -5510,7 +5310,7 @@
           <a:p>
             <a:pPr algn="ctr"/>
             <a:r>
-              <a:rPr lang="en-GB" sz="1600" dirty="0" smtClean="0">
+              <a:rPr lang="en-GB" sz="1600" dirty="0">
                 <a:solidFill>
                   <a:schemeClr val="accent5">
                     <a:lumMod val="50000"/>
@@ -5520,7 +5320,7 @@
               <a:t>Domain </a:t>
             </a:r>
             <a:br>
-              <a:rPr lang="en-GB" sz="1600" dirty="0" smtClean="0">
+              <a:rPr lang="en-GB" sz="1600" dirty="0">
                 <a:solidFill>
                   <a:schemeClr val="accent5">
                     <a:lumMod val="50000"/>
@@ -5529,7 +5329,7 @@
               </a:rPr>
             </a:br>
             <a:r>
-              <a:rPr lang="en-GB" sz="1600" dirty="0" smtClean="0">
+              <a:rPr lang="en-GB" sz="1600" dirty="0">
                 <a:solidFill>
                   <a:schemeClr val="accent5">
                     <a:lumMod val="50000"/>
@@ -5572,7 +5372,7 @@
           <a:p>
             <a:pPr algn="ctr"/>
             <a:r>
-              <a:rPr lang="en-GB" sz="1600" dirty="0" smtClean="0">
+              <a:rPr lang="en-GB" sz="1600" dirty="0">
                 <a:solidFill>
                   <a:schemeClr val="tx2">
                     <a:lumMod val="75000"/>
@@ -5585,7 +5385,7 @@
           <a:p>
             <a:pPr algn="ctr"/>
             <a:r>
-              <a:rPr lang="en-GB" sz="1600" b="0" dirty="0" smtClean="0">
+              <a:rPr lang="en-GB" sz="1600" b="0" dirty="0">
                 <a:solidFill>
                   <a:schemeClr val="tx2">
                     <a:lumMod val="75000"/>
@@ -5594,13 +5394,6 @@
               </a:rPr>
               <a:t>Vendors</a:t>
             </a:r>
-            <a:endParaRPr lang="en-GB" sz="1600" b="0" dirty="0">
-              <a:solidFill>
-                <a:schemeClr val="tx2">
-                  <a:lumMod val="75000"/>
-                </a:schemeClr>
-              </a:solidFill>
-            </a:endParaRPr>
           </a:p>
         </p:txBody>
       </p:sp>
@@ -6005,7 +5798,7 @@
           <a:p>
             <a:pPr algn="ctr"/>
             <a:r>
-              <a:rPr lang="en-GB" sz="1600" dirty="0" smtClean="0">
+              <a:rPr lang="en-GB" sz="1600" dirty="0">
                 <a:solidFill>
                   <a:schemeClr val="bg1">
                     <a:lumMod val="50000"/>
@@ -6015,7 +5808,7 @@
               <a:t>Programming </a:t>
             </a:r>
             <a:br>
-              <a:rPr lang="en-GB" sz="1600" dirty="0" smtClean="0">
+              <a:rPr lang="en-GB" sz="1600" dirty="0">
                 <a:solidFill>
                   <a:schemeClr val="bg1">
                     <a:lumMod val="50000"/>
@@ -6024,7 +5817,7 @@
               </a:rPr>
             </a:br>
             <a:r>
-              <a:rPr lang="en-GB" sz="1600" dirty="0" smtClean="0">
+              <a:rPr lang="en-GB" sz="1600" dirty="0">
                 <a:solidFill>
                   <a:schemeClr val="bg1">
                     <a:lumMod val="50000"/>
@@ -6067,7 +5860,7 @@
           <a:p>
             <a:pPr algn="ctr"/>
             <a:r>
-              <a:rPr lang="en-GB" sz="1600" dirty="0" smtClean="0">
+              <a:rPr lang="en-GB" sz="1600" dirty="0">
                 <a:solidFill>
                   <a:schemeClr val="bg1">
                     <a:lumMod val="50000"/>
@@ -6077,7 +5870,7 @@
               <a:t>Operational</a:t>
             </a:r>
             <a:br>
-              <a:rPr lang="en-GB" sz="1600" dirty="0" smtClean="0">
+              <a:rPr lang="en-GB" sz="1600" dirty="0">
                 <a:solidFill>
                   <a:schemeClr val="bg1">
                     <a:lumMod val="50000"/>
@@ -6086,7 +5879,7 @@
               </a:rPr>
             </a:br>
             <a:r>
-              <a:rPr lang="en-GB" sz="1600" dirty="0" smtClean="0">
+              <a:rPr lang="en-GB" sz="1600" dirty="0">
                 <a:solidFill>
                   <a:schemeClr val="bg1">
                     <a:lumMod val="50000"/>
@@ -7871,7 +7664,7 @@
           <a:p>
             <a:pPr algn="ctr"/>
             <a:r>
-              <a:rPr lang="en-GB" sz="1600" dirty="0" smtClean="0">
+              <a:rPr lang="en-GB" sz="1600" dirty="0">
                 <a:solidFill>
                   <a:schemeClr val="accent1">
                     <a:lumMod val="50000"/>
@@ -7880,13 +7673,6 @@
               </a:rPr>
               <a:t>Universities</a:t>
             </a:r>
-            <a:endParaRPr lang="en-GB" sz="1600" dirty="0">
-              <a:solidFill>
-                <a:schemeClr val="accent1">
-                  <a:lumMod val="50000"/>
-                </a:schemeClr>
-              </a:solidFill>
-            </a:endParaRPr>
           </a:p>
         </p:txBody>
       </p:sp>
@@ -8523,7 +8309,7 @@
           <a:p>
             <a:pPr algn="ctr"/>
             <a:r>
-              <a:rPr lang="en-GB" sz="1600" dirty="0" smtClean="0">
+              <a:rPr lang="en-GB" sz="1600" dirty="0">
                 <a:solidFill>
                   <a:schemeClr val="accent1">
                     <a:lumMod val="50000"/>
@@ -8532,13 +8318,6 @@
               </a:rPr>
               <a:t>Researchers</a:t>
             </a:r>
-            <a:endParaRPr lang="en-GB" sz="1600" dirty="0">
-              <a:solidFill>
-                <a:schemeClr val="accent1">
-                  <a:lumMod val="50000"/>
-                </a:schemeClr>
-              </a:solidFill>
-            </a:endParaRPr>
           </a:p>
         </p:txBody>
       </p:sp>
@@ -8595,7 +8374,7 @@
           <a:p>
             <a:pPr algn="ctr"/>
             <a:r>
-              <a:rPr lang="en-GB" dirty="0" smtClean="0">
+              <a:rPr lang="en-GB" dirty="0">
                 <a:solidFill>
                   <a:srgbClr val="E13A0D"/>
                 </a:solidFill>
@@ -8603,25 +8382,20 @@
               <a:t>Model </a:t>
             </a:r>
             <a:br>
-              <a:rPr lang="en-GB" dirty="0" smtClean="0">
+              <a:rPr lang="en-GB" dirty="0">
                 <a:solidFill>
                   <a:srgbClr val="E13A0D"/>
                 </a:solidFill>
               </a:rPr>
             </a:br>
             <a:r>
-              <a:rPr lang="en-GB" dirty="0" smtClean="0">
+              <a:rPr lang="en-GB" dirty="0">
                 <a:solidFill>
                   <a:srgbClr val="E13A0D"/>
                 </a:solidFill>
               </a:rPr>
               <a:t>tool platform</a:t>
             </a:r>
-            <a:endParaRPr lang="en-GB" dirty="0">
-              <a:solidFill>
-                <a:srgbClr val="E13A0D"/>
-              </a:solidFill>
-            </a:endParaRPr>
           </a:p>
         </p:txBody>
       </p:sp>
@@ -8678,18 +8452,13 @@
           <a:p>
             <a:pPr algn="ctr"/>
             <a:r>
-              <a:rPr lang="en-GB" sz="1400" dirty="0" smtClean="0">
+              <a:rPr lang="en-GB" sz="1400" dirty="0">
                 <a:solidFill>
                   <a:srgbClr val="E13A0D"/>
                 </a:solidFill>
               </a:rPr>
               <a:t>Modelling Tool</a:t>
             </a:r>
-            <a:endParaRPr lang="en-GB" sz="1400" dirty="0">
-              <a:solidFill>
-                <a:srgbClr val="E13A0D"/>
-              </a:solidFill>
-            </a:endParaRPr>
           </a:p>
         </p:txBody>
       </p:sp>
@@ -8746,18 +8515,13 @@
           <a:p>
             <a:pPr algn="ctr"/>
             <a:r>
-              <a:rPr lang="en-GB" sz="1400" dirty="0" smtClean="0">
+              <a:rPr lang="en-GB" sz="1400" dirty="0">
                 <a:solidFill>
                   <a:srgbClr val="E13A0D"/>
                 </a:solidFill>
               </a:rPr>
               <a:t>Modelling Tool</a:t>
             </a:r>
-            <a:endParaRPr lang="en-GB" sz="1400" dirty="0">
-              <a:solidFill>
-                <a:srgbClr val="E13A0D"/>
-              </a:solidFill>
-            </a:endParaRPr>
           </a:p>
         </p:txBody>
       </p:sp>
@@ -8814,18 +8578,13 @@
           <a:p>
             <a:pPr algn="ctr"/>
             <a:r>
-              <a:rPr lang="en-GB" sz="1400" dirty="0" smtClean="0">
+              <a:rPr lang="en-GB" sz="1400" dirty="0">
                 <a:solidFill>
                   <a:srgbClr val="E13A0D"/>
                 </a:solidFill>
               </a:rPr>
               <a:t>Modelling Tool</a:t>
             </a:r>
-            <a:endParaRPr lang="en-GB" sz="1400" dirty="0">
-              <a:solidFill>
-                <a:srgbClr val="E13A0D"/>
-              </a:solidFill>
-            </a:endParaRPr>
           </a:p>
         </p:txBody>
       </p:sp>
@@ -8875,7 +8634,7 @@
           <a:p>
             <a:pPr algn="ctr"/>
             <a:r>
-              <a:rPr lang="en-GB" sz="2400" dirty="0" smtClean="0">
+              <a:rPr lang="en-GB" sz="2400" dirty="0">
                 <a:solidFill>
                   <a:srgbClr val="E13A0D"/>
                 </a:solidFill>
@@ -8943,18 +8702,13 @@
           <a:p>
             <a:pPr algn="ctr"/>
             <a:r>
-              <a:rPr lang="en-GB" sz="2000" dirty="0" smtClean="0">
+              <a:rPr lang="en-GB" sz="2000" dirty="0">
                 <a:solidFill>
                   <a:srgbClr val="E13A0D"/>
                 </a:solidFill>
               </a:rPr>
               <a:t>Governance Tools</a:t>
             </a:r>
-            <a:endParaRPr lang="en-GB" sz="2000" dirty="0">
-              <a:solidFill>
-                <a:srgbClr val="E13A0D"/>
-              </a:solidFill>
-            </a:endParaRPr>
           </a:p>
         </p:txBody>
       </p:sp>
@@ -8963,13 +8717,6 @@
   <p:clrMapOvr>
     <a:masterClrMapping/>
   </p:clrMapOvr>
-  <p:timing>
-    <p:tnLst>
-      <p:par>
-        <p:cTn id="1" dur="indefinite" restart="never" nodeType="tmRoot"/>
-      </p:par>
-    </p:tnLst>
-  </p:timing>
 </p:sld>
 </file>
 
@@ -9043,7 +8790,7 @@
           <a:p>
             <a:pPr algn="ctr"/>
             <a:r>
-              <a:rPr lang="en-GB" dirty="0" smtClean="0">
+              <a:rPr lang="en-GB" dirty="0">
                 <a:solidFill>
                   <a:srgbClr val="E13A0D"/>
                 </a:solidFill>
@@ -9051,25 +8798,20 @@
               <a:t>Model </a:t>
             </a:r>
             <a:br>
-              <a:rPr lang="en-GB" dirty="0" smtClean="0">
+              <a:rPr lang="en-GB" dirty="0">
                 <a:solidFill>
                   <a:srgbClr val="E13A0D"/>
                 </a:solidFill>
               </a:rPr>
             </a:br>
             <a:r>
-              <a:rPr lang="en-GB" dirty="0" smtClean="0">
+              <a:rPr lang="en-GB" dirty="0">
                 <a:solidFill>
                   <a:srgbClr val="E13A0D"/>
                 </a:solidFill>
               </a:rPr>
               <a:t>tool platform</a:t>
             </a:r>
-            <a:endParaRPr lang="en-GB" dirty="0">
-              <a:solidFill>
-                <a:srgbClr val="E13A0D"/>
-              </a:solidFill>
-            </a:endParaRPr>
           </a:p>
         </p:txBody>
       </p:sp>
@@ -9126,18 +8868,13 @@
           <a:p>
             <a:pPr algn="ctr"/>
             <a:r>
-              <a:rPr lang="en-GB" sz="1400" dirty="0" smtClean="0">
+              <a:rPr lang="en-GB" sz="1400" dirty="0">
                 <a:solidFill>
                   <a:srgbClr val="E13A0D"/>
                 </a:solidFill>
               </a:rPr>
               <a:t>Modelling Tool</a:t>
             </a:r>
-            <a:endParaRPr lang="en-GB" sz="1400" dirty="0">
-              <a:solidFill>
-                <a:srgbClr val="E13A0D"/>
-              </a:solidFill>
-            </a:endParaRPr>
           </a:p>
         </p:txBody>
       </p:sp>
@@ -9194,18 +8931,13 @@
           <a:p>
             <a:pPr algn="ctr"/>
             <a:r>
-              <a:rPr lang="en-GB" sz="1400" dirty="0" smtClean="0">
+              <a:rPr lang="en-GB" sz="1400" dirty="0">
                 <a:solidFill>
                   <a:srgbClr val="E13A0D"/>
                 </a:solidFill>
               </a:rPr>
               <a:t>Modelling Tool</a:t>
             </a:r>
-            <a:endParaRPr lang="en-GB" sz="1400" dirty="0">
-              <a:solidFill>
-                <a:srgbClr val="E13A0D"/>
-              </a:solidFill>
-            </a:endParaRPr>
           </a:p>
         </p:txBody>
       </p:sp>
@@ -9262,18 +8994,13 @@
           <a:p>
             <a:pPr algn="ctr"/>
             <a:r>
-              <a:rPr lang="en-GB" sz="1400" dirty="0" smtClean="0">
+              <a:rPr lang="en-GB" sz="1400" dirty="0">
                 <a:solidFill>
                   <a:srgbClr val="E13A0D"/>
                 </a:solidFill>
               </a:rPr>
               <a:t>Modelling Tool</a:t>
             </a:r>
-            <a:endParaRPr lang="en-GB" sz="1400" dirty="0">
-              <a:solidFill>
-                <a:srgbClr val="E13A0D"/>
-              </a:solidFill>
-            </a:endParaRPr>
           </a:p>
         </p:txBody>
       </p:sp>
@@ -9352,7 +9079,7 @@
           <a:p>
             <a:pPr algn="r"/>
             <a:r>
-              <a:rPr lang="en-GB" sz="1600" b="0" dirty="0" smtClean="0">
+              <a:rPr lang="en-GB" sz="1600" b="0" dirty="0">
                 <a:solidFill>
                   <a:schemeClr val="bg1">
                     <a:lumMod val="50000"/>
@@ -9362,7 +9089,7 @@
               <a:t>(Archetypes) </a:t>
             </a:r>
             <a:br>
-              <a:rPr lang="en-GB" sz="1600" b="0" dirty="0" smtClean="0">
+              <a:rPr lang="en-GB" sz="1600" b="0" dirty="0">
                 <a:solidFill>
                   <a:schemeClr val="bg1">
                     <a:lumMod val="50000"/>
@@ -9371,7 +9098,7 @@
               </a:rPr>
             </a:br>
             <a:r>
-              <a:rPr lang="en-GB" sz="1600" b="1" dirty="0" smtClean="0">
+              <a:rPr lang="en-GB" sz="1600" b="1" dirty="0">
                 <a:solidFill>
                   <a:schemeClr val="accent5">
                     <a:lumMod val="50000"/>
@@ -9381,7 +9108,7 @@
               <a:t>Templates </a:t>
             </a:r>
             <a:br>
-              <a:rPr lang="en-GB" sz="1600" b="1" dirty="0" smtClean="0">
+              <a:rPr lang="en-GB" sz="1600" b="1" dirty="0">
                 <a:solidFill>
                   <a:schemeClr val="accent5">
                     <a:lumMod val="50000"/>
@@ -9390,7 +9117,7 @@
               </a:rPr>
             </a:br>
             <a:r>
-              <a:rPr lang="en-GB" sz="1600" b="1" dirty="0" smtClean="0">
+              <a:rPr lang="en-GB" sz="1600" b="1" dirty="0">
                 <a:solidFill>
                   <a:schemeClr val="accent5">
                     <a:lumMod val="50000"/>
@@ -9399,13 +9126,6 @@
               </a:rPr>
               <a:t>Ref-sets </a:t>
             </a:r>
-            <a:endParaRPr lang="en-GB" sz="1600" b="1" dirty="0">
-              <a:solidFill>
-                <a:schemeClr val="accent5">
-                  <a:lumMod val="50000"/>
-                </a:schemeClr>
-              </a:solidFill>
-            </a:endParaRPr>
           </a:p>
         </p:txBody>
       </p:sp>
@@ -9465,7 +9185,7 @@
           <a:p>
             <a:pPr algn="ctr"/>
             <a:r>
-              <a:rPr lang="en-GB" dirty="0" smtClean="0">
+              <a:rPr lang="en-GB" dirty="0">
                 <a:solidFill>
                   <a:schemeClr val="bg1">
                     <a:lumMod val="50000"/>
@@ -9475,7 +9195,7 @@
               <a:t>App development </a:t>
             </a:r>
             <a:br>
-              <a:rPr lang="en-GB" dirty="0" smtClean="0">
+              <a:rPr lang="en-GB" dirty="0">
                 <a:solidFill>
                   <a:schemeClr val="bg1">
                     <a:lumMod val="50000"/>
@@ -9484,7 +9204,7 @@
               </a:rPr>
             </a:br>
             <a:r>
-              <a:rPr lang="en-GB" dirty="0" smtClean="0">
+              <a:rPr lang="en-GB" dirty="0">
                 <a:solidFill>
                   <a:schemeClr val="bg1">
                     <a:lumMod val="50000"/>
@@ -9493,13 +9213,6 @@
               </a:rPr>
               <a:t>framework</a:t>
             </a:r>
-            <a:endParaRPr lang="en-GB" dirty="0">
-              <a:solidFill>
-                <a:schemeClr val="bg1">
-                  <a:lumMod val="50000"/>
-                </a:schemeClr>
-              </a:solidFill>
-            </a:endParaRPr>
           </a:p>
         </p:txBody>
       </p:sp>
@@ -9559,7 +9272,7 @@
           <a:p>
             <a:pPr algn="ctr"/>
             <a:r>
-              <a:rPr lang="en-GB" sz="1400" dirty="0" smtClean="0">
+              <a:rPr lang="en-GB" sz="1400" dirty="0">
                 <a:solidFill>
                   <a:schemeClr val="bg1">
                     <a:lumMod val="50000"/>
@@ -9568,13 +9281,6 @@
               </a:rPr>
               <a:t>App dev tool</a:t>
             </a:r>
-            <a:endParaRPr lang="en-GB" sz="1400" dirty="0">
-              <a:solidFill>
-                <a:schemeClr val="bg1">
-                  <a:lumMod val="50000"/>
-                </a:schemeClr>
-              </a:solidFill>
-            </a:endParaRPr>
           </a:p>
         </p:txBody>
       </p:sp>
@@ -9634,7 +9340,7 @@
           <a:p>
             <a:pPr algn="ctr"/>
             <a:r>
-              <a:rPr lang="en-GB" sz="1400" dirty="0" smtClean="0">
+              <a:rPr lang="en-GB" sz="1400" dirty="0">
                 <a:solidFill>
                   <a:schemeClr val="bg1">
                     <a:lumMod val="50000"/>
@@ -9643,13 +9349,6 @@
               </a:rPr>
               <a:t>App dev tool</a:t>
             </a:r>
-            <a:endParaRPr lang="en-GB" sz="1400" dirty="0">
-              <a:solidFill>
-                <a:schemeClr val="bg1">
-                  <a:lumMod val="50000"/>
-                </a:schemeClr>
-              </a:solidFill>
-            </a:endParaRPr>
           </a:p>
         </p:txBody>
       </p:sp>
@@ -9709,7 +9408,7 @@
           <a:p>
             <a:pPr algn="ctr"/>
             <a:r>
-              <a:rPr lang="en-GB" sz="1400" dirty="0" smtClean="0">
+              <a:rPr lang="en-GB" sz="1400" dirty="0">
                 <a:solidFill>
                   <a:schemeClr val="bg1">
                     <a:lumMod val="50000"/>
@@ -9718,13 +9417,6 @@
               </a:rPr>
               <a:t>App dev tool</a:t>
             </a:r>
-            <a:endParaRPr lang="en-GB" sz="1400" dirty="0">
-              <a:solidFill>
-                <a:schemeClr val="bg1">
-                  <a:lumMod val="50000"/>
-                </a:schemeClr>
-              </a:solidFill>
-            </a:endParaRPr>
           </a:p>
         </p:txBody>
       </p:sp>
@@ -9834,7 +9526,7 @@
           <a:p>
             <a:pPr algn="ctr"/>
             <a:r>
-              <a:rPr lang="en-GB" sz="1400" dirty="0" smtClean="0">
+              <a:rPr lang="en-GB" sz="1400" dirty="0">
                 <a:solidFill>
                   <a:schemeClr val="bg1">
                     <a:lumMod val="50000"/>
@@ -9843,13 +9535,6 @@
               </a:rPr>
               <a:t>health</a:t>
             </a:r>
-            <a:endParaRPr lang="en-GB" sz="1400" dirty="0">
-              <a:solidFill>
-                <a:schemeClr val="bg1">
-                  <a:lumMod val="50000"/>
-                </a:schemeClr>
-              </a:solidFill>
-            </a:endParaRPr>
           </a:p>
         </p:txBody>
       </p:sp>
@@ -9909,7 +9594,7 @@
           <a:p>
             <a:pPr algn="ctr"/>
             <a:r>
-              <a:rPr lang="en-GB" sz="1400" dirty="0" smtClean="0">
+              <a:rPr lang="en-GB" sz="1400" dirty="0">
                 <a:solidFill>
                   <a:schemeClr val="bg1">
                     <a:lumMod val="50000"/>
@@ -9918,13 +9603,6 @@
               </a:rPr>
               <a:t>data</a:t>
             </a:r>
-            <a:endParaRPr lang="en-GB" sz="1400" dirty="0">
-              <a:solidFill>
-                <a:schemeClr val="bg1">
-                  <a:lumMod val="50000"/>
-                </a:schemeClr>
-              </a:solidFill>
-            </a:endParaRPr>
           </a:p>
         </p:txBody>
       </p:sp>
@@ -9984,7 +9662,7 @@
           <a:p>
             <a:pPr algn="ctr"/>
             <a:r>
-              <a:rPr lang="en-GB" sz="1400" dirty="0" smtClean="0">
+              <a:rPr lang="en-GB" sz="1400" dirty="0">
                 <a:solidFill>
                   <a:schemeClr val="bg1">
                     <a:lumMod val="50000"/>
@@ -9993,13 +9671,6 @@
               </a:rPr>
               <a:t>services</a:t>
             </a:r>
-            <a:endParaRPr lang="en-GB" sz="1400" dirty="0">
-              <a:solidFill>
-                <a:schemeClr val="bg1">
-                  <a:lumMod val="50000"/>
-                </a:schemeClr>
-              </a:solidFill>
-            </a:endParaRPr>
           </a:p>
         </p:txBody>
       </p:sp>
@@ -10162,7 +9833,7 @@
           <a:p>
             <a:pPr algn="ctr"/>
             <a:r>
-              <a:rPr lang="en-GB" sz="1400" dirty="0" smtClean="0">
+              <a:rPr lang="en-GB" sz="1400" dirty="0">
                 <a:solidFill>
                   <a:schemeClr val="bg1">
                     <a:lumMod val="50000"/>
@@ -10171,13 +9842,6 @@
               </a:rPr>
               <a:t>health</a:t>
             </a:r>
-            <a:endParaRPr lang="en-GB" sz="1400" dirty="0">
-              <a:solidFill>
-                <a:schemeClr val="bg1">
-                  <a:lumMod val="50000"/>
-                </a:schemeClr>
-              </a:solidFill>
-            </a:endParaRPr>
           </a:p>
         </p:txBody>
       </p:sp>
@@ -10237,7 +9901,7 @@
           <a:p>
             <a:pPr algn="ctr"/>
             <a:r>
-              <a:rPr lang="en-GB" sz="1400" dirty="0" smtClean="0">
+              <a:rPr lang="en-GB" sz="1400" dirty="0">
                 <a:solidFill>
                   <a:schemeClr val="bg1">
                     <a:lumMod val="50000"/>
@@ -10246,13 +9910,6 @@
               </a:rPr>
               <a:t>care</a:t>
             </a:r>
-            <a:endParaRPr lang="en-GB" sz="1400" dirty="0">
-              <a:solidFill>
-                <a:schemeClr val="bg1">
-                  <a:lumMod val="50000"/>
-                </a:schemeClr>
-              </a:solidFill>
-            </a:endParaRPr>
           </a:p>
         </p:txBody>
       </p:sp>
@@ -10312,7 +9969,7 @@
           <a:p>
             <a:pPr algn="ctr"/>
             <a:r>
-              <a:rPr lang="en-GB" sz="1400" dirty="0" smtClean="0">
+              <a:rPr lang="en-GB" sz="1400" dirty="0">
                 <a:solidFill>
                   <a:schemeClr val="bg1">
                     <a:lumMod val="50000"/>
@@ -10321,13 +9978,6 @@
               </a:rPr>
               <a:t>services</a:t>
             </a:r>
-            <a:endParaRPr lang="en-GB" sz="1400" dirty="0">
-              <a:solidFill>
-                <a:schemeClr val="bg1">
-                  <a:lumMod val="50000"/>
-                </a:schemeClr>
-              </a:solidFill>
-            </a:endParaRPr>
           </a:p>
         </p:txBody>
       </p:sp>
@@ -10387,7 +10037,7 @@
           <a:p>
             <a:pPr algn="ctr"/>
             <a:r>
-              <a:rPr lang="en-GB" sz="1400" dirty="0" smtClean="0">
+              <a:rPr lang="en-GB" sz="1400" dirty="0">
                 <a:solidFill>
                   <a:schemeClr val="bg1">
                     <a:lumMod val="50000"/>
@@ -10396,13 +10046,6 @@
               </a:rPr>
               <a:t>&amp; mgt</a:t>
             </a:r>
-            <a:endParaRPr lang="en-GB" sz="1400" dirty="0">
-              <a:solidFill>
-                <a:schemeClr val="bg1">
-                  <a:lumMod val="50000"/>
-                </a:schemeClr>
-              </a:solidFill>
-            </a:endParaRPr>
           </a:p>
         </p:txBody>
       </p:sp>
@@ -10462,7 +10105,7 @@
           <a:p>
             <a:pPr algn="ctr"/>
             <a:r>
-              <a:rPr lang="en-GB" sz="1400" dirty="0" smtClean="0">
+              <a:rPr lang="en-GB" sz="1400" dirty="0">
                 <a:solidFill>
                   <a:schemeClr val="bg1">
                     <a:lumMod val="50000"/>
@@ -10471,13 +10114,6 @@
               </a:rPr>
               <a:t>app</a:t>
             </a:r>
-            <a:endParaRPr lang="en-GB" sz="1400" dirty="0">
-              <a:solidFill>
-                <a:schemeClr val="bg1">
-                  <a:lumMod val="50000"/>
-                </a:schemeClr>
-              </a:solidFill>
-            </a:endParaRPr>
           </a:p>
         </p:txBody>
       </p:sp>
@@ -10537,7 +10173,7 @@
           <a:p>
             <a:pPr algn="ctr"/>
             <a:r>
-              <a:rPr lang="en-GB" sz="1400" dirty="0" smtClean="0">
+              <a:rPr lang="en-GB" sz="1400" dirty="0">
                 <a:solidFill>
                   <a:schemeClr val="bg1">
                     <a:lumMod val="50000"/>
@@ -10546,13 +10182,6 @@
               </a:rPr>
               <a:t>app</a:t>
             </a:r>
-            <a:endParaRPr lang="en-GB" sz="1400" dirty="0">
-              <a:solidFill>
-                <a:schemeClr val="bg1">
-                  <a:lumMod val="50000"/>
-                </a:schemeClr>
-              </a:solidFill>
-            </a:endParaRPr>
           </a:p>
         </p:txBody>
       </p:sp>
@@ -10612,7 +10241,7 @@
           <a:p>
             <a:pPr algn="ctr"/>
             <a:r>
-              <a:rPr lang="en-GB" sz="1400" dirty="0" smtClean="0">
+              <a:rPr lang="en-GB" sz="1400" dirty="0">
                 <a:solidFill>
                   <a:schemeClr val="bg1">
                     <a:lumMod val="50000"/>
@@ -10621,13 +10250,6 @@
               </a:rPr>
               <a:t>app</a:t>
             </a:r>
-            <a:endParaRPr lang="en-GB" sz="1400" dirty="0">
-              <a:solidFill>
-                <a:schemeClr val="bg1">
-                  <a:lumMod val="50000"/>
-                </a:schemeClr>
-              </a:solidFill>
-            </a:endParaRPr>
           </a:p>
         </p:txBody>
       </p:sp>
@@ -10687,7 +10309,7 @@
           <a:p>
             <a:pPr algn="ctr"/>
             <a:r>
-              <a:rPr lang="en-GB" sz="1400" dirty="0" smtClean="0">
+              <a:rPr lang="en-GB" sz="1400" dirty="0">
                 <a:solidFill>
                   <a:schemeClr val="bg1">
                     <a:lumMod val="50000"/>
@@ -10696,13 +10318,6 @@
               </a:rPr>
               <a:t>app</a:t>
             </a:r>
-            <a:endParaRPr lang="en-GB" sz="1400" dirty="0">
-              <a:solidFill>
-                <a:schemeClr val="bg1">
-                  <a:lumMod val="50000"/>
-                </a:schemeClr>
-              </a:solidFill>
-            </a:endParaRPr>
           </a:p>
         </p:txBody>
       </p:sp>
@@ -10762,7 +10377,7 @@
           <a:p>
             <a:pPr algn="ctr"/>
             <a:r>
-              <a:rPr lang="en-GB" sz="1400" dirty="0" smtClean="0">
+              <a:rPr lang="en-GB" sz="1400" dirty="0">
                 <a:solidFill>
                   <a:schemeClr val="bg1">
                     <a:lumMod val="50000"/>
@@ -10771,13 +10386,6 @@
               </a:rPr>
               <a:t>app</a:t>
             </a:r>
-            <a:endParaRPr lang="en-GB" sz="1400" dirty="0">
-              <a:solidFill>
-                <a:schemeClr val="bg1">
-                  <a:lumMod val="50000"/>
-                </a:schemeClr>
-              </a:solidFill>
-            </a:endParaRPr>
           </a:p>
         </p:txBody>
       </p:sp>
@@ -10804,7 +10412,7 @@
           <a:lstStyle/>
           <a:p>
             <a:r>
-              <a:rPr lang="en-GB" sz="1600" b="0" dirty="0" smtClean="0">
+              <a:rPr lang="en-GB" sz="1600" b="0" dirty="0">
                 <a:solidFill>
                   <a:schemeClr val="bg1">
                     <a:lumMod val="50000"/>
@@ -10813,13 +10421,6 @@
               </a:rPr>
               <a:t>Deploy</a:t>
             </a:r>
-            <a:endParaRPr lang="en-GB" sz="1600" b="0" dirty="0">
-              <a:solidFill>
-                <a:schemeClr val="bg1">
-                  <a:lumMod val="50000"/>
-                </a:schemeClr>
-              </a:solidFill>
-            </a:endParaRPr>
           </a:p>
         </p:txBody>
       </p:sp>
@@ -10869,7 +10470,7 @@
           <a:p>
             <a:pPr algn="ctr"/>
             <a:r>
-              <a:rPr lang="en-GB" sz="2400" dirty="0" smtClean="0">
+              <a:rPr lang="en-GB" sz="2400" dirty="0">
                 <a:solidFill>
                   <a:srgbClr val="E13A0D"/>
                 </a:solidFill>
@@ -10933,7 +10534,7 @@
           <a:p>
             <a:pPr algn="ctr"/>
             <a:r>
-              <a:rPr lang="en-GB" sz="2400" dirty="0" smtClean="0">
+              <a:rPr lang="en-GB" sz="2400" dirty="0">
                 <a:solidFill>
                   <a:schemeClr val="bg1">
                     <a:lumMod val="50000"/>
@@ -11005,18 +10606,13 @@
           <a:p>
             <a:pPr algn="ctr"/>
             <a:r>
-              <a:rPr lang="en-GB" sz="2000" dirty="0" smtClean="0">
+              <a:rPr lang="en-GB" sz="2000" dirty="0">
                 <a:solidFill>
                   <a:srgbClr val="E13A0D"/>
                 </a:solidFill>
               </a:rPr>
               <a:t>Governance Tools</a:t>
             </a:r>
-            <a:endParaRPr lang="en-GB" sz="2000" dirty="0">
-              <a:solidFill>
-                <a:srgbClr val="E13A0D"/>
-              </a:solidFill>
-            </a:endParaRPr>
           </a:p>
         </p:txBody>
       </p:sp>
@@ -11313,7 +10909,7 @@
           <a:p>
             <a:pPr algn="ctr"/>
             <a:r>
-              <a:rPr lang="en-GB" sz="1600" b="1" dirty="0" smtClean="0">
+              <a:rPr lang="en-GB" sz="1600" b="1" dirty="0">
                 <a:solidFill>
                   <a:schemeClr val="accent5">
                     <a:lumMod val="50000"/>
@@ -11326,7 +10922,7 @@
           <a:p>
             <a:pPr algn="ctr"/>
             <a:r>
-              <a:rPr lang="en-GB" sz="1600" b="1" dirty="0" smtClean="0">
+              <a:rPr lang="en-GB" sz="1600" b="1" dirty="0">
                 <a:solidFill>
                   <a:schemeClr val="accent5">
                     <a:lumMod val="50000"/>
@@ -11339,7 +10935,7 @@
           <a:p>
             <a:pPr algn="ctr"/>
             <a:r>
-              <a:rPr lang="en-GB" sz="1600" b="1" dirty="0" smtClean="0">
+              <a:rPr lang="en-GB" sz="1600" b="1" dirty="0">
                 <a:solidFill>
                   <a:schemeClr val="accent5">
                     <a:lumMod val="50000"/>
@@ -11348,13 +10944,6 @@
               </a:rPr>
               <a:t>schemas</a:t>
             </a:r>
-            <a:endParaRPr lang="en-GB" sz="1600" b="1" dirty="0">
-              <a:solidFill>
-                <a:schemeClr val="accent5">
-                  <a:lumMod val="50000"/>
-                </a:schemeClr>
-              </a:solidFill>
-            </a:endParaRPr>
           </a:p>
         </p:txBody>
       </p:sp>
@@ -11382,7 +10971,7 @@
           <a:p>
             <a:pPr algn="ctr"/>
             <a:r>
-              <a:rPr lang="en-GB" sz="1600" b="1" dirty="0" smtClean="0">
+              <a:rPr lang="en-GB" sz="1600" b="1" dirty="0">
                 <a:solidFill>
                   <a:schemeClr val="accent5">
                     <a:lumMod val="50000"/>
@@ -11395,7 +10984,7 @@
           <a:p>
             <a:pPr algn="ctr"/>
             <a:r>
-              <a:rPr lang="en-GB" sz="1600" b="1" dirty="0" smtClean="0">
+              <a:rPr lang="en-GB" sz="1600" b="1" dirty="0">
                 <a:solidFill>
                   <a:schemeClr val="accent5">
                     <a:lumMod val="50000"/>
@@ -11404,13 +10993,6 @@
               </a:rPr>
               <a:t>specifiers</a:t>
             </a:r>
-            <a:endParaRPr lang="en-GB" sz="1600" b="1" dirty="0">
-              <a:solidFill>
-                <a:schemeClr val="accent5">
-                  <a:lumMod val="50000"/>
-                </a:schemeClr>
-              </a:solidFill>
-            </a:endParaRPr>
           </a:p>
         </p:txBody>
       </p:sp>
@@ -11438,7 +11020,7 @@
           <a:p>
             <a:pPr algn="ctr"/>
             <a:r>
-              <a:rPr lang="en-GB" sz="1600" dirty="0" smtClean="0">
+              <a:rPr lang="en-GB" sz="1600" dirty="0">
                 <a:solidFill>
                   <a:schemeClr val="bg1">
                     <a:lumMod val="50000"/>
@@ -11451,7 +11033,7 @@
           <a:p>
             <a:pPr algn="ctr"/>
             <a:r>
-              <a:rPr lang="en-GB" sz="1600" b="0" dirty="0" smtClean="0">
+              <a:rPr lang="en-GB" sz="1600" b="0" dirty="0">
                 <a:solidFill>
                   <a:schemeClr val="bg1">
                     <a:lumMod val="50000"/>
@@ -11460,13 +11042,6 @@
               </a:rPr>
               <a:t>Vendors</a:t>
             </a:r>
-            <a:endParaRPr lang="en-GB" sz="1600" b="0" dirty="0">
-              <a:solidFill>
-                <a:schemeClr val="bg1">
-                  <a:lumMod val="50000"/>
-                </a:schemeClr>
-              </a:solidFill>
-            </a:endParaRPr>
           </a:p>
         </p:txBody>
       </p:sp>
@@ -11494,7 +11069,7 @@
           <a:p>
             <a:pPr algn="ctr"/>
             <a:r>
-              <a:rPr lang="en-GB" sz="1600" b="1" dirty="0" smtClean="0">
+              <a:rPr lang="en-GB" sz="1600" b="1" dirty="0">
                 <a:solidFill>
                   <a:schemeClr val="accent5">
                     <a:lumMod val="50000"/>
@@ -11504,7 +11079,7 @@
               <a:t>Operational</a:t>
             </a:r>
             <a:br>
-              <a:rPr lang="en-GB" sz="1600" b="1" dirty="0" smtClean="0">
+              <a:rPr lang="en-GB" sz="1600" b="1" dirty="0">
                 <a:solidFill>
                   <a:schemeClr val="accent5">
                     <a:lumMod val="50000"/>
@@ -11513,7 +11088,7 @@
               </a:rPr>
             </a:br>
             <a:r>
-              <a:rPr lang="en-GB" sz="1600" b="1" dirty="0" smtClean="0">
+              <a:rPr lang="en-GB" sz="1600" b="1" dirty="0">
                 <a:solidFill>
                   <a:schemeClr val="accent5">
                     <a:lumMod val="50000"/>
@@ -11522,13 +11097,6 @@
               </a:rPr>
               <a:t>templates</a:t>
             </a:r>
-            <a:endParaRPr lang="en-GB" sz="1600" b="1" dirty="0">
-              <a:solidFill>
-                <a:schemeClr val="accent5">
-                  <a:lumMod val="50000"/>
-                </a:schemeClr>
-              </a:solidFill>
-            </a:endParaRPr>
           </a:p>
         </p:txBody>
       </p:sp>
@@ -11556,18 +11124,13 @@
           <a:p>
             <a:pPr algn="ctr"/>
             <a:r>
-              <a:rPr lang="en-US" sz="2400" b="1" dirty="0" smtClean="0">
+              <a:rPr lang="en-US" sz="2400" b="1" dirty="0">
                 <a:solidFill>
                   <a:srgbClr val="00335F"/>
                 </a:solidFill>
               </a:rPr>
               <a:t>Government Bodies</a:t>
             </a:r>
-            <a:endParaRPr lang="en-US" sz="2400" b="1" dirty="0">
-              <a:solidFill>
-                <a:srgbClr val="00335F"/>
-              </a:solidFill>
-            </a:endParaRPr>
           </a:p>
         </p:txBody>
       </p:sp>
@@ -13328,7 +12891,7 @@
           <a:p>
             <a:pPr algn="ctr"/>
             <a:r>
-              <a:rPr lang="en-GB" sz="1600" dirty="0" smtClean="0">
+              <a:rPr lang="en-GB" sz="1600" dirty="0">
                 <a:solidFill>
                   <a:schemeClr val="bg1">
                     <a:lumMod val="50000"/>
@@ -13337,13 +12900,6 @@
               </a:rPr>
               <a:t>Universities</a:t>
             </a:r>
-            <a:endParaRPr lang="en-GB" sz="1600" dirty="0">
-              <a:solidFill>
-                <a:schemeClr val="bg1">
-                  <a:lumMod val="50000"/>
-                </a:schemeClr>
-              </a:solidFill>
-            </a:endParaRPr>
           </a:p>
         </p:txBody>
       </p:sp>
@@ -13942,7 +13498,7 @@
           <a:p>
             <a:pPr algn="ctr"/>
             <a:r>
-              <a:rPr lang="en-GB" sz="1600" dirty="0" smtClean="0">
+              <a:rPr lang="en-GB" sz="1600" dirty="0">
                 <a:solidFill>
                   <a:schemeClr val="bg1">
                     <a:lumMod val="50000"/>
@@ -13951,13 +13507,6 @@
               </a:rPr>
               <a:t>Researchers</a:t>
             </a:r>
-            <a:endParaRPr lang="en-GB" sz="1600" dirty="0">
-              <a:solidFill>
-                <a:schemeClr val="bg1">
-                  <a:lumMod val="50000"/>
-                </a:schemeClr>
-              </a:solidFill>
-            </a:endParaRPr>
           </a:p>
         </p:txBody>
       </p:sp>
@@ -14004,13 +13553,6 @@
   <p:clrMapOvr>
     <a:masterClrMapping/>
   </p:clrMapOvr>
-  <p:timing>
-    <p:tnLst>
-      <p:par>
-        <p:cTn id="1" dur="indefinite" restart="never" nodeType="tmRoot"/>
-      </p:par>
-    </p:tnLst>
-  </p:timing>
 </p:sld>
 </file>
 
@@ -14055,18 +13597,13 @@
           <a:p>
             <a:pPr algn="ctr"/>
             <a:r>
-              <a:rPr lang="en-US" sz="2400" b="1" dirty="0" smtClean="0">
+              <a:rPr lang="en-US" sz="2400" b="1" dirty="0">
                 <a:solidFill>
                   <a:srgbClr val="00335F"/>
                 </a:solidFill>
               </a:rPr>
               <a:t>Vendors / Developers</a:t>
             </a:r>
-            <a:endParaRPr lang="en-US" sz="2400" b="1" dirty="0">
-              <a:solidFill>
-                <a:srgbClr val="00335F"/>
-              </a:solidFill>
-            </a:endParaRPr>
           </a:p>
         </p:txBody>
       </p:sp>
@@ -14126,7 +13663,7 @@
           <a:p>
             <a:pPr algn="ctr"/>
             <a:r>
-              <a:rPr lang="en-GB" dirty="0" smtClean="0">
+              <a:rPr lang="en-GB" dirty="0">
                 <a:solidFill>
                   <a:schemeClr val="bg1">
                     <a:lumMod val="50000"/>
@@ -14136,7 +13673,7 @@
               <a:t>Model </a:t>
             </a:r>
             <a:br>
-              <a:rPr lang="en-GB" dirty="0" smtClean="0">
+              <a:rPr lang="en-GB" dirty="0">
                 <a:solidFill>
                   <a:schemeClr val="bg1">
                     <a:lumMod val="50000"/>
@@ -14145,7 +13682,7 @@
               </a:rPr>
             </a:br>
             <a:r>
-              <a:rPr lang="en-GB" dirty="0" smtClean="0">
+              <a:rPr lang="en-GB" dirty="0">
                 <a:solidFill>
                   <a:schemeClr val="bg1">
                     <a:lumMod val="50000"/>
@@ -14154,13 +13691,6 @@
               </a:rPr>
               <a:t>tool platform</a:t>
             </a:r>
-            <a:endParaRPr lang="en-GB" dirty="0">
-              <a:solidFill>
-                <a:schemeClr val="bg1">
-                  <a:lumMod val="50000"/>
-                </a:schemeClr>
-              </a:solidFill>
-            </a:endParaRPr>
           </a:p>
         </p:txBody>
       </p:sp>
@@ -14220,7 +13750,7 @@
           <a:p>
             <a:pPr algn="ctr"/>
             <a:r>
-              <a:rPr lang="en-GB" sz="1400" dirty="0" smtClean="0">
+              <a:rPr lang="en-GB" sz="1400" dirty="0">
                 <a:solidFill>
                   <a:schemeClr val="bg1">
                     <a:lumMod val="50000"/>
@@ -14229,13 +13759,6 @@
               </a:rPr>
               <a:t>Modelling Tool</a:t>
             </a:r>
-            <a:endParaRPr lang="en-GB" sz="1400" dirty="0">
-              <a:solidFill>
-                <a:schemeClr val="bg1">
-                  <a:lumMod val="50000"/>
-                </a:schemeClr>
-              </a:solidFill>
-            </a:endParaRPr>
           </a:p>
         </p:txBody>
       </p:sp>
@@ -14295,7 +13818,7 @@
           <a:p>
             <a:pPr algn="ctr"/>
             <a:r>
-              <a:rPr lang="en-GB" sz="1400" dirty="0" smtClean="0">
+              <a:rPr lang="en-GB" sz="1400" dirty="0">
                 <a:solidFill>
                   <a:schemeClr val="bg1">
                     <a:lumMod val="50000"/>
@@ -14304,13 +13827,6 @@
               </a:rPr>
               <a:t>Modelling Tool</a:t>
             </a:r>
-            <a:endParaRPr lang="en-GB" sz="1400" dirty="0">
-              <a:solidFill>
-                <a:schemeClr val="bg1">
-                  <a:lumMod val="50000"/>
-                </a:schemeClr>
-              </a:solidFill>
-            </a:endParaRPr>
           </a:p>
         </p:txBody>
       </p:sp>
@@ -14370,7 +13886,7 @@
           <a:p>
             <a:pPr algn="ctr"/>
             <a:r>
-              <a:rPr lang="en-GB" sz="1400" dirty="0" smtClean="0">
+              <a:rPr lang="en-GB" sz="1400" dirty="0">
                 <a:solidFill>
                   <a:schemeClr val="bg1">
                     <a:lumMod val="50000"/>
@@ -14379,13 +13895,6 @@
               </a:rPr>
               <a:t>Modelling Tool</a:t>
             </a:r>
-            <a:endParaRPr lang="en-GB" sz="1400" dirty="0">
-              <a:solidFill>
-                <a:schemeClr val="bg1">
-                  <a:lumMod val="50000"/>
-                </a:schemeClr>
-              </a:solidFill>
-            </a:endParaRPr>
           </a:p>
         </p:txBody>
       </p:sp>
@@ -14466,7 +13975,7 @@
           <a:p>
             <a:pPr algn="r"/>
             <a:r>
-              <a:rPr lang="en-GB" sz="1600" b="0" dirty="0" smtClean="0">
+              <a:rPr lang="en-GB" sz="1600" b="0" dirty="0">
                 <a:solidFill>
                   <a:schemeClr val="bg1">
                     <a:lumMod val="50000"/>
@@ -14476,7 +13985,7 @@
               <a:t>Archetypes </a:t>
             </a:r>
             <a:br>
-              <a:rPr lang="en-GB" sz="1600" b="0" dirty="0" smtClean="0">
+              <a:rPr lang="en-GB" sz="1600" b="0" dirty="0">
                 <a:solidFill>
                   <a:schemeClr val="bg1">
                     <a:lumMod val="50000"/>
@@ -14485,7 +13994,7 @@
               </a:rPr>
             </a:br>
             <a:r>
-              <a:rPr lang="en-GB" sz="1600" b="0" dirty="0" smtClean="0">
+              <a:rPr lang="en-GB" sz="1600" b="0" dirty="0">
                 <a:solidFill>
                   <a:schemeClr val="bg1">
                     <a:lumMod val="50000"/>
@@ -14495,7 +14004,7 @@
               <a:t>Templates </a:t>
             </a:r>
             <a:br>
-              <a:rPr lang="en-GB" sz="1600" b="0" dirty="0" smtClean="0">
+              <a:rPr lang="en-GB" sz="1600" b="0" dirty="0">
                 <a:solidFill>
                   <a:schemeClr val="bg1">
                     <a:lumMod val="50000"/>
@@ -14504,7 +14013,7 @@
               </a:rPr>
             </a:br>
             <a:r>
-              <a:rPr lang="en-GB" sz="1600" b="0" dirty="0" smtClean="0">
+              <a:rPr lang="en-GB" sz="1600" b="0" dirty="0">
                 <a:solidFill>
                   <a:schemeClr val="bg1">
                     <a:lumMod val="50000"/>
@@ -14513,13 +14022,6 @@
               </a:rPr>
               <a:t>Ref-sets </a:t>
             </a:r>
-            <a:endParaRPr lang="en-GB" sz="1600" b="0" dirty="0">
-              <a:solidFill>
-                <a:schemeClr val="bg1">
-                  <a:lumMod val="50000"/>
-                </a:schemeClr>
-              </a:solidFill>
-            </a:endParaRPr>
           </a:p>
         </p:txBody>
       </p:sp>
@@ -14597,7 +14099,7 @@
           <a:lstStyle/>
           <a:p>
             <a:r>
-              <a:rPr lang="en-GB" sz="1600" b="1" dirty="0" smtClean="0">
+              <a:rPr lang="en-GB" sz="1600" b="1" dirty="0">
                 <a:solidFill>
                   <a:schemeClr val="accent5">
                     <a:lumMod val="50000"/>
@@ -14606,13 +14108,6 @@
               </a:rPr>
               <a:t>Deploy</a:t>
             </a:r>
-            <a:endParaRPr lang="en-GB" sz="1600" b="1" dirty="0">
-              <a:solidFill>
-                <a:schemeClr val="accent5">
-                  <a:lumMod val="50000"/>
-                </a:schemeClr>
-              </a:solidFill>
-            </a:endParaRPr>
           </a:p>
         </p:txBody>
       </p:sp>
@@ -14665,7 +14160,7 @@
           <a:p>
             <a:pPr algn="ctr"/>
             <a:r>
-              <a:rPr lang="en-GB" sz="2400" dirty="0" smtClean="0">
+              <a:rPr lang="en-GB" sz="2400" dirty="0">
                 <a:solidFill>
                   <a:schemeClr val="bg1">
                     <a:lumMod val="50000"/>
@@ -14740,7 +14235,7 @@
           <a:p>
             <a:pPr algn="ctr"/>
             <a:r>
-              <a:rPr lang="en-GB" sz="2000" dirty="0" smtClean="0">
+              <a:rPr lang="en-GB" sz="2000" dirty="0">
                 <a:solidFill>
                   <a:schemeClr val="bg1">
                     <a:lumMod val="50000"/>
@@ -14749,13 +14244,6 @@
               </a:rPr>
               <a:t>Governance Tools</a:t>
             </a:r>
-            <a:endParaRPr lang="en-GB" sz="2000" dirty="0">
-              <a:solidFill>
-                <a:schemeClr val="bg1">
-                  <a:lumMod val="50000"/>
-                </a:schemeClr>
-              </a:solidFill>
-            </a:endParaRPr>
           </a:p>
         </p:txBody>
       </p:sp>
@@ -15160,7 +14648,7 @@
           <a:p>
             <a:pPr algn="ctr"/>
             <a:r>
-              <a:rPr lang="en-GB" sz="1600" dirty="0" smtClean="0">
+              <a:rPr lang="en-GB" sz="1600" dirty="0">
                 <a:solidFill>
                   <a:schemeClr val="bg1">
                     <a:lumMod val="50000"/>
@@ -15170,7 +14658,7 @@
               <a:t>Programming </a:t>
             </a:r>
             <a:br>
-              <a:rPr lang="en-GB" sz="1600" dirty="0" smtClean="0">
+              <a:rPr lang="en-GB" sz="1600" dirty="0">
                 <a:solidFill>
                   <a:schemeClr val="bg1">
                     <a:lumMod val="50000"/>
@@ -15179,7 +14667,7 @@
               </a:rPr>
             </a:br>
             <a:r>
-              <a:rPr lang="en-GB" sz="1600" dirty="0" smtClean="0">
+              <a:rPr lang="en-GB" sz="1600" dirty="0">
                 <a:solidFill>
                   <a:schemeClr val="bg1">
                     <a:lumMod val="50000"/>
@@ -15222,7 +14710,7 @@
           <a:p>
             <a:pPr algn="ctr"/>
             <a:r>
-              <a:rPr lang="en-GB" sz="1600" dirty="0" smtClean="0">
+              <a:rPr lang="en-GB" sz="1600" dirty="0">
                 <a:solidFill>
                   <a:schemeClr val="bg1">
                     <a:lumMod val="50000"/>
@@ -15232,7 +14720,7 @@
               <a:t>Operational</a:t>
             </a:r>
             <a:br>
-              <a:rPr lang="en-GB" sz="1600" dirty="0" smtClean="0">
+              <a:rPr lang="en-GB" sz="1600" dirty="0">
                 <a:solidFill>
                   <a:schemeClr val="bg1">
                     <a:lumMod val="50000"/>
@@ -15241,7 +14729,7 @@
               </a:rPr>
             </a:br>
             <a:r>
-              <a:rPr lang="en-GB" sz="1600" dirty="0" smtClean="0">
+              <a:rPr lang="en-GB" sz="1600" dirty="0">
                 <a:solidFill>
                   <a:schemeClr val="bg1">
                     <a:lumMod val="50000"/>
@@ -15326,7 +14814,7 @@
           <a:p>
             <a:pPr algn="ctr"/>
             <a:r>
-              <a:rPr lang="en-GB" sz="1600" dirty="0" smtClean="0">
+              <a:rPr lang="en-GB" sz="1600" dirty="0">
                 <a:solidFill>
                   <a:schemeClr val="bg1">
                     <a:lumMod val="50000"/>
@@ -15336,7 +14824,7 @@
               <a:t>Domain </a:t>
             </a:r>
             <a:br>
-              <a:rPr lang="en-GB" sz="1600" dirty="0" smtClean="0">
+              <a:rPr lang="en-GB" sz="1600" dirty="0">
                 <a:solidFill>
                   <a:schemeClr val="bg1">
                     <a:lumMod val="50000"/>
@@ -15345,7 +14833,7 @@
               </a:rPr>
             </a:br>
             <a:r>
-              <a:rPr lang="en-GB" sz="1600" dirty="0" smtClean="0">
+              <a:rPr lang="en-GB" sz="1600" dirty="0">
                 <a:solidFill>
                   <a:schemeClr val="bg1">
                     <a:lumMod val="50000"/>
@@ -15388,7 +14876,7 @@
           <a:p>
             <a:pPr algn="ctr"/>
             <a:r>
-              <a:rPr lang="en-GB" sz="1600" b="1" dirty="0" smtClean="0">
+              <a:rPr lang="en-GB" sz="1600" b="1" dirty="0">
                 <a:solidFill>
                   <a:schemeClr val="tx2">
                     <a:lumMod val="75000"/>
@@ -15401,7 +14889,7 @@
           <a:p>
             <a:pPr algn="ctr"/>
             <a:r>
-              <a:rPr lang="en-GB" sz="1600" b="1" dirty="0" smtClean="0">
+              <a:rPr lang="en-GB" sz="1600" b="1" dirty="0">
                 <a:solidFill>
                   <a:schemeClr val="tx2">
                     <a:lumMod val="75000"/>
@@ -15410,13 +14898,6 @@
               </a:rPr>
               <a:t>Vendors</a:t>
             </a:r>
-            <a:endParaRPr lang="en-GB" sz="1600" b="1" dirty="0">
-              <a:solidFill>
-                <a:schemeClr val="tx2">
-                  <a:lumMod val="75000"/>
-                </a:schemeClr>
-              </a:solidFill>
-            </a:endParaRPr>
           </a:p>
         </p:txBody>
       </p:sp>
@@ -17185,7 +16666,7 @@
           <a:p>
             <a:pPr algn="ctr"/>
             <a:r>
-              <a:rPr lang="en-GB" sz="1600" dirty="0" smtClean="0">
+              <a:rPr lang="en-GB" sz="1600" dirty="0">
                 <a:solidFill>
                   <a:schemeClr val="bg1">
                     <a:lumMod val="50000"/>
@@ -17194,13 +16675,6 @@
               </a:rPr>
               <a:t>Universities</a:t>
             </a:r>
-            <a:endParaRPr lang="en-GB" sz="1600" dirty="0">
-              <a:solidFill>
-                <a:schemeClr val="bg1">
-                  <a:lumMod val="50000"/>
-                </a:schemeClr>
-              </a:solidFill>
-            </a:endParaRPr>
           </a:p>
         </p:txBody>
       </p:sp>
@@ -17837,7 +17311,7 @@
           <a:p>
             <a:pPr algn="ctr"/>
             <a:r>
-              <a:rPr lang="en-GB" sz="1600" dirty="0" smtClean="0">
+              <a:rPr lang="en-GB" sz="1600" dirty="0">
                 <a:solidFill>
                   <a:schemeClr val="bg1">
                     <a:lumMod val="50000"/>
@@ -17846,13 +17320,6 @@
               </a:rPr>
               <a:t>Researchers</a:t>
             </a:r>
-            <a:endParaRPr lang="en-GB" sz="1600" dirty="0">
-              <a:solidFill>
-                <a:schemeClr val="bg1">
-                  <a:lumMod val="50000"/>
-                </a:schemeClr>
-              </a:solidFill>
-            </a:endParaRPr>
           </a:p>
         </p:txBody>
       </p:sp>
@@ -17909,7 +17376,7 @@
           <a:p>
             <a:pPr algn="ctr"/>
             <a:r>
-              <a:rPr lang="en-GB" dirty="0" smtClean="0">
+              <a:rPr lang="en-GB" dirty="0">
                 <a:solidFill>
                   <a:schemeClr val="accent4">
                     <a:lumMod val="75000"/>
@@ -17919,7 +17386,7 @@
               <a:t>App development </a:t>
             </a:r>
             <a:br>
-              <a:rPr lang="en-GB" dirty="0" smtClean="0">
+              <a:rPr lang="en-GB" dirty="0">
                 <a:solidFill>
                   <a:schemeClr val="accent4">
                     <a:lumMod val="75000"/>
@@ -17928,7 +17395,7 @@
               </a:rPr>
             </a:br>
             <a:r>
-              <a:rPr lang="en-GB" dirty="0" smtClean="0">
+              <a:rPr lang="en-GB" dirty="0">
                 <a:solidFill>
                   <a:schemeClr val="accent4">
                     <a:lumMod val="75000"/>
@@ -17937,13 +17404,6 @@
               </a:rPr>
               <a:t>framework</a:t>
             </a:r>
-            <a:endParaRPr lang="en-GB" dirty="0">
-              <a:solidFill>
-                <a:schemeClr val="accent4">
-                  <a:lumMod val="75000"/>
-                </a:schemeClr>
-              </a:solidFill>
-            </a:endParaRPr>
           </a:p>
         </p:txBody>
       </p:sp>
@@ -18000,7 +17460,7 @@
           <a:p>
             <a:pPr algn="ctr"/>
             <a:r>
-              <a:rPr lang="en-GB" sz="1400" dirty="0" smtClean="0">
+              <a:rPr lang="en-GB" sz="1400" dirty="0">
                 <a:solidFill>
                   <a:schemeClr val="accent4">
                     <a:lumMod val="75000"/>
@@ -18009,13 +17469,6 @@
               </a:rPr>
               <a:t>App dev tool</a:t>
             </a:r>
-            <a:endParaRPr lang="en-GB" sz="1400" dirty="0">
-              <a:solidFill>
-                <a:schemeClr val="accent4">
-                  <a:lumMod val="75000"/>
-                </a:schemeClr>
-              </a:solidFill>
-            </a:endParaRPr>
           </a:p>
         </p:txBody>
       </p:sp>
@@ -18072,7 +17525,7 @@
           <a:p>
             <a:pPr algn="ctr"/>
             <a:r>
-              <a:rPr lang="en-GB" sz="1400" dirty="0" smtClean="0">
+              <a:rPr lang="en-GB" sz="1400" dirty="0">
                 <a:solidFill>
                   <a:schemeClr val="accent4">
                     <a:lumMod val="75000"/>
@@ -18081,13 +17534,6 @@
               </a:rPr>
               <a:t>App dev tool</a:t>
             </a:r>
-            <a:endParaRPr lang="en-GB" sz="1400" dirty="0">
-              <a:solidFill>
-                <a:schemeClr val="accent4">
-                  <a:lumMod val="75000"/>
-                </a:schemeClr>
-              </a:solidFill>
-            </a:endParaRPr>
           </a:p>
         </p:txBody>
       </p:sp>
@@ -18144,7 +17590,7 @@
           <a:p>
             <a:pPr algn="ctr"/>
             <a:r>
-              <a:rPr lang="en-GB" sz="1400" dirty="0" smtClean="0">
+              <a:rPr lang="en-GB" sz="1400" dirty="0">
                 <a:solidFill>
                   <a:schemeClr val="accent4">
                     <a:lumMod val="75000"/>
@@ -18153,13 +17599,6 @@
               </a:rPr>
               <a:t>App dev tool</a:t>
             </a:r>
-            <a:endParaRPr lang="en-GB" sz="1400" dirty="0">
-              <a:solidFill>
-                <a:schemeClr val="accent4">
-                  <a:lumMod val="75000"/>
-                </a:schemeClr>
-              </a:solidFill>
-            </a:endParaRPr>
           </a:p>
         </p:txBody>
       </p:sp>
@@ -18216,7 +17655,7 @@
           <a:p>
             <a:pPr algn="ctr"/>
             <a:r>
-              <a:rPr lang="en-GB" sz="1400" dirty="0" smtClean="0">
+              <a:rPr lang="en-GB" sz="1400" dirty="0">
                 <a:solidFill>
                   <a:schemeClr val="tx2">
                     <a:lumMod val="75000"/>
@@ -18225,13 +17664,6 @@
               </a:rPr>
               <a:t>health</a:t>
             </a:r>
-            <a:endParaRPr lang="en-GB" sz="1400" dirty="0">
-              <a:solidFill>
-                <a:schemeClr val="tx2">
-                  <a:lumMod val="75000"/>
-                </a:schemeClr>
-              </a:solidFill>
-            </a:endParaRPr>
           </a:p>
         </p:txBody>
       </p:sp>
@@ -18288,7 +17720,7 @@
           <a:p>
             <a:pPr algn="ctr"/>
             <a:r>
-              <a:rPr lang="en-GB" sz="1400" dirty="0" smtClean="0">
+              <a:rPr lang="en-GB" sz="1400" dirty="0">
                 <a:solidFill>
                   <a:schemeClr val="tx2">
                     <a:lumMod val="75000"/>
@@ -18297,13 +17729,6 @@
               </a:rPr>
               <a:t>data</a:t>
             </a:r>
-            <a:endParaRPr lang="en-GB" sz="1400" dirty="0">
-              <a:solidFill>
-                <a:schemeClr val="tx2">
-                  <a:lumMod val="75000"/>
-                </a:schemeClr>
-              </a:solidFill>
-            </a:endParaRPr>
           </a:p>
         </p:txBody>
       </p:sp>
@@ -18360,7 +17785,7 @@
           <a:p>
             <a:pPr algn="ctr"/>
             <a:r>
-              <a:rPr lang="en-GB" sz="1400" dirty="0" smtClean="0">
+              <a:rPr lang="en-GB" sz="1400" dirty="0">
                 <a:solidFill>
                   <a:schemeClr val="tx2">
                     <a:lumMod val="75000"/>
@@ -18369,13 +17794,6 @@
               </a:rPr>
               <a:t>services</a:t>
             </a:r>
-            <a:endParaRPr lang="en-GB" sz="1400" dirty="0">
-              <a:solidFill>
-                <a:schemeClr val="tx2">
-                  <a:lumMod val="75000"/>
-                </a:schemeClr>
-              </a:solidFill>
-            </a:endParaRPr>
           </a:p>
         </p:txBody>
       </p:sp>
@@ -18432,7 +17850,7 @@
           <a:p>
             <a:pPr algn="ctr"/>
             <a:r>
-              <a:rPr lang="en-GB" sz="1400" dirty="0" smtClean="0">
+              <a:rPr lang="en-GB" sz="1400" dirty="0">
                 <a:solidFill>
                   <a:schemeClr val="tx2">
                     <a:lumMod val="75000"/>
@@ -18441,13 +17859,6 @@
               </a:rPr>
               <a:t>health</a:t>
             </a:r>
-            <a:endParaRPr lang="en-GB" sz="1400" dirty="0">
-              <a:solidFill>
-                <a:schemeClr val="tx2">
-                  <a:lumMod val="75000"/>
-                </a:schemeClr>
-              </a:solidFill>
-            </a:endParaRPr>
           </a:p>
         </p:txBody>
       </p:sp>
@@ -18504,7 +17915,7 @@
           <a:p>
             <a:pPr algn="ctr"/>
             <a:r>
-              <a:rPr lang="en-GB" sz="1400" dirty="0" smtClean="0">
+              <a:rPr lang="en-GB" sz="1400" dirty="0">
                 <a:solidFill>
                   <a:schemeClr val="tx2">
                     <a:lumMod val="75000"/>
@@ -18513,13 +17924,6 @@
               </a:rPr>
               <a:t>care</a:t>
             </a:r>
-            <a:endParaRPr lang="en-GB" sz="1400" dirty="0">
-              <a:solidFill>
-                <a:schemeClr val="tx2">
-                  <a:lumMod val="75000"/>
-                </a:schemeClr>
-              </a:solidFill>
-            </a:endParaRPr>
           </a:p>
         </p:txBody>
       </p:sp>
@@ -18576,7 +17980,7 @@
           <a:p>
             <a:pPr algn="ctr"/>
             <a:r>
-              <a:rPr lang="en-GB" sz="1400" dirty="0" smtClean="0">
+              <a:rPr lang="en-GB" sz="1400" dirty="0">
                 <a:solidFill>
                   <a:schemeClr val="tx2">
                     <a:lumMod val="75000"/>
@@ -18585,13 +17989,6 @@
               </a:rPr>
               <a:t>services</a:t>
             </a:r>
-            <a:endParaRPr lang="en-GB" sz="1400" dirty="0">
-              <a:solidFill>
-                <a:schemeClr val="tx2">
-                  <a:lumMod val="75000"/>
-                </a:schemeClr>
-              </a:solidFill>
-            </a:endParaRPr>
           </a:p>
         </p:txBody>
       </p:sp>
@@ -18648,7 +18045,7 @@
           <a:p>
             <a:pPr algn="ctr"/>
             <a:r>
-              <a:rPr lang="en-GB" sz="1400" dirty="0" smtClean="0">
+              <a:rPr lang="en-GB" sz="1400" dirty="0">
                 <a:solidFill>
                   <a:schemeClr val="tx2">
                     <a:lumMod val="75000"/>
@@ -18657,13 +18054,6 @@
               </a:rPr>
               <a:t>&amp; mgt</a:t>
             </a:r>
-            <a:endParaRPr lang="en-GB" sz="1400" dirty="0">
-              <a:solidFill>
-                <a:schemeClr val="tx2">
-                  <a:lumMod val="75000"/>
-                </a:schemeClr>
-              </a:solidFill>
-            </a:endParaRPr>
           </a:p>
         </p:txBody>
       </p:sp>
@@ -18720,7 +18110,7 @@
           <a:p>
             <a:pPr algn="ctr"/>
             <a:r>
-              <a:rPr lang="en-GB" sz="1400" dirty="0" smtClean="0">
+              <a:rPr lang="en-GB" sz="1400" dirty="0">
                 <a:solidFill>
                   <a:schemeClr val="tx2">
                     <a:lumMod val="75000"/>
@@ -18729,13 +18119,6 @@
               </a:rPr>
               <a:t>app</a:t>
             </a:r>
-            <a:endParaRPr lang="en-GB" sz="1400" dirty="0">
-              <a:solidFill>
-                <a:schemeClr val="tx2">
-                  <a:lumMod val="75000"/>
-                </a:schemeClr>
-              </a:solidFill>
-            </a:endParaRPr>
           </a:p>
         </p:txBody>
       </p:sp>
@@ -18792,7 +18175,7 @@
           <a:p>
             <a:pPr algn="ctr"/>
             <a:r>
-              <a:rPr lang="en-GB" sz="1400" dirty="0" smtClean="0">
+              <a:rPr lang="en-GB" sz="1400" dirty="0">
                 <a:solidFill>
                   <a:schemeClr val="tx2">
                     <a:lumMod val="75000"/>
@@ -18801,13 +18184,6 @@
               </a:rPr>
               <a:t>app</a:t>
             </a:r>
-            <a:endParaRPr lang="en-GB" sz="1400" dirty="0">
-              <a:solidFill>
-                <a:schemeClr val="tx2">
-                  <a:lumMod val="75000"/>
-                </a:schemeClr>
-              </a:solidFill>
-            </a:endParaRPr>
           </a:p>
         </p:txBody>
       </p:sp>
@@ -18864,7 +18240,7 @@
           <a:p>
             <a:pPr algn="ctr"/>
             <a:r>
-              <a:rPr lang="en-GB" sz="1400" dirty="0" smtClean="0">
+              <a:rPr lang="en-GB" sz="1400" dirty="0">
                 <a:solidFill>
                   <a:schemeClr val="tx2">
                     <a:lumMod val="75000"/>
@@ -18873,13 +18249,6 @@
               </a:rPr>
               <a:t>app</a:t>
             </a:r>
-            <a:endParaRPr lang="en-GB" sz="1400" dirty="0">
-              <a:solidFill>
-                <a:schemeClr val="tx2">
-                  <a:lumMod val="75000"/>
-                </a:schemeClr>
-              </a:solidFill>
-            </a:endParaRPr>
           </a:p>
         </p:txBody>
       </p:sp>
@@ -18936,7 +18305,7 @@
           <a:p>
             <a:pPr algn="ctr"/>
             <a:r>
-              <a:rPr lang="en-GB" sz="1400" dirty="0" smtClean="0">
+              <a:rPr lang="en-GB" sz="1400" dirty="0">
                 <a:solidFill>
                   <a:schemeClr val="tx2">
                     <a:lumMod val="75000"/>
@@ -18945,13 +18314,6 @@
               </a:rPr>
               <a:t>app</a:t>
             </a:r>
-            <a:endParaRPr lang="en-GB" sz="1400" dirty="0">
-              <a:solidFill>
-                <a:schemeClr val="tx2">
-                  <a:lumMod val="75000"/>
-                </a:schemeClr>
-              </a:solidFill>
-            </a:endParaRPr>
           </a:p>
         </p:txBody>
       </p:sp>
@@ -19008,7 +18370,7 @@
           <a:p>
             <a:pPr algn="ctr"/>
             <a:r>
-              <a:rPr lang="en-GB" sz="1400" dirty="0" smtClean="0">
+              <a:rPr lang="en-GB" sz="1400" dirty="0">
                 <a:solidFill>
                   <a:schemeClr val="tx2">
                     <a:lumMod val="75000"/>
@@ -19017,13 +18379,6 @@
               </a:rPr>
               <a:t>app</a:t>
             </a:r>
-            <a:endParaRPr lang="en-GB" sz="1400" dirty="0">
-              <a:solidFill>
-                <a:schemeClr val="tx2">
-                  <a:lumMod val="75000"/>
-                </a:schemeClr>
-              </a:solidFill>
-            </a:endParaRPr>
           </a:p>
         </p:txBody>
       </p:sp>
@@ -19073,7 +18428,7 @@
           <a:p>
             <a:pPr algn="ctr"/>
             <a:r>
-              <a:rPr lang="en-GB" sz="2400" dirty="0" smtClean="0">
+              <a:rPr lang="en-GB" sz="2400" dirty="0">
                 <a:solidFill>
                   <a:schemeClr val="tx2">
                     <a:lumMod val="75000"/>
@@ -19097,13 +18452,6 @@
   <p:clrMapOvr>
     <a:masterClrMapping/>
   </p:clrMapOvr>
-  <p:timing>
-    <p:tnLst>
-      <p:par>
-        <p:cTn id="1" dur="indefinite" restart="never" nodeType="tmRoot"/>
-      </p:par>
-    </p:tnLst>
-  </p:timing>
 </p:sld>
 </file>
 
@@ -19148,18 +18496,13 @@
           <a:p>
             <a:pPr algn="ctr"/>
             <a:r>
-              <a:rPr lang="en-US" sz="2400" b="1" dirty="0" smtClean="0">
+              <a:rPr lang="en-US" sz="2400" b="1" dirty="0">
                 <a:solidFill>
                   <a:srgbClr val="00335F"/>
                 </a:solidFill>
               </a:rPr>
               <a:t>Providers / Clinicians</a:t>
             </a:r>
-            <a:endParaRPr lang="en-US" sz="2400" b="1" dirty="0">
-              <a:solidFill>
-                <a:srgbClr val="00335F"/>
-              </a:solidFill>
-            </a:endParaRPr>
           </a:p>
         </p:txBody>
       </p:sp>
@@ -19240,7 +18583,7 @@
           <a:p>
             <a:pPr algn="r"/>
             <a:r>
-              <a:rPr lang="en-GB" sz="1600" b="1" dirty="0" smtClean="0">
+              <a:rPr lang="en-GB" sz="1600" b="1" dirty="0">
                 <a:solidFill>
                   <a:schemeClr val="accent5">
                     <a:lumMod val="50000"/>
@@ -19250,7 +18593,7 @@
               <a:t>Archetypes</a:t>
             </a:r>
             <a:r>
-              <a:rPr lang="en-GB" sz="1600" b="0" dirty="0" smtClean="0">
+              <a:rPr lang="en-GB" sz="1600" b="0" dirty="0">
                 <a:solidFill>
                   <a:schemeClr val="bg1">
                     <a:lumMod val="50000"/>
@@ -19260,7 +18603,7 @@
               <a:t> </a:t>
             </a:r>
             <a:br>
-              <a:rPr lang="en-GB" sz="1600" b="0" dirty="0" smtClean="0">
+              <a:rPr lang="en-GB" sz="1600" b="0" dirty="0">
                 <a:solidFill>
                   <a:schemeClr val="bg1">
                     <a:lumMod val="50000"/>
@@ -19269,7 +18612,7 @@
               </a:rPr>
             </a:br>
             <a:r>
-              <a:rPr lang="en-GB" sz="1600" b="0" dirty="0" smtClean="0">
+              <a:rPr lang="en-GB" sz="1600" b="0" dirty="0">
                 <a:solidFill>
                   <a:schemeClr val="bg1">
                     <a:lumMod val="50000"/>
@@ -19279,7 +18622,7 @@
               <a:t>(Templates </a:t>
             </a:r>
             <a:br>
-              <a:rPr lang="en-GB" sz="1600" b="0" dirty="0" smtClean="0">
+              <a:rPr lang="en-GB" sz="1600" b="0" dirty="0">
                 <a:solidFill>
                   <a:schemeClr val="bg1">
                     <a:lumMod val="50000"/>
@@ -19288,7 +18631,7 @@
               </a:rPr>
             </a:br>
             <a:r>
-              <a:rPr lang="en-GB" sz="1600" b="0" dirty="0" smtClean="0">
+              <a:rPr lang="en-GB" sz="1600" b="0" dirty="0">
                 <a:solidFill>
                   <a:schemeClr val="bg1">
                     <a:lumMod val="50000"/>
@@ -19297,13 +18640,6 @@
               </a:rPr>
               <a:t>Ref-sets) </a:t>
             </a:r>
-            <a:endParaRPr lang="en-GB" sz="1600" b="0" dirty="0">
-              <a:solidFill>
-                <a:schemeClr val="bg1">
-                  <a:lumMod val="50000"/>
-                </a:schemeClr>
-              </a:solidFill>
-            </a:endParaRPr>
           </a:p>
         </p:txBody>
       </p:sp>
@@ -19356,7 +18692,7 @@
           <a:p>
             <a:pPr algn="ctr"/>
             <a:r>
-              <a:rPr lang="en-GB" sz="2400" dirty="0" smtClean="0">
+              <a:rPr lang="en-GB" sz="2400" dirty="0">
                 <a:solidFill>
                   <a:schemeClr val="bg1">
                     <a:lumMod val="50000"/>
@@ -19431,7 +18767,7 @@
           <a:p>
             <a:pPr algn="ctr"/>
             <a:r>
-              <a:rPr lang="en-GB" sz="2000" dirty="0" smtClean="0">
+              <a:rPr lang="en-GB" sz="2000" dirty="0">
                 <a:solidFill>
                   <a:schemeClr val="bg1">
                     <a:lumMod val="50000"/>
@@ -19440,13 +18776,6 @@
               </a:rPr>
               <a:t>Governance Tools</a:t>
             </a:r>
-            <a:endParaRPr lang="en-GB" sz="2000" dirty="0">
-              <a:solidFill>
-                <a:schemeClr val="bg1">
-                  <a:lumMod val="50000"/>
-                </a:schemeClr>
-              </a:solidFill>
-            </a:endParaRPr>
           </a:p>
         </p:txBody>
       </p:sp>
@@ -19851,7 +19180,7 @@
           <a:p>
             <a:pPr algn="ctr"/>
             <a:r>
-              <a:rPr lang="en-GB" sz="1600" dirty="0" smtClean="0">
+              <a:rPr lang="en-GB" sz="1600" dirty="0">
                 <a:solidFill>
                   <a:schemeClr val="bg1">
                     <a:lumMod val="50000"/>
@@ -19861,7 +19190,7 @@
               <a:t>Programming </a:t>
             </a:r>
             <a:br>
-              <a:rPr lang="en-GB" sz="1600" dirty="0" smtClean="0">
+              <a:rPr lang="en-GB" sz="1600" dirty="0">
                 <a:solidFill>
                   <a:schemeClr val="bg1">
                     <a:lumMod val="50000"/>
@@ -19870,7 +19199,7 @@
               </a:rPr>
             </a:br>
             <a:r>
-              <a:rPr lang="en-GB" sz="1600" dirty="0" smtClean="0">
+              <a:rPr lang="en-GB" sz="1600" dirty="0">
                 <a:solidFill>
                   <a:schemeClr val="bg1">
                     <a:lumMod val="50000"/>
@@ -19913,7 +19242,7 @@
           <a:p>
             <a:pPr algn="ctr"/>
             <a:r>
-              <a:rPr lang="en-GB" sz="1600" dirty="0" smtClean="0">
+              <a:rPr lang="en-GB" sz="1600" dirty="0">
                 <a:solidFill>
                   <a:schemeClr val="bg1">
                     <a:lumMod val="50000"/>
@@ -19923,7 +19252,7 @@
               <a:t>Operational</a:t>
             </a:r>
             <a:br>
-              <a:rPr lang="en-GB" sz="1600" dirty="0" smtClean="0">
+              <a:rPr lang="en-GB" sz="1600" dirty="0">
                 <a:solidFill>
                   <a:schemeClr val="bg1">
                     <a:lumMod val="50000"/>
@@ -19932,7 +19261,7 @@
               </a:rPr>
             </a:br>
             <a:r>
-              <a:rPr lang="en-GB" sz="1600" dirty="0" smtClean="0">
+              <a:rPr lang="en-GB" sz="1600" dirty="0">
                 <a:solidFill>
                   <a:schemeClr val="bg1">
                     <a:lumMod val="50000"/>
@@ -20014,7 +19343,7 @@
           <a:p>
             <a:pPr algn="ctr"/>
             <a:r>
-              <a:rPr lang="en-GB" sz="1600" b="1" dirty="0" smtClean="0">
+              <a:rPr lang="en-GB" sz="1600" b="1" dirty="0">
                 <a:solidFill>
                   <a:schemeClr val="accent5">
                     <a:lumMod val="50000"/>
@@ -20023,13 +19352,6 @@
               </a:rPr>
               <a:t>Clinicians</a:t>
             </a:r>
-            <a:endParaRPr lang="en-GB" sz="1600" b="1" dirty="0">
-              <a:solidFill>
-                <a:schemeClr val="accent5">
-                  <a:lumMod val="50000"/>
-                </a:schemeClr>
-              </a:solidFill>
-            </a:endParaRPr>
           </a:p>
         </p:txBody>
       </p:sp>
@@ -20060,7 +19382,7 @@
           <a:p>
             <a:pPr algn="ctr"/>
             <a:r>
-              <a:rPr lang="en-GB" sz="1600" dirty="0" smtClean="0">
+              <a:rPr lang="en-GB" sz="1600" dirty="0">
                 <a:solidFill>
                   <a:schemeClr val="bg1">
                     <a:lumMod val="50000"/>
@@ -20073,7 +19395,7 @@
           <a:p>
             <a:pPr algn="ctr"/>
             <a:r>
-              <a:rPr lang="en-GB" sz="1600" b="0" dirty="0" smtClean="0">
+              <a:rPr lang="en-GB" sz="1600" b="0" dirty="0">
                 <a:solidFill>
                   <a:schemeClr val="bg1">
                     <a:lumMod val="50000"/>
@@ -20082,13 +19404,6 @@
               </a:rPr>
               <a:t>Vendors</a:t>
             </a:r>
-            <a:endParaRPr lang="en-GB" sz="1600" b="0" dirty="0">
-              <a:solidFill>
-                <a:schemeClr val="bg1">
-                  <a:lumMod val="50000"/>
-                </a:schemeClr>
-              </a:solidFill>
-            </a:endParaRPr>
           </a:p>
         </p:txBody>
       </p:sp>
@@ -21779,7 +21094,7 @@
           <a:p>
             <a:pPr algn="ctr"/>
             <a:r>
-              <a:rPr lang="en-GB" dirty="0" smtClean="0">
+              <a:rPr lang="en-GB" dirty="0">
                 <a:solidFill>
                   <a:schemeClr val="bg1">
                     <a:lumMod val="50000"/>
@@ -21789,7 +21104,7 @@
               <a:t>App development </a:t>
             </a:r>
             <a:br>
-              <a:rPr lang="en-GB" dirty="0" smtClean="0">
+              <a:rPr lang="en-GB" dirty="0">
                 <a:solidFill>
                   <a:schemeClr val="bg1">
                     <a:lumMod val="50000"/>
@@ -21798,7 +21113,7 @@
               </a:rPr>
             </a:br>
             <a:r>
-              <a:rPr lang="en-GB" dirty="0" smtClean="0">
+              <a:rPr lang="en-GB" dirty="0">
                 <a:solidFill>
                   <a:schemeClr val="bg1">
                     <a:lumMod val="50000"/>
@@ -21807,13 +21122,6 @@
               </a:rPr>
               <a:t>framework</a:t>
             </a:r>
-            <a:endParaRPr lang="en-GB" dirty="0">
-              <a:solidFill>
-                <a:schemeClr val="bg1">
-                  <a:lumMod val="50000"/>
-                </a:schemeClr>
-              </a:solidFill>
-            </a:endParaRPr>
           </a:p>
         </p:txBody>
       </p:sp>
@@ -21873,7 +21181,7 @@
           <a:p>
             <a:pPr algn="ctr"/>
             <a:r>
-              <a:rPr lang="en-GB" sz="1400" dirty="0" smtClean="0">
+              <a:rPr lang="en-GB" sz="1400" dirty="0">
                 <a:solidFill>
                   <a:schemeClr val="bg1">
                     <a:lumMod val="50000"/>
@@ -21882,13 +21190,6 @@
               </a:rPr>
               <a:t>App dev tool</a:t>
             </a:r>
-            <a:endParaRPr lang="en-GB" sz="1400" dirty="0">
-              <a:solidFill>
-                <a:schemeClr val="bg1">
-                  <a:lumMod val="50000"/>
-                </a:schemeClr>
-              </a:solidFill>
-            </a:endParaRPr>
           </a:p>
         </p:txBody>
       </p:sp>
@@ -21948,7 +21249,7 @@
           <a:p>
             <a:pPr algn="ctr"/>
             <a:r>
-              <a:rPr lang="en-GB" sz="1400" dirty="0" smtClean="0">
+              <a:rPr lang="en-GB" sz="1400" dirty="0">
                 <a:solidFill>
                   <a:schemeClr val="bg1">
                     <a:lumMod val="50000"/>
@@ -21957,13 +21258,6 @@
               </a:rPr>
               <a:t>App dev tool</a:t>
             </a:r>
-            <a:endParaRPr lang="en-GB" sz="1400" dirty="0">
-              <a:solidFill>
-                <a:schemeClr val="bg1">
-                  <a:lumMod val="50000"/>
-                </a:schemeClr>
-              </a:solidFill>
-            </a:endParaRPr>
           </a:p>
         </p:txBody>
       </p:sp>
@@ -22023,7 +21317,7 @@
           <a:p>
             <a:pPr algn="ctr"/>
             <a:r>
-              <a:rPr lang="en-GB" sz="1400" dirty="0" smtClean="0">
+              <a:rPr lang="en-GB" sz="1400" dirty="0">
                 <a:solidFill>
                   <a:schemeClr val="bg1">
                     <a:lumMod val="50000"/>
@@ -22032,13 +21326,6 @@
               </a:rPr>
               <a:t>App dev tool</a:t>
             </a:r>
-            <a:endParaRPr lang="en-GB" sz="1400" dirty="0">
-              <a:solidFill>
-                <a:schemeClr val="bg1">
-                  <a:lumMod val="50000"/>
-                </a:schemeClr>
-              </a:solidFill>
-            </a:endParaRPr>
           </a:p>
         </p:txBody>
       </p:sp>
@@ -22098,7 +21385,7 @@
           <a:p>
             <a:pPr algn="ctr"/>
             <a:r>
-              <a:rPr lang="en-GB" sz="1400" dirty="0" smtClean="0">
+              <a:rPr lang="en-GB" sz="1400" dirty="0">
                 <a:solidFill>
                   <a:schemeClr val="bg1">
                     <a:lumMod val="50000"/>
@@ -22107,13 +21394,6 @@
               </a:rPr>
               <a:t>health</a:t>
             </a:r>
-            <a:endParaRPr lang="en-GB" sz="1400" dirty="0">
-              <a:solidFill>
-                <a:schemeClr val="bg1">
-                  <a:lumMod val="50000"/>
-                </a:schemeClr>
-              </a:solidFill>
-            </a:endParaRPr>
           </a:p>
         </p:txBody>
       </p:sp>
@@ -22173,7 +21453,7 @@
           <a:p>
             <a:pPr algn="ctr"/>
             <a:r>
-              <a:rPr lang="en-GB" sz="1400" dirty="0" smtClean="0">
+              <a:rPr lang="en-GB" sz="1400" dirty="0">
                 <a:solidFill>
                   <a:schemeClr val="bg1">
                     <a:lumMod val="50000"/>
@@ -22182,13 +21462,6 @@
               </a:rPr>
               <a:t>data</a:t>
             </a:r>
-            <a:endParaRPr lang="en-GB" sz="1400" dirty="0">
-              <a:solidFill>
-                <a:schemeClr val="bg1">
-                  <a:lumMod val="50000"/>
-                </a:schemeClr>
-              </a:solidFill>
-            </a:endParaRPr>
           </a:p>
         </p:txBody>
       </p:sp>
@@ -22248,7 +21521,7 @@
           <a:p>
             <a:pPr algn="ctr"/>
             <a:r>
-              <a:rPr lang="en-GB" sz="1400" dirty="0" smtClean="0">
+              <a:rPr lang="en-GB" sz="1400" dirty="0">
                 <a:solidFill>
                   <a:schemeClr val="bg1">
                     <a:lumMod val="50000"/>
@@ -22257,13 +21530,6 @@
               </a:rPr>
               <a:t>services</a:t>
             </a:r>
-            <a:endParaRPr lang="en-GB" sz="1400" dirty="0">
-              <a:solidFill>
-                <a:schemeClr val="bg1">
-                  <a:lumMod val="50000"/>
-                </a:schemeClr>
-              </a:solidFill>
-            </a:endParaRPr>
           </a:p>
         </p:txBody>
       </p:sp>
@@ -22376,7 +21642,7 @@
           <a:p>
             <a:pPr algn="ctr"/>
             <a:r>
-              <a:rPr lang="en-GB" sz="1400" dirty="0" smtClean="0">
+              <a:rPr lang="en-GB" sz="1400" dirty="0">
                 <a:solidFill>
                   <a:schemeClr val="bg1">
                     <a:lumMod val="50000"/>
@@ -22385,13 +21651,6 @@
               </a:rPr>
               <a:t>health</a:t>
             </a:r>
-            <a:endParaRPr lang="en-GB" sz="1400" dirty="0">
-              <a:solidFill>
-                <a:schemeClr val="bg1">
-                  <a:lumMod val="50000"/>
-                </a:schemeClr>
-              </a:solidFill>
-            </a:endParaRPr>
           </a:p>
         </p:txBody>
       </p:sp>
@@ -22451,7 +21710,7 @@
           <a:p>
             <a:pPr algn="ctr"/>
             <a:r>
-              <a:rPr lang="en-GB" sz="1400" dirty="0" smtClean="0">
+              <a:rPr lang="en-GB" sz="1400" dirty="0">
                 <a:solidFill>
                   <a:schemeClr val="bg1">
                     <a:lumMod val="50000"/>
@@ -22460,13 +21719,6 @@
               </a:rPr>
               <a:t>care</a:t>
             </a:r>
-            <a:endParaRPr lang="en-GB" sz="1400" dirty="0">
-              <a:solidFill>
-                <a:schemeClr val="bg1">
-                  <a:lumMod val="50000"/>
-                </a:schemeClr>
-              </a:solidFill>
-            </a:endParaRPr>
           </a:p>
         </p:txBody>
       </p:sp>
@@ -22526,7 +21778,7 @@
           <a:p>
             <a:pPr algn="ctr"/>
             <a:r>
-              <a:rPr lang="en-GB" sz="1400" dirty="0" smtClean="0">
+              <a:rPr lang="en-GB" sz="1400" dirty="0">
                 <a:solidFill>
                   <a:schemeClr val="bg1">
                     <a:lumMod val="50000"/>
@@ -22535,13 +21787,6 @@
               </a:rPr>
               <a:t>services</a:t>
             </a:r>
-            <a:endParaRPr lang="en-GB" sz="1400" dirty="0">
-              <a:solidFill>
-                <a:schemeClr val="bg1">
-                  <a:lumMod val="50000"/>
-                </a:schemeClr>
-              </a:solidFill>
-            </a:endParaRPr>
           </a:p>
         </p:txBody>
       </p:sp>
@@ -22601,7 +21846,7 @@
           <a:p>
             <a:pPr algn="ctr"/>
             <a:r>
-              <a:rPr lang="en-GB" sz="1400" dirty="0" smtClean="0">
+              <a:rPr lang="en-GB" sz="1400" dirty="0">
                 <a:solidFill>
                   <a:schemeClr val="bg1">
                     <a:lumMod val="50000"/>
@@ -22610,13 +21855,6 @@
               </a:rPr>
               <a:t>&amp; mgt</a:t>
             </a:r>
-            <a:endParaRPr lang="en-GB" sz="1400" dirty="0">
-              <a:solidFill>
-                <a:schemeClr val="bg1">
-                  <a:lumMod val="50000"/>
-                </a:schemeClr>
-              </a:solidFill>
-            </a:endParaRPr>
           </a:p>
         </p:txBody>
       </p:sp>
@@ -22676,7 +21914,7 @@
           <a:p>
             <a:pPr algn="ctr"/>
             <a:r>
-              <a:rPr lang="en-GB" sz="1400" dirty="0" smtClean="0">
+              <a:rPr lang="en-GB" sz="1400" dirty="0">
                 <a:solidFill>
                   <a:schemeClr val="bg1">
                     <a:lumMod val="50000"/>
@@ -22685,13 +21923,6 @@
               </a:rPr>
               <a:t>app</a:t>
             </a:r>
-            <a:endParaRPr lang="en-GB" sz="1400" dirty="0">
-              <a:solidFill>
-                <a:schemeClr val="bg1">
-                  <a:lumMod val="50000"/>
-                </a:schemeClr>
-              </a:solidFill>
-            </a:endParaRPr>
           </a:p>
         </p:txBody>
       </p:sp>
@@ -22751,7 +21982,7 @@
           <a:p>
             <a:pPr algn="ctr"/>
             <a:r>
-              <a:rPr lang="en-GB" sz="1400" dirty="0" smtClean="0">
+              <a:rPr lang="en-GB" sz="1400" dirty="0">
                 <a:solidFill>
                   <a:schemeClr val="bg1">
                     <a:lumMod val="50000"/>
@@ -22760,13 +21991,6 @@
               </a:rPr>
               <a:t>app</a:t>
             </a:r>
-            <a:endParaRPr lang="en-GB" sz="1400" dirty="0">
-              <a:solidFill>
-                <a:schemeClr val="bg1">
-                  <a:lumMod val="50000"/>
-                </a:schemeClr>
-              </a:solidFill>
-            </a:endParaRPr>
           </a:p>
         </p:txBody>
       </p:sp>
@@ -22826,7 +22050,7 @@
           <a:p>
             <a:pPr algn="ctr"/>
             <a:r>
-              <a:rPr lang="en-GB" sz="1400" dirty="0" smtClean="0">
+              <a:rPr lang="en-GB" sz="1400" dirty="0">
                 <a:solidFill>
                   <a:schemeClr val="bg1">
                     <a:lumMod val="50000"/>
@@ -22835,13 +22059,6 @@
               </a:rPr>
               <a:t>app</a:t>
             </a:r>
-            <a:endParaRPr lang="en-GB" sz="1400" dirty="0">
-              <a:solidFill>
-                <a:schemeClr val="bg1">
-                  <a:lumMod val="50000"/>
-                </a:schemeClr>
-              </a:solidFill>
-            </a:endParaRPr>
           </a:p>
         </p:txBody>
       </p:sp>
@@ -22901,7 +22118,7 @@
           <a:p>
             <a:pPr algn="ctr"/>
             <a:r>
-              <a:rPr lang="en-GB" sz="1400" dirty="0" smtClean="0">
+              <a:rPr lang="en-GB" sz="1400" dirty="0">
                 <a:solidFill>
                   <a:schemeClr val="bg1">
                     <a:lumMod val="50000"/>
@@ -22910,13 +22127,6 @@
               </a:rPr>
               <a:t>app</a:t>
             </a:r>
-            <a:endParaRPr lang="en-GB" sz="1400" dirty="0">
-              <a:solidFill>
-                <a:schemeClr val="bg1">
-                  <a:lumMod val="50000"/>
-                </a:schemeClr>
-              </a:solidFill>
-            </a:endParaRPr>
           </a:p>
         </p:txBody>
       </p:sp>
@@ -22976,7 +22186,7 @@
           <a:p>
             <a:pPr algn="ctr"/>
             <a:r>
-              <a:rPr lang="en-GB" sz="1400" dirty="0" smtClean="0">
+              <a:rPr lang="en-GB" sz="1400" dirty="0">
                 <a:solidFill>
                   <a:schemeClr val="bg1">
                     <a:lumMod val="50000"/>
@@ -22985,13 +22195,6 @@
               </a:rPr>
               <a:t>app</a:t>
             </a:r>
-            <a:endParaRPr lang="en-GB" sz="1400" dirty="0">
-              <a:solidFill>
-                <a:schemeClr val="bg1">
-                  <a:lumMod val="50000"/>
-                </a:schemeClr>
-              </a:solidFill>
-            </a:endParaRPr>
           </a:p>
         </p:txBody>
       </p:sp>
@@ -23018,7 +22221,7 @@
           <a:lstStyle/>
           <a:p>
             <a:r>
-              <a:rPr lang="en-GB" sz="1600" b="0" dirty="0" smtClean="0">
+              <a:rPr lang="en-GB" sz="1600" b="0" dirty="0">
                 <a:solidFill>
                   <a:schemeClr val="bg1">
                     <a:lumMod val="50000"/>
@@ -23027,13 +22230,6 @@
               </a:rPr>
               <a:t>Deploy</a:t>
             </a:r>
-            <a:endParaRPr lang="en-GB" sz="1600" b="0" dirty="0">
-              <a:solidFill>
-                <a:schemeClr val="bg1">
-                  <a:lumMod val="50000"/>
-                </a:schemeClr>
-              </a:solidFill>
-            </a:endParaRPr>
           </a:p>
         </p:txBody>
       </p:sp>
@@ -23086,7 +22282,7 @@
           <a:p>
             <a:pPr algn="ctr"/>
             <a:r>
-              <a:rPr lang="en-GB" sz="2400" dirty="0" smtClean="0">
+              <a:rPr lang="en-GB" sz="2400" dirty="0">
                 <a:solidFill>
                   <a:schemeClr val="bg1">
                     <a:lumMod val="50000"/>
@@ -23194,7 +22390,7 @@
           <a:p>
             <a:pPr algn="ctr"/>
             <a:r>
-              <a:rPr lang="en-GB" sz="1600" dirty="0" smtClean="0">
+              <a:rPr lang="en-GB" sz="1600" dirty="0">
                 <a:solidFill>
                   <a:schemeClr val="bg1">
                     <a:lumMod val="50000"/>
@@ -23203,13 +22399,6 @@
               </a:rPr>
               <a:t>Universities</a:t>
             </a:r>
-            <a:endParaRPr lang="en-GB" sz="1600" dirty="0">
-              <a:solidFill>
-                <a:schemeClr val="bg1">
-                  <a:lumMod val="50000"/>
-                </a:schemeClr>
-              </a:solidFill>
-            </a:endParaRPr>
           </a:p>
         </p:txBody>
       </p:sp>
@@ -23808,7 +22997,7 @@
           <a:p>
             <a:pPr algn="ctr"/>
             <a:r>
-              <a:rPr lang="en-GB" sz="1600" dirty="0" smtClean="0">
+              <a:rPr lang="en-GB" sz="1600" dirty="0">
                 <a:solidFill>
                   <a:schemeClr val="bg1">
                     <a:lumMod val="50000"/>
@@ -23817,13 +23006,6 @@
               </a:rPr>
               <a:t>Researchers</a:t>
             </a:r>
-            <a:endParaRPr lang="en-GB" sz="1600" dirty="0">
-              <a:solidFill>
-                <a:schemeClr val="bg1">
-                  <a:lumMod val="50000"/>
-                </a:schemeClr>
-              </a:solidFill>
-            </a:endParaRPr>
           </a:p>
         </p:txBody>
       </p:sp>
@@ -23918,7 +23100,7 @@
           <a:p>
             <a:pPr algn="ctr"/>
             <a:r>
-              <a:rPr lang="en-GB" dirty="0" smtClean="0">
+              <a:rPr lang="en-GB" dirty="0">
                 <a:solidFill>
                   <a:srgbClr val="E13A0D"/>
                 </a:solidFill>
@@ -23926,25 +23108,20 @@
               <a:t>Model </a:t>
             </a:r>
             <a:br>
-              <a:rPr lang="en-GB" dirty="0" smtClean="0">
+              <a:rPr lang="en-GB" dirty="0">
                 <a:solidFill>
                   <a:srgbClr val="E13A0D"/>
                 </a:solidFill>
               </a:rPr>
             </a:br>
             <a:r>
-              <a:rPr lang="en-GB" dirty="0" smtClean="0">
+              <a:rPr lang="en-GB" dirty="0">
                 <a:solidFill>
                   <a:srgbClr val="E13A0D"/>
                 </a:solidFill>
               </a:rPr>
               <a:t>tool platform</a:t>
             </a:r>
-            <a:endParaRPr lang="en-GB" dirty="0">
-              <a:solidFill>
-                <a:srgbClr val="E13A0D"/>
-              </a:solidFill>
-            </a:endParaRPr>
           </a:p>
         </p:txBody>
       </p:sp>
@@ -24001,18 +23178,13 @@
           <a:p>
             <a:pPr algn="ctr"/>
             <a:r>
-              <a:rPr lang="en-GB" sz="1400" dirty="0" smtClean="0">
+              <a:rPr lang="en-GB" sz="1400" dirty="0">
                 <a:solidFill>
                   <a:srgbClr val="E13A0D"/>
                 </a:solidFill>
               </a:rPr>
               <a:t>Modelling Tool</a:t>
             </a:r>
-            <a:endParaRPr lang="en-GB" sz="1400" dirty="0">
-              <a:solidFill>
-                <a:srgbClr val="E13A0D"/>
-              </a:solidFill>
-            </a:endParaRPr>
           </a:p>
         </p:txBody>
       </p:sp>
@@ -24069,18 +23241,13 @@
           <a:p>
             <a:pPr algn="ctr"/>
             <a:r>
-              <a:rPr lang="en-GB" sz="1400" dirty="0" smtClean="0">
+              <a:rPr lang="en-GB" sz="1400" dirty="0">
                 <a:solidFill>
                   <a:srgbClr val="E13A0D"/>
                 </a:solidFill>
               </a:rPr>
               <a:t>Modelling Tool</a:t>
             </a:r>
-            <a:endParaRPr lang="en-GB" sz="1400" dirty="0">
-              <a:solidFill>
-                <a:srgbClr val="E13A0D"/>
-              </a:solidFill>
-            </a:endParaRPr>
           </a:p>
         </p:txBody>
       </p:sp>
@@ -24137,18 +23304,13 @@
           <a:p>
             <a:pPr algn="ctr"/>
             <a:r>
-              <a:rPr lang="en-GB" sz="1400" dirty="0" smtClean="0">
+              <a:rPr lang="en-GB" sz="1400" dirty="0">
                 <a:solidFill>
                   <a:srgbClr val="E13A0D"/>
                 </a:solidFill>
               </a:rPr>
               <a:t>Modelling Tool</a:t>
             </a:r>
-            <a:endParaRPr lang="en-GB" sz="1400" dirty="0">
-              <a:solidFill>
-                <a:srgbClr val="E13A0D"/>
-              </a:solidFill>
-            </a:endParaRPr>
           </a:p>
         </p:txBody>
       </p:sp>
@@ -24157,13 +23319,6 @@
   <p:clrMapOvr>
     <a:masterClrMapping/>
   </p:clrMapOvr>
-  <p:timing>
-    <p:tnLst>
-      <p:par>
-        <p:cTn id="1" dur="indefinite" restart="never" nodeType="tmRoot"/>
-      </p:par>
-    </p:tnLst>
-  </p:timing>
 </p:sld>
 </file>
 
@@ -24208,18 +23363,13 @@
           <a:p>
             <a:pPr algn="ctr"/>
             <a:r>
-              <a:rPr lang="en-US" sz="2400" b="1" dirty="0" smtClean="0">
+              <a:rPr lang="en-US" sz="2400" b="1" dirty="0">
                 <a:solidFill>
                   <a:srgbClr val="00335F"/>
                 </a:solidFill>
               </a:rPr>
               <a:t>Universities / Research</a:t>
             </a:r>
-            <a:endParaRPr lang="en-US" sz="2400" b="1" dirty="0">
-              <a:solidFill>
-                <a:srgbClr val="00335F"/>
-              </a:solidFill>
-            </a:endParaRPr>
           </a:p>
         </p:txBody>
       </p:sp>
@@ -24300,7 +23450,7 @@
           <a:p>
             <a:pPr algn="r"/>
             <a:r>
-              <a:rPr lang="en-GB" sz="1600" b="0" dirty="0" smtClean="0">
+              <a:rPr lang="en-GB" sz="1600" b="0" dirty="0">
                 <a:solidFill>
                   <a:schemeClr val="bg1">
                     <a:lumMod val="50000"/>
@@ -24310,7 +23460,7 @@
               <a:t>Archetypes </a:t>
             </a:r>
             <a:br>
-              <a:rPr lang="en-GB" sz="1600" b="0" dirty="0" smtClean="0">
+              <a:rPr lang="en-GB" sz="1600" b="0" dirty="0">
                 <a:solidFill>
                   <a:schemeClr val="bg1">
                     <a:lumMod val="50000"/>
@@ -24319,7 +23469,7 @@
               </a:rPr>
             </a:br>
             <a:r>
-              <a:rPr lang="en-GB" sz="1600" b="0" dirty="0" smtClean="0">
+              <a:rPr lang="en-GB" sz="1600" b="0" dirty="0">
                 <a:solidFill>
                   <a:schemeClr val="bg1">
                     <a:lumMod val="50000"/>
@@ -24329,7 +23479,7 @@
               <a:t>Templates </a:t>
             </a:r>
             <a:br>
-              <a:rPr lang="en-GB" sz="1600" b="0" dirty="0" smtClean="0">
+              <a:rPr lang="en-GB" sz="1600" b="0" dirty="0">
                 <a:solidFill>
                   <a:schemeClr val="bg1">
                     <a:lumMod val="50000"/>
@@ -24338,7 +23488,7 @@
               </a:rPr>
             </a:br>
             <a:r>
-              <a:rPr lang="en-GB" sz="1600" b="0" dirty="0" smtClean="0">
+              <a:rPr lang="en-GB" sz="1600" b="0" dirty="0">
                 <a:solidFill>
                   <a:schemeClr val="bg1">
                     <a:lumMod val="50000"/>
@@ -24347,13 +23497,6 @@
               </a:rPr>
               <a:t>Ref-sets </a:t>
             </a:r>
-            <a:endParaRPr lang="en-GB" sz="1600" b="0" dirty="0">
-              <a:solidFill>
-                <a:schemeClr val="bg1">
-                  <a:lumMod val="50000"/>
-                </a:schemeClr>
-              </a:solidFill>
-            </a:endParaRPr>
           </a:p>
         </p:txBody>
       </p:sp>
@@ -24433,7 +23576,7 @@
           <a:lstStyle/>
           <a:p>
             <a:r>
-              <a:rPr lang="en-GB" sz="1600" b="0" dirty="0" smtClean="0">
+              <a:rPr lang="en-GB" sz="1600" b="0" dirty="0">
                 <a:solidFill>
                   <a:schemeClr val="bg1">
                     <a:lumMod val="50000"/>
@@ -24442,13 +23585,6 @@
               </a:rPr>
               <a:t>Deploy</a:t>
             </a:r>
-            <a:endParaRPr lang="en-GB" sz="1600" b="0" dirty="0">
-              <a:solidFill>
-                <a:schemeClr val="bg1">
-                  <a:lumMod val="50000"/>
-                </a:schemeClr>
-              </a:solidFill>
-            </a:endParaRPr>
           </a:p>
         </p:txBody>
       </p:sp>
@@ -24853,7 +23989,7 @@
           <a:p>
             <a:pPr algn="ctr"/>
             <a:r>
-              <a:rPr lang="en-GB" sz="1600" dirty="0" smtClean="0">
+              <a:rPr lang="en-GB" sz="1600" dirty="0">
                 <a:solidFill>
                   <a:schemeClr val="bg1">
                     <a:lumMod val="50000"/>
@@ -24863,7 +23999,7 @@
               <a:t>Programming </a:t>
             </a:r>
             <a:br>
-              <a:rPr lang="en-GB" sz="1600" dirty="0" smtClean="0">
+              <a:rPr lang="en-GB" sz="1600" dirty="0">
                 <a:solidFill>
                   <a:schemeClr val="bg1">
                     <a:lumMod val="50000"/>
@@ -24872,7 +24008,7 @@
               </a:rPr>
             </a:br>
             <a:r>
-              <a:rPr lang="en-GB" sz="1600" dirty="0" smtClean="0">
+              <a:rPr lang="en-GB" sz="1600" dirty="0">
                 <a:solidFill>
                   <a:schemeClr val="bg1">
                     <a:lumMod val="50000"/>
@@ -24915,7 +24051,7 @@
           <a:p>
             <a:pPr algn="ctr"/>
             <a:r>
-              <a:rPr lang="en-GB" sz="1600" dirty="0" smtClean="0">
+              <a:rPr lang="en-GB" sz="1600" dirty="0">
                 <a:solidFill>
                   <a:schemeClr val="bg1">
                     <a:lumMod val="50000"/>
@@ -24925,7 +24061,7 @@
               <a:t>Operational</a:t>
             </a:r>
             <a:br>
-              <a:rPr lang="en-GB" sz="1600" dirty="0" smtClean="0">
+              <a:rPr lang="en-GB" sz="1600" dirty="0">
                 <a:solidFill>
                   <a:schemeClr val="bg1">
                     <a:lumMod val="50000"/>
@@ -24934,7 +24070,7 @@
               </a:rPr>
             </a:br>
             <a:r>
-              <a:rPr lang="en-GB" sz="1600" dirty="0" smtClean="0">
+              <a:rPr lang="en-GB" sz="1600" dirty="0">
                 <a:solidFill>
                   <a:schemeClr val="bg1">
                     <a:lumMod val="50000"/>
@@ -25019,7 +24155,7 @@
           <a:p>
             <a:pPr algn="ctr"/>
             <a:r>
-              <a:rPr lang="en-GB" sz="1600" dirty="0" smtClean="0">
+              <a:rPr lang="en-GB" sz="1600" dirty="0">
                 <a:solidFill>
                   <a:schemeClr val="bg1">
                     <a:lumMod val="50000"/>
@@ -25029,7 +24165,7 @@
               <a:t>Domain </a:t>
             </a:r>
             <a:br>
-              <a:rPr lang="en-GB" sz="1600" dirty="0" smtClean="0">
+              <a:rPr lang="en-GB" sz="1600" dirty="0">
                 <a:solidFill>
                   <a:schemeClr val="bg1">
                     <a:lumMod val="50000"/>
@@ -25038,7 +24174,7 @@
               </a:rPr>
             </a:br>
             <a:r>
-              <a:rPr lang="en-GB" sz="1600" dirty="0" smtClean="0">
+              <a:rPr lang="en-GB" sz="1600" dirty="0">
                 <a:solidFill>
                   <a:schemeClr val="bg1">
                     <a:lumMod val="50000"/>
@@ -25084,7 +24220,7 @@
           <a:p>
             <a:pPr algn="ctr"/>
             <a:r>
-              <a:rPr lang="en-GB" sz="1600" dirty="0" smtClean="0">
+              <a:rPr lang="en-GB" sz="1600" dirty="0">
                 <a:solidFill>
                   <a:schemeClr val="bg1">
                     <a:lumMod val="50000"/>
@@ -25097,7 +24233,7 @@
           <a:p>
             <a:pPr algn="ctr"/>
             <a:r>
-              <a:rPr lang="en-GB" sz="1600" b="0" dirty="0" smtClean="0">
+              <a:rPr lang="en-GB" sz="1600" b="0" dirty="0">
                 <a:solidFill>
                   <a:schemeClr val="bg1">
                     <a:lumMod val="50000"/>
@@ -25106,13 +24242,6 @@
               </a:rPr>
               <a:t>Vendors</a:t>
             </a:r>
-            <a:endParaRPr lang="en-GB" sz="1600" b="0" dirty="0">
-              <a:solidFill>
-                <a:schemeClr val="bg1">
-                  <a:lumMod val="50000"/>
-                </a:schemeClr>
-              </a:solidFill>
-            </a:endParaRPr>
           </a:p>
         </p:txBody>
       </p:sp>
@@ -27436,7 +26565,7 @@
           <a:p>
             <a:pPr algn="ctr"/>
             <a:r>
-              <a:rPr lang="en-GB" sz="1600" b="1" dirty="0" smtClean="0">
+              <a:rPr lang="en-GB" sz="1600" b="1" dirty="0">
                 <a:solidFill>
                   <a:schemeClr val="accent1">
                     <a:lumMod val="50000"/>
@@ -27445,13 +26574,6 @@
               </a:rPr>
               <a:t>Researchers</a:t>
             </a:r>
-            <a:endParaRPr lang="en-GB" sz="1600" b="1" dirty="0">
-              <a:solidFill>
-                <a:schemeClr val="accent1">
-                  <a:lumMod val="50000"/>
-                </a:schemeClr>
-              </a:solidFill>
-            </a:endParaRPr>
           </a:p>
         </p:txBody>
       </p:sp>
@@ -27482,7 +26604,7 @@
           <a:p>
             <a:pPr algn="ctr"/>
             <a:r>
-              <a:rPr lang="en-GB" sz="1600" b="1" dirty="0" smtClean="0">
+              <a:rPr lang="en-GB" sz="1600" b="1" dirty="0">
                 <a:solidFill>
                   <a:schemeClr val="accent1">
                     <a:lumMod val="50000"/>
@@ -27491,13 +26613,6 @@
               </a:rPr>
               <a:t>Universities</a:t>
             </a:r>
-            <a:endParaRPr lang="en-GB" sz="1600" b="1" dirty="0">
-              <a:solidFill>
-                <a:schemeClr val="accent1">
-                  <a:lumMod val="50000"/>
-                </a:schemeClr>
-              </a:solidFill>
-            </a:endParaRPr>
           </a:p>
         </p:txBody>
       </p:sp>
@@ -27588,7 +26703,7 @@
           <a:p>
             <a:pPr algn="ctr"/>
             <a:r>
-              <a:rPr lang="en-GB" dirty="0" smtClean="0">
+              <a:rPr lang="en-GB" dirty="0">
                 <a:solidFill>
                   <a:srgbClr val="E13A0D"/>
                 </a:solidFill>
@@ -27596,25 +26711,20 @@
               <a:t>Model </a:t>
             </a:r>
             <a:br>
-              <a:rPr lang="en-GB" dirty="0" smtClean="0">
+              <a:rPr lang="en-GB" dirty="0">
                 <a:solidFill>
                   <a:srgbClr val="E13A0D"/>
                 </a:solidFill>
               </a:rPr>
             </a:br>
             <a:r>
-              <a:rPr lang="en-GB" dirty="0" smtClean="0">
+              <a:rPr lang="en-GB" dirty="0">
                 <a:solidFill>
                   <a:srgbClr val="E13A0D"/>
                 </a:solidFill>
               </a:rPr>
               <a:t>tool platform</a:t>
             </a:r>
-            <a:endParaRPr lang="en-GB" dirty="0">
-              <a:solidFill>
-                <a:srgbClr val="E13A0D"/>
-              </a:solidFill>
-            </a:endParaRPr>
           </a:p>
         </p:txBody>
       </p:sp>
@@ -27671,18 +26781,13 @@
           <a:p>
             <a:pPr algn="ctr"/>
             <a:r>
-              <a:rPr lang="en-GB" sz="1400" dirty="0" smtClean="0">
+              <a:rPr lang="en-GB" sz="1400" dirty="0">
                 <a:solidFill>
                   <a:srgbClr val="E13A0D"/>
                 </a:solidFill>
               </a:rPr>
               <a:t>Modelling Tool</a:t>
             </a:r>
-            <a:endParaRPr lang="en-GB" sz="1400" dirty="0">
-              <a:solidFill>
-                <a:srgbClr val="E13A0D"/>
-              </a:solidFill>
-            </a:endParaRPr>
           </a:p>
         </p:txBody>
       </p:sp>
@@ -27739,18 +26844,13 @@
           <a:p>
             <a:pPr algn="ctr"/>
             <a:r>
-              <a:rPr lang="en-GB" sz="1400" dirty="0" smtClean="0">
+              <a:rPr lang="en-GB" sz="1400" dirty="0">
                 <a:solidFill>
                   <a:srgbClr val="E13A0D"/>
                 </a:solidFill>
               </a:rPr>
               <a:t>Modelling Tool</a:t>
             </a:r>
-            <a:endParaRPr lang="en-GB" sz="1400" dirty="0">
-              <a:solidFill>
-                <a:srgbClr val="E13A0D"/>
-              </a:solidFill>
-            </a:endParaRPr>
           </a:p>
         </p:txBody>
       </p:sp>
@@ -27807,18 +26907,13 @@
           <a:p>
             <a:pPr algn="ctr"/>
             <a:r>
-              <a:rPr lang="en-GB" sz="1400" dirty="0" smtClean="0">
+              <a:rPr lang="en-GB" sz="1400" dirty="0">
                 <a:solidFill>
                   <a:srgbClr val="E13A0D"/>
                 </a:solidFill>
               </a:rPr>
               <a:t>Modelling Tool</a:t>
             </a:r>
-            <a:endParaRPr lang="en-GB" sz="1400" dirty="0">
-              <a:solidFill>
-                <a:srgbClr val="E13A0D"/>
-              </a:solidFill>
-            </a:endParaRPr>
           </a:p>
         </p:txBody>
       </p:sp>
@@ -27868,7 +26963,7 @@
           <a:p>
             <a:pPr algn="ctr"/>
             <a:r>
-              <a:rPr lang="en-GB" sz="2400" dirty="0" smtClean="0">
+              <a:rPr lang="en-GB" sz="2400" dirty="0">
                 <a:solidFill>
                   <a:srgbClr val="E13A0D"/>
                 </a:solidFill>
@@ -27936,18 +27031,13 @@
           <a:p>
             <a:pPr algn="ctr"/>
             <a:r>
-              <a:rPr lang="en-GB" sz="2000" dirty="0" smtClean="0">
+              <a:rPr lang="en-GB" sz="2000" dirty="0">
                 <a:solidFill>
                   <a:srgbClr val="E13A0D"/>
                 </a:solidFill>
               </a:rPr>
               <a:t>Governance Tools</a:t>
             </a:r>
-            <a:endParaRPr lang="en-GB" sz="2000" dirty="0">
-              <a:solidFill>
-                <a:srgbClr val="E13A0D"/>
-              </a:solidFill>
-            </a:endParaRPr>
           </a:p>
         </p:txBody>
       </p:sp>
@@ -28004,7 +27094,7 @@
           <a:p>
             <a:pPr algn="ctr"/>
             <a:r>
-              <a:rPr lang="en-GB" dirty="0" smtClean="0">
+              <a:rPr lang="en-GB" dirty="0">
                 <a:solidFill>
                   <a:schemeClr val="accent4">
                     <a:lumMod val="75000"/>
@@ -28014,7 +27104,7 @@
               <a:t>App development </a:t>
             </a:r>
             <a:br>
-              <a:rPr lang="en-GB" dirty="0" smtClean="0">
+              <a:rPr lang="en-GB" dirty="0">
                 <a:solidFill>
                   <a:schemeClr val="accent4">
                     <a:lumMod val="75000"/>
@@ -28023,7 +27113,7 @@
               </a:rPr>
             </a:br>
             <a:r>
-              <a:rPr lang="en-GB" dirty="0" smtClean="0">
+              <a:rPr lang="en-GB" dirty="0">
                 <a:solidFill>
                   <a:schemeClr val="accent4">
                     <a:lumMod val="75000"/>
@@ -28032,13 +27122,6 @@
               </a:rPr>
               <a:t>framework</a:t>
             </a:r>
-            <a:endParaRPr lang="en-GB" dirty="0">
-              <a:solidFill>
-                <a:schemeClr val="accent4">
-                  <a:lumMod val="75000"/>
-                </a:schemeClr>
-              </a:solidFill>
-            </a:endParaRPr>
           </a:p>
         </p:txBody>
       </p:sp>
@@ -28095,7 +27178,7 @@
           <a:p>
             <a:pPr algn="ctr"/>
             <a:r>
-              <a:rPr lang="en-GB" sz="1400" dirty="0" smtClean="0">
+              <a:rPr lang="en-GB" sz="1400" dirty="0">
                 <a:solidFill>
                   <a:schemeClr val="accent4">
                     <a:lumMod val="75000"/>
@@ -28104,13 +27187,6 @@
               </a:rPr>
               <a:t>App dev tool</a:t>
             </a:r>
-            <a:endParaRPr lang="en-GB" sz="1400" dirty="0">
-              <a:solidFill>
-                <a:schemeClr val="accent4">
-                  <a:lumMod val="75000"/>
-                </a:schemeClr>
-              </a:solidFill>
-            </a:endParaRPr>
           </a:p>
         </p:txBody>
       </p:sp>
@@ -28167,7 +27243,7 @@
           <a:p>
             <a:pPr algn="ctr"/>
             <a:r>
-              <a:rPr lang="en-GB" sz="1400" dirty="0" smtClean="0">
+              <a:rPr lang="en-GB" sz="1400" dirty="0">
                 <a:solidFill>
                   <a:schemeClr val="accent4">
                     <a:lumMod val="75000"/>
@@ -28176,13 +27252,6 @@
               </a:rPr>
               <a:t>App dev tool</a:t>
             </a:r>
-            <a:endParaRPr lang="en-GB" sz="1400" dirty="0">
-              <a:solidFill>
-                <a:schemeClr val="accent4">
-                  <a:lumMod val="75000"/>
-                </a:schemeClr>
-              </a:solidFill>
-            </a:endParaRPr>
           </a:p>
         </p:txBody>
       </p:sp>
@@ -28239,7 +27308,7 @@
           <a:p>
             <a:pPr algn="ctr"/>
             <a:r>
-              <a:rPr lang="en-GB" sz="1400" dirty="0" smtClean="0">
+              <a:rPr lang="en-GB" sz="1400" dirty="0">
                 <a:solidFill>
                   <a:schemeClr val="accent4">
                     <a:lumMod val="75000"/>
@@ -28248,13 +27317,6 @@
               </a:rPr>
               <a:t>App dev tool</a:t>
             </a:r>
-            <a:endParaRPr lang="en-GB" sz="1400" dirty="0">
-              <a:solidFill>
-                <a:schemeClr val="accent4">
-                  <a:lumMod val="75000"/>
-                </a:schemeClr>
-              </a:solidFill>
-            </a:endParaRPr>
           </a:p>
         </p:txBody>
       </p:sp>
@@ -28311,7 +27373,7 @@
           <a:p>
             <a:pPr algn="ctr"/>
             <a:r>
-              <a:rPr lang="en-GB" sz="1400" dirty="0" smtClean="0">
+              <a:rPr lang="en-GB" sz="1400" dirty="0">
                 <a:solidFill>
                   <a:schemeClr val="tx2">
                     <a:lumMod val="75000"/>
@@ -28320,13 +27382,6 @@
               </a:rPr>
               <a:t>health</a:t>
             </a:r>
-            <a:endParaRPr lang="en-GB" sz="1400" dirty="0">
-              <a:solidFill>
-                <a:schemeClr val="tx2">
-                  <a:lumMod val="75000"/>
-                </a:schemeClr>
-              </a:solidFill>
-            </a:endParaRPr>
           </a:p>
         </p:txBody>
       </p:sp>
@@ -28383,7 +27438,7 @@
           <a:p>
             <a:pPr algn="ctr"/>
             <a:r>
-              <a:rPr lang="en-GB" sz="1400" dirty="0" smtClean="0">
+              <a:rPr lang="en-GB" sz="1400" dirty="0">
                 <a:solidFill>
                   <a:schemeClr val="tx2">
                     <a:lumMod val="75000"/>
@@ -28392,13 +27447,6 @@
               </a:rPr>
               <a:t>data</a:t>
             </a:r>
-            <a:endParaRPr lang="en-GB" sz="1400" dirty="0">
-              <a:solidFill>
-                <a:schemeClr val="tx2">
-                  <a:lumMod val="75000"/>
-                </a:schemeClr>
-              </a:solidFill>
-            </a:endParaRPr>
           </a:p>
         </p:txBody>
       </p:sp>
@@ -28455,7 +27503,7 @@
           <a:p>
             <a:pPr algn="ctr"/>
             <a:r>
-              <a:rPr lang="en-GB" sz="1400" dirty="0" smtClean="0">
+              <a:rPr lang="en-GB" sz="1400" dirty="0">
                 <a:solidFill>
                   <a:schemeClr val="tx2">
                     <a:lumMod val="75000"/>
@@ -28464,13 +27512,6 @@
               </a:rPr>
               <a:t>services</a:t>
             </a:r>
-            <a:endParaRPr lang="en-GB" sz="1400" dirty="0">
-              <a:solidFill>
-                <a:schemeClr val="tx2">
-                  <a:lumMod val="75000"/>
-                </a:schemeClr>
-              </a:solidFill>
-            </a:endParaRPr>
           </a:p>
         </p:txBody>
       </p:sp>
@@ -28527,7 +27568,7 @@
           <a:p>
             <a:pPr algn="ctr"/>
             <a:r>
-              <a:rPr lang="en-GB" sz="1400" dirty="0" smtClean="0">
+              <a:rPr lang="en-GB" sz="1400" dirty="0">
                 <a:solidFill>
                   <a:schemeClr val="tx2">
                     <a:lumMod val="75000"/>
@@ -28536,13 +27577,6 @@
               </a:rPr>
               <a:t>health</a:t>
             </a:r>
-            <a:endParaRPr lang="en-GB" sz="1400" dirty="0">
-              <a:solidFill>
-                <a:schemeClr val="tx2">
-                  <a:lumMod val="75000"/>
-                </a:schemeClr>
-              </a:solidFill>
-            </a:endParaRPr>
           </a:p>
         </p:txBody>
       </p:sp>
@@ -28599,7 +27633,7 @@
           <a:p>
             <a:pPr algn="ctr"/>
             <a:r>
-              <a:rPr lang="en-GB" sz="1400" dirty="0" smtClean="0">
+              <a:rPr lang="en-GB" sz="1400" dirty="0">
                 <a:solidFill>
                   <a:schemeClr val="tx2">
                     <a:lumMod val="75000"/>
@@ -28608,13 +27642,6 @@
               </a:rPr>
               <a:t>care</a:t>
             </a:r>
-            <a:endParaRPr lang="en-GB" sz="1400" dirty="0">
-              <a:solidFill>
-                <a:schemeClr val="tx2">
-                  <a:lumMod val="75000"/>
-                </a:schemeClr>
-              </a:solidFill>
-            </a:endParaRPr>
           </a:p>
         </p:txBody>
       </p:sp>
@@ -28671,7 +27698,7 @@
           <a:p>
             <a:pPr algn="ctr"/>
             <a:r>
-              <a:rPr lang="en-GB" sz="1400" dirty="0" smtClean="0">
+              <a:rPr lang="en-GB" sz="1400" dirty="0">
                 <a:solidFill>
                   <a:schemeClr val="tx2">
                     <a:lumMod val="75000"/>
@@ -28680,13 +27707,6 @@
               </a:rPr>
               <a:t>services</a:t>
             </a:r>
-            <a:endParaRPr lang="en-GB" sz="1400" dirty="0">
-              <a:solidFill>
-                <a:schemeClr val="tx2">
-                  <a:lumMod val="75000"/>
-                </a:schemeClr>
-              </a:solidFill>
-            </a:endParaRPr>
           </a:p>
         </p:txBody>
       </p:sp>
@@ -28743,7 +27763,7 @@
           <a:p>
             <a:pPr algn="ctr"/>
             <a:r>
-              <a:rPr lang="en-GB" sz="1400" dirty="0" smtClean="0">
+              <a:rPr lang="en-GB" sz="1400" dirty="0">
                 <a:solidFill>
                   <a:schemeClr val="tx2">
                     <a:lumMod val="75000"/>
@@ -28752,13 +27772,6 @@
               </a:rPr>
               <a:t>&amp; mgt</a:t>
             </a:r>
-            <a:endParaRPr lang="en-GB" sz="1400" dirty="0">
-              <a:solidFill>
-                <a:schemeClr val="tx2">
-                  <a:lumMod val="75000"/>
-                </a:schemeClr>
-              </a:solidFill>
-            </a:endParaRPr>
           </a:p>
         </p:txBody>
       </p:sp>
@@ -28815,7 +27828,7 @@
           <a:p>
             <a:pPr algn="ctr"/>
             <a:r>
-              <a:rPr lang="en-GB" sz="1400" dirty="0" smtClean="0">
+              <a:rPr lang="en-GB" sz="1400" dirty="0">
                 <a:solidFill>
                   <a:schemeClr val="tx2">
                     <a:lumMod val="75000"/>
@@ -28824,13 +27837,6 @@
               </a:rPr>
               <a:t>app</a:t>
             </a:r>
-            <a:endParaRPr lang="en-GB" sz="1400" dirty="0">
-              <a:solidFill>
-                <a:schemeClr val="tx2">
-                  <a:lumMod val="75000"/>
-                </a:schemeClr>
-              </a:solidFill>
-            </a:endParaRPr>
           </a:p>
         </p:txBody>
       </p:sp>
@@ -28887,7 +27893,7 @@
           <a:p>
             <a:pPr algn="ctr"/>
             <a:r>
-              <a:rPr lang="en-GB" sz="1400" dirty="0" smtClean="0">
+              <a:rPr lang="en-GB" sz="1400" dirty="0">
                 <a:solidFill>
                   <a:schemeClr val="tx2">
                     <a:lumMod val="75000"/>
@@ -28896,13 +27902,6 @@
               </a:rPr>
               <a:t>app</a:t>
             </a:r>
-            <a:endParaRPr lang="en-GB" sz="1400" dirty="0">
-              <a:solidFill>
-                <a:schemeClr val="tx2">
-                  <a:lumMod val="75000"/>
-                </a:schemeClr>
-              </a:solidFill>
-            </a:endParaRPr>
           </a:p>
         </p:txBody>
       </p:sp>
@@ -28959,7 +27958,7 @@
           <a:p>
             <a:pPr algn="ctr"/>
             <a:r>
-              <a:rPr lang="en-GB" sz="1400" dirty="0" smtClean="0">
+              <a:rPr lang="en-GB" sz="1400" dirty="0">
                 <a:solidFill>
                   <a:schemeClr val="tx2">
                     <a:lumMod val="75000"/>
@@ -28968,13 +27967,6 @@
               </a:rPr>
               <a:t>app</a:t>
             </a:r>
-            <a:endParaRPr lang="en-GB" sz="1400" dirty="0">
-              <a:solidFill>
-                <a:schemeClr val="tx2">
-                  <a:lumMod val="75000"/>
-                </a:schemeClr>
-              </a:solidFill>
-            </a:endParaRPr>
           </a:p>
         </p:txBody>
       </p:sp>
@@ -29031,7 +28023,7 @@
           <a:p>
             <a:pPr algn="ctr"/>
             <a:r>
-              <a:rPr lang="en-GB" sz="1400" dirty="0" smtClean="0">
+              <a:rPr lang="en-GB" sz="1400" dirty="0">
                 <a:solidFill>
                   <a:schemeClr val="tx2">
                     <a:lumMod val="75000"/>
@@ -29040,13 +28032,6 @@
               </a:rPr>
               <a:t>app</a:t>
             </a:r>
-            <a:endParaRPr lang="en-GB" sz="1400" dirty="0">
-              <a:solidFill>
-                <a:schemeClr val="tx2">
-                  <a:lumMod val="75000"/>
-                </a:schemeClr>
-              </a:solidFill>
-            </a:endParaRPr>
           </a:p>
         </p:txBody>
       </p:sp>
@@ -29103,7 +28088,7 @@
           <a:p>
             <a:pPr algn="ctr"/>
             <a:r>
-              <a:rPr lang="en-GB" sz="1400" dirty="0" smtClean="0">
+              <a:rPr lang="en-GB" sz="1400" dirty="0">
                 <a:solidFill>
                   <a:schemeClr val="tx2">
                     <a:lumMod val="75000"/>
@@ -29112,13 +28097,6 @@
               </a:rPr>
               <a:t>app</a:t>
             </a:r>
-            <a:endParaRPr lang="en-GB" sz="1400" dirty="0">
-              <a:solidFill>
-                <a:schemeClr val="tx2">
-                  <a:lumMod val="75000"/>
-                </a:schemeClr>
-              </a:solidFill>
-            </a:endParaRPr>
           </a:p>
         </p:txBody>
       </p:sp>
@@ -29168,7 +28146,7 @@
           <a:p>
             <a:pPr algn="ctr"/>
             <a:r>
-              <a:rPr lang="en-GB" sz="2400" dirty="0" smtClean="0">
+              <a:rPr lang="en-GB" sz="2400" dirty="0">
                 <a:solidFill>
                   <a:schemeClr val="tx2">
                     <a:lumMod val="75000"/>
@@ -29192,13 +28170,6 @@
   <p:clrMapOvr>
     <a:masterClrMapping/>
   </p:clrMapOvr>
-  <p:timing>
-    <p:tnLst>
-      <p:par>
-        <p:cTn id="1" dur="indefinite" restart="never" nodeType="tmRoot"/>
-      </p:par>
-    </p:tnLst>
-  </p:timing>
 </p:sld>
 </file>
 
@@ -31350,7 +30321,9 @@
             <a:avLst/>
           </a:prstGeom>
           <a:solidFill>
-            <a:srgbClr val="FDFDFD"/>
+            <a:schemeClr val="bg1">
+              <a:lumMod val="95000"/>
+            </a:schemeClr>
           </a:solidFill>
           <a:ln>
             <a:noFill/>
@@ -31403,8 +30376,9 @@
             <a:avLst/>
           </a:prstGeom>
           <a:solidFill>
-            <a:schemeClr val="bg1">
-              <a:lumMod val="95000"/>
+            <a:schemeClr val="accent5">
+              <a:lumMod val="20000"/>
+              <a:lumOff val="80000"/>
             </a:schemeClr>
           </a:solidFill>
           <a:ln>
@@ -31467,7 +30441,7 @@
           <a:p>
             <a:pPr algn="ctr"/>
             <a:r>
-              <a:rPr lang="en-GB" sz="2400" b="1" dirty="0" smtClean="0">
+              <a:rPr lang="en-GB" sz="2400" b="1" dirty="0">
                 <a:solidFill>
                   <a:schemeClr val="bg1">
                     <a:lumMod val="65000"/>
@@ -31476,13 +30450,6 @@
               </a:rPr>
               <a:t>User Community</a:t>
             </a:r>
-            <a:endParaRPr lang="en-GB" sz="2400" b="1" dirty="0">
-              <a:solidFill>
-                <a:schemeClr val="bg1">
-                  <a:lumMod val="65000"/>
-                </a:schemeClr>
-              </a:solidFill>
-            </a:endParaRPr>
           </a:p>
         </p:txBody>
       </p:sp>
@@ -31510,7 +30477,7 @@
           <a:p>
             <a:pPr algn="ctr"/>
             <a:r>
-              <a:rPr lang="en-GB" sz="2400" b="1" dirty="0" smtClean="0">
+              <a:rPr lang="en-GB" sz="2400" b="1" dirty="0">
                 <a:solidFill>
                   <a:schemeClr val="bg1">
                     <a:lumMod val="50000"/>
@@ -31519,13 +30486,6 @@
               </a:rPr>
               <a:t>Informal Members</a:t>
             </a:r>
-            <a:endParaRPr lang="en-GB" sz="2400" b="1" dirty="0">
-              <a:solidFill>
-                <a:schemeClr val="bg1">
-                  <a:lumMod val="50000"/>
-                </a:schemeClr>
-              </a:solidFill>
-            </a:endParaRPr>
           </a:p>
         </p:txBody>
       </p:sp>
@@ -31741,8 +30701,8 @@
           </a:custGeom>
           <a:solidFill>
             <a:schemeClr val="accent5">
-              <a:lumMod val="20000"/>
-              <a:lumOff val="80000"/>
+              <a:lumMod val="40000"/>
+              <a:lumOff val="60000"/>
             </a:schemeClr>
           </a:solidFill>
           <a:ln>
@@ -32042,18 +31002,13 @@
           <a:p>
             <a:pPr algn="ctr"/>
             <a:r>
-              <a:rPr lang="en-GB" sz="2400" b="1" dirty="0" smtClean="0">
+              <a:rPr lang="en-GB" sz="2400" b="1" dirty="0">
                 <a:solidFill>
                   <a:srgbClr val="28597A"/>
                 </a:solidFill>
               </a:rPr>
-              <a:t>Individual Members</a:t>
+              <a:t>Subscribing Members</a:t>
             </a:r>
-            <a:endParaRPr lang="en-GB" sz="2400" b="1" dirty="0">
-              <a:solidFill>
-                <a:srgbClr val="28597A"/>
-              </a:solidFill>
-            </a:endParaRPr>
           </a:p>
         </p:txBody>
       </p:sp>
@@ -32412,7 +31367,7 @@
           <a:p>
             <a:pPr algn="ctr"/>
             <a:r>
-              <a:rPr lang="en-GB" sz="2400" b="1" dirty="0" smtClean="0">
+              <a:rPr lang="en-GB" sz="2400" b="1" dirty="0">
                 <a:solidFill>
                   <a:srgbClr val="DE7D47"/>
                 </a:solidFill>
@@ -32423,18 +31378,13 @@
           <a:p>
             <a:pPr algn="ctr"/>
             <a:r>
-              <a:rPr lang="en-GB" sz="2400" b="1" dirty="0" smtClean="0">
+              <a:rPr lang="en-GB" sz="2400" b="1" dirty="0">
                 <a:solidFill>
                   <a:srgbClr val="DE7D47"/>
                 </a:solidFill>
               </a:rPr>
               <a:t>Partners</a:t>
             </a:r>
-            <a:endParaRPr lang="en-GB" sz="2400" b="1" dirty="0">
-              <a:solidFill>
-                <a:srgbClr val="DE7D47"/>
-              </a:solidFill>
-            </a:endParaRPr>
           </a:p>
         </p:txBody>
       </p:sp>
@@ -32446,8 +31396,8 @@
         </p:nvSpPr>
         <p:spPr>
           <a:xfrm>
-            <a:off x="4599614" y="2132856"/>
-            <a:ext cx="1760507" cy="830997"/>
+            <a:off x="4450486" y="2292312"/>
+            <a:ext cx="2132626" cy="830997"/>
           </a:xfrm>
           <a:prstGeom prst="rect">
             <a:avLst/>
@@ -32462,29 +31412,24 @@
           <a:p>
             <a:pPr algn="ctr"/>
             <a:r>
-              <a:rPr lang="en-GB" sz="2400" b="1" dirty="0" smtClean="0">
+              <a:rPr lang="en-GB" sz="2400" b="1" dirty="0">
                 <a:solidFill>
                   <a:srgbClr val="DE7D47"/>
                 </a:solidFill>
               </a:rPr>
-              <a:t>Sponsoring</a:t>
+              <a:t>Organisational</a:t>
             </a:r>
           </a:p>
           <a:p>
             <a:pPr algn="ctr"/>
             <a:r>
-              <a:rPr lang="en-GB" sz="2400" b="1" dirty="0" smtClean="0">
+              <a:rPr lang="en-GB" sz="2400" b="1" dirty="0">
                 <a:solidFill>
                   <a:srgbClr val="DE7D47"/>
                 </a:solidFill>
               </a:rPr>
               <a:t>Partners</a:t>
             </a:r>
-            <a:endParaRPr lang="en-GB" sz="2400" b="1" dirty="0">
-              <a:solidFill>
-                <a:srgbClr val="DE7D47"/>
-              </a:solidFill>
-            </a:endParaRPr>
           </a:p>
         </p:txBody>
       </p:sp>
@@ -32493,13 +31438,6 @@
   <p:clrMapOvr>
     <a:masterClrMapping/>
   </p:clrMapOvr>
-  <p:timing>
-    <p:tnLst>
-      <p:par>
-        <p:cTn id="1" dur="indefinite" restart="never" nodeType="tmRoot"/>
-      </p:par>
-    </p:tnLst>
-  </p:timing>
 </p:sld>
 </file>
 
@@ -32614,7 +31552,7 @@
           <a:p>
             <a:pPr algn="ctr"/>
             <a:r>
-              <a:rPr lang="en-US" sz="1600" b="1" dirty="0" smtClean="0">
+              <a:rPr lang="en-US" sz="1600" b="1" dirty="0">
                 <a:solidFill>
                   <a:srgbClr val="00335F"/>
                 </a:solidFill>
@@ -32625,7 +31563,7 @@
           <a:p>
             <a:pPr algn="ctr"/>
             <a:r>
-              <a:rPr lang="en-US" sz="1600" b="1" dirty="0" smtClean="0">
+              <a:rPr lang="en-US" sz="1600" b="1" dirty="0">
                 <a:solidFill>
                   <a:srgbClr val="00335F"/>
                 </a:solidFill>
@@ -32696,7 +31634,7 @@
           <a:p>
             <a:pPr algn="ctr"/>
             <a:r>
-              <a:rPr lang="en-US" sz="1600" b="1" dirty="0" smtClean="0">
+              <a:rPr lang="en-US" sz="1600" b="1" dirty="0">
                 <a:solidFill>
                   <a:srgbClr val="00335F"/>
                 </a:solidFill>
@@ -32707,7 +31645,7 @@
           <a:p>
             <a:pPr algn="ctr"/>
             <a:r>
-              <a:rPr lang="en-US" sz="1600" b="1" dirty="0" smtClean="0">
+              <a:rPr lang="en-US" sz="1600" b="1" dirty="0">
                 <a:solidFill>
                   <a:srgbClr val="00335F"/>
                 </a:solidFill>
@@ -32778,7 +31716,7 @@
           <a:p>
             <a:pPr algn="ctr"/>
             <a:r>
-              <a:rPr lang="en-US" sz="1600" b="1" dirty="0" smtClean="0">
+              <a:rPr lang="en-US" sz="1600" b="1" dirty="0">
                 <a:solidFill>
                   <a:srgbClr val="00335F"/>
                 </a:solidFill>
@@ -32786,7 +31724,7 @@
               <a:t>Local </a:t>
             </a:r>
             <a:r>
-              <a:rPr lang="en-US" sz="1600" b="1" dirty="0" err="1" smtClean="0">
+              <a:rPr lang="en-US" sz="1600" b="1" dirty="0" err="1">
                 <a:solidFill>
                   <a:srgbClr val="00335F"/>
                 </a:solidFill>
@@ -32794,7 +31732,7 @@
               <a:t>openEHR</a:t>
             </a:r>
             <a:r>
-              <a:rPr lang="en-US" sz="1600" b="1" dirty="0" smtClean="0">
+              <a:rPr lang="en-US" sz="1600" b="1" dirty="0">
                 <a:solidFill>
                   <a:srgbClr val="00335F"/>
                 </a:solidFill>
@@ -32865,7 +31803,7 @@
           <a:p>
             <a:pPr algn="ctr"/>
             <a:r>
-              <a:rPr lang="en-US" sz="1600" b="1" dirty="0" smtClean="0">
+              <a:rPr lang="en-US" sz="1600" b="1" dirty="0">
                 <a:solidFill>
                   <a:srgbClr val="00335F"/>
                 </a:solidFill>
@@ -32873,7 +31811,7 @@
               <a:t>Local </a:t>
             </a:r>
             <a:r>
-              <a:rPr lang="en-US" sz="1600" b="1" dirty="0" err="1" smtClean="0">
+              <a:rPr lang="en-US" sz="1600" b="1" dirty="0" err="1">
                 <a:solidFill>
                   <a:srgbClr val="00335F"/>
                 </a:solidFill>
@@ -32881,7 +31819,7 @@
               <a:t>openEHR</a:t>
             </a:r>
             <a:r>
-              <a:rPr lang="en-US" sz="1600" b="1" dirty="0" smtClean="0">
+              <a:rPr lang="en-US" sz="1600" b="1" dirty="0">
                 <a:solidFill>
                   <a:srgbClr val="00335F"/>
                 </a:solidFill>
@@ -32889,7 +31827,7 @@
               <a:t> Representative(s</a:t>
             </a:r>
             <a:r>
-              <a:rPr lang="en-US" sz="1600" dirty="0" smtClean="0">
+              <a:rPr lang="en-US" sz="1600" dirty="0">
                 <a:solidFill>
                   <a:srgbClr val="00335F"/>
                 </a:solidFill>
@@ -32960,7 +31898,7 @@
           <a:p>
             <a:pPr algn="ctr"/>
             <a:r>
-              <a:rPr lang="en-US" b="1" dirty="0" err="1" smtClean="0">
+              <a:rPr lang="en-US" b="1" dirty="0" err="1">
                 <a:solidFill>
                   <a:srgbClr val="00335F"/>
                 </a:solidFill>
@@ -32968,7 +31906,7 @@
               <a:t>Localisation</a:t>
             </a:r>
             <a:r>
-              <a:rPr lang="en-US" b="1" dirty="0" smtClean="0">
+              <a:rPr lang="en-US" b="1" dirty="0">
                 <a:solidFill>
                   <a:srgbClr val="00335F"/>
                 </a:solidFill>
@@ -32979,7 +31917,7 @@
           <a:p>
             <a:pPr algn="ctr"/>
             <a:r>
-              <a:rPr lang="en-US" b="1" dirty="0" smtClean="0">
+              <a:rPr lang="en-US" b="1" dirty="0">
                 <a:solidFill>
                   <a:srgbClr val="00335F"/>
                 </a:solidFill>
@@ -32990,7 +31928,7 @@
           <a:p>
             <a:pPr algn="ctr"/>
             <a:r>
-              <a:rPr lang="en-US" b="1" dirty="0" smtClean="0">
+              <a:rPr lang="en-US" b="1" dirty="0">
                 <a:solidFill>
                   <a:srgbClr val="00335F"/>
                 </a:solidFill>
@@ -33061,7 +31999,7 @@
           <a:p>
             <a:pPr algn="ctr"/>
             <a:r>
-              <a:rPr lang="en-US" sz="1600" b="1" dirty="0" smtClean="0">
+              <a:rPr lang="en-US" sz="1600" b="1" dirty="0">
                 <a:solidFill>
                   <a:srgbClr val="00335F"/>
                 </a:solidFill>
@@ -33069,7 +32007,7 @@
               <a:t>Local </a:t>
             </a:r>
             <a:r>
-              <a:rPr lang="en-US" sz="1600" b="1" dirty="0" err="1" smtClean="0">
+              <a:rPr lang="en-US" sz="1600" b="1" dirty="0" err="1">
                 <a:solidFill>
                   <a:srgbClr val="00335F"/>
                 </a:solidFill>
@@ -33077,7 +32015,7 @@
               <a:t>openEHR</a:t>
             </a:r>
             <a:r>
-              <a:rPr lang="en-US" sz="1600" b="1" dirty="0" smtClean="0">
+              <a:rPr lang="en-US" sz="1600" b="1" dirty="0">
                 <a:solidFill>
                   <a:srgbClr val="00335F"/>
                 </a:solidFill>
@@ -33148,7 +32086,7 @@
           <a:p>
             <a:pPr algn="ctr"/>
             <a:r>
-              <a:rPr lang="en-US" sz="1600" b="1" dirty="0" smtClean="0">
+              <a:rPr lang="en-US" sz="1600" b="1" dirty="0">
                 <a:solidFill>
                   <a:srgbClr val="00335F"/>
                 </a:solidFill>
@@ -33159,7 +32097,7 @@
           <a:p>
             <a:pPr algn="ctr"/>
             <a:r>
-              <a:rPr lang="en-US" sz="1600" b="1" dirty="0" smtClean="0">
+              <a:rPr lang="en-US" sz="1600" b="1" dirty="0">
                 <a:solidFill>
                   <a:srgbClr val="00335F"/>
                 </a:solidFill>
@@ -33230,7 +32168,7 @@
           <a:p>
             <a:pPr algn="ctr"/>
             <a:r>
-              <a:rPr lang="en-US" b="1" dirty="0" smtClean="0">
+              <a:rPr lang="en-US" b="1" dirty="0">
                 <a:solidFill>
                   <a:srgbClr val="00335F"/>
                 </a:solidFill>
@@ -33270,7 +32208,7 @@
               <a:buChar char="•"/>
             </a:pPr>
             <a:r>
-              <a:rPr lang="en-US" sz="1400" dirty="0" smtClean="0"/>
+              <a:rPr lang="en-US" sz="1400" dirty="0"/>
               <a:t> Up to 2 elected co-chairs (2y)</a:t>
             </a:r>
           </a:p>
@@ -33283,7 +32221,7 @@
               <a:buChar char="•"/>
             </a:pPr>
             <a:r>
-              <a:rPr lang="en-US" sz="1400" dirty="0" smtClean="0"/>
+              <a:rPr lang="en-US" sz="1400" dirty="0"/>
               <a:t> 1 member from each CMG and SAG (2y)</a:t>
             </a:r>
           </a:p>
@@ -33296,10 +32234,9 @@
               <a:buChar char="•"/>
             </a:pPr>
             <a:r>
-              <a:rPr lang="en-US" sz="1400" dirty="0" smtClean="0"/>
+              <a:rPr lang="en-US" sz="1400" dirty="0"/>
               <a:t> Size: min 5, max 9 members</a:t>
             </a:r>
-            <a:endParaRPr lang="en-US" sz="1400" dirty="0"/>
           </a:p>
         </p:txBody>
       </p:sp>
@@ -33327,14 +32264,13 @@
           <a:p>
             <a:pPr algn="ctr"/>
             <a:r>
-              <a:rPr lang="en-US" sz="2400" dirty="0" err="1" smtClean="0"/>
+              <a:rPr lang="en-US" sz="2400" dirty="0" err="1"/>
               <a:t>Localisation</a:t>
             </a:r>
             <a:r>
-              <a:rPr lang="en-US" sz="2400" dirty="0" smtClean="0"/>
+              <a:rPr lang="en-US" sz="2400" dirty="0"/>
               <a:t> Program</a:t>
             </a:r>
-            <a:endParaRPr lang="en-US" sz="2400" dirty="0"/>
           </a:p>
         </p:txBody>
       </p:sp>
@@ -33368,7 +32304,7 @@
               <a:buChar char="•"/>
             </a:pPr>
             <a:r>
-              <a:rPr lang="en-US" sz="1400" dirty="0" smtClean="0"/>
+              <a:rPr lang="en-US" sz="1400" dirty="0"/>
               <a:t> Elected based on criteria</a:t>
             </a:r>
           </a:p>
@@ -33381,7 +32317,7 @@
               <a:buChar char="•"/>
             </a:pPr>
             <a:r>
-              <a:rPr lang="en-US" sz="1400" dirty="0" smtClean="0"/>
+              <a:rPr lang="en-US" sz="1400" dirty="0"/>
               <a:t> No time or size limit</a:t>
             </a:r>
           </a:p>
@@ -34103,7 +33039,7 @@
           <a:p>
             <a:pPr algn="ctr"/>
             <a:r>
-              <a:rPr lang="en-US" sz="1400" dirty="0" smtClean="0"/>
+              <a:rPr lang="en-US" sz="1400" dirty="0"/>
               <a:t>Country A</a:t>
             </a:r>
           </a:p>
@@ -34133,7 +33069,7 @@
           <a:p>
             <a:pPr algn="ctr"/>
             <a:r>
-              <a:rPr lang="en-US" sz="1400" dirty="0" smtClean="0"/>
+              <a:rPr lang="en-US" sz="1400" dirty="0"/>
               <a:t>Country B</a:t>
             </a:r>
           </a:p>
@@ -34163,7 +33099,7 @@
           <a:p>
             <a:pPr algn="ctr"/>
             <a:r>
-              <a:rPr lang="en-US" sz="1400" dirty="0" smtClean="0"/>
+              <a:rPr lang="en-US" sz="1400" dirty="0"/>
               <a:t>Country C</a:t>
             </a:r>
           </a:p>
@@ -34226,7 +33162,7 @@
           <a:p>
             <a:pPr algn="ctr"/>
             <a:r>
-              <a:rPr lang="en-US" sz="1400" dirty="0" smtClean="0">
+              <a:rPr lang="en-US" sz="1400" dirty="0">
                 <a:solidFill>
                   <a:schemeClr val="accent6">
                     <a:lumMod val="75000"/>
@@ -34238,7 +33174,7 @@
           </a:p>
           <a:p>
             <a:r>
-              <a:rPr lang="en-US" sz="1400" dirty="0" err="1" smtClean="0">
+              <a:rPr lang="en-US" sz="1400" dirty="0" err="1">
                 <a:solidFill>
                   <a:schemeClr val="accent6">
                     <a:lumMod val="75000"/>
@@ -34247,7 +33183,7 @@
               </a:rPr>
               <a:t>Organisation</a:t>
             </a:r>
-            <a:endParaRPr lang="en-US" sz="1400" dirty="0" smtClean="0">
+            <a:endParaRPr lang="en-US" sz="1400" dirty="0">
               <a:solidFill>
                 <a:schemeClr val="accent6">
                   <a:lumMod val="75000"/>
@@ -34287,15 +33223,15 @@
               <a:buChar char="•"/>
             </a:pPr>
             <a:r>
-              <a:rPr lang="en-US" sz="1100" dirty="0" smtClean="0"/>
+              <a:rPr lang="en-US" sz="1100" dirty="0"/>
               <a:t> Legal entities designated by </a:t>
             </a:r>
             <a:r>
-              <a:rPr lang="en-US" sz="1100" dirty="0" err="1" smtClean="0"/>
+              <a:rPr lang="en-US" sz="1100" dirty="0" err="1"/>
               <a:t>openEHR</a:t>
             </a:r>
             <a:r>
-              <a:rPr lang="en-US" sz="1100" dirty="0" smtClean="0"/>
+              <a:rPr lang="en-US" sz="1100" dirty="0"/>
               <a:t> Board</a:t>
             </a:r>
           </a:p>
@@ -34308,23 +33244,23 @@
               <a:buChar char="•"/>
             </a:pPr>
             <a:r>
-              <a:rPr lang="en-US" sz="1100" dirty="0" smtClean="0"/>
+              <a:rPr lang="en-US" sz="1100" dirty="0"/>
               <a:t> New </a:t>
             </a:r>
             <a:r>
-              <a:rPr lang="en-US" sz="1100" dirty="0" err="1" smtClean="0"/>
+              <a:rPr lang="en-US" sz="1100" dirty="0" err="1"/>
               <a:t>organisations</a:t>
             </a:r>
             <a:r>
-              <a:rPr lang="en-US" sz="1100" dirty="0" smtClean="0"/>
+              <a:rPr lang="en-US" sz="1100" dirty="0"/>
               <a:t> or part of existing relevant </a:t>
             </a:r>
             <a:r>
-              <a:rPr lang="en-US" sz="1100" dirty="0" err="1" smtClean="0"/>
+              <a:rPr lang="en-US" sz="1100" dirty="0" err="1"/>
               <a:t>organisation</a:t>
             </a:r>
             <a:r>
-              <a:rPr lang="en-US" sz="1100" dirty="0" smtClean="0"/>
+              <a:rPr lang="en-US" sz="1100" dirty="0"/>
               <a:t> (e.g. HL7 affiliates, health informatics associations etc.)</a:t>
             </a:r>
           </a:p>
@@ -34360,7 +33296,7 @@
               <a:buChar char="•"/>
             </a:pPr>
             <a:r>
-              <a:rPr lang="en-US" sz="1100" dirty="0" smtClean="0"/>
+              <a:rPr lang="en-US" sz="1100" dirty="0"/>
               <a:t> Nominated by LPC</a:t>
             </a:r>
           </a:p>
@@ -34373,15 +33309,15 @@
               <a:buChar char="•"/>
             </a:pPr>
             <a:r>
-              <a:rPr lang="en-US" sz="1100" dirty="0" smtClean="0"/>
+              <a:rPr lang="en-US" sz="1100" dirty="0"/>
               <a:t> Appointed by </a:t>
             </a:r>
             <a:r>
-              <a:rPr lang="en-US" sz="1100" dirty="0" err="1" smtClean="0"/>
+              <a:rPr lang="en-US" sz="1100" dirty="0" err="1"/>
               <a:t>openEHR</a:t>
             </a:r>
             <a:r>
-              <a:rPr lang="en-US" sz="1100" dirty="0" smtClean="0"/>
+              <a:rPr lang="en-US" sz="1100" dirty="0"/>
               <a:t> Board</a:t>
             </a:r>
           </a:p>
@@ -34394,14 +33330,14 @@
               <a:buChar char="•"/>
             </a:pPr>
             <a:r>
-              <a:rPr lang="en-US" sz="1100" dirty="0" smtClean="0"/>
+              <a:rPr lang="en-US" sz="1100" dirty="0"/>
               <a:t> One or more </a:t>
             </a:r>
             <a:r>
-              <a:rPr lang="en-US" sz="1100" dirty="0" err="1" smtClean="0"/>
+              <a:rPr lang="en-US" sz="1100" dirty="0" err="1"/>
               <a:t>reprsentatives</a:t>
             </a:r>
-            <a:endParaRPr lang="en-US" sz="1100" dirty="0" smtClean="0"/>
+            <a:endParaRPr lang="en-US" sz="1100" dirty="0"/>
           </a:p>
         </p:txBody>
       </p:sp>
@@ -34435,7 +33371,7 @@
               <a:buChar char="•"/>
             </a:pPr>
             <a:r>
-              <a:rPr lang="en-US" sz="1100" dirty="0" smtClean="0"/>
+              <a:rPr lang="en-US" sz="1100" dirty="0"/>
               <a:t> Nominated by LPC</a:t>
             </a:r>
           </a:p>
@@ -34448,15 +33384,15 @@
               <a:buChar char="•"/>
             </a:pPr>
             <a:r>
-              <a:rPr lang="en-US" sz="1100" dirty="0" smtClean="0"/>
+              <a:rPr lang="en-US" sz="1100" dirty="0"/>
               <a:t> Appointed by </a:t>
             </a:r>
             <a:r>
-              <a:rPr lang="en-US" sz="1100" dirty="0" err="1" smtClean="0"/>
+              <a:rPr lang="en-US" sz="1100" dirty="0" err="1"/>
               <a:t>openEHR</a:t>
             </a:r>
             <a:r>
-              <a:rPr lang="en-US" sz="1100" dirty="0" smtClean="0"/>
+              <a:rPr lang="en-US" sz="1100" dirty="0"/>
               <a:t> Board</a:t>
             </a:r>
           </a:p>
@@ -34469,14 +33405,14 @@
               <a:buChar char="•"/>
             </a:pPr>
             <a:r>
-              <a:rPr lang="en-US" sz="1100" dirty="0" smtClean="0"/>
+              <a:rPr lang="en-US" sz="1100" dirty="0"/>
               <a:t> One or more </a:t>
             </a:r>
             <a:r>
-              <a:rPr lang="en-US" sz="1100" dirty="0" err="1" smtClean="0"/>
+              <a:rPr lang="en-US" sz="1100" dirty="0" err="1"/>
               <a:t>reprsentatives</a:t>
             </a:r>
-            <a:endParaRPr lang="en-US" sz="1100" dirty="0" smtClean="0"/>
+            <a:endParaRPr lang="en-US" sz="1100" dirty="0"/>
           </a:p>
         </p:txBody>
       </p:sp>
@@ -34485,13 +33421,6 @@
   <p:clrMapOvr>
     <a:masterClrMapping/>
   </p:clrMapOvr>
-  <p:timing>
-    <p:tnLst>
-      <p:par>
-        <p:cTn id="1" dur="indefinite" restart="never" nodeType="tmRoot"/>
-      </p:par>
-    </p:tnLst>
-  </p:timing>
 </p:sld>
 </file>
 
@@ -34573,7 +33502,7 @@
           <a:p>
             <a:pPr algn="ctr"/>
             <a:r>
-              <a:rPr lang="en-US" b="1" dirty="0" smtClean="0">
+              <a:rPr lang="en-US" b="1" dirty="0">
                 <a:solidFill>
                   <a:srgbClr val="00335F"/>
                 </a:solidFill>
@@ -34584,7 +33513,7 @@
           <a:p>
             <a:pPr algn="ctr"/>
             <a:r>
-              <a:rPr lang="en-US" i="1" dirty="0" smtClean="0">
+              <a:rPr lang="en-US" i="1" dirty="0">
                 <a:solidFill>
                   <a:srgbClr val="00335F"/>
                 </a:solidFill>
@@ -34655,7 +33584,7 @@
           <a:p>
             <a:pPr algn="ctr"/>
             <a:r>
-              <a:rPr lang="en-US" b="1" dirty="0" smtClean="0">
+              <a:rPr lang="en-US" b="1" dirty="0">
                 <a:solidFill>
                   <a:srgbClr val="00335F"/>
                 </a:solidFill>
@@ -34666,7 +33595,7 @@
           <a:p>
             <a:pPr algn="ctr"/>
             <a:r>
-              <a:rPr lang="en-US" i="1" dirty="0" smtClean="0">
+              <a:rPr lang="en-US" i="1" dirty="0">
                 <a:solidFill>
                   <a:srgbClr val="00335F"/>
                 </a:solidFill>
@@ -34737,7 +33666,7 @@
           <a:p>
             <a:pPr algn="ctr"/>
             <a:r>
-              <a:rPr lang="en-US" b="1" dirty="0" smtClean="0">
+              <a:rPr lang="en-US" b="1" dirty="0">
                 <a:solidFill>
                   <a:srgbClr val="00335F"/>
                 </a:solidFill>
@@ -34748,7 +33677,7 @@
           <a:p>
             <a:pPr algn="ctr"/>
             <a:r>
-              <a:rPr lang="en-US" i="1" dirty="0" smtClean="0">
+              <a:rPr lang="en-US" i="1" dirty="0">
                 <a:solidFill>
                   <a:srgbClr val="00335F"/>
                 </a:solidFill>
@@ -34819,7 +33748,7 @@
           <a:p>
             <a:pPr algn="ctr"/>
             <a:r>
-              <a:rPr lang="en-US" b="1" dirty="0" smtClean="0">
+              <a:rPr lang="en-US" b="1" dirty="0">
                 <a:solidFill>
                   <a:srgbClr val="00335F"/>
                 </a:solidFill>
@@ -34830,7 +33759,7 @@
           <a:p>
             <a:pPr algn="ctr"/>
             <a:r>
-              <a:rPr lang="en-US" i="1" dirty="0" smtClean="0">
+              <a:rPr lang="en-US" i="1" dirty="0">
                 <a:solidFill>
                   <a:srgbClr val="00335F"/>
                 </a:solidFill>
@@ -34901,7 +33830,7 @@
           <a:p>
             <a:pPr algn="ctr"/>
             <a:r>
-              <a:rPr lang="en-US" b="1" dirty="0" smtClean="0">
+              <a:rPr lang="en-US" b="1" dirty="0">
                 <a:solidFill>
                   <a:srgbClr val="00335F"/>
                 </a:solidFill>
@@ -34912,7 +33841,7 @@
           <a:p>
             <a:pPr algn="ctr"/>
             <a:r>
-              <a:rPr lang="en-US" i="1" dirty="0" smtClean="0">
+              <a:rPr lang="en-US" i="1" dirty="0">
                 <a:solidFill>
                   <a:srgbClr val="00335F"/>
                 </a:solidFill>
@@ -34983,7 +33912,7 @@
           <a:p>
             <a:pPr algn="ctr"/>
             <a:r>
-              <a:rPr lang="en-US" b="1" dirty="0" smtClean="0">
+              <a:rPr lang="en-US" b="1" dirty="0">
                 <a:solidFill>
                   <a:srgbClr val="00335F"/>
                 </a:solidFill>
@@ -34994,7 +33923,7 @@
           <a:p>
             <a:pPr algn="ctr"/>
             <a:r>
-              <a:rPr lang="en-US" i="1" dirty="0" smtClean="0">
+              <a:rPr lang="en-US" i="1" dirty="0">
                 <a:solidFill>
                   <a:srgbClr val="00335F"/>
                 </a:solidFill>
@@ -35065,7 +33994,7 @@
           <a:p>
             <a:pPr algn="ctr"/>
             <a:r>
-              <a:rPr lang="en-US" b="1" dirty="0" smtClean="0">
+              <a:rPr lang="en-US" b="1" dirty="0">
                 <a:solidFill>
                   <a:srgbClr val="00335F"/>
                 </a:solidFill>
@@ -35076,7 +34005,7 @@
           <a:p>
             <a:pPr algn="ctr"/>
             <a:r>
-              <a:rPr lang="en-US" b="1" dirty="0" smtClean="0">
+              <a:rPr lang="en-US" b="1" dirty="0">
                 <a:solidFill>
                   <a:srgbClr val="00335F"/>
                 </a:solidFill>
@@ -35147,7 +34076,7 @@
           <a:p>
             <a:pPr algn="ctr"/>
             <a:r>
-              <a:rPr lang="en-US" b="1" dirty="0" smtClean="0">
+              <a:rPr lang="en-US" b="1" dirty="0">
                 <a:solidFill>
                   <a:srgbClr val="00335F"/>
                 </a:solidFill>
@@ -35158,7 +34087,7 @@
           <a:p>
             <a:pPr algn="ctr"/>
             <a:r>
-              <a:rPr lang="en-US" i="1" dirty="0" smtClean="0">
+              <a:rPr lang="en-US" i="1" dirty="0">
                 <a:solidFill>
                   <a:srgbClr val="00335F"/>
                 </a:solidFill>
@@ -35262,7 +34191,7 @@
           <a:p>
             <a:pPr algn="ctr"/>
             <a:r>
-              <a:rPr lang="en-US" b="1" dirty="0" smtClean="0">
+              <a:rPr lang="en-US" b="1" dirty="0">
                 <a:solidFill>
                   <a:srgbClr val="00335F"/>
                 </a:solidFill>
@@ -35273,7 +34202,7 @@
           <a:p>
             <a:pPr algn="ctr"/>
             <a:r>
-              <a:rPr lang="en-US" i="1" dirty="0" smtClean="0">
+              <a:rPr lang="en-US" i="1" dirty="0">
                 <a:solidFill>
                   <a:srgbClr val="00335F"/>
                 </a:solidFill>
@@ -35376,7 +34305,7 @@
           <a:p>
             <a:pPr algn="ctr"/>
             <a:r>
-              <a:rPr lang="en-US" b="1" dirty="0" smtClean="0">
+              <a:rPr lang="en-US" b="1" dirty="0">
                 <a:solidFill>
                   <a:srgbClr val="00335F"/>
                 </a:solidFill>
@@ -35387,7 +34316,7 @@
           <a:p>
             <a:pPr algn="ctr"/>
             <a:r>
-              <a:rPr lang="en-US" i="1" dirty="0" smtClean="0">
+              <a:rPr lang="en-US" i="1" dirty="0">
                 <a:solidFill>
                   <a:srgbClr val="00335F"/>
                 </a:solidFill>
@@ -35460,7 +34389,7 @@
               <a:buChar char="•"/>
             </a:pPr>
             <a:r>
-              <a:rPr lang="en-US" sz="1400" dirty="0" smtClean="0"/>
+              <a:rPr lang="en-US" sz="1400" dirty="0"/>
               <a:t> Maintain core specification components</a:t>
             </a:r>
           </a:p>
@@ -35473,7 +34402,7 @@
               <a:buChar char="•"/>
             </a:pPr>
             <a:r>
-              <a:rPr lang="en-US" sz="1400" dirty="0" smtClean="0"/>
+              <a:rPr lang="en-US" sz="1400" dirty="0"/>
               <a:t> Minimum 3 members</a:t>
             </a:r>
           </a:p>
@@ -35486,10 +34415,9 @@
               <a:buChar char="•"/>
             </a:pPr>
             <a:r>
-              <a:rPr lang="en-US" sz="1400" dirty="0" smtClean="0"/>
+              <a:rPr lang="en-US" sz="1400" dirty="0"/>
               <a:t> Entry by Program vote</a:t>
             </a:r>
-            <a:endParaRPr lang="en-US" sz="1400" dirty="0"/>
           </a:p>
         </p:txBody>
       </p:sp>
@@ -35523,7 +34451,7 @@
               <a:buChar char="•"/>
             </a:pPr>
             <a:r>
-              <a:rPr lang="en-US" sz="1400" dirty="0" smtClean="0"/>
+              <a:rPr lang="en-US" sz="1400" dirty="0"/>
               <a:t> Maintain other components</a:t>
             </a:r>
           </a:p>
@@ -35536,7 +34464,7 @@
               <a:buChar char="•"/>
             </a:pPr>
             <a:r>
-              <a:rPr lang="en-US" sz="1400" dirty="0" smtClean="0"/>
+              <a:rPr lang="en-US" sz="1400" dirty="0"/>
               <a:t> Minimum 1 member</a:t>
             </a:r>
           </a:p>
@@ -35549,10 +34477,9 @@
               <a:buChar char="•"/>
             </a:pPr>
             <a:r>
-              <a:rPr lang="en-US" sz="1400" dirty="0" smtClean="0"/>
+              <a:rPr lang="en-US" sz="1400" dirty="0"/>
               <a:t> Entry by Program vote</a:t>
             </a:r>
-            <a:endParaRPr lang="en-US" sz="1400" dirty="0"/>
           </a:p>
         </p:txBody>
       </p:sp>
@@ -35586,7 +34513,7 @@
               <a:buChar char="•"/>
             </a:pPr>
             <a:r>
-              <a:rPr lang="en-US" sz="1400" dirty="0" smtClean="0"/>
+              <a:rPr lang="en-US" sz="1400" dirty="0"/>
               <a:t> Advise on standards</a:t>
             </a:r>
           </a:p>
@@ -35599,7 +34526,7 @@
               <a:buChar char="•"/>
             </a:pPr>
             <a:r>
-              <a:rPr lang="en-US" sz="1400" dirty="0" smtClean="0"/>
+              <a:rPr lang="en-US" sz="1400" dirty="0"/>
               <a:t> Liaise with SDOs</a:t>
             </a:r>
           </a:p>
@@ -35612,7 +34539,7 @@
               <a:buChar char="•"/>
             </a:pPr>
             <a:r>
-              <a:rPr lang="en-US" sz="1400" dirty="0" smtClean="0"/>
+              <a:rPr lang="en-US" sz="1400" dirty="0"/>
               <a:t> Minimum 1 member</a:t>
             </a:r>
           </a:p>
@@ -35625,10 +34552,9 @@
               <a:buChar char="•"/>
             </a:pPr>
             <a:r>
-              <a:rPr lang="en-US" sz="1400" dirty="0" smtClean="0"/>
+              <a:rPr lang="en-US" sz="1400" dirty="0"/>
               <a:t>Entry by Program vote</a:t>
             </a:r>
-            <a:endParaRPr lang="en-US" sz="1400" dirty="0"/>
           </a:p>
         </p:txBody>
       </p:sp>
@@ -35656,10 +34582,9 @@
           <a:p>
             <a:pPr algn="ctr"/>
             <a:r>
-              <a:rPr lang="en-US" sz="2400" dirty="0" smtClean="0"/>
+              <a:rPr lang="en-US" sz="2400" dirty="0"/>
               <a:t>Specification Program</a:t>
             </a:r>
-            <a:endParaRPr lang="en-US" sz="2400" dirty="0"/>
           </a:p>
         </p:txBody>
       </p:sp>
@@ -35693,7 +34618,7 @@
               <a:buChar char="•"/>
             </a:pPr>
             <a:r>
-              <a:rPr lang="en-US" sz="1400" dirty="0" smtClean="0"/>
+              <a:rPr lang="en-US" sz="1400" dirty="0"/>
               <a:t> Up to 3 elected co-chairs (2y)</a:t>
             </a:r>
           </a:p>
@@ -35706,7 +34631,7 @@
               <a:buChar char="•"/>
             </a:pPr>
             <a:r>
-              <a:rPr lang="en-US" sz="1400" dirty="0" smtClean="0"/>
+              <a:rPr lang="en-US" sz="1400" dirty="0"/>
               <a:t> 1 member from each CMG and SAG (2y)</a:t>
             </a:r>
           </a:p>
@@ -35719,10 +34644,9 @@
               <a:buChar char="•"/>
             </a:pPr>
             <a:r>
-              <a:rPr lang="en-US" sz="1400" dirty="0" smtClean="0"/>
+              <a:rPr lang="en-US" sz="1400" dirty="0"/>
               <a:t> Size: min 8 members</a:t>
             </a:r>
-            <a:endParaRPr lang="en-US" sz="1400" dirty="0"/>
           </a:p>
         </p:txBody>
       </p:sp>
@@ -35731,13 +34655,6 @@
   <p:clrMapOvr>
     <a:masterClrMapping/>
   </p:clrMapOvr>
-  <p:timing>
-    <p:tnLst>
-      <p:par>
-        <p:cTn id="1" dur="indefinite" restart="never" nodeType="tmRoot"/>
-      </p:par>
-    </p:tnLst>
-  </p:timing>
 </p:sld>
 </file>
 
@@ -35821,7 +34738,7 @@
           <a:p>
             <a:pPr algn="ctr"/>
             <a:r>
-              <a:rPr lang="en-US" b="1" dirty="0" smtClean="0">
+              <a:rPr lang="en-US" b="1" dirty="0">
                 <a:solidFill>
                   <a:srgbClr val="00335F"/>
                 </a:solidFill>
@@ -35900,7 +34817,7 @@
           <a:p>
             <a:pPr algn="ctr"/>
             <a:r>
-              <a:rPr lang="en-US" sz="1600" b="1" dirty="0" smtClean="0">
+              <a:rPr lang="en-US" sz="1600" b="1" dirty="0">
                 <a:solidFill>
                   <a:srgbClr val="00335F"/>
                 </a:solidFill>
@@ -35934,10 +34851,9 @@
           <a:p>
             <a:pPr algn="ctr"/>
             <a:r>
-              <a:rPr lang="en-US" sz="2400" dirty="0" smtClean="0"/>
+              <a:rPr lang="en-US" sz="2400" dirty="0"/>
               <a:t>Specification Program</a:t>
             </a:r>
-            <a:endParaRPr lang="en-US" sz="2400" dirty="0"/>
           </a:p>
         </p:txBody>
       </p:sp>
@@ -35969,7 +34885,7 @@
               </a:spcAft>
             </a:pPr>
             <a:r>
-              <a:rPr lang="en-US" sz="1600" dirty="0" smtClean="0">
+              <a:rPr lang="en-US" sz="1600" dirty="0">
                 <a:solidFill>
                   <a:schemeClr val="bg1">
                     <a:lumMod val="65000"/>
@@ -35986,15 +34902,22 @@
               </a:spcAft>
             </a:pPr>
             <a:r>
-              <a:rPr lang="en-US" sz="1600" dirty="0" smtClean="0">
+              <a:rPr lang="en-US" sz="1600" dirty="0">
                 <a:solidFill>
                   <a:schemeClr val="bg1">
                     <a:lumMod val="65000"/>
                   </a:schemeClr>
                 </a:solidFill>
               </a:rPr>
-              <a:t>= </a:t>
+              <a:t>= SEC member</a:t>
             </a:r>
+          </a:p>
+          <a:p>
+            <a:pPr>
+              <a:spcAft>
+                <a:spcPts val="300"/>
+              </a:spcAft>
+            </a:pPr>
             <a:r>
               <a:rPr lang="en-US" sz="1600" dirty="0">
                 <a:solidFill>
@@ -36003,15 +34926,8 @@
                   </a:schemeClr>
                 </a:solidFill>
               </a:rPr>
-              <a:t>SEC member</a:t>
+              <a:t>= SEC Component Maintainer</a:t>
             </a:r>
-            <a:endParaRPr lang="en-US" sz="1600" dirty="0" smtClean="0">
-              <a:solidFill>
-                <a:schemeClr val="bg1">
-                  <a:lumMod val="65000"/>
-                </a:schemeClr>
-              </a:solidFill>
-            </a:endParaRPr>
           </a:p>
           <a:p>
             <a:pPr>
@@ -36020,24 +34936,7 @@
               </a:spcAft>
             </a:pPr>
             <a:r>
-              <a:rPr lang="en-US" sz="1600" dirty="0" smtClean="0">
-                <a:solidFill>
-                  <a:schemeClr val="bg1">
-                    <a:lumMod val="65000"/>
-                  </a:schemeClr>
-                </a:solidFill>
-              </a:rPr>
-              <a:t>= SEC Component Maintainer</a:t>
-            </a:r>
-          </a:p>
-          <a:p>
-            <a:pPr>
-              <a:spcAft>
-                <a:spcPts val="300"/>
-              </a:spcAft>
-            </a:pPr>
-            <a:r>
-              <a:rPr lang="en-US" sz="1600" dirty="0" smtClean="0">
+              <a:rPr lang="en-US" sz="1600" dirty="0">
                 <a:solidFill>
                   <a:schemeClr val="bg1">
                     <a:lumMod val="65000"/>
@@ -36054,7 +34953,7 @@
               </a:spcAft>
             </a:pPr>
             <a:r>
-              <a:rPr lang="en-US" sz="1600" dirty="0" smtClean="0">
+              <a:rPr lang="en-US" sz="1600" dirty="0">
                 <a:solidFill>
                   <a:schemeClr val="bg1">
                     <a:lumMod val="65000"/>
@@ -36071,7 +34970,7 @@
               </a:spcAft>
             </a:pPr>
             <a:r>
-              <a:rPr lang="en-US" sz="1600" dirty="0" smtClean="0">
+              <a:rPr lang="en-US" sz="1600" dirty="0">
                 <a:solidFill>
                   <a:schemeClr val="bg1">
                     <a:lumMod val="65000"/>
@@ -36152,7 +35051,7 @@
           <a:p>
             <a:pPr algn="ctr"/>
             <a:r>
-              <a:rPr lang="en-US" sz="1600" b="1" dirty="0" smtClean="0">
+              <a:rPr lang="en-US" sz="1600" b="1" dirty="0">
                 <a:solidFill>
                   <a:srgbClr val="00335F"/>
                 </a:solidFill>
@@ -36231,7 +35130,7 @@
           <a:p>
             <a:pPr algn="ctr"/>
             <a:r>
-              <a:rPr lang="en-US" sz="1600" b="1" dirty="0" smtClean="0">
+              <a:rPr lang="en-US" sz="1600" b="1" dirty="0">
                 <a:solidFill>
                   <a:srgbClr val="00335F"/>
                 </a:solidFill>
@@ -36308,7 +35207,7 @@
           <a:p>
             <a:pPr algn="ctr"/>
             <a:r>
-              <a:rPr lang="en-US" sz="1600" b="1" dirty="0" smtClean="0">
+              <a:rPr lang="en-US" sz="1600" b="1" dirty="0">
                 <a:solidFill>
                   <a:srgbClr val="00335F"/>
                 </a:solidFill>
@@ -36387,7 +35286,7 @@
           <a:p>
             <a:pPr algn="ctr"/>
             <a:r>
-              <a:rPr lang="en-US" sz="1600" b="1" dirty="0" smtClean="0">
+              <a:rPr lang="en-US" sz="1600" b="1" dirty="0">
                 <a:solidFill>
                   <a:srgbClr val="00335F"/>
                 </a:solidFill>
@@ -36466,7 +35365,7 @@
           <a:p>
             <a:pPr algn="ctr"/>
             <a:r>
-              <a:rPr lang="en-US" sz="1600" b="1" dirty="0" smtClean="0">
+              <a:rPr lang="en-US" sz="1600" b="1" dirty="0">
                 <a:solidFill>
                   <a:srgbClr val="00335F"/>
                 </a:solidFill>
@@ -36545,7 +35444,7 @@
           <a:p>
             <a:pPr algn="ctr"/>
             <a:r>
-              <a:rPr lang="en-US" sz="1600" b="1" dirty="0" smtClean="0">
+              <a:rPr lang="en-US" sz="1600" b="1" dirty="0">
                 <a:solidFill>
                   <a:srgbClr val="00335F"/>
                 </a:solidFill>
@@ -36624,7 +35523,7 @@
           <a:p>
             <a:pPr algn="ctr"/>
             <a:r>
-              <a:rPr lang="en-US" sz="1600" b="1" dirty="0" smtClean="0">
+              <a:rPr lang="en-US" sz="1600" b="1" dirty="0">
                 <a:solidFill>
                   <a:srgbClr val="00335F"/>
                 </a:solidFill>
@@ -40485,18 +39384,13 @@
           <a:p>
             <a:pPr algn="ctr"/>
             <a:r>
-              <a:rPr lang="en-GB" dirty="0" smtClean="0">
+              <a:rPr lang="en-GB" dirty="0">
                 <a:solidFill>
                   <a:srgbClr val="002060"/>
                 </a:solidFill>
               </a:rPr>
               <a:t>CRs</a:t>
             </a:r>
-            <a:endParaRPr lang="en-GB" dirty="0">
-              <a:solidFill>
-                <a:srgbClr val="002060"/>
-              </a:solidFill>
-            </a:endParaRPr>
           </a:p>
         </p:txBody>
       </p:sp>
@@ -40976,18 +39870,13 @@
           <a:p>
             <a:pPr algn="ctr"/>
             <a:r>
-              <a:rPr lang="en-GB" dirty="0" smtClean="0">
+              <a:rPr lang="en-GB" dirty="0">
                 <a:solidFill>
                   <a:srgbClr val="002060"/>
                 </a:solidFill>
               </a:rPr>
               <a:t>PRs</a:t>
             </a:r>
-            <a:endParaRPr lang="en-GB" dirty="0">
-              <a:solidFill>
-                <a:srgbClr val="002060"/>
-              </a:solidFill>
-            </a:endParaRPr>
           </a:p>
         </p:txBody>
       </p:sp>
@@ -41036,18 +39925,13 @@
           <a:p>
             <a:pPr algn="ctr"/>
             <a:r>
-              <a:rPr lang="en-GB" sz="1200" dirty="0" smtClean="0">
+              <a:rPr lang="en-GB" sz="1200" dirty="0">
                 <a:solidFill>
                   <a:srgbClr val="002060"/>
                 </a:solidFill>
               </a:rPr>
               <a:t>CRs</a:t>
             </a:r>
-            <a:endParaRPr lang="en-GB" sz="1200" dirty="0">
-              <a:solidFill>
-                <a:srgbClr val="002060"/>
-              </a:solidFill>
-            </a:endParaRPr>
           </a:p>
         </p:txBody>
       </p:sp>
@@ -41102,18 +39986,13 @@
           <a:p>
             <a:pPr algn="ctr"/>
             <a:r>
-              <a:rPr lang="en-GB" sz="1200" dirty="0" smtClean="0">
+              <a:rPr lang="en-GB" sz="1200" dirty="0">
                 <a:solidFill>
                   <a:srgbClr val="002060"/>
                 </a:solidFill>
               </a:rPr>
               <a:t>PRs</a:t>
             </a:r>
-            <a:endParaRPr lang="en-GB" sz="1200" dirty="0">
-              <a:solidFill>
-                <a:srgbClr val="002060"/>
-              </a:solidFill>
-            </a:endParaRPr>
           </a:p>
         </p:txBody>
       </p:sp>
@@ -41180,14 +40059,14 @@
           <a:p>
             <a:pPr algn="ctr"/>
             <a:r>
-              <a:rPr lang="en-US" sz="1050" b="1" dirty="0" err="1" smtClean="0">
+              <a:rPr lang="en-US" sz="1050" b="1" dirty="0" err="1">
                 <a:solidFill>
                   <a:srgbClr val="00335F"/>
                 </a:solidFill>
               </a:rPr>
               <a:t>aaa</a:t>
             </a:r>
-            <a:endParaRPr lang="en-US" sz="1050" b="1" dirty="0" smtClean="0">
+            <a:endParaRPr lang="en-US" sz="1050" b="1" dirty="0">
               <a:solidFill>
                 <a:srgbClr val="00335F"/>
               </a:solidFill>
@@ -41664,7 +40543,7 @@
           <a:p>
             <a:pPr algn="ctr"/>
             <a:r>
-              <a:rPr lang="en-US" sz="1600" b="1" dirty="0" smtClean="0">
+              <a:rPr lang="en-US" sz="1600" b="1" dirty="0">
                 <a:solidFill>
                   <a:srgbClr val="00335F"/>
                 </a:solidFill>
@@ -41925,18 +40804,13 @@
           <a:p>
             <a:pPr algn="ctr"/>
             <a:r>
-              <a:rPr lang="en-GB" dirty="0" smtClean="0">
+              <a:rPr lang="en-GB" dirty="0">
                 <a:solidFill>
                   <a:srgbClr val="002060"/>
                 </a:solidFill>
               </a:rPr>
               <a:t>CRs</a:t>
             </a:r>
-            <a:endParaRPr lang="en-GB" dirty="0">
-              <a:solidFill>
-                <a:srgbClr val="002060"/>
-              </a:solidFill>
-            </a:endParaRPr>
           </a:p>
         </p:txBody>
       </p:sp>
@@ -43173,17 +42047,16 @@
           <a:lstStyle/>
           <a:p>
             <a:r>
-              <a:rPr lang="en-GB" dirty="0" smtClean="0"/>
+              <a:rPr lang="en-GB" dirty="0"/>
               <a:t>User </a:t>
             </a:r>
             <a:br>
-              <a:rPr lang="en-GB" dirty="0" smtClean="0"/>
+              <a:rPr lang="en-GB" dirty="0"/>
             </a:br>
             <a:r>
-              <a:rPr lang="en-GB" dirty="0" smtClean="0"/>
+              <a:rPr lang="en-GB" dirty="0"/>
               <a:t>community</a:t>
             </a:r>
-            <a:endParaRPr lang="en-GB" dirty="0"/>
           </a:p>
         </p:txBody>
       </p:sp>
@@ -43458,7 +42331,7 @@
           <a:p>
             <a:pPr algn="ctr"/>
             <a:r>
-              <a:rPr lang="en-US" sz="1600" b="1" dirty="0" smtClean="0">
+              <a:rPr lang="en-US" sz="1600" b="1" dirty="0">
                 <a:solidFill>
                   <a:srgbClr val="00335F"/>
                 </a:solidFill>
@@ -43739,13 +42612,6 @@
   <p:clrMapOvr>
     <a:masterClrMapping/>
   </p:clrMapOvr>
-  <p:timing>
-    <p:tnLst>
-      <p:par>
-        <p:cTn id="1" dur="indefinite" restart="never" nodeType="tmRoot"/>
-      </p:par>
-    </p:tnLst>
-  </p:timing>
 </p:sld>
 </file>
 
@@ -43822,7 +42688,7 @@
           <a:p>
             <a:pPr algn="ctr"/>
             <a:r>
-              <a:rPr lang="en-GB" dirty="0" smtClean="0">
+              <a:rPr lang="en-GB" dirty="0">
                 <a:solidFill>
                   <a:schemeClr val="bg1">
                     <a:lumMod val="50000"/>
@@ -43958,7 +42824,7 @@
               <a:lstStyle/>
               <a:p>
                 <a:r>
-                  <a:rPr lang="en-GB" dirty="0" smtClean="0">
+                  <a:rPr lang="en-GB" dirty="0">
                     <a:solidFill>
                       <a:schemeClr val="bg1">
                         <a:lumMod val="50000"/>
@@ -44034,7 +42900,7 @@
             <a:p>
               <a:pPr algn="ctr"/>
               <a:r>
-                <a:rPr lang="en-GB" sz="1400" dirty="0" smtClean="0">
+                <a:rPr lang="en-GB" sz="1400" dirty="0">
                   <a:solidFill>
                     <a:schemeClr val="bg1">
                       <a:lumMod val="50000"/>
@@ -44043,13 +42909,6 @@
                 </a:rPr>
                 <a:t>Ref</a:t>
               </a:r>
-              <a:endParaRPr lang="en-GB" sz="1400" dirty="0">
-                <a:solidFill>
-                  <a:schemeClr val="bg1">
-                    <a:lumMod val="50000"/>
-                  </a:schemeClr>
-                </a:solidFill>
-              </a:endParaRPr>
             </a:p>
           </p:txBody>
         </p:sp>
@@ -44109,7 +42968,7 @@
             <a:p>
               <a:pPr algn="ctr"/>
               <a:r>
-                <a:rPr lang="en-GB" sz="1400" dirty="0" smtClean="0">
+                <a:rPr lang="en-GB" sz="1400" dirty="0">
                   <a:solidFill>
                     <a:schemeClr val="bg1">
                       <a:lumMod val="50000"/>
@@ -44118,13 +42977,6 @@
                 </a:rPr>
                 <a:t>Sets</a:t>
               </a:r>
-              <a:endParaRPr lang="en-GB" sz="1400" dirty="0">
-                <a:solidFill>
-                  <a:schemeClr val="bg1">
-                    <a:lumMod val="50000"/>
-                  </a:schemeClr>
-                </a:solidFill>
-              </a:endParaRPr>
             </a:p>
           </p:txBody>
         </p:sp>
@@ -44243,18 +43095,13 @@
           <a:p>
             <a:pPr algn="ctr"/>
             <a:r>
-              <a:rPr lang="en-GB" b="1" dirty="0" smtClean="0">
+              <a:rPr lang="en-GB" b="1" dirty="0">
                 <a:solidFill>
                   <a:srgbClr val="002060"/>
                 </a:solidFill>
               </a:rPr>
               <a:t>Archetypes</a:t>
             </a:r>
-            <a:endParaRPr lang="en-GB" b="1" dirty="0">
-              <a:solidFill>
-                <a:srgbClr val="002060"/>
-              </a:solidFill>
-            </a:endParaRPr>
           </a:p>
         </p:txBody>
       </p:sp>
@@ -44313,18 +43160,13 @@
           <a:p>
             <a:pPr algn="ctr"/>
             <a:r>
-              <a:rPr lang="en-GB" b="1" dirty="0" smtClean="0">
+              <a:rPr lang="en-GB" b="1" dirty="0">
                 <a:solidFill>
                   <a:srgbClr val="002060"/>
                 </a:solidFill>
               </a:rPr>
               <a:t>Templates</a:t>
             </a:r>
-            <a:endParaRPr lang="en-GB" b="1" dirty="0">
-              <a:solidFill>
-                <a:srgbClr val="002060"/>
-              </a:solidFill>
-            </a:endParaRPr>
           </a:p>
         </p:txBody>
       </p:sp>
@@ -44384,7 +43226,7 @@
           <a:p>
             <a:pPr algn="ctr"/>
             <a:r>
-              <a:rPr lang="en-GB" dirty="0" smtClean="0">
+              <a:rPr lang="en-GB" dirty="0">
                 <a:solidFill>
                   <a:schemeClr val="bg1">
                     <a:lumMod val="50000"/>
@@ -44394,14 +43236,6 @@
               </a:rPr>
               <a:t>Queries</a:t>
             </a:r>
-            <a:endParaRPr lang="en-GB" dirty="0">
-              <a:solidFill>
-                <a:schemeClr val="bg1">
-                  <a:lumMod val="50000"/>
-                </a:schemeClr>
-              </a:solidFill>
-              <a:latin typeface="Arial Narrow" pitchFamily="34" charset="0"/>
-            </a:endParaRPr>
           </a:p>
         </p:txBody>
       </p:sp>
@@ -44649,7 +43483,7 @@
           <a:p>
             <a:pPr algn="ctr"/>
             <a:r>
-              <a:rPr lang="en-GB" sz="2000" dirty="0" smtClean="0">
+              <a:rPr lang="en-GB" sz="2000" dirty="0">
                 <a:solidFill>
                   <a:schemeClr val="bg1">
                     <a:lumMod val="50000"/>
@@ -44658,13 +43492,6 @@
               </a:rPr>
               <a:t>Java API</a:t>
             </a:r>
-            <a:endParaRPr lang="en-GB" sz="2000" dirty="0">
-              <a:solidFill>
-                <a:schemeClr val="bg1">
-                  <a:lumMod val="50000"/>
-                </a:schemeClr>
-              </a:solidFill>
-            </a:endParaRPr>
           </a:p>
         </p:txBody>
       </p:sp>
@@ -44735,7 +43562,7 @@
           <a:p>
             <a:pPr algn="ctr"/>
             <a:r>
-              <a:rPr lang="en-GB" sz="2000" dirty="0" smtClean="0">
+              <a:rPr lang="en-GB" sz="2000" dirty="0">
                 <a:solidFill>
                   <a:schemeClr val="bg1">
                     <a:lumMod val="50000"/>
@@ -44744,13 +43571,6 @@
               </a:rPr>
               <a:t>C# API</a:t>
             </a:r>
-            <a:endParaRPr lang="en-GB" sz="2000" dirty="0">
-              <a:solidFill>
-                <a:schemeClr val="bg1">
-                  <a:lumMod val="50000"/>
-                </a:schemeClr>
-              </a:solidFill>
-            </a:endParaRPr>
           </a:p>
         </p:txBody>
       </p:sp>
@@ -44821,7 +43641,7 @@
           <a:p>
             <a:pPr algn="ctr"/>
             <a:r>
-              <a:rPr lang="en-GB" sz="2000" dirty="0" smtClean="0">
+              <a:rPr lang="en-GB" sz="2000" dirty="0">
                 <a:solidFill>
                   <a:schemeClr val="bg1">
                     <a:lumMod val="50000"/>
@@ -44830,13 +43650,6 @@
               </a:rPr>
               <a:t>XSD</a:t>
             </a:r>
-            <a:endParaRPr lang="en-GB" sz="2000" dirty="0">
-              <a:solidFill>
-                <a:schemeClr val="bg1">
-                  <a:lumMod val="50000"/>
-                </a:schemeClr>
-              </a:solidFill>
-            </a:endParaRPr>
           </a:p>
         </p:txBody>
       </p:sp>
@@ -45073,7 +43886,7 @@
           <a:p>
             <a:pPr algn="ctr"/>
             <a:r>
-              <a:rPr lang="en-GB" b="1" dirty="0" smtClean="0">
+              <a:rPr lang="en-GB" b="1" dirty="0">
                 <a:solidFill>
                   <a:schemeClr val="bg1">
                     <a:lumMod val="50000"/>
@@ -45082,13 +43895,6 @@
               </a:rPr>
               <a:t>Operational Template</a:t>
             </a:r>
-            <a:endParaRPr lang="en-GB" b="1" dirty="0">
-              <a:solidFill>
-                <a:schemeClr val="bg1">
-                  <a:lumMod val="50000"/>
-                </a:schemeClr>
-              </a:solidFill>
-            </a:endParaRPr>
           </a:p>
         </p:txBody>
       </p:sp>
@@ -45159,7 +43965,7 @@
           <a:p>
             <a:pPr algn="ctr"/>
             <a:r>
-              <a:rPr lang="en-GB" sz="2000" dirty="0" smtClean="0">
+              <a:rPr lang="en-GB" sz="2000" dirty="0">
                 <a:solidFill>
                   <a:schemeClr val="bg1">
                     <a:lumMod val="50000"/>
@@ -45168,13 +43974,6 @@
               </a:rPr>
               <a:t>Forms</a:t>
             </a:r>
-            <a:endParaRPr lang="en-GB" sz="2000" dirty="0">
-              <a:solidFill>
-                <a:schemeClr val="bg1">
-                  <a:lumMod val="50000"/>
-                </a:schemeClr>
-              </a:solidFill>
-            </a:endParaRPr>
           </a:p>
         </p:txBody>
       </p:sp>
@@ -45646,7 +44445,7 @@
           <a:p>
             <a:pPr algn="ctr"/>
             <a:r>
-              <a:rPr lang="en-GB" dirty="0" smtClean="0">
+              <a:rPr lang="en-GB" dirty="0">
                 <a:solidFill>
                   <a:schemeClr val="bg1">
                     <a:lumMod val="50000"/>
@@ -45655,13 +44454,6 @@
               </a:rPr>
               <a:t>Software</a:t>
             </a:r>
-            <a:endParaRPr lang="en-GB" dirty="0">
-              <a:solidFill>
-                <a:schemeClr val="bg1">
-                  <a:lumMod val="50000"/>
-                </a:schemeClr>
-              </a:solidFill>
-            </a:endParaRPr>
           </a:p>
         </p:txBody>
       </p:sp>
@@ -45714,7 +44506,7 @@
           <a:p>
             <a:pPr algn="ctr"/>
             <a:r>
-              <a:rPr lang="en-GB" dirty="0" smtClean="0">
+              <a:rPr lang="en-GB" dirty="0">
                 <a:solidFill>
                   <a:schemeClr val="bg1">
                     <a:lumMod val="50000"/>
@@ -45723,13 +44515,6 @@
               </a:rPr>
               <a:t>System</a:t>
             </a:r>
-            <a:endParaRPr lang="en-GB" dirty="0">
-              <a:solidFill>
-                <a:schemeClr val="bg1">
-                  <a:lumMod val="50000"/>
-                </a:schemeClr>
-              </a:solidFill>
-            </a:endParaRPr>
           </a:p>
         </p:txBody>
       </p:sp>
@@ -45921,7 +44706,7 @@
           <a:p>
             <a:pPr algn="ctr"/>
             <a:r>
-              <a:rPr lang="en-US" b="1" dirty="0" smtClean="0">
+              <a:rPr lang="en-US" b="1" dirty="0">
                 <a:solidFill>
                   <a:srgbClr val="00335F"/>
                 </a:solidFill>
@@ -45932,7 +44717,7 @@
           <a:p>
             <a:pPr algn="ctr"/>
             <a:r>
-              <a:rPr lang="en-US" b="1" dirty="0" smtClean="0">
+              <a:rPr lang="en-US" b="1" dirty="0">
                 <a:solidFill>
                   <a:srgbClr val="00335F"/>
                 </a:solidFill>
@@ -45947,13 +44732,6 @@
   <p:clrMapOvr>
     <a:masterClrMapping/>
   </p:clrMapOvr>
-  <p:timing>
-    <p:tnLst>
-      <p:par>
-        <p:cTn id="1" dur="indefinite" restart="never" nodeType="tmRoot"/>
-      </p:par>
-    </p:tnLst>
-  </p:timing>
 </p:sld>
 </file>
 
@@ -46030,7 +44808,7 @@
           <a:p>
             <a:pPr algn="ctr"/>
             <a:r>
-              <a:rPr lang="en-GB" dirty="0" smtClean="0">
+              <a:rPr lang="en-GB" dirty="0">
                 <a:solidFill>
                   <a:schemeClr val="bg1">
                     <a:lumMod val="50000"/>
@@ -46166,7 +44944,7 @@
               <a:lstStyle/>
               <a:p>
                 <a:r>
-                  <a:rPr lang="en-GB" dirty="0" smtClean="0">
+                  <a:rPr lang="en-GB" dirty="0">
                     <a:solidFill>
                       <a:schemeClr val="bg1">
                         <a:lumMod val="50000"/>
@@ -46242,7 +45020,7 @@
             <a:p>
               <a:pPr algn="ctr"/>
               <a:r>
-                <a:rPr lang="en-GB" sz="1400" dirty="0" smtClean="0">
+                <a:rPr lang="en-GB" sz="1400" dirty="0">
                   <a:solidFill>
                     <a:schemeClr val="bg1">
                       <a:lumMod val="50000"/>
@@ -46251,13 +45029,6 @@
                 </a:rPr>
                 <a:t>Ref</a:t>
               </a:r>
-              <a:endParaRPr lang="en-GB" sz="1400" dirty="0">
-                <a:solidFill>
-                  <a:schemeClr val="bg1">
-                    <a:lumMod val="50000"/>
-                  </a:schemeClr>
-                </a:solidFill>
-              </a:endParaRPr>
             </a:p>
           </p:txBody>
         </p:sp>
@@ -46317,7 +45088,7 @@
             <a:p>
               <a:pPr algn="ctr"/>
               <a:r>
-                <a:rPr lang="en-GB" sz="1400" dirty="0" smtClean="0">
+                <a:rPr lang="en-GB" sz="1400" dirty="0">
                   <a:solidFill>
                     <a:schemeClr val="bg1">
                       <a:lumMod val="50000"/>
@@ -46326,13 +45097,6 @@
                 </a:rPr>
                 <a:t>Sets</a:t>
               </a:r>
-              <a:endParaRPr lang="en-GB" sz="1400" dirty="0">
-                <a:solidFill>
-                  <a:schemeClr val="bg1">
-                    <a:lumMod val="50000"/>
-                  </a:schemeClr>
-                </a:solidFill>
-              </a:endParaRPr>
             </a:p>
           </p:txBody>
         </p:sp>
@@ -46451,18 +45215,13 @@
           <a:p>
             <a:pPr algn="ctr"/>
             <a:r>
-              <a:rPr lang="en-GB" b="1" dirty="0" smtClean="0">
+              <a:rPr lang="en-GB" b="1" dirty="0">
                 <a:solidFill>
                   <a:srgbClr val="002060"/>
                 </a:solidFill>
               </a:rPr>
               <a:t>Templates</a:t>
             </a:r>
-            <a:endParaRPr lang="en-GB" b="1" dirty="0">
-              <a:solidFill>
-                <a:srgbClr val="002060"/>
-              </a:solidFill>
-            </a:endParaRPr>
           </a:p>
         </p:txBody>
       </p:sp>
@@ -46522,7 +45281,7 @@
           <a:p>
             <a:pPr algn="ctr"/>
             <a:r>
-              <a:rPr lang="en-GB" dirty="0" smtClean="0">
+              <a:rPr lang="en-GB" dirty="0">
                 <a:solidFill>
                   <a:schemeClr val="bg1">
                     <a:lumMod val="50000"/>
@@ -46532,14 +45291,6 @@
               </a:rPr>
               <a:t>Queries</a:t>
             </a:r>
-            <a:endParaRPr lang="en-GB" dirty="0">
-              <a:solidFill>
-                <a:schemeClr val="bg1">
-                  <a:lumMod val="50000"/>
-                </a:schemeClr>
-              </a:solidFill>
-              <a:latin typeface="Arial Narrow" pitchFamily="34" charset="0"/>
-            </a:endParaRPr>
           </a:p>
         </p:txBody>
       </p:sp>
@@ -46781,18 +45532,13 @@
           <a:p>
             <a:pPr algn="ctr"/>
             <a:r>
-              <a:rPr lang="en-GB" sz="2000" dirty="0" smtClean="0">
+              <a:rPr lang="en-GB" sz="2000" dirty="0">
                 <a:solidFill>
                   <a:srgbClr val="00335F"/>
                 </a:solidFill>
               </a:rPr>
               <a:t>Java API</a:t>
             </a:r>
-            <a:endParaRPr lang="en-GB" sz="2000" dirty="0">
-              <a:solidFill>
-                <a:srgbClr val="00335F"/>
-              </a:solidFill>
-            </a:endParaRPr>
           </a:p>
         </p:txBody>
       </p:sp>
@@ -46859,18 +45605,13 @@
           <a:p>
             <a:pPr algn="ctr"/>
             <a:r>
-              <a:rPr lang="en-GB" sz="2000" dirty="0" smtClean="0">
+              <a:rPr lang="en-GB" sz="2000" dirty="0">
                 <a:solidFill>
                   <a:srgbClr val="00335F"/>
                 </a:solidFill>
               </a:rPr>
               <a:t>C# API</a:t>
             </a:r>
-            <a:endParaRPr lang="en-GB" sz="2000" dirty="0">
-              <a:solidFill>
-                <a:srgbClr val="00335F"/>
-              </a:solidFill>
-            </a:endParaRPr>
           </a:p>
         </p:txBody>
       </p:sp>
@@ -46937,18 +45678,13 @@
           <a:p>
             <a:pPr algn="ctr"/>
             <a:r>
-              <a:rPr lang="en-GB" sz="2000" dirty="0" smtClean="0">
+              <a:rPr lang="en-GB" sz="2000" dirty="0">
                 <a:solidFill>
                   <a:srgbClr val="00335F"/>
                 </a:solidFill>
               </a:rPr>
               <a:t>XSD</a:t>
             </a:r>
-            <a:endParaRPr lang="en-GB" sz="2000" dirty="0">
-              <a:solidFill>
-                <a:srgbClr val="00335F"/>
-              </a:solidFill>
-            </a:endParaRPr>
           </a:p>
         </p:txBody>
       </p:sp>
@@ -47178,18 +45914,13 @@
           <a:p>
             <a:pPr algn="ctr"/>
             <a:r>
-              <a:rPr lang="en-GB" b="1" dirty="0" smtClean="0">
+              <a:rPr lang="en-GB" b="1" dirty="0">
                 <a:solidFill>
                   <a:srgbClr val="00335F"/>
                 </a:solidFill>
               </a:rPr>
               <a:t>Operational Template</a:t>
             </a:r>
-            <a:endParaRPr lang="en-GB" b="1" dirty="0">
-              <a:solidFill>
-                <a:srgbClr val="00335F"/>
-              </a:solidFill>
-            </a:endParaRPr>
           </a:p>
         </p:txBody>
       </p:sp>
@@ -47256,18 +45987,13 @@
           <a:p>
             <a:pPr algn="ctr"/>
             <a:r>
-              <a:rPr lang="en-GB" sz="2000" dirty="0" smtClean="0">
+              <a:rPr lang="en-GB" sz="2000" dirty="0">
                 <a:solidFill>
                   <a:srgbClr val="00335F"/>
                 </a:solidFill>
               </a:rPr>
               <a:t>Forms</a:t>
             </a:r>
-            <a:endParaRPr lang="en-GB" sz="2000" dirty="0">
-              <a:solidFill>
-                <a:srgbClr val="00335F"/>
-              </a:solidFill>
-            </a:endParaRPr>
           </a:p>
         </p:txBody>
       </p:sp>
@@ -47739,7 +46465,7 @@
           <a:p>
             <a:pPr algn="ctr"/>
             <a:r>
-              <a:rPr lang="en-GB" dirty="0" smtClean="0">
+              <a:rPr lang="en-GB" dirty="0">
                 <a:solidFill>
                   <a:schemeClr val="bg1">
                     <a:lumMod val="50000"/>
@@ -47748,13 +46474,6 @@
               </a:rPr>
               <a:t>Software</a:t>
             </a:r>
-            <a:endParaRPr lang="en-GB" dirty="0">
-              <a:solidFill>
-                <a:schemeClr val="bg1">
-                  <a:lumMod val="50000"/>
-                </a:schemeClr>
-              </a:solidFill>
-            </a:endParaRPr>
           </a:p>
         </p:txBody>
       </p:sp>
@@ -47807,7 +46526,7 @@
           <a:p>
             <a:pPr algn="ctr"/>
             <a:r>
-              <a:rPr lang="en-GB" dirty="0" smtClean="0">
+              <a:rPr lang="en-GB" dirty="0">
                 <a:solidFill>
                   <a:schemeClr val="bg1">
                     <a:lumMod val="50000"/>
@@ -47816,13 +46535,6 @@
               </a:rPr>
               <a:t>System</a:t>
             </a:r>
-            <a:endParaRPr lang="en-GB" dirty="0">
-              <a:solidFill>
-                <a:schemeClr val="bg1">
-                  <a:lumMod val="50000"/>
-                </a:schemeClr>
-              </a:solidFill>
-            </a:endParaRPr>
           </a:p>
         </p:txBody>
       </p:sp>
@@ -47951,7 +46663,7 @@
           <a:p>
             <a:pPr algn="ctr"/>
             <a:r>
-              <a:rPr lang="en-GB" b="1" dirty="0" smtClean="0">
+              <a:rPr lang="en-GB" b="1" dirty="0">
                 <a:solidFill>
                   <a:schemeClr val="tx1">
                     <a:lumMod val="65000"/>
@@ -47961,14 +46673,6 @@
               </a:rPr>
               <a:t>Reference Model</a:t>
             </a:r>
-            <a:endParaRPr lang="en-GB" b="1" dirty="0">
-              <a:solidFill>
-                <a:schemeClr val="tx1">
-                  <a:lumMod val="65000"/>
-                  <a:lumOff val="35000"/>
-                </a:schemeClr>
-              </a:solidFill>
-            </a:endParaRPr>
           </a:p>
         </p:txBody>
       </p:sp>
@@ -48028,7 +46732,7 @@
           <a:p>
             <a:pPr algn="ctr"/>
             <a:r>
-              <a:rPr lang="en-GB" b="1" dirty="0" smtClean="0">
+              <a:rPr lang="en-GB" b="1" dirty="0">
                 <a:solidFill>
                   <a:schemeClr val="tx1">
                     <a:lumMod val="65000"/>
@@ -48038,14 +46742,6 @@
               </a:rPr>
               <a:t>Archetypes</a:t>
             </a:r>
-            <a:endParaRPr lang="en-GB" b="1" dirty="0">
-              <a:solidFill>
-                <a:schemeClr val="tx1">
-                  <a:lumMod val="65000"/>
-                  <a:lumOff val="35000"/>
-                </a:schemeClr>
-              </a:solidFill>
-            </a:endParaRPr>
           </a:p>
         </p:txBody>
       </p:sp>
@@ -48072,7 +46768,7 @@
           <a:lstStyle/>
           <a:p>
             <a:r>
-              <a:rPr lang="en-GB" sz="1600" dirty="0" smtClean="0">
+              <a:rPr lang="en-GB" sz="1600" dirty="0">
                 <a:solidFill>
                   <a:schemeClr val="accent6">
                     <a:lumMod val="75000"/>
@@ -48081,13 +46777,6 @@
               </a:rPr>
               <a:t>generate</a:t>
             </a:r>
-            <a:endParaRPr lang="en-GB" sz="1600" dirty="0">
-              <a:solidFill>
-                <a:schemeClr val="accent6">
-                  <a:lumMod val="75000"/>
-                </a:schemeClr>
-              </a:solidFill>
-            </a:endParaRPr>
           </a:p>
         </p:txBody>
       </p:sp>
@@ -48114,7 +46803,7 @@
           <a:lstStyle/>
           <a:p>
             <a:r>
-              <a:rPr lang="en-GB" sz="1600" dirty="0" smtClean="0">
+              <a:rPr lang="en-GB" sz="1600" dirty="0">
                 <a:solidFill>
                   <a:schemeClr val="accent6">
                     <a:lumMod val="75000"/>
@@ -48123,13 +46812,6 @@
               </a:rPr>
               <a:t>generate</a:t>
             </a:r>
-            <a:endParaRPr lang="en-GB" sz="1600" dirty="0">
-              <a:solidFill>
-                <a:schemeClr val="accent6">
-                  <a:lumMod val="75000"/>
-                </a:schemeClr>
-              </a:solidFill>
-            </a:endParaRPr>
           </a:p>
         </p:txBody>
       </p:sp>
@@ -48371,7 +47053,7 @@
           <a:lstStyle/>
           <a:p>
             <a:r>
-              <a:rPr lang="en-GB" sz="1600" dirty="0" smtClean="0">
+              <a:rPr lang="en-GB" sz="1600" dirty="0">
                 <a:solidFill>
                   <a:schemeClr val="bg1">
                     <a:lumMod val="50000"/>
@@ -48380,13 +47062,6 @@
               </a:rPr>
               <a:t>data</a:t>
             </a:r>
-            <a:endParaRPr lang="en-GB" sz="1600" dirty="0">
-              <a:solidFill>
-                <a:schemeClr val="bg1">
-                  <a:lumMod val="50000"/>
-                </a:schemeClr>
-              </a:solidFill>
-            </a:endParaRPr>
           </a:p>
         </p:txBody>
       </p:sp>
@@ -48413,7 +47088,7 @@
           <a:lstStyle/>
           <a:p>
             <a:r>
-              <a:rPr lang="en-GB" sz="1600" dirty="0" smtClean="0">
+              <a:rPr lang="en-GB" sz="1600" dirty="0">
                 <a:solidFill>
                   <a:schemeClr val="bg1">
                     <a:lumMod val="50000"/>
@@ -48422,13 +47097,6 @@
               </a:rPr>
               <a:t>retrieval</a:t>
             </a:r>
-            <a:endParaRPr lang="en-GB" sz="1600" dirty="0">
-              <a:solidFill>
-                <a:schemeClr val="bg1">
-                  <a:lumMod val="50000"/>
-                </a:schemeClr>
-              </a:solidFill>
-            </a:endParaRPr>
           </a:p>
         </p:txBody>
       </p:sp>
@@ -48494,13 +47162,6 @@
   <p:clrMapOvr>
     <a:masterClrMapping/>
   </p:clrMapOvr>
-  <p:timing>
-    <p:tnLst>
-      <p:par>
-        <p:cTn id="1" dur="indefinite" restart="never" nodeType="tmRoot"/>
-      </p:par>
-    </p:tnLst>
-  </p:timing>
 </p:sld>
 </file>
 
@@ -48568,7 +47229,7 @@
           <a:p>
             <a:pPr algn="ctr"/>
             <a:r>
-              <a:rPr lang="en-GB" b="1" dirty="0" smtClean="0">
+              <a:rPr lang="en-GB" b="1" dirty="0">
                 <a:solidFill>
                   <a:schemeClr val="bg1"/>
                 </a:solidFill>
@@ -48579,18 +47240,13 @@
           <a:p>
             <a:pPr algn="ctr"/>
             <a:r>
-              <a:rPr lang="en-GB" b="1" dirty="0" smtClean="0">
+              <a:rPr lang="en-GB" b="1" dirty="0">
                 <a:solidFill>
                   <a:schemeClr val="bg1"/>
                 </a:solidFill>
               </a:rPr>
               <a:t>Information</a:t>
             </a:r>
-            <a:endParaRPr lang="en-GB" b="1" dirty="0">
-              <a:solidFill>
-                <a:schemeClr val="bg1"/>
-              </a:solidFill>
-            </a:endParaRPr>
           </a:p>
         </p:txBody>
       </p:sp>
@@ -48650,7 +47306,7 @@
           <a:p>
             <a:pPr algn="ctr"/>
             <a:r>
-              <a:rPr lang="en-GB" sz="2000" b="1" dirty="0" smtClean="0">
+              <a:rPr lang="en-GB" sz="2000" b="1" dirty="0">
                 <a:solidFill>
                   <a:schemeClr val="bg1">
                     <a:lumMod val="50000"/>
@@ -48659,13 +47315,6 @@
               </a:rPr>
               <a:t>Terminology</a:t>
             </a:r>
-            <a:endParaRPr lang="en-GB" sz="2000" b="1" dirty="0">
-              <a:solidFill>
-                <a:schemeClr val="bg1">
-                  <a:lumMod val="50000"/>
-                </a:schemeClr>
-              </a:solidFill>
-            </a:endParaRPr>
           </a:p>
         </p:txBody>
       </p:sp>
@@ -48724,7 +47373,7 @@
           <a:p>
             <a:pPr algn="ctr"/>
             <a:r>
-              <a:rPr lang="en-GB" sz="2000" b="1" dirty="0" smtClean="0">
+              <a:rPr lang="en-GB" sz="2000" b="1" dirty="0">
                 <a:solidFill>
                   <a:srgbClr val="002060"/>
                 </a:solidFill>
@@ -48735,18 +47384,13 @@
           <a:p>
             <a:pPr algn="ctr"/>
             <a:r>
-              <a:rPr lang="en-GB" sz="2000" b="1" dirty="0" smtClean="0">
+              <a:rPr lang="en-GB" sz="2000" b="1" dirty="0">
                 <a:solidFill>
                   <a:srgbClr val="002060"/>
                 </a:solidFill>
               </a:rPr>
               <a:t>Models</a:t>
             </a:r>
-            <a:endParaRPr lang="en-GB" sz="2000" b="1" dirty="0">
-              <a:solidFill>
-                <a:srgbClr val="002060"/>
-              </a:solidFill>
-            </a:endParaRPr>
           </a:p>
         </p:txBody>
       </p:sp>
@@ -48899,7 +47543,7 @@
           <a:lstStyle/>
           <a:p>
             <a:r>
-              <a:rPr lang="en-GB" sz="1600" dirty="0" smtClean="0">
+              <a:rPr lang="en-GB" sz="1600" dirty="0">
                 <a:solidFill>
                   <a:schemeClr val="accent6">
                     <a:lumMod val="75000"/>
@@ -48908,13 +47552,6 @@
               </a:rPr>
               <a:t>commit</a:t>
             </a:r>
-            <a:endParaRPr lang="en-GB" sz="1600" dirty="0">
-              <a:solidFill>
-                <a:schemeClr val="accent6">
-                  <a:lumMod val="75000"/>
-                </a:schemeClr>
-              </a:solidFill>
-            </a:endParaRPr>
           </a:p>
         </p:txBody>
       </p:sp>
@@ -48941,7 +47578,7 @@
           <a:lstStyle/>
           <a:p>
             <a:r>
-              <a:rPr lang="en-GB" sz="1600" dirty="0" smtClean="0">
+              <a:rPr lang="en-GB" sz="1600" dirty="0">
                 <a:solidFill>
                   <a:schemeClr val="accent6">
                     <a:lumMod val="75000"/>
@@ -48950,13 +47587,6 @@
               </a:rPr>
               <a:t>query</a:t>
             </a:r>
-            <a:endParaRPr lang="en-GB" sz="1600" dirty="0">
-              <a:solidFill>
-                <a:schemeClr val="accent6">
-                  <a:lumMod val="75000"/>
-                </a:schemeClr>
-              </a:solidFill>
-            </a:endParaRPr>
           </a:p>
         </p:txBody>
       </p:sp>
@@ -49021,14 +47651,14 @@
           <a:p>
             <a:pPr algn="ctr"/>
             <a:r>
-              <a:rPr lang="en-US" sz="2400" b="1" dirty="0" err="1" smtClean="0">
+              <a:rPr lang="en-US" sz="2400" b="1" dirty="0" err="1">
                 <a:solidFill>
                   <a:srgbClr val="00335F"/>
                 </a:solidFill>
               </a:rPr>
               <a:t>openEHR</a:t>
             </a:r>
-            <a:endParaRPr lang="en-US" sz="2400" b="1" dirty="0" smtClean="0">
+            <a:endParaRPr lang="en-US" sz="2400" b="1" dirty="0">
               <a:solidFill>
                 <a:srgbClr val="00335F"/>
               </a:solidFill>
@@ -49037,7 +47667,7 @@
           <a:p>
             <a:pPr algn="ctr"/>
             <a:r>
-              <a:rPr lang="en-US" sz="2400" b="1" dirty="0" smtClean="0">
+              <a:rPr lang="en-US" sz="2400" b="1" dirty="0">
                 <a:solidFill>
                   <a:srgbClr val="00335F"/>
                 </a:solidFill>
@@ -49165,7 +47795,7 @@
           <a:p>
             <a:pPr algn="ctr"/>
             <a:r>
-              <a:rPr lang="en-US" sz="2000" b="1" dirty="0" smtClean="0">
+              <a:rPr lang="en-US" sz="2000" b="1" dirty="0">
                 <a:solidFill>
                   <a:srgbClr val="00335F"/>
                 </a:solidFill>
@@ -49236,7 +47866,7 @@
           <a:p>
             <a:pPr algn="ctr"/>
             <a:r>
-              <a:rPr lang="en-US" sz="2000" b="1" dirty="0" smtClean="0">
+              <a:rPr lang="en-US" sz="2000" b="1" dirty="0">
                 <a:solidFill>
                   <a:srgbClr val="00335F"/>
                 </a:solidFill>
@@ -49400,7 +48030,7 @@
               </a:spcAft>
             </a:pPr>
             <a:r>
-              <a:rPr lang="en-US" sz="2400" b="1" dirty="0" smtClean="0">
+              <a:rPr lang="en-US" sz="2400" b="1" dirty="0">
                 <a:solidFill>
                   <a:schemeClr val="bg1">
                     <a:lumMod val="50000"/>
@@ -49409,13 +48039,6 @@
               </a:rPr>
               <a:t>Data</a:t>
             </a:r>
-            <a:endParaRPr lang="en-US" sz="2400" b="1" dirty="0">
-              <a:solidFill>
-                <a:schemeClr val="bg1">
-                  <a:lumMod val="50000"/>
-                </a:schemeClr>
-              </a:solidFill>
-            </a:endParaRPr>
           </a:p>
         </p:txBody>
       </p:sp>
@@ -49447,7 +48070,7 @@
               </a:spcAft>
             </a:pPr>
             <a:r>
-              <a:rPr lang="en-US" sz="2400" b="1" dirty="0" smtClean="0">
+              <a:rPr lang="en-US" sz="2400" b="1" dirty="0">
                 <a:solidFill>
                   <a:schemeClr val="bg1">
                     <a:lumMod val="50000"/>
@@ -49456,13 +48079,6 @@
               </a:rPr>
               <a:t>Conclusions</a:t>
             </a:r>
-            <a:endParaRPr lang="en-US" sz="2400" b="1" dirty="0">
-              <a:solidFill>
-                <a:schemeClr val="bg1">
-                  <a:lumMod val="50000"/>
-                </a:schemeClr>
-              </a:solidFill>
-            </a:endParaRPr>
           </a:p>
         </p:txBody>
       </p:sp>
@@ -49471,13 +48087,6 @@
   <p:clrMapOvr>
     <a:masterClrMapping/>
   </p:clrMapOvr>
-  <p:timing>
-    <p:tnLst>
-      <p:par>
-        <p:cTn id="1" dur="indefinite" restart="never" nodeType="tmRoot"/>
-      </p:par>
-    </p:tnLst>
-  </p:timing>
 </p:sld>
 </file>
 
@@ -49547,7 +48156,7 @@
           <a:p>
             <a:pPr algn="ctr"/>
             <a:r>
-              <a:rPr lang="en-GB" dirty="0" smtClean="0">
+              <a:rPr lang="en-GB" dirty="0">
                 <a:solidFill>
                   <a:schemeClr val="bg1">
                     <a:lumMod val="50000"/>
@@ -49556,13 +48165,6 @@
               </a:rPr>
               <a:t>Vendor product</a:t>
             </a:r>
-            <a:endParaRPr lang="en-GB" dirty="0">
-              <a:solidFill>
-                <a:schemeClr val="bg1">
-                  <a:lumMod val="50000"/>
-                </a:schemeClr>
-              </a:solidFill>
-            </a:endParaRPr>
           </a:p>
         </p:txBody>
       </p:sp>
@@ -49613,18 +48215,13 @@
           <a:p>
             <a:pPr algn="ctr"/>
             <a:r>
-              <a:rPr lang="en-GB" sz="2400" b="1" dirty="0" smtClean="0">
+              <a:rPr lang="en-GB" sz="2400" b="1" dirty="0">
                 <a:solidFill>
                   <a:schemeClr val="bg1"/>
                 </a:solidFill>
               </a:rPr>
               <a:t>EHR, Demographics</a:t>
             </a:r>
-            <a:endParaRPr lang="en-GB" sz="2400" b="1" dirty="0">
-              <a:solidFill>
-                <a:schemeClr val="bg1"/>
-              </a:solidFill>
-            </a:endParaRPr>
           </a:p>
         </p:txBody>
       </p:sp>
@@ -49685,7 +48282,7 @@
           <a:p>
             <a:pPr algn="ctr"/>
             <a:r>
-              <a:rPr lang="en-GB" sz="2000" b="1" dirty="0" smtClean="0">
+              <a:rPr lang="en-GB" sz="2000" b="1" dirty="0">
                 <a:solidFill>
                   <a:schemeClr val="bg1">
                     <a:lumMod val="50000"/>
@@ -49694,13 +48291,6 @@
               </a:rPr>
               <a:t>Terminology</a:t>
             </a:r>
-            <a:endParaRPr lang="en-GB" sz="2000" b="1" dirty="0">
-              <a:solidFill>
-                <a:schemeClr val="bg1">
-                  <a:lumMod val="50000"/>
-                </a:schemeClr>
-              </a:solidFill>
-            </a:endParaRPr>
           </a:p>
         </p:txBody>
       </p:sp>
@@ -49759,7 +48349,7 @@
           <a:p>
             <a:pPr algn="ctr"/>
             <a:r>
-              <a:rPr lang="en-GB" sz="2000" b="1" dirty="0" smtClean="0">
+              <a:rPr lang="en-GB" sz="2000" b="1" dirty="0">
                 <a:solidFill>
                   <a:srgbClr val="002060"/>
                 </a:solidFill>
@@ -49770,18 +48360,13 @@
           <a:p>
             <a:pPr algn="ctr"/>
             <a:r>
-              <a:rPr lang="en-GB" sz="2000" b="1" dirty="0" smtClean="0">
+              <a:rPr lang="en-GB" sz="2000" b="1" dirty="0">
                 <a:solidFill>
                   <a:srgbClr val="002060"/>
                 </a:solidFill>
               </a:rPr>
               <a:t>Models</a:t>
             </a:r>
-            <a:endParaRPr lang="en-GB" sz="2000" b="1" dirty="0">
-              <a:solidFill>
-                <a:srgbClr val="002060"/>
-              </a:solidFill>
-            </a:endParaRPr>
           </a:p>
         </p:txBody>
       </p:sp>
@@ -49934,18 +48519,13 @@
           <a:lstStyle/>
           <a:p>
             <a:r>
-              <a:rPr lang="en-GB" sz="2000" dirty="0" smtClean="0">
+              <a:rPr lang="en-GB" sz="2000" dirty="0">
                 <a:solidFill>
                   <a:srgbClr val="002060"/>
                 </a:solidFill>
               </a:rPr>
               <a:t>commit</a:t>
             </a:r>
-            <a:endParaRPr lang="en-GB" sz="2000" dirty="0">
-              <a:solidFill>
-                <a:srgbClr val="002060"/>
-              </a:solidFill>
-            </a:endParaRPr>
           </a:p>
         </p:txBody>
       </p:sp>
@@ -49972,18 +48552,13 @@
           <a:lstStyle/>
           <a:p>
             <a:r>
-              <a:rPr lang="en-GB" sz="2000" dirty="0" smtClean="0">
+              <a:rPr lang="en-GB" sz="2000" dirty="0">
                 <a:solidFill>
                   <a:srgbClr val="002060"/>
                 </a:solidFill>
               </a:rPr>
               <a:t>query</a:t>
             </a:r>
-            <a:endParaRPr lang="en-GB" sz="2000" dirty="0">
-              <a:solidFill>
-                <a:srgbClr val="002060"/>
-              </a:solidFill>
-            </a:endParaRPr>
           </a:p>
         </p:txBody>
       </p:sp>
@@ -50048,14 +48623,14 @@
           <a:p>
             <a:pPr algn="ctr"/>
             <a:r>
-              <a:rPr lang="en-US" sz="2400" b="1" dirty="0" err="1" smtClean="0">
+              <a:rPr lang="en-US" sz="2400" b="1" dirty="0" err="1">
                 <a:solidFill>
                   <a:srgbClr val="00335F"/>
                 </a:solidFill>
               </a:rPr>
               <a:t>openEHR</a:t>
             </a:r>
-            <a:endParaRPr lang="en-US" sz="2400" b="1" dirty="0" smtClean="0">
+            <a:endParaRPr lang="en-US" sz="2400" b="1" dirty="0">
               <a:solidFill>
                 <a:srgbClr val="00335F"/>
               </a:solidFill>
@@ -50064,7 +48639,7 @@
           <a:p>
             <a:pPr algn="ctr"/>
             <a:r>
-              <a:rPr lang="en-US" sz="2400" b="1" dirty="0" smtClean="0">
+              <a:rPr lang="en-US" sz="2400" b="1" dirty="0">
                 <a:solidFill>
                   <a:srgbClr val="00335F"/>
                 </a:solidFill>
@@ -50192,7 +48767,7 @@
           <a:p>
             <a:pPr algn="ctr"/>
             <a:r>
-              <a:rPr lang="en-US" sz="2000" b="1" dirty="0" smtClean="0">
+              <a:rPr lang="en-US" sz="2000" b="1" dirty="0">
                 <a:solidFill>
                   <a:srgbClr val="00335F"/>
                 </a:solidFill>
@@ -50263,7 +48838,7 @@
           <a:p>
             <a:pPr algn="ctr"/>
             <a:r>
-              <a:rPr lang="en-US" sz="2000" b="1" dirty="0" smtClean="0">
+              <a:rPr lang="en-US" sz="2000" b="1" dirty="0">
                 <a:solidFill>
                   <a:srgbClr val="00335F"/>
                 </a:solidFill>
@@ -50427,7 +49002,7 @@
               </a:spcAft>
             </a:pPr>
             <a:r>
-              <a:rPr lang="en-US" sz="2000" b="1" dirty="0" smtClean="0">
+              <a:rPr lang="en-US" sz="2000" b="1" dirty="0">
                 <a:solidFill>
                   <a:schemeClr val="bg1">
                     <a:lumMod val="50000"/>
@@ -50436,13 +49011,6 @@
               </a:rPr>
               <a:t>Users</a:t>
             </a:r>
-            <a:endParaRPr lang="en-US" sz="2000" b="1" dirty="0">
-              <a:solidFill>
-                <a:schemeClr val="bg1">
-                  <a:lumMod val="50000"/>
-                </a:schemeClr>
-              </a:solidFill>
-            </a:endParaRPr>
           </a:p>
         </p:txBody>
       </p:sp>
@@ -50564,18 +49132,13 @@
           <a:p>
             <a:pPr algn="ctr"/>
             <a:r>
-              <a:rPr lang="en-GB" dirty="0" smtClean="0">
+              <a:rPr lang="en-GB" dirty="0">
                 <a:solidFill>
                   <a:srgbClr val="002060"/>
                 </a:solidFill>
               </a:rPr>
               <a:t>transform</a:t>
             </a:r>
-            <a:endParaRPr lang="en-GB" dirty="0">
-              <a:solidFill>
-                <a:srgbClr val="002060"/>
-              </a:solidFill>
-            </a:endParaRPr>
           </a:p>
         </p:txBody>
       </p:sp>
@@ -50717,18 +49280,13 @@
             <a:p>
               <a:pPr algn="ctr"/>
               <a:r>
-                <a:rPr lang="en-GB" sz="2000" dirty="0" smtClean="0">
+                <a:rPr lang="en-GB" sz="2000" dirty="0">
                   <a:solidFill>
                     <a:srgbClr val="0070C0"/>
                   </a:solidFill>
                 </a:rPr>
                 <a:t>International, national clinical experts</a:t>
               </a:r>
-              <a:endParaRPr lang="en-GB" sz="2000" dirty="0">
-                <a:solidFill>
-                  <a:srgbClr val="0070C0"/>
-                </a:solidFill>
-              </a:endParaRPr>
             </a:p>
           </p:txBody>
         </p:sp>
@@ -50861,7 +49419,7 @@
           <a:p>
             <a:pPr algn="ctr"/>
             <a:r>
-              <a:rPr lang="en-US" sz="2400" b="1" dirty="0" smtClean="0">
+              <a:rPr lang="en-US" sz="2400" b="1" dirty="0">
                 <a:solidFill>
                   <a:srgbClr val="00335F"/>
                 </a:solidFill>

--- a/files/openEHR_diagrams_sources.pptx
+++ b/files/openEHR_diagrams_sources.pptx
@@ -10,16 +10,17 @@
     <p:sldId id="257" r:id="rId4"/>
     <p:sldId id="258" r:id="rId5"/>
     <p:sldId id="269" r:id="rId6"/>
-    <p:sldId id="259" r:id="rId7"/>
-    <p:sldId id="262" r:id="rId8"/>
-    <p:sldId id="263" r:id="rId9"/>
-    <p:sldId id="270" r:id="rId10"/>
-    <p:sldId id="264" r:id="rId11"/>
-    <p:sldId id="265" r:id="rId12"/>
-    <p:sldId id="266" r:id="rId13"/>
-    <p:sldId id="267" r:id="rId14"/>
-    <p:sldId id="268" r:id="rId15"/>
-    <p:sldId id="271" r:id="rId16"/>
+    <p:sldId id="272" r:id="rId7"/>
+    <p:sldId id="259" r:id="rId8"/>
+    <p:sldId id="262" r:id="rId9"/>
+    <p:sldId id="263" r:id="rId10"/>
+    <p:sldId id="270" r:id="rId11"/>
+    <p:sldId id="264" r:id="rId12"/>
+    <p:sldId id="265" r:id="rId13"/>
+    <p:sldId id="266" r:id="rId14"/>
+    <p:sldId id="267" r:id="rId15"/>
+    <p:sldId id="268" r:id="rId16"/>
+    <p:sldId id="271" r:id="rId17"/>
   </p:sldIdLst>
   <p:sldSz cx="9144000" cy="6858000" type="screen4x3"/>
   <p:notesSz cx="6858000" cy="9144000"/>
@@ -137,6 +138,10 @@
 </p:presentation>
 </file>
 
+<file path=ppt/revisionInfo.xml><?xml version="1.0" encoding="utf-8"?>
+<p1510:revInfo xmlns:a="http://schemas.openxmlformats.org/drawingml/2006/main" xmlns:r="http://schemas.openxmlformats.org/officeDocument/2006/relationships" xmlns:p1510="http://schemas.microsoft.com/office/powerpoint/2015/10/main"/>
+</file>
+
 <file path=ppt/slideLayouts/slideLayout1.xml><?xml version="1.0" encoding="utf-8"?>
 <p:sldLayout xmlns:a="http://schemas.openxmlformats.org/drawingml/2006/main" xmlns:r="http://schemas.openxmlformats.org/officeDocument/2006/relationships" xmlns:p="http://schemas.openxmlformats.org/presentationml/2006/main" type="title" preserve="1">
   <p:cSld name="Title Slide">
@@ -317,7 +322,7 @@
             <a:fld id="{C17C92CA-27BA-48D5-B9B9-4E9A3862C39B}" type="datetimeFigureOut">
               <a:rPr lang="en-US" smtClean="0"/>
               <a:pPr/>
-              <a:t>8/8/2017</a:t>
+              <a:t>10/5/2017</a:t>
             </a:fld>
             <a:endParaRPr lang="en-US"/>
           </a:p>
@@ -482,7 +487,7 @@
             <a:fld id="{C17C92CA-27BA-48D5-B9B9-4E9A3862C39B}" type="datetimeFigureOut">
               <a:rPr lang="en-US" smtClean="0"/>
               <a:pPr/>
-              <a:t>8/8/2017</a:t>
+              <a:t>10/5/2017</a:t>
             </a:fld>
             <a:endParaRPr lang="en-US"/>
           </a:p>
@@ -657,7 +662,7 @@
             <a:fld id="{C17C92CA-27BA-48D5-B9B9-4E9A3862C39B}" type="datetimeFigureOut">
               <a:rPr lang="en-US" smtClean="0"/>
               <a:pPr/>
-              <a:t>8/8/2017</a:t>
+              <a:t>10/5/2017</a:t>
             </a:fld>
             <a:endParaRPr lang="en-US"/>
           </a:p>
@@ -822,7 +827,7 @@
             <a:fld id="{C17C92CA-27BA-48D5-B9B9-4E9A3862C39B}" type="datetimeFigureOut">
               <a:rPr lang="en-US" smtClean="0"/>
               <a:pPr/>
-              <a:t>8/8/2017</a:t>
+              <a:t>10/5/2017</a:t>
             </a:fld>
             <a:endParaRPr lang="en-US"/>
           </a:p>
@@ -1064,7 +1069,7 @@
             <a:fld id="{C17C92CA-27BA-48D5-B9B9-4E9A3862C39B}" type="datetimeFigureOut">
               <a:rPr lang="en-US" smtClean="0"/>
               <a:pPr/>
-              <a:t>8/8/2017</a:t>
+              <a:t>10/5/2017</a:t>
             </a:fld>
             <a:endParaRPr lang="en-US"/>
           </a:p>
@@ -1346,7 +1351,7 @@
             <a:fld id="{C17C92CA-27BA-48D5-B9B9-4E9A3862C39B}" type="datetimeFigureOut">
               <a:rPr lang="en-US" smtClean="0"/>
               <a:pPr/>
-              <a:t>8/8/2017</a:t>
+              <a:t>10/5/2017</a:t>
             </a:fld>
             <a:endParaRPr lang="en-US"/>
           </a:p>
@@ -1762,7 +1767,7 @@
             <a:fld id="{C17C92CA-27BA-48D5-B9B9-4E9A3862C39B}" type="datetimeFigureOut">
               <a:rPr lang="en-US" smtClean="0"/>
               <a:pPr/>
-              <a:t>8/8/2017</a:t>
+              <a:t>10/5/2017</a:t>
             </a:fld>
             <a:endParaRPr lang="en-US"/>
           </a:p>
@@ -1876,7 +1881,7 @@
             <a:fld id="{C17C92CA-27BA-48D5-B9B9-4E9A3862C39B}" type="datetimeFigureOut">
               <a:rPr lang="en-US" smtClean="0"/>
               <a:pPr/>
-              <a:t>8/8/2017</a:t>
+              <a:t>10/5/2017</a:t>
             </a:fld>
             <a:endParaRPr lang="en-US"/>
           </a:p>
@@ -1968,7 +1973,7 @@
             <a:fld id="{C17C92CA-27BA-48D5-B9B9-4E9A3862C39B}" type="datetimeFigureOut">
               <a:rPr lang="en-US" smtClean="0"/>
               <a:pPr/>
-              <a:t>8/8/2017</a:t>
+              <a:t>10/5/2017</a:t>
             </a:fld>
             <a:endParaRPr lang="en-US"/>
           </a:p>
@@ -2240,7 +2245,7 @@
             <a:fld id="{C17C92CA-27BA-48D5-B9B9-4E9A3862C39B}" type="datetimeFigureOut">
               <a:rPr lang="en-US" smtClean="0"/>
               <a:pPr/>
-              <a:t>8/8/2017</a:t>
+              <a:t>10/5/2017</a:t>
             </a:fld>
             <a:endParaRPr lang="en-US"/>
           </a:p>
@@ -2489,7 +2494,7 @@
             <a:fld id="{C17C92CA-27BA-48D5-B9B9-4E9A3862C39B}" type="datetimeFigureOut">
               <a:rPr lang="en-US" smtClean="0"/>
               <a:pPr/>
-              <a:t>8/8/2017</a:t>
+              <a:t>10/5/2017</a:t>
             </a:fld>
             <a:endParaRPr lang="en-US"/>
           </a:p>
@@ -2697,7 +2702,7 @@
             <a:fld id="{C17C92CA-27BA-48D5-B9B9-4E9A3862C39B}" type="datetimeFigureOut">
               <a:rPr lang="en-US" smtClean="0"/>
               <a:pPr/>
-              <a:t>8/8/2017</a:t>
+              <a:t>10/5/2017</a:t>
             </a:fld>
             <a:endParaRPr lang="en-US"/>
           </a:p>
@@ -3949,6 +3954,1557 @@
       </p:grpSpPr>
       <p:sp>
         <p:nvSpPr>
+          <p:cNvPr id="2" name="Rectangle 1"/>
+          <p:cNvSpPr/>
+          <p:nvPr/>
+        </p:nvSpPr>
+        <p:spPr>
+          <a:xfrm>
+            <a:off x="4932040" y="1196752"/>
+            <a:ext cx="3672408" cy="5184576"/>
+          </a:xfrm>
+          <a:prstGeom prst="rect">
+            <a:avLst/>
+          </a:prstGeom>
+          <a:solidFill>
+            <a:schemeClr val="bg1">
+              <a:lumMod val="85000"/>
+            </a:schemeClr>
+          </a:solidFill>
+          <a:ln>
+            <a:solidFill>
+              <a:schemeClr val="bg1">
+                <a:lumMod val="85000"/>
+              </a:schemeClr>
+            </a:solidFill>
+          </a:ln>
+        </p:spPr>
+        <p:style>
+          <a:lnRef idx="2">
+            <a:schemeClr val="accent1">
+              <a:shade val="50000"/>
+            </a:schemeClr>
+          </a:lnRef>
+          <a:fillRef idx="1">
+            <a:schemeClr val="accent1"/>
+          </a:fillRef>
+          <a:effectRef idx="0">
+            <a:schemeClr val="accent1"/>
+          </a:effectRef>
+          <a:fontRef idx="minor">
+            <a:schemeClr val="lt1"/>
+          </a:fontRef>
+        </p:style>
+        <p:txBody>
+          <a:bodyPr rtlCol="0" anchor="b" anchorCtr="0"/>
+          <a:lstStyle/>
+          <a:p>
+            <a:pPr algn="ctr"/>
+            <a:r>
+              <a:rPr lang="en-GB" dirty="0">
+                <a:solidFill>
+                  <a:schemeClr val="bg1">
+                    <a:lumMod val="50000"/>
+                  </a:schemeClr>
+                </a:solidFill>
+              </a:rPr>
+              <a:t>Vendor product</a:t>
+            </a:r>
+          </a:p>
+        </p:txBody>
+      </p:sp>
+      <p:sp>
+        <p:nvSpPr>
+          <p:cNvPr id="3" name="Can 2"/>
+          <p:cNvSpPr/>
+          <p:nvPr/>
+        </p:nvSpPr>
+        <p:spPr>
+          <a:xfrm>
+            <a:off x="5436096" y="4797152"/>
+            <a:ext cx="2736304" cy="1224136"/>
+          </a:xfrm>
+          <a:prstGeom prst="can">
+            <a:avLst/>
+          </a:prstGeom>
+          <a:solidFill>
+            <a:srgbClr val="00335F"/>
+          </a:solidFill>
+          <a:ln>
+            <a:solidFill>
+              <a:schemeClr val="tx2">
+                <a:lumMod val="50000"/>
+              </a:schemeClr>
+            </a:solidFill>
+          </a:ln>
+        </p:spPr>
+        <p:style>
+          <a:lnRef idx="2">
+            <a:schemeClr val="accent1">
+              <a:shade val="50000"/>
+            </a:schemeClr>
+          </a:lnRef>
+          <a:fillRef idx="1">
+            <a:schemeClr val="accent1"/>
+          </a:fillRef>
+          <a:effectRef idx="0">
+            <a:schemeClr val="accent1"/>
+          </a:effectRef>
+          <a:fontRef idx="minor">
+            <a:schemeClr val="lt1"/>
+          </a:fontRef>
+        </p:style>
+        <p:txBody>
+          <a:bodyPr rtlCol="0" anchor="ctr"/>
+          <a:lstStyle/>
+          <a:p>
+            <a:pPr algn="ctr"/>
+            <a:r>
+              <a:rPr lang="en-GB" sz="2400" b="1" dirty="0">
+                <a:solidFill>
+                  <a:schemeClr val="bg1"/>
+                </a:solidFill>
+              </a:rPr>
+              <a:t>EHR, Demographics</a:t>
+            </a:r>
+          </a:p>
+        </p:txBody>
+      </p:sp>
+      <p:sp>
+        <p:nvSpPr>
+          <p:cNvPr id="4" name="Can 3"/>
+          <p:cNvSpPr/>
+          <p:nvPr/>
+        </p:nvSpPr>
+        <p:spPr>
+          <a:xfrm>
+            <a:off x="611560" y="4509120"/>
+            <a:ext cx="2088232" cy="936104"/>
+          </a:xfrm>
+          <a:prstGeom prst="can">
+            <a:avLst/>
+          </a:prstGeom>
+          <a:solidFill>
+            <a:schemeClr val="accent3">
+              <a:lumMod val="40000"/>
+              <a:lumOff val="60000"/>
+            </a:schemeClr>
+          </a:solidFill>
+          <a:ln w="9525">
+            <a:solidFill>
+              <a:schemeClr val="bg1">
+                <a:lumMod val="65000"/>
+              </a:schemeClr>
+            </a:solidFill>
+          </a:ln>
+          <a:effectLst>
+            <a:innerShdw blurRad="63500" dist="50800" dir="5400000">
+              <a:prstClr val="black">
+                <a:alpha val="50000"/>
+              </a:prstClr>
+            </a:innerShdw>
+          </a:effectLst>
+        </p:spPr>
+        <p:style>
+          <a:lnRef idx="2">
+            <a:schemeClr val="accent1">
+              <a:shade val="50000"/>
+            </a:schemeClr>
+          </a:lnRef>
+          <a:fillRef idx="1">
+            <a:schemeClr val="accent1"/>
+          </a:fillRef>
+          <a:effectRef idx="0">
+            <a:schemeClr val="accent1"/>
+          </a:effectRef>
+          <a:fontRef idx="minor">
+            <a:schemeClr val="lt1"/>
+          </a:fontRef>
+        </p:style>
+        <p:txBody>
+          <a:bodyPr rtlCol="0" anchor="ctr"/>
+          <a:lstStyle/>
+          <a:p>
+            <a:pPr algn="ctr"/>
+            <a:r>
+              <a:rPr lang="en-GB" sz="2000" b="1" dirty="0">
+                <a:solidFill>
+                  <a:schemeClr val="bg1">
+                    <a:lumMod val="50000"/>
+                  </a:schemeClr>
+                </a:solidFill>
+              </a:rPr>
+              <a:t>Terminology</a:t>
+            </a:r>
+          </a:p>
+        </p:txBody>
+      </p:sp>
+      <p:sp>
+        <p:nvSpPr>
+          <p:cNvPr id="5" name="Flowchart: Multidocument 4"/>
+          <p:cNvSpPr/>
+          <p:nvPr/>
+        </p:nvSpPr>
+        <p:spPr>
+          <a:xfrm>
+            <a:off x="611560" y="3140968"/>
+            <a:ext cx="2088232" cy="1296144"/>
+          </a:xfrm>
+          <a:prstGeom prst="flowChartMultidocument">
+            <a:avLst/>
+          </a:prstGeom>
+          <a:solidFill>
+            <a:srgbClr val="BADDEE"/>
+          </a:solidFill>
+          <a:ln w="6350">
+            <a:solidFill>
+              <a:schemeClr val="accent5">
+                <a:lumMod val="60000"/>
+                <a:lumOff val="40000"/>
+              </a:schemeClr>
+            </a:solidFill>
+          </a:ln>
+          <a:scene3d>
+            <a:camera prst="orthographicFront"/>
+            <a:lightRig rig="threePt" dir="t"/>
+          </a:scene3d>
+          <a:sp3d>
+            <a:bevelT/>
+          </a:sp3d>
+        </p:spPr>
+        <p:style>
+          <a:lnRef idx="2">
+            <a:schemeClr val="accent1">
+              <a:shade val="50000"/>
+            </a:schemeClr>
+          </a:lnRef>
+          <a:fillRef idx="1">
+            <a:schemeClr val="accent1"/>
+          </a:fillRef>
+          <a:effectRef idx="0">
+            <a:schemeClr val="accent1"/>
+          </a:effectRef>
+          <a:fontRef idx="minor">
+            <a:schemeClr val="lt1"/>
+          </a:fontRef>
+        </p:style>
+        <p:txBody>
+          <a:bodyPr lIns="0" tIns="0" rIns="0" bIns="144000" rtlCol="0" anchor="ctr"/>
+          <a:lstStyle/>
+          <a:p>
+            <a:pPr algn="ctr"/>
+            <a:r>
+              <a:rPr lang="en-GB" sz="2000" b="1" dirty="0">
+                <a:solidFill>
+                  <a:srgbClr val="002060"/>
+                </a:solidFill>
+              </a:rPr>
+              <a:t>Clinical</a:t>
+            </a:r>
+          </a:p>
+          <a:p>
+            <a:pPr algn="ctr"/>
+            <a:r>
+              <a:rPr lang="en-GB" sz="2000" b="1" dirty="0">
+                <a:solidFill>
+                  <a:srgbClr val="002060"/>
+                </a:solidFill>
+              </a:rPr>
+              <a:t>Models</a:t>
+            </a:r>
+          </a:p>
+        </p:txBody>
+      </p:sp>
+      <p:sp>
+        <p:nvSpPr>
+          <p:cNvPr id="6" name="Right Arrow 5"/>
+          <p:cNvSpPr/>
+          <p:nvPr/>
+        </p:nvSpPr>
+        <p:spPr>
+          <a:xfrm rot="5400000" flipH="1">
+            <a:off x="7164288" y="4365105"/>
+            <a:ext cx="432048" cy="288032"/>
+          </a:xfrm>
+          <a:prstGeom prst="rightArrow">
+            <a:avLst/>
+          </a:prstGeom>
+          <a:solidFill>
+            <a:srgbClr val="00335F"/>
+          </a:solidFill>
+          <a:ln w="6350">
+            <a:solidFill>
+              <a:schemeClr val="bg1">
+                <a:lumMod val="50000"/>
+              </a:schemeClr>
+            </a:solidFill>
+          </a:ln>
+          <a:effectLst>
+            <a:innerShdw blurRad="63500" dist="50800" dir="8100000">
+              <a:prstClr val="black">
+                <a:alpha val="50000"/>
+              </a:prstClr>
+            </a:innerShdw>
+          </a:effectLst>
+        </p:spPr>
+        <p:style>
+          <a:lnRef idx="2">
+            <a:schemeClr val="accent1">
+              <a:shade val="50000"/>
+            </a:schemeClr>
+          </a:lnRef>
+          <a:fillRef idx="1">
+            <a:schemeClr val="accent1"/>
+          </a:fillRef>
+          <a:effectRef idx="0">
+            <a:schemeClr val="accent1"/>
+          </a:effectRef>
+          <a:fontRef idx="minor">
+            <a:schemeClr val="lt1"/>
+          </a:fontRef>
+        </p:style>
+        <p:txBody>
+          <a:bodyPr rtlCol="0" anchor="ctr"/>
+          <a:lstStyle/>
+          <a:p>
+            <a:pPr algn="ctr"/>
+            <a:endParaRPr lang="en-GB">
+              <a:solidFill>
+                <a:schemeClr val="bg1">
+                  <a:lumMod val="50000"/>
+                </a:schemeClr>
+              </a:solidFill>
+            </a:endParaRPr>
+          </a:p>
+        </p:txBody>
+      </p:sp>
+      <p:sp>
+        <p:nvSpPr>
+          <p:cNvPr id="7" name="Right Arrow 6"/>
+          <p:cNvSpPr/>
+          <p:nvPr/>
+        </p:nvSpPr>
+        <p:spPr>
+          <a:xfrm rot="16200000" flipH="1">
+            <a:off x="6228184" y="4365105"/>
+            <a:ext cx="432048" cy="288032"/>
+          </a:xfrm>
+          <a:prstGeom prst="rightArrow">
+            <a:avLst/>
+          </a:prstGeom>
+          <a:solidFill>
+            <a:srgbClr val="00335F"/>
+          </a:solidFill>
+          <a:ln w="6350">
+            <a:solidFill>
+              <a:schemeClr val="bg1">
+                <a:lumMod val="50000"/>
+              </a:schemeClr>
+            </a:solidFill>
+          </a:ln>
+          <a:effectLst>
+            <a:innerShdw blurRad="63500" dist="50800" dir="8100000">
+              <a:prstClr val="black">
+                <a:alpha val="50000"/>
+              </a:prstClr>
+            </a:innerShdw>
+          </a:effectLst>
+        </p:spPr>
+        <p:style>
+          <a:lnRef idx="2">
+            <a:schemeClr val="accent1">
+              <a:shade val="50000"/>
+            </a:schemeClr>
+          </a:lnRef>
+          <a:fillRef idx="1">
+            <a:schemeClr val="accent1"/>
+          </a:fillRef>
+          <a:effectRef idx="0">
+            <a:schemeClr val="accent1"/>
+          </a:effectRef>
+          <a:fontRef idx="minor">
+            <a:schemeClr val="lt1"/>
+          </a:fontRef>
+        </p:style>
+        <p:txBody>
+          <a:bodyPr rtlCol="0" anchor="ctr"/>
+          <a:lstStyle/>
+          <a:p>
+            <a:pPr algn="ctr"/>
+            <a:endParaRPr lang="en-GB">
+              <a:solidFill>
+                <a:schemeClr val="bg1">
+                  <a:lumMod val="50000"/>
+                </a:schemeClr>
+              </a:solidFill>
+            </a:endParaRPr>
+          </a:p>
+        </p:txBody>
+      </p:sp>
+      <p:sp>
+        <p:nvSpPr>
+          <p:cNvPr id="8" name="TextBox 7"/>
+          <p:cNvSpPr txBox="1"/>
+          <p:nvPr/>
+        </p:nvSpPr>
+        <p:spPr>
+          <a:xfrm>
+            <a:off x="5292080" y="4293096"/>
+            <a:ext cx="982448" cy="400110"/>
+          </a:xfrm>
+          <a:prstGeom prst="rect">
+            <a:avLst/>
+          </a:prstGeom>
+          <a:noFill/>
+        </p:spPr>
+        <p:txBody>
+          <a:bodyPr wrap="none" rtlCol="0">
+            <a:spAutoFit/>
+          </a:bodyPr>
+          <a:lstStyle/>
+          <a:p>
+            <a:r>
+              <a:rPr lang="en-GB" sz="2000" dirty="0">
+                <a:solidFill>
+                  <a:srgbClr val="002060"/>
+                </a:solidFill>
+              </a:rPr>
+              <a:t>commit</a:t>
+            </a:r>
+          </a:p>
+        </p:txBody>
+      </p:sp>
+      <p:sp>
+        <p:nvSpPr>
+          <p:cNvPr id="9" name="TextBox 8"/>
+          <p:cNvSpPr txBox="1"/>
+          <p:nvPr/>
+        </p:nvSpPr>
+        <p:spPr>
+          <a:xfrm>
+            <a:off x="7452320" y="4293096"/>
+            <a:ext cx="788677" cy="400110"/>
+          </a:xfrm>
+          <a:prstGeom prst="rect">
+            <a:avLst/>
+          </a:prstGeom>
+          <a:noFill/>
+        </p:spPr>
+        <p:txBody>
+          <a:bodyPr wrap="none" rtlCol="0">
+            <a:spAutoFit/>
+          </a:bodyPr>
+          <a:lstStyle/>
+          <a:p>
+            <a:r>
+              <a:rPr lang="en-GB" sz="2000" dirty="0">
+                <a:solidFill>
+                  <a:srgbClr val="002060"/>
+                </a:solidFill>
+              </a:rPr>
+              <a:t>query</a:t>
+            </a:r>
+          </a:p>
+        </p:txBody>
+      </p:sp>
+      <p:sp>
+        <p:nvSpPr>
+          <p:cNvPr id="10" name="Rounded Rectangle 9"/>
+          <p:cNvSpPr/>
+          <p:nvPr/>
+        </p:nvSpPr>
+        <p:spPr>
+          <a:xfrm>
+            <a:off x="5436096" y="3140968"/>
+            <a:ext cx="2736304" cy="936104"/>
+          </a:xfrm>
+          <a:prstGeom prst="roundRect">
+            <a:avLst/>
+          </a:prstGeom>
+          <a:solidFill>
+            <a:srgbClr val="EDC87A"/>
+          </a:solidFill>
+          <a:ln>
+            <a:noFill/>
+          </a:ln>
+          <a:effectLst>
+            <a:outerShdw blurRad="44450" dist="27940" dir="5400000" algn="ctr">
+              <a:srgbClr val="000000">
+                <a:alpha val="32000"/>
+              </a:srgbClr>
+            </a:outerShdw>
+          </a:effectLst>
+          <a:scene3d>
+            <a:camera prst="orthographicFront">
+              <a:rot lat="0" lon="0" rev="0"/>
+            </a:camera>
+            <a:lightRig rig="balanced" dir="t">
+              <a:rot lat="0" lon="0" rev="8700000"/>
+            </a:lightRig>
+          </a:scene3d>
+          <a:sp3d>
+            <a:bevelT w="190500" h="38100"/>
+          </a:sp3d>
+        </p:spPr>
+        <p:style>
+          <a:lnRef idx="2">
+            <a:schemeClr val="accent1">
+              <a:shade val="50000"/>
+            </a:schemeClr>
+          </a:lnRef>
+          <a:fillRef idx="1">
+            <a:schemeClr val="accent1"/>
+          </a:fillRef>
+          <a:effectRef idx="0">
+            <a:schemeClr val="accent1"/>
+          </a:effectRef>
+          <a:fontRef idx="minor">
+            <a:schemeClr val="lt1"/>
+          </a:fontRef>
+        </p:style>
+        <p:txBody>
+          <a:bodyPr rtlCol="0" anchor="ctr"/>
+          <a:lstStyle/>
+          <a:p>
+            <a:pPr algn="ctr"/>
+            <a:r>
+              <a:rPr lang="en-US" sz="2400" b="1" dirty="0" err="1">
+                <a:solidFill>
+                  <a:srgbClr val="00335F"/>
+                </a:solidFill>
+              </a:rPr>
+              <a:t>openEHR</a:t>
+            </a:r>
+            <a:endParaRPr lang="en-US" sz="2400" b="1" dirty="0">
+              <a:solidFill>
+                <a:srgbClr val="00335F"/>
+              </a:solidFill>
+            </a:endParaRPr>
+          </a:p>
+          <a:p>
+            <a:pPr algn="ctr"/>
+            <a:r>
+              <a:rPr lang="en-US" sz="2400" b="1" dirty="0">
+                <a:solidFill>
+                  <a:srgbClr val="00335F"/>
+                </a:solidFill>
+              </a:rPr>
+              <a:t>Platform</a:t>
+            </a:r>
+          </a:p>
+        </p:txBody>
+      </p:sp>
+      <p:sp>
+        <p:nvSpPr>
+          <p:cNvPr id="11" name="Right Arrow 10"/>
+          <p:cNvSpPr/>
+          <p:nvPr/>
+        </p:nvSpPr>
+        <p:spPr>
+          <a:xfrm>
+            <a:off x="4788024" y="3429000"/>
+            <a:ext cx="576064" cy="288032"/>
+          </a:xfrm>
+          <a:prstGeom prst="rightArrow">
+            <a:avLst/>
+          </a:prstGeom>
+          <a:solidFill>
+            <a:srgbClr val="EDC87A"/>
+          </a:solidFill>
+          <a:ln w="6350">
+            <a:solidFill>
+              <a:schemeClr val="bg1">
+                <a:lumMod val="75000"/>
+              </a:schemeClr>
+            </a:solidFill>
+          </a:ln>
+          <a:effectLst>
+            <a:innerShdw blurRad="63500" dist="50800" dir="8100000">
+              <a:prstClr val="black">
+                <a:alpha val="50000"/>
+              </a:prstClr>
+            </a:innerShdw>
+          </a:effectLst>
+        </p:spPr>
+        <p:style>
+          <a:lnRef idx="2">
+            <a:schemeClr val="accent1">
+              <a:shade val="50000"/>
+            </a:schemeClr>
+          </a:lnRef>
+          <a:fillRef idx="1">
+            <a:schemeClr val="accent1"/>
+          </a:fillRef>
+          <a:effectRef idx="0">
+            <a:schemeClr val="accent1"/>
+          </a:effectRef>
+          <a:fontRef idx="minor">
+            <a:schemeClr val="lt1"/>
+          </a:fontRef>
+        </p:style>
+        <p:txBody>
+          <a:bodyPr rtlCol="0" anchor="ctr"/>
+          <a:lstStyle/>
+          <a:p>
+            <a:pPr algn="ctr"/>
+            <a:endParaRPr lang="en-GB"/>
+          </a:p>
+        </p:txBody>
+      </p:sp>
+      <p:sp>
+        <p:nvSpPr>
+          <p:cNvPr id="12" name="Rounded Rectangle 11"/>
+          <p:cNvSpPr/>
+          <p:nvPr/>
+        </p:nvSpPr>
+        <p:spPr>
+          <a:xfrm>
+            <a:off x="5436096" y="1516722"/>
+            <a:ext cx="1296144" cy="976174"/>
+          </a:xfrm>
+          <a:prstGeom prst="roundRect">
+            <a:avLst/>
+          </a:prstGeom>
+          <a:solidFill>
+            <a:srgbClr val="FFFF00"/>
+          </a:solidFill>
+          <a:ln>
+            <a:noFill/>
+          </a:ln>
+          <a:effectLst>
+            <a:outerShdw blurRad="44450" dist="27940" dir="5400000" algn="ctr">
+              <a:srgbClr val="000000">
+                <a:alpha val="32000"/>
+              </a:srgbClr>
+            </a:outerShdw>
+          </a:effectLst>
+          <a:scene3d>
+            <a:camera prst="orthographicFront">
+              <a:rot lat="0" lon="0" rev="0"/>
+            </a:camera>
+            <a:lightRig rig="balanced" dir="t">
+              <a:rot lat="0" lon="0" rev="8700000"/>
+            </a:lightRig>
+          </a:scene3d>
+          <a:sp3d>
+            <a:bevelT w="190500" h="38100"/>
+          </a:sp3d>
+        </p:spPr>
+        <p:style>
+          <a:lnRef idx="2">
+            <a:schemeClr val="accent1">
+              <a:shade val="50000"/>
+            </a:schemeClr>
+          </a:lnRef>
+          <a:fillRef idx="1">
+            <a:schemeClr val="accent1"/>
+          </a:fillRef>
+          <a:effectRef idx="0">
+            <a:schemeClr val="accent1"/>
+          </a:effectRef>
+          <a:fontRef idx="minor">
+            <a:schemeClr val="lt1"/>
+          </a:fontRef>
+        </p:style>
+        <p:txBody>
+          <a:bodyPr rtlCol="0" anchor="ctr"/>
+          <a:lstStyle/>
+          <a:p>
+            <a:pPr algn="ctr"/>
+            <a:r>
+              <a:rPr lang="en-US" sz="2000" b="1" dirty="0">
+                <a:solidFill>
+                  <a:srgbClr val="00335F"/>
+                </a:solidFill>
+              </a:rPr>
+              <a:t>Data capture apps</a:t>
+            </a:r>
+          </a:p>
+        </p:txBody>
+      </p:sp>
+      <p:sp>
+        <p:nvSpPr>
+          <p:cNvPr id="13" name="Rounded Rectangle 12"/>
+          <p:cNvSpPr/>
+          <p:nvPr/>
+        </p:nvSpPr>
+        <p:spPr>
+          <a:xfrm>
+            <a:off x="6876256" y="1516722"/>
+            <a:ext cx="1296144" cy="976174"/>
+          </a:xfrm>
+          <a:prstGeom prst="roundRect">
+            <a:avLst/>
+          </a:prstGeom>
+          <a:solidFill>
+            <a:srgbClr val="FFFF00"/>
+          </a:solidFill>
+          <a:ln>
+            <a:noFill/>
+          </a:ln>
+          <a:effectLst>
+            <a:outerShdw blurRad="44450" dist="27940" dir="5400000" algn="ctr">
+              <a:srgbClr val="000000">
+                <a:alpha val="32000"/>
+              </a:srgbClr>
+            </a:outerShdw>
+          </a:effectLst>
+          <a:scene3d>
+            <a:camera prst="orthographicFront">
+              <a:rot lat="0" lon="0" rev="0"/>
+            </a:camera>
+            <a:lightRig rig="balanced" dir="t">
+              <a:rot lat="0" lon="0" rev="8700000"/>
+            </a:lightRig>
+          </a:scene3d>
+          <a:sp3d>
+            <a:bevelT w="190500" h="38100"/>
+          </a:sp3d>
+        </p:spPr>
+        <p:style>
+          <a:lnRef idx="2">
+            <a:schemeClr val="accent1">
+              <a:shade val="50000"/>
+            </a:schemeClr>
+          </a:lnRef>
+          <a:fillRef idx="1">
+            <a:schemeClr val="accent1"/>
+          </a:fillRef>
+          <a:effectRef idx="0">
+            <a:schemeClr val="accent1"/>
+          </a:effectRef>
+          <a:fontRef idx="minor">
+            <a:schemeClr val="lt1"/>
+          </a:fontRef>
+        </p:style>
+        <p:txBody>
+          <a:bodyPr rtlCol="0" anchor="ctr"/>
+          <a:lstStyle/>
+          <a:p>
+            <a:pPr algn="ctr"/>
+            <a:r>
+              <a:rPr lang="en-US" sz="2000" b="1" dirty="0">
+                <a:solidFill>
+                  <a:srgbClr val="00335F"/>
+                </a:solidFill>
+              </a:rPr>
+              <a:t>View, Analysis apps</a:t>
+            </a:r>
+          </a:p>
+        </p:txBody>
+      </p:sp>
+      <p:sp>
+        <p:nvSpPr>
+          <p:cNvPr id="14" name="Right Arrow 13"/>
+          <p:cNvSpPr/>
+          <p:nvPr/>
+        </p:nvSpPr>
+        <p:spPr>
+          <a:xfrm rot="16200000" flipH="1">
+            <a:off x="5868144" y="1052736"/>
+            <a:ext cx="432048" cy="288032"/>
+          </a:xfrm>
+          <a:prstGeom prst="rightArrow">
+            <a:avLst/>
+          </a:prstGeom>
+          <a:solidFill>
+            <a:srgbClr val="F7EFC1"/>
+          </a:solidFill>
+          <a:ln w="6350">
+            <a:solidFill>
+              <a:schemeClr val="bg1">
+                <a:lumMod val="50000"/>
+              </a:schemeClr>
+            </a:solidFill>
+          </a:ln>
+          <a:effectLst>
+            <a:innerShdw blurRad="63500" dist="50800" dir="8100000">
+              <a:prstClr val="black">
+                <a:alpha val="50000"/>
+              </a:prstClr>
+            </a:innerShdw>
+          </a:effectLst>
+        </p:spPr>
+        <p:style>
+          <a:lnRef idx="2">
+            <a:schemeClr val="accent1">
+              <a:shade val="50000"/>
+            </a:schemeClr>
+          </a:lnRef>
+          <a:fillRef idx="1">
+            <a:schemeClr val="accent1"/>
+          </a:fillRef>
+          <a:effectRef idx="0">
+            <a:schemeClr val="accent1"/>
+          </a:effectRef>
+          <a:fontRef idx="minor">
+            <a:schemeClr val="lt1"/>
+          </a:fontRef>
+        </p:style>
+        <p:txBody>
+          <a:bodyPr rtlCol="0" anchor="ctr"/>
+          <a:lstStyle/>
+          <a:p>
+            <a:pPr algn="ctr"/>
+            <a:endParaRPr lang="en-GB">
+              <a:solidFill>
+                <a:schemeClr val="bg1">
+                  <a:lumMod val="50000"/>
+                </a:schemeClr>
+              </a:solidFill>
+            </a:endParaRPr>
+          </a:p>
+        </p:txBody>
+      </p:sp>
+      <p:sp>
+        <p:nvSpPr>
+          <p:cNvPr id="15" name="Right Arrow 14"/>
+          <p:cNvSpPr/>
+          <p:nvPr/>
+        </p:nvSpPr>
+        <p:spPr>
+          <a:xfrm rot="5400000" flipH="1">
+            <a:off x="7308304" y="1052736"/>
+            <a:ext cx="432048" cy="288032"/>
+          </a:xfrm>
+          <a:prstGeom prst="rightArrow">
+            <a:avLst/>
+          </a:prstGeom>
+          <a:solidFill>
+            <a:srgbClr val="F7EFC1"/>
+          </a:solidFill>
+          <a:ln w="6350">
+            <a:solidFill>
+              <a:schemeClr val="bg1">
+                <a:lumMod val="50000"/>
+              </a:schemeClr>
+            </a:solidFill>
+          </a:ln>
+          <a:effectLst>
+            <a:innerShdw blurRad="63500" dist="50800" dir="8100000">
+              <a:prstClr val="black">
+                <a:alpha val="50000"/>
+              </a:prstClr>
+            </a:innerShdw>
+          </a:effectLst>
+        </p:spPr>
+        <p:style>
+          <a:lnRef idx="2">
+            <a:schemeClr val="accent1">
+              <a:shade val="50000"/>
+            </a:schemeClr>
+          </a:lnRef>
+          <a:fillRef idx="1">
+            <a:schemeClr val="accent1"/>
+          </a:fillRef>
+          <a:effectRef idx="0">
+            <a:schemeClr val="accent1"/>
+          </a:effectRef>
+          <a:fontRef idx="minor">
+            <a:schemeClr val="lt1"/>
+          </a:fontRef>
+        </p:style>
+        <p:txBody>
+          <a:bodyPr rtlCol="0" anchor="ctr"/>
+          <a:lstStyle/>
+          <a:p>
+            <a:pPr algn="ctr"/>
+            <a:endParaRPr lang="en-GB">
+              <a:solidFill>
+                <a:schemeClr val="bg1">
+                  <a:lumMod val="50000"/>
+                </a:schemeClr>
+              </a:solidFill>
+            </a:endParaRPr>
+          </a:p>
+        </p:txBody>
+      </p:sp>
+      <p:sp>
+        <p:nvSpPr>
+          <p:cNvPr id="16" name="TextBox 15"/>
+          <p:cNvSpPr txBox="1"/>
+          <p:nvPr/>
+        </p:nvSpPr>
+        <p:spPr>
+          <a:xfrm>
+            <a:off x="6192180" y="304495"/>
+            <a:ext cx="1152128" cy="400110"/>
+          </a:xfrm>
+          <a:prstGeom prst="rect">
+            <a:avLst/>
+          </a:prstGeom>
+          <a:noFill/>
+        </p:spPr>
+        <p:txBody>
+          <a:bodyPr wrap="square" rtlCol="0">
+            <a:spAutoFit/>
+          </a:bodyPr>
+          <a:lstStyle/>
+          <a:p>
+            <a:pPr algn="ctr">
+              <a:spcAft>
+                <a:spcPts val="300"/>
+              </a:spcAft>
+            </a:pPr>
+            <a:r>
+              <a:rPr lang="en-US" sz="2000" b="1" dirty="0">
+                <a:solidFill>
+                  <a:schemeClr val="bg1">
+                    <a:lumMod val="50000"/>
+                  </a:schemeClr>
+                </a:solidFill>
+              </a:rPr>
+              <a:t>Users</a:t>
+            </a:r>
+          </a:p>
+        </p:txBody>
+      </p:sp>
+      <p:sp>
+        <p:nvSpPr>
+          <p:cNvPr id="17" name="Right Arrow 16"/>
+          <p:cNvSpPr/>
+          <p:nvPr/>
+        </p:nvSpPr>
+        <p:spPr>
+          <a:xfrm>
+            <a:off x="2807804" y="3284984"/>
+            <a:ext cx="576064" cy="288032"/>
+          </a:xfrm>
+          <a:prstGeom prst="rightArrow">
+            <a:avLst/>
+          </a:prstGeom>
+          <a:solidFill>
+            <a:srgbClr val="BADDEE"/>
+          </a:solidFill>
+          <a:ln w="6350">
+            <a:solidFill>
+              <a:schemeClr val="bg1">
+                <a:lumMod val="75000"/>
+              </a:schemeClr>
+            </a:solidFill>
+          </a:ln>
+          <a:effectLst>
+            <a:innerShdw blurRad="63500" dist="50800" dir="8100000">
+              <a:prstClr val="black">
+                <a:alpha val="50000"/>
+              </a:prstClr>
+            </a:innerShdw>
+          </a:effectLst>
+        </p:spPr>
+        <p:style>
+          <a:lnRef idx="2">
+            <a:schemeClr val="accent1">
+              <a:shade val="50000"/>
+            </a:schemeClr>
+          </a:lnRef>
+          <a:fillRef idx="1">
+            <a:schemeClr val="accent1"/>
+          </a:fillRef>
+          <a:effectRef idx="0">
+            <a:schemeClr val="accent1"/>
+          </a:effectRef>
+          <a:fontRef idx="minor">
+            <a:schemeClr val="lt1"/>
+          </a:fontRef>
+        </p:style>
+        <p:txBody>
+          <a:bodyPr rtlCol="0" anchor="ctr"/>
+          <a:lstStyle/>
+          <a:p>
+            <a:pPr algn="ctr"/>
+            <a:endParaRPr lang="en-GB"/>
+          </a:p>
+        </p:txBody>
+      </p:sp>
+      <p:sp>
+        <p:nvSpPr>
+          <p:cNvPr id="18" name="Oval 17"/>
+          <p:cNvSpPr/>
+          <p:nvPr/>
+        </p:nvSpPr>
+        <p:spPr>
+          <a:xfrm>
+            <a:off x="3419872" y="3175464"/>
+            <a:ext cx="1296144" cy="792088"/>
+          </a:xfrm>
+          <a:prstGeom prst="ellipse">
+            <a:avLst/>
+          </a:prstGeom>
+          <a:solidFill>
+            <a:srgbClr val="EDC87A"/>
+          </a:solidFill>
+          <a:ln>
+            <a:noFill/>
+          </a:ln>
+          <a:effectLst>
+            <a:outerShdw blurRad="44450" dist="27940" dir="5400000" algn="ctr">
+              <a:srgbClr val="000000">
+                <a:alpha val="32000"/>
+              </a:srgbClr>
+            </a:outerShdw>
+          </a:effectLst>
+          <a:scene3d>
+            <a:camera prst="orthographicFront">
+              <a:rot lat="0" lon="0" rev="0"/>
+            </a:camera>
+            <a:lightRig rig="balanced" dir="t">
+              <a:rot lat="0" lon="0" rev="8700000"/>
+            </a:lightRig>
+          </a:scene3d>
+          <a:sp3d>
+            <a:bevelT w="190500" h="38100"/>
+          </a:sp3d>
+        </p:spPr>
+        <p:style>
+          <a:lnRef idx="2">
+            <a:schemeClr val="accent1">
+              <a:shade val="50000"/>
+            </a:schemeClr>
+          </a:lnRef>
+          <a:fillRef idx="1">
+            <a:schemeClr val="accent1"/>
+          </a:fillRef>
+          <a:effectRef idx="0">
+            <a:schemeClr val="accent1"/>
+          </a:effectRef>
+          <a:fontRef idx="minor">
+            <a:schemeClr val="lt1"/>
+          </a:fontRef>
+        </p:style>
+        <p:txBody>
+          <a:bodyPr lIns="0" rIns="0" rtlCol="0" anchor="ctr"/>
+          <a:lstStyle/>
+          <a:p>
+            <a:pPr algn="ctr"/>
+            <a:r>
+              <a:rPr lang="en-GB" dirty="0">
+                <a:solidFill>
+                  <a:srgbClr val="002060"/>
+                </a:solidFill>
+              </a:rPr>
+              <a:t>transform</a:t>
+            </a:r>
+          </a:p>
+        </p:txBody>
+      </p:sp>
+      <p:sp>
+        <p:nvSpPr>
+          <p:cNvPr id="19" name="Right Arrow 18"/>
+          <p:cNvSpPr/>
+          <p:nvPr/>
+        </p:nvSpPr>
+        <p:spPr>
+          <a:xfrm>
+            <a:off x="2825806" y="3573016"/>
+            <a:ext cx="576064" cy="288032"/>
+          </a:xfrm>
+          <a:prstGeom prst="rightArrow">
+            <a:avLst/>
+          </a:prstGeom>
+          <a:solidFill>
+            <a:schemeClr val="accent3">
+              <a:lumMod val="40000"/>
+              <a:lumOff val="60000"/>
+            </a:schemeClr>
+          </a:solidFill>
+          <a:ln w="6350">
+            <a:solidFill>
+              <a:schemeClr val="bg1">
+                <a:lumMod val="75000"/>
+              </a:schemeClr>
+            </a:solidFill>
+          </a:ln>
+          <a:effectLst>
+            <a:innerShdw blurRad="63500" dist="50800" dir="8100000">
+              <a:prstClr val="black">
+                <a:alpha val="50000"/>
+              </a:prstClr>
+            </a:innerShdw>
+          </a:effectLst>
+        </p:spPr>
+        <p:style>
+          <a:lnRef idx="2">
+            <a:schemeClr val="accent1">
+              <a:shade val="50000"/>
+            </a:schemeClr>
+          </a:lnRef>
+          <a:fillRef idx="1">
+            <a:schemeClr val="accent1"/>
+          </a:fillRef>
+          <a:effectRef idx="0">
+            <a:schemeClr val="accent1"/>
+          </a:effectRef>
+          <a:fontRef idx="minor">
+            <a:schemeClr val="lt1"/>
+          </a:fontRef>
+        </p:style>
+        <p:txBody>
+          <a:bodyPr rtlCol="0" anchor="ctr"/>
+          <a:lstStyle/>
+          <a:p>
+            <a:pPr algn="ctr"/>
+            <a:endParaRPr lang="en-GB"/>
+          </a:p>
+        </p:txBody>
+      </p:sp>
+      <p:grpSp>
+        <p:nvGrpSpPr>
+          <p:cNvPr id="20" name="Group 19"/>
+          <p:cNvGrpSpPr/>
+          <p:nvPr/>
+        </p:nvGrpSpPr>
+        <p:grpSpPr>
+          <a:xfrm>
+            <a:off x="251520" y="764704"/>
+            <a:ext cx="3024336" cy="2240128"/>
+            <a:chOff x="251520" y="548680"/>
+            <a:chExt cx="3024336" cy="2240128"/>
+          </a:xfrm>
+        </p:grpSpPr>
+        <p:sp>
+          <p:nvSpPr>
+            <p:cNvPr id="21" name="Cloud 20"/>
+            <p:cNvSpPr/>
+            <p:nvPr/>
+          </p:nvSpPr>
+          <p:spPr>
+            <a:xfrm>
+              <a:off x="251520" y="548680"/>
+              <a:ext cx="3024336" cy="1584176"/>
+            </a:xfrm>
+            <a:prstGeom prst="cloud">
+              <a:avLst/>
+            </a:prstGeom>
+            <a:solidFill>
+              <a:schemeClr val="accent5">
+                <a:lumMod val="20000"/>
+                <a:lumOff val="80000"/>
+              </a:schemeClr>
+            </a:solidFill>
+            <a:ln>
+              <a:noFill/>
+            </a:ln>
+            <a:effectLst>
+              <a:outerShdw blurRad="44450" dist="27940" dir="5400000" algn="ctr">
+                <a:srgbClr val="000000">
+                  <a:alpha val="32000"/>
+                </a:srgbClr>
+              </a:outerShdw>
+            </a:effectLst>
+            <a:scene3d>
+              <a:camera prst="orthographicFront">
+                <a:rot lat="0" lon="0" rev="0"/>
+              </a:camera>
+              <a:lightRig rig="balanced" dir="t">
+                <a:rot lat="0" lon="0" rev="8700000"/>
+              </a:lightRig>
+            </a:scene3d>
+            <a:sp3d>
+              <a:bevelT w="190500" h="38100"/>
+            </a:sp3d>
+          </p:spPr>
+          <p:style>
+            <a:lnRef idx="2">
+              <a:schemeClr val="accent1">
+                <a:shade val="50000"/>
+              </a:schemeClr>
+            </a:lnRef>
+            <a:fillRef idx="1">
+              <a:schemeClr val="accent1"/>
+            </a:fillRef>
+            <a:effectRef idx="0">
+              <a:schemeClr val="accent1"/>
+            </a:effectRef>
+            <a:fontRef idx="minor">
+              <a:schemeClr val="lt1"/>
+            </a:fontRef>
+          </p:style>
+          <p:txBody>
+            <a:bodyPr rtlCol="0" anchor="ctr"/>
+            <a:lstStyle/>
+            <a:p>
+              <a:pPr algn="ctr"/>
+              <a:r>
+                <a:rPr lang="en-GB" sz="2000" dirty="0">
+                  <a:solidFill>
+                    <a:srgbClr val="0070C0"/>
+                  </a:solidFill>
+                </a:rPr>
+                <a:t>International, national clinical experts</a:t>
+              </a:r>
+            </a:p>
+          </p:txBody>
+        </p:sp>
+        <p:sp>
+          <p:nvSpPr>
+            <p:cNvPr id="22" name="Down Arrow 21"/>
+            <p:cNvSpPr/>
+            <p:nvPr/>
+          </p:nvSpPr>
+          <p:spPr>
+            <a:xfrm>
+              <a:off x="1403648" y="2212744"/>
+              <a:ext cx="432048" cy="576064"/>
+            </a:xfrm>
+            <a:prstGeom prst="downArrow">
+              <a:avLst/>
+            </a:prstGeom>
+            <a:solidFill>
+              <a:schemeClr val="accent5">
+                <a:lumMod val="20000"/>
+                <a:lumOff val="80000"/>
+              </a:schemeClr>
+            </a:solidFill>
+            <a:ln>
+              <a:noFill/>
+            </a:ln>
+            <a:effectLst>
+              <a:outerShdw blurRad="44450" dist="27940" dir="5400000" algn="ctr">
+                <a:srgbClr val="000000">
+                  <a:alpha val="32000"/>
+                </a:srgbClr>
+              </a:outerShdw>
+            </a:effectLst>
+            <a:scene3d>
+              <a:camera prst="orthographicFront">
+                <a:rot lat="0" lon="0" rev="0"/>
+              </a:camera>
+              <a:lightRig rig="balanced" dir="t">
+                <a:rot lat="0" lon="0" rev="8700000"/>
+              </a:lightRig>
+            </a:scene3d>
+            <a:sp3d>
+              <a:bevelT w="190500" h="38100"/>
+            </a:sp3d>
+          </p:spPr>
+          <p:style>
+            <a:lnRef idx="2">
+              <a:schemeClr val="accent1">
+                <a:shade val="50000"/>
+              </a:schemeClr>
+            </a:lnRef>
+            <a:fillRef idx="1">
+              <a:schemeClr val="accent1"/>
+            </a:fillRef>
+            <a:effectRef idx="0">
+              <a:schemeClr val="accent1"/>
+            </a:effectRef>
+            <a:fontRef idx="minor">
+              <a:schemeClr val="lt1"/>
+            </a:fontRef>
+          </p:style>
+          <p:txBody>
+            <a:bodyPr rtlCol="0" anchor="ctr"/>
+            <a:lstStyle/>
+            <a:p>
+              <a:pPr algn="ctr"/>
+              <a:endParaRPr lang="en-GB"/>
+            </a:p>
+          </p:txBody>
+        </p:sp>
+      </p:grpSp>
+      <p:sp>
+        <p:nvSpPr>
+          <p:cNvPr id="23" name="Rounded Rectangle 22"/>
+          <p:cNvSpPr/>
+          <p:nvPr/>
+        </p:nvSpPr>
+        <p:spPr>
+          <a:xfrm>
+            <a:off x="5436096" y="2596842"/>
+            <a:ext cx="2736304" cy="472118"/>
+          </a:xfrm>
+          <a:prstGeom prst="roundRect">
+            <a:avLst/>
+          </a:prstGeom>
+          <a:solidFill>
+            <a:srgbClr val="FFC000"/>
+          </a:solidFill>
+          <a:ln>
+            <a:noFill/>
+          </a:ln>
+          <a:effectLst>
+            <a:outerShdw blurRad="44450" dist="27940" dir="5400000" algn="ctr">
+              <a:srgbClr val="000000">
+                <a:alpha val="32000"/>
+              </a:srgbClr>
+            </a:outerShdw>
+          </a:effectLst>
+          <a:scene3d>
+            <a:camera prst="orthographicFront">
+              <a:rot lat="0" lon="0" rev="0"/>
+            </a:camera>
+            <a:lightRig rig="balanced" dir="t">
+              <a:rot lat="0" lon="0" rev="8700000"/>
+            </a:lightRig>
+          </a:scene3d>
+          <a:sp3d>
+            <a:bevelT w="190500" h="38100"/>
+          </a:sp3d>
+        </p:spPr>
+        <p:style>
+          <a:lnRef idx="2">
+            <a:schemeClr val="accent1">
+              <a:shade val="50000"/>
+            </a:schemeClr>
+          </a:lnRef>
+          <a:fillRef idx="1">
+            <a:schemeClr val="accent1"/>
+          </a:fillRef>
+          <a:effectRef idx="0">
+            <a:schemeClr val="accent1"/>
+          </a:effectRef>
+          <a:fontRef idx="minor">
+            <a:schemeClr val="lt1"/>
+          </a:fontRef>
+        </p:style>
+        <p:txBody>
+          <a:bodyPr rtlCol="0" anchor="ctr"/>
+          <a:lstStyle/>
+          <a:p>
+            <a:pPr algn="ctr"/>
+            <a:r>
+              <a:rPr lang="en-US" sz="2400" b="1" dirty="0">
+                <a:solidFill>
+                  <a:srgbClr val="00335F"/>
+                </a:solidFill>
+              </a:rPr>
+              <a:t>services</a:t>
+            </a:r>
+          </a:p>
+        </p:txBody>
+      </p:sp>
+      <p:pic>
+        <p:nvPicPr>
+          <p:cNvPr id="24" name="Picture 23"/>
+          <p:cNvPicPr>
+            <a:picLocks noChangeAspect="1"/>
+          </p:cNvPicPr>
+          <p:nvPr/>
+        </p:nvPicPr>
+        <p:blipFill>
+          <a:blip r:embed="rId2" cstate="print">
+            <a:extLst>
+              <a:ext uri="{28A0092B-C50C-407E-A947-70E740481C1C}">
+                <a14:useLocalDpi xmlns:a14="http://schemas.microsoft.com/office/drawing/2010/main" val="0"/>
+              </a:ext>
+            </a:extLst>
+          </a:blip>
+          <a:stretch>
+            <a:fillRect/>
+          </a:stretch>
+        </p:blipFill>
+        <p:spPr>
+          <a:xfrm>
+            <a:off x="5752363" y="112078"/>
+            <a:ext cx="663609" cy="796642"/>
+          </a:xfrm>
+          <a:prstGeom prst="rect">
+            <a:avLst/>
+          </a:prstGeom>
+        </p:spPr>
+      </p:pic>
+      <p:pic>
+        <p:nvPicPr>
+          <p:cNvPr id="25" name="Picture 24"/>
+          <p:cNvPicPr>
+            <a:picLocks noChangeAspect="1"/>
+          </p:cNvPicPr>
+          <p:nvPr/>
+        </p:nvPicPr>
+        <p:blipFill>
+          <a:blip r:embed="rId3" cstate="print">
+            <a:extLst>
+              <a:ext uri="{28A0092B-C50C-407E-A947-70E740481C1C}">
+                <a14:useLocalDpi xmlns:a14="http://schemas.microsoft.com/office/drawing/2010/main" val="0"/>
+              </a:ext>
+            </a:extLst>
+          </a:blip>
+          <a:stretch>
+            <a:fillRect/>
+          </a:stretch>
+        </p:blipFill>
+        <p:spPr>
+          <a:xfrm>
+            <a:off x="7161289" y="81741"/>
+            <a:ext cx="622835" cy="826979"/>
+          </a:xfrm>
+          <a:prstGeom prst="rect">
+            <a:avLst/>
+          </a:prstGeom>
+        </p:spPr>
+      </p:pic>
+    </p:spTree>
+    <p:extLst>
+      <p:ext uri="{BB962C8B-B14F-4D97-AF65-F5344CB8AC3E}">
+        <p14:creationId xmlns:p14="http://schemas.microsoft.com/office/powerpoint/2010/main" val="984651909"/>
+      </p:ext>
+    </p:extLst>
+  </p:cSld>
+  <p:clrMapOvr>
+    <a:masterClrMapping/>
+  </p:clrMapOvr>
+  <p:timing>
+    <p:tnLst>
+      <p:par>
+        <p:cTn id="1" dur="indefinite" restart="never" nodeType="tmRoot">
+          <p:childTnLst>
+            <p:seq concurrent="1" nextAc="seek">
+              <p:cTn id="2" dur="indefinite" nodeType="mainSeq">
+                <p:childTnLst>
+                  <p:par>
+                    <p:cTn id="3" fill="hold">
+                      <p:stCondLst>
+                        <p:cond delay="indefinite"/>
+                      </p:stCondLst>
+                      <p:childTnLst>
+                        <p:par>
+                          <p:cTn id="4" fill="hold">
+                            <p:stCondLst>
+                              <p:cond delay="0"/>
+                            </p:stCondLst>
+                            <p:childTnLst>
+                              <p:par>
+                                <p:cTn id="5" presetID="10" presetClass="entr" presetSubtype="0" fill="hold" grpId="0" nodeType="clickEffect">
+                                  <p:stCondLst>
+                                    <p:cond delay="0"/>
+                                  </p:stCondLst>
+                                  <p:childTnLst>
+                                    <p:set>
+                                      <p:cBhvr>
+                                        <p:cTn id="6" dur="1" fill="hold">
+                                          <p:stCondLst>
+                                            <p:cond delay="0"/>
+                                          </p:stCondLst>
+                                        </p:cTn>
+                                        <p:tgtEl>
+                                          <p:spTgt spid="2"/>
+                                        </p:tgtEl>
+                                        <p:attrNameLst>
+                                          <p:attrName>style.visibility</p:attrName>
+                                        </p:attrNameLst>
+                                      </p:cBhvr>
+                                      <p:to>
+                                        <p:strVal val="visible"/>
+                                      </p:to>
+                                    </p:set>
+                                    <p:animEffect transition="in" filter="fade">
+                                      <p:cBhvr>
+                                        <p:cTn id="7" dur="500"/>
+                                        <p:tgtEl>
+                                          <p:spTgt spid="2"/>
+                                        </p:tgtEl>
+                                      </p:cBhvr>
+                                    </p:animEffect>
+                                  </p:childTnLst>
+                                </p:cTn>
+                              </p:par>
+                            </p:childTnLst>
+                          </p:cTn>
+                        </p:par>
+                      </p:childTnLst>
+                    </p:cTn>
+                  </p:par>
+                  <p:par>
+                    <p:cTn id="8" fill="hold">
+                      <p:stCondLst>
+                        <p:cond delay="indefinite"/>
+                      </p:stCondLst>
+                      <p:childTnLst>
+                        <p:par>
+                          <p:cTn id="9" fill="hold">
+                            <p:stCondLst>
+                              <p:cond delay="0"/>
+                            </p:stCondLst>
+                            <p:childTnLst>
+                              <p:par>
+                                <p:cTn id="10" presetID="10" presetClass="entr" presetSubtype="0" fill="hold" nodeType="clickEffect">
+                                  <p:stCondLst>
+                                    <p:cond delay="0"/>
+                                  </p:stCondLst>
+                                  <p:childTnLst>
+                                    <p:set>
+                                      <p:cBhvr>
+                                        <p:cTn id="11" dur="1" fill="hold">
+                                          <p:stCondLst>
+                                            <p:cond delay="0"/>
+                                          </p:stCondLst>
+                                        </p:cTn>
+                                        <p:tgtEl>
+                                          <p:spTgt spid="20"/>
+                                        </p:tgtEl>
+                                        <p:attrNameLst>
+                                          <p:attrName>style.visibility</p:attrName>
+                                        </p:attrNameLst>
+                                      </p:cBhvr>
+                                      <p:to>
+                                        <p:strVal val="visible"/>
+                                      </p:to>
+                                    </p:set>
+                                    <p:animEffect transition="in" filter="fade">
+                                      <p:cBhvr>
+                                        <p:cTn id="12" dur="500"/>
+                                        <p:tgtEl>
+                                          <p:spTgt spid="20"/>
+                                        </p:tgtEl>
+                                      </p:cBhvr>
+                                    </p:animEffect>
+                                  </p:childTnLst>
+                                </p:cTn>
+                              </p:par>
+                            </p:childTnLst>
+                          </p:cTn>
+                        </p:par>
+                      </p:childTnLst>
+                    </p:cTn>
+                  </p:par>
+                </p:childTnLst>
+              </p:cTn>
+              <p:prevCondLst>
+                <p:cond evt="onPrev" delay="0">
+                  <p:tgtEl>
+                    <p:sldTgt/>
+                  </p:tgtEl>
+                </p:cond>
+              </p:prevCondLst>
+              <p:nextCondLst>
+                <p:cond evt="onNext" delay="0">
+                  <p:tgtEl>
+                    <p:sldTgt/>
+                  </p:tgtEl>
+                </p:cond>
+              </p:nextCondLst>
+            </p:seq>
+          </p:childTnLst>
+        </p:cTn>
+      </p:par>
+    </p:tnLst>
+    <p:bldLst>
+      <p:bldP spid="2" grpId="0" animBg="1"/>
+    </p:bldLst>
+  </p:timing>
+</p:sld>
+</file>
+
+<file path=ppt/slides/slide11.xml><?xml version="1.0" encoding="utf-8"?>
+<p:sld xmlns:a="http://schemas.openxmlformats.org/drawingml/2006/main" xmlns:r="http://schemas.openxmlformats.org/officeDocument/2006/relationships" xmlns:p="http://schemas.openxmlformats.org/presentationml/2006/main">
+  <p:cSld>
+    <p:spTree>
+      <p:nvGrpSpPr>
+        <p:cNvPr id="1" name=""/>
+        <p:cNvGrpSpPr/>
+        <p:nvPr/>
+      </p:nvGrpSpPr>
+      <p:grpSpPr>
+        <a:xfrm>
+          <a:off x="0" y="0"/>
+          <a:ext cx="0" cy="0"/>
+          <a:chOff x="0" y="0"/>
+          <a:chExt cx="0" cy="0"/>
+        </a:xfrm>
+      </p:grpSpPr>
+      <p:sp>
+        <p:nvSpPr>
           <p:cNvPr id="6" name="Down Arrow 5"/>
           <p:cNvSpPr/>
           <p:nvPr/>
@@ -8720,7 +10276,7 @@
 </p:sld>
 </file>
 
-<file path=ppt/slides/slide11.xml><?xml version="1.0" encoding="utf-8"?>
+<file path=ppt/slides/slide12.xml><?xml version="1.0" encoding="utf-8"?>
 <p:sld xmlns:a="http://schemas.openxmlformats.org/drawingml/2006/main" xmlns:r="http://schemas.openxmlformats.org/officeDocument/2006/relationships" xmlns:p="http://schemas.openxmlformats.org/presentationml/2006/main">
   <p:cSld>
     <p:spTree>
@@ -13556,7 +15112,7 @@
 </p:sld>
 </file>
 
-<file path=ppt/slides/slide12.xml><?xml version="1.0" encoding="utf-8"?>
+<file path=ppt/slides/slide13.xml><?xml version="1.0" encoding="utf-8"?>
 <p:sld xmlns:a="http://schemas.openxmlformats.org/drawingml/2006/main" xmlns:r="http://schemas.openxmlformats.org/officeDocument/2006/relationships" xmlns:p="http://schemas.openxmlformats.org/presentationml/2006/main">
   <p:cSld>
     <p:spTree>
@@ -18455,7 +20011,7 @@
 </p:sld>
 </file>
 
-<file path=ppt/slides/slide13.xml><?xml version="1.0" encoding="utf-8"?>
+<file path=ppt/slides/slide14.xml><?xml version="1.0" encoding="utf-8"?>
 <p:sld xmlns:a="http://schemas.openxmlformats.org/drawingml/2006/main" xmlns:r="http://schemas.openxmlformats.org/officeDocument/2006/relationships" xmlns:p="http://schemas.openxmlformats.org/presentationml/2006/main">
   <p:cSld>
     <p:spTree>
@@ -23322,7 +24878,7 @@
 </p:sld>
 </file>
 
-<file path=ppt/slides/slide14.xml><?xml version="1.0" encoding="utf-8"?>
+<file path=ppt/slides/slide15.xml><?xml version="1.0" encoding="utf-8"?>
 <p:sld xmlns:a="http://schemas.openxmlformats.org/drawingml/2006/main" xmlns:r="http://schemas.openxmlformats.org/officeDocument/2006/relationships" xmlns:p="http://schemas.openxmlformats.org/presentationml/2006/main">
   <p:cSld>
     <p:spTree>
@@ -28173,7 +29729,7 @@
 </p:sld>
 </file>
 
-<file path=ppt/slides/slide15.xml><?xml version="1.0" encoding="utf-8"?>
+<file path=ppt/slides/slide16.xml><?xml version="1.0" encoding="utf-8"?>
 <p:sld xmlns:a="http://schemas.openxmlformats.org/drawingml/2006/main" xmlns:r="http://schemas.openxmlformats.org/officeDocument/2006/relationships" xmlns:p="http://schemas.openxmlformats.org/presentationml/2006/main">
   <p:cSld>
     <p:spTree>
@@ -34683,8 +36239,8 @@
         </p:nvSpPr>
         <p:spPr>
           <a:xfrm>
-            <a:off x="377935" y="548681"/>
-            <a:ext cx="4996983" cy="6192688"/>
+            <a:off x="179512" y="44624"/>
+            <a:ext cx="5350528" cy="6696745"/>
           </a:xfrm>
           <a:prstGeom prst="roundRect">
             <a:avLst>
@@ -34756,7 +36312,7 @@
         </p:nvSpPr>
         <p:spPr>
           <a:xfrm>
-            <a:off x="2486584" y="5024431"/>
+            <a:off x="2288161" y="5002196"/>
             <a:ext cx="2016224" cy="468052"/>
           </a:xfrm>
           <a:prstGeom prst="roundRect">
@@ -34829,43 +36385,13 @@
       </p:sp>
       <p:sp>
         <p:nvSpPr>
-          <p:cNvPr id="18" name="TextBox 17"/>
-          <p:cNvSpPr txBox="1"/>
-          <p:nvPr/>
-        </p:nvSpPr>
-        <p:spPr>
-          <a:xfrm>
-            <a:off x="1331640" y="87015"/>
-            <a:ext cx="6552728" cy="461665"/>
-          </a:xfrm>
-          <a:prstGeom prst="rect">
-            <a:avLst/>
-          </a:prstGeom>
-          <a:noFill/>
-        </p:spPr>
-        <p:txBody>
-          <a:bodyPr wrap="square" rtlCol="0">
-            <a:spAutoFit/>
-          </a:bodyPr>
-          <a:lstStyle/>
-          <a:p>
-            <a:pPr algn="ctr"/>
-            <a:r>
-              <a:rPr lang="en-US" sz="2400" dirty="0"/>
-              <a:t>Specification Program</a:t>
-            </a:r>
-          </a:p>
-        </p:txBody>
-      </p:sp>
-      <p:sp>
-        <p:nvSpPr>
           <p:cNvPr id="19" name="TextBox 18"/>
           <p:cNvSpPr txBox="1"/>
           <p:nvPr/>
         </p:nvSpPr>
         <p:spPr>
           <a:xfrm>
-            <a:off x="6141542" y="4979347"/>
+            <a:off x="6253454" y="4979347"/>
             <a:ext cx="2639026" cy="1762021"/>
           </a:xfrm>
           <a:prstGeom prst="rect">
@@ -34990,7 +36516,7 @@
         </p:nvSpPr>
         <p:spPr>
           <a:xfrm>
-            <a:off x="2486584" y="4466369"/>
+            <a:off x="2288161" y="4445586"/>
             <a:ext cx="2016224" cy="468052"/>
           </a:xfrm>
           <a:prstGeom prst="roundRect">
@@ -35069,7 +36595,7 @@
         </p:nvSpPr>
         <p:spPr>
           <a:xfrm>
-            <a:off x="2486584" y="3905276"/>
+            <a:off x="2288161" y="3888976"/>
             <a:ext cx="2016224" cy="468052"/>
           </a:xfrm>
           <a:prstGeom prst="roundRect">
@@ -35148,7 +36674,7 @@
         </p:nvSpPr>
         <p:spPr>
           <a:xfrm>
-            <a:off x="2486584" y="6115418"/>
+            <a:off x="2288161" y="6115418"/>
             <a:ext cx="2016224" cy="468052"/>
           </a:xfrm>
           <a:prstGeom prst="roundRect">
@@ -35225,7 +36751,7 @@
         </p:nvSpPr>
         <p:spPr>
           <a:xfrm>
-            <a:off x="2486584" y="2794141"/>
+            <a:off x="2288161" y="2775756"/>
             <a:ext cx="2016224" cy="468052"/>
           </a:xfrm>
           <a:prstGeom prst="roundRect">
@@ -35291,7 +36817,7 @@
                   <a:srgbClr val="00335F"/>
                 </a:solidFill>
               </a:rPr>
-              <a:t>Querying (QUERY)</a:t>
+              <a:t>Process (PROC)</a:t>
             </a:r>
           </a:p>
         </p:txBody>
@@ -35304,7 +36830,7 @@
         </p:nvSpPr>
         <p:spPr>
           <a:xfrm>
-            <a:off x="2486584" y="3347215"/>
+            <a:off x="2288161" y="3332366"/>
             <a:ext cx="2016224" cy="468052"/>
           </a:xfrm>
           <a:prstGeom prst="roundRect">
@@ -35383,7 +36909,7 @@
         </p:nvSpPr>
         <p:spPr>
           <a:xfrm>
-            <a:off x="2486584" y="1125380"/>
+            <a:off x="2288161" y="549316"/>
             <a:ext cx="2016224" cy="468052"/>
           </a:xfrm>
           <a:prstGeom prst="roundRect">
@@ -35462,7 +36988,7 @@
         </p:nvSpPr>
         <p:spPr>
           <a:xfrm>
-            <a:off x="2486584" y="2234564"/>
+            <a:off x="2288161" y="1662536"/>
             <a:ext cx="2016224" cy="468052"/>
           </a:xfrm>
           <a:prstGeom prst="roundRect">
@@ -35541,7 +37067,7 @@
         </p:nvGrpSpPr>
         <p:grpSpPr>
           <a:xfrm>
-            <a:off x="732293" y="3580412"/>
+            <a:off x="533870" y="3580412"/>
             <a:ext cx="216024" cy="382265"/>
             <a:chOff x="2771800" y="1369443"/>
             <a:chExt cx="216024" cy="382265"/>
@@ -35741,7 +37267,7 @@
         </p:nvGrpSpPr>
         <p:grpSpPr>
           <a:xfrm>
-            <a:off x="744681" y="3039035"/>
+            <a:off x="546258" y="3039035"/>
             <a:ext cx="216024" cy="382265"/>
             <a:chOff x="2771800" y="1369443"/>
             <a:chExt cx="216024" cy="382265"/>
@@ -35941,7 +37467,7 @@
         </p:nvGrpSpPr>
         <p:grpSpPr>
           <a:xfrm>
-            <a:off x="2082329" y="3398022"/>
+            <a:off x="1903197" y="3398022"/>
             <a:ext cx="216024" cy="382265"/>
             <a:chOff x="2771800" y="1369443"/>
             <a:chExt cx="216024" cy="382265"/>
@@ -36141,7 +37667,7 @@
         </p:nvGrpSpPr>
         <p:grpSpPr>
           <a:xfrm>
-            <a:off x="2082329" y="3913190"/>
+            <a:off x="1903197" y="3913190"/>
             <a:ext cx="216024" cy="382265"/>
             <a:chOff x="2771800" y="1369443"/>
             <a:chExt cx="216024" cy="382265"/>
@@ -36341,7 +37867,7 @@
         </p:nvGrpSpPr>
         <p:grpSpPr>
           <a:xfrm>
-            <a:off x="2082329" y="4502181"/>
+            <a:off x="1903197" y="4502181"/>
             <a:ext cx="216024" cy="382265"/>
             <a:chOff x="2771800" y="1369443"/>
             <a:chExt cx="216024" cy="382265"/>
@@ -36541,7 +38067,7 @@
         </p:nvGrpSpPr>
         <p:grpSpPr>
           <a:xfrm>
-            <a:off x="2082329" y="5017349"/>
+            <a:off x="1903197" y="5017349"/>
             <a:ext cx="216024" cy="382265"/>
             <a:chOff x="2771800" y="1369443"/>
             <a:chExt cx="216024" cy="382265"/>
@@ -36741,7 +38267,7 @@
         </p:nvGrpSpPr>
         <p:grpSpPr>
           <a:xfrm>
-            <a:off x="2088566" y="1199199"/>
+            <a:off x="1903197" y="623135"/>
             <a:ext cx="216024" cy="382265"/>
             <a:chOff x="2771800" y="1369443"/>
             <a:chExt cx="216024" cy="382265"/>
@@ -36941,7 +38467,7 @@
         </p:nvGrpSpPr>
         <p:grpSpPr>
           <a:xfrm>
-            <a:off x="2088566" y="2263974"/>
+            <a:off x="1903197" y="1687910"/>
             <a:ext cx="216024" cy="382265"/>
             <a:chOff x="2771800" y="1369443"/>
             <a:chExt cx="216024" cy="382265"/>
@@ -37141,7 +38667,7 @@
         </p:nvGrpSpPr>
         <p:grpSpPr>
           <a:xfrm>
-            <a:off x="2088566" y="2852965"/>
+            <a:off x="1903197" y="2852965"/>
             <a:ext cx="216024" cy="382265"/>
             <a:chOff x="2771800" y="1369443"/>
             <a:chExt cx="216024" cy="382265"/>
@@ -37341,7 +38867,7 @@
         </p:nvGrpSpPr>
         <p:grpSpPr>
           <a:xfrm>
-            <a:off x="2088566" y="6131348"/>
+            <a:off x="1903197" y="6131348"/>
             <a:ext cx="216024" cy="382265"/>
             <a:chOff x="2771800" y="1369443"/>
             <a:chExt cx="216024" cy="382265"/>
@@ -37541,7 +39067,7 @@
         </p:nvGrpSpPr>
         <p:grpSpPr>
           <a:xfrm>
-            <a:off x="1515041" y="3164810"/>
+            <a:off x="1316618" y="3164810"/>
             <a:ext cx="216024" cy="382265"/>
             <a:chOff x="2771800" y="1369443"/>
             <a:chExt cx="216024" cy="382265"/>
@@ -37741,7 +39267,7 @@
         </p:nvGrpSpPr>
         <p:grpSpPr>
           <a:xfrm>
-            <a:off x="1511346" y="3637085"/>
+            <a:off x="1312923" y="3637085"/>
             <a:ext cx="216024" cy="382265"/>
             <a:chOff x="2771800" y="1369443"/>
             <a:chExt cx="216024" cy="382265"/>
@@ -37941,7 +39467,7 @@
         </p:nvGrpSpPr>
         <p:grpSpPr>
           <a:xfrm>
-            <a:off x="1240462" y="3169711"/>
+            <a:off x="1042039" y="3169711"/>
             <a:ext cx="216024" cy="382265"/>
             <a:chOff x="2771800" y="1369443"/>
             <a:chExt cx="216024" cy="382265"/>
@@ -38141,7 +39667,7 @@
         </p:nvGrpSpPr>
         <p:grpSpPr>
           <a:xfrm>
-            <a:off x="1236767" y="3641986"/>
+            <a:off x="1038344" y="3641986"/>
             <a:ext cx="216024" cy="382265"/>
             <a:chOff x="2771800" y="1369443"/>
             <a:chExt cx="216024" cy="382265"/>
@@ -38341,7 +39867,7 @@
         </p:nvGrpSpPr>
         <p:grpSpPr>
           <a:xfrm>
-            <a:off x="1544225" y="4228484"/>
+            <a:off x="1345802" y="4228484"/>
             <a:ext cx="216024" cy="382265"/>
             <a:chOff x="2771800" y="1369443"/>
             <a:chExt cx="216024" cy="382265"/>
@@ -38541,7 +40067,7 @@
         </p:nvGrpSpPr>
         <p:grpSpPr>
           <a:xfrm>
-            <a:off x="1248879" y="4217874"/>
+            <a:off x="1050456" y="4217874"/>
             <a:ext cx="216024" cy="382265"/>
             <a:chOff x="2771800" y="1369443"/>
             <a:chExt cx="216024" cy="382265"/>
@@ -38741,7 +40267,7 @@
         </p:nvGrpSpPr>
         <p:grpSpPr>
           <a:xfrm>
-            <a:off x="6015818" y="4963846"/>
+            <a:off x="6127730" y="4963846"/>
             <a:ext cx="138283" cy="244699"/>
             <a:chOff x="2771800" y="1369443"/>
             <a:chExt cx="216024" cy="382265"/>
@@ -38941,7 +40467,7 @@
         </p:nvGrpSpPr>
         <p:grpSpPr>
           <a:xfrm>
-            <a:off x="6044710" y="5542109"/>
+            <a:off x="6156622" y="5542109"/>
             <a:ext cx="125898" cy="272533"/>
             <a:chOff x="2771800" y="1369443"/>
             <a:chExt cx="216024" cy="382265"/>
@@ -39141,7 +40667,7 @@
         </p:nvGrpSpPr>
         <p:grpSpPr>
           <a:xfrm>
-            <a:off x="5842307" y="5267927"/>
+            <a:off x="5954219" y="5267927"/>
             <a:ext cx="138283" cy="244699"/>
             <a:chOff x="2771800" y="1369443"/>
             <a:chExt cx="216024" cy="382265"/>
@@ -39341,7 +40867,7 @@
         </p:nvSpPr>
         <p:spPr>
           <a:xfrm>
-            <a:off x="4657250" y="1124744"/>
+            <a:off x="4458827" y="548680"/>
             <a:ext cx="562822" cy="468052"/>
           </a:xfrm>
           <a:prstGeom prst="can">
@@ -39402,7 +40928,7 @@
         </p:nvSpPr>
         <p:spPr>
           <a:xfrm>
-            <a:off x="4657250" y="2234564"/>
+            <a:off x="4458827" y="1662586"/>
             <a:ext cx="562822" cy="468052"/>
           </a:xfrm>
           <a:prstGeom prst="can">
@@ -39463,7 +40989,7 @@
         </p:nvSpPr>
         <p:spPr>
           <a:xfrm>
-            <a:off x="4657250" y="2794777"/>
+            <a:off x="4458827" y="2776491"/>
             <a:ext cx="562822" cy="468052"/>
           </a:xfrm>
           <a:prstGeom prst="can">
@@ -39524,7 +41050,7 @@
         </p:nvSpPr>
         <p:spPr>
           <a:xfrm>
-            <a:off x="4657250" y="6118205"/>
+            <a:off x="4458827" y="6118205"/>
             <a:ext cx="562822" cy="468052"/>
           </a:xfrm>
           <a:prstGeom prst="can">
@@ -39583,7 +41109,7 @@
         </p:nvSpPr>
         <p:spPr>
           <a:xfrm>
-            <a:off x="4657250" y="3335691"/>
+            <a:off x="4458827" y="3333443"/>
             <a:ext cx="562822" cy="468052"/>
           </a:xfrm>
           <a:prstGeom prst="can">
@@ -39644,7 +41170,7 @@
         </p:nvSpPr>
         <p:spPr>
           <a:xfrm>
-            <a:off x="4657250" y="3895904"/>
+            <a:off x="4458827" y="3890395"/>
             <a:ext cx="562822" cy="468052"/>
           </a:xfrm>
           <a:prstGeom prst="can">
@@ -39705,7 +41231,7 @@
         </p:nvSpPr>
         <p:spPr>
           <a:xfrm>
-            <a:off x="4657250" y="4456117"/>
+            <a:off x="4458827" y="4447347"/>
             <a:ext cx="562822" cy="468052"/>
           </a:xfrm>
           <a:prstGeom prst="can">
@@ -39766,7 +41292,7 @@
         </p:nvSpPr>
         <p:spPr>
           <a:xfrm>
-            <a:off x="4657250" y="5016327"/>
+            <a:off x="4458827" y="5004299"/>
             <a:ext cx="562822" cy="468052"/>
           </a:xfrm>
           <a:prstGeom prst="can">
@@ -39827,7 +41353,7 @@
         </p:nvSpPr>
         <p:spPr>
           <a:xfrm>
-            <a:off x="5482230" y="3755211"/>
+            <a:off x="5220072" y="3151299"/>
             <a:ext cx="562822" cy="468052"/>
           </a:xfrm>
           <a:prstGeom prst="can">
@@ -39888,7 +41414,7 @@
         </p:nvSpPr>
         <p:spPr>
           <a:xfrm>
-            <a:off x="5956772" y="5873260"/>
+            <a:off x="6068684" y="5873260"/>
             <a:ext cx="243385" cy="224088"/>
           </a:xfrm>
           <a:prstGeom prst="can">
@@ -39943,7 +41469,7 @@
         </p:nvSpPr>
         <p:spPr>
           <a:xfrm>
-            <a:off x="5954723" y="6154613"/>
+            <a:off x="6066635" y="6154613"/>
             <a:ext cx="243385" cy="224088"/>
           </a:xfrm>
           <a:prstGeom prst="can">
@@ -40004,7 +41530,7 @@
         </p:nvSpPr>
         <p:spPr>
           <a:xfrm>
-            <a:off x="5796136" y="6483677"/>
+            <a:off x="5908048" y="6483677"/>
             <a:ext cx="410431" cy="144017"/>
           </a:xfrm>
           <a:prstGeom prst="roundRect">
@@ -40082,7 +41608,7 @@
         </p:nvGrpSpPr>
         <p:grpSpPr>
           <a:xfrm>
-            <a:off x="1539916" y="2541103"/>
+            <a:off x="1341493" y="2541103"/>
             <a:ext cx="216024" cy="382265"/>
             <a:chOff x="2771800" y="1369443"/>
             <a:chExt cx="216024" cy="382265"/>
@@ -40282,7 +41808,7 @@
         </p:nvGrpSpPr>
         <p:grpSpPr>
           <a:xfrm>
-            <a:off x="1244570" y="2530493"/>
+            <a:off x="1046147" y="2530493"/>
             <a:ext cx="216024" cy="382265"/>
             <a:chOff x="2771800" y="1369443"/>
             <a:chExt cx="216024" cy="382265"/>
@@ -40482,7 +42008,7 @@
         </p:nvSpPr>
         <p:spPr>
           <a:xfrm>
-            <a:off x="2483768" y="1671637"/>
+            <a:off x="2285345" y="1105926"/>
             <a:ext cx="2016224" cy="468052"/>
           </a:xfrm>
           <a:prstGeom prst="roundRect">
@@ -40561,7 +42087,7 @@
         </p:nvGrpSpPr>
         <p:grpSpPr>
           <a:xfrm>
-            <a:off x="2079513" y="1722444"/>
+            <a:off x="1903197" y="1146380"/>
             <a:ext cx="216024" cy="382265"/>
             <a:chOff x="2771800" y="1369443"/>
             <a:chExt cx="216024" cy="382265"/>
@@ -40761,7 +42287,7 @@
         </p:nvSpPr>
         <p:spPr>
           <a:xfrm>
-            <a:off x="4654434" y="1660113"/>
+            <a:off x="4456011" y="1105633"/>
             <a:ext cx="562822" cy="468052"/>
           </a:xfrm>
           <a:prstGeom prst="can">
@@ -40822,7 +42348,7 @@
         </p:nvGrpSpPr>
         <p:grpSpPr>
           <a:xfrm>
-            <a:off x="6037211" y="5242393"/>
+            <a:off x="6149123" y="5242393"/>
             <a:ext cx="125898" cy="272533"/>
             <a:chOff x="2771800" y="1369443"/>
             <a:chExt cx="216024" cy="382265"/>
@@ -41022,7 +42548,7 @@
         </p:nvGrpSpPr>
         <p:grpSpPr>
           <a:xfrm>
-            <a:off x="6804248" y="3552788"/>
+            <a:off x="6552220" y="2874970"/>
             <a:ext cx="216024" cy="382265"/>
             <a:chOff x="2771800" y="1369443"/>
             <a:chExt cx="216024" cy="382265"/>
@@ -41224,7 +42750,7 @@
         </p:nvGrpSpPr>
         <p:grpSpPr>
           <a:xfrm>
-            <a:off x="6405016" y="3583789"/>
+            <a:off x="6152988" y="2905971"/>
             <a:ext cx="216024" cy="382265"/>
             <a:chOff x="2771800" y="1369443"/>
             <a:chExt cx="216024" cy="382265"/>
@@ -41426,7 +42952,7 @@
         </p:nvGrpSpPr>
         <p:grpSpPr>
           <a:xfrm>
-            <a:off x="6548480" y="3870185"/>
+            <a:off x="6296452" y="3192367"/>
             <a:ext cx="216024" cy="382265"/>
             <a:chOff x="2771800" y="1369443"/>
             <a:chExt cx="216024" cy="382265"/>
@@ -41628,7 +43154,7 @@
         </p:nvGrpSpPr>
         <p:grpSpPr>
           <a:xfrm>
-            <a:off x="6912260" y="3962111"/>
+            <a:off x="6660232" y="3284293"/>
             <a:ext cx="216024" cy="382265"/>
             <a:chOff x="2771800" y="1369443"/>
             <a:chExt cx="216024" cy="382265"/>
@@ -41830,7 +43356,7 @@
         </p:nvGrpSpPr>
         <p:grpSpPr>
           <a:xfrm>
-            <a:off x="6215870" y="4034119"/>
+            <a:off x="5963842" y="3356301"/>
             <a:ext cx="216024" cy="382265"/>
             <a:chOff x="2771800" y="1369443"/>
             <a:chExt cx="216024" cy="382265"/>
@@ -42032,7 +43558,7 @@
         </p:nvSpPr>
         <p:spPr>
           <a:xfrm>
-            <a:off x="7308304" y="3768812"/>
+            <a:off x="6960578" y="3062160"/>
             <a:ext cx="1248740" cy="646331"/>
           </a:xfrm>
           <a:prstGeom prst="rect">
@@ -42068,7 +43594,7 @@
         </p:nvGrpSpPr>
         <p:grpSpPr>
           <a:xfrm>
-            <a:off x="6444715" y="4156601"/>
+            <a:off x="6192687" y="3478783"/>
             <a:ext cx="216024" cy="382265"/>
             <a:chOff x="2771800" y="1369443"/>
             <a:chExt cx="216024" cy="382265"/>
@@ -42270,7 +43796,7 @@
         </p:nvSpPr>
         <p:spPr>
           <a:xfrm>
-            <a:off x="2486584" y="5575358"/>
+            <a:off x="2288161" y="5558806"/>
             <a:ext cx="2016224" cy="468052"/>
           </a:xfrm>
           <a:prstGeom prst="roundRect">
@@ -42349,7 +43875,7 @@
         </p:nvGrpSpPr>
         <p:grpSpPr>
           <a:xfrm>
-            <a:off x="2082329" y="5568276"/>
+            <a:off x="1903197" y="5568276"/>
             <a:ext cx="216024" cy="382265"/>
             <a:chOff x="2771800" y="1369443"/>
             <a:chExt cx="216024" cy="382265"/>
@@ -42549,7 +44075,7 @@
         </p:nvSpPr>
         <p:spPr>
           <a:xfrm>
-            <a:off x="4657250" y="5567254"/>
+            <a:off x="4458827" y="5561251"/>
             <a:ext cx="562822" cy="468052"/>
           </a:xfrm>
           <a:prstGeom prst="can">
@@ -42602,6 +44128,388 @@
           </a:p>
         </p:txBody>
       </p:sp>
+      <p:sp>
+        <p:nvSpPr>
+          <p:cNvPr id="195" name="Rounded Rectangle 31">
+            <a:extLst>
+              <a:ext uri="{FF2B5EF4-FFF2-40B4-BE49-F238E27FC236}">
+                <a16:creationId xmlns:a16="http://schemas.microsoft.com/office/drawing/2014/main" id="{BFA3E6B1-C00A-43EF-BFDE-E3219DAAF9D9}"/>
+              </a:ext>
+            </a:extLst>
+          </p:cNvPr>
+          <p:cNvSpPr/>
+          <p:nvPr/>
+        </p:nvSpPr>
+        <p:spPr>
+          <a:xfrm>
+            <a:off x="2285345" y="2219146"/>
+            <a:ext cx="2016224" cy="468052"/>
+          </a:xfrm>
+          <a:prstGeom prst="roundRect">
+            <a:avLst/>
+          </a:prstGeom>
+          <a:solidFill>
+            <a:schemeClr val="accent5">
+              <a:lumMod val="40000"/>
+              <a:lumOff val="60000"/>
+            </a:schemeClr>
+          </a:solidFill>
+          <a:ln>
+            <a:solidFill>
+              <a:schemeClr val="accent5">
+                <a:lumMod val="40000"/>
+                <a:lumOff val="60000"/>
+              </a:schemeClr>
+            </a:solidFill>
+          </a:ln>
+          <a:effectLst>
+            <a:outerShdw blurRad="44450" dist="27940" dir="5400000" algn="ctr">
+              <a:srgbClr val="000000">
+                <a:alpha val="32000"/>
+              </a:srgbClr>
+            </a:outerShdw>
+          </a:effectLst>
+          <a:scene3d>
+            <a:camera prst="orthographicFront">
+              <a:rot lat="0" lon="0" rev="0"/>
+            </a:camera>
+            <a:lightRig rig="balanced" dir="t">
+              <a:rot lat="0" lon="0" rev="8700000"/>
+            </a:lightRig>
+          </a:scene3d>
+          <a:sp3d>
+            <a:bevelT w="190500" h="38100"/>
+          </a:sp3d>
+        </p:spPr>
+        <p:style>
+          <a:lnRef idx="2">
+            <a:schemeClr val="accent1">
+              <a:shade val="50000"/>
+            </a:schemeClr>
+          </a:lnRef>
+          <a:fillRef idx="1">
+            <a:schemeClr val="accent1"/>
+          </a:fillRef>
+          <a:effectRef idx="0">
+            <a:schemeClr val="accent1"/>
+          </a:effectRef>
+          <a:fontRef idx="minor">
+            <a:schemeClr val="lt1"/>
+          </a:fontRef>
+        </p:style>
+        <p:txBody>
+          <a:bodyPr rtlCol="0" anchor="ctr"/>
+          <a:lstStyle/>
+          <a:p>
+            <a:pPr algn="ctr"/>
+            <a:r>
+              <a:rPr lang="en-US" sz="1600" b="1" dirty="0">
+                <a:solidFill>
+                  <a:srgbClr val="00335F"/>
+                </a:solidFill>
+              </a:rPr>
+              <a:t>Querying (QUERY)</a:t>
+            </a:r>
+          </a:p>
+        </p:txBody>
+      </p:sp>
+      <p:sp>
+        <p:nvSpPr>
+          <p:cNvPr id="208" name="Can 125">
+            <a:extLst>
+              <a:ext uri="{FF2B5EF4-FFF2-40B4-BE49-F238E27FC236}">
+                <a16:creationId xmlns:a16="http://schemas.microsoft.com/office/drawing/2014/main" id="{1FDCB791-34A0-4A10-8B12-899EAE49D5AB}"/>
+              </a:ext>
+            </a:extLst>
+          </p:cNvPr>
+          <p:cNvSpPr/>
+          <p:nvPr/>
+        </p:nvSpPr>
+        <p:spPr>
+          <a:xfrm>
+            <a:off x="4456011" y="2219539"/>
+            <a:ext cx="562822" cy="468052"/>
+          </a:xfrm>
+          <a:prstGeom prst="can">
+            <a:avLst/>
+          </a:prstGeom>
+          <a:solidFill>
+            <a:schemeClr val="accent5">
+              <a:lumMod val="40000"/>
+              <a:lumOff val="60000"/>
+            </a:schemeClr>
+          </a:solidFill>
+          <a:ln>
+            <a:solidFill>
+              <a:schemeClr val="accent5">
+                <a:lumMod val="40000"/>
+                <a:lumOff val="60000"/>
+              </a:schemeClr>
+            </a:solidFill>
+          </a:ln>
+        </p:spPr>
+        <p:style>
+          <a:lnRef idx="2">
+            <a:schemeClr val="accent1">
+              <a:shade val="50000"/>
+            </a:schemeClr>
+          </a:lnRef>
+          <a:fillRef idx="1">
+            <a:schemeClr val="accent1"/>
+          </a:fillRef>
+          <a:effectRef idx="0">
+            <a:schemeClr val="accent1"/>
+          </a:effectRef>
+          <a:fontRef idx="minor">
+            <a:schemeClr val="lt1"/>
+          </a:fontRef>
+        </p:style>
+        <p:txBody>
+          <a:bodyPr rtlCol="0" anchor="ctr"/>
+          <a:lstStyle/>
+          <a:p>
+            <a:pPr algn="ctr"/>
+            <a:r>
+              <a:rPr lang="en-GB" dirty="0">
+                <a:solidFill>
+                  <a:srgbClr val="002060"/>
+                </a:solidFill>
+              </a:rPr>
+              <a:t>CRs</a:t>
+            </a:r>
+          </a:p>
+        </p:txBody>
+      </p:sp>
+      <p:grpSp>
+        <p:nvGrpSpPr>
+          <p:cNvPr id="209" name="Group 208">
+            <a:extLst>
+              <a:ext uri="{FF2B5EF4-FFF2-40B4-BE49-F238E27FC236}">
+                <a16:creationId xmlns:a16="http://schemas.microsoft.com/office/drawing/2014/main" id="{95888E81-FD7A-465D-ADEA-D2C22274326D}"/>
+              </a:ext>
+            </a:extLst>
+          </p:cNvPr>
+          <p:cNvGrpSpPr/>
+          <p:nvPr/>
+        </p:nvGrpSpPr>
+        <p:grpSpPr>
+          <a:xfrm>
+            <a:off x="1903197" y="2254647"/>
+            <a:ext cx="216024" cy="382265"/>
+            <a:chOff x="2771800" y="1369443"/>
+            <a:chExt cx="216024" cy="382265"/>
+          </a:xfrm>
+          <a:solidFill>
+            <a:srgbClr val="00B0F0"/>
+          </a:solidFill>
+        </p:grpSpPr>
+        <p:sp>
+          <p:nvSpPr>
+            <p:cNvPr id="210" name="Oval 209">
+              <a:extLst>
+                <a:ext uri="{FF2B5EF4-FFF2-40B4-BE49-F238E27FC236}">
+                  <a16:creationId xmlns:a16="http://schemas.microsoft.com/office/drawing/2014/main" id="{E50F4819-DBA8-4B4B-9EB5-16DBA1B7F87E}"/>
+                </a:ext>
+              </a:extLst>
+            </p:cNvPr>
+            <p:cNvSpPr/>
+            <p:nvPr/>
+          </p:nvSpPr>
+          <p:spPr>
+            <a:xfrm>
+              <a:off x="2807804" y="1369443"/>
+              <a:ext cx="144016" cy="144016"/>
+            </a:xfrm>
+            <a:prstGeom prst="ellipse">
+              <a:avLst/>
+            </a:prstGeom>
+            <a:grpFill/>
+            <a:ln>
+              <a:solidFill>
+                <a:srgbClr val="0070C0"/>
+              </a:solidFill>
+            </a:ln>
+          </p:spPr>
+          <p:style>
+            <a:lnRef idx="2">
+              <a:schemeClr val="accent1">
+                <a:shade val="50000"/>
+              </a:schemeClr>
+            </a:lnRef>
+            <a:fillRef idx="1">
+              <a:schemeClr val="accent1"/>
+            </a:fillRef>
+            <a:effectRef idx="0">
+              <a:schemeClr val="accent1"/>
+            </a:effectRef>
+            <a:fontRef idx="minor">
+              <a:schemeClr val="lt1"/>
+            </a:fontRef>
+          </p:style>
+          <p:txBody>
+            <a:bodyPr rtlCol="0" anchor="ctr"/>
+            <a:lstStyle/>
+            <a:p>
+              <a:pPr algn="ctr"/>
+              <a:endParaRPr lang="en-GB"/>
+            </a:p>
+          </p:txBody>
+        </p:sp>
+        <p:sp>
+          <p:nvSpPr>
+            <p:cNvPr id="211" name="Oval 210">
+              <a:extLst>
+                <a:ext uri="{FF2B5EF4-FFF2-40B4-BE49-F238E27FC236}">
+                  <a16:creationId xmlns:a16="http://schemas.microsoft.com/office/drawing/2014/main" id="{E180EE1C-4A0B-4E42-971D-265AB9958A4C}"/>
+                </a:ext>
+              </a:extLst>
+            </p:cNvPr>
+            <p:cNvSpPr/>
+            <p:nvPr/>
+          </p:nvSpPr>
+          <p:spPr>
+            <a:xfrm>
+              <a:off x="2771800" y="1535684"/>
+              <a:ext cx="216024" cy="144016"/>
+            </a:xfrm>
+            <a:prstGeom prst="ellipse">
+              <a:avLst/>
+            </a:prstGeom>
+            <a:grpFill/>
+            <a:ln>
+              <a:solidFill>
+                <a:srgbClr val="0070C0"/>
+              </a:solidFill>
+            </a:ln>
+          </p:spPr>
+          <p:style>
+            <a:lnRef idx="2">
+              <a:schemeClr val="accent1">
+                <a:shade val="50000"/>
+              </a:schemeClr>
+            </a:lnRef>
+            <a:fillRef idx="1">
+              <a:schemeClr val="accent1"/>
+            </a:fillRef>
+            <a:effectRef idx="0">
+              <a:schemeClr val="accent1"/>
+            </a:effectRef>
+            <a:fontRef idx="minor">
+              <a:schemeClr val="lt1"/>
+            </a:fontRef>
+          </p:style>
+          <p:txBody>
+            <a:bodyPr rtlCol="0" anchor="ctr"/>
+            <a:lstStyle/>
+            <a:p>
+              <a:pPr algn="ctr"/>
+              <a:endParaRPr lang="en-GB"/>
+            </a:p>
+          </p:txBody>
+        </p:sp>
+        <p:sp>
+          <p:nvSpPr>
+            <p:cNvPr id="212" name="Rectangle 211">
+              <a:extLst>
+                <a:ext uri="{FF2B5EF4-FFF2-40B4-BE49-F238E27FC236}">
+                  <a16:creationId xmlns:a16="http://schemas.microsoft.com/office/drawing/2014/main" id="{6A16E110-AB24-43E9-9BFE-5BF73E7E8DE1}"/>
+                </a:ext>
+              </a:extLst>
+            </p:cNvPr>
+            <p:cNvSpPr/>
+            <p:nvPr/>
+          </p:nvSpPr>
+          <p:spPr>
+            <a:xfrm>
+              <a:off x="2771800" y="1607692"/>
+              <a:ext cx="216024" cy="144016"/>
+            </a:xfrm>
+            <a:prstGeom prst="rect">
+              <a:avLst/>
+            </a:prstGeom>
+            <a:grpFill/>
+            <a:ln>
+              <a:solidFill>
+                <a:srgbClr val="0070C0"/>
+              </a:solidFill>
+            </a:ln>
+          </p:spPr>
+          <p:style>
+            <a:lnRef idx="2">
+              <a:schemeClr val="accent1">
+                <a:shade val="50000"/>
+              </a:schemeClr>
+            </a:lnRef>
+            <a:fillRef idx="1">
+              <a:schemeClr val="accent1"/>
+            </a:fillRef>
+            <a:effectRef idx="0">
+              <a:schemeClr val="accent1"/>
+            </a:effectRef>
+            <a:fontRef idx="minor">
+              <a:schemeClr val="lt1"/>
+            </a:fontRef>
+          </p:style>
+          <p:txBody>
+            <a:bodyPr rtlCol="0" anchor="ctr"/>
+            <a:lstStyle/>
+            <a:p>
+              <a:pPr algn="ctr"/>
+              <a:endParaRPr lang="en-GB"/>
+            </a:p>
+          </p:txBody>
+        </p:sp>
+        <p:sp>
+          <p:nvSpPr>
+            <p:cNvPr id="213" name="Rectangle 212">
+              <a:extLst>
+                <a:ext uri="{FF2B5EF4-FFF2-40B4-BE49-F238E27FC236}">
+                  <a16:creationId xmlns:a16="http://schemas.microsoft.com/office/drawing/2014/main" id="{1D693E52-87EE-45FB-975D-1EBF7B5B8503}"/>
+                </a:ext>
+              </a:extLst>
+            </p:cNvPr>
+            <p:cNvSpPr/>
+            <p:nvPr/>
+          </p:nvSpPr>
+          <p:spPr>
+            <a:xfrm>
+              <a:off x="2788948" y="1591577"/>
+              <a:ext cx="183641" cy="45719"/>
+            </a:xfrm>
+            <a:prstGeom prst="rect">
+              <a:avLst/>
+            </a:prstGeom>
+            <a:grpFill/>
+            <a:ln>
+              <a:noFill/>
+            </a:ln>
+          </p:spPr>
+          <p:style>
+            <a:lnRef idx="2">
+              <a:schemeClr val="accent1">
+                <a:shade val="50000"/>
+              </a:schemeClr>
+            </a:lnRef>
+            <a:fillRef idx="1">
+              <a:schemeClr val="accent1"/>
+            </a:fillRef>
+            <a:effectRef idx="0">
+              <a:schemeClr val="accent1"/>
+            </a:effectRef>
+            <a:fontRef idx="minor">
+              <a:schemeClr val="lt1"/>
+            </a:fontRef>
+          </p:style>
+          <p:txBody>
+            <a:bodyPr rtlCol="0" anchor="ctr"/>
+            <a:lstStyle/>
+            <a:p>
+              <a:pPr algn="ctr"/>
+              <a:endParaRPr lang="en-GB"/>
+            </a:p>
+          </p:txBody>
+        </p:sp>
+      </p:grpSp>
     </p:spTree>
     <p:extLst>
       <p:ext uri="{BB962C8B-B14F-4D97-AF65-F5344CB8AC3E}">
@@ -42616,6 +44524,905 @@
 </file>
 
 <file path=ppt/slides/slide6.xml><?xml version="1.0" encoding="utf-8"?>
+<p:sld xmlns:a="http://schemas.openxmlformats.org/drawingml/2006/main" xmlns:r="http://schemas.openxmlformats.org/officeDocument/2006/relationships" xmlns:p="http://schemas.openxmlformats.org/presentationml/2006/main">
+  <p:cSld>
+    <p:spTree>
+      <p:nvGrpSpPr>
+        <p:cNvPr id="1" name=""/>
+        <p:cNvGrpSpPr/>
+        <p:nvPr/>
+      </p:nvGrpSpPr>
+      <p:grpSpPr>
+        <a:xfrm>
+          <a:off x="0" y="0"/>
+          <a:ext cx="0" cy="0"/>
+          <a:chOff x="0" y="0"/>
+          <a:chExt cx="0" cy="0"/>
+        </a:xfrm>
+      </p:grpSpPr>
+      <p:sp>
+        <p:nvSpPr>
+          <p:cNvPr id="8" name="Rounded Rectangle 7"/>
+          <p:cNvSpPr/>
+          <p:nvPr/>
+        </p:nvSpPr>
+        <p:spPr>
+          <a:xfrm>
+            <a:off x="1043608" y="548681"/>
+            <a:ext cx="6840760" cy="3672407"/>
+          </a:xfrm>
+          <a:prstGeom prst="roundRect">
+            <a:avLst>
+              <a:gd name="adj" fmla="val 5875"/>
+            </a:avLst>
+          </a:prstGeom>
+          <a:solidFill>
+            <a:srgbClr val="F7E8C1"/>
+          </a:solidFill>
+          <a:ln>
+            <a:noFill/>
+          </a:ln>
+          <a:effectLst>
+            <a:outerShdw blurRad="44450" dist="27940" dir="5400000" algn="ctr">
+              <a:srgbClr val="000000">
+                <a:alpha val="32000"/>
+              </a:srgbClr>
+            </a:outerShdw>
+          </a:effectLst>
+          <a:scene3d>
+            <a:camera prst="orthographicFront">
+              <a:rot lat="0" lon="0" rev="0"/>
+            </a:camera>
+            <a:lightRig rig="balanced" dir="t">
+              <a:rot lat="0" lon="0" rev="8700000"/>
+            </a:lightRig>
+          </a:scene3d>
+          <a:sp3d>
+            <a:bevelT w="190500" h="38100"/>
+          </a:sp3d>
+        </p:spPr>
+        <p:style>
+          <a:lnRef idx="2">
+            <a:schemeClr val="accent1">
+              <a:shade val="50000"/>
+            </a:schemeClr>
+          </a:lnRef>
+          <a:fillRef idx="1">
+            <a:schemeClr val="accent1"/>
+          </a:fillRef>
+          <a:effectRef idx="0">
+            <a:schemeClr val="accent1"/>
+          </a:effectRef>
+          <a:fontRef idx="minor">
+            <a:schemeClr val="lt1"/>
+          </a:fontRef>
+        </p:style>
+        <p:txBody>
+          <a:bodyPr tIns="0" bIns="0" rtlCol="0" anchor="t" anchorCtr="0"/>
+          <a:lstStyle/>
+          <a:p>
+            <a:pPr algn="ctr"/>
+            <a:r>
+              <a:rPr lang="en-US" b="1" dirty="0" err="1">
+                <a:solidFill>
+                  <a:srgbClr val="00335F"/>
+                </a:solidFill>
+              </a:rPr>
+              <a:t>openEHR</a:t>
+            </a:r>
+            <a:r>
+              <a:rPr lang="en-US" b="1" dirty="0">
+                <a:solidFill>
+                  <a:srgbClr val="00335F"/>
+                </a:solidFill>
+              </a:rPr>
+              <a:t> Specification Components</a:t>
+            </a:r>
+          </a:p>
+        </p:txBody>
+      </p:sp>
+      <p:sp>
+        <p:nvSpPr>
+          <p:cNvPr id="13" name="Rounded Rectangle 12"/>
+          <p:cNvSpPr/>
+          <p:nvPr/>
+        </p:nvSpPr>
+        <p:spPr>
+          <a:xfrm>
+            <a:off x="1259632" y="2854025"/>
+            <a:ext cx="2016224" cy="468052"/>
+          </a:xfrm>
+          <a:prstGeom prst="roundRect">
+            <a:avLst/>
+          </a:prstGeom>
+          <a:solidFill>
+            <a:schemeClr val="accent5">
+              <a:lumMod val="60000"/>
+              <a:lumOff val="40000"/>
+            </a:schemeClr>
+          </a:solidFill>
+          <a:ln>
+            <a:solidFill>
+              <a:schemeClr val="accent5">
+                <a:lumMod val="60000"/>
+                <a:lumOff val="40000"/>
+              </a:schemeClr>
+            </a:solidFill>
+          </a:ln>
+          <a:effectLst>
+            <a:outerShdw blurRad="44450" dist="27940" dir="5400000" algn="ctr">
+              <a:srgbClr val="000000">
+                <a:alpha val="32000"/>
+              </a:srgbClr>
+            </a:outerShdw>
+          </a:effectLst>
+          <a:scene3d>
+            <a:camera prst="orthographicFront">
+              <a:rot lat="0" lon="0" rev="0"/>
+            </a:camera>
+            <a:lightRig rig="balanced" dir="t">
+              <a:rot lat="0" lon="0" rev="8700000"/>
+            </a:lightRig>
+          </a:scene3d>
+          <a:sp3d>
+            <a:bevelT w="190500" h="38100"/>
+          </a:sp3d>
+        </p:spPr>
+        <p:style>
+          <a:lnRef idx="2">
+            <a:schemeClr val="accent1">
+              <a:shade val="50000"/>
+            </a:schemeClr>
+          </a:lnRef>
+          <a:fillRef idx="1">
+            <a:schemeClr val="accent1"/>
+          </a:fillRef>
+          <a:effectRef idx="0">
+            <a:schemeClr val="accent1"/>
+          </a:effectRef>
+          <a:fontRef idx="minor">
+            <a:schemeClr val="lt1"/>
+          </a:fontRef>
+        </p:style>
+        <p:txBody>
+          <a:bodyPr lIns="0" rIns="0" rtlCol="0" anchor="ctr"/>
+          <a:lstStyle/>
+          <a:p>
+            <a:pPr algn="ctr"/>
+            <a:r>
+              <a:rPr lang="en-US" sz="1600" b="1" dirty="0">
+                <a:solidFill>
+                  <a:srgbClr val="00335F"/>
+                </a:solidFill>
+              </a:rPr>
+              <a:t>Reference Model (RM)</a:t>
+            </a:r>
+          </a:p>
+        </p:txBody>
+      </p:sp>
+      <p:sp>
+        <p:nvSpPr>
+          <p:cNvPr id="29" name="Rounded Rectangle 28"/>
+          <p:cNvSpPr/>
+          <p:nvPr/>
+        </p:nvSpPr>
+        <p:spPr>
+          <a:xfrm>
+            <a:off x="3419872" y="2854025"/>
+            <a:ext cx="2016224" cy="468052"/>
+          </a:xfrm>
+          <a:prstGeom prst="roundRect">
+            <a:avLst/>
+          </a:prstGeom>
+          <a:solidFill>
+            <a:schemeClr val="accent5">
+              <a:lumMod val="60000"/>
+              <a:lumOff val="40000"/>
+            </a:schemeClr>
+          </a:solidFill>
+          <a:ln>
+            <a:solidFill>
+              <a:schemeClr val="accent5">
+                <a:lumMod val="60000"/>
+                <a:lumOff val="40000"/>
+              </a:schemeClr>
+            </a:solidFill>
+          </a:ln>
+          <a:effectLst>
+            <a:outerShdw blurRad="44450" dist="27940" dir="5400000" algn="ctr">
+              <a:srgbClr val="000000">
+                <a:alpha val="32000"/>
+              </a:srgbClr>
+            </a:outerShdw>
+          </a:effectLst>
+          <a:scene3d>
+            <a:camera prst="orthographicFront">
+              <a:rot lat="0" lon="0" rev="0"/>
+            </a:camera>
+            <a:lightRig rig="balanced" dir="t">
+              <a:rot lat="0" lon="0" rev="8700000"/>
+            </a:lightRig>
+          </a:scene3d>
+          <a:sp3d>
+            <a:bevelT w="190500" h="38100"/>
+          </a:sp3d>
+        </p:spPr>
+        <p:style>
+          <a:lnRef idx="2">
+            <a:schemeClr val="accent1">
+              <a:shade val="50000"/>
+            </a:schemeClr>
+          </a:lnRef>
+          <a:fillRef idx="1">
+            <a:schemeClr val="accent1"/>
+          </a:fillRef>
+          <a:effectRef idx="0">
+            <a:schemeClr val="accent1"/>
+          </a:effectRef>
+          <a:fontRef idx="minor">
+            <a:schemeClr val="lt1"/>
+          </a:fontRef>
+        </p:style>
+        <p:txBody>
+          <a:bodyPr lIns="0" rIns="0" rtlCol="0" anchor="ctr"/>
+          <a:lstStyle/>
+          <a:p>
+            <a:pPr algn="ctr"/>
+            <a:r>
+              <a:rPr lang="en-US" sz="1600" b="1" dirty="0">
+                <a:solidFill>
+                  <a:srgbClr val="00335F"/>
+                </a:solidFill>
+              </a:rPr>
+              <a:t>Archetype Model (AM)</a:t>
+            </a:r>
+          </a:p>
+        </p:txBody>
+      </p:sp>
+      <p:sp>
+        <p:nvSpPr>
+          <p:cNvPr id="30" name="Rounded Rectangle 29"/>
+          <p:cNvSpPr/>
+          <p:nvPr/>
+        </p:nvSpPr>
+        <p:spPr>
+          <a:xfrm>
+            <a:off x="1259632" y="1124744"/>
+            <a:ext cx="4176464" cy="468052"/>
+          </a:xfrm>
+          <a:prstGeom prst="roundRect">
+            <a:avLst/>
+          </a:prstGeom>
+          <a:solidFill>
+            <a:schemeClr val="accent5">
+              <a:lumMod val="60000"/>
+              <a:lumOff val="40000"/>
+            </a:schemeClr>
+          </a:solidFill>
+          <a:ln>
+            <a:solidFill>
+              <a:schemeClr val="accent5">
+                <a:lumMod val="60000"/>
+                <a:lumOff val="40000"/>
+              </a:schemeClr>
+            </a:solidFill>
+          </a:ln>
+          <a:effectLst>
+            <a:outerShdw blurRad="44450" dist="27940" dir="5400000" algn="ctr">
+              <a:srgbClr val="000000">
+                <a:alpha val="32000"/>
+              </a:srgbClr>
+            </a:outerShdw>
+          </a:effectLst>
+          <a:scene3d>
+            <a:camera prst="orthographicFront">
+              <a:rot lat="0" lon="0" rev="0"/>
+            </a:camera>
+            <a:lightRig rig="balanced" dir="t">
+              <a:rot lat="0" lon="0" rev="8700000"/>
+            </a:lightRig>
+          </a:scene3d>
+          <a:sp3d>
+            <a:bevelT w="190500" h="38100"/>
+          </a:sp3d>
+        </p:spPr>
+        <p:style>
+          <a:lnRef idx="2">
+            <a:schemeClr val="accent1">
+              <a:shade val="50000"/>
+            </a:schemeClr>
+          </a:lnRef>
+          <a:fillRef idx="1">
+            <a:schemeClr val="accent1"/>
+          </a:fillRef>
+          <a:effectRef idx="0">
+            <a:schemeClr val="accent1"/>
+          </a:effectRef>
+          <a:fontRef idx="minor">
+            <a:schemeClr val="lt1"/>
+          </a:fontRef>
+        </p:style>
+        <p:txBody>
+          <a:bodyPr rtlCol="0" anchor="ctr"/>
+          <a:lstStyle/>
+          <a:p>
+            <a:pPr algn="ctr"/>
+            <a:r>
+              <a:rPr lang="en-US" sz="1600" b="1" dirty="0">
+                <a:solidFill>
+                  <a:srgbClr val="00335F"/>
+                </a:solidFill>
+              </a:rPr>
+              <a:t>Service Model (SM)</a:t>
+            </a:r>
+          </a:p>
+        </p:txBody>
+      </p:sp>
+      <p:sp>
+        <p:nvSpPr>
+          <p:cNvPr id="31" name="Rounded Rectangle 30"/>
+          <p:cNvSpPr/>
+          <p:nvPr/>
+        </p:nvSpPr>
+        <p:spPr>
+          <a:xfrm>
+            <a:off x="5652120" y="3415118"/>
+            <a:ext cx="2016224" cy="468052"/>
+          </a:xfrm>
+          <a:prstGeom prst="roundRect">
+            <a:avLst/>
+          </a:prstGeom>
+          <a:solidFill>
+            <a:schemeClr val="bg1">
+              <a:lumMod val="75000"/>
+            </a:schemeClr>
+          </a:solidFill>
+          <a:ln>
+            <a:solidFill>
+              <a:schemeClr val="bg1">
+                <a:lumMod val="75000"/>
+              </a:schemeClr>
+            </a:solidFill>
+          </a:ln>
+          <a:effectLst>
+            <a:outerShdw blurRad="44450" dist="27940" dir="5400000" algn="ctr">
+              <a:srgbClr val="000000">
+                <a:alpha val="32000"/>
+              </a:srgbClr>
+            </a:outerShdw>
+          </a:effectLst>
+          <a:scene3d>
+            <a:camera prst="orthographicFront">
+              <a:rot lat="0" lon="0" rev="0"/>
+            </a:camera>
+            <a:lightRig rig="balanced" dir="t">
+              <a:rot lat="0" lon="0" rev="8700000"/>
+            </a:lightRig>
+          </a:scene3d>
+          <a:sp3d>
+            <a:bevelT w="190500" h="38100"/>
+          </a:sp3d>
+        </p:spPr>
+        <p:style>
+          <a:lnRef idx="2">
+            <a:schemeClr val="accent1">
+              <a:shade val="50000"/>
+            </a:schemeClr>
+          </a:lnRef>
+          <a:fillRef idx="1">
+            <a:schemeClr val="accent1"/>
+          </a:fillRef>
+          <a:effectRef idx="0">
+            <a:schemeClr val="accent1"/>
+          </a:effectRef>
+          <a:fontRef idx="minor">
+            <a:schemeClr val="lt1"/>
+          </a:fontRef>
+        </p:style>
+        <p:txBody>
+          <a:bodyPr rtlCol="0" anchor="ctr"/>
+          <a:lstStyle/>
+          <a:p>
+            <a:pPr algn="ctr"/>
+            <a:r>
+              <a:rPr lang="en-US" sz="1600" b="1" dirty="0">
+                <a:solidFill>
+                  <a:srgbClr val="00335F"/>
+                </a:solidFill>
+              </a:rPr>
+              <a:t>Terminology (TERM)</a:t>
+            </a:r>
+          </a:p>
+        </p:txBody>
+      </p:sp>
+      <p:sp>
+        <p:nvSpPr>
+          <p:cNvPr id="32" name="Rounded Rectangle 31"/>
+          <p:cNvSpPr/>
+          <p:nvPr/>
+        </p:nvSpPr>
+        <p:spPr>
+          <a:xfrm>
+            <a:off x="1259632" y="2272355"/>
+            <a:ext cx="2016224" cy="468052"/>
+          </a:xfrm>
+          <a:prstGeom prst="roundRect">
+            <a:avLst/>
+          </a:prstGeom>
+          <a:solidFill>
+            <a:schemeClr val="accent5">
+              <a:lumMod val="40000"/>
+              <a:lumOff val="60000"/>
+            </a:schemeClr>
+          </a:solidFill>
+          <a:ln>
+            <a:solidFill>
+              <a:schemeClr val="accent5">
+                <a:lumMod val="40000"/>
+                <a:lumOff val="60000"/>
+              </a:schemeClr>
+            </a:solidFill>
+          </a:ln>
+          <a:effectLst>
+            <a:outerShdw blurRad="44450" dist="27940" dir="5400000" algn="ctr">
+              <a:srgbClr val="000000">
+                <a:alpha val="32000"/>
+              </a:srgbClr>
+            </a:outerShdw>
+          </a:effectLst>
+          <a:scene3d>
+            <a:camera prst="orthographicFront">
+              <a:rot lat="0" lon="0" rev="0"/>
+            </a:camera>
+            <a:lightRig rig="balanced" dir="t">
+              <a:rot lat="0" lon="0" rev="8700000"/>
+            </a:lightRig>
+          </a:scene3d>
+          <a:sp3d>
+            <a:bevelT w="190500" h="38100"/>
+          </a:sp3d>
+        </p:spPr>
+        <p:style>
+          <a:lnRef idx="2">
+            <a:schemeClr val="accent1">
+              <a:shade val="50000"/>
+            </a:schemeClr>
+          </a:lnRef>
+          <a:fillRef idx="1">
+            <a:schemeClr val="accent1"/>
+          </a:fillRef>
+          <a:effectRef idx="0">
+            <a:schemeClr val="accent1"/>
+          </a:effectRef>
+          <a:fontRef idx="minor">
+            <a:schemeClr val="lt1"/>
+          </a:fontRef>
+        </p:style>
+        <p:txBody>
+          <a:bodyPr rtlCol="0" anchor="ctr"/>
+          <a:lstStyle/>
+          <a:p>
+            <a:pPr algn="ctr"/>
+            <a:r>
+              <a:rPr lang="en-US" sz="1600" b="1" dirty="0">
+                <a:solidFill>
+                  <a:srgbClr val="00335F"/>
+                </a:solidFill>
+              </a:rPr>
+              <a:t>Querying (QUERY)</a:t>
+            </a:r>
+          </a:p>
+        </p:txBody>
+      </p:sp>
+      <p:sp>
+        <p:nvSpPr>
+          <p:cNvPr id="36" name="Rounded Rectangle 35"/>
+          <p:cNvSpPr/>
+          <p:nvPr/>
+        </p:nvSpPr>
+        <p:spPr>
+          <a:xfrm>
+            <a:off x="1259632" y="1711262"/>
+            <a:ext cx="4176464" cy="468052"/>
+          </a:xfrm>
+          <a:prstGeom prst="roundRect">
+            <a:avLst/>
+          </a:prstGeom>
+          <a:solidFill>
+            <a:schemeClr val="accent5">
+              <a:lumMod val="40000"/>
+              <a:lumOff val="60000"/>
+            </a:schemeClr>
+          </a:solidFill>
+          <a:ln>
+            <a:solidFill>
+              <a:schemeClr val="accent5">
+                <a:lumMod val="40000"/>
+                <a:lumOff val="60000"/>
+              </a:schemeClr>
+            </a:solidFill>
+          </a:ln>
+          <a:effectLst>
+            <a:outerShdw blurRad="44450" dist="27940" dir="5400000" algn="ctr">
+              <a:srgbClr val="000000">
+                <a:alpha val="32000"/>
+              </a:srgbClr>
+            </a:outerShdw>
+          </a:effectLst>
+          <a:scene3d>
+            <a:camera prst="orthographicFront">
+              <a:rot lat="0" lon="0" rev="0"/>
+            </a:camera>
+            <a:lightRig rig="balanced" dir="t">
+              <a:rot lat="0" lon="0" rev="8700000"/>
+            </a:lightRig>
+          </a:scene3d>
+          <a:sp3d>
+            <a:bevelT w="190500" h="38100"/>
+          </a:sp3d>
+        </p:spPr>
+        <p:style>
+          <a:lnRef idx="2">
+            <a:schemeClr val="accent1">
+              <a:shade val="50000"/>
+            </a:schemeClr>
+          </a:lnRef>
+          <a:fillRef idx="1">
+            <a:schemeClr val="accent1"/>
+          </a:fillRef>
+          <a:effectRef idx="0">
+            <a:schemeClr val="accent1"/>
+          </a:effectRef>
+          <a:fontRef idx="minor">
+            <a:schemeClr val="lt1"/>
+          </a:fontRef>
+        </p:style>
+        <p:txBody>
+          <a:bodyPr rtlCol="0" anchor="ctr"/>
+          <a:lstStyle/>
+          <a:p>
+            <a:pPr algn="ctr"/>
+            <a:r>
+              <a:rPr lang="en-US" sz="1600" b="1" dirty="0">
+                <a:solidFill>
+                  <a:srgbClr val="00335F"/>
+                </a:solidFill>
+              </a:rPr>
+              <a:t>Integration (INTG)</a:t>
+            </a:r>
+          </a:p>
+        </p:txBody>
+      </p:sp>
+      <p:sp>
+        <p:nvSpPr>
+          <p:cNvPr id="37" name="Rounded Rectangle 36"/>
+          <p:cNvSpPr/>
+          <p:nvPr/>
+        </p:nvSpPr>
+        <p:spPr>
+          <a:xfrm>
+            <a:off x="5652120" y="1124744"/>
+            <a:ext cx="2016224" cy="468052"/>
+          </a:xfrm>
+          <a:prstGeom prst="roundRect">
+            <a:avLst/>
+          </a:prstGeom>
+          <a:solidFill>
+            <a:schemeClr val="accent3">
+              <a:lumMod val="40000"/>
+              <a:lumOff val="60000"/>
+            </a:schemeClr>
+          </a:solidFill>
+          <a:ln>
+            <a:solidFill>
+              <a:schemeClr val="accent3">
+                <a:lumMod val="60000"/>
+                <a:lumOff val="40000"/>
+              </a:schemeClr>
+            </a:solidFill>
+          </a:ln>
+          <a:effectLst>
+            <a:outerShdw blurRad="44450" dist="27940" dir="5400000" algn="ctr">
+              <a:srgbClr val="000000">
+                <a:alpha val="32000"/>
+              </a:srgbClr>
+            </a:outerShdw>
+          </a:effectLst>
+          <a:scene3d>
+            <a:camera prst="orthographicFront">
+              <a:rot lat="0" lon="0" rev="0"/>
+            </a:camera>
+            <a:lightRig rig="balanced" dir="t">
+              <a:rot lat="0" lon="0" rev="8700000"/>
+            </a:lightRig>
+          </a:scene3d>
+          <a:sp3d>
+            <a:bevelT w="190500" h="38100"/>
+          </a:sp3d>
+        </p:spPr>
+        <p:style>
+          <a:lnRef idx="2">
+            <a:schemeClr val="accent1">
+              <a:shade val="50000"/>
+            </a:schemeClr>
+          </a:lnRef>
+          <a:fillRef idx="1">
+            <a:schemeClr val="accent1"/>
+          </a:fillRef>
+          <a:effectRef idx="0">
+            <a:schemeClr val="accent1"/>
+          </a:effectRef>
+          <a:fontRef idx="minor">
+            <a:schemeClr val="lt1"/>
+          </a:fontRef>
+        </p:style>
+        <p:txBody>
+          <a:bodyPr rtlCol="0" anchor="ctr"/>
+          <a:lstStyle/>
+          <a:p>
+            <a:pPr algn="ctr"/>
+            <a:r>
+              <a:rPr lang="en-US" sz="1600" b="1" dirty="0">
+                <a:solidFill>
+                  <a:srgbClr val="00335F"/>
+                </a:solidFill>
+              </a:rPr>
+              <a:t>Conformance (CONF)</a:t>
+            </a:r>
+          </a:p>
+        </p:txBody>
+      </p:sp>
+      <p:sp>
+        <p:nvSpPr>
+          <p:cNvPr id="43" name="Rounded Rectangle 42"/>
+          <p:cNvSpPr/>
+          <p:nvPr/>
+        </p:nvSpPr>
+        <p:spPr>
+          <a:xfrm>
+            <a:off x="3406051" y="2257123"/>
+            <a:ext cx="2016224" cy="468052"/>
+          </a:xfrm>
+          <a:prstGeom prst="roundRect">
+            <a:avLst/>
+          </a:prstGeom>
+          <a:solidFill>
+            <a:schemeClr val="accent5">
+              <a:lumMod val="40000"/>
+              <a:lumOff val="60000"/>
+            </a:schemeClr>
+          </a:solidFill>
+          <a:ln>
+            <a:solidFill>
+              <a:schemeClr val="accent5">
+                <a:lumMod val="40000"/>
+                <a:lumOff val="60000"/>
+              </a:schemeClr>
+            </a:solidFill>
+          </a:ln>
+          <a:effectLst>
+            <a:outerShdw blurRad="44450" dist="27940" dir="5400000" algn="ctr">
+              <a:srgbClr val="000000">
+                <a:alpha val="32000"/>
+              </a:srgbClr>
+            </a:outerShdw>
+          </a:effectLst>
+          <a:scene3d>
+            <a:camera prst="orthographicFront">
+              <a:rot lat="0" lon="0" rev="0"/>
+            </a:camera>
+            <a:lightRig rig="balanced" dir="t">
+              <a:rot lat="0" lon="0" rev="8700000"/>
+            </a:lightRig>
+          </a:scene3d>
+          <a:sp3d>
+            <a:bevelT w="190500" h="38100"/>
+          </a:sp3d>
+        </p:spPr>
+        <p:style>
+          <a:lnRef idx="2">
+            <a:schemeClr val="accent1">
+              <a:shade val="50000"/>
+            </a:schemeClr>
+          </a:lnRef>
+          <a:fillRef idx="1">
+            <a:schemeClr val="accent1"/>
+          </a:fillRef>
+          <a:effectRef idx="0">
+            <a:schemeClr val="accent1"/>
+          </a:effectRef>
+          <a:fontRef idx="minor">
+            <a:schemeClr val="lt1"/>
+          </a:fontRef>
+        </p:style>
+        <p:txBody>
+          <a:bodyPr rtlCol="0" anchor="ctr"/>
+          <a:lstStyle/>
+          <a:p>
+            <a:pPr algn="ctr"/>
+            <a:r>
+              <a:rPr lang="en-US" sz="1600" b="1" dirty="0">
+                <a:solidFill>
+                  <a:srgbClr val="00335F"/>
+                </a:solidFill>
+              </a:rPr>
+              <a:t>Clinical Decision Support (CDS)</a:t>
+            </a:r>
+          </a:p>
+        </p:txBody>
+      </p:sp>
+      <p:sp>
+        <p:nvSpPr>
+          <p:cNvPr id="158" name="Rounded Rectangle 157"/>
+          <p:cNvSpPr/>
+          <p:nvPr/>
+        </p:nvSpPr>
+        <p:spPr>
+          <a:xfrm>
+            <a:off x="5652120" y="1736558"/>
+            <a:ext cx="2016224" cy="468052"/>
+          </a:xfrm>
+          <a:prstGeom prst="roundRect">
+            <a:avLst/>
+          </a:prstGeom>
+          <a:solidFill>
+            <a:schemeClr val="accent6">
+              <a:lumMod val="40000"/>
+              <a:lumOff val="60000"/>
+            </a:schemeClr>
+          </a:solidFill>
+          <a:ln>
+            <a:solidFill>
+              <a:schemeClr val="accent6">
+                <a:lumMod val="40000"/>
+                <a:lumOff val="60000"/>
+              </a:schemeClr>
+            </a:solidFill>
+          </a:ln>
+          <a:effectLst>
+            <a:outerShdw blurRad="44450" dist="27940" dir="5400000" algn="ctr">
+              <a:srgbClr val="000000">
+                <a:alpha val="32000"/>
+              </a:srgbClr>
+            </a:outerShdw>
+          </a:effectLst>
+          <a:scene3d>
+            <a:camera prst="orthographicFront">
+              <a:rot lat="0" lon="0" rev="0"/>
+            </a:camera>
+            <a:lightRig rig="balanced" dir="t">
+              <a:rot lat="0" lon="0" rev="8700000"/>
+            </a:lightRig>
+          </a:scene3d>
+          <a:sp3d>
+            <a:bevelT w="190500" h="38100"/>
+          </a:sp3d>
+        </p:spPr>
+        <p:style>
+          <a:lnRef idx="2">
+            <a:schemeClr val="accent1">
+              <a:shade val="50000"/>
+            </a:schemeClr>
+          </a:lnRef>
+          <a:fillRef idx="1">
+            <a:schemeClr val="accent1"/>
+          </a:fillRef>
+          <a:effectRef idx="0">
+            <a:schemeClr val="accent1"/>
+          </a:effectRef>
+          <a:fontRef idx="minor">
+            <a:schemeClr val="lt1"/>
+          </a:fontRef>
+        </p:style>
+        <p:txBody>
+          <a:bodyPr rtlCol="0" anchor="ctr"/>
+          <a:lstStyle/>
+          <a:p>
+            <a:pPr algn="ctr"/>
+            <a:r>
+              <a:rPr lang="en-US" sz="1600" b="1" dirty="0">
+                <a:solidFill>
+                  <a:srgbClr val="00335F"/>
+                </a:solidFill>
+              </a:rPr>
+              <a:t>Implementation Technologies (ITS)</a:t>
+            </a:r>
+          </a:p>
+        </p:txBody>
+      </p:sp>
+      <p:sp>
+        <p:nvSpPr>
+          <p:cNvPr id="201" name="Rounded Rectangle 200"/>
+          <p:cNvSpPr/>
+          <p:nvPr/>
+        </p:nvSpPr>
+        <p:spPr>
+          <a:xfrm>
+            <a:off x="1259632" y="3415118"/>
+            <a:ext cx="4176464" cy="468052"/>
+          </a:xfrm>
+          <a:prstGeom prst="roundRect">
+            <a:avLst/>
+          </a:prstGeom>
+          <a:solidFill>
+            <a:schemeClr val="accent5">
+              <a:lumMod val="60000"/>
+              <a:lumOff val="40000"/>
+            </a:schemeClr>
+          </a:solidFill>
+          <a:ln>
+            <a:solidFill>
+              <a:schemeClr val="accent5">
+                <a:lumMod val="60000"/>
+                <a:lumOff val="40000"/>
+              </a:schemeClr>
+            </a:solidFill>
+          </a:ln>
+          <a:effectLst>
+            <a:outerShdw blurRad="44450" dist="27940" dir="5400000" algn="ctr">
+              <a:srgbClr val="000000">
+                <a:alpha val="32000"/>
+              </a:srgbClr>
+            </a:outerShdw>
+          </a:effectLst>
+          <a:scene3d>
+            <a:camera prst="orthographicFront">
+              <a:rot lat="0" lon="0" rev="0"/>
+            </a:camera>
+            <a:lightRig rig="balanced" dir="t">
+              <a:rot lat="0" lon="0" rev="8700000"/>
+            </a:lightRig>
+          </a:scene3d>
+          <a:sp3d>
+            <a:bevelT w="190500" h="38100"/>
+          </a:sp3d>
+        </p:spPr>
+        <p:style>
+          <a:lnRef idx="2">
+            <a:schemeClr val="accent1">
+              <a:shade val="50000"/>
+            </a:schemeClr>
+          </a:lnRef>
+          <a:fillRef idx="1">
+            <a:schemeClr val="accent1"/>
+          </a:fillRef>
+          <a:effectRef idx="0">
+            <a:schemeClr val="accent1"/>
+          </a:effectRef>
+          <a:fontRef idx="minor">
+            <a:schemeClr val="lt1"/>
+          </a:fontRef>
+        </p:style>
+        <p:txBody>
+          <a:bodyPr lIns="0" rIns="0" rtlCol="0" anchor="ctr"/>
+          <a:lstStyle/>
+          <a:p>
+            <a:pPr algn="ctr"/>
+            <a:r>
+              <a:rPr lang="en-US" sz="1600" b="1" dirty="0">
+                <a:solidFill>
+                  <a:srgbClr val="00335F"/>
+                </a:solidFill>
+              </a:rPr>
+              <a:t>Base (BASE)</a:t>
+            </a:r>
+          </a:p>
+        </p:txBody>
+      </p:sp>
+    </p:spTree>
+    <p:extLst>
+      <p:ext uri="{BB962C8B-B14F-4D97-AF65-F5344CB8AC3E}">
+        <p14:creationId xmlns:p14="http://schemas.microsoft.com/office/powerpoint/2010/main" val="1621511272"/>
+      </p:ext>
+    </p:extLst>
+  </p:cSld>
+  <p:clrMapOvr>
+    <a:masterClrMapping/>
+  </p:clrMapOvr>
+</p:sld>
+</file>
+
+<file path=ppt/slides/slide7.xml><?xml version="1.0" encoding="utf-8"?>
 <p:sld xmlns:a="http://schemas.openxmlformats.org/drawingml/2006/main" xmlns:r="http://schemas.openxmlformats.org/officeDocument/2006/relationships" xmlns:p="http://schemas.openxmlformats.org/presentationml/2006/main">
   <p:cSld>
     <p:spTree>
@@ -44735,7 +47542,7 @@
 </p:sld>
 </file>
 
-<file path=ppt/slides/slide7.xml><?xml version="1.0" encoding="utf-8"?>
+<file path=ppt/slides/slide8.xml><?xml version="1.0" encoding="utf-8"?>
 <p:sld xmlns:a="http://schemas.openxmlformats.org/drawingml/2006/main" xmlns:r="http://schemas.openxmlformats.org/officeDocument/2006/relationships" xmlns:p="http://schemas.openxmlformats.org/presentationml/2006/main">
   <p:cSld>
     <p:spTree>
@@ -47165,7 +49972,7 @@
 </p:sld>
 </file>
 
-<file path=ppt/slides/slide8.xml><?xml version="1.0" encoding="utf-8"?>
+<file path=ppt/slides/slide9.xml><?xml version="1.0" encoding="utf-8"?>
 <p:sld xmlns:a="http://schemas.openxmlformats.org/drawingml/2006/main" xmlns:r="http://schemas.openxmlformats.org/officeDocument/2006/relationships" xmlns:p="http://schemas.openxmlformats.org/presentationml/2006/main">
   <p:cSld>
     <p:spTree>
@@ -48087,1557 +50894,6 @@
   <p:clrMapOvr>
     <a:masterClrMapping/>
   </p:clrMapOvr>
-</p:sld>
-</file>
-
-<file path=ppt/slides/slide9.xml><?xml version="1.0" encoding="utf-8"?>
-<p:sld xmlns:a="http://schemas.openxmlformats.org/drawingml/2006/main" xmlns:r="http://schemas.openxmlformats.org/officeDocument/2006/relationships" xmlns:p="http://schemas.openxmlformats.org/presentationml/2006/main">
-  <p:cSld>
-    <p:spTree>
-      <p:nvGrpSpPr>
-        <p:cNvPr id="1" name=""/>
-        <p:cNvGrpSpPr/>
-        <p:nvPr/>
-      </p:nvGrpSpPr>
-      <p:grpSpPr>
-        <a:xfrm>
-          <a:off x="0" y="0"/>
-          <a:ext cx="0" cy="0"/>
-          <a:chOff x="0" y="0"/>
-          <a:chExt cx="0" cy="0"/>
-        </a:xfrm>
-      </p:grpSpPr>
-      <p:sp>
-        <p:nvSpPr>
-          <p:cNvPr id="2" name="Rectangle 1"/>
-          <p:cNvSpPr/>
-          <p:nvPr/>
-        </p:nvSpPr>
-        <p:spPr>
-          <a:xfrm>
-            <a:off x="4932040" y="1196752"/>
-            <a:ext cx="3672408" cy="5184576"/>
-          </a:xfrm>
-          <a:prstGeom prst="rect">
-            <a:avLst/>
-          </a:prstGeom>
-          <a:solidFill>
-            <a:schemeClr val="bg1">
-              <a:lumMod val="85000"/>
-            </a:schemeClr>
-          </a:solidFill>
-          <a:ln>
-            <a:solidFill>
-              <a:schemeClr val="bg1">
-                <a:lumMod val="85000"/>
-              </a:schemeClr>
-            </a:solidFill>
-          </a:ln>
-        </p:spPr>
-        <p:style>
-          <a:lnRef idx="2">
-            <a:schemeClr val="accent1">
-              <a:shade val="50000"/>
-            </a:schemeClr>
-          </a:lnRef>
-          <a:fillRef idx="1">
-            <a:schemeClr val="accent1"/>
-          </a:fillRef>
-          <a:effectRef idx="0">
-            <a:schemeClr val="accent1"/>
-          </a:effectRef>
-          <a:fontRef idx="minor">
-            <a:schemeClr val="lt1"/>
-          </a:fontRef>
-        </p:style>
-        <p:txBody>
-          <a:bodyPr rtlCol="0" anchor="b" anchorCtr="0"/>
-          <a:lstStyle/>
-          <a:p>
-            <a:pPr algn="ctr"/>
-            <a:r>
-              <a:rPr lang="en-GB" dirty="0">
-                <a:solidFill>
-                  <a:schemeClr val="bg1">
-                    <a:lumMod val="50000"/>
-                  </a:schemeClr>
-                </a:solidFill>
-              </a:rPr>
-              <a:t>Vendor product</a:t>
-            </a:r>
-          </a:p>
-        </p:txBody>
-      </p:sp>
-      <p:sp>
-        <p:nvSpPr>
-          <p:cNvPr id="3" name="Can 2"/>
-          <p:cNvSpPr/>
-          <p:nvPr/>
-        </p:nvSpPr>
-        <p:spPr>
-          <a:xfrm>
-            <a:off x="5436096" y="4797152"/>
-            <a:ext cx="2736304" cy="1224136"/>
-          </a:xfrm>
-          <a:prstGeom prst="can">
-            <a:avLst/>
-          </a:prstGeom>
-          <a:solidFill>
-            <a:srgbClr val="00335F"/>
-          </a:solidFill>
-          <a:ln>
-            <a:solidFill>
-              <a:schemeClr val="tx2">
-                <a:lumMod val="50000"/>
-              </a:schemeClr>
-            </a:solidFill>
-          </a:ln>
-        </p:spPr>
-        <p:style>
-          <a:lnRef idx="2">
-            <a:schemeClr val="accent1">
-              <a:shade val="50000"/>
-            </a:schemeClr>
-          </a:lnRef>
-          <a:fillRef idx="1">
-            <a:schemeClr val="accent1"/>
-          </a:fillRef>
-          <a:effectRef idx="0">
-            <a:schemeClr val="accent1"/>
-          </a:effectRef>
-          <a:fontRef idx="minor">
-            <a:schemeClr val="lt1"/>
-          </a:fontRef>
-        </p:style>
-        <p:txBody>
-          <a:bodyPr rtlCol="0" anchor="ctr"/>
-          <a:lstStyle/>
-          <a:p>
-            <a:pPr algn="ctr"/>
-            <a:r>
-              <a:rPr lang="en-GB" sz="2400" b="1" dirty="0">
-                <a:solidFill>
-                  <a:schemeClr val="bg1"/>
-                </a:solidFill>
-              </a:rPr>
-              <a:t>EHR, Demographics</a:t>
-            </a:r>
-          </a:p>
-        </p:txBody>
-      </p:sp>
-      <p:sp>
-        <p:nvSpPr>
-          <p:cNvPr id="4" name="Can 3"/>
-          <p:cNvSpPr/>
-          <p:nvPr/>
-        </p:nvSpPr>
-        <p:spPr>
-          <a:xfrm>
-            <a:off x="611560" y="4509120"/>
-            <a:ext cx="2088232" cy="936104"/>
-          </a:xfrm>
-          <a:prstGeom prst="can">
-            <a:avLst/>
-          </a:prstGeom>
-          <a:solidFill>
-            <a:schemeClr val="accent3">
-              <a:lumMod val="40000"/>
-              <a:lumOff val="60000"/>
-            </a:schemeClr>
-          </a:solidFill>
-          <a:ln w="9525">
-            <a:solidFill>
-              <a:schemeClr val="bg1">
-                <a:lumMod val="65000"/>
-              </a:schemeClr>
-            </a:solidFill>
-          </a:ln>
-          <a:effectLst>
-            <a:innerShdw blurRad="63500" dist="50800" dir="5400000">
-              <a:prstClr val="black">
-                <a:alpha val="50000"/>
-              </a:prstClr>
-            </a:innerShdw>
-          </a:effectLst>
-        </p:spPr>
-        <p:style>
-          <a:lnRef idx="2">
-            <a:schemeClr val="accent1">
-              <a:shade val="50000"/>
-            </a:schemeClr>
-          </a:lnRef>
-          <a:fillRef idx="1">
-            <a:schemeClr val="accent1"/>
-          </a:fillRef>
-          <a:effectRef idx="0">
-            <a:schemeClr val="accent1"/>
-          </a:effectRef>
-          <a:fontRef idx="minor">
-            <a:schemeClr val="lt1"/>
-          </a:fontRef>
-        </p:style>
-        <p:txBody>
-          <a:bodyPr rtlCol="0" anchor="ctr"/>
-          <a:lstStyle/>
-          <a:p>
-            <a:pPr algn="ctr"/>
-            <a:r>
-              <a:rPr lang="en-GB" sz="2000" b="1" dirty="0">
-                <a:solidFill>
-                  <a:schemeClr val="bg1">
-                    <a:lumMod val="50000"/>
-                  </a:schemeClr>
-                </a:solidFill>
-              </a:rPr>
-              <a:t>Terminology</a:t>
-            </a:r>
-          </a:p>
-        </p:txBody>
-      </p:sp>
-      <p:sp>
-        <p:nvSpPr>
-          <p:cNvPr id="5" name="Flowchart: Multidocument 4"/>
-          <p:cNvSpPr/>
-          <p:nvPr/>
-        </p:nvSpPr>
-        <p:spPr>
-          <a:xfrm>
-            <a:off x="611560" y="3140968"/>
-            <a:ext cx="2088232" cy="1296144"/>
-          </a:xfrm>
-          <a:prstGeom prst="flowChartMultidocument">
-            <a:avLst/>
-          </a:prstGeom>
-          <a:solidFill>
-            <a:srgbClr val="BADDEE"/>
-          </a:solidFill>
-          <a:ln w="6350">
-            <a:solidFill>
-              <a:schemeClr val="accent5">
-                <a:lumMod val="60000"/>
-                <a:lumOff val="40000"/>
-              </a:schemeClr>
-            </a:solidFill>
-          </a:ln>
-          <a:scene3d>
-            <a:camera prst="orthographicFront"/>
-            <a:lightRig rig="threePt" dir="t"/>
-          </a:scene3d>
-          <a:sp3d>
-            <a:bevelT/>
-          </a:sp3d>
-        </p:spPr>
-        <p:style>
-          <a:lnRef idx="2">
-            <a:schemeClr val="accent1">
-              <a:shade val="50000"/>
-            </a:schemeClr>
-          </a:lnRef>
-          <a:fillRef idx="1">
-            <a:schemeClr val="accent1"/>
-          </a:fillRef>
-          <a:effectRef idx="0">
-            <a:schemeClr val="accent1"/>
-          </a:effectRef>
-          <a:fontRef idx="minor">
-            <a:schemeClr val="lt1"/>
-          </a:fontRef>
-        </p:style>
-        <p:txBody>
-          <a:bodyPr lIns="0" tIns="0" rIns="0" bIns="144000" rtlCol="0" anchor="ctr"/>
-          <a:lstStyle/>
-          <a:p>
-            <a:pPr algn="ctr"/>
-            <a:r>
-              <a:rPr lang="en-GB" sz="2000" b="1" dirty="0">
-                <a:solidFill>
-                  <a:srgbClr val="002060"/>
-                </a:solidFill>
-              </a:rPr>
-              <a:t>Clinical</a:t>
-            </a:r>
-          </a:p>
-          <a:p>
-            <a:pPr algn="ctr"/>
-            <a:r>
-              <a:rPr lang="en-GB" sz="2000" b="1" dirty="0">
-                <a:solidFill>
-                  <a:srgbClr val="002060"/>
-                </a:solidFill>
-              </a:rPr>
-              <a:t>Models</a:t>
-            </a:r>
-          </a:p>
-        </p:txBody>
-      </p:sp>
-      <p:sp>
-        <p:nvSpPr>
-          <p:cNvPr id="6" name="Right Arrow 5"/>
-          <p:cNvSpPr/>
-          <p:nvPr/>
-        </p:nvSpPr>
-        <p:spPr>
-          <a:xfrm rot="5400000" flipH="1">
-            <a:off x="7164288" y="4365105"/>
-            <a:ext cx="432048" cy="288032"/>
-          </a:xfrm>
-          <a:prstGeom prst="rightArrow">
-            <a:avLst/>
-          </a:prstGeom>
-          <a:solidFill>
-            <a:srgbClr val="00335F"/>
-          </a:solidFill>
-          <a:ln w="6350">
-            <a:solidFill>
-              <a:schemeClr val="bg1">
-                <a:lumMod val="50000"/>
-              </a:schemeClr>
-            </a:solidFill>
-          </a:ln>
-          <a:effectLst>
-            <a:innerShdw blurRad="63500" dist="50800" dir="8100000">
-              <a:prstClr val="black">
-                <a:alpha val="50000"/>
-              </a:prstClr>
-            </a:innerShdw>
-          </a:effectLst>
-        </p:spPr>
-        <p:style>
-          <a:lnRef idx="2">
-            <a:schemeClr val="accent1">
-              <a:shade val="50000"/>
-            </a:schemeClr>
-          </a:lnRef>
-          <a:fillRef idx="1">
-            <a:schemeClr val="accent1"/>
-          </a:fillRef>
-          <a:effectRef idx="0">
-            <a:schemeClr val="accent1"/>
-          </a:effectRef>
-          <a:fontRef idx="minor">
-            <a:schemeClr val="lt1"/>
-          </a:fontRef>
-        </p:style>
-        <p:txBody>
-          <a:bodyPr rtlCol="0" anchor="ctr"/>
-          <a:lstStyle/>
-          <a:p>
-            <a:pPr algn="ctr"/>
-            <a:endParaRPr lang="en-GB">
-              <a:solidFill>
-                <a:schemeClr val="bg1">
-                  <a:lumMod val="50000"/>
-                </a:schemeClr>
-              </a:solidFill>
-            </a:endParaRPr>
-          </a:p>
-        </p:txBody>
-      </p:sp>
-      <p:sp>
-        <p:nvSpPr>
-          <p:cNvPr id="7" name="Right Arrow 6"/>
-          <p:cNvSpPr/>
-          <p:nvPr/>
-        </p:nvSpPr>
-        <p:spPr>
-          <a:xfrm rot="16200000" flipH="1">
-            <a:off x="6228184" y="4365105"/>
-            <a:ext cx="432048" cy="288032"/>
-          </a:xfrm>
-          <a:prstGeom prst="rightArrow">
-            <a:avLst/>
-          </a:prstGeom>
-          <a:solidFill>
-            <a:srgbClr val="00335F"/>
-          </a:solidFill>
-          <a:ln w="6350">
-            <a:solidFill>
-              <a:schemeClr val="bg1">
-                <a:lumMod val="50000"/>
-              </a:schemeClr>
-            </a:solidFill>
-          </a:ln>
-          <a:effectLst>
-            <a:innerShdw blurRad="63500" dist="50800" dir="8100000">
-              <a:prstClr val="black">
-                <a:alpha val="50000"/>
-              </a:prstClr>
-            </a:innerShdw>
-          </a:effectLst>
-        </p:spPr>
-        <p:style>
-          <a:lnRef idx="2">
-            <a:schemeClr val="accent1">
-              <a:shade val="50000"/>
-            </a:schemeClr>
-          </a:lnRef>
-          <a:fillRef idx="1">
-            <a:schemeClr val="accent1"/>
-          </a:fillRef>
-          <a:effectRef idx="0">
-            <a:schemeClr val="accent1"/>
-          </a:effectRef>
-          <a:fontRef idx="minor">
-            <a:schemeClr val="lt1"/>
-          </a:fontRef>
-        </p:style>
-        <p:txBody>
-          <a:bodyPr rtlCol="0" anchor="ctr"/>
-          <a:lstStyle/>
-          <a:p>
-            <a:pPr algn="ctr"/>
-            <a:endParaRPr lang="en-GB">
-              <a:solidFill>
-                <a:schemeClr val="bg1">
-                  <a:lumMod val="50000"/>
-                </a:schemeClr>
-              </a:solidFill>
-            </a:endParaRPr>
-          </a:p>
-        </p:txBody>
-      </p:sp>
-      <p:sp>
-        <p:nvSpPr>
-          <p:cNvPr id="8" name="TextBox 7"/>
-          <p:cNvSpPr txBox="1"/>
-          <p:nvPr/>
-        </p:nvSpPr>
-        <p:spPr>
-          <a:xfrm>
-            <a:off x="5292080" y="4293096"/>
-            <a:ext cx="982448" cy="400110"/>
-          </a:xfrm>
-          <a:prstGeom prst="rect">
-            <a:avLst/>
-          </a:prstGeom>
-          <a:noFill/>
-        </p:spPr>
-        <p:txBody>
-          <a:bodyPr wrap="none" rtlCol="0">
-            <a:spAutoFit/>
-          </a:bodyPr>
-          <a:lstStyle/>
-          <a:p>
-            <a:r>
-              <a:rPr lang="en-GB" sz="2000" dirty="0">
-                <a:solidFill>
-                  <a:srgbClr val="002060"/>
-                </a:solidFill>
-              </a:rPr>
-              <a:t>commit</a:t>
-            </a:r>
-          </a:p>
-        </p:txBody>
-      </p:sp>
-      <p:sp>
-        <p:nvSpPr>
-          <p:cNvPr id="9" name="TextBox 8"/>
-          <p:cNvSpPr txBox="1"/>
-          <p:nvPr/>
-        </p:nvSpPr>
-        <p:spPr>
-          <a:xfrm>
-            <a:off x="7452320" y="4293096"/>
-            <a:ext cx="788677" cy="400110"/>
-          </a:xfrm>
-          <a:prstGeom prst="rect">
-            <a:avLst/>
-          </a:prstGeom>
-          <a:noFill/>
-        </p:spPr>
-        <p:txBody>
-          <a:bodyPr wrap="none" rtlCol="0">
-            <a:spAutoFit/>
-          </a:bodyPr>
-          <a:lstStyle/>
-          <a:p>
-            <a:r>
-              <a:rPr lang="en-GB" sz="2000" dirty="0">
-                <a:solidFill>
-                  <a:srgbClr val="002060"/>
-                </a:solidFill>
-              </a:rPr>
-              <a:t>query</a:t>
-            </a:r>
-          </a:p>
-        </p:txBody>
-      </p:sp>
-      <p:sp>
-        <p:nvSpPr>
-          <p:cNvPr id="10" name="Rounded Rectangle 9"/>
-          <p:cNvSpPr/>
-          <p:nvPr/>
-        </p:nvSpPr>
-        <p:spPr>
-          <a:xfrm>
-            <a:off x="5436096" y="3140968"/>
-            <a:ext cx="2736304" cy="936104"/>
-          </a:xfrm>
-          <a:prstGeom prst="roundRect">
-            <a:avLst/>
-          </a:prstGeom>
-          <a:solidFill>
-            <a:srgbClr val="EDC87A"/>
-          </a:solidFill>
-          <a:ln>
-            <a:noFill/>
-          </a:ln>
-          <a:effectLst>
-            <a:outerShdw blurRad="44450" dist="27940" dir="5400000" algn="ctr">
-              <a:srgbClr val="000000">
-                <a:alpha val="32000"/>
-              </a:srgbClr>
-            </a:outerShdw>
-          </a:effectLst>
-          <a:scene3d>
-            <a:camera prst="orthographicFront">
-              <a:rot lat="0" lon="0" rev="0"/>
-            </a:camera>
-            <a:lightRig rig="balanced" dir="t">
-              <a:rot lat="0" lon="0" rev="8700000"/>
-            </a:lightRig>
-          </a:scene3d>
-          <a:sp3d>
-            <a:bevelT w="190500" h="38100"/>
-          </a:sp3d>
-        </p:spPr>
-        <p:style>
-          <a:lnRef idx="2">
-            <a:schemeClr val="accent1">
-              <a:shade val="50000"/>
-            </a:schemeClr>
-          </a:lnRef>
-          <a:fillRef idx="1">
-            <a:schemeClr val="accent1"/>
-          </a:fillRef>
-          <a:effectRef idx="0">
-            <a:schemeClr val="accent1"/>
-          </a:effectRef>
-          <a:fontRef idx="minor">
-            <a:schemeClr val="lt1"/>
-          </a:fontRef>
-        </p:style>
-        <p:txBody>
-          <a:bodyPr rtlCol="0" anchor="ctr"/>
-          <a:lstStyle/>
-          <a:p>
-            <a:pPr algn="ctr"/>
-            <a:r>
-              <a:rPr lang="en-US" sz="2400" b="1" dirty="0" err="1">
-                <a:solidFill>
-                  <a:srgbClr val="00335F"/>
-                </a:solidFill>
-              </a:rPr>
-              <a:t>openEHR</a:t>
-            </a:r>
-            <a:endParaRPr lang="en-US" sz="2400" b="1" dirty="0">
-              <a:solidFill>
-                <a:srgbClr val="00335F"/>
-              </a:solidFill>
-            </a:endParaRPr>
-          </a:p>
-          <a:p>
-            <a:pPr algn="ctr"/>
-            <a:r>
-              <a:rPr lang="en-US" sz="2400" b="1" dirty="0">
-                <a:solidFill>
-                  <a:srgbClr val="00335F"/>
-                </a:solidFill>
-              </a:rPr>
-              <a:t>Platform</a:t>
-            </a:r>
-          </a:p>
-        </p:txBody>
-      </p:sp>
-      <p:sp>
-        <p:nvSpPr>
-          <p:cNvPr id="11" name="Right Arrow 10"/>
-          <p:cNvSpPr/>
-          <p:nvPr/>
-        </p:nvSpPr>
-        <p:spPr>
-          <a:xfrm>
-            <a:off x="4788024" y="3429000"/>
-            <a:ext cx="576064" cy="288032"/>
-          </a:xfrm>
-          <a:prstGeom prst="rightArrow">
-            <a:avLst/>
-          </a:prstGeom>
-          <a:solidFill>
-            <a:srgbClr val="EDC87A"/>
-          </a:solidFill>
-          <a:ln w="6350">
-            <a:solidFill>
-              <a:schemeClr val="bg1">
-                <a:lumMod val="75000"/>
-              </a:schemeClr>
-            </a:solidFill>
-          </a:ln>
-          <a:effectLst>
-            <a:innerShdw blurRad="63500" dist="50800" dir="8100000">
-              <a:prstClr val="black">
-                <a:alpha val="50000"/>
-              </a:prstClr>
-            </a:innerShdw>
-          </a:effectLst>
-        </p:spPr>
-        <p:style>
-          <a:lnRef idx="2">
-            <a:schemeClr val="accent1">
-              <a:shade val="50000"/>
-            </a:schemeClr>
-          </a:lnRef>
-          <a:fillRef idx="1">
-            <a:schemeClr val="accent1"/>
-          </a:fillRef>
-          <a:effectRef idx="0">
-            <a:schemeClr val="accent1"/>
-          </a:effectRef>
-          <a:fontRef idx="minor">
-            <a:schemeClr val="lt1"/>
-          </a:fontRef>
-        </p:style>
-        <p:txBody>
-          <a:bodyPr rtlCol="0" anchor="ctr"/>
-          <a:lstStyle/>
-          <a:p>
-            <a:pPr algn="ctr"/>
-            <a:endParaRPr lang="en-GB"/>
-          </a:p>
-        </p:txBody>
-      </p:sp>
-      <p:sp>
-        <p:nvSpPr>
-          <p:cNvPr id="12" name="Rounded Rectangle 11"/>
-          <p:cNvSpPr/>
-          <p:nvPr/>
-        </p:nvSpPr>
-        <p:spPr>
-          <a:xfrm>
-            <a:off x="5436096" y="1516722"/>
-            <a:ext cx="1296144" cy="976174"/>
-          </a:xfrm>
-          <a:prstGeom prst="roundRect">
-            <a:avLst/>
-          </a:prstGeom>
-          <a:solidFill>
-            <a:srgbClr val="FFFF00"/>
-          </a:solidFill>
-          <a:ln>
-            <a:noFill/>
-          </a:ln>
-          <a:effectLst>
-            <a:outerShdw blurRad="44450" dist="27940" dir="5400000" algn="ctr">
-              <a:srgbClr val="000000">
-                <a:alpha val="32000"/>
-              </a:srgbClr>
-            </a:outerShdw>
-          </a:effectLst>
-          <a:scene3d>
-            <a:camera prst="orthographicFront">
-              <a:rot lat="0" lon="0" rev="0"/>
-            </a:camera>
-            <a:lightRig rig="balanced" dir="t">
-              <a:rot lat="0" lon="0" rev="8700000"/>
-            </a:lightRig>
-          </a:scene3d>
-          <a:sp3d>
-            <a:bevelT w="190500" h="38100"/>
-          </a:sp3d>
-        </p:spPr>
-        <p:style>
-          <a:lnRef idx="2">
-            <a:schemeClr val="accent1">
-              <a:shade val="50000"/>
-            </a:schemeClr>
-          </a:lnRef>
-          <a:fillRef idx="1">
-            <a:schemeClr val="accent1"/>
-          </a:fillRef>
-          <a:effectRef idx="0">
-            <a:schemeClr val="accent1"/>
-          </a:effectRef>
-          <a:fontRef idx="minor">
-            <a:schemeClr val="lt1"/>
-          </a:fontRef>
-        </p:style>
-        <p:txBody>
-          <a:bodyPr rtlCol="0" anchor="ctr"/>
-          <a:lstStyle/>
-          <a:p>
-            <a:pPr algn="ctr"/>
-            <a:r>
-              <a:rPr lang="en-US" sz="2000" b="1" dirty="0">
-                <a:solidFill>
-                  <a:srgbClr val="00335F"/>
-                </a:solidFill>
-              </a:rPr>
-              <a:t>Data capture apps</a:t>
-            </a:r>
-          </a:p>
-        </p:txBody>
-      </p:sp>
-      <p:sp>
-        <p:nvSpPr>
-          <p:cNvPr id="13" name="Rounded Rectangle 12"/>
-          <p:cNvSpPr/>
-          <p:nvPr/>
-        </p:nvSpPr>
-        <p:spPr>
-          <a:xfrm>
-            <a:off x="6876256" y="1516722"/>
-            <a:ext cx="1296144" cy="976174"/>
-          </a:xfrm>
-          <a:prstGeom prst="roundRect">
-            <a:avLst/>
-          </a:prstGeom>
-          <a:solidFill>
-            <a:srgbClr val="FFFF00"/>
-          </a:solidFill>
-          <a:ln>
-            <a:noFill/>
-          </a:ln>
-          <a:effectLst>
-            <a:outerShdw blurRad="44450" dist="27940" dir="5400000" algn="ctr">
-              <a:srgbClr val="000000">
-                <a:alpha val="32000"/>
-              </a:srgbClr>
-            </a:outerShdw>
-          </a:effectLst>
-          <a:scene3d>
-            <a:camera prst="orthographicFront">
-              <a:rot lat="0" lon="0" rev="0"/>
-            </a:camera>
-            <a:lightRig rig="balanced" dir="t">
-              <a:rot lat="0" lon="0" rev="8700000"/>
-            </a:lightRig>
-          </a:scene3d>
-          <a:sp3d>
-            <a:bevelT w="190500" h="38100"/>
-          </a:sp3d>
-        </p:spPr>
-        <p:style>
-          <a:lnRef idx="2">
-            <a:schemeClr val="accent1">
-              <a:shade val="50000"/>
-            </a:schemeClr>
-          </a:lnRef>
-          <a:fillRef idx="1">
-            <a:schemeClr val="accent1"/>
-          </a:fillRef>
-          <a:effectRef idx="0">
-            <a:schemeClr val="accent1"/>
-          </a:effectRef>
-          <a:fontRef idx="minor">
-            <a:schemeClr val="lt1"/>
-          </a:fontRef>
-        </p:style>
-        <p:txBody>
-          <a:bodyPr rtlCol="0" anchor="ctr"/>
-          <a:lstStyle/>
-          <a:p>
-            <a:pPr algn="ctr"/>
-            <a:r>
-              <a:rPr lang="en-US" sz="2000" b="1" dirty="0">
-                <a:solidFill>
-                  <a:srgbClr val="00335F"/>
-                </a:solidFill>
-              </a:rPr>
-              <a:t>View, Analysis apps</a:t>
-            </a:r>
-          </a:p>
-        </p:txBody>
-      </p:sp>
-      <p:sp>
-        <p:nvSpPr>
-          <p:cNvPr id="14" name="Right Arrow 13"/>
-          <p:cNvSpPr/>
-          <p:nvPr/>
-        </p:nvSpPr>
-        <p:spPr>
-          <a:xfrm rot="16200000" flipH="1">
-            <a:off x="5868144" y="1052736"/>
-            <a:ext cx="432048" cy="288032"/>
-          </a:xfrm>
-          <a:prstGeom prst="rightArrow">
-            <a:avLst/>
-          </a:prstGeom>
-          <a:solidFill>
-            <a:srgbClr val="F7EFC1"/>
-          </a:solidFill>
-          <a:ln w="6350">
-            <a:solidFill>
-              <a:schemeClr val="bg1">
-                <a:lumMod val="50000"/>
-              </a:schemeClr>
-            </a:solidFill>
-          </a:ln>
-          <a:effectLst>
-            <a:innerShdw blurRad="63500" dist="50800" dir="8100000">
-              <a:prstClr val="black">
-                <a:alpha val="50000"/>
-              </a:prstClr>
-            </a:innerShdw>
-          </a:effectLst>
-        </p:spPr>
-        <p:style>
-          <a:lnRef idx="2">
-            <a:schemeClr val="accent1">
-              <a:shade val="50000"/>
-            </a:schemeClr>
-          </a:lnRef>
-          <a:fillRef idx="1">
-            <a:schemeClr val="accent1"/>
-          </a:fillRef>
-          <a:effectRef idx="0">
-            <a:schemeClr val="accent1"/>
-          </a:effectRef>
-          <a:fontRef idx="minor">
-            <a:schemeClr val="lt1"/>
-          </a:fontRef>
-        </p:style>
-        <p:txBody>
-          <a:bodyPr rtlCol="0" anchor="ctr"/>
-          <a:lstStyle/>
-          <a:p>
-            <a:pPr algn="ctr"/>
-            <a:endParaRPr lang="en-GB">
-              <a:solidFill>
-                <a:schemeClr val="bg1">
-                  <a:lumMod val="50000"/>
-                </a:schemeClr>
-              </a:solidFill>
-            </a:endParaRPr>
-          </a:p>
-        </p:txBody>
-      </p:sp>
-      <p:sp>
-        <p:nvSpPr>
-          <p:cNvPr id="15" name="Right Arrow 14"/>
-          <p:cNvSpPr/>
-          <p:nvPr/>
-        </p:nvSpPr>
-        <p:spPr>
-          <a:xfrm rot="5400000" flipH="1">
-            <a:off x="7308304" y="1052736"/>
-            <a:ext cx="432048" cy="288032"/>
-          </a:xfrm>
-          <a:prstGeom prst="rightArrow">
-            <a:avLst/>
-          </a:prstGeom>
-          <a:solidFill>
-            <a:srgbClr val="F7EFC1"/>
-          </a:solidFill>
-          <a:ln w="6350">
-            <a:solidFill>
-              <a:schemeClr val="bg1">
-                <a:lumMod val="50000"/>
-              </a:schemeClr>
-            </a:solidFill>
-          </a:ln>
-          <a:effectLst>
-            <a:innerShdw blurRad="63500" dist="50800" dir="8100000">
-              <a:prstClr val="black">
-                <a:alpha val="50000"/>
-              </a:prstClr>
-            </a:innerShdw>
-          </a:effectLst>
-        </p:spPr>
-        <p:style>
-          <a:lnRef idx="2">
-            <a:schemeClr val="accent1">
-              <a:shade val="50000"/>
-            </a:schemeClr>
-          </a:lnRef>
-          <a:fillRef idx="1">
-            <a:schemeClr val="accent1"/>
-          </a:fillRef>
-          <a:effectRef idx="0">
-            <a:schemeClr val="accent1"/>
-          </a:effectRef>
-          <a:fontRef idx="minor">
-            <a:schemeClr val="lt1"/>
-          </a:fontRef>
-        </p:style>
-        <p:txBody>
-          <a:bodyPr rtlCol="0" anchor="ctr"/>
-          <a:lstStyle/>
-          <a:p>
-            <a:pPr algn="ctr"/>
-            <a:endParaRPr lang="en-GB">
-              <a:solidFill>
-                <a:schemeClr val="bg1">
-                  <a:lumMod val="50000"/>
-                </a:schemeClr>
-              </a:solidFill>
-            </a:endParaRPr>
-          </a:p>
-        </p:txBody>
-      </p:sp>
-      <p:sp>
-        <p:nvSpPr>
-          <p:cNvPr id="16" name="TextBox 15"/>
-          <p:cNvSpPr txBox="1"/>
-          <p:nvPr/>
-        </p:nvSpPr>
-        <p:spPr>
-          <a:xfrm>
-            <a:off x="6192180" y="304495"/>
-            <a:ext cx="1152128" cy="400110"/>
-          </a:xfrm>
-          <a:prstGeom prst="rect">
-            <a:avLst/>
-          </a:prstGeom>
-          <a:noFill/>
-        </p:spPr>
-        <p:txBody>
-          <a:bodyPr wrap="square" rtlCol="0">
-            <a:spAutoFit/>
-          </a:bodyPr>
-          <a:lstStyle/>
-          <a:p>
-            <a:pPr algn="ctr">
-              <a:spcAft>
-                <a:spcPts val="300"/>
-              </a:spcAft>
-            </a:pPr>
-            <a:r>
-              <a:rPr lang="en-US" sz="2000" b="1" dirty="0">
-                <a:solidFill>
-                  <a:schemeClr val="bg1">
-                    <a:lumMod val="50000"/>
-                  </a:schemeClr>
-                </a:solidFill>
-              </a:rPr>
-              <a:t>Users</a:t>
-            </a:r>
-          </a:p>
-        </p:txBody>
-      </p:sp>
-      <p:sp>
-        <p:nvSpPr>
-          <p:cNvPr id="17" name="Right Arrow 16"/>
-          <p:cNvSpPr/>
-          <p:nvPr/>
-        </p:nvSpPr>
-        <p:spPr>
-          <a:xfrm>
-            <a:off x="2807804" y="3284984"/>
-            <a:ext cx="576064" cy="288032"/>
-          </a:xfrm>
-          <a:prstGeom prst="rightArrow">
-            <a:avLst/>
-          </a:prstGeom>
-          <a:solidFill>
-            <a:srgbClr val="BADDEE"/>
-          </a:solidFill>
-          <a:ln w="6350">
-            <a:solidFill>
-              <a:schemeClr val="bg1">
-                <a:lumMod val="75000"/>
-              </a:schemeClr>
-            </a:solidFill>
-          </a:ln>
-          <a:effectLst>
-            <a:innerShdw blurRad="63500" dist="50800" dir="8100000">
-              <a:prstClr val="black">
-                <a:alpha val="50000"/>
-              </a:prstClr>
-            </a:innerShdw>
-          </a:effectLst>
-        </p:spPr>
-        <p:style>
-          <a:lnRef idx="2">
-            <a:schemeClr val="accent1">
-              <a:shade val="50000"/>
-            </a:schemeClr>
-          </a:lnRef>
-          <a:fillRef idx="1">
-            <a:schemeClr val="accent1"/>
-          </a:fillRef>
-          <a:effectRef idx="0">
-            <a:schemeClr val="accent1"/>
-          </a:effectRef>
-          <a:fontRef idx="minor">
-            <a:schemeClr val="lt1"/>
-          </a:fontRef>
-        </p:style>
-        <p:txBody>
-          <a:bodyPr rtlCol="0" anchor="ctr"/>
-          <a:lstStyle/>
-          <a:p>
-            <a:pPr algn="ctr"/>
-            <a:endParaRPr lang="en-GB"/>
-          </a:p>
-        </p:txBody>
-      </p:sp>
-      <p:sp>
-        <p:nvSpPr>
-          <p:cNvPr id="18" name="Oval 17"/>
-          <p:cNvSpPr/>
-          <p:nvPr/>
-        </p:nvSpPr>
-        <p:spPr>
-          <a:xfrm>
-            <a:off x="3419872" y="3175464"/>
-            <a:ext cx="1296144" cy="792088"/>
-          </a:xfrm>
-          <a:prstGeom prst="ellipse">
-            <a:avLst/>
-          </a:prstGeom>
-          <a:solidFill>
-            <a:srgbClr val="EDC87A"/>
-          </a:solidFill>
-          <a:ln>
-            <a:noFill/>
-          </a:ln>
-          <a:effectLst>
-            <a:outerShdw blurRad="44450" dist="27940" dir="5400000" algn="ctr">
-              <a:srgbClr val="000000">
-                <a:alpha val="32000"/>
-              </a:srgbClr>
-            </a:outerShdw>
-          </a:effectLst>
-          <a:scene3d>
-            <a:camera prst="orthographicFront">
-              <a:rot lat="0" lon="0" rev="0"/>
-            </a:camera>
-            <a:lightRig rig="balanced" dir="t">
-              <a:rot lat="0" lon="0" rev="8700000"/>
-            </a:lightRig>
-          </a:scene3d>
-          <a:sp3d>
-            <a:bevelT w="190500" h="38100"/>
-          </a:sp3d>
-        </p:spPr>
-        <p:style>
-          <a:lnRef idx="2">
-            <a:schemeClr val="accent1">
-              <a:shade val="50000"/>
-            </a:schemeClr>
-          </a:lnRef>
-          <a:fillRef idx="1">
-            <a:schemeClr val="accent1"/>
-          </a:fillRef>
-          <a:effectRef idx="0">
-            <a:schemeClr val="accent1"/>
-          </a:effectRef>
-          <a:fontRef idx="minor">
-            <a:schemeClr val="lt1"/>
-          </a:fontRef>
-        </p:style>
-        <p:txBody>
-          <a:bodyPr lIns="0" rIns="0" rtlCol="0" anchor="ctr"/>
-          <a:lstStyle/>
-          <a:p>
-            <a:pPr algn="ctr"/>
-            <a:r>
-              <a:rPr lang="en-GB" dirty="0">
-                <a:solidFill>
-                  <a:srgbClr val="002060"/>
-                </a:solidFill>
-              </a:rPr>
-              <a:t>transform</a:t>
-            </a:r>
-          </a:p>
-        </p:txBody>
-      </p:sp>
-      <p:sp>
-        <p:nvSpPr>
-          <p:cNvPr id="19" name="Right Arrow 18"/>
-          <p:cNvSpPr/>
-          <p:nvPr/>
-        </p:nvSpPr>
-        <p:spPr>
-          <a:xfrm>
-            <a:off x="2825806" y="3573016"/>
-            <a:ext cx="576064" cy="288032"/>
-          </a:xfrm>
-          <a:prstGeom prst="rightArrow">
-            <a:avLst/>
-          </a:prstGeom>
-          <a:solidFill>
-            <a:schemeClr val="accent3">
-              <a:lumMod val="40000"/>
-              <a:lumOff val="60000"/>
-            </a:schemeClr>
-          </a:solidFill>
-          <a:ln w="6350">
-            <a:solidFill>
-              <a:schemeClr val="bg1">
-                <a:lumMod val="75000"/>
-              </a:schemeClr>
-            </a:solidFill>
-          </a:ln>
-          <a:effectLst>
-            <a:innerShdw blurRad="63500" dist="50800" dir="8100000">
-              <a:prstClr val="black">
-                <a:alpha val="50000"/>
-              </a:prstClr>
-            </a:innerShdw>
-          </a:effectLst>
-        </p:spPr>
-        <p:style>
-          <a:lnRef idx="2">
-            <a:schemeClr val="accent1">
-              <a:shade val="50000"/>
-            </a:schemeClr>
-          </a:lnRef>
-          <a:fillRef idx="1">
-            <a:schemeClr val="accent1"/>
-          </a:fillRef>
-          <a:effectRef idx="0">
-            <a:schemeClr val="accent1"/>
-          </a:effectRef>
-          <a:fontRef idx="minor">
-            <a:schemeClr val="lt1"/>
-          </a:fontRef>
-        </p:style>
-        <p:txBody>
-          <a:bodyPr rtlCol="0" anchor="ctr"/>
-          <a:lstStyle/>
-          <a:p>
-            <a:pPr algn="ctr"/>
-            <a:endParaRPr lang="en-GB"/>
-          </a:p>
-        </p:txBody>
-      </p:sp>
-      <p:grpSp>
-        <p:nvGrpSpPr>
-          <p:cNvPr id="20" name="Group 19"/>
-          <p:cNvGrpSpPr/>
-          <p:nvPr/>
-        </p:nvGrpSpPr>
-        <p:grpSpPr>
-          <a:xfrm>
-            <a:off x="251520" y="764704"/>
-            <a:ext cx="3024336" cy="2240128"/>
-            <a:chOff x="251520" y="548680"/>
-            <a:chExt cx="3024336" cy="2240128"/>
-          </a:xfrm>
-        </p:grpSpPr>
-        <p:sp>
-          <p:nvSpPr>
-            <p:cNvPr id="21" name="Cloud 20"/>
-            <p:cNvSpPr/>
-            <p:nvPr/>
-          </p:nvSpPr>
-          <p:spPr>
-            <a:xfrm>
-              <a:off x="251520" y="548680"/>
-              <a:ext cx="3024336" cy="1584176"/>
-            </a:xfrm>
-            <a:prstGeom prst="cloud">
-              <a:avLst/>
-            </a:prstGeom>
-            <a:solidFill>
-              <a:schemeClr val="accent5">
-                <a:lumMod val="20000"/>
-                <a:lumOff val="80000"/>
-              </a:schemeClr>
-            </a:solidFill>
-            <a:ln>
-              <a:noFill/>
-            </a:ln>
-            <a:effectLst>
-              <a:outerShdw blurRad="44450" dist="27940" dir="5400000" algn="ctr">
-                <a:srgbClr val="000000">
-                  <a:alpha val="32000"/>
-                </a:srgbClr>
-              </a:outerShdw>
-            </a:effectLst>
-            <a:scene3d>
-              <a:camera prst="orthographicFront">
-                <a:rot lat="0" lon="0" rev="0"/>
-              </a:camera>
-              <a:lightRig rig="balanced" dir="t">
-                <a:rot lat="0" lon="0" rev="8700000"/>
-              </a:lightRig>
-            </a:scene3d>
-            <a:sp3d>
-              <a:bevelT w="190500" h="38100"/>
-            </a:sp3d>
-          </p:spPr>
-          <p:style>
-            <a:lnRef idx="2">
-              <a:schemeClr val="accent1">
-                <a:shade val="50000"/>
-              </a:schemeClr>
-            </a:lnRef>
-            <a:fillRef idx="1">
-              <a:schemeClr val="accent1"/>
-            </a:fillRef>
-            <a:effectRef idx="0">
-              <a:schemeClr val="accent1"/>
-            </a:effectRef>
-            <a:fontRef idx="minor">
-              <a:schemeClr val="lt1"/>
-            </a:fontRef>
-          </p:style>
-          <p:txBody>
-            <a:bodyPr rtlCol="0" anchor="ctr"/>
-            <a:lstStyle/>
-            <a:p>
-              <a:pPr algn="ctr"/>
-              <a:r>
-                <a:rPr lang="en-GB" sz="2000" dirty="0">
-                  <a:solidFill>
-                    <a:srgbClr val="0070C0"/>
-                  </a:solidFill>
-                </a:rPr>
-                <a:t>International, national clinical experts</a:t>
-              </a:r>
-            </a:p>
-          </p:txBody>
-        </p:sp>
-        <p:sp>
-          <p:nvSpPr>
-            <p:cNvPr id="22" name="Down Arrow 21"/>
-            <p:cNvSpPr/>
-            <p:nvPr/>
-          </p:nvSpPr>
-          <p:spPr>
-            <a:xfrm>
-              <a:off x="1403648" y="2212744"/>
-              <a:ext cx="432048" cy="576064"/>
-            </a:xfrm>
-            <a:prstGeom prst="downArrow">
-              <a:avLst/>
-            </a:prstGeom>
-            <a:solidFill>
-              <a:schemeClr val="accent5">
-                <a:lumMod val="20000"/>
-                <a:lumOff val="80000"/>
-              </a:schemeClr>
-            </a:solidFill>
-            <a:ln>
-              <a:noFill/>
-            </a:ln>
-            <a:effectLst>
-              <a:outerShdw blurRad="44450" dist="27940" dir="5400000" algn="ctr">
-                <a:srgbClr val="000000">
-                  <a:alpha val="32000"/>
-                </a:srgbClr>
-              </a:outerShdw>
-            </a:effectLst>
-            <a:scene3d>
-              <a:camera prst="orthographicFront">
-                <a:rot lat="0" lon="0" rev="0"/>
-              </a:camera>
-              <a:lightRig rig="balanced" dir="t">
-                <a:rot lat="0" lon="0" rev="8700000"/>
-              </a:lightRig>
-            </a:scene3d>
-            <a:sp3d>
-              <a:bevelT w="190500" h="38100"/>
-            </a:sp3d>
-          </p:spPr>
-          <p:style>
-            <a:lnRef idx="2">
-              <a:schemeClr val="accent1">
-                <a:shade val="50000"/>
-              </a:schemeClr>
-            </a:lnRef>
-            <a:fillRef idx="1">
-              <a:schemeClr val="accent1"/>
-            </a:fillRef>
-            <a:effectRef idx="0">
-              <a:schemeClr val="accent1"/>
-            </a:effectRef>
-            <a:fontRef idx="minor">
-              <a:schemeClr val="lt1"/>
-            </a:fontRef>
-          </p:style>
-          <p:txBody>
-            <a:bodyPr rtlCol="0" anchor="ctr"/>
-            <a:lstStyle/>
-            <a:p>
-              <a:pPr algn="ctr"/>
-              <a:endParaRPr lang="en-GB"/>
-            </a:p>
-          </p:txBody>
-        </p:sp>
-      </p:grpSp>
-      <p:sp>
-        <p:nvSpPr>
-          <p:cNvPr id="23" name="Rounded Rectangle 22"/>
-          <p:cNvSpPr/>
-          <p:nvPr/>
-        </p:nvSpPr>
-        <p:spPr>
-          <a:xfrm>
-            <a:off x="5436096" y="2596842"/>
-            <a:ext cx="2736304" cy="472118"/>
-          </a:xfrm>
-          <a:prstGeom prst="roundRect">
-            <a:avLst/>
-          </a:prstGeom>
-          <a:solidFill>
-            <a:srgbClr val="FFC000"/>
-          </a:solidFill>
-          <a:ln>
-            <a:noFill/>
-          </a:ln>
-          <a:effectLst>
-            <a:outerShdw blurRad="44450" dist="27940" dir="5400000" algn="ctr">
-              <a:srgbClr val="000000">
-                <a:alpha val="32000"/>
-              </a:srgbClr>
-            </a:outerShdw>
-          </a:effectLst>
-          <a:scene3d>
-            <a:camera prst="orthographicFront">
-              <a:rot lat="0" lon="0" rev="0"/>
-            </a:camera>
-            <a:lightRig rig="balanced" dir="t">
-              <a:rot lat="0" lon="0" rev="8700000"/>
-            </a:lightRig>
-          </a:scene3d>
-          <a:sp3d>
-            <a:bevelT w="190500" h="38100"/>
-          </a:sp3d>
-        </p:spPr>
-        <p:style>
-          <a:lnRef idx="2">
-            <a:schemeClr val="accent1">
-              <a:shade val="50000"/>
-            </a:schemeClr>
-          </a:lnRef>
-          <a:fillRef idx="1">
-            <a:schemeClr val="accent1"/>
-          </a:fillRef>
-          <a:effectRef idx="0">
-            <a:schemeClr val="accent1"/>
-          </a:effectRef>
-          <a:fontRef idx="minor">
-            <a:schemeClr val="lt1"/>
-          </a:fontRef>
-        </p:style>
-        <p:txBody>
-          <a:bodyPr rtlCol="0" anchor="ctr"/>
-          <a:lstStyle/>
-          <a:p>
-            <a:pPr algn="ctr"/>
-            <a:r>
-              <a:rPr lang="en-US" sz="2400" b="1" dirty="0">
-                <a:solidFill>
-                  <a:srgbClr val="00335F"/>
-                </a:solidFill>
-              </a:rPr>
-              <a:t>services</a:t>
-            </a:r>
-          </a:p>
-        </p:txBody>
-      </p:sp>
-      <p:pic>
-        <p:nvPicPr>
-          <p:cNvPr id="24" name="Picture 23"/>
-          <p:cNvPicPr>
-            <a:picLocks noChangeAspect="1"/>
-          </p:cNvPicPr>
-          <p:nvPr/>
-        </p:nvPicPr>
-        <p:blipFill>
-          <a:blip r:embed="rId2" cstate="print">
-            <a:extLst>
-              <a:ext uri="{28A0092B-C50C-407E-A947-70E740481C1C}">
-                <a14:useLocalDpi xmlns:a14="http://schemas.microsoft.com/office/drawing/2010/main" val="0"/>
-              </a:ext>
-            </a:extLst>
-          </a:blip>
-          <a:stretch>
-            <a:fillRect/>
-          </a:stretch>
-        </p:blipFill>
-        <p:spPr>
-          <a:xfrm>
-            <a:off x="5752363" y="112078"/>
-            <a:ext cx="663609" cy="796642"/>
-          </a:xfrm>
-          <a:prstGeom prst="rect">
-            <a:avLst/>
-          </a:prstGeom>
-        </p:spPr>
-      </p:pic>
-      <p:pic>
-        <p:nvPicPr>
-          <p:cNvPr id="25" name="Picture 24"/>
-          <p:cNvPicPr>
-            <a:picLocks noChangeAspect="1"/>
-          </p:cNvPicPr>
-          <p:nvPr/>
-        </p:nvPicPr>
-        <p:blipFill>
-          <a:blip r:embed="rId3" cstate="print">
-            <a:extLst>
-              <a:ext uri="{28A0092B-C50C-407E-A947-70E740481C1C}">
-                <a14:useLocalDpi xmlns:a14="http://schemas.microsoft.com/office/drawing/2010/main" val="0"/>
-              </a:ext>
-            </a:extLst>
-          </a:blip>
-          <a:stretch>
-            <a:fillRect/>
-          </a:stretch>
-        </p:blipFill>
-        <p:spPr>
-          <a:xfrm>
-            <a:off x="7161289" y="81741"/>
-            <a:ext cx="622835" cy="826979"/>
-          </a:xfrm>
-          <a:prstGeom prst="rect">
-            <a:avLst/>
-          </a:prstGeom>
-        </p:spPr>
-      </p:pic>
-    </p:spTree>
-    <p:extLst>
-      <p:ext uri="{BB962C8B-B14F-4D97-AF65-F5344CB8AC3E}">
-        <p14:creationId xmlns:p14="http://schemas.microsoft.com/office/powerpoint/2010/main" val="984651909"/>
-      </p:ext>
-    </p:extLst>
-  </p:cSld>
-  <p:clrMapOvr>
-    <a:masterClrMapping/>
-  </p:clrMapOvr>
-  <p:timing>
-    <p:tnLst>
-      <p:par>
-        <p:cTn id="1" dur="indefinite" restart="never" nodeType="tmRoot">
-          <p:childTnLst>
-            <p:seq concurrent="1" nextAc="seek">
-              <p:cTn id="2" dur="indefinite" nodeType="mainSeq">
-                <p:childTnLst>
-                  <p:par>
-                    <p:cTn id="3" fill="hold">
-                      <p:stCondLst>
-                        <p:cond delay="indefinite"/>
-                      </p:stCondLst>
-                      <p:childTnLst>
-                        <p:par>
-                          <p:cTn id="4" fill="hold">
-                            <p:stCondLst>
-                              <p:cond delay="0"/>
-                            </p:stCondLst>
-                            <p:childTnLst>
-                              <p:par>
-                                <p:cTn id="5" presetID="10" presetClass="entr" presetSubtype="0" fill="hold" grpId="0" nodeType="clickEffect">
-                                  <p:stCondLst>
-                                    <p:cond delay="0"/>
-                                  </p:stCondLst>
-                                  <p:childTnLst>
-                                    <p:set>
-                                      <p:cBhvr>
-                                        <p:cTn id="6" dur="1" fill="hold">
-                                          <p:stCondLst>
-                                            <p:cond delay="0"/>
-                                          </p:stCondLst>
-                                        </p:cTn>
-                                        <p:tgtEl>
-                                          <p:spTgt spid="2"/>
-                                        </p:tgtEl>
-                                        <p:attrNameLst>
-                                          <p:attrName>style.visibility</p:attrName>
-                                        </p:attrNameLst>
-                                      </p:cBhvr>
-                                      <p:to>
-                                        <p:strVal val="visible"/>
-                                      </p:to>
-                                    </p:set>
-                                    <p:animEffect transition="in" filter="fade">
-                                      <p:cBhvr>
-                                        <p:cTn id="7" dur="500"/>
-                                        <p:tgtEl>
-                                          <p:spTgt spid="2"/>
-                                        </p:tgtEl>
-                                      </p:cBhvr>
-                                    </p:animEffect>
-                                  </p:childTnLst>
-                                </p:cTn>
-                              </p:par>
-                            </p:childTnLst>
-                          </p:cTn>
-                        </p:par>
-                      </p:childTnLst>
-                    </p:cTn>
-                  </p:par>
-                  <p:par>
-                    <p:cTn id="8" fill="hold">
-                      <p:stCondLst>
-                        <p:cond delay="indefinite"/>
-                      </p:stCondLst>
-                      <p:childTnLst>
-                        <p:par>
-                          <p:cTn id="9" fill="hold">
-                            <p:stCondLst>
-                              <p:cond delay="0"/>
-                            </p:stCondLst>
-                            <p:childTnLst>
-                              <p:par>
-                                <p:cTn id="10" presetID="10" presetClass="entr" presetSubtype="0" fill="hold" nodeType="clickEffect">
-                                  <p:stCondLst>
-                                    <p:cond delay="0"/>
-                                  </p:stCondLst>
-                                  <p:childTnLst>
-                                    <p:set>
-                                      <p:cBhvr>
-                                        <p:cTn id="11" dur="1" fill="hold">
-                                          <p:stCondLst>
-                                            <p:cond delay="0"/>
-                                          </p:stCondLst>
-                                        </p:cTn>
-                                        <p:tgtEl>
-                                          <p:spTgt spid="20"/>
-                                        </p:tgtEl>
-                                        <p:attrNameLst>
-                                          <p:attrName>style.visibility</p:attrName>
-                                        </p:attrNameLst>
-                                      </p:cBhvr>
-                                      <p:to>
-                                        <p:strVal val="visible"/>
-                                      </p:to>
-                                    </p:set>
-                                    <p:animEffect transition="in" filter="fade">
-                                      <p:cBhvr>
-                                        <p:cTn id="12" dur="500"/>
-                                        <p:tgtEl>
-                                          <p:spTgt spid="20"/>
-                                        </p:tgtEl>
-                                      </p:cBhvr>
-                                    </p:animEffect>
-                                  </p:childTnLst>
-                                </p:cTn>
-                              </p:par>
-                            </p:childTnLst>
-                          </p:cTn>
-                        </p:par>
-                      </p:childTnLst>
-                    </p:cTn>
-                  </p:par>
-                </p:childTnLst>
-              </p:cTn>
-              <p:prevCondLst>
-                <p:cond evt="onPrev" delay="0">
-                  <p:tgtEl>
-                    <p:sldTgt/>
-                  </p:tgtEl>
-                </p:cond>
-              </p:prevCondLst>
-              <p:nextCondLst>
-                <p:cond evt="onNext" delay="0">
-                  <p:tgtEl>
-                    <p:sldTgt/>
-                  </p:tgtEl>
-                </p:cond>
-              </p:nextCondLst>
-            </p:seq>
-          </p:childTnLst>
-        </p:cTn>
-      </p:par>
-    </p:tnLst>
-    <p:bldLst>
-      <p:bldP spid="2" grpId="0" animBg="1"/>
-    </p:bldLst>
-  </p:timing>
 </p:sld>
 </file>
 

--- a/files/openEHR_diagrams_sources.pptx
+++ b/files/openEHR_diagrams_sources.pptx
@@ -138,10 +138,6 @@
 </p:presentation>
 </file>
 
-<file path=ppt/revisionInfo.xml><?xml version="1.0" encoding="utf-8"?>
-<p1510:revInfo xmlns:a="http://schemas.openxmlformats.org/drawingml/2006/main" xmlns:r="http://schemas.openxmlformats.org/officeDocument/2006/relationships" xmlns:p1510="http://schemas.microsoft.com/office/powerpoint/2015/10/main"/>
-</file>
-
 <file path=ppt/slideLayouts/slideLayout1.xml><?xml version="1.0" encoding="utf-8"?>
 <p:sldLayout xmlns:a="http://schemas.openxmlformats.org/drawingml/2006/main" xmlns:r="http://schemas.openxmlformats.org/officeDocument/2006/relationships" xmlns:p="http://schemas.openxmlformats.org/presentationml/2006/main" type="title" preserve="1">
   <p:cSld name="Title Slide">
@@ -322,7 +318,7 @@
             <a:fld id="{C17C92CA-27BA-48D5-B9B9-4E9A3862C39B}" type="datetimeFigureOut">
               <a:rPr lang="en-US" smtClean="0"/>
               <a:pPr/>
-              <a:t>10/5/2017</a:t>
+              <a:t>11/13/2018</a:t>
             </a:fld>
             <a:endParaRPr lang="en-US"/>
           </a:p>
@@ -487,7 +483,7 @@
             <a:fld id="{C17C92CA-27BA-48D5-B9B9-4E9A3862C39B}" type="datetimeFigureOut">
               <a:rPr lang="en-US" smtClean="0"/>
               <a:pPr/>
-              <a:t>10/5/2017</a:t>
+              <a:t>11/13/2018</a:t>
             </a:fld>
             <a:endParaRPr lang="en-US"/>
           </a:p>
@@ -662,7 +658,7 @@
             <a:fld id="{C17C92CA-27BA-48D5-B9B9-4E9A3862C39B}" type="datetimeFigureOut">
               <a:rPr lang="en-US" smtClean="0"/>
               <a:pPr/>
-              <a:t>10/5/2017</a:t>
+              <a:t>11/13/2018</a:t>
             </a:fld>
             <a:endParaRPr lang="en-US"/>
           </a:p>
@@ -827,7 +823,7 @@
             <a:fld id="{C17C92CA-27BA-48D5-B9B9-4E9A3862C39B}" type="datetimeFigureOut">
               <a:rPr lang="en-US" smtClean="0"/>
               <a:pPr/>
-              <a:t>10/5/2017</a:t>
+              <a:t>11/13/2018</a:t>
             </a:fld>
             <a:endParaRPr lang="en-US"/>
           </a:p>
@@ -1069,7 +1065,7 @@
             <a:fld id="{C17C92CA-27BA-48D5-B9B9-4E9A3862C39B}" type="datetimeFigureOut">
               <a:rPr lang="en-US" smtClean="0"/>
               <a:pPr/>
-              <a:t>10/5/2017</a:t>
+              <a:t>11/13/2018</a:t>
             </a:fld>
             <a:endParaRPr lang="en-US"/>
           </a:p>
@@ -1351,7 +1347,7 @@
             <a:fld id="{C17C92CA-27BA-48D5-B9B9-4E9A3862C39B}" type="datetimeFigureOut">
               <a:rPr lang="en-US" smtClean="0"/>
               <a:pPr/>
-              <a:t>10/5/2017</a:t>
+              <a:t>11/13/2018</a:t>
             </a:fld>
             <a:endParaRPr lang="en-US"/>
           </a:p>
@@ -1767,7 +1763,7 @@
             <a:fld id="{C17C92CA-27BA-48D5-B9B9-4E9A3862C39B}" type="datetimeFigureOut">
               <a:rPr lang="en-US" smtClean="0"/>
               <a:pPr/>
-              <a:t>10/5/2017</a:t>
+              <a:t>11/13/2018</a:t>
             </a:fld>
             <a:endParaRPr lang="en-US"/>
           </a:p>
@@ -1881,7 +1877,7 @@
             <a:fld id="{C17C92CA-27BA-48D5-B9B9-4E9A3862C39B}" type="datetimeFigureOut">
               <a:rPr lang="en-US" smtClean="0"/>
               <a:pPr/>
-              <a:t>10/5/2017</a:t>
+              <a:t>11/13/2018</a:t>
             </a:fld>
             <a:endParaRPr lang="en-US"/>
           </a:p>
@@ -1973,7 +1969,7 @@
             <a:fld id="{C17C92CA-27BA-48D5-B9B9-4E9A3862C39B}" type="datetimeFigureOut">
               <a:rPr lang="en-US" smtClean="0"/>
               <a:pPr/>
-              <a:t>10/5/2017</a:t>
+              <a:t>11/13/2018</a:t>
             </a:fld>
             <a:endParaRPr lang="en-US"/>
           </a:p>
@@ -2245,7 +2241,7 @@
             <a:fld id="{C17C92CA-27BA-48D5-B9B9-4E9A3862C39B}" type="datetimeFigureOut">
               <a:rPr lang="en-US" smtClean="0"/>
               <a:pPr/>
-              <a:t>10/5/2017</a:t>
+              <a:t>11/13/2018</a:t>
             </a:fld>
             <a:endParaRPr lang="en-US"/>
           </a:p>
@@ -2494,7 +2490,7 @@
             <a:fld id="{C17C92CA-27BA-48D5-B9B9-4E9A3862C39B}" type="datetimeFigureOut">
               <a:rPr lang="en-US" smtClean="0"/>
               <a:pPr/>
-              <a:t>10/5/2017</a:t>
+              <a:t>11/13/2018</a:t>
             </a:fld>
             <a:endParaRPr lang="en-US"/>
           </a:p>
@@ -2702,7 +2698,7 @@
             <a:fld id="{C17C92CA-27BA-48D5-B9B9-4E9A3862C39B}" type="datetimeFigureOut">
               <a:rPr lang="en-US" smtClean="0"/>
               <a:pPr/>
-              <a:t>10/5/2017</a:t>
+              <a:t>11/13/2018</a:t>
             </a:fld>
             <a:endParaRPr lang="en-US"/>
           </a:p>
@@ -36312,8 +36308,8 @@
         </p:nvSpPr>
         <p:spPr>
           <a:xfrm>
-            <a:off x="2288161" y="5002196"/>
-            <a:ext cx="2016224" cy="468052"/>
+            <a:off x="2288161" y="4581128"/>
+            <a:ext cx="2016224" cy="397418"/>
           </a:xfrm>
           <a:prstGeom prst="roundRect">
             <a:avLst/>
@@ -36516,8 +36512,8 @@
         </p:nvSpPr>
         <p:spPr>
           <a:xfrm>
-            <a:off x="2288161" y="4445586"/>
-            <a:ext cx="2016224" cy="468052"/>
+            <a:off x="2288161" y="4097147"/>
+            <a:ext cx="2016224" cy="398711"/>
           </a:xfrm>
           <a:prstGeom prst="roundRect">
             <a:avLst/>
@@ -36595,8 +36591,8 @@
         </p:nvSpPr>
         <p:spPr>
           <a:xfrm>
-            <a:off x="2288161" y="3888976"/>
-            <a:ext cx="2016224" cy="468052"/>
+            <a:off x="2288161" y="3573016"/>
+            <a:ext cx="2016224" cy="384666"/>
           </a:xfrm>
           <a:prstGeom prst="roundRect">
             <a:avLst/>
@@ -36675,7 +36671,7 @@
         <p:spPr>
           <a:xfrm>
             <a:off x="2288161" y="6115418"/>
-            <a:ext cx="2016224" cy="468052"/>
+            <a:ext cx="2016224" cy="398195"/>
           </a:xfrm>
           <a:prstGeom prst="roundRect">
             <a:avLst/>
@@ -36751,8 +36747,8 @@
         </p:nvSpPr>
         <p:spPr>
           <a:xfrm>
-            <a:off x="2288161" y="2775756"/>
-            <a:ext cx="2016224" cy="468052"/>
+            <a:off x="2288161" y="2564904"/>
+            <a:ext cx="2016224" cy="375543"/>
           </a:xfrm>
           <a:prstGeom prst="roundRect">
             <a:avLst/>
@@ -36830,8 +36826,8 @@
         </p:nvSpPr>
         <p:spPr>
           <a:xfrm>
-            <a:off x="2288161" y="3332366"/>
-            <a:ext cx="2016224" cy="468052"/>
+            <a:off x="2288161" y="3068960"/>
+            <a:ext cx="2016224" cy="384666"/>
           </a:xfrm>
           <a:prstGeom prst="roundRect">
             <a:avLst/>
@@ -36909,8 +36905,8 @@
         </p:nvSpPr>
         <p:spPr>
           <a:xfrm>
-            <a:off x="2288161" y="549316"/>
-            <a:ext cx="2016224" cy="468052"/>
+            <a:off x="2288161" y="549317"/>
+            <a:ext cx="2016224" cy="384076"/>
           </a:xfrm>
           <a:prstGeom prst="roundRect">
             <a:avLst/>
@@ -36988,8 +36984,8 @@
         </p:nvSpPr>
         <p:spPr>
           <a:xfrm>
-            <a:off x="2288161" y="1662536"/>
-            <a:ext cx="2016224" cy="468052"/>
+            <a:off x="2288161" y="1556792"/>
+            <a:ext cx="2016224" cy="384076"/>
           </a:xfrm>
           <a:prstGeom prst="roundRect">
             <a:avLst/>
@@ -37067,7 +37063,7 @@
         </p:nvGrpSpPr>
         <p:grpSpPr>
           <a:xfrm>
-            <a:off x="533870" y="3580412"/>
+            <a:off x="533870" y="3317006"/>
             <a:ext cx="216024" cy="382265"/>
             <a:chOff x="2771800" y="1369443"/>
             <a:chExt cx="216024" cy="382265"/>
@@ -37267,7 +37263,7 @@
         </p:nvGrpSpPr>
         <p:grpSpPr>
           <a:xfrm>
-            <a:off x="546258" y="3039035"/>
+            <a:off x="546258" y="2828183"/>
             <a:ext cx="216024" cy="382265"/>
             <a:chOff x="2771800" y="1369443"/>
             <a:chExt cx="216024" cy="382265"/>
@@ -37467,7 +37463,7 @@
         </p:nvGrpSpPr>
         <p:grpSpPr>
           <a:xfrm>
-            <a:off x="1903197" y="3398022"/>
+            <a:off x="1903197" y="3134616"/>
             <a:ext cx="216024" cy="382265"/>
             <a:chOff x="2771800" y="1369443"/>
             <a:chExt cx="216024" cy="382265"/>
@@ -37667,7 +37663,7 @@
         </p:nvGrpSpPr>
         <p:grpSpPr>
           <a:xfrm>
-            <a:off x="1903197" y="3913190"/>
+            <a:off x="1903197" y="3597230"/>
             <a:ext cx="216024" cy="382265"/>
             <a:chOff x="2771800" y="1369443"/>
             <a:chExt cx="216024" cy="382265"/>
@@ -37867,7 +37863,7 @@
         </p:nvGrpSpPr>
         <p:grpSpPr>
           <a:xfrm>
-            <a:off x="1903197" y="4502181"/>
+            <a:off x="1903197" y="4105370"/>
             <a:ext cx="216024" cy="382265"/>
             <a:chOff x="2771800" y="1369443"/>
             <a:chExt cx="216024" cy="382265"/>
@@ -38067,7 +38063,7 @@
         </p:nvGrpSpPr>
         <p:grpSpPr>
           <a:xfrm>
-            <a:off x="1903197" y="5017349"/>
+            <a:off x="1903197" y="4588705"/>
             <a:ext cx="216024" cy="382265"/>
             <a:chOff x="2771800" y="1369443"/>
             <a:chExt cx="216024" cy="382265"/>
@@ -38467,7 +38463,7 @@
         </p:nvGrpSpPr>
         <p:grpSpPr>
           <a:xfrm>
-            <a:off x="1903197" y="1687910"/>
+            <a:off x="1903197" y="1582166"/>
             <a:ext cx="216024" cy="382265"/>
             <a:chOff x="2771800" y="1369443"/>
             <a:chExt cx="216024" cy="382265"/>
@@ -38667,7 +38663,7 @@
         </p:nvGrpSpPr>
         <p:grpSpPr>
           <a:xfrm>
-            <a:off x="1903197" y="2852965"/>
+            <a:off x="1903197" y="2642113"/>
             <a:ext cx="216024" cy="382265"/>
             <a:chOff x="2771800" y="1369443"/>
             <a:chExt cx="216024" cy="382265"/>
@@ -39067,7 +39063,7 @@
         </p:nvGrpSpPr>
         <p:grpSpPr>
           <a:xfrm>
-            <a:off x="1316618" y="3164810"/>
+            <a:off x="1316618" y="2953958"/>
             <a:ext cx="216024" cy="382265"/>
             <a:chOff x="2771800" y="1369443"/>
             <a:chExt cx="216024" cy="382265"/>
@@ -39267,7 +39263,7 @@
         </p:nvGrpSpPr>
         <p:grpSpPr>
           <a:xfrm>
-            <a:off x="1312923" y="3637085"/>
+            <a:off x="1312923" y="3373679"/>
             <a:ext cx="216024" cy="382265"/>
             <a:chOff x="2771800" y="1369443"/>
             <a:chExt cx="216024" cy="382265"/>
@@ -39467,7 +39463,7 @@
         </p:nvGrpSpPr>
         <p:grpSpPr>
           <a:xfrm>
-            <a:off x="1042039" y="3169711"/>
+            <a:off x="1042039" y="2958859"/>
             <a:ext cx="216024" cy="382265"/>
             <a:chOff x="2771800" y="1369443"/>
             <a:chExt cx="216024" cy="382265"/>
@@ -39667,7 +39663,7 @@
         </p:nvGrpSpPr>
         <p:grpSpPr>
           <a:xfrm>
-            <a:off x="1038344" y="3641986"/>
+            <a:off x="1038344" y="3378580"/>
             <a:ext cx="216024" cy="382265"/>
             <a:chOff x="2771800" y="1369443"/>
             <a:chExt cx="216024" cy="382265"/>
@@ -39867,7 +39863,7 @@
         </p:nvGrpSpPr>
         <p:grpSpPr>
           <a:xfrm>
-            <a:off x="1345802" y="4228484"/>
+            <a:off x="1345802" y="3912524"/>
             <a:ext cx="216024" cy="382265"/>
             <a:chOff x="2771800" y="1369443"/>
             <a:chExt cx="216024" cy="382265"/>
@@ -40067,7 +40063,7 @@
         </p:nvGrpSpPr>
         <p:grpSpPr>
           <a:xfrm>
-            <a:off x="1050456" y="4217874"/>
+            <a:off x="1050456" y="3901914"/>
             <a:ext cx="216024" cy="382265"/>
             <a:chOff x="2771800" y="1369443"/>
             <a:chExt cx="216024" cy="382265"/>
@@ -40868,7 +40864,7 @@
         <p:spPr>
           <a:xfrm>
             <a:off x="4458827" y="548680"/>
-            <a:ext cx="562822" cy="468052"/>
+            <a:ext cx="562822" cy="398711"/>
           </a:xfrm>
           <a:prstGeom prst="can">
             <a:avLst/>
@@ -40928,8 +40924,8 @@
         </p:nvSpPr>
         <p:spPr>
           <a:xfrm>
-            <a:off x="4458827" y="1662586"/>
-            <a:ext cx="562822" cy="468052"/>
+            <a:off x="4458827" y="1556842"/>
+            <a:ext cx="562822" cy="407589"/>
           </a:xfrm>
           <a:prstGeom prst="can">
             <a:avLst/>
@@ -40989,8 +40985,8 @@
         </p:nvSpPr>
         <p:spPr>
           <a:xfrm>
-            <a:off x="4458827" y="2776491"/>
-            <a:ext cx="562822" cy="468052"/>
+            <a:off x="4458827" y="2565639"/>
+            <a:ext cx="562822" cy="386731"/>
           </a:xfrm>
           <a:prstGeom prst="can">
             <a:avLst/>
@@ -41051,7 +41047,7 @@
         <p:spPr>
           <a:xfrm>
             <a:off x="4458827" y="6118205"/>
-            <a:ext cx="562822" cy="468052"/>
+            <a:ext cx="562822" cy="407139"/>
           </a:xfrm>
           <a:prstGeom prst="can">
             <a:avLst/>
@@ -41109,8 +41105,8 @@
         </p:nvSpPr>
         <p:spPr>
           <a:xfrm>
-            <a:off x="4458827" y="3333443"/>
-            <a:ext cx="562822" cy="468052"/>
+            <a:off x="4458827" y="3070037"/>
+            <a:ext cx="562822" cy="401840"/>
           </a:xfrm>
           <a:prstGeom prst="can">
             <a:avLst/>
@@ -41170,8 +41166,8 @@
         </p:nvSpPr>
         <p:spPr>
           <a:xfrm>
-            <a:off x="4458827" y="3890395"/>
-            <a:ext cx="562822" cy="468052"/>
+            <a:off x="4458827" y="3574435"/>
+            <a:ext cx="562822" cy="401840"/>
           </a:xfrm>
           <a:prstGeom prst="can">
             <a:avLst/>
@@ -41231,8 +41227,8 @@
         </p:nvSpPr>
         <p:spPr>
           <a:xfrm>
-            <a:off x="4458827" y="4447347"/>
-            <a:ext cx="562822" cy="468052"/>
+            <a:off x="4458827" y="4092934"/>
+            <a:ext cx="562822" cy="407137"/>
           </a:xfrm>
           <a:prstGeom prst="can">
             <a:avLst/>
@@ -41292,8 +41288,8 @@
         </p:nvSpPr>
         <p:spPr>
           <a:xfrm>
-            <a:off x="4458827" y="5004299"/>
-            <a:ext cx="562822" cy="468052"/>
+            <a:off x="4458827" y="4582180"/>
+            <a:ext cx="562822" cy="395315"/>
           </a:xfrm>
           <a:prstGeom prst="can">
             <a:avLst/>
@@ -41608,7 +41604,7 @@
         </p:nvGrpSpPr>
         <p:grpSpPr>
           <a:xfrm>
-            <a:off x="1341493" y="2541103"/>
+            <a:off x="1341493" y="2382805"/>
             <a:ext cx="216024" cy="382265"/>
             <a:chOff x="2771800" y="1369443"/>
             <a:chExt cx="216024" cy="382265"/>
@@ -41808,7 +41804,7 @@
         </p:nvGrpSpPr>
         <p:grpSpPr>
           <a:xfrm>
-            <a:off x="1046147" y="2530493"/>
+            <a:off x="1046147" y="2372195"/>
             <a:ext cx="216024" cy="382265"/>
             <a:chOff x="2771800" y="1369443"/>
             <a:chExt cx="216024" cy="382265"/>
@@ -42008,8 +42004,8 @@
         </p:nvSpPr>
         <p:spPr>
           <a:xfrm>
-            <a:off x="2285345" y="1105926"/>
-            <a:ext cx="2016224" cy="468052"/>
+            <a:off x="2285345" y="1053029"/>
+            <a:ext cx="2016224" cy="398711"/>
           </a:xfrm>
           <a:prstGeom prst="roundRect">
             <a:avLst/>
@@ -42087,7 +42083,7 @@
         </p:nvGrpSpPr>
         <p:grpSpPr>
           <a:xfrm>
-            <a:off x="1903197" y="1146380"/>
+            <a:off x="1903197" y="1093483"/>
             <a:ext cx="216024" cy="382265"/>
             <a:chOff x="2771800" y="1369443"/>
             <a:chExt cx="216024" cy="382265"/>
@@ -42287,8 +42283,8 @@
         </p:nvSpPr>
         <p:spPr>
           <a:xfrm>
-            <a:off x="4456011" y="1105633"/>
-            <a:ext cx="562822" cy="468052"/>
+            <a:off x="4456011" y="1052736"/>
+            <a:ext cx="562822" cy="398711"/>
           </a:xfrm>
           <a:prstGeom prst="can">
             <a:avLst/>
@@ -43796,8 +43792,8 @@
         </p:nvSpPr>
         <p:spPr>
           <a:xfrm>
-            <a:off x="2288161" y="5558806"/>
-            <a:ext cx="2016224" cy="468052"/>
+            <a:off x="2288161" y="5611704"/>
+            <a:ext cx="2016224" cy="398713"/>
           </a:xfrm>
           <a:prstGeom prst="roundRect">
             <a:avLst/>
@@ -43875,7 +43871,7 @@
         </p:nvGrpSpPr>
         <p:grpSpPr>
           <a:xfrm>
-            <a:off x="1903197" y="5568276"/>
+            <a:off x="1903197" y="5621174"/>
             <a:ext cx="216024" cy="382265"/>
             <a:chOff x="2771800" y="1369443"/>
             <a:chExt cx="216024" cy="382265"/>
@@ -44075,8 +44071,8 @@
         </p:nvSpPr>
         <p:spPr>
           <a:xfrm>
-            <a:off x="4458827" y="5561251"/>
-            <a:ext cx="562822" cy="468052"/>
+            <a:off x="4458827" y="5614149"/>
+            <a:ext cx="562822" cy="407139"/>
           </a:xfrm>
           <a:prstGeom prst="can">
             <a:avLst/>
@@ -44142,8 +44138,8 @@
         </p:nvSpPr>
         <p:spPr>
           <a:xfrm>
-            <a:off x="2285345" y="2219146"/>
-            <a:ext cx="2016224" cy="468052"/>
+            <a:off x="2285345" y="2060848"/>
+            <a:ext cx="2016224" cy="384076"/>
           </a:xfrm>
           <a:prstGeom prst="roundRect">
             <a:avLst/>
@@ -44227,8 +44223,8 @@
         </p:nvSpPr>
         <p:spPr>
           <a:xfrm>
-            <a:off x="4456011" y="2219539"/>
-            <a:ext cx="562822" cy="468052"/>
+            <a:off x="4456011" y="2061241"/>
+            <a:ext cx="562822" cy="407589"/>
           </a:xfrm>
           <a:prstGeom prst="can">
             <a:avLst/>
@@ -44294,7 +44290,7 @@
         </p:nvGrpSpPr>
         <p:grpSpPr>
           <a:xfrm>
-            <a:off x="1903197" y="2254647"/>
+            <a:off x="1903197" y="2096349"/>
             <a:ext cx="216024" cy="382265"/>
             <a:chOff x="2771800" y="1369443"/>
             <a:chExt cx="216024" cy="382265"/>
@@ -44510,6 +44506,388 @@
           </p:txBody>
         </p:sp>
       </p:grpSp>
+      <p:sp>
+        <p:nvSpPr>
+          <p:cNvPr id="214" name="Rounded Rectangle 12">
+            <a:extLst>
+              <a:ext uri="{FF2B5EF4-FFF2-40B4-BE49-F238E27FC236}">
+                <a16:creationId xmlns:a16="http://schemas.microsoft.com/office/drawing/2014/main" id="{BE7A8768-B0EA-4EA9-976F-567B770365CE}"/>
+              </a:ext>
+            </a:extLst>
+          </p:cNvPr>
+          <p:cNvSpPr/>
+          <p:nvPr/>
+        </p:nvSpPr>
+        <p:spPr>
+          <a:xfrm>
+            <a:off x="2292668" y="5085184"/>
+            <a:ext cx="2016224" cy="397418"/>
+          </a:xfrm>
+          <a:prstGeom prst="roundRect">
+            <a:avLst/>
+          </a:prstGeom>
+          <a:solidFill>
+            <a:schemeClr val="accent5">
+              <a:lumMod val="60000"/>
+              <a:lumOff val="40000"/>
+            </a:schemeClr>
+          </a:solidFill>
+          <a:ln>
+            <a:solidFill>
+              <a:schemeClr val="accent5">
+                <a:lumMod val="60000"/>
+                <a:lumOff val="40000"/>
+              </a:schemeClr>
+            </a:solidFill>
+          </a:ln>
+          <a:effectLst>
+            <a:outerShdw blurRad="44450" dist="27940" dir="5400000" algn="ctr">
+              <a:srgbClr val="000000">
+                <a:alpha val="32000"/>
+              </a:srgbClr>
+            </a:outerShdw>
+          </a:effectLst>
+          <a:scene3d>
+            <a:camera prst="orthographicFront">
+              <a:rot lat="0" lon="0" rev="0"/>
+            </a:camera>
+            <a:lightRig rig="balanced" dir="t">
+              <a:rot lat="0" lon="0" rev="8700000"/>
+            </a:lightRig>
+          </a:scene3d>
+          <a:sp3d>
+            <a:bevelT w="190500" h="38100"/>
+          </a:sp3d>
+        </p:spPr>
+        <p:style>
+          <a:lnRef idx="2">
+            <a:schemeClr val="accent1">
+              <a:shade val="50000"/>
+            </a:schemeClr>
+          </a:lnRef>
+          <a:fillRef idx="1">
+            <a:schemeClr val="accent1"/>
+          </a:fillRef>
+          <a:effectRef idx="0">
+            <a:schemeClr val="accent1"/>
+          </a:effectRef>
+          <a:fontRef idx="minor">
+            <a:schemeClr val="lt1"/>
+          </a:fontRef>
+        </p:style>
+        <p:txBody>
+          <a:bodyPr lIns="0" rIns="0" rtlCol="0" anchor="ctr"/>
+          <a:lstStyle/>
+          <a:p>
+            <a:pPr algn="ctr"/>
+            <a:r>
+              <a:rPr lang="en-US" sz="1600" b="1" dirty="0">
+                <a:solidFill>
+                  <a:srgbClr val="00335F"/>
+                </a:solidFill>
+              </a:rPr>
+              <a:t>Languages (LANG)</a:t>
+            </a:r>
+          </a:p>
+        </p:txBody>
+      </p:sp>
+      <p:grpSp>
+        <p:nvGrpSpPr>
+          <p:cNvPr id="215" name="Group 214">
+            <a:extLst>
+              <a:ext uri="{FF2B5EF4-FFF2-40B4-BE49-F238E27FC236}">
+                <a16:creationId xmlns:a16="http://schemas.microsoft.com/office/drawing/2014/main" id="{5AD8600D-39EB-4CBE-88EB-754582C96D4A}"/>
+              </a:ext>
+            </a:extLst>
+          </p:cNvPr>
+          <p:cNvGrpSpPr/>
+          <p:nvPr/>
+        </p:nvGrpSpPr>
+        <p:grpSpPr>
+          <a:xfrm>
+            <a:off x="1907704" y="5092761"/>
+            <a:ext cx="216024" cy="382265"/>
+            <a:chOff x="2771800" y="1369443"/>
+            <a:chExt cx="216024" cy="382265"/>
+          </a:xfrm>
+          <a:solidFill>
+            <a:srgbClr val="00B0F0"/>
+          </a:solidFill>
+        </p:grpSpPr>
+        <p:sp>
+          <p:nvSpPr>
+            <p:cNvPr id="216" name="Oval 215">
+              <a:extLst>
+                <a:ext uri="{FF2B5EF4-FFF2-40B4-BE49-F238E27FC236}">
+                  <a16:creationId xmlns:a16="http://schemas.microsoft.com/office/drawing/2014/main" id="{FEA30564-ABCD-434F-B7D9-08C96B95FFBF}"/>
+                </a:ext>
+              </a:extLst>
+            </p:cNvPr>
+            <p:cNvSpPr/>
+            <p:nvPr/>
+          </p:nvSpPr>
+          <p:spPr>
+            <a:xfrm>
+              <a:off x="2807804" y="1369443"/>
+              <a:ext cx="144016" cy="144016"/>
+            </a:xfrm>
+            <a:prstGeom prst="ellipse">
+              <a:avLst/>
+            </a:prstGeom>
+            <a:grpFill/>
+            <a:ln>
+              <a:solidFill>
+                <a:srgbClr val="0070C0"/>
+              </a:solidFill>
+            </a:ln>
+          </p:spPr>
+          <p:style>
+            <a:lnRef idx="2">
+              <a:schemeClr val="accent1">
+                <a:shade val="50000"/>
+              </a:schemeClr>
+            </a:lnRef>
+            <a:fillRef idx="1">
+              <a:schemeClr val="accent1"/>
+            </a:fillRef>
+            <a:effectRef idx="0">
+              <a:schemeClr val="accent1"/>
+            </a:effectRef>
+            <a:fontRef idx="minor">
+              <a:schemeClr val="lt1"/>
+            </a:fontRef>
+          </p:style>
+          <p:txBody>
+            <a:bodyPr rtlCol="0" anchor="ctr"/>
+            <a:lstStyle/>
+            <a:p>
+              <a:pPr algn="ctr"/>
+              <a:endParaRPr lang="en-GB"/>
+            </a:p>
+          </p:txBody>
+        </p:sp>
+        <p:sp>
+          <p:nvSpPr>
+            <p:cNvPr id="217" name="Oval 216">
+              <a:extLst>
+                <a:ext uri="{FF2B5EF4-FFF2-40B4-BE49-F238E27FC236}">
+                  <a16:creationId xmlns:a16="http://schemas.microsoft.com/office/drawing/2014/main" id="{28799F98-54B0-4C22-8D72-A26ADD74DC5E}"/>
+                </a:ext>
+              </a:extLst>
+            </p:cNvPr>
+            <p:cNvSpPr/>
+            <p:nvPr/>
+          </p:nvSpPr>
+          <p:spPr>
+            <a:xfrm>
+              <a:off x="2771800" y="1535684"/>
+              <a:ext cx="216024" cy="144016"/>
+            </a:xfrm>
+            <a:prstGeom prst="ellipse">
+              <a:avLst/>
+            </a:prstGeom>
+            <a:grpFill/>
+            <a:ln>
+              <a:solidFill>
+                <a:srgbClr val="0070C0"/>
+              </a:solidFill>
+            </a:ln>
+          </p:spPr>
+          <p:style>
+            <a:lnRef idx="2">
+              <a:schemeClr val="accent1">
+                <a:shade val="50000"/>
+              </a:schemeClr>
+            </a:lnRef>
+            <a:fillRef idx="1">
+              <a:schemeClr val="accent1"/>
+            </a:fillRef>
+            <a:effectRef idx="0">
+              <a:schemeClr val="accent1"/>
+            </a:effectRef>
+            <a:fontRef idx="minor">
+              <a:schemeClr val="lt1"/>
+            </a:fontRef>
+          </p:style>
+          <p:txBody>
+            <a:bodyPr rtlCol="0" anchor="ctr"/>
+            <a:lstStyle/>
+            <a:p>
+              <a:pPr algn="ctr"/>
+              <a:endParaRPr lang="en-GB"/>
+            </a:p>
+          </p:txBody>
+        </p:sp>
+        <p:sp>
+          <p:nvSpPr>
+            <p:cNvPr id="218" name="Rectangle 217">
+              <a:extLst>
+                <a:ext uri="{FF2B5EF4-FFF2-40B4-BE49-F238E27FC236}">
+                  <a16:creationId xmlns:a16="http://schemas.microsoft.com/office/drawing/2014/main" id="{5CE4A13F-7E84-4475-BACE-EEE81F472BAA}"/>
+                </a:ext>
+              </a:extLst>
+            </p:cNvPr>
+            <p:cNvSpPr/>
+            <p:nvPr/>
+          </p:nvSpPr>
+          <p:spPr>
+            <a:xfrm>
+              <a:off x="2771800" y="1607692"/>
+              <a:ext cx="216024" cy="144016"/>
+            </a:xfrm>
+            <a:prstGeom prst="rect">
+              <a:avLst/>
+            </a:prstGeom>
+            <a:grpFill/>
+            <a:ln>
+              <a:solidFill>
+                <a:srgbClr val="0070C0"/>
+              </a:solidFill>
+            </a:ln>
+          </p:spPr>
+          <p:style>
+            <a:lnRef idx="2">
+              <a:schemeClr val="accent1">
+                <a:shade val="50000"/>
+              </a:schemeClr>
+            </a:lnRef>
+            <a:fillRef idx="1">
+              <a:schemeClr val="accent1"/>
+            </a:fillRef>
+            <a:effectRef idx="0">
+              <a:schemeClr val="accent1"/>
+            </a:effectRef>
+            <a:fontRef idx="minor">
+              <a:schemeClr val="lt1"/>
+            </a:fontRef>
+          </p:style>
+          <p:txBody>
+            <a:bodyPr rtlCol="0" anchor="ctr"/>
+            <a:lstStyle/>
+            <a:p>
+              <a:pPr algn="ctr"/>
+              <a:endParaRPr lang="en-GB"/>
+            </a:p>
+          </p:txBody>
+        </p:sp>
+        <p:sp>
+          <p:nvSpPr>
+            <p:cNvPr id="219" name="Rectangle 218">
+              <a:extLst>
+                <a:ext uri="{FF2B5EF4-FFF2-40B4-BE49-F238E27FC236}">
+                  <a16:creationId xmlns:a16="http://schemas.microsoft.com/office/drawing/2014/main" id="{0292EA18-9834-432A-8443-800EAAFCBA29}"/>
+                </a:ext>
+              </a:extLst>
+            </p:cNvPr>
+            <p:cNvSpPr/>
+            <p:nvPr/>
+          </p:nvSpPr>
+          <p:spPr>
+            <a:xfrm>
+              <a:off x="2788948" y="1591577"/>
+              <a:ext cx="183641" cy="45719"/>
+            </a:xfrm>
+            <a:prstGeom prst="rect">
+              <a:avLst/>
+            </a:prstGeom>
+            <a:grpFill/>
+            <a:ln>
+              <a:noFill/>
+            </a:ln>
+          </p:spPr>
+          <p:style>
+            <a:lnRef idx="2">
+              <a:schemeClr val="accent1">
+                <a:shade val="50000"/>
+              </a:schemeClr>
+            </a:lnRef>
+            <a:fillRef idx="1">
+              <a:schemeClr val="accent1"/>
+            </a:fillRef>
+            <a:effectRef idx="0">
+              <a:schemeClr val="accent1"/>
+            </a:effectRef>
+            <a:fontRef idx="minor">
+              <a:schemeClr val="lt1"/>
+            </a:fontRef>
+          </p:style>
+          <p:txBody>
+            <a:bodyPr rtlCol="0" anchor="ctr"/>
+            <a:lstStyle/>
+            <a:p>
+              <a:pPr algn="ctr"/>
+              <a:endParaRPr lang="en-GB"/>
+            </a:p>
+          </p:txBody>
+        </p:sp>
+      </p:grpSp>
+      <p:sp>
+        <p:nvSpPr>
+          <p:cNvPr id="220" name="Can 135">
+            <a:extLst>
+              <a:ext uri="{FF2B5EF4-FFF2-40B4-BE49-F238E27FC236}">
+                <a16:creationId xmlns:a16="http://schemas.microsoft.com/office/drawing/2014/main" id="{7C365157-AEBF-4695-9403-D65031A55F89}"/>
+              </a:ext>
+            </a:extLst>
+          </p:cNvPr>
+          <p:cNvSpPr/>
+          <p:nvPr/>
+        </p:nvSpPr>
+        <p:spPr>
+          <a:xfrm>
+            <a:off x="4463334" y="5086236"/>
+            <a:ext cx="562822" cy="395315"/>
+          </a:xfrm>
+          <a:prstGeom prst="can">
+            <a:avLst/>
+          </a:prstGeom>
+          <a:solidFill>
+            <a:schemeClr val="accent5">
+              <a:lumMod val="60000"/>
+              <a:lumOff val="40000"/>
+            </a:schemeClr>
+          </a:solidFill>
+          <a:ln>
+            <a:solidFill>
+              <a:schemeClr val="accent5">
+                <a:lumMod val="60000"/>
+                <a:lumOff val="40000"/>
+              </a:schemeClr>
+            </a:solidFill>
+          </a:ln>
+        </p:spPr>
+        <p:style>
+          <a:lnRef idx="2">
+            <a:schemeClr val="accent1">
+              <a:shade val="50000"/>
+            </a:schemeClr>
+          </a:lnRef>
+          <a:fillRef idx="1">
+            <a:schemeClr val="accent1"/>
+          </a:fillRef>
+          <a:effectRef idx="0">
+            <a:schemeClr val="accent1"/>
+          </a:effectRef>
+          <a:fontRef idx="minor">
+            <a:schemeClr val="lt1"/>
+          </a:fontRef>
+        </p:style>
+        <p:txBody>
+          <a:bodyPr rtlCol="0" anchor="ctr"/>
+          <a:lstStyle/>
+          <a:p>
+            <a:pPr algn="ctr"/>
+            <a:r>
+              <a:rPr lang="en-GB" dirty="0">
+                <a:solidFill>
+                  <a:srgbClr val="002060"/>
+                </a:solidFill>
+              </a:rPr>
+              <a:t>CRs</a:t>
+            </a:r>
+          </a:p>
+        </p:txBody>
+      </p:sp>
     </p:spTree>
     <p:extLst>
       <p:ext uri="{BB962C8B-B14F-4D97-AF65-F5344CB8AC3E}">
